--- a/Matched Filter.pptx
+++ b/Matched Filter.pptx
@@ -262,7 +262,7 @@
           <a:p>
             <a:fld id="{E103D35A-DC37-463B-9812-D1385B3C8208}" type="datetimeFigureOut">
               <a:rPr lang="en-DE" smtClean="0"/>
-              <a:t>27/03/2023</a:t>
+              <a:t>28/03/2023</a:t>
             </a:fld>
             <a:endParaRPr lang="en-DE"/>
           </a:p>
@@ -462,7 +462,7 @@
           <a:p>
             <a:fld id="{E103D35A-DC37-463B-9812-D1385B3C8208}" type="datetimeFigureOut">
               <a:rPr lang="en-DE" smtClean="0"/>
-              <a:t>27/03/2023</a:t>
+              <a:t>28/03/2023</a:t>
             </a:fld>
             <a:endParaRPr lang="en-DE"/>
           </a:p>
@@ -708,7 +708,7 @@
           <a:p>
             <a:fld id="{E103D35A-DC37-463B-9812-D1385B3C8208}" type="datetimeFigureOut">
               <a:rPr lang="en-DE" smtClean="0"/>
-              <a:t>27/03/2023</a:t>
+              <a:t>28/03/2023</a:t>
             </a:fld>
             <a:endParaRPr lang="en-DE"/>
           </a:p>
@@ -3562,7 +3562,7 @@
         </p:nvSpPr>
         <p:spPr>
           <a:xfrm>
-            <a:off x="625475" y="2274236"/>
+            <a:off x="530008" y="2132660"/>
             <a:ext cx="3415037" cy="338554"/>
           </a:xfrm>
           <a:prstGeom prst="rect">
@@ -3616,16 +3616,19 @@
         </p:blipFill>
         <p:spPr>
           <a:xfrm>
-            <a:off x="159528" y="398473"/>
-            <a:ext cx="4583128" cy="1839902"/>
+            <a:off x="75286" y="126638"/>
+            <a:ext cx="4921079" cy="1975573"/>
           </a:xfrm>
           <a:prstGeom prst="rect">
             <a:avLst/>
           </a:prstGeom>
+          <a:solidFill>
+            <a:schemeClr val="bg1"/>
+          </a:solidFill>
         </p:spPr>
       </p:pic>
-      <mc:AlternateContent xmlns:mc="http://schemas.openxmlformats.org/markup-compatibility/2006">
-        <mc:Choice xmlns:a14="http://schemas.microsoft.com/office/drawing/2010/main" Requires="a14">
+      <mc:AlternateContent xmlns:mc="http://schemas.openxmlformats.org/markup-compatibility/2006" xmlns:a14="http://schemas.microsoft.com/office/drawing/2010/main">
+        <mc:Choice Requires="a14">
           <p:sp>
             <p:nvSpPr>
               <p:cNvPr id="39" name="TextBox 38">
@@ -3640,7 +3643,7 @@
             </p:nvSpPr>
             <p:spPr>
               <a:xfrm>
-                <a:off x="5121234" y="319169"/>
+                <a:off x="6072078" y="264581"/>
                 <a:ext cx="5354485" cy="369332"/>
               </a:xfrm>
               <a:prstGeom prst="rect">
@@ -3775,7 +3778,7 @@
             </p:txBody>
           </p:sp>
         </mc:Choice>
-        <mc:Fallback>
+        <mc:Fallback xmlns="">
           <p:sp>
             <p:nvSpPr>
               <p:cNvPr id="39" name="TextBox 38">
@@ -3792,7 +3795,7 @@
             </p:nvSpPr>
             <p:spPr>
               <a:xfrm>
-                <a:off x="5121234" y="319169"/>
+                <a:off x="6072078" y="264581"/>
                 <a:ext cx="5354485" cy="369332"/>
               </a:xfrm>
               <a:prstGeom prst="rect">
@@ -3820,8 +3823,8 @@
           </p:sp>
         </mc:Fallback>
       </mc:AlternateContent>
-      <mc:AlternateContent xmlns:mc="http://schemas.openxmlformats.org/markup-compatibility/2006">
-        <mc:Choice xmlns:a14="http://schemas.microsoft.com/office/drawing/2010/main" Requires="a14">
+      <mc:AlternateContent xmlns:mc="http://schemas.openxmlformats.org/markup-compatibility/2006" xmlns:a14="http://schemas.microsoft.com/office/drawing/2010/main">
+        <mc:Choice Requires="a14">
           <p:sp>
             <p:nvSpPr>
               <p:cNvPr id="41" name="TextBox 40">
@@ -3836,7 +3839,7 @@
             </p:nvSpPr>
             <p:spPr>
               <a:xfrm>
-                <a:off x="5167930" y="642422"/>
+                <a:off x="6119923" y="617358"/>
                 <a:ext cx="3704519" cy="369332"/>
               </a:xfrm>
               <a:prstGeom prst="rect">
@@ -3941,7 +3944,7 @@
             </p:txBody>
           </p:sp>
         </mc:Choice>
-        <mc:Fallback>
+        <mc:Fallback xmlns="">
           <p:sp>
             <p:nvSpPr>
               <p:cNvPr id="41" name="TextBox 40">
@@ -3958,7 +3961,7 @@
             </p:nvSpPr>
             <p:spPr>
               <a:xfrm>
-                <a:off x="5167930" y="642422"/>
+                <a:off x="6119923" y="617358"/>
                 <a:ext cx="3704519" cy="369332"/>
               </a:xfrm>
               <a:prstGeom prst="rect">
@@ -3986,8 +3989,8 @@
           </p:sp>
         </mc:Fallback>
       </mc:AlternateContent>
-      <mc:AlternateContent xmlns:mc="http://schemas.openxmlformats.org/markup-compatibility/2006">
-        <mc:Choice xmlns:a14="http://schemas.microsoft.com/office/drawing/2010/main" Requires="a14">
+      <mc:AlternateContent xmlns:mc="http://schemas.openxmlformats.org/markup-compatibility/2006" xmlns:a14="http://schemas.microsoft.com/office/drawing/2010/main">
+        <mc:Choice Requires="a14">
           <p:sp>
             <p:nvSpPr>
               <p:cNvPr id="43" name="TextBox 42">
@@ -4002,7 +4005,7 @@
             </p:nvSpPr>
             <p:spPr>
               <a:xfrm>
-                <a:off x="5203484" y="968845"/>
+                <a:off x="6178763" y="960607"/>
                 <a:ext cx="3633410" cy="369332"/>
               </a:xfrm>
               <a:prstGeom prst="rect">
@@ -4095,7 +4098,7 @@
             </p:txBody>
           </p:sp>
         </mc:Choice>
-        <mc:Fallback>
+        <mc:Fallback xmlns="">
           <p:sp>
             <p:nvSpPr>
               <p:cNvPr id="43" name="TextBox 42">
@@ -4112,7 +4115,7 @@
             </p:nvSpPr>
             <p:spPr>
               <a:xfrm>
-                <a:off x="5203484" y="968845"/>
+                <a:off x="6178763" y="960607"/>
                 <a:ext cx="3633410" cy="369332"/>
               </a:xfrm>
               <a:prstGeom prst="rect">
@@ -4121,7 +4124,7 @@
               <a:blipFill>
                 <a:blip r:embed="rId5"/>
                 <a:stretch>
-                  <a:fillRect b="-11475"/>
+                  <a:fillRect b="-13333"/>
                 </a:stretch>
               </a:blipFill>
             </p:spPr>
@@ -4154,7 +4157,7 @@
           </p:cNvPicPr>
           <p:nvPr/>
         </p:nvPicPr>
-        <p:blipFill>
+        <p:blipFill rotWithShape="1">
           <a:blip r:embed="rId6">
             <a:extLst>
               <a:ext uri="{28A0092B-C50C-407E-A947-70E740481C1C}">
@@ -4162,14 +4165,13 @@
               </a:ext>
             </a:extLst>
           </a:blip>
-          <a:stretch>
-            <a:fillRect/>
-          </a:stretch>
+          <a:srcRect l="2549" t="7433" r="4945" b="9586"/>
+          <a:stretch/>
         </p:blipFill>
         <p:spPr>
           <a:xfrm>
-            <a:off x="9296452" y="674687"/>
-            <a:ext cx="2537567" cy="1090670"/>
+            <a:off x="9712436" y="682871"/>
+            <a:ext cx="2347402" cy="905050"/>
           </a:xfrm>
           <a:prstGeom prst="rect">
             <a:avLst/>
@@ -4192,8 +4194,8 @@
             </p:nvSpPr>
             <p:spPr>
               <a:xfrm>
-                <a:off x="5137409" y="1765357"/>
-                <a:ext cx="3264029" cy="871457"/>
+                <a:off x="6003452" y="2693973"/>
+                <a:ext cx="2923202" cy="871457"/>
               </a:xfrm>
               <a:prstGeom prst="rect">
                 <a:avLst/>
@@ -4421,8 +4423,8 @@
             </p:nvSpPr>
             <p:spPr>
               <a:xfrm>
-                <a:off x="5137409" y="1765357"/>
-                <a:ext cx="3264029" cy="871457"/>
+                <a:off x="6003452" y="2693973"/>
+                <a:ext cx="2923202" cy="871457"/>
               </a:xfrm>
               <a:prstGeom prst="rect">
                 <a:avLst/>
@@ -4465,8 +4467,8 @@
             </p:nvSpPr>
             <p:spPr>
               <a:xfrm>
-                <a:off x="5288399" y="2616186"/>
-                <a:ext cx="1944277" cy="369332"/>
+                <a:off x="4397034" y="1641392"/>
+                <a:ext cx="1849275" cy="369332"/>
               </a:xfrm>
               <a:prstGeom prst="rect">
                 <a:avLst/>
@@ -4607,8 +4609,8 @@
             </p:nvSpPr>
             <p:spPr>
               <a:xfrm>
-                <a:off x="5288399" y="2616186"/>
-                <a:ext cx="1944277" cy="369332"/>
+                <a:off x="4397034" y="1641392"/>
+                <a:ext cx="1849275" cy="369332"/>
               </a:xfrm>
               <a:prstGeom prst="rect">
                 <a:avLst/>
@@ -4651,8 +4653,8 @@
             </p:nvSpPr>
             <p:spPr>
               <a:xfrm>
-                <a:off x="5214938" y="3027602"/>
-                <a:ext cx="5137818" cy="871457"/>
+                <a:off x="6246309" y="1392365"/>
+                <a:ext cx="5630720" cy="877997"/>
               </a:xfrm>
               <a:prstGeom prst="rect">
                 <a:avLst/>
@@ -4673,9 +4675,7 @@
                     </m:oMathParaPr>
                     <m:oMath xmlns:m="http://schemas.openxmlformats.org/officeDocument/2006/math">
                       <m:r>
-                        <a:rPr lang="en-DE" i="1" smtClean="0">
-                          <a:latin typeface="Cambria Math" panose="02040503050406030204" pitchFamily="18" charset="0"/>
-                        </a:rPr>
+                        <a:rPr lang="en-DE" i="1"/>
                         <m:t>h𝑓</m:t>
                       </m:r>
                       <m:d>
@@ -4683,27 +4683,18 @@
                           <m:begChr m:val="["/>
                           <m:endChr m:val="]"/>
                           <m:ctrlPr>
-                            <a:rPr lang="en-DE" i="1">
-                              <a:solidFill>
-                                <a:srgbClr val="836967"/>
-                              </a:solidFill>
-                              <a:latin typeface="Cambria Math" panose="02040503050406030204" pitchFamily="18" charset="0"/>
-                            </a:rPr>
+                            <a:rPr lang="en-DE" i="1"/>
                           </m:ctrlPr>
                         </m:dPr>
                         <m:e>
                           <m:r>
-                            <a:rPr lang="en-DE" i="1">
-                              <a:latin typeface="Cambria Math" panose="02040503050406030204" pitchFamily="18" charset="0"/>
-                            </a:rPr>
+                            <a:rPr lang="en-DE" i="1"/>
                             <m:t>𝑚</m:t>
                           </m:r>
                         </m:e>
                       </m:d>
                       <m:r>
-                        <a:rPr lang="en-DE" i="0">
-                          <a:latin typeface="Cambria Math" panose="02040503050406030204" pitchFamily="18" charset="0"/>
-                        </a:rPr>
+                        <a:rPr lang="en-DE" i="1"/>
                         <m:t>=</m:t>
                       </m:r>
                       <m:nary>
@@ -4711,44 +4702,32 @@
                           <m:chr m:val="∑"/>
                           <m:limLoc m:val="undOvr"/>
                           <m:ctrlPr>
-                            <a:rPr lang="en-DE" i="1">
-                              <a:latin typeface="Cambria Math" panose="02040503050406030204" pitchFamily="18" charset="0"/>
-                            </a:rPr>
+                            <a:rPr lang="en-DE" i="1"/>
                           </m:ctrlPr>
                         </m:naryPr>
                         <m:sub>
                           <m:r>
-                            <a:rPr lang="en-DE" i="1">
-                              <a:latin typeface="Cambria Math" panose="02040503050406030204" pitchFamily="18" charset="0"/>
-                            </a:rPr>
+                            <a:rPr lang="en-DE" i="1"/>
                             <m:t>𝑘</m:t>
                           </m:r>
                           <m:r>
-                            <a:rPr lang="en-DE" i="0">
-                              <a:latin typeface="Cambria Math" panose="02040503050406030204" pitchFamily="18" charset="0"/>
-                            </a:rPr>
+                            <a:rPr lang="en-DE" i="1"/>
                             <m:t>=0</m:t>
                           </m:r>
                         </m:sub>
                         <m:sup>
                           <m:r>
-                            <a:rPr lang="en-DE" i="1">
-                              <a:latin typeface="Cambria Math" panose="02040503050406030204" pitchFamily="18" charset="0"/>
-                            </a:rPr>
+                            <a:rPr lang="en-DE" i="1"/>
                             <m:t>𝑁</m:t>
                           </m:r>
                           <m:r>
-                            <a:rPr lang="en-DE" i="0">
-                              <a:latin typeface="Cambria Math" panose="02040503050406030204" pitchFamily="18" charset="0"/>
-                            </a:rPr>
+                            <a:rPr lang="en-DE" i="1"/>
                             <m:t>−1</m:t>
                           </m:r>
                         </m:sup>
                         <m:e>
                           <m:r>
-                            <a:rPr lang="en-DE" i="1">
-                              <a:latin typeface="Cambria Math" panose="02040503050406030204" pitchFamily="18" charset="0"/>
-                            </a:rPr>
+                            <a:rPr lang="en-DE" i="1"/>
                             <m:t>h</m:t>
                           </m:r>
                           <m:d>
@@ -4756,27 +4735,18 @@
                               <m:begChr m:val="["/>
                               <m:endChr m:val="]"/>
                               <m:ctrlPr>
-                                <a:rPr lang="en-DE" i="1">
-                                  <a:solidFill>
-                                    <a:srgbClr val="836967"/>
-                                  </a:solidFill>
-                                  <a:latin typeface="Cambria Math" panose="02040503050406030204" pitchFamily="18" charset="0"/>
-                                </a:rPr>
+                                <a:rPr lang="en-DE" i="1"/>
                               </m:ctrlPr>
                             </m:dPr>
                             <m:e>
                               <m:r>
-                                <a:rPr lang="en-DE" i="1">
-                                  <a:latin typeface="Cambria Math" panose="02040503050406030204" pitchFamily="18" charset="0"/>
-                                </a:rPr>
+                                <a:rPr lang="en-DE" i="1"/>
                                 <m:t>𝑘</m:t>
                               </m:r>
                             </m:e>
                           </m:d>
                           <m:r>
-                            <a:rPr lang="en-DE" i="0">
-                              <a:latin typeface="Cambria Math" panose="02040503050406030204" pitchFamily="18" charset="0"/>
-                            </a:rPr>
+                            <a:rPr lang="en-DE" i="1"/>
                             <m:t>∙</m:t>
                           </m:r>
                         </m:e>
@@ -4784,241 +4754,188 @@
                       <m:sSup>
                         <m:sSupPr>
                           <m:ctrlPr>
-                            <a:rPr lang="en-DE" i="1">
-                              <a:solidFill>
-                                <a:srgbClr val="836967"/>
-                              </a:solidFill>
-                              <a:latin typeface="Cambria Math" panose="02040503050406030204" pitchFamily="18" charset="0"/>
-                            </a:rPr>
+                            <a:rPr lang="en-DE" i="1"/>
                           </m:ctrlPr>
                         </m:sSupPr>
                         <m:e>
                           <m:r>
-                            <a:rPr lang="en-DE" i="1">
-                              <a:latin typeface="Cambria Math" panose="02040503050406030204" pitchFamily="18" charset="0"/>
-                            </a:rPr>
+                            <a:rPr lang="en-DE" i="1"/>
                             <m:t>𝑒</m:t>
                           </m:r>
                         </m:e>
                         <m:sup>
                           <m:r>
-                            <a:rPr lang="en-DE" i="0">
-                              <a:latin typeface="Cambria Math" panose="02040503050406030204" pitchFamily="18" charset="0"/>
-                            </a:rPr>
+                            <a:rPr lang="en-DE" i="1"/>
                             <m:t>−</m:t>
                           </m:r>
                           <m:r>
-                            <a:rPr lang="en-DE" i="1">
-                              <a:latin typeface="Cambria Math" panose="02040503050406030204" pitchFamily="18" charset="0"/>
-                            </a:rPr>
+                            <a:rPr lang="en-DE" i="1"/>
                             <m:t>𝑗</m:t>
                           </m:r>
                           <m:f>
                             <m:fPr>
                               <m:ctrlPr>
-                                <a:rPr lang="en-DE" i="1">
-                                  <a:solidFill>
-                                    <a:srgbClr val="836967"/>
-                                  </a:solidFill>
-                                  <a:latin typeface="Cambria Math" panose="02040503050406030204" pitchFamily="18" charset="0"/>
-                                </a:rPr>
+                                <a:rPr lang="en-DE" i="1"/>
                               </m:ctrlPr>
                             </m:fPr>
                             <m:num>
                               <m:r>
-                                <a:rPr lang="en-DE" i="0">
-                                  <a:latin typeface="Cambria Math" panose="02040503050406030204" pitchFamily="18" charset="0"/>
-                                </a:rPr>
+                                <a:rPr lang="en-DE" i="1"/>
                                 <m:t>2</m:t>
                               </m:r>
                               <m:r>
-                                <a:rPr lang="en-DE" i="1">
-                                  <a:latin typeface="Cambria Math" panose="02040503050406030204" pitchFamily="18" charset="0"/>
-                                </a:rPr>
+                                <a:rPr lang="en-DE" i="1"/>
                                 <m:t>𝜋</m:t>
                               </m:r>
                             </m:num>
                             <m:den>
                               <m:r>
-                                <a:rPr lang="en-DE" i="1">
-                                  <a:latin typeface="Cambria Math" panose="02040503050406030204" pitchFamily="18" charset="0"/>
-                                </a:rPr>
+                                <a:rPr lang="en-DE" i="1"/>
                                 <m:t>𝑁</m:t>
                               </m:r>
                             </m:den>
                           </m:f>
                           <m:r>
-                            <a:rPr lang="en-DE" i="1">
-                              <a:latin typeface="Cambria Math" panose="02040503050406030204" pitchFamily="18" charset="0"/>
-                            </a:rPr>
+                            <a:rPr lang="en-DE" i="1"/>
                             <m:t>𝑘𝑚</m:t>
                           </m:r>
                         </m:sup>
                       </m:sSup>
                       <m:r>
-                        <a:rPr lang="en-DE" i="0">
-                          <a:latin typeface="Cambria Math" panose="02040503050406030204" pitchFamily="18" charset="0"/>
-                        </a:rPr>
+                        <a:rPr lang="en-DE" i="1"/>
                         <m:t>=</m:t>
                       </m:r>
+                      <m:nary>
+                        <m:naryPr>
+                          <m:chr m:val="∑"/>
+                          <m:limLoc m:val="undOvr"/>
+                          <m:ctrlPr>
+                            <a:rPr lang="en-DE" i="1"/>
+                          </m:ctrlPr>
+                        </m:naryPr>
+                        <m:sub>
+                          <m:r>
+                            <a:rPr lang="en-DE" i="1"/>
+                            <m:t>𝑘</m:t>
+                          </m:r>
+                          <m:r>
+                            <a:rPr lang="en-DE" i="1"/>
+                            <m:t>=0</m:t>
+                          </m:r>
+                        </m:sub>
+                        <m:sup>
+                          <m:r>
+                            <a:rPr lang="en-DE" i="1"/>
+                            <m:t>𝑁</m:t>
+                          </m:r>
+                          <m:r>
+                            <a:rPr lang="en-DE" i="1"/>
+                            <m:t>−1</m:t>
+                          </m:r>
+                        </m:sup>
+                        <m:e>
+                          <m:r>
+                            <a:rPr lang="en-DE" i="1"/>
+                            <m:t>𝑥</m:t>
+                          </m:r>
+                          <m:d>
+                            <m:dPr>
+                              <m:begChr m:val="["/>
+                              <m:endChr m:val="]"/>
+                              <m:ctrlPr>
+                                <a:rPr lang="en-DE" i="1"/>
+                              </m:ctrlPr>
+                            </m:dPr>
+                            <m:e>
+                              <m:sSub>
+                                <m:sSubPr>
+                                  <m:ctrlPr>
+                                    <a:rPr lang="en-DE" i="1"/>
+                                  </m:ctrlPr>
+                                </m:sSubPr>
+                                <m:e>
+                                  <m:r>
+                                    <a:rPr lang="en-DE" i="1"/>
+                                    <m:t>𝑘</m:t>
+                                  </m:r>
+                                </m:e>
+                                <m:sub>
+                                  <m:r>
+                                    <a:rPr lang="en-DE" i="1"/>
+                                    <m:t>0</m:t>
+                                  </m:r>
+                                </m:sub>
+                              </m:sSub>
+                              <m:r>
+                                <a:rPr lang="en-DE" i="1"/>
+                                <m:t>−</m:t>
+                              </m:r>
+                              <m:r>
+                                <a:rPr lang="en-DE" i="1"/>
+                                <m:t>𝑘</m:t>
+                              </m:r>
+                            </m:e>
+                          </m:d>
+                          <m:r>
+                            <a:rPr lang="en-DE" i="1"/>
+                            <m:t>∙</m:t>
+                          </m:r>
+                        </m:e>
+                      </m:nary>
                       <m:sSup>
                         <m:sSupPr>
                           <m:ctrlPr>
-                            <a:rPr lang="en-DE" i="1">
-                              <a:solidFill>
-                                <a:srgbClr val="836967"/>
-                              </a:solidFill>
-                              <a:latin typeface="Cambria Math" panose="02040503050406030204" pitchFamily="18" charset="0"/>
-                            </a:rPr>
+                            <a:rPr lang="en-DE" i="1"/>
                           </m:ctrlPr>
                         </m:sSupPr>
                         <m:e>
                           <m:r>
-                            <a:rPr lang="en-DE" i="1">
-                              <a:latin typeface="Cambria Math" panose="02040503050406030204" pitchFamily="18" charset="0"/>
-                            </a:rPr>
-                            <m:t>𝑥𝑓</m:t>
+                            <a:rPr lang="en-DE" i="1"/>
+                            <m:t>𝑒</m:t>
                           </m:r>
                         </m:e>
                         <m:sup>
                           <m:r>
-                            <a:rPr lang="en-DE" i="0">
-                              <a:latin typeface="Cambria Math" panose="02040503050406030204" pitchFamily="18" charset="0"/>
-                            </a:rPr>
-                            <m:t>∗</m:t>
-                          </m:r>
-                        </m:sup>
-                      </m:sSup>
-                      <m:d>
-                        <m:dPr>
-                          <m:begChr m:val="["/>
-                          <m:endChr m:val="]"/>
-                          <m:ctrlPr>
-                            <a:rPr lang="en-DE" i="1">
-                              <a:solidFill>
-                                <a:srgbClr val="836967"/>
-                              </a:solidFill>
-                              <a:latin typeface="Cambria Math" panose="02040503050406030204" pitchFamily="18" charset="0"/>
-                            </a:rPr>
-                          </m:ctrlPr>
-                        </m:dPr>
-                        <m:e>
-                          <m:r>
-                            <a:rPr lang="en-DE" i="1">
-                              <a:latin typeface="Cambria Math" panose="02040503050406030204" pitchFamily="18" charset="0"/>
-                            </a:rPr>
-                            <m:t>𝑚</m:t>
-                          </m:r>
-                        </m:e>
-                      </m:d>
-                      <m:sSup>
-                        <m:sSupPr>
-                          <m:ctrlPr>
-                            <a:rPr lang="en-DE" i="1">
-                              <a:solidFill>
-                                <a:srgbClr val="836967"/>
-                              </a:solidFill>
-                              <a:latin typeface="Cambria Math" panose="02040503050406030204" pitchFamily="18" charset="0"/>
-                            </a:rPr>
-                          </m:ctrlPr>
-                        </m:sSupPr>
-                        <m:e>
-                          <m:r>
-                            <a:rPr lang="en-DE" i="0">
-                              <a:latin typeface="Cambria Math" panose="02040503050406030204" pitchFamily="18" charset="0"/>
-                            </a:rPr>
-                            <m:t>∙</m:t>
-                          </m:r>
-                          <m:r>
-                            <a:rPr lang="en-DE" i="1">
-                              <a:latin typeface="Cambria Math" panose="02040503050406030204" pitchFamily="18" charset="0"/>
-                            </a:rPr>
-                            <m:t>𝑒</m:t>
-                          </m:r>
-                        </m:e>
-                        <m:sup>
-                          <m:r>
-                            <a:rPr lang="en-DE" i="0">
-                              <a:latin typeface="Cambria Math" panose="02040503050406030204" pitchFamily="18" charset="0"/>
-                            </a:rPr>
+                            <a:rPr lang="en-DE" i="1"/>
                             <m:t>−</m:t>
                           </m:r>
                           <m:r>
-                            <a:rPr lang="en-DE" i="1">
-                              <a:latin typeface="Cambria Math" panose="02040503050406030204" pitchFamily="18" charset="0"/>
-                            </a:rPr>
+                            <a:rPr lang="en-DE" i="1"/>
                             <m:t>𝑗</m:t>
                           </m:r>
                           <m:f>
                             <m:fPr>
                               <m:ctrlPr>
-                                <a:rPr lang="en-DE" i="1">
-                                  <a:solidFill>
-                                    <a:srgbClr val="836967"/>
-                                  </a:solidFill>
-                                  <a:latin typeface="Cambria Math" panose="02040503050406030204" pitchFamily="18" charset="0"/>
-                                </a:rPr>
+                                <a:rPr lang="en-DE" i="1"/>
                               </m:ctrlPr>
                             </m:fPr>
                             <m:num>
                               <m:r>
-                                <a:rPr lang="en-DE" i="0">
-                                  <a:latin typeface="Cambria Math" panose="02040503050406030204" pitchFamily="18" charset="0"/>
-                                </a:rPr>
+                                <a:rPr lang="en-DE" i="1"/>
                                 <m:t>2</m:t>
                               </m:r>
                               <m:r>
-                                <a:rPr lang="en-DE" i="1">
-                                  <a:latin typeface="Cambria Math" panose="02040503050406030204" pitchFamily="18" charset="0"/>
-                                </a:rPr>
+                                <a:rPr lang="en-DE" i="1"/>
                                 <m:t>𝜋</m:t>
                               </m:r>
                             </m:num>
                             <m:den>
                               <m:r>
-                                <a:rPr lang="en-DE" i="1">
-                                  <a:latin typeface="Cambria Math" panose="02040503050406030204" pitchFamily="18" charset="0"/>
-                                </a:rPr>
+                                <a:rPr lang="en-DE" i="1"/>
                                 <m:t>𝑁</m:t>
                               </m:r>
                             </m:den>
                           </m:f>
-                          <m:sSub>
-                            <m:sSubPr>
-                              <m:ctrlPr>
-                                <a:rPr lang="en-DE" i="1">
-                                  <a:solidFill>
-                                    <a:srgbClr val="836967"/>
-                                  </a:solidFill>
-                                  <a:latin typeface="Cambria Math" panose="02040503050406030204" pitchFamily="18" charset="0"/>
-                                </a:rPr>
-                              </m:ctrlPr>
-                            </m:sSubPr>
-                            <m:e>
-                              <m:r>
-                                <a:rPr lang="en-DE" i="1">
-                                  <a:latin typeface="Cambria Math" panose="02040503050406030204" pitchFamily="18" charset="0"/>
-                                </a:rPr>
-                                <m:t>𝑘</m:t>
-                              </m:r>
-                            </m:e>
-                            <m:sub>
-                              <m:r>
-                                <a:rPr lang="en-DE" i="0">
-                                  <a:latin typeface="Cambria Math" panose="02040503050406030204" pitchFamily="18" charset="0"/>
-                                </a:rPr>
-                                <m:t>0</m:t>
-                              </m:r>
-                            </m:sub>
-                          </m:sSub>
-                          <m:r>
-                            <a:rPr lang="en-DE" i="1">
-                              <a:latin typeface="Cambria Math" panose="02040503050406030204" pitchFamily="18" charset="0"/>
-                            </a:rPr>
-                            <m:t>𝑚</m:t>
+                          <m:r>
+                            <a:rPr lang="en-DE" i="1"/>
+                            <m:t>𝑘𝑚</m:t>
                           </m:r>
                         </m:sup>
                       </m:sSup>
+                      <m:r>
+                        <a:rPr lang="en-DE" i="1"/>
+                        <m:t>=</m:t>
+                      </m:r>
                     </m:oMath>
                   </m:oMathPara>
                 </a14:m>
@@ -5044,8 +4961,8 @@
             </p:nvSpPr>
             <p:spPr>
               <a:xfrm>
-                <a:off x="5214938" y="3027602"/>
-                <a:ext cx="5137818" cy="871457"/>
+                <a:off x="6246309" y="1392365"/>
+                <a:ext cx="5630720" cy="877997"/>
               </a:xfrm>
               <a:prstGeom prst="rect">
                 <a:avLst/>
@@ -5076,10 +4993,10 @@
         <mc:Choice xmlns:a14="http://schemas.microsoft.com/office/drawing/2010/main" Requires="a14">
           <p:sp>
             <p:nvSpPr>
-              <p:cNvPr id="61" name="TextBox 60">
+              <p:cNvPr id="6" name="TextBox 5">
                 <a:extLst>
                   <a:ext uri="{FF2B5EF4-FFF2-40B4-BE49-F238E27FC236}">
-                    <a16:creationId xmlns:a16="http://schemas.microsoft.com/office/drawing/2014/main" id="{678C397D-BD0A-2908-FC5A-AA5D8CFC0C19}"/>
+                    <a16:creationId xmlns:a16="http://schemas.microsoft.com/office/drawing/2014/main" id="{2378CF38-5AA2-F6B5-20E7-258EB5F8CFAB}"/>
                   </a:ext>
                 </a:extLst>
               </p:cNvPr>
@@ -5088,538 +5005,8 @@
             </p:nvSpPr>
             <p:spPr>
               <a:xfrm>
-                <a:off x="5203484" y="3818646"/>
-                <a:ext cx="6718898" cy="493853"/>
-              </a:xfrm>
-              <a:prstGeom prst="rect">
-                <a:avLst/>
-              </a:prstGeom>
-              <a:noFill/>
-            </p:spPr>
-            <p:txBody>
-              <a:bodyPr wrap="square">
-                <a:spAutoFit/>
-              </a:bodyPr>
-              <a:lstStyle/>
-              <a:p>
-                <a:pPr/>
-                <a14:m>
-                  <m:oMathPara xmlns:m="http://schemas.openxmlformats.org/officeDocument/2006/math">
-                    <m:oMathParaPr>
-                      <m:jc m:val="centerGroup"/>
-                    </m:oMathParaPr>
-                    <m:oMath xmlns:m="http://schemas.openxmlformats.org/officeDocument/2006/math">
-                      <m:r>
-                        <a:rPr lang="en-DE" i="1" smtClean="0">
-                          <a:latin typeface="Cambria Math" panose="02040503050406030204" pitchFamily="18" charset="0"/>
-                        </a:rPr>
-                        <m:t>𝑥𝑓</m:t>
-                      </m:r>
-                      <m:d>
-                        <m:dPr>
-                          <m:begChr m:val="["/>
-                          <m:endChr m:val="]"/>
-                          <m:ctrlPr>
-                            <a:rPr lang="en-DE" i="1">
-                              <a:solidFill>
-                                <a:srgbClr val="836967"/>
-                              </a:solidFill>
-                              <a:latin typeface="Cambria Math" panose="02040503050406030204" pitchFamily="18" charset="0"/>
-                            </a:rPr>
-                          </m:ctrlPr>
-                        </m:dPr>
-                        <m:e>
-                          <m:r>
-                            <a:rPr lang="en-DE" i="1">
-                              <a:latin typeface="Cambria Math" panose="02040503050406030204" pitchFamily="18" charset="0"/>
-                            </a:rPr>
-                            <m:t>𝑚</m:t>
-                          </m:r>
-                        </m:e>
-                      </m:d>
-                      <m:r>
-                        <a:rPr lang="en-DE" i="0">
-                          <a:latin typeface="Cambria Math" panose="02040503050406030204" pitchFamily="18" charset="0"/>
-                        </a:rPr>
-                        <m:t>∙</m:t>
-                      </m:r>
-                      <m:r>
-                        <a:rPr lang="en-DE" i="1">
-                          <a:latin typeface="Cambria Math" panose="02040503050406030204" pitchFamily="18" charset="0"/>
-                        </a:rPr>
-                        <m:t>h𝑓</m:t>
-                      </m:r>
-                      <m:d>
-                        <m:dPr>
-                          <m:begChr m:val="["/>
-                          <m:endChr m:val="]"/>
-                          <m:ctrlPr>
-                            <a:rPr lang="en-DE" i="1">
-                              <a:solidFill>
-                                <a:srgbClr val="836967"/>
-                              </a:solidFill>
-                              <a:latin typeface="Cambria Math" panose="02040503050406030204" pitchFamily="18" charset="0"/>
-                            </a:rPr>
-                          </m:ctrlPr>
-                        </m:dPr>
-                        <m:e>
-                          <m:r>
-                            <a:rPr lang="en-DE" i="1">
-                              <a:latin typeface="Cambria Math" panose="02040503050406030204" pitchFamily="18" charset="0"/>
-                            </a:rPr>
-                            <m:t>𝑚</m:t>
-                          </m:r>
-                        </m:e>
-                      </m:d>
-                      <m:r>
-                        <a:rPr lang="en-DE" i="0">
-                          <a:latin typeface="Cambria Math" panose="02040503050406030204" pitchFamily="18" charset="0"/>
-                        </a:rPr>
-                        <m:t>=</m:t>
-                      </m:r>
-                      <m:sSup>
-                        <m:sSupPr>
-                          <m:ctrlPr>
-                            <a:rPr lang="en-DE" i="1">
-                              <a:solidFill>
-                                <a:srgbClr val="836967"/>
-                              </a:solidFill>
-                              <a:latin typeface="Cambria Math" panose="02040503050406030204" pitchFamily="18" charset="0"/>
-                            </a:rPr>
-                          </m:ctrlPr>
-                        </m:sSupPr>
-                        <m:e>
-                          <m:r>
-                            <a:rPr lang="en-DE" i="1">
-                              <a:latin typeface="Cambria Math" panose="02040503050406030204" pitchFamily="18" charset="0"/>
-                            </a:rPr>
-                            <m:t>𝑥𝑓</m:t>
-                          </m:r>
-                          <m:d>
-                            <m:dPr>
-                              <m:begChr m:val="["/>
-                              <m:endChr m:val="]"/>
-                              <m:ctrlPr>
-                                <a:rPr lang="en-DE" i="1">
-                                  <a:solidFill>
-                                    <a:srgbClr val="836967"/>
-                                  </a:solidFill>
-                                  <a:latin typeface="Cambria Math" panose="02040503050406030204" pitchFamily="18" charset="0"/>
-                                </a:rPr>
-                              </m:ctrlPr>
-                            </m:dPr>
-                            <m:e>
-                              <m:r>
-                                <a:rPr lang="en-DE" i="1">
-                                  <a:latin typeface="Cambria Math" panose="02040503050406030204" pitchFamily="18" charset="0"/>
-                                </a:rPr>
-                                <m:t>𝑚</m:t>
-                              </m:r>
-                            </m:e>
-                          </m:d>
-                          <m:r>
-                            <a:rPr lang="en-DE" i="0">
-                              <a:latin typeface="Cambria Math" panose="02040503050406030204" pitchFamily="18" charset="0"/>
-                            </a:rPr>
-                            <m:t>∙</m:t>
-                          </m:r>
-                          <m:r>
-                            <a:rPr lang="en-DE" i="1">
-                              <a:latin typeface="Cambria Math" panose="02040503050406030204" pitchFamily="18" charset="0"/>
-                            </a:rPr>
-                            <m:t>𝑥𝑓</m:t>
-                          </m:r>
-                        </m:e>
-                        <m:sup>
-                          <m:r>
-                            <a:rPr lang="en-DE" i="0">
-                              <a:latin typeface="Cambria Math" panose="02040503050406030204" pitchFamily="18" charset="0"/>
-                            </a:rPr>
-                            <m:t>∗</m:t>
-                          </m:r>
-                        </m:sup>
-                      </m:sSup>
-                      <m:d>
-                        <m:dPr>
-                          <m:begChr m:val="["/>
-                          <m:endChr m:val="]"/>
-                          <m:ctrlPr>
-                            <a:rPr lang="en-DE" i="1">
-                              <a:solidFill>
-                                <a:srgbClr val="836967"/>
-                              </a:solidFill>
-                              <a:latin typeface="Cambria Math" panose="02040503050406030204" pitchFamily="18" charset="0"/>
-                            </a:rPr>
-                          </m:ctrlPr>
-                        </m:dPr>
-                        <m:e>
-                          <m:r>
-                            <a:rPr lang="en-DE" i="1">
-                              <a:latin typeface="Cambria Math" panose="02040503050406030204" pitchFamily="18" charset="0"/>
-                            </a:rPr>
-                            <m:t>𝑚</m:t>
-                          </m:r>
-                        </m:e>
-                      </m:d>
-                      <m:sSup>
-                        <m:sSupPr>
-                          <m:ctrlPr>
-                            <a:rPr lang="en-DE" i="1">
-                              <a:solidFill>
-                                <a:srgbClr val="836967"/>
-                              </a:solidFill>
-                              <a:latin typeface="Cambria Math" panose="02040503050406030204" pitchFamily="18" charset="0"/>
-                            </a:rPr>
-                          </m:ctrlPr>
-                        </m:sSupPr>
-                        <m:e>
-                          <m:r>
-                            <a:rPr lang="en-DE" i="0">
-                              <a:latin typeface="Cambria Math" panose="02040503050406030204" pitchFamily="18" charset="0"/>
-                            </a:rPr>
-                            <m:t>∙</m:t>
-                          </m:r>
-                          <m:r>
-                            <a:rPr lang="en-DE" i="1">
-                              <a:latin typeface="Cambria Math" panose="02040503050406030204" pitchFamily="18" charset="0"/>
-                            </a:rPr>
-                            <m:t>𝑒</m:t>
-                          </m:r>
-                        </m:e>
-                        <m:sup>
-                          <m:r>
-                            <a:rPr lang="en-DE" i="0">
-                              <a:latin typeface="Cambria Math" panose="02040503050406030204" pitchFamily="18" charset="0"/>
-                            </a:rPr>
-                            <m:t>−</m:t>
-                          </m:r>
-                          <m:r>
-                            <a:rPr lang="en-DE" i="1">
-                              <a:latin typeface="Cambria Math" panose="02040503050406030204" pitchFamily="18" charset="0"/>
-                            </a:rPr>
-                            <m:t>𝑗</m:t>
-                          </m:r>
-                          <m:f>
-                            <m:fPr>
-                              <m:ctrlPr>
-                                <a:rPr lang="en-DE" i="1">
-                                  <a:solidFill>
-                                    <a:srgbClr val="836967"/>
-                                  </a:solidFill>
-                                  <a:latin typeface="Cambria Math" panose="02040503050406030204" pitchFamily="18" charset="0"/>
-                                </a:rPr>
-                              </m:ctrlPr>
-                            </m:fPr>
-                            <m:num>
-                              <m:r>
-                                <a:rPr lang="en-DE" i="0">
-                                  <a:latin typeface="Cambria Math" panose="02040503050406030204" pitchFamily="18" charset="0"/>
-                                </a:rPr>
-                                <m:t>2</m:t>
-                              </m:r>
-                              <m:r>
-                                <a:rPr lang="en-DE" i="1">
-                                  <a:latin typeface="Cambria Math" panose="02040503050406030204" pitchFamily="18" charset="0"/>
-                                </a:rPr>
-                                <m:t>𝜋</m:t>
-                              </m:r>
-                            </m:num>
-                            <m:den>
-                              <m:r>
-                                <a:rPr lang="en-DE" i="1">
-                                  <a:latin typeface="Cambria Math" panose="02040503050406030204" pitchFamily="18" charset="0"/>
-                                </a:rPr>
-                                <m:t>𝑁</m:t>
-                              </m:r>
-                            </m:den>
-                          </m:f>
-                          <m:sSub>
-                            <m:sSubPr>
-                              <m:ctrlPr>
-                                <a:rPr lang="en-DE" i="1">
-                                  <a:solidFill>
-                                    <a:srgbClr val="836967"/>
-                                  </a:solidFill>
-                                  <a:latin typeface="Cambria Math" panose="02040503050406030204" pitchFamily="18" charset="0"/>
-                                </a:rPr>
-                              </m:ctrlPr>
-                            </m:sSubPr>
-                            <m:e>
-                              <m:r>
-                                <a:rPr lang="en-DE" i="1">
-                                  <a:latin typeface="Cambria Math" panose="02040503050406030204" pitchFamily="18" charset="0"/>
-                                </a:rPr>
-                                <m:t>𝑘</m:t>
-                              </m:r>
-                            </m:e>
-                            <m:sub>
-                              <m:r>
-                                <a:rPr lang="en-DE" i="0">
-                                  <a:latin typeface="Cambria Math" panose="02040503050406030204" pitchFamily="18" charset="0"/>
-                                </a:rPr>
-                                <m:t>0</m:t>
-                              </m:r>
-                            </m:sub>
-                          </m:sSub>
-                          <m:r>
-                            <a:rPr lang="en-DE" i="1">
-                              <a:latin typeface="Cambria Math" panose="02040503050406030204" pitchFamily="18" charset="0"/>
-                            </a:rPr>
-                            <m:t>𝑚</m:t>
-                          </m:r>
-                        </m:sup>
-                      </m:sSup>
-                      <m:r>
-                        <a:rPr lang="en-DE" i="0">
-                          <a:latin typeface="Cambria Math" panose="02040503050406030204" pitchFamily="18" charset="0"/>
-                        </a:rPr>
-                        <m:t>=</m:t>
-                      </m:r>
-                      <m:sSup>
-                        <m:sSupPr>
-                          <m:ctrlPr>
-                            <a:rPr lang="en-DE" i="1">
-                              <a:solidFill>
-                                <a:srgbClr val="836967"/>
-                              </a:solidFill>
-                              <a:latin typeface="Cambria Math" panose="02040503050406030204" pitchFamily="18" charset="0"/>
-                            </a:rPr>
-                          </m:ctrlPr>
-                        </m:sSupPr>
-                        <m:e>
-                          <m:d>
-                            <m:dPr>
-                              <m:begChr m:val="|"/>
-                              <m:endChr m:val="|"/>
-                              <m:ctrlPr>
-                                <a:rPr lang="en-DE" i="1">
-                                  <a:solidFill>
-                                    <a:srgbClr val="836967"/>
-                                  </a:solidFill>
-                                  <a:latin typeface="Cambria Math" panose="02040503050406030204" pitchFamily="18" charset="0"/>
-                                </a:rPr>
-                              </m:ctrlPr>
-                            </m:dPr>
-                            <m:e>
-                              <m:r>
-                                <a:rPr lang="en-DE" i="1">
-                                  <a:latin typeface="Cambria Math" panose="02040503050406030204" pitchFamily="18" charset="0"/>
-                                </a:rPr>
-                                <m:t>𝑥𝑓</m:t>
-                              </m:r>
-                              <m:d>
-                                <m:dPr>
-                                  <m:begChr m:val="["/>
-                                  <m:endChr m:val="]"/>
-                                  <m:ctrlPr>
-                                    <a:rPr lang="en-DE" i="1">
-                                      <a:solidFill>
-                                        <a:srgbClr val="836967"/>
-                                      </a:solidFill>
-                                      <a:latin typeface="Cambria Math" panose="02040503050406030204" pitchFamily="18" charset="0"/>
-                                    </a:rPr>
-                                  </m:ctrlPr>
-                                </m:dPr>
-                                <m:e>
-                                  <m:r>
-                                    <a:rPr lang="en-DE" i="1">
-                                      <a:latin typeface="Cambria Math" panose="02040503050406030204" pitchFamily="18" charset="0"/>
-                                    </a:rPr>
-                                    <m:t>𝑚</m:t>
-                                  </m:r>
-                                </m:e>
-                              </m:d>
-                            </m:e>
-                          </m:d>
-                        </m:e>
-                        <m:sup>
-                          <m:r>
-                            <a:rPr lang="en-DE" i="0">
-                              <a:latin typeface="Cambria Math" panose="02040503050406030204" pitchFamily="18" charset="0"/>
-                            </a:rPr>
-                            <m:t>2</m:t>
-                          </m:r>
-                        </m:sup>
-                      </m:sSup>
-                      <m:sSup>
-                        <m:sSupPr>
-                          <m:ctrlPr>
-                            <a:rPr lang="en-DE" i="1">
-                              <a:solidFill>
-                                <a:srgbClr val="836967"/>
-                              </a:solidFill>
-                              <a:latin typeface="Cambria Math" panose="02040503050406030204" pitchFamily="18" charset="0"/>
-                            </a:rPr>
-                          </m:ctrlPr>
-                        </m:sSupPr>
-                        <m:e>
-                          <m:r>
-                            <a:rPr lang="en-DE" i="0">
-                              <a:latin typeface="Cambria Math" panose="02040503050406030204" pitchFamily="18" charset="0"/>
-                            </a:rPr>
-                            <m:t>∙</m:t>
-                          </m:r>
-                          <m:r>
-                            <a:rPr lang="en-DE" i="1">
-                              <a:latin typeface="Cambria Math" panose="02040503050406030204" pitchFamily="18" charset="0"/>
-                            </a:rPr>
-                            <m:t>𝑒</m:t>
-                          </m:r>
-                        </m:e>
-                        <m:sup>
-                          <m:r>
-                            <a:rPr lang="en-DE" i="0">
-                              <a:latin typeface="Cambria Math" panose="02040503050406030204" pitchFamily="18" charset="0"/>
-                            </a:rPr>
-                            <m:t>−</m:t>
-                          </m:r>
-                          <m:r>
-                            <a:rPr lang="en-DE" i="1">
-                              <a:latin typeface="Cambria Math" panose="02040503050406030204" pitchFamily="18" charset="0"/>
-                            </a:rPr>
-                            <m:t>𝑗</m:t>
-                          </m:r>
-                          <m:f>
-                            <m:fPr>
-                              <m:ctrlPr>
-                                <a:rPr lang="en-DE" i="1">
-                                  <a:solidFill>
-                                    <a:srgbClr val="836967"/>
-                                  </a:solidFill>
-                                  <a:latin typeface="Cambria Math" panose="02040503050406030204" pitchFamily="18" charset="0"/>
-                                </a:rPr>
-                              </m:ctrlPr>
-                            </m:fPr>
-                            <m:num>
-                              <m:r>
-                                <a:rPr lang="en-DE" i="0">
-                                  <a:latin typeface="Cambria Math" panose="02040503050406030204" pitchFamily="18" charset="0"/>
-                                </a:rPr>
-                                <m:t>2</m:t>
-                              </m:r>
-                              <m:r>
-                                <a:rPr lang="en-DE" i="1">
-                                  <a:latin typeface="Cambria Math" panose="02040503050406030204" pitchFamily="18" charset="0"/>
-                                </a:rPr>
-                                <m:t>𝜋</m:t>
-                              </m:r>
-                            </m:num>
-                            <m:den>
-                              <m:r>
-                                <a:rPr lang="en-DE" i="1">
-                                  <a:latin typeface="Cambria Math" panose="02040503050406030204" pitchFamily="18" charset="0"/>
-                                </a:rPr>
-                                <m:t>𝑁</m:t>
-                              </m:r>
-                            </m:den>
-                          </m:f>
-                          <m:sSub>
-                            <m:sSubPr>
-                              <m:ctrlPr>
-                                <a:rPr lang="en-DE" i="1">
-                                  <a:solidFill>
-                                    <a:srgbClr val="836967"/>
-                                  </a:solidFill>
-                                  <a:latin typeface="Cambria Math" panose="02040503050406030204" pitchFamily="18" charset="0"/>
-                                </a:rPr>
-                              </m:ctrlPr>
-                            </m:sSubPr>
-                            <m:e>
-                              <m:r>
-                                <a:rPr lang="en-DE" i="1">
-                                  <a:latin typeface="Cambria Math" panose="02040503050406030204" pitchFamily="18" charset="0"/>
-                                </a:rPr>
-                                <m:t>𝑘</m:t>
-                              </m:r>
-                            </m:e>
-                            <m:sub>
-                              <m:r>
-                                <a:rPr lang="en-DE" i="0">
-                                  <a:latin typeface="Cambria Math" panose="02040503050406030204" pitchFamily="18" charset="0"/>
-                                </a:rPr>
-                                <m:t>0</m:t>
-                              </m:r>
-                            </m:sub>
-                          </m:sSub>
-                          <m:r>
-                            <a:rPr lang="en-DE" i="1">
-                              <a:latin typeface="Cambria Math" panose="02040503050406030204" pitchFamily="18" charset="0"/>
-                            </a:rPr>
-                            <m:t>𝑚</m:t>
-                          </m:r>
-                        </m:sup>
-                      </m:sSup>
-                    </m:oMath>
-                  </m:oMathPara>
-                </a14:m>
-                <a:endParaRPr lang="en-DE" dirty="0"/>
-              </a:p>
-            </p:txBody>
-          </p:sp>
-        </mc:Choice>
-        <mc:Fallback>
-          <p:sp>
-            <p:nvSpPr>
-              <p:cNvPr id="61" name="TextBox 60">
-                <a:extLst>
-                  <a:ext uri="{FF2B5EF4-FFF2-40B4-BE49-F238E27FC236}">
-                    <a16:creationId xmlns:a16="http://schemas.microsoft.com/office/drawing/2014/main" id="{678C397D-BD0A-2908-FC5A-AA5D8CFC0C19}"/>
-                  </a:ext>
-                </a:extLst>
-              </p:cNvPr>
-              <p:cNvSpPr txBox="1">
-                <a:spLocks noRot="1" noChangeAspect="1" noMove="1" noResize="1" noEditPoints="1" noAdjustHandles="1" noChangeArrowheads="1" noChangeShapeType="1" noTextEdit="1"/>
-              </p:cNvSpPr>
-              <p:nvPr/>
-            </p:nvSpPr>
-            <p:spPr>
-              <a:xfrm>
-                <a:off x="5203484" y="3818646"/>
-                <a:ext cx="6718898" cy="493853"/>
-              </a:xfrm>
-              <a:prstGeom prst="rect">
-                <a:avLst/>
-              </a:prstGeom>
-              <a:blipFill>
-                <a:blip r:embed="rId10"/>
-                <a:stretch>
-                  <a:fillRect/>
-                </a:stretch>
-              </a:blipFill>
-            </p:spPr>
-            <p:txBody>
-              <a:bodyPr/>
-              <a:lstStyle/>
-              <a:p>
-                <a:r>
-                  <a:rPr lang="en-DE">
-                    <a:noFill/>
-                  </a:rPr>
-                  <a:t> </a:t>
-                </a:r>
-              </a:p>
-            </p:txBody>
-          </p:sp>
-        </mc:Fallback>
-      </mc:AlternateContent>
-      <mc:AlternateContent xmlns:mc="http://schemas.openxmlformats.org/markup-compatibility/2006">
-        <mc:Choice xmlns:a14="http://schemas.microsoft.com/office/drawing/2010/main" Requires="a14">
-          <p:sp>
-            <p:nvSpPr>
-              <p:cNvPr id="63" name="TextBox 62">
-                <a:extLst>
-                  <a:ext uri="{FF2B5EF4-FFF2-40B4-BE49-F238E27FC236}">
-                    <a16:creationId xmlns:a16="http://schemas.microsoft.com/office/drawing/2014/main" id="{F3B3CCE0-BEC1-DB35-5169-F129C2D6859C}"/>
-                  </a:ext>
-                </a:extLst>
-              </p:cNvPr>
-              <p:cNvSpPr txBox="1"/>
-              <p:nvPr/>
-            </p:nvSpPr>
-            <p:spPr>
-              <a:xfrm>
-                <a:off x="5305550" y="4337764"/>
-                <a:ext cx="4668589" cy="871457"/>
+                <a:off x="6040400" y="4354276"/>
+                <a:ext cx="4693980" cy="871457"/>
               </a:xfrm>
               <a:prstGeom prst="rect">
                 <a:avLst/>
@@ -6037,10 +5424,10 @@
         <mc:Fallback>
           <p:sp>
             <p:nvSpPr>
-              <p:cNvPr id="63" name="TextBox 62">
+              <p:cNvPr id="6" name="TextBox 5">
                 <a:extLst>
                   <a:ext uri="{FF2B5EF4-FFF2-40B4-BE49-F238E27FC236}">
-                    <a16:creationId xmlns:a16="http://schemas.microsoft.com/office/drawing/2014/main" id="{F3B3CCE0-BEC1-DB35-5169-F129C2D6859C}"/>
+                    <a16:creationId xmlns:a16="http://schemas.microsoft.com/office/drawing/2014/main" id="{2378CF38-5AA2-F6B5-20E7-258EB5F8CFAB}"/>
                   </a:ext>
                 </a:extLst>
               </p:cNvPr>
@@ -6051,8 +5438,281 @@
             </p:nvSpPr>
             <p:spPr>
               <a:xfrm>
-                <a:off x="5305550" y="4337764"/>
-                <a:ext cx="4668589" cy="871457"/>
+                <a:off x="6040400" y="4354276"/>
+                <a:ext cx="4693980" cy="871457"/>
+              </a:xfrm>
+              <a:prstGeom prst="rect">
+                <a:avLst/>
+              </a:prstGeom>
+              <a:blipFill>
+                <a:blip r:embed="rId10"/>
+                <a:stretch>
+                  <a:fillRect/>
+                </a:stretch>
+              </a:blipFill>
+            </p:spPr>
+            <p:txBody>
+              <a:bodyPr/>
+              <a:lstStyle/>
+              <a:p>
+                <a:r>
+                  <a:rPr lang="en-DE">
+                    <a:noFill/>
+                  </a:rPr>
+                  <a:t> </a:t>
+                </a:r>
+              </a:p>
+            </p:txBody>
+          </p:sp>
+        </mc:Fallback>
+      </mc:AlternateContent>
+      <mc:AlternateContent xmlns:mc="http://schemas.openxmlformats.org/markup-compatibility/2006">
+        <mc:Choice xmlns:a14="http://schemas.microsoft.com/office/drawing/2010/main" Requires="a14">
+          <p:sp>
+            <p:nvSpPr>
+              <p:cNvPr id="8" name="TextBox 7">
+                <a:extLst>
+                  <a:ext uri="{FF2B5EF4-FFF2-40B4-BE49-F238E27FC236}">
+                    <a16:creationId xmlns:a16="http://schemas.microsoft.com/office/drawing/2014/main" id="{E45A5A76-DFB6-1BAE-9D8A-A3099A2E868B}"/>
+                  </a:ext>
+                </a:extLst>
+              </p:cNvPr>
+              <p:cNvSpPr txBox="1"/>
+              <p:nvPr/>
+            </p:nvSpPr>
+            <p:spPr>
+              <a:xfrm>
+                <a:off x="-32042" y="2898055"/>
+                <a:ext cx="3022674" cy="871457"/>
+              </a:xfrm>
+              <a:prstGeom prst="rect">
+                <a:avLst/>
+              </a:prstGeom>
+              <a:noFill/>
+            </p:spPr>
+            <p:txBody>
+              <a:bodyPr wrap="square">
+                <a:spAutoFit/>
+              </a:bodyPr>
+              <a:lstStyle/>
+              <a:p>
+                <a:pPr/>
+                <a14:m>
+                  <m:oMathPara xmlns:m="http://schemas.openxmlformats.org/officeDocument/2006/math">
+                    <m:oMathParaPr>
+                      <m:jc m:val="centerGroup"/>
+                    </m:oMathParaPr>
+                    <m:oMath xmlns:m="http://schemas.openxmlformats.org/officeDocument/2006/math">
+                      <m:r>
+                        <a:rPr lang="en-DE" i="1" smtClean="0">
+                          <a:latin typeface="Cambria Math" panose="02040503050406030204" pitchFamily="18" charset="0"/>
+                        </a:rPr>
+                        <m:t>𝑛𝑓</m:t>
+                      </m:r>
+                      <m:d>
+                        <m:dPr>
+                          <m:begChr m:val="["/>
+                          <m:endChr m:val="]"/>
+                          <m:ctrlPr>
+                            <a:rPr lang="en-DE" i="1">
+                              <a:solidFill>
+                                <a:srgbClr val="836967"/>
+                              </a:solidFill>
+                              <a:latin typeface="Cambria Math" panose="02040503050406030204" pitchFamily="18" charset="0"/>
+                            </a:rPr>
+                          </m:ctrlPr>
+                        </m:dPr>
+                        <m:e>
+                          <m:r>
+                            <a:rPr lang="en-DE" i="1">
+                              <a:latin typeface="Cambria Math" panose="02040503050406030204" pitchFamily="18" charset="0"/>
+                            </a:rPr>
+                            <m:t>𝑚</m:t>
+                          </m:r>
+                        </m:e>
+                      </m:d>
+                      <m:r>
+                        <a:rPr lang="en-DE" i="0">
+                          <a:latin typeface="Cambria Math" panose="02040503050406030204" pitchFamily="18" charset="0"/>
+                        </a:rPr>
+                        <m:t>=</m:t>
+                      </m:r>
+                      <m:nary>
+                        <m:naryPr>
+                          <m:chr m:val="∑"/>
+                          <m:limLoc m:val="undOvr"/>
+                          <m:ctrlPr>
+                            <a:rPr lang="en-DE" i="1">
+                              <a:latin typeface="Cambria Math" panose="02040503050406030204" pitchFamily="18" charset="0"/>
+                            </a:rPr>
+                          </m:ctrlPr>
+                        </m:naryPr>
+                        <m:sub>
+                          <m:r>
+                            <a:rPr lang="en-DE" i="1">
+                              <a:latin typeface="Cambria Math" panose="02040503050406030204" pitchFamily="18" charset="0"/>
+                            </a:rPr>
+                            <m:t>𝑘</m:t>
+                          </m:r>
+                          <m:r>
+                            <a:rPr lang="en-DE" i="0">
+                              <a:latin typeface="Cambria Math" panose="02040503050406030204" pitchFamily="18" charset="0"/>
+                            </a:rPr>
+                            <m:t>=0</m:t>
+                          </m:r>
+                        </m:sub>
+                        <m:sup>
+                          <m:r>
+                            <a:rPr lang="en-DE" i="1">
+                              <a:latin typeface="Cambria Math" panose="02040503050406030204" pitchFamily="18" charset="0"/>
+                            </a:rPr>
+                            <m:t>𝑁</m:t>
+                          </m:r>
+                          <m:r>
+                            <a:rPr lang="en-DE" i="0">
+                              <a:latin typeface="Cambria Math" panose="02040503050406030204" pitchFamily="18" charset="0"/>
+                            </a:rPr>
+                            <m:t>−1</m:t>
+                          </m:r>
+                        </m:sup>
+                        <m:e>
+                          <m:r>
+                            <a:rPr lang="en-DE" i="1">
+                              <a:latin typeface="Cambria Math" panose="02040503050406030204" pitchFamily="18" charset="0"/>
+                            </a:rPr>
+                            <m:t>𝑛</m:t>
+                          </m:r>
+                          <m:d>
+                            <m:dPr>
+                              <m:begChr m:val="["/>
+                              <m:endChr m:val="]"/>
+                              <m:ctrlPr>
+                                <a:rPr lang="en-DE" i="1">
+                                  <a:solidFill>
+                                    <a:srgbClr val="836967"/>
+                                  </a:solidFill>
+                                  <a:latin typeface="Cambria Math" panose="02040503050406030204" pitchFamily="18" charset="0"/>
+                                </a:rPr>
+                              </m:ctrlPr>
+                            </m:dPr>
+                            <m:e>
+                              <m:r>
+                                <a:rPr lang="en-DE" i="1">
+                                  <a:latin typeface="Cambria Math" panose="02040503050406030204" pitchFamily="18" charset="0"/>
+                                </a:rPr>
+                                <m:t>𝑘</m:t>
+                              </m:r>
+                            </m:e>
+                          </m:d>
+                          <m:r>
+                            <a:rPr lang="en-DE" i="0">
+                              <a:latin typeface="Cambria Math" panose="02040503050406030204" pitchFamily="18" charset="0"/>
+                            </a:rPr>
+                            <m:t>∙</m:t>
+                          </m:r>
+                          <m:sSup>
+                            <m:sSupPr>
+                              <m:ctrlPr>
+                                <a:rPr lang="en-DE" i="1">
+                                  <a:solidFill>
+                                    <a:srgbClr val="836967"/>
+                                  </a:solidFill>
+                                  <a:latin typeface="Cambria Math" panose="02040503050406030204" pitchFamily="18" charset="0"/>
+                                </a:rPr>
+                              </m:ctrlPr>
+                            </m:sSupPr>
+                            <m:e>
+                              <m:r>
+                                <a:rPr lang="en-DE" i="1">
+                                  <a:latin typeface="Cambria Math" panose="02040503050406030204" pitchFamily="18" charset="0"/>
+                                </a:rPr>
+                                <m:t>𝑒</m:t>
+                              </m:r>
+                            </m:e>
+                            <m:sup>
+                              <m:r>
+                                <a:rPr lang="en-DE" i="0">
+                                  <a:latin typeface="Cambria Math" panose="02040503050406030204" pitchFamily="18" charset="0"/>
+                                </a:rPr>
+                                <m:t>−</m:t>
+                              </m:r>
+                              <m:r>
+                                <a:rPr lang="en-DE" i="1">
+                                  <a:latin typeface="Cambria Math" panose="02040503050406030204" pitchFamily="18" charset="0"/>
+                                </a:rPr>
+                                <m:t>𝑗</m:t>
+                              </m:r>
+                              <m:f>
+                                <m:fPr>
+                                  <m:ctrlPr>
+                                    <a:rPr lang="en-DE" i="1">
+                                      <a:solidFill>
+                                        <a:srgbClr val="836967"/>
+                                      </a:solidFill>
+                                      <a:latin typeface="Cambria Math" panose="02040503050406030204" pitchFamily="18" charset="0"/>
+                                    </a:rPr>
+                                  </m:ctrlPr>
+                                </m:fPr>
+                                <m:num>
+                                  <m:r>
+                                    <a:rPr lang="en-DE" i="0">
+                                      <a:latin typeface="Cambria Math" panose="02040503050406030204" pitchFamily="18" charset="0"/>
+                                    </a:rPr>
+                                    <m:t>2</m:t>
+                                  </m:r>
+                                  <m:r>
+                                    <a:rPr lang="en-DE" i="1">
+                                      <a:latin typeface="Cambria Math" panose="02040503050406030204" pitchFamily="18" charset="0"/>
+                                    </a:rPr>
+                                    <m:t>𝜋</m:t>
+                                  </m:r>
+                                </m:num>
+                                <m:den>
+                                  <m:r>
+                                    <a:rPr lang="en-DE" i="1">
+                                      <a:latin typeface="Cambria Math" panose="02040503050406030204" pitchFamily="18" charset="0"/>
+                                    </a:rPr>
+                                    <m:t>𝑁</m:t>
+                                  </m:r>
+                                </m:den>
+                              </m:f>
+                              <m:r>
+                                <a:rPr lang="en-DE" i="1">
+                                  <a:latin typeface="Cambria Math" panose="02040503050406030204" pitchFamily="18" charset="0"/>
+                                </a:rPr>
+                                <m:t>𝑘𝑚</m:t>
+                              </m:r>
+                            </m:sup>
+                          </m:sSup>
+                        </m:e>
+                      </m:nary>
+                    </m:oMath>
+                  </m:oMathPara>
+                </a14:m>
+                <a:endParaRPr lang="en-DE" dirty="0"/>
+              </a:p>
+            </p:txBody>
+          </p:sp>
+        </mc:Choice>
+        <mc:Fallback>
+          <p:sp>
+            <p:nvSpPr>
+              <p:cNvPr id="8" name="TextBox 7">
+                <a:extLst>
+                  <a:ext uri="{FF2B5EF4-FFF2-40B4-BE49-F238E27FC236}">
+                    <a16:creationId xmlns:a16="http://schemas.microsoft.com/office/drawing/2014/main" id="{E45A5A76-DFB6-1BAE-9D8A-A3099A2E868B}"/>
+                  </a:ext>
+                </a:extLst>
+              </p:cNvPr>
+              <p:cNvSpPr txBox="1">
+                <a:spLocks noRot="1" noChangeAspect="1" noMove="1" noResize="1" noEditPoints="1" noAdjustHandles="1" noChangeArrowheads="1" noChangeShapeType="1" noTextEdit="1"/>
+              </p:cNvSpPr>
+              <p:nvPr/>
+            </p:nvSpPr>
+            <p:spPr>
+              <a:xfrm>
+                <a:off x="-32042" y="2898055"/>
+                <a:ext cx="3022674" cy="871457"/>
               </a:xfrm>
               <a:prstGeom prst="rect">
                 <a:avLst/>
@@ -6083,10 +5743,10 @@
         <mc:Choice xmlns:a14="http://schemas.microsoft.com/office/drawing/2010/main" Requires="a14">
           <p:sp>
             <p:nvSpPr>
-              <p:cNvPr id="2049" name="TextBox 2048">
+              <p:cNvPr id="10" name="TextBox 9">
                 <a:extLst>
                   <a:ext uri="{FF2B5EF4-FFF2-40B4-BE49-F238E27FC236}">
-                    <a16:creationId xmlns:a16="http://schemas.microsoft.com/office/drawing/2014/main" id="{18E42D4C-7A95-1D09-302A-2F08AFDF8011}"/>
+                    <a16:creationId xmlns:a16="http://schemas.microsoft.com/office/drawing/2014/main" id="{E0599FBE-02A9-942D-DA03-CDD245D71A3B}"/>
                   </a:ext>
                 </a:extLst>
               </p:cNvPr>
@@ -6095,8 +5755,8 @@
             </p:nvSpPr>
             <p:spPr>
               <a:xfrm>
-                <a:off x="5203484" y="5180442"/>
-                <a:ext cx="6318314" cy="871457"/>
+                <a:off x="7934" y="3603277"/>
+                <a:ext cx="4520425" cy="493853"/>
               </a:xfrm>
               <a:prstGeom prst="rect">
                 <a:avLst/>
@@ -6116,34 +5776,12 @@
                       <m:jc m:val="centerGroup"/>
                     </m:oMathParaPr>
                     <m:oMath xmlns:m="http://schemas.openxmlformats.org/officeDocument/2006/math">
-                      <m:sSub>
-                        <m:sSubPr>
-                          <m:ctrlPr>
-                            <a:rPr lang="en-DE" i="1" smtClean="0">
-                              <a:solidFill>
-                                <a:srgbClr val="836967"/>
-                              </a:solidFill>
-                              <a:latin typeface="Cambria Math" panose="02040503050406030204" pitchFamily="18" charset="0"/>
-                            </a:rPr>
-                          </m:ctrlPr>
-                        </m:sSubPr>
-                        <m:e>
-                          <m:r>
-                            <a:rPr lang="en-DE" i="1">
-                              <a:latin typeface="Cambria Math" panose="02040503050406030204" pitchFamily="18" charset="0"/>
-                            </a:rPr>
-                            <m:t>𝑦</m:t>
-                          </m:r>
-                        </m:e>
-                        <m:sub>
-                          <m:r>
-                            <a:rPr lang="en-DE" i="1">
-                              <a:latin typeface="Cambria Math" panose="02040503050406030204" pitchFamily="18" charset="0"/>
-                            </a:rPr>
-                            <m:t>𝑥</m:t>
-                          </m:r>
-                        </m:sub>
-                      </m:sSub>
+                      <m:r>
+                        <a:rPr lang="en-DE" i="1" smtClean="0">
+                          <a:latin typeface="Cambria Math" panose="02040503050406030204" pitchFamily="18" charset="0"/>
+                        </a:rPr>
+                        <m:t>𝑛𝑓</m:t>
+                      </m:r>
                       <m:d>
                         <m:dPr>
                           <m:begChr m:val="["/>
@@ -6158,6 +5796,210 @@
                           </m:ctrlPr>
                         </m:dPr>
                         <m:e>
+                          <m:r>
+                            <a:rPr lang="en-DE" i="1">
+                              <a:latin typeface="Cambria Math" panose="02040503050406030204" pitchFamily="18" charset="0"/>
+                            </a:rPr>
+                            <m:t>𝑚</m:t>
+                          </m:r>
+                        </m:e>
+                      </m:d>
+                      <m:r>
+                        <a:rPr lang="en-DE" i="0">
+                          <a:latin typeface="Cambria Math" panose="02040503050406030204" pitchFamily="18" charset="0"/>
+                        </a:rPr>
+                        <m:t>∙</m:t>
+                      </m:r>
+                      <m:r>
+                        <a:rPr lang="en-DE" i="1">
+                          <a:latin typeface="Cambria Math" panose="02040503050406030204" pitchFamily="18" charset="0"/>
+                        </a:rPr>
+                        <m:t>h𝑓</m:t>
+                      </m:r>
+                      <m:d>
+                        <m:dPr>
+                          <m:begChr m:val="["/>
+                          <m:endChr m:val="]"/>
+                          <m:ctrlPr>
+                            <a:rPr lang="en-DE" i="1">
+                              <a:solidFill>
+                                <a:srgbClr val="836967"/>
+                              </a:solidFill>
+                              <a:latin typeface="Cambria Math" panose="02040503050406030204" pitchFamily="18" charset="0"/>
+                            </a:rPr>
+                          </m:ctrlPr>
+                        </m:dPr>
+                        <m:e>
+                          <m:r>
+                            <a:rPr lang="en-DE" i="1">
+                              <a:latin typeface="Cambria Math" panose="02040503050406030204" pitchFamily="18" charset="0"/>
+                            </a:rPr>
+                            <m:t>𝑚</m:t>
+                          </m:r>
+                        </m:e>
+                      </m:d>
+                      <m:r>
+                        <a:rPr lang="en-DE" i="0">
+                          <a:latin typeface="Cambria Math" panose="02040503050406030204" pitchFamily="18" charset="0"/>
+                        </a:rPr>
+                        <m:t>=</m:t>
+                      </m:r>
+                      <m:r>
+                        <a:rPr lang="en-DE" i="1">
+                          <a:latin typeface="Cambria Math" panose="02040503050406030204" pitchFamily="18" charset="0"/>
+                        </a:rPr>
+                        <m:t>𝑛𝑓</m:t>
+                      </m:r>
+                      <m:d>
+                        <m:dPr>
+                          <m:begChr m:val="["/>
+                          <m:endChr m:val="]"/>
+                          <m:ctrlPr>
+                            <a:rPr lang="en-DE" i="1">
+                              <a:solidFill>
+                                <a:srgbClr val="836967"/>
+                              </a:solidFill>
+                              <a:latin typeface="Cambria Math" panose="02040503050406030204" pitchFamily="18" charset="0"/>
+                            </a:rPr>
+                          </m:ctrlPr>
+                        </m:dPr>
+                        <m:e>
+                          <m:r>
+                            <a:rPr lang="en-DE" i="1">
+                              <a:latin typeface="Cambria Math" panose="02040503050406030204" pitchFamily="18" charset="0"/>
+                            </a:rPr>
+                            <m:t>𝑚</m:t>
+                          </m:r>
+                        </m:e>
+                      </m:d>
+                      <m:r>
+                        <a:rPr lang="en-DE" i="0">
+                          <a:latin typeface="Cambria Math" panose="02040503050406030204" pitchFamily="18" charset="0"/>
+                        </a:rPr>
+                        <m:t>∙</m:t>
+                      </m:r>
+                      <m:sSup>
+                        <m:sSupPr>
+                          <m:ctrlPr>
+                            <a:rPr lang="en-DE" i="1">
+                              <a:solidFill>
+                                <a:srgbClr val="836967"/>
+                              </a:solidFill>
+                              <a:latin typeface="Cambria Math" panose="02040503050406030204" pitchFamily="18" charset="0"/>
+                            </a:rPr>
+                          </m:ctrlPr>
+                        </m:sSupPr>
+                        <m:e>
+                          <m:r>
+                            <a:rPr lang="en-DE" i="1">
+                              <a:latin typeface="Cambria Math" panose="02040503050406030204" pitchFamily="18" charset="0"/>
+                            </a:rPr>
+                            <m:t>𝑥𝑓</m:t>
+                          </m:r>
+                        </m:e>
+                        <m:sup>
+                          <m:r>
+                            <a:rPr lang="en-DE" i="0">
+                              <a:latin typeface="Cambria Math" panose="02040503050406030204" pitchFamily="18" charset="0"/>
+                            </a:rPr>
+                            <m:t>∗</m:t>
+                          </m:r>
+                        </m:sup>
+                      </m:sSup>
+                      <m:d>
+                        <m:dPr>
+                          <m:begChr m:val="["/>
+                          <m:endChr m:val="]"/>
+                          <m:ctrlPr>
+                            <a:rPr lang="en-DE" i="1">
+                              <a:solidFill>
+                                <a:srgbClr val="836967"/>
+                              </a:solidFill>
+                              <a:latin typeface="Cambria Math" panose="02040503050406030204" pitchFamily="18" charset="0"/>
+                            </a:rPr>
+                          </m:ctrlPr>
+                        </m:dPr>
+                        <m:e>
+                          <m:r>
+                            <a:rPr lang="en-DE" i="1">
+                              <a:latin typeface="Cambria Math" panose="02040503050406030204" pitchFamily="18" charset="0"/>
+                            </a:rPr>
+                            <m:t>𝑚</m:t>
+                          </m:r>
+                        </m:e>
+                      </m:d>
+                      <m:sSup>
+                        <m:sSupPr>
+                          <m:ctrlPr>
+                            <a:rPr lang="en-DE" i="1">
+                              <a:solidFill>
+                                <a:srgbClr val="836967"/>
+                              </a:solidFill>
+                              <a:latin typeface="Cambria Math" panose="02040503050406030204" pitchFamily="18" charset="0"/>
+                            </a:rPr>
+                          </m:ctrlPr>
+                        </m:sSupPr>
+                        <m:e>
+                          <m:r>
+                            <a:rPr lang="en-DE" i="0">
+                              <a:latin typeface="Cambria Math" panose="02040503050406030204" pitchFamily="18" charset="0"/>
+                            </a:rPr>
+                            <m:t>∙</m:t>
+                          </m:r>
+                          <m:r>
+                            <a:rPr lang="en-DE" i="1">
+                              <a:latin typeface="Cambria Math" panose="02040503050406030204" pitchFamily="18" charset="0"/>
+                            </a:rPr>
+                            <m:t>𝑒</m:t>
+                          </m:r>
+                        </m:e>
+                        <m:sup>
+                          <m:r>
+                            <a:rPr lang="en-DE" i="0">
+                              <a:latin typeface="Cambria Math" panose="02040503050406030204" pitchFamily="18" charset="0"/>
+                            </a:rPr>
+                            <m:t>−</m:t>
+                          </m:r>
+                          <m:r>
+                            <a:rPr lang="en-DE" i="1">
+                              <a:latin typeface="Cambria Math" panose="02040503050406030204" pitchFamily="18" charset="0"/>
+                            </a:rPr>
+                            <m:t>𝑗</m:t>
+                          </m:r>
+                          <m:f>
+                            <m:fPr>
+                              <m:ctrlPr>
+                                <a:rPr lang="en-DE" i="1">
+                                  <a:solidFill>
+                                    <a:srgbClr val="836967"/>
+                                  </a:solidFill>
+                                  <a:latin typeface="Cambria Math" panose="02040503050406030204" pitchFamily="18" charset="0"/>
+                                </a:rPr>
+                              </m:ctrlPr>
+                            </m:fPr>
+                            <m:num>
+                              <m:r>
+                                <a:rPr lang="en-DE" i="0">
+                                  <a:latin typeface="Cambria Math" panose="02040503050406030204" pitchFamily="18" charset="0"/>
+                                </a:rPr>
+                                <m:t>2</m:t>
+                              </m:r>
+                              <m:r>
+                                <a:rPr lang="en-DE" i="1">
+                                  <a:latin typeface="Cambria Math" panose="02040503050406030204" pitchFamily="18" charset="0"/>
+                                </a:rPr>
+                                <m:t>𝜋</m:t>
+                              </m:r>
+                            </m:num>
+                            <m:den>
+                              <m:r>
+                                <a:rPr lang="en-DE" i="1">
+                                  <a:latin typeface="Cambria Math" panose="02040503050406030204" pitchFamily="18" charset="0"/>
+                                </a:rPr>
+                                <m:t>𝑁</m:t>
+                              </m:r>
+                            </m:den>
+                          </m:f>
                           <m:sSub>
                             <m:sSubPr>
                               <m:ctrlPr>
@@ -6186,6 +6028,152 @@
                               </m:r>
                             </m:sub>
                           </m:sSub>
+                          <m:r>
+                            <a:rPr lang="en-DE" i="1">
+                              <a:latin typeface="Cambria Math" panose="02040503050406030204" pitchFamily="18" charset="0"/>
+                            </a:rPr>
+                            <m:t>𝑚</m:t>
+                          </m:r>
+                        </m:sup>
+                      </m:sSup>
+                    </m:oMath>
+                  </m:oMathPara>
+                </a14:m>
+                <a:endParaRPr lang="en-DE" dirty="0"/>
+              </a:p>
+            </p:txBody>
+          </p:sp>
+        </mc:Choice>
+        <mc:Fallback>
+          <p:sp>
+            <p:nvSpPr>
+              <p:cNvPr id="10" name="TextBox 9">
+                <a:extLst>
+                  <a:ext uri="{FF2B5EF4-FFF2-40B4-BE49-F238E27FC236}">
+                    <a16:creationId xmlns:a16="http://schemas.microsoft.com/office/drawing/2014/main" id="{E0599FBE-02A9-942D-DA03-CDD245D71A3B}"/>
+                  </a:ext>
+                </a:extLst>
+              </p:cNvPr>
+              <p:cNvSpPr txBox="1">
+                <a:spLocks noRot="1" noChangeAspect="1" noMove="1" noResize="1" noEditPoints="1" noAdjustHandles="1" noChangeArrowheads="1" noChangeShapeType="1" noTextEdit="1"/>
+              </p:cNvSpPr>
+              <p:nvPr/>
+            </p:nvSpPr>
+            <p:spPr>
+              <a:xfrm>
+                <a:off x="7934" y="3603277"/>
+                <a:ext cx="4520425" cy="493853"/>
+              </a:xfrm>
+              <a:prstGeom prst="rect">
+                <a:avLst/>
+              </a:prstGeom>
+              <a:blipFill>
+                <a:blip r:embed="rId12"/>
+                <a:stretch>
+                  <a:fillRect/>
+                </a:stretch>
+              </a:blipFill>
+            </p:spPr>
+            <p:txBody>
+              <a:bodyPr/>
+              <a:lstStyle/>
+              <a:p>
+                <a:r>
+                  <a:rPr lang="en-DE">
+                    <a:noFill/>
+                  </a:rPr>
+                  <a:t> </a:t>
+                </a:r>
+              </a:p>
+            </p:txBody>
+          </p:sp>
+        </mc:Fallback>
+      </mc:AlternateContent>
+      <mc:AlternateContent xmlns:mc="http://schemas.openxmlformats.org/markup-compatibility/2006">
+        <mc:Choice xmlns:a14="http://schemas.microsoft.com/office/drawing/2010/main" Requires="a14">
+          <p:sp>
+            <p:nvSpPr>
+              <p:cNvPr id="12" name="TextBox 11">
+                <a:extLst>
+                  <a:ext uri="{FF2B5EF4-FFF2-40B4-BE49-F238E27FC236}">
+                    <a16:creationId xmlns:a16="http://schemas.microsoft.com/office/drawing/2014/main" id="{78957550-2BE6-02BD-C040-D173C041C839}"/>
+                  </a:ext>
+                </a:extLst>
+              </p:cNvPr>
+              <p:cNvSpPr txBox="1"/>
+              <p:nvPr/>
+            </p:nvSpPr>
+            <p:spPr>
+              <a:xfrm>
+                <a:off x="-7779" y="4021930"/>
+                <a:ext cx="5374869" cy="871457"/>
+              </a:xfrm>
+              <a:prstGeom prst="rect">
+                <a:avLst/>
+              </a:prstGeom>
+              <a:noFill/>
+            </p:spPr>
+            <p:txBody>
+              <a:bodyPr wrap="square">
+                <a:spAutoFit/>
+              </a:bodyPr>
+              <a:lstStyle/>
+              <a:p>
+                <a:pPr/>
+                <a14:m>
+                  <m:oMathPara xmlns:m="http://schemas.openxmlformats.org/officeDocument/2006/math">
+                    <m:oMathParaPr>
+                      <m:jc m:val="centerGroup"/>
+                    </m:oMathParaPr>
+                    <m:oMath xmlns:m="http://schemas.openxmlformats.org/officeDocument/2006/math">
+                      <m:sSub>
+                        <m:sSubPr>
+                          <m:ctrlPr>
+                            <a:rPr lang="en-DE" i="1" smtClean="0">
+                              <a:solidFill>
+                                <a:srgbClr val="836967"/>
+                              </a:solidFill>
+                              <a:latin typeface="Cambria Math" panose="02040503050406030204" pitchFamily="18" charset="0"/>
+                            </a:rPr>
+                          </m:ctrlPr>
+                        </m:sSubPr>
+                        <m:e>
+                          <m:r>
+                            <a:rPr lang="en-DE" i="1">
+                              <a:latin typeface="Cambria Math" panose="02040503050406030204" pitchFamily="18" charset="0"/>
+                            </a:rPr>
+                            <m:t>𝑦</m:t>
+                          </m:r>
+                        </m:e>
+                        <m:sub>
+                          <m:r>
+                            <a:rPr lang="en-DE" i="1">
+                              <a:latin typeface="Cambria Math" panose="02040503050406030204" pitchFamily="18" charset="0"/>
+                            </a:rPr>
+                            <m:t>𝑛</m:t>
+                          </m:r>
+                        </m:sub>
+                      </m:sSub>
+                      <m:d>
+                        <m:dPr>
+                          <m:begChr m:val="["/>
+                          <m:endChr m:val="]"/>
+                          <m:ctrlPr>
+                            <a:rPr lang="en-DE" i="1">
+                              <a:solidFill>
+                                <a:srgbClr val="836967"/>
+                              </a:solidFill>
+                              <a:latin typeface="Cambria Math" panose="02040503050406030204" pitchFamily="18" charset="0"/>
+                            </a:rPr>
+                          </m:ctrlPr>
+                        </m:dPr>
+                        <m:e>
+                          <m:r>
+                            <a:rPr lang="en-DE" i="1">
+                              <a:latin typeface="Cambria Math" panose="02040503050406030204" pitchFamily="18" charset="0"/>
+                            </a:rPr>
+                            <m:t>𝑘</m:t>
+                          </m:r>
                         </m:e>
                       </m:d>
                       <m:r>
@@ -6273,6 +6261,40 @@
                               </m:ctrlPr>
                             </m:dPr>
                             <m:e>
+                              <m:r>
+                                <a:rPr lang="en-DE" i="1">
+                                  <a:latin typeface="Cambria Math" panose="02040503050406030204" pitchFamily="18" charset="0"/>
+                                </a:rPr>
+                                <m:t>𝑛𝑓</m:t>
+                              </m:r>
+                              <m:d>
+                                <m:dPr>
+                                  <m:begChr m:val="["/>
+                                  <m:endChr m:val="]"/>
+                                  <m:ctrlPr>
+                                    <a:rPr lang="en-DE" i="1">
+                                      <a:solidFill>
+                                        <a:srgbClr val="836967"/>
+                                      </a:solidFill>
+                                      <a:latin typeface="Cambria Math" panose="02040503050406030204" pitchFamily="18" charset="0"/>
+                                    </a:rPr>
+                                  </m:ctrlPr>
+                                </m:dPr>
+                                <m:e>
+                                  <m:r>
+                                    <a:rPr lang="en-DE" i="1">
+                                      <a:latin typeface="Cambria Math" panose="02040503050406030204" pitchFamily="18" charset="0"/>
+                                    </a:rPr>
+                                    <m:t>𝑚</m:t>
+                                  </m:r>
+                                </m:e>
+                              </m:d>
+                              <m:r>
+                                <a:rPr lang="en-DE" i="0">
+                                  <a:latin typeface="Cambria Math" panose="02040503050406030204" pitchFamily="18" charset="0"/>
+                                </a:rPr>
+                                <m:t>∙</m:t>
+                              </m:r>
                               <m:sSup>
                                 <m:sSupPr>
                                   <m:ctrlPr>
@@ -6285,60 +6307,44 @@
                                   </m:ctrlPr>
                                 </m:sSupPr>
                                 <m:e>
-                                  <m:d>
-                                    <m:dPr>
-                                      <m:begChr m:val="|"/>
-                                      <m:endChr m:val="|"/>
-                                      <m:ctrlPr>
-                                        <a:rPr lang="en-DE" i="1">
-                                          <a:solidFill>
-                                            <a:srgbClr val="836967"/>
-                                          </a:solidFill>
-                                          <a:latin typeface="Cambria Math" panose="02040503050406030204" pitchFamily="18" charset="0"/>
-                                        </a:rPr>
-                                      </m:ctrlPr>
-                                    </m:dPr>
-                                    <m:e>
-                                      <m:r>
-                                        <a:rPr lang="en-DE" i="1">
-                                          <a:latin typeface="Cambria Math" panose="02040503050406030204" pitchFamily="18" charset="0"/>
-                                        </a:rPr>
-                                        <m:t>𝑥𝑓</m:t>
-                                      </m:r>
-                                      <m:d>
-                                        <m:dPr>
-                                          <m:begChr m:val="["/>
-                                          <m:endChr m:val="]"/>
-                                          <m:ctrlPr>
-                                            <a:rPr lang="en-DE" i="1">
-                                              <a:solidFill>
-                                                <a:srgbClr val="836967"/>
-                                              </a:solidFill>
-                                              <a:latin typeface="Cambria Math" panose="02040503050406030204" pitchFamily="18" charset="0"/>
-                                            </a:rPr>
-                                          </m:ctrlPr>
-                                        </m:dPr>
-                                        <m:e>
-                                          <m:r>
-                                            <a:rPr lang="en-DE" i="1">
-                                              <a:latin typeface="Cambria Math" panose="02040503050406030204" pitchFamily="18" charset="0"/>
-                                            </a:rPr>
-                                            <m:t>𝑚</m:t>
-                                          </m:r>
-                                        </m:e>
-                                      </m:d>
-                                    </m:e>
-                                  </m:d>
+                                  <m:r>
+                                    <a:rPr lang="en-DE" i="1">
+                                      <a:latin typeface="Cambria Math" panose="02040503050406030204" pitchFamily="18" charset="0"/>
+                                    </a:rPr>
+                                    <m:t>𝑥𝑓</m:t>
+                                  </m:r>
                                 </m:e>
                                 <m:sup>
                                   <m:r>
                                     <a:rPr lang="en-DE" i="0">
                                       <a:latin typeface="Cambria Math" panose="02040503050406030204" pitchFamily="18" charset="0"/>
                                     </a:rPr>
-                                    <m:t>2</m:t>
+                                    <m:t>∗</m:t>
                                   </m:r>
                                 </m:sup>
                               </m:sSup>
+                              <m:d>
+                                <m:dPr>
+                                  <m:begChr m:val="["/>
+                                  <m:endChr m:val="]"/>
+                                  <m:ctrlPr>
+                                    <a:rPr lang="en-DE" i="1">
+                                      <a:solidFill>
+                                        <a:srgbClr val="836967"/>
+                                      </a:solidFill>
+                                      <a:latin typeface="Cambria Math" panose="02040503050406030204" pitchFamily="18" charset="0"/>
+                                    </a:rPr>
+                                  </m:ctrlPr>
+                                </m:dPr>
+                                <m:e>
+                                  <m:r>
+                                    <a:rPr lang="en-DE" i="1">
+                                      <a:latin typeface="Cambria Math" panose="02040503050406030204" pitchFamily="18" charset="0"/>
+                                    </a:rPr>
+                                    <m:t>𝑚</m:t>
+                                  </m:r>
+                                </m:e>
+                              </m:d>
                               <m:sSup>
                                 <m:sSupPr>
                                   <m:ctrlPr>
@@ -6515,6 +6521,1621 @@
                                   </m:r>
                                 </m:den>
                               </m:f>
+                              <m:r>
+                                <a:rPr lang="en-DE" i="1">
+                                  <a:latin typeface="Cambria Math" panose="02040503050406030204" pitchFamily="18" charset="0"/>
+                                </a:rPr>
+                                <m:t>𝑘𝑚</m:t>
+                              </m:r>
+                            </m:sup>
+                          </m:sSup>
+                        </m:e>
+                      </m:nary>
+                    </m:oMath>
+                  </m:oMathPara>
+                </a14:m>
+                <a:endParaRPr lang="en-DE" dirty="0"/>
+              </a:p>
+            </p:txBody>
+          </p:sp>
+        </mc:Choice>
+        <mc:Fallback>
+          <p:sp>
+            <p:nvSpPr>
+              <p:cNvPr id="12" name="TextBox 11">
+                <a:extLst>
+                  <a:ext uri="{FF2B5EF4-FFF2-40B4-BE49-F238E27FC236}">
+                    <a16:creationId xmlns:a16="http://schemas.microsoft.com/office/drawing/2014/main" id="{78957550-2BE6-02BD-C040-D173C041C839}"/>
+                  </a:ext>
+                </a:extLst>
+              </p:cNvPr>
+              <p:cNvSpPr txBox="1">
+                <a:spLocks noRot="1" noChangeAspect="1" noMove="1" noResize="1" noEditPoints="1" noAdjustHandles="1" noChangeArrowheads="1" noChangeShapeType="1" noTextEdit="1"/>
+              </p:cNvSpPr>
+              <p:nvPr/>
+            </p:nvSpPr>
+            <p:spPr>
+              <a:xfrm>
+                <a:off x="-7779" y="4021930"/>
+                <a:ext cx="5374869" cy="871457"/>
+              </a:xfrm>
+              <a:prstGeom prst="rect">
+                <a:avLst/>
+              </a:prstGeom>
+              <a:blipFill>
+                <a:blip r:embed="rId13"/>
+                <a:stretch>
+                  <a:fillRect/>
+                </a:stretch>
+              </a:blipFill>
+            </p:spPr>
+            <p:txBody>
+              <a:bodyPr/>
+              <a:lstStyle/>
+              <a:p>
+                <a:r>
+                  <a:rPr lang="en-DE">
+                    <a:noFill/>
+                  </a:rPr>
+                  <a:t> </a:t>
+                </a:r>
+              </a:p>
+            </p:txBody>
+          </p:sp>
+        </mc:Fallback>
+      </mc:AlternateContent>
+      <mc:AlternateContent xmlns:mc="http://schemas.openxmlformats.org/markup-compatibility/2006">
+        <mc:Choice xmlns:a14="http://schemas.microsoft.com/office/drawing/2010/main" Requires="a14">
+          <p:sp>
+            <p:nvSpPr>
+              <p:cNvPr id="18" name="TextBox 17">
+                <a:extLst>
+                  <a:ext uri="{FF2B5EF4-FFF2-40B4-BE49-F238E27FC236}">
+                    <a16:creationId xmlns:a16="http://schemas.microsoft.com/office/drawing/2014/main" id="{70BC2698-5A62-EDE8-6F31-5D046414A34D}"/>
+                  </a:ext>
+                </a:extLst>
+              </p:cNvPr>
+              <p:cNvSpPr txBox="1"/>
+              <p:nvPr/>
+            </p:nvSpPr>
+            <p:spPr>
+              <a:xfrm>
+                <a:off x="6002792" y="3643111"/>
+                <a:ext cx="4664754" cy="493853"/>
+              </a:xfrm>
+              <a:prstGeom prst="rect">
+                <a:avLst/>
+              </a:prstGeom>
+              <a:noFill/>
+            </p:spPr>
+            <p:txBody>
+              <a:bodyPr wrap="square">
+                <a:spAutoFit/>
+              </a:bodyPr>
+              <a:lstStyle/>
+              <a:p>
+                <a:pPr/>
+                <a14:m>
+                  <m:oMathPara xmlns:m="http://schemas.openxmlformats.org/officeDocument/2006/math">
+                    <m:oMathParaPr>
+                      <m:jc m:val="centerGroup"/>
+                    </m:oMathParaPr>
+                    <m:oMath xmlns:m="http://schemas.openxmlformats.org/officeDocument/2006/math">
+                      <m:r>
+                        <a:rPr lang="en-DE" i="1" smtClean="0">
+                          <a:latin typeface="Cambria Math" panose="02040503050406030204" pitchFamily="18" charset="0"/>
+                        </a:rPr>
+                        <m:t>𝑥𝑓</m:t>
+                      </m:r>
+                      <m:d>
+                        <m:dPr>
+                          <m:begChr m:val="["/>
+                          <m:endChr m:val="]"/>
+                          <m:ctrlPr>
+                            <a:rPr lang="en-DE" i="1">
+                              <a:solidFill>
+                                <a:srgbClr val="836967"/>
+                              </a:solidFill>
+                              <a:latin typeface="Cambria Math" panose="02040503050406030204" pitchFamily="18" charset="0"/>
+                            </a:rPr>
+                          </m:ctrlPr>
+                        </m:dPr>
+                        <m:e>
+                          <m:r>
+                            <a:rPr lang="en-DE" i="1">
+                              <a:latin typeface="Cambria Math" panose="02040503050406030204" pitchFamily="18" charset="0"/>
+                            </a:rPr>
+                            <m:t>𝑚</m:t>
+                          </m:r>
+                        </m:e>
+                      </m:d>
+                      <m:r>
+                        <a:rPr lang="en-DE" i="0">
+                          <a:latin typeface="Cambria Math" panose="02040503050406030204" pitchFamily="18" charset="0"/>
+                        </a:rPr>
+                        <m:t>∙</m:t>
+                      </m:r>
+                      <m:r>
+                        <a:rPr lang="en-DE" i="1">
+                          <a:latin typeface="Cambria Math" panose="02040503050406030204" pitchFamily="18" charset="0"/>
+                        </a:rPr>
+                        <m:t>h𝑓</m:t>
+                      </m:r>
+                      <m:d>
+                        <m:dPr>
+                          <m:begChr m:val="["/>
+                          <m:endChr m:val="]"/>
+                          <m:ctrlPr>
+                            <a:rPr lang="en-DE" i="1">
+                              <a:solidFill>
+                                <a:srgbClr val="836967"/>
+                              </a:solidFill>
+                              <a:latin typeface="Cambria Math" panose="02040503050406030204" pitchFamily="18" charset="0"/>
+                            </a:rPr>
+                          </m:ctrlPr>
+                        </m:dPr>
+                        <m:e>
+                          <m:r>
+                            <a:rPr lang="en-DE" i="1">
+                              <a:latin typeface="Cambria Math" panose="02040503050406030204" pitchFamily="18" charset="0"/>
+                            </a:rPr>
+                            <m:t>𝑚</m:t>
+                          </m:r>
+                        </m:e>
+                      </m:d>
+                      <m:r>
+                        <a:rPr lang="en-DE" i="0">
+                          <a:latin typeface="Cambria Math" panose="02040503050406030204" pitchFamily="18" charset="0"/>
+                        </a:rPr>
+                        <m:t>=</m:t>
+                      </m:r>
+                      <m:sSup>
+                        <m:sSupPr>
+                          <m:ctrlPr>
+                            <a:rPr lang="en-DE" i="1">
+                              <a:solidFill>
+                                <a:srgbClr val="836967"/>
+                              </a:solidFill>
+                              <a:latin typeface="Cambria Math" panose="02040503050406030204" pitchFamily="18" charset="0"/>
+                            </a:rPr>
+                          </m:ctrlPr>
+                        </m:sSupPr>
+                        <m:e>
+                          <m:r>
+                            <a:rPr lang="en-DE" i="1">
+                              <a:latin typeface="Cambria Math" panose="02040503050406030204" pitchFamily="18" charset="0"/>
+                            </a:rPr>
+                            <m:t>𝑥𝑓</m:t>
+                          </m:r>
+                          <m:d>
+                            <m:dPr>
+                              <m:begChr m:val="["/>
+                              <m:endChr m:val="]"/>
+                              <m:ctrlPr>
+                                <a:rPr lang="en-DE" i="1">
+                                  <a:solidFill>
+                                    <a:srgbClr val="836967"/>
+                                  </a:solidFill>
+                                  <a:latin typeface="Cambria Math" panose="02040503050406030204" pitchFamily="18" charset="0"/>
+                                </a:rPr>
+                              </m:ctrlPr>
+                            </m:dPr>
+                            <m:e>
+                              <m:r>
+                                <a:rPr lang="en-DE" i="1">
+                                  <a:latin typeface="Cambria Math" panose="02040503050406030204" pitchFamily="18" charset="0"/>
+                                </a:rPr>
+                                <m:t>𝑚</m:t>
+                              </m:r>
+                            </m:e>
+                          </m:d>
+                          <m:r>
+                            <a:rPr lang="en-DE" i="0">
+                              <a:latin typeface="Cambria Math" panose="02040503050406030204" pitchFamily="18" charset="0"/>
+                            </a:rPr>
+                            <m:t>∙</m:t>
+                          </m:r>
+                          <m:r>
+                            <a:rPr lang="en-DE" i="1">
+                              <a:latin typeface="Cambria Math" panose="02040503050406030204" pitchFamily="18" charset="0"/>
+                            </a:rPr>
+                            <m:t>𝑥𝑓</m:t>
+                          </m:r>
+                        </m:e>
+                        <m:sup>
+                          <m:r>
+                            <a:rPr lang="en-DE" i="0">
+                              <a:latin typeface="Cambria Math" panose="02040503050406030204" pitchFamily="18" charset="0"/>
+                            </a:rPr>
+                            <m:t>∗</m:t>
+                          </m:r>
+                        </m:sup>
+                      </m:sSup>
+                      <m:d>
+                        <m:dPr>
+                          <m:begChr m:val="["/>
+                          <m:endChr m:val="]"/>
+                          <m:ctrlPr>
+                            <a:rPr lang="en-DE" i="1">
+                              <a:solidFill>
+                                <a:srgbClr val="836967"/>
+                              </a:solidFill>
+                              <a:latin typeface="Cambria Math" panose="02040503050406030204" pitchFamily="18" charset="0"/>
+                            </a:rPr>
+                          </m:ctrlPr>
+                        </m:dPr>
+                        <m:e>
+                          <m:r>
+                            <a:rPr lang="en-DE" i="1">
+                              <a:latin typeface="Cambria Math" panose="02040503050406030204" pitchFamily="18" charset="0"/>
+                            </a:rPr>
+                            <m:t>𝑚</m:t>
+                          </m:r>
+                        </m:e>
+                      </m:d>
+                      <m:sSup>
+                        <m:sSupPr>
+                          <m:ctrlPr>
+                            <a:rPr lang="en-DE" i="1">
+                              <a:solidFill>
+                                <a:srgbClr val="836967"/>
+                              </a:solidFill>
+                              <a:latin typeface="Cambria Math" panose="02040503050406030204" pitchFamily="18" charset="0"/>
+                            </a:rPr>
+                          </m:ctrlPr>
+                        </m:sSupPr>
+                        <m:e>
+                          <m:r>
+                            <a:rPr lang="en-DE" i="0">
+                              <a:latin typeface="Cambria Math" panose="02040503050406030204" pitchFamily="18" charset="0"/>
+                            </a:rPr>
+                            <m:t>∙</m:t>
+                          </m:r>
+                          <m:r>
+                            <a:rPr lang="en-DE" i="1">
+                              <a:latin typeface="Cambria Math" panose="02040503050406030204" pitchFamily="18" charset="0"/>
+                            </a:rPr>
+                            <m:t>𝑒</m:t>
+                          </m:r>
+                        </m:e>
+                        <m:sup>
+                          <m:r>
+                            <a:rPr lang="en-DE" i="0">
+                              <a:latin typeface="Cambria Math" panose="02040503050406030204" pitchFamily="18" charset="0"/>
+                            </a:rPr>
+                            <m:t>−</m:t>
+                          </m:r>
+                          <m:r>
+                            <a:rPr lang="en-DE" i="1">
+                              <a:latin typeface="Cambria Math" panose="02040503050406030204" pitchFamily="18" charset="0"/>
+                            </a:rPr>
+                            <m:t>𝑗</m:t>
+                          </m:r>
+                          <m:f>
+                            <m:fPr>
+                              <m:ctrlPr>
+                                <a:rPr lang="en-DE" i="1">
+                                  <a:solidFill>
+                                    <a:srgbClr val="836967"/>
+                                  </a:solidFill>
+                                  <a:latin typeface="Cambria Math" panose="02040503050406030204" pitchFamily="18" charset="0"/>
+                                </a:rPr>
+                              </m:ctrlPr>
+                            </m:fPr>
+                            <m:num>
+                              <m:r>
+                                <a:rPr lang="en-DE" i="0">
+                                  <a:latin typeface="Cambria Math" panose="02040503050406030204" pitchFamily="18" charset="0"/>
+                                </a:rPr>
+                                <m:t>2</m:t>
+                              </m:r>
+                              <m:r>
+                                <a:rPr lang="en-DE" i="1">
+                                  <a:latin typeface="Cambria Math" panose="02040503050406030204" pitchFamily="18" charset="0"/>
+                                </a:rPr>
+                                <m:t>𝜋</m:t>
+                              </m:r>
+                            </m:num>
+                            <m:den>
+                              <m:r>
+                                <a:rPr lang="en-DE" i="1">
+                                  <a:latin typeface="Cambria Math" panose="02040503050406030204" pitchFamily="18" charset="0"/>
+                                </a:rPr>
+                                <m:t>𝑁</m:t>
+                              </m:r>
+                            </m:den>
+                          </m:f>
+                          <m:sSub>
+                            <m:sSubPr>
+                              <m:ctrlPr>
+                                <a:rPr lang="en-DE" i="1">
+                                  <a:solidFill>
+                                    <a:srgbClr val="836967"/>
+                                  </a:solidFill>
+                                  <a:latin typeface="Cambria Math" panose="02040503050406030204" pitchFamily="18" charset="0"/>
+                                </a:rPr>
+                              </m:ctrlPr>
+                            </m:sSubPr>
+                            <m:e>
+                              <m:r>
+                                <a:rPr lang="en-DE" i="1">
+                                  <a:latin typeface="Cambria Math" panose="02040503050406030204" pitchFamily="18" charset="0"/>
+                                </a:rPr>
+                                <m:t>𝑘</m:t>
+                              </m:r>
+                            </m:e>
+                            <m:sub>
+                              <m:r>
+                                <a:rPr lang="en-DE" i="0">
+                                  <a:latin typeface="Cambria Math" panose="02040503050406030204" pitchFamily="18" charset="0"/>
+                                </a:rPr>
+                                <m:t>0</m:t>
+                              </m:r>
+                            </m:sub>
+                          </m:sSub>
+                          <m:r>
+                            <a:rPr lang="en-DE" i="1">
+                              <a:latin typeface="Cambria Math" panose="02040503050406030204" pitchFamily="18" charset="0"/>
+                            </a:rPr>
+                            <m:t>𝑚</m:t>
+                          </m:r>
+                        </m:sup>
+                      </m:sSup>
+                      <m:r>
+                        <a:rPr lang="en-DE" i="0">
+                          <a:latin typeface="Cambria Math" panose="02040503050406030204" pitchFamily="18" charset="0"/>
+                        </a:rPr>
+                        <m:t>=</m:t>
+                      </m:r>
+                    </m:oMath>
+                  </m:oMathPara>
+                </a14:m>
+                <a:endParaRPr lang="en-DE" dirty="0"/>
+              </a:p>
+            </p:txBody>
+          </p:sp>
+        </mc:Choice>
+        <mc:Fallback>
+          <p:sp>
+            <p:nvSpPr>
+              <p:cNvPr id="18" name="TextBox 17">
+                <a:extLst>
+                  <a:ext uri="{FF2B5EF4-FFF2-40B4-BE49-F238E27FC236}">
+                    <a16:creationId xmlns:a16="http://schemas.microsoft.com/office/drawing/2014/main" id="{70BC2698-5A62-EDE8-6F31-5D046414A34D}"/>
+                  </a:ext>
+                </a:extLst>
+              </p:cNvPr>
+              <p:cNvSpPr txBox="1">
+                <a:spLocks noRot="1" noChangeAspect="1" noMove="1" noResize="1" noEditPoints="1" noAdjustHandles="1" noChangeArrowheads="1" noChangeShapeType="1" noTextEdit="1"/>
+              </p:cNvSpPr>
+              <p:nvPr/>
+            </p:nvSpPr>
+            <p:spPr>
+              <a:xfrm>
+                <a:off x="6002792" y="3643111"/>
+                <a:ext cx="4664754" cy="493853"/>
+              </a:xfrm>
+              <a:prstGeom prst="rect">
+                <a:avLst/>
+              </a:prstGeom>
+              <a:blipFill>
+                <a:blip r:embed="rId14"/>
+                <a:stretch>
+                  <a:fillRect/>
+                </a:stretch>
+              </a:blipFill>
+            </p:spPr>
+            <p:txBody>
+              <a:bodyPr/>
+              <a:lstStyle/>
+              <a:p>
+                <a:r>
+                  <a:rPr lang="en-DE">
+                    <a:noFill/>
+                  </a:rPr>
+                  <a:t> </a:t>
+                </a:r>
+              </a:p>
+            </p:txBody>
+          </p:sp>
+        </mc:Fallback>
+      </mc:AlternateContent>
+      <mc:AlternateContent xmlns:mc="http://schemas.openxmlformats.org/markup-compatibility/2006">
+        <mc:Choice xmlns:a14="http://schemas.microsoft.com/office/drawing/2010/main" Requires="a14">
+          <p:sp>
+            <p:nvSpPr>
+              <p:cNvPr id="20" name="TextBox 19">
+                <a:extLst>
+                  <a:ext uri="{FF2B5EF4-FFF2-40B4-BE49-F238E27FC236}">
+                    <a16:creationId xmlns:a16="http://schemas.microsoft.com/office/drawing/2014/main" id="{6D08295C-41EB-CD9E-DE44-0FE2D00ECBC4}"/>
+                  </a:ext>
+                </a:extLst>
+              </p:cNvPr>
+              <p:cNvSpPr txBox="1"/>
+              <p:nvPr/>
+            </p:nvSpPr>
+            <p:spPr>
+              <a:xfrm>
+                <a:off x="9761877" y="3912769"/>
+                <a:ext cx="2247219" cy="493853"/>
+              </a:xfrm>
+              <a:prstGeom prst="rect">
+                <a:avLst/>
+              </a:prstGeom>
+              <a:noFill/>
+            </p:spPr>
+            <p:txBody>
+              <a:bodyPr wrap="square">
+                <a:spAutoFit/>
+              </a:bodyPr>
+              <a:lstStyle/>
+              <a:p>
+                <a:pPr/>
+                <a14:m>
+                  <m:oMathPara xmlns:m="http://schemas.openxmlformats.org/officeDocument/2006/math">
+                    <m:oMathParaPr>
+                      <m:jc m:val="centerGroup"/>
+                    </m:oMathParaPr>
+                    <m:oMath xmlns:m="http://schemas.openxmlformats.org/officeDocument/2006/math">
+                      <m:sSup>
+                        <m:sSupPr>
+                          <m:ctrlPr>
+                            <a:rPr lang="en-DE" i="1" smtClean="0">
+                              <a:solidFill>
+                                <a:srgbClr val="836967"/>
+                              </a:solidFill>
+                              <a:latin typeface="Cambria Math" panose="02040503050406030204" pitchFamily="18" charset="0"/>
+                            </a:rPr>
+                          </m:ctrlPr>
+                        </m:sSupPr>
+                        <m:e>
+                          <m:r>
+                            <a:rPr lang="en-DE">
+                              <a:latin typeface="Cambria Math" panose="02040503050406030204" pitchFamily="18" charset="0"/>
+                            </a:rPr>
+                            <m:t>=</m:t>
+                          </m:r>
+                          <m:d>
+                            <m:dPr>
+                              <m:begChr m:val="|"/>
+                              <m:endChr m:val="|"/>
+                              <m:ctrlPr>
+                                <a:rPr lang="en-DE" i="1">
+                                  <a:solidFill>
+                                    <a:srgbClr val="836967"/>
+                                  </a:solidFill>
+                                  <a:latin typeface="Cambria Math" panose="02040503050406030204" pitchFamily="18" charset="0"/>
+                                </a:rPr>
+                              </m:ctrlPr>
+                            </m:dPr>
+                            <m:e>
+                              <m:r>
+                                <a:rPr lang="en-DE" i="1">
+                                  <a:latin typeface="Cambria Math" panose="02040503050406030204" pitchFamily="18" charset="0"/>
+                                </a:rPr>
+                                <m:t>𝑥𝑓</m:t>
+                              </m:r>
+                              <m:d>
+                                <m:dPr>
+                                  <m:begChr m:val="["/>
+                                  <m:endChr m:val="]"/>
+                                  <m:ctrlPr>
+                                    <a:rPr lang="en-DE" i="1">
+                                      <a:solidFill>
+                                        <a:srgbClr val="836967"/>
+                                      </a:solidFill>
+                                      <a:latin typeface="Cambria Math" panose="02040503050406030204" pitchFamily="18" charset="0"/>
+                                    </a:rPr>
+                                  </m:ctrlPr>
+                                </m:dPr>
+                                <m:e>
+                                  <m:r>
+                                    <a:rPr lang="en-DE" i="1">
+                                      <a:latin typeface="Cambria Math" panose="02040503050406030204" pitchFamily="18" charset="0"/>
+                                    </a:rPr>
+                                    <m:t>𝑚</m:t>
+                                  </m:r>
+                                </m:e>
+                              </m:d>
+                            </m:e>
+                          </m:d>
+                        </m:e>
+                        <m:sup>
+                          <m:r>
+                            <a:rPr lang="en-DE" i="0">
+                              <a:latin typeface="Cambria Math" panose="02040503050406030204" pitchFamily="18" charset="0"/>
+                            </a:rPr>
+                            <m:t>2</m:t>
+                          </m:r>
+                        </m:sup>
+                      </m:sSup>
+                      <m:sSup>
+                        <m:sSupPr>
+                          <m:ctrlPr>
+                            <a:rPr lang="en-DE" i="1">
+                              <a:solidFill>
+                                <a:srgbClr val="836967"/>
+                              </a:solidFill>
+                              <a:latin typeface="Cambria Math" panose="02040503050406030204" pitchFamily="18" charset="0"/>
+                            </a:rPr>
+                          </m:ctrlPr>
+                        </m:sSupPr>
+                        <m:e>
+                          <m:r>
+                            <a:rPr lang="en-DE" i="0">
+                              <a:latin typeface="Cambria Math" panose="02040503050406030204" pitchFamily="18" charset="0"/>
+                            </a:rPr>
+                            <m:t>∙</m:t>
+                          </m:r>
+                          <m:r>
+                            <a:rPr lang="en-DE" i="1">
+                              <a:latin typeface="Cambria Math" panose="02040503050406030204" pitchFamily="18" charset="0"/>
+                            </a:rPr>
+                            <m:t>𝑒</m:t>
+                          </m:r>
+                        </m:e>
+                        <m:sup>
+                          <m:r>
+                            <a:rPr lang="en-DE" i="0">
+                              <a:latin typeface="Cambria Math" panose="02040503050406030204" pitchFamily="18" charset="0"/>
+                            </a:rPr>
+                            <m:t>−</m:t>
+                          </m:r>
+                          <m:r>
+                            <a:rPr lang="en-DE" i="1">
+                              <a:latin typeface="Cambria Math" panose="02040503050406030204" pitchFamily="18" charset="0"/>
+                            </a:rPr>
+                            <m:t>𝑗</m:t>
+                          </m:r>
+                          <m:f>
+                            <m:fPr>
+                              <m:ctrlPr>
+                                <a:rPr lang="en-DE" i="1">
+                                  <a:solidFill>
+                                    <a:srgbClr val="836967"/>
+                                  </a:solidFill>
+                                  <a:latin typeface="Cambria Math" panose="02040503050406030204" pitchFamily="18" charset="0"/>
+                                </a:rPr>
+                              </m:ctrlPr>
+                            </m:fPr>
+                            <m:num>
+                              <m:r>
+                                <a:rPr lang="en-DE" i="0">
+                                  <a:latin typeface="Cambria Math" panose="02040503050406030204" pitchFamily="18" charset="0"/>
+                                </a:rPr>
+                                <m:t>2</m:t>
+                              </m:r>
+                              <m:r>
+                                <a:rPr lang="en-DE" i="1">
+                                  <a:latin typeface="Cambria Math" panose="02040503050406030204" pitchFamily="18" charset="0"/>
+                                </a:rPr>
+                                <m:t>𝜋</m:t>
+                              </m:r>
+                            </m:num>
+                            <m:den>
+                              <m:r>
+                                <a:rPr lang="en-DE" i="1">
+                                  <a:latin typeface="Cambria Math" panose="02040503050406030204" pitchFamily="18" charset="0"/>
+                                </a:rPr>
+                                <m:t>𝑁</m:t>
+                              </m:r>
+                            </m:den>
+                          </m:f>
+                          <m:sSub>
+                            <m:sSubPr>
+                              <m:ctrlPr>
+                                <a:rPr lang="en-DE" i="1">
+                                  <a:solidFill>
+                                    <a:srgbClr val="836967"/>
+                                  </a:solidFill>
+                                  <a:latin typeface="Cambria Math" panose="02040503050406030204" pitchFamily="18" charset="0"/>
+                                </a:rPr>
+                              </m:ctrlPr>
+                            </m:sSubPr>
+                            <m:e>
+                              <m:r>
+                                <a:rPr lang="en-DE" i="1">
+                                  <a:latin typeface="Cambria Math" panose="02040503050406030204" pitchFamily="18" charset="0"/>
+                                </a:rPr>
+                                <m:t>𝑘</m:t>
+                              </m:r>
+                            </m:e>
+                            <m:sub>
+                              <m:r>
+                                <a:rPr lang="en-DE" i="0">
+                                  <a:latin typeface="Cambria Math" panose="02040503050406030204" pitchFamily="18" charset="0"/>
+                                </a:rPr>
+                                <m:t>0</m:t>
+                              </m:r>
+                            </m:sub>
+                          </m:sSub>
+                          <m:r>
+                            <a:rPr lang="en-DE" i="1">
+                              <a:latin typeface="Cambria Math" panose="02040503050406030204" pitchFamily="18" charset="0"/>
+                            </a:rPr>
+                            <m:t>𝑚</m:t>
+                          </m:r>
+                        </m:sup>
+                      </m:sSup>
+                    </m:oMath>
+                  </m:oMathPara>
+                </a14:m>
+                <a:endParaRPr lang="en-DE" dirty="0"/>
+              </a:p>
+            </p:txBody>
+          </p:sp>
+        </mc:Choice>
+        <mc:Fallback>
+          <p:sp>
+            <p:nvSpPr>
+              <p:cNvPr id="20" name="TextBox 19">
+                <a:extLst>
+                  <a:ext uri="{FF2B5EF4-FFF2-40B4-BE49-F238E27FC236}">
+                    <a16:creationId xmlns:a16="http://schemas.microsoft.com/office/drawing/2014/main" id="{6D08295C-41EB-CD9E-DE44-0FE2D00ECBC4}"/>
+                  </a:ext>
+                </a:extLst>
+              </p:cNvPr>
+              <p:cNvSpPr txBox="1">
+                <a:spLocks noRot="1" noChangeAspect="1" noMove="1" noResize="1" noEditPoints="1" noAdjustHandles="1" noChangeArrowheads="1" noChangeShapeType="1" noTextEdit="1"/>
+              </p:cNvSpPr>
+              <p:nvPr/>
+            </p:nvSpPr>
+            <p:spPr>
+              <a:xfrm>
+                <a:off x="9761877" y="3912769"/>
+                <a:ext cx="2247219" cy="493853"/>
+              </a:xfrm>
+              <a:prstGeom prst="rect">
+                <a:avLst/>
+              </a:prstGeom>
+              <a:blipFill>
+                <a:blip r:embed="rId15"/>
+                <a:stretch>
+                  <a:fillRect/>
+                </a:stretch>
+              </a:blipFill>
+            </p:spPr>
+            <p:txBody>
+              <a:bodyPr/>
+              <a:lstStyle/>
+              <a:p>
+                <a:r>
+                  <a:rPr lang="en-DE">
+                    <a:noFill/>
+                  </a:rPr>
+                  <a:t> </a:t>
+                </a:r>
+              </a:p>
+            </p:txBody>
+          </p:sp>
+        </mc:Fallback>
+      </mc:AlternateContent>
+      <mc:AlternateContent xmlns:mc="http://schemas.openxmlformats.org/markup-compatibility/2006">
+        <mc:Choice xmlns:a14="http://schemas.microsoft.com/office/drawing/2010/main" Requires="a14">
+          <p:sp>
+            <p:nvSpPr>
+              <p:cNvPr id="23" name="TextBox 22">
+                <a:extLst>
+                  <a:ext uri="{FF2B5EF4-FFF2-40B4-BE49-F238E27FC236}">
+                    <a16:creationId xmlns:a16="http://schemas.microsoft.com/office/drawing/2014/main" id="{CC819027-EBAF-DD3A-22EC-B80A0460528F}"/>
+                  </a:ext>
+                </a:extLst>
+              </p:cNvPr>
+              <p:cNvSpPr txBox="1"/>
+              <p:nvPr/>
+            </p:nvSpPr>
+            <p:spPr>
+              <a:xfrm>
+                <a:off x="1739" y="4883862"/>
+                <a:ext cx="5897784" cy="871457"/>
+              </a:xfrm>
+              <a:prstGeom prst="rect">
+                <a:avLst/>
+              </a:prstGeom>
+              <a:noFill/>
+            </p:spPr>
+            <p:txBody>
+              <a:bodyPr wrap="square">
+                <a:spAutoFit/>
+              </a:bodyPr>
+              <a:lstStyle/>
+              <a:p>
+                <a:pPr/>
+                <a14:m>
+                  <m:oMathPara xmlns:m="http://schemas.openxmlformats.org/officeDocument/2006/math">
+                    <m:oMathParaPr>
+                      <m:jc m:val="centerGroup"/>
+                    </m:oMathParaPr>
+                    <m:oMath xmlns:m="http://schemas.openxmlformats.org/officeDocument/2006/math">
+                      <m:sSub>
+                        <m:sSubPr>
+                          <m:ctrlPr>
+                            <a:rPr lang="en-DE" i="1" smtClean="0">
+                              <a:solidFill>
+                                <a:srgbClr val="836967"/>
+                              </a:solidFill>
+                              <a:latin typeface="Cambria Math" panose="02040503050406030204" pitchFamily="18" charset="0"/>
+                            </a:rPr>
+                          </m:ctrlPr>
+                        </m:sSubPr>
+                        <m:e>
+                          <m:r>
+                            <a:rPr lang="en-DE" i="1">
+                              <a:latin typeface="Cambria Math" panose="02040503050406030204" pitchFamily="18" charset="0"/>
+                            </a:rPr>
+                            <m:t>𝑦</m:t>
+                          </m:r>
+                        </m:e>
+                        <m:sub>
+                          <m:r>
+                            <a:rPr lang="en-DE" i="1">
+                              <a:latin typeface="Cambria Math" panose="02040503050406030204" pitchFamily="18" charset="0"/>
+                            </a:rPr>
+                            <m:t>𝑛</m:t>
+                          </m:r>
+                        </m:sub>
+                      </m:sSub>
+                      <m:d>
+                        <m:dPr>
+                          <m:begChr m:val="["/>
+                          <m:endChr m:val="]"/>
+                          <m:ctrlPr>
+                            <a:rPr lang="en-DE" i="1">
+                              <a:solidFill>
+                                <a:srgbClr val="836967"/>
+                              </a:solidFill>
+                              <a:latin typeface="Cambria Math" panose="02040503050406030204" pitchFamily="18" charset="0"/>
+                            </a:rPr>
+                          </m:ctrlPr>
+                        </m:dPr>
+                        <m:e>
+                          <m:sSub>
+                            <m:sSubPr>
+                              <m:ctrlPr>
+                                <a:rPr lang="en-DE" i="1">
+                                  <a:solidFill>
+                                    <a:srgbClr val="836967"/>
+                                  </a:solidFill>
+                                  <a:latin typeface="Cambria Math" panose="02040503050406030204" pitchFamily="18" charset="0"/>
+                                </a:rPr>
+                              </m:ctrlPr>
+                            </m:sSubPr>
+                            <m:e>
+                              <m:r>
+                                <a:rPr lang="en-DE" i="1">
+                                  <a:latin typeface="Cambria Math" panose="02040503050406030204" pitchFamily="18" charset="0"/>
+                                </a:rPr>
+                                <m:t>𝑘</m:t>
+                              </m:r>
+                            </m:e>
+                            <m:sub>
+                              <m:r>
+                                <a:rPr lang="en-DE" i="0">
+                                  <a:latin typeface="Cambria Math" panose="02040503050406030204" pitchFamily="18" charset="0"/>
+                                </a:rPr>
+                                <m:t>0</m:t>
+                              </m:r>
+                            </m:sub>
+                          </m:sSub>
+                        </m:e>
+                      </m:d>
+                      <m:r>
+                        <a:rPr lang="en-DE" i="0">
+                          <a:latin typeface="Cambria Math" panose="02040503050406030204" pitchFamily="18" charset="0"/>
+                        </a:rPr>
+                        <m:t>=</m:t>
+                      </m:r>
+                      <m:f>
+                        <m:fPr>
+                          <m:ctrlPr>
+                            <a:rPr lang="en-DE" i="1">
+                              <a:solidFill>
+                                <a:srgbClr val="836967"/>
+                              </a:solidFill>
+                              <a:latin typeface="Cambria Math" panose="02040503050406030204" pitchFamily="18" charset="0"/>
+                            </a:rPr>
+                          </m:ctrlPr>
+                        </m:fPr>
+                        <m:num>
+                          <m:r>
+                            <a:rPr lang="en-DE" i="0">
+                              <a:latin typeface="Cambria Math" panose="02040503050406030204" pitchFamily="18" charset="0"/>
+                            </a:rPr>
+                            <m:t>1</m:t>
+                          </m:r>
+                        </m:num>
+                        <m:den>
+                          <m:r>
+                            <a:rPr lang="en-DE" i="1">
+                              <a:latin typeface="Cambria Math" panose="02040503050406030204" pitchFamily="18" charset="0"/>
+                            </a:rPr>
+                            <m:t>𝑁</m:t>
+                          </m:r>
+                        </m:den>
+                      </m:f>
+                      <m:nary>
+                        <m:naryPr>
+                          <m:chr m:val="∑"/>
+                          <m:limLoc m:val="undOvr"/>
+                          <m:ctrlPr>
+                            <a:rPr lang="en-DE" i="1">
+                              <a:latin typeface="Cambria Math" panose="02040503050406030204" pitchFamily="18" charset="0"/>
+                            </a:rPr>
+                          </m:ctrlPr>
+                        </m:naryPr>
+                        <m:sub>
+                          <m:r>
+                            <a:rPr lang="en-DE" i="1">
+                              <a:latin typeface="Cambria Math" panose="02040503050406030204" pitchFamily="18" charset="0"/>
+                            </a:rPr>
+                            <m:t>𝑚</m:t>
+                          </m:r>
+                          <m:r>
+                            <a:rPr lang="en-DE" i="0">
+                              <a:latin typeface="Cambria Math" panose="02040503050406030204" pitchFamily="18" charset="0"/>
+                            </a:rPr>
+                            <m:t>=0</m:t>
+                          </m:r>
+                        </m:sub>
+                        <m:sup>
+                          <m:r>
+                            <a:rPr lang="en-DE" i="1">
+                              <a:latin typeface="Cambria Math" panose="02040503050406030204" pitchFamily="18" charset="0"/>
+                            </a:rPr>
+                            <m:t>𝑁</m:t>
+                          </m:r>
+                          <m:r>
+                            <a:rPr lang="en-DE" i="0">
+                              <a:latin typeface="Cambria Math" panose="02040503050406030204" pitchFamily="18" charset="0"/>
+                            </a:rPr>
+                            <m:t>−1</m:t>
+                          </m:r>
+                        </m:sup>
+                        <m:e>
+                          <m:d>
+                            <m:dPr>
+                              <m:ctrlPr>
+                                <a:rPr lang="en-DE" i="1">
+                                  <a:solidFill>
+                                    <a:srgbClr val="836967"/>
+                                  </a:solidFill>
+                                  <a:latin typeface="Cambria Math" panose="02040503050406030204" pitchFamily="18" charset="0"/>
+                                </a:rPr>
+                              </m:ctrlPr>
+                            </m:dPr>
+                            <m:e>
+                              <m:r>
+                                <a:rPr lang="en-DE" i="1">
+                                  <a:latin typeface="Cambria Math" panose="02040503050406030204" pitchFamily="18" charset="0"/>
+                                </a:rPr>
+                                <m:t>𝑛𝑓</m:t>
+                              </m:r>
+                              <m:d>
+                                <m:dPr>
+                                  <m:begChr m:val="["/>
+                                  <m:endChr m:val="]"/>
+                                  <m:ctrlPr>
+                                    <a:rPr lang="en-DE" i="1">
+                                      <a:solidFill>
+                                        <a:srgbClr val="836967"/>
+                                      </a:solidFill>
+                                      <a:latin typeface="Cambria Math" panose="02040503050406030204" pitchFamily="18" charset="0"/>
+                                    </a:rPr>
+                                  </m:ctrlPr>
+                                </m:dPr>
+                                <m:e>
+                                  <m:r>
+                                    <a:rPr lang="en-DE" i="1">
+                                      <a:latin typeface="Cambria Math" panose="02040503050406030204" pitchFamily="18" charset="0"/>
+                                    </a:rPr>
+                                    <m:t>𝑚</m:t>
+                                  </m:r>
+                                </m:e>
+                              </m:d>
+                              <m:r>
+                                <a:rPr lang="en-DE" i="0">
+                                  <a:latin typeface="Cambria Math" panose="02040503050406030204" pitchFamily="18" charset="0"/>
+                                </a:rPr>
+                                <m:t>∙</m:t>
+                              </m:r>
+                              <m:sSup>
+                                <m:sSupPr>
+                                  <m:ctrlPr>
+                                    <a:rPr lang="en-DE" i="1">
+                                      <a:solidFill>
+                                        <a:srgbClr val="836967"/>
+                                      </a:solidFill>
+                                      <a:latin typeface="Cambria Math" panose="02040503050406030204" pitchFamily="18" charset="0"/>
+                                    </a:rPr>
+                                  </m:ctrlPr>
+                                </m:sSupPr>
+                                <m:e>
+                                  <m:r>
+                                    <a:rPr lang="en-DE" i="1">
+                                      <a:latin typeface="Cambria Math" panose="02040503050406030204" pitchFamily="18" charset="0"/>
+                                    </a:rPr>
+                                    <m:t>𝑥𝑓</m:t>
+                                  </m:r>
+                                </m:e>
+                                <m:sup>
+                                  <m:r>
+                                    <a:rPr lang="en-DE" i="0">
+                                      <a:latin typeface="Cambria Math" panose="02040503050406030204" pitchFamily="18" charset="0"/>
+                                    </a:rPr>
+                                    <m:t>∗</m:t>
+                                  </m:r>
+                                </m:sup>
+                              </m:sSup>
+                              <m:d>
+                                <m:dPr>
+                                  <m:begChr m:val="["/>
+                                  <m:endChr m:val="]"/>
+                                  <m:ctrlPr>
+                                    <a:rPr lang="en-DE" i="1">
+                                      <a:solidFill>
+                                        <a:srgbClr val="836967"/>
+                                      </a:solidFill>
+                                      <a:latin typeface="Cambria Math" panose="02040503050406030204" pitchFamily="18" charset="0"/>
+                                    </a:rPr>
+                                  </m:ctrlPr>
+                                </m:dPr>
+                                <m:e>
+                                  <m:r>
+                                    <a:rPr lang="en-DE" i="1">
+                                      <a:latin typeface="Cambria Math" panose="02040503050406030204" pitchFamily="18" charset="0"/>
+                                    </a:rPr>
+                                    <m:t>𝑚</m:t>
+                                  </m:r>
+                                </m:e>
+                              </m:d>
+                            </m:e>
+                          </m:d>
+                          <m:r>
+                            <a:rPr lang="en-DE" i="0">
+                              <a:latin typeface="Cambria Math" panose="02040503050406030204" pitchFamily="18" charset="0"/>
+                            </a:rPr>
+                            <m:t>∙</m:t>
+                          </m:r>
+                          <m:d>
+                            <m:dPr>
+                              <m:ctrlPr>
+                                <a:rPr lang="en-DE" i="1">
+                                  <a:solidFill>
+                                    <a:srgbClr val="836967"/>
+                                  </a:solidFill>
+                                  <a:latin typeface="Cambria Math" panose="02040503050406030204" pitchFamily="18" charset="0"/>
+                                </a:rPr>
+                              </m:ctrlPr>
+                            </m:dPr>
+                            <m:e>
+                              <m:sSup>
+                                <m:sSupPr>
+                                  <m:ctrlPr>
+                                    <a:rPr lang="en-DE" i="1">
+                                      <a:solidFill>
+                                        <a:srgbClr val="836967"/>
+                                      </a:solidFill>
+                                      <a:latin typeface="Cambria Math" panose="02040503050406030204" pitchFamily="18" charset="0"/>
+                                    </a:rPr>
+                                  </m:ctrlPr>
+                                </m:sSupPr>
+                                <m:e>
+                                  <m:r>
+                                    <a:rPr lang="en-DE" i="1">
+                                      <a:latin typeface="Cambria Math" panose="02040503050406030204" pitchFamily="18" charset="0"/>
+                                    </a:rPr>
+                                    <m:t>𝑒</m:t>
+                                  </m:r>
+                                </m:e>
+                                <m:sup>
+                                  <m:r>
+                                    <a:rPr lang="en-DE" i="0">
+                                      <a:latin typeface="Cambria Math" panose="02040503050406030204" pitchFamily="18" charset="0"/>
+                                    </a:rPr>
+                                    <m:t>−</m:t>
+                                  </m:r>
+                                  <m:r>
+                                    <a:rPr lang="en-DE" i="1">
+                                      <a:latin typeface="Cambria Math" panose="02040503050406030204" pitchFamily="18" charset="0"/>
+                                    </a:rPr>
+                                    <m:t>𝑗</m:t>
+                                  </m:r>
+                                  <m:f>
+                                    <m:fPr>
+                                      <m:ctrlPr>
+                                        <a:rPr lang="en-DE" i="1">
+                                          <a:solidFill>
+                                            <a:srgbClr val="836967"/>
+                                          </a:solidFill>
+                                          <a:latin typeface="Cambria Math" panose="02040503050406030204" pitchFamily="18" charset="0"/>
+                                        </a:rPr>
+                                      </m:ctrlPr>
+                                    </m:fPr>
+                                    <m:num>
+                                      <m:r>
+                                        <a:rPr lang="en-DE" i="0">
+                                          <a:latin typeface="Cambria Math" panose="02040503050406030204" pitchFamily="18" charset="0"/>
+                                        </a:rPr>
+                                        <m:t>2</m:t>
+                                      </m:r>
+                                      <m:r>
+                                        <a:rPr lang="en-DE" i="1">
+                                          <a:latin typeface="Cambria Math" panose="02040503050406030204" pitchFamily="18" charset="0"/>
+                                        </a:rPr>
+                                        <m:t>𝜋</m:t>
+                                      </m:r>
+                                    </m:num>
+                                    <m:den>
+                                      <m:r>
+                                        <a:rPr lang="en-DE" i="1">
+                                          <a:latin typeface="Cambria Math" panose="02040503050406030204" pitchFamily="18" charset="0"/>
+                                        </a:rPr>
+                                        <m:t>𝑁</m:t>
+                                      </m:r>
+                                    </m:den>
+                                  </m:f>
+                                  <m:sSub>
+                                    <m:sSubPr>
+                                      <m:ctrlPr>
+                                        <a:rPr lang="en-DE" i="1">
+                                          <a:solidFill>
+                                            <a:srgbClr val="836967"/>
+                                          </a:solidFill>
+                                          <a:latin typeface="Cambria Math" panose="02040503050406030204" pitchFamily="18" charset="0"/>
+                                        </a:rPr>
+                                      </m:ctrlPr>
+                                    </m:sSubPr>
+                                    <m:e>
+                                      <m:r>
+                                        <a:rPr lang="en-DE" i="1">
+                                          <a:latin typeface="Cambria Math" panose="02040503050406030204" pitchFamily="18" charset="0"/>
+                                        </a:rPr>
+                                        <m:t>𝑘</m:t>
+                                      </m:r>
+                                    </m:e>
+                                    <m:sub>
+                                      <m:r>
+                                        <a:rPr lang="en-DE" i="0">
+                                          <a:latin typeface="Cambria Math" panose="02040503050406030204" pitchFamily="18" charset="0"/>
+                                        </a:rPr>
+                                        <m:t>0</m:t>
+                                      </m:r>
+                                    </m:sub>
+                                  </m:sSub>
+                                  <m:r>
+                                    <a:rPr lang="en-DE" i="1">
+                                      <a:latin typeface="Cambria Math" panose="02040503050406030204" pitchFamily="18" charset="0"/>
+                                    </a:rPr>
+                                    <m:t>𝑚</m:t>
+                                  </m:r>
+                                </m:sup>
+                              </m:sSup>
+                              <m:sSup>
+                                <m:sSupPr>
+                                  <m:ctrlPr>
+                                    <a:rPr lang="en-DE" i="1">
+                                      <a:solidFill>
+                                        <a:srgbClr val="836967"/>
+                                      </a:solidFill>
+                                      <a:latin typeface="Cambria Math" panose="02040503050406030204" pitchFamily="18" charset="0"/>
+                                    </a:rPr>
+                                  </m:ctrlPr>
+                                </m:sSupPr>
+                                <m:e>
+                                  <m:r>
+                                    <a:rPr lang="en-DE" i="0">
+                                      <a:latin typeface="Cambria Math" panose="02040503050406030204" pitchFamily="18" charset="0"/>
+                                    </a:rPr>
+                                    <m:t>∙</m:t>
+                                  </m:r>
+                                  <m:r>
+                                    <a:rPr lang="en-DE" i="1">
+                                      <a:latin typeface="Cambria Math" panose="02040503050406030204" pitchFamily="18" charset="0"/>
+                                    </a:rPr>
+                                    <m:t>𝑒</m:t>
+                                  </m:r>
+                                </m:e>
+                                <m:sup>
+                                  <m:r>
+                                    <a:rPr lang="en-DE" i="1">
+                                      <a:latin typeface="Cambria Math" panose="02040503050406030204" pitchFamily="18" charset="0"/>
+                                    </a:rPr>
+                                    <m:t>𝑗</m:t>
+                                  </m:r>
+                                  <m:f>
+                                    <m:fPr>
+                                      <m:ctrlPr>
+                                        <a:rPr lang="en-DE" i="1">
+                                          <a:solidFill>
+                                            <a:srgbClr val="836967"/>
+                                          </a:solidFill>
+                                          <a:latin typeface="Cambria Math" panose="02040503050406030204" pitchFamily="18" charset="0"/>
+                                        </a:rPr>
+                                      </m:ctrlPr>
+                                    </m:fPr>
+                                    <m:num>
+                                      <m:r>
+                                        <a:rPr lang="en-DE" i="0">
+                                          <a:latin typeface="Cambria Math" panose="02040503050406030204" pitchFamily="18" charset="0"/>
+                                        </a:rPr>
+                                        <m:t>2</m:t>
+                                      </m:r>
+                                      <m:r>
+                                        <a:rPr lang="en-DE" i="1">
+                                          <a:latin typeface="Cambria Math" panose="02040503050406030204" pitchFamily="18" charset="0"/>
+                                        </a:rPr>
+                                        <m:t>𝜋</m:t>
+                                      </m:r>
+                                    </m:num>
+                                    <m:den>
+                                      <m:r>
+                                        <a:rPr lang="en-DE" i="1">
+                                          <a:latin typeface="Cambria Math" panose="02040503050406030204" pitchFamily="18" charset="0"/>
+                                        </a:rPr>
+                                        <m:t>𝑁</m:t>
+                                      </m:r>
+                                    </m:den>
+                                  </m:f>
+                                  <m:sSub>
+                                    <m:sSubPr>
+                                      <m:ctrlPr>
+                                        <a:rPr lang="en-DE" i="1">
+                                          <a:solidFill>
+                                            <a:srgbClr val="836967"/>
+                                          </a:solidFill>
+                                          <a:latin typeface="Cambria Math" panose="02040503050406030204" pitchFamily="18" charset="0"/>
+                                        </a:rPr>
+                                      </m:ctrlPr>
+                                    </m:sSubPr>
+                                    <m:e>
+                                      <m:r>
+                                        <a:rPr lang="en-DE" i="1">
+                                          <a:latin typeface="Cambria Math" panose="02040503050406030204" pitchFamily="18" charset="0"/>
+                                        </a:rPr>
+                                        <m:t>𝑘</m:t>
+                                      </m:r>
+                                    </m:e>
+                                    <m:sub>
+                                      <m:r>
+                                        <a:rPr lang="en-DE" i="0">
+                                          <a:latin typeface="Cambria Math" panose="02040503050406030204" pitchFamily="18" charset="0"/>
+                                        </a:rPr>
+                                        <m:t>0</m:t>
+                                      </m:r>
+                                    </m:sub>
+                                  </m:sSub>
+                                  <m:r>
+                                    <a:rPr lang="en-DE" i="1">
+                                      <a:latin typeface="Cambria Math" panose="02040503050406030204" pitchFamily="18" charset="0"/>
+                                    </a:rPr>
+                                    <m:t>𝑚</m:t>
+                                  </m:r>
+                                </m:sup>
+                              </m:sSup>
+                            </m:e>
+                          </m:d>
+                        </m:e>
+                      </m:nary>
+                      <m:r>
+                        <a:rPr lang="en-DE" i="0">
+                          <a:latin typeface="Cambria Math" panose="02040503050406030204" pitchFamily="18" charset="0"/>
+                        </a:rPr>
+                        <m:t>=</m:t>
+                      </m:r>
+                    </m:oMath>
+                  </m:oMathPara>
+                </a14:m>
+                <a:endParaRPr lang="en-DE" dirty="0"/>
+              </a:p>
+            </p:txBody>
+          </p:sp>
+        </mc:Choice>
+        <mc:Fallback>
+          <p:sp>
+            <p:nvSpPr>
+              <p:cNvPr id="23" name="TextBox 22">
+                <a:extLst>
+                  <a:ext uri="{FF2B5EF4-FFF2-40B4-BE49-F238E27FC236}">
+                    <a16:creationId xmlns:a16="http://schemas.microsoft.com/office/drawing/2014/main" id="{CC819027-EBAF-DD3A-22EC-B80A0460528F}"/>
+                  </a:ext>
+                </a:extLst>
+              </p:cNvPr>
+              <p:cNvSpPr txBox="1">
+                <a:spLocks noRot="1" noChangeAspect="1" noMove="1" noResize="1" noEditPoints="1" noAdjustHandles="1" noChangeArrowheads="1" noChangeShapeType="1" noTextEdit="1"/>
+              </p:cNvSpPr>
+              <p:nvPr/>
+            </p:nvSpPr>
+            <p:spPr>
+              <a:xfrm>
+                <a:off x="1739" y="4883862"/>
+                <a:ext cx="5897784" cy="871457"/>
+              </a:xfrm>
+              <a:prstGeom prst="rect">
+                <a:avLst/>
+              </a:prstGeom>
+              <a:blipFill>
+                <a:blip r:embed="rId16"/>
+                <a:stretch>
+                  <a:fillRect/>
+                </a:stretch>
+              </a:blipFill>
+            </p:spPr>
+            <p:txBody>
+              <a:bodyPr/>
+              <a:lstStyle/>
+              <a:p>
+                <a:r>
+                  <a:rPr lang="en-DE">
+                    <a:noFill/>
+                  </a:rPr>
+                  <a:t> </a:t>
+                </a:r>
+              </a:p>
+            </p:txBody>
+          </p:sp>
+        </mc:Fallback>
+      </mc:AlternateContent>
+      <mc:AlternateContent xmlns:mc="http://schemas.openxmlformats.org/markup-compatibility/2006">
+        <mc:Choice xmlns:a14="http://schemas.microsoft.com/office/drawing/2010/main" Requires="a14">
+          <p:sp>
+            <p:nvSpPr>
+              <p:cNvPr id="25" name="TextBox 24">
+                <a:extLst>
+                  <a:ext uri="{FF2B5EF4-FFF2-40B4-BE49-F238E27FC236}">
+                    <a16:creationId xmlns:a16="http://schemas.microsoft.com/office/drawing/2014/main" id="{B423AEB6-708B-F3FB-8E08-E5BF81B88BC9}"/>
+                  </a:ext>
+                </a:extLst>
+              </p:cNvPr>
+              <p:cNvSpPr txBox="1"/>
+              <p:nvPr/>
+            </p:nvSpPr>
+            <p:spPr>
+              <a:xfrm>
+                <a:off x="3890780" y="5488947"/>
+                <a:ext cx="1969934" cy="871457"/>
+              </a:xfrm>
+              <a:prstGeom prst="rect">
+                <a:avLst/>
+              </a:prstGeom>
+              <a:noFill/>
+            </p:spPr>
+            <p:txBody>
+              <a:bodyPr wrap="square">
+                <a:spAutoFit/>
+              </a:bodyPr>
+              <a:lstStyle/>
+              <a:p>
+                <a:pPr/>
+                <a14:m>
+                  <m:oMathPara xmlns:m="http://schemas.openxmlformats.org/officeDocument/2006/math">
+                    <m:oMathParaPr>
+                      <m:jc m:val="centerGroup"/>
+                    </m:oMathParaPr>
+                    <m:oMath xmlns:m="http://schemas.openxmlformats.org/officeDocument/2006/math">
+                      <m:r>
+                        <a:rPr lang="en-DE" smtClean="0">
+                          <a:latin typeface="Cambria Math" panose="02040503050406030204" pitchFamily="18" charset="0"/>
+                        </a:rPr>
+                        <m:t>=</m:t>
+                      </m:r>
+                      <m:nary>
+                        <m:naryPr>
+                          <m:chr m:val="∑"/>
+                          <m:limLoc m:val="undOvr"/>
+                          <m:ctrlPr>
+                            <a:rPr lang="en-DE" i="1">
+                              <a:latin typeface="Cambria Math" panose="02040503050406030204" pitchFamily="18" charset="0"/>
+                            </a:rPr>
+                          </m:ctrlPr>
+                        </m:naryPr>
+                        <m:sub>
+                          <m:r>
+                            <a:rPr lang="en-DE" i="1">
+                              <a:latin typeface="Cambria Math" panose="02040503050406030204" pitchFamily="18" charset="0"/>
+                            </a:rPr>
+                            <m:t>𝑘</m:t>
+                          </m:r>
+                          <m:r>
+                            <a:rPr lang="en-DE" i="0">
+                              <a:latin typeface="Cambria Math" panose="02040503050406030204" pitchFamily="18" charset="0"/>
+                            </a:rPr>
+                            <m:t>=0</m:t>
+                          </m:r>
+                        </m:sub>
+                        <m:sup>
+                          <m:r>
+                            <a:rPr lang="en-DE" i="1">
+                              <a:latin typeface="Cambria Math" panose="02040503050406030204" pitchFamily="18" charset="0"/>
+                            </a:rPr>
+                            <m:t>𝑁</m:t>
+                          </m:r>
+                          <m:r>
+                            <a:rPr lang="en-DE" i="0">
+                              <a:latin typeface="Cambria Math" panose="02040503050406030204" pitchFamily="18" charset="0"/>
+                            </a:rPr>
+                            <m:t>−1</m:t>
+                          </m:r>
+                        </m:sup>
+                        <m:e>
+                          <m:r>
+                            <a:rPr lang="en-DE" i="1">
+                              <a:latin typeface="Cambria Math" panose="02040503050406030204" pitchFamily="18" charset="0"/>
+                            </a:rPr>
+                            <m:t>𝑛</m:t>
+                          </m:r>
+                          <m:d>
+                            <m:dPr>
+                              <m:begChr m:val="["/>
+                              <m:endChr m:val="]"/>
+                              <m:ctrlPr>
+                                <a:rPr lang="en-DE" i="1">
+                                  <a:solidFill>
+                                    <a:srgbClr val="836967"/>
+                                  </a:solidFill>
+                                  <a:latin typeface="Cambria Math" panose="02040503050406030204" pitchFamily="18" charset="0"/>
+                                </a:rPr>
+                              </m:ctrlPr>
+                            </m:dPr>
+                            <m:e>
+                              <m:r>
+                                <a:rPr lang="en-DE" i="1">
+                                  <a:latin typeface="Cambria Math" panose="02040503050406030204" pitchFamily="18" charset="0"/>
+                                </a:rPr>
+                                <m:t>𝑘</m:t>
+                              </m:r>
+                            </m:e>
+                          </m:d>
+                          <m:r>
+                            <a:rPr lang="en-DE" i="0">
+                              <a:latin typeface="Cambria Math" panose="02040503050406030204" pitchFamily="18" charset="0"/>
+                            </a:rPr>
+                            <m:t>∙</m:t>
+                          </m:r>
+                          <m:sSup>
+                            <m:sSupPr>
+                              <m:ctrlPr>
+                                <a:rPr lang="en-DE" i="1">
+                                  <a:solidFill>
+                                    <a:srgbClr val="836967"/>
+                                  </a:solidFill>
+                                  <a:latin typeface="Cambria Math" panose="02040503050406030204" pitchFamily="18" charset="0"/>
+                                </a:rPr>
+                              </m:ctrlPr>
+                            </m:sSupPr>
+                            <m:e>
+                              <m:r>
+                                <a:rPr lang="en-DE" i="1">
+                                  <a:latin typeface="Cambria Math" panose="02040503050406030204" pitchFamily="18" charset="0"/>
+                                </a:rPr>
+                                <m:t>𝑥</m:t>
+                              </m:r>
+                            </m:e>
+                            <m:sup>
+                              <m:r>
+                                <a:rPr lang="en-DE" i="0">
+                                  <a:latin typeface="Cambria Math" panose="02040503050406030204" pitchFamily="18" charset="0"/>
+                                </a:rPr>
+                                <m:t>∗</m:t>
+                              </m:r>
+                            </m:sup>
+                          </m:sSup>
+                          <m:d>
+                            <m:dPr>
+                              <m:begChr m:val="["/>
+                              <m:endChr m:val="]"/>
+                              <m:ctrlPr>
+                                <a:rPr lang="en-DE" i="1">
+                                  <a:solidFill>
+                                    <a:srgbClr val="836967"/>
+                                  </a:solidFill>
+                                  <a:latin typeface="Cambria Math" panose="02040503050406030204" pitchFamily="18" charset="0"/>
+                                </a:rPr>
+                              </m:ctrlPr>
+                            </m:dPr>
+                            <m:e>
+                              <m:r>
+                                <a:rPr lang="en-DE" i="1">
+                                  <a:latin typeface="Cambria Math" panose="02040503050406030204" pitchFamily="18" charset="0"/>
+                                </a:rPr>
+                                <m:t>𝑘</m:t>
+                              </m:r>
+                            </m:e>
+                          </m:d>
+                        </m:e>
+                      </m:nary>
+                    </m:oMath>
+                  </m:oMathPara>
+                </a14:m>
+                <a:endParaRPr lang="en-DE" dirty="0"/>
+              </a:p>
+            </p:txBody>
+          </p:sp>
+        </mc:Choice>
+        <mc:Fallback>
+          <p:sp>
+            <p:nvSpPr>
+              <p:cNvPr id="25" name="TextBox 24">
+                <a:extLst>
+                  <a:ext uri="{FF2B5EF4-FFF2-40B4-BE49-F238E27FC236}">
+                    <a16:creationId xmlns:a16="http://schemas.microsoft.com/office/drawing/2014/main" id="{B423AEB6-708B-F3FB-8E08-E5BF81B88BC9}"/>
+                  </a:ext>
+                </a:extLst>
+              </p:cNvPr>
+              <p:cNvSpPr txBox="1">
+                <a:spLocks noRot="1" noChangeAspect="1" noMove="1" noResize="1" noEditPoints="1" noAdjustHandles="1" noChangeArrowheads="1" noChangeShapeType="1" noTextEdit="1"/>
+              </p:cNvSpPr>
+              <p:nvPr/>
+            </p:nvSpPr>
+            <p:spPr>
+              <a:xfrm>
+                <a:off x="3890780" y="5488947"/>
+                <a:ext cx="1969934" cy="871457"/>
+              </a:xfrm>
+              <a:prstGeom prst="rect">
+                <a:avLst/>
+              </a:prstGeom>
+              <a:blipFill>
+                <a:blip r:embed="rId17"/>
+                <a:stretch>
+                  <a:fillRect/>
+                </a:stretch>
+              </a:blipFill>
+            </p:spPr>
+            <p:txBody>
+              <a:bodyPr/>
+              <a:lstStyle/>
+              <a:p>
+                <a:r>
+                  <a:rPr lang="en-DE">
+                    <a:noFill/>
+                  </a:rPr>
+                  <a:t> </a:t>
+                </a:r>
+              </a:p>
+            </p:txBody>
+          </p:sp>
+        </mc:Fallback>
+      </mc:AlternateContent>
+      <p:cxnSp>
+        <p:nvCxnSpPr>
+          <p:cNvPr id="27" name="Straight Connector 26">
+            <a:extLst>
+              <a:ext uri="{FF2B5EF4-FFF2-40B4-BE49-F238E27FC236}">
+                <a16:creationId xmlns:a16="http://schemas.microsoft.com/office/drawing/2014/main" id="{604ED94F-4DC4-0DAA-02F1-01129D40E1E9}"/>
+              </a:ext>
+            </a:extLst>
+          </p:cNvPr>
+          <p:cNvCxnSpPr/>
+          <p:nvPr/>
+        </p:nvCxnSpPr>
+        <p:spPr>
+          <a:xfrm>
+            <a:off x="5888519" y="2612790"/>
+            <a:ext cx="0" cy="4060544"/>
+          </a:xfrm>
+          <a:prstGeom prst="line">
+            <a:avLst/>
+          </a:prstGeom>
+          <a:ln w="19050"/>
+        </p:spPr>
+        <p:style>
+          <a:lnRef idx="1">
+            <a:schemeClr val="accent1"/>
+          </a:lnRef>
+          <a:fillRef idx="0">
+            <a:schemeClr val="accent1"/>
+          </a:fillRef>
+          <a:effectRef idx="0">
+            <a:schemeClr val="accent1"/>
+          </a:effectRef>
+          <a:fontRef idx="minor">
+            <a:schemeClr val="tx1"/>
+          </a:fontRef>
+        </p:style>
+      </p:cxnSp>
+      <mc:AlternateContent xmlns:mc="http://schemas.openxmlformats.org/markup-compatibility/2006">
+        <mc:Choice xmlns:a14="http://schemas.microsoft.com/office/drawing/2010/main" Requires="a14">
+          <p:sp>
+            <p:nvSpPr>
+              <p:cNvPr id="5" name="TextBox 4">
+                <a:extLst>
+                  <a:ext uri="{FF2B5EF4-FFF2-40B4-BE49-F238E27FC236}">
+                    <a16:creationId xmlns:a16="http://schemas.microsoft.com/office/drawing/2014/main" id="{19B3E5F1-253D-1870-F8B5-63A381EA4DAC}"/>
+                  </a:ext>
+                </a:extLst>
+              </p:cNvPr>
+              <p:cNvSpPr txBox="1"/>
+              <p:nvPr/>
+            </p:nvSpPr>
+            <p:spPr>
+              <a:xfrm>
+                <a:off x="121313" y="5971539"/>
+                <a:ext cx="3610008" cy="701795"/>
+              </a:xfrm>
+              <a:prstGeom prst="rect">
+                <a:avLst/>
+              </a:prstGeom>
+              <a:noFill/>
+            </p:spPr>
+            <p:txBody>
+              <a:bodyPr wrap="square">
+                <a:spAutoFit/>
+              </a:bodyPr>
+              <a:lstStyle/>
+              <a:p>
+                <a:pPr/>
+                <a14:m>
+                  <m:oMathPara xmlns:m="http://schemas.openxmlformats.org/officeDocument/2006/math">
+                    <m:oMathParaPr>
+                      <m:jc m:val="centerGroup"/>
+                    </m:oMathParaPr>
+                    <m:oMath xmlns:m="http://schemas.openxmlformats.org/officeDocument/2006/math">
+                      <m:r>
+                        <a:rPr lang="en-DE" i="1" smtClean="0">
+                          <a:latin typeface="Cambria Math" panose="02040503050406030204" pitchFamily="18" charset="0"/>
+                        </a:rPr>
+                        <m:t>𝑆𝑁𝑅</m:t>
+                      </m:r>
+                      <m:r>
+                        <a:rPr lang="en-DE" i="0">
+                          <a:latin typeface="Cambria Math" panose="02040503050406030204" pitchFamily="18" charset="0"/>
+                        </a:rPr>
+                        <m:t>=</m:t>
+                      </m:r>
+                      <m:f>
+                        <m:fPr>
+                          <m:ctrlPr>
+                            <a:rPr lang="en-DE" i="1">
+                              <a:solidFill>
+                                <a:srgbClr val="836967"/>
+                              </a:solidFill>
+                              <a:latin typeface="Cambria Math" panose="02040503050406030204" pitchFamily="18" charset="0"/>
+                            </a:rPr>
+                          </m:ctrlPr>
+                        </m:fPr>
+                        <m:num>
+                          <m:sSub>
+                            <m:sSubPr>
+                              <m:ctrlPr>
+                                <a:rPr lang="en-DE" i="1">
+                                  <a:solidFill>
+                                    <a:srgbClr val="836967"/>
+                                  </a:solidFill>
+                                  <a:latin typeface="Cambria Math" panose="02040503050406030204" pitchFamily="18" charset="0"/>
+                                </a:rPr>
+                              </m:ctrlPr>
+                            </m:sSubPr>
+                            <m:e>
+                              <m:r>
+                                <a:rPr lang="en-DE" i="1">
+                                  <a:latin typeface="Cambria Math" panose="02040503050406030204" pitchFamily="18" charset="0"/>
+                                </a:rPr>
+                                <m:t>𝑦</m:t>
+                              </m:r>
+                            </m:e>
+                            <m:sub>
+                              <m:r>
+                                <a:rPr lang="en-DE" i="1">
+                                  <a:latin typeface="Cambria Math" panose="02040503050406030204" pitchFamily="18" charset="0"/>
+                                </a:rPr>
+                                <m:t>𝑥</m:t>
+                              </m:r>
+                            </m:sub>
+                          </m:sSub>
+                          <m:d>
+                            <m:dPr>
+                              <m:begChr m:val="["/>
+                              <m:endChr m:val="]"/>
+                              <m:ctrlPr>
+                                <a:rPr lang="en-DE" i="1">
+                                  <a:solidFill>
+                                    <a:srgbClr val="836967"/>
+                                  </a:solidFill>
+                                  <a:latin typeface="Cambria Math" panose="02040503050406030204" pitchFamily="18" charset="0"/>
+                                </a:rPr>
+                              </m:ctrlPr>
+                            </m:dPr>
+                            <m:e>
                               <m:sSub>
                                 <m:sSubPr>
                                   <m:ctrlPr>
@@ -6543,16 +8164,84 @@
                                   </m:r>
                                 </m:sub>
                               </m:sSub>
+                            </m:e>
+                          </m:d>
+                        </m:num>
+                        <m:den>
+                          <m:sSub>
+                            <m:sSubPr>
+                              <m:ctrlPr>
+                                <a:rPr lang="en-DE" i="1">
+                                  <a:solidFill>
+                                    <a:srgbClr val="836967"/>
+                                  </a:solidFill>
+                                  <a:latin typeface="Cambria Math" panose="02040503050406030204" pitchFamily="18" charset="0"/>
+                                </a:rPr>
+                              </m:ctrlPr>
+                            </m:sSubPr>
+                            <m:e>
                               <m:r>
                                 <a:rPr lang="en-DE" i="1">
                                   <a:latin typeface="Cambria Math" panose="02040503050406030204" pitchFamily="18" charset="0"/>
                                 </a:rPr>
-                                <m:t>𝑚</m:t>
+                                <m:t>𝑦</m:t>
                               </m:r>
-                            </m:sup>
-                          </m:sSup>
-                        </m:e>
-                      </m:nary>
+                            </m:e>
+                            <m:sub>
+                              <m:r>
+                                <a:rPr lang="en-DE" i="1">
+                                  <a:latin typeface="Cambria Math" panose="02040503050406030204" pitchFamily="18" charset="0"/>
+                                </a:rPr>
+                                <m:t>𝑛</m:t>
+                              </m:r>
+                            </m:sub>
+                          </m:sSub>
+                          <m:d>
+                            <m:dPr>
+                              <m:begChr m:val="["/>
+                              <m:endChr m:val="]"/>
+                              <m:ctrlPr>
+                                <a:rPr lang="en-DE" i="1">
+                                  <a:solidFill>
+                                    <a:srgbClr val="836967"/>
+                                  </a:solidFill>
+                                  <a:latin typeface="Cambria Math" panose="02040503050406030204" pitchFamily="18" charset="0"/>
+                                </a:rPr>
+                              </m:ctrlPr>
+                            </m:dPr>
+                            <m:e>
+                              <m:sSub>
+                                <m:sSubPr>
+                                  <m:ctrlPr>
+                                    <a:rPr lang="en-DE" i="1">
+                                      <a:solidFill>
+                                        <a:srgbClr val="836967"/>
+                                      </a:solidFill>
+                                      <a:latin typeface="Cambria Math" panose="02040503050406030204" pitchFamily="18" charset="0"/>
+                                    </a:rPr>
+                                  </m:ctrlPr>
+                                </m:sSubPr>
+                                <m:e>
+                                  <m:r>
+                                    <a:rPr lang="en-DE" i="1">
+                                      <a:latin typeface="Cambria Math" panose="02040503050406030204" pitchFamily="18" charset="0"/>
+                                    </a:rPr>
+                                    <m:t>𝑘</m:t>
+                                  </m:r>
+                                </m:e>
+                                <m:sub>
+                                  <m:r>
+                                    <a:rPr lang="en-DE" i="0">
+                                      <a:latin typeface="Cambria Math" panose="02040503050406030204" pitchFamily="18" charset="0"/>
+                                    </a:rPr>
+                                    <m:t>0</m:t>
+                                  </m:r>
+                                </m:sub>
+                              </m:sSub>
+                            </m:e>
+                          </m:d>
+                        </m:den>
+                      </m:f>
                       <m:r>
                         <a:rPr lang="en-DE" i="0">
                           <a:latin typeface="Cambria Math" panose="02040503050406030204" pitchFamily="18" charset="0"/>
@@ -6571,90 +8260,163 @@
                           </m:ctrlPr>
                         </m:fPr>
                         <m:num>
-                          <m:r>
-                            <a:rPr lang="en-DE" i="0">
-                              <a:latin typeface="Cambria Math" panose="02040503050406030204" pitchFamily="18" charset="0"/>
-                            </a:rPr>
-                            <m:t>1</m:t>
-                          </m:r>
+                          <m:sSub>
+                            <m:sSubPr>
+                              <m:ctrlPr>
+                                <a:rPr lang="en-DE" i="1">
+                                  <a:solidFill>
+                                    <a:srgbClr val="836967"/>
+                                  </a:solidFill>
+                                  <a:latin typeface="Cambria Math" panose="02040503050406030204" pitchFamily="18" charset="0"/>
+                                </a:rPr>
+                              </m:ctrlPr>
+                            </m:sSubPr>
+                            <m:e>
+                              <m:r>
+                                <a:rPr lang="en-DE" i="1">
+                                  <a:latin typeface="Cambria Math" panose="02040503050406030204" pitchFamily="18" charset="0"/>
+                                </a:rPr>
+                                <m:t>𝑘</m:t>
+                              </m:r>
+                            </m:e>
+                            <m:sub>
+                              <m:r>
+                                <a:rPr lang="en-DE" i="0">
+                                  <a:latin typeface="Cambria Math" panose="02040503050406030204" pitchFamily="18" charset="0"/>
+                                </a:rPr>
+                                <m:t>0</m:t>
+                              </m:r>
+                            </m:sub>
+                          </m:sSub>
                         </m:num>
                         <m:den>
-                          <m:r>
-                            <a:rPr lang="en-DE" i="1">
-                              <a:latin typeface="Cambria Math" panose="02040503050406030204" pitchFamily="18" charset="0"/>
-                            </a:rPr>
-                            <m:t>𝑁</m:t>
-                          </m:r>
+                          <m:nary>
+                            <m:naryPr>
+                              <m:chr m:val="∑"/>
+                              <m:limLoc m:val="undOvr"/>
+                              <m:ctrlPr>
+                                <a:rPr lang="en-DE" i="1">
+                                  <a:latin typeface="Cambria Math" panose="02040503050406030204" pitchFamily="18" charset="0"/>
+                                </a:rPr>
+                              </m:ctrlPr>
+                            </m:naryPr>
+                            <m:sub>
+                              <m:r>
+                                <a:rPr lang="en-DE" i="1">
+                                  <a:latin typeface="Cambria Math" panose="02040503050406030204" pitchFamily="18" charset="0"/>
+                                </a:rPr>
+                                <m:t>𝑘</m:t>
+                              </m:r>
+                              <m:r>
+                                <a:rPr lang="en-DE" i="0">
+                                  <a:latin typeface="Cambria Math" panose="02040503050406030204" pitchFamily="18" charset="0"/>
+                                </a:rPr>
+                                <m:t>=0</m:t>
+                              </m:r>
+                            </m:sub>
+                            <m:sup>
+                              <m:r>
+                                <a:rPr lang="en-DE" i="1">
+                                  <a:latin typeface="Cambria Math" panose="02040503050406030204" pitchFamily="18" charset="0"/>
+                                </a:rPr>
+                                <m:t>𝑁</m:t>
+                              </m:r>
+                              <m:r>
+                                <a:rPr lang="en-DE" i="0">
+                                  <a:latin typeface="Cambria Math" panose="02040503050406030204" pitchFamily="18" charset="0"/>
+                                </a:rPr>
+                                <m:t>−1</m:t>
+                              </m:r>
+                            </m:sup>
+                            <m:e>
+                              <m:r>
+                                <a:rPr lang="en-DE" i="1">
+                                  <a:latin typeface="Cambria Math" panose="02040503050406030204" pitchFamily="18" charset="0"/>
+                                </a:rPr>
+                                <m:t>𝑛</m:t>
+                              </m:r>
+                              <m:d>
+                                <m:dPr>
+                                  <m:begChr m:val="["/>
+                                  <m:endChr m:val="]"/>
+                                  <m:ctrlPr>
+                                    <a:rPr lang="en-DE" i="1">
+                                      <a:solidFill>
+                                        <a:srgbClr val="836967"/>
+                                      </a:solidFill>
+                                      <a:latin typeface="Cambria Math" panose="02040503050406030204" pitchFamily="18" charset="0"/>
+                                    </a:rPr>
+                                  </m:ctrlPr>
+                                </m:dPr>
+                                <m:e>
+                                  <m:r>
+                                    <a:rPr lang="en-DE" i="1">
+                                      <a:latin typeface="Cambria Math" panose="02040503050406030204" pitchFamily="18" charset="0"/>
+                                    </a:rPr>
+                                    <m:t>𝑘</m:t>
+                                  </m:r>
+                                </m:e>
+                              </m:d>
+                              <m:r>
+                                <a:rPr lang="en-DE" i="0">
+                                  <a:latin typeface="Cambria Math" panose="02040503050406030204" pitchFamily="18" charset="0"/>
+                                </a:rPr>
+                                <m:t>∙</m:t>
+                              </m:r>
+                              <m:sSup>
+                                <m:sSupPr>
+                                  <m:ctrlPr>
+                                    <a:rPr lang="en-DE" i="1">
+                                      <a:solidFill>
+                                        <a:srgbClr val="836967"/>
+                                      </a:solidFill>
+                                      <a:latin typeface="Cambria Math" panose="02040503050406030204" pitchFamily="18" charset="0"/>
+                                    </a:rPr>
+                                  </m:ctrlPr>
+                                </m:sSupPr>
+                                <m:e>
+                                  <m:r>
+                                    <a:rPr lang="en-DE" i="1">
+                                      <a:latin typeface="Cambria Math" panose="02040503050406030204" pitchFamily="18" charset="0"/>
+                                    </a:rPr>
+                                    <m:t>𝑥</m:t>
+                                  </m:r>
+                                </m:e>
+                                <m:sup>
+                                  <m:r>
+                                    <a:rPr lang="en-DE" i="0">
+                                      <a:latin typeface="Cambria Math" panose="02040503050406030204" pitchFamily="18" charset="0"/>
+                                    </a:rPr>
+                                    <m:t>∗</m:t>
+                                  </m:r>
+                                </m:sup>
+                              </m:sSup>
+                              <m:d>
+                                <m:dPr>
+                                  <m:begChr m:val="["/>
+                                  <m:endChr m:val="]"/>
+                                  <m:ctrlPr>
+                                    <a:rPr lang="en-DE" i="1">
+                                      <a:solidFill>
+                                        <a:srgbClr val="836967"/>
+                                      </a:solidFill>
+                                      <a:latin typeface="Cambria Math" panose="02040503050406030204" pitchFamily="18" charset="0"/>
+                                    </a:rPr>
+                                  </m:ctrlPr>
+                                </m:dPr>
+                                <m:e>
+                                  <m:r>
+                                    <a:rPr lang="en-DE" i="1">
+                                      <a:latin typeface="Cambria Math" panose="02040503050406030204" pitchFamily="18" charset="0"/>
+                                    </a:rPr>
+                                    <m:t>𝑘</m:t>
+                                  </m:r>
+                                </m:e>
+                              </m:d>
+                            </m:e>
+                          </m:nary>
                         </m:den>
                       </m:f>
-                      <m:sSub>
-                        <m:sSubPr>
-                          <m:ctrlPr>
-                            <a:rPr lang="en-DE" i="1">
-                              <a:solidFill>
-                                <a:srgbClr val="836967"/>
-                              </a:solidFill>
-                              <a:latin typeface="Cambria Math" panose="02040503050406030204" pitchFamily="18" charset="0"/>
-                            </a:rPr>
-                          </m:ctrlPr>
-                        </m:sSubPr>
-                        <m:e>
-                          <m:r>
-                            <a:rPr lang="en-DE" i="1">
-                              <a:latin typeface="Cambria Math" panose="02040503050406030204" pitchFamily="18" charset="0"/>
-                            </a:rPr>
-                            <m:t>𝑘</m:t>
-                          </m:r>
-                        </m:e>
-                        <m:sub>
-                          <m:r>
-                            <a:rPr lang="en-DE" i="0">
-                              <a:latin typeface="Cambria Math" panose="02040503050406030204" pitchFamily="18" charset="0"/>
-                            </a:rPr>
-                            <m:t>0</m:t>
-                          </m:r>
-                        </m:sub>
-                      </m:sSub>
-                      <m:r>
-                        <a:rPr lang="en-DE" i="1">
-                          <a:latin typeface="Cambria Math" panose="02040503050406030204" pitchFamily="18" charset="0"/>
-                        </a:rPr>
-                        <m:t>𝑁</m:t>
-                      </m:r>
-                      <m:r>
-                        <a:rPr lang="en-DE" i="0">
-                          <a:latin typeface="Cambria Math" panose="02040503050406030204" pitchFamily="18" charset="0"/>
-                        </a:rPr>
-                        <m:t>=</m:t>
-                      </m:r>
-                      <m:sSub>
-                        <m:sSubPr>
-                          <m:ctrlPr>
-                            <a:rPr lang="en-DE" i="1">
-                              <a:solidFill>
-                                <a:srgbClr val="836967"/>
-                              </a:solidFill>
-                              <a:latin typeface="Cambria Math" panose="02040503050406030204" pitchFamily="18" charset="0"/>
-                            </a:rPr>
-                          </m:ctrlPr>
-                        </m:sSubPr>
-                        <m:e>
-                          <m:r>
-                            <a:rPr lang="en-DE" i="1">
-                              <a:latin typeface="Cambria Math" panose="02040503050406030204" pitchFamily="18" charset="0"/>
-                            </a:rPr>
-                            <m:t>𝑘</m:t>
-                          </m:r>
-                        </m:e>
-                        <m:sub>
-                          <m:r>
-                            <a:rPr lang="en-DE" i="0">
-                              <a:latin typeface="Cambria Math" panose="02040503050406030204" pitchFamily="18" charset="0"/>
-                            </a:rPr>
-                            <m:t>0</m:t>
-                          </m:r>
-                        </m:sub>
-                      </m:sSub>
                     </m:oMath>
                   </m:oMathPara>
                 </a14:m>
@@ -6666,10 +8428,10 @@
         <mc:Fallback>
           <p:sp>
             <p:nvSpPr>
-              <p:cNvPr id="2049" name="TextBox 2048">
+              <p:cNvPr id="5" name="TextBox 4">
                 <a:extLst>
                   <a:ext uri="{FF2B5EF4-FFF2-40B4-BE49-F238E27FC236}">
-                    <a16:creationId xmlns:a16="http://schemas.microsoft.com/office/drawing/2014/main" id="{18E42D4C-7A95-1D09-302A-2F08AFDF8011}"/>
+                    <a16:creationId xmlns:a16="http://schemas.microsoft.com/office/drawing/2014/main" id="{19B3E5F1-253D-1870-F8B5-63A381EA4DAC}"/>
                   </a:ext>
                 </a:extLst>
               </p:cNvPr>
@@ -6680,14 +8442,14 @@
             </p:nvSpPr>
             <p:spPr>
               <a:xfrm>
-                <a:off x="5203484" y="5180442"/>
-                <a:ext cx="6318314" cy="871457"/>
+                <a:off x="121313" y="5971539"/>
+                <a:ext cx="3610008" cy="701795"/>
               </a:xfrm>
               <a:prstGeom prst="rect">
                 <a:avLst/>
               </a:prstGeom>
               <a:blipFill>
-                <a:blip r:embed="rId12"/>
+                <a:blip r:embed="rId18"/>
                 <a:stretch>
                   <a:fillRect/>
                 </a:stretch>
@@ -6708,6 +8470,1226 @@
           </p:sp>
         </mc:Fallback>
       </mc:AlternateContent>
+      <p:sp>
+        <p:nvSpPr>
+          <p:cNvPr id="7" name="Rectangle 6">
+            <a:extLst>
+              <a:ext uri="{FF2B5EF4-FFF2-40B4-BE49-F238E27FC236}">
+                <a16:creationId xmlns:a16="http://schemas.microsoft.com/office/drawing/2014/main" id="{A4B1B0E8-39F8-CB51-1BA9-AF6A8EB809AE}"/>
+              </a:ext>
+            </a:extLst>
+          </p:cNvPr>
+          <p:cNvSpPr/>
+          <p:nvPr/>
+        </p:nvSpPr>
+        <p:spPr>
+          <a:xfrm>
+            <a:off x="121313" y="5825765"/>
+            <a:ext cx="3621088" cy="1008460"/>
+          </a:xfrm>
+          <a:prstGeom prst="rect">
+            <a:avLst/>
+          </a:prstGeom>
+          <a:noFill/>
+          <a:ln w="28575">
+            <a:solidFill>
+              <a:srgbClr val="FF0000"/>
+            </a:solidFill>
+          </a:ln>
+        </p:spPr>
+        <p:style>
+          <a:lnRef idx="2">
+            <a:schemeClr val="accent1">
+              <a:shade val="50000"/>
+            </a:schemeClr>
+          </a:lnRef>
+          <a:fillRef idx="1">
+            <a:schemeClr val="accent1"/>
+          </a:fillRef>
+          <a:effectRef idx="0">
+            <a:schemeClr val="accent1"/>
+          </a:effectRef>
+          <a:fontRef idx="minor">
+            <a:schemeClr val="lt1"/>
+          </a:fontRef>
+        </p:style>
+        <p:txBody>
+          <a:bodyPr rtlCol="0" anchor="ctr"/>
+          <a:lstStyle/>
+          <a:p>
+            <a:pPr algn="ctr"/>
+            <a:endParaRPr lang="en-DE"/>
+          </a:p>
+        </p:txBody>
+      </p:sp>
+      <p:sp>
+        <p:nvSpPr>
+          <p:cNvPr id="9" name="TextBox 8">
+            <a:extLst>
+              <a:ext uri="{FF2B5EF4-FFF2-40B4-BE49-F238E27FC236}">
+                <a16:creationId xmlns:a16="http://schemas.microsoft.com/office/drawing/2014/main" id="{B8B36FB1-3B7D-1954-BCE5-8CE095ECF9D0}"/>
+              </a:ext>
+            </a:extLst>
+          </p:cNvPr>
+          <p:cNvSpPr txBox="1"/>
+          <p:nvPr/>
+        </p:nvSpPr>
+        <p:spPr>
+          <a:xfrm>
+            <a:off x="2129746" y="2604688"/>
+            <a:ext cx="1874599" cy="400110"/>
+          </a:xfrm>
+          <a:prstGeom prst="rect">
+            <a:avLst/>
+          </a:prstGeom>
+          <a:noFill/>
+        </p:spPr>
+        <p:txBody>
+          <a:bodyPr wrap="square" rtlCol="0">
+            <a:spAutoFit/>
+          </a:bodyPr>
+          <a:lstStyle/>
+          <a:p>
+            <a:r>
+              <a:rPr lang="en-DE" sz="2000" dirty="0">
+                <a:solidFill>
+                  <a:schemeClr val="accent1"/>
+                </a:solidFill>
+              </a:rPr>
+              <a:t>Noise</a:t>
+            </a:r>
+          </a:p>
+        </p:txBody>
+      </p:sp>
+      <p:sp>
+        <p:nvSpPr>
+          <p:cNvPr id="14" name="TextBox 13">
+            <a:extLst>
+              <a:ext uri="{FF2B5EF4-FFF2-40B4-BE49-F238E27FC236}">
+                <a16:creationId xmlns:a16="http://schemas.microsoft.com/office/drawing/2014/main" id="{B5667675-E693-F646-5FDB-BB4DFA3DC014}"/>
+              </a:ext>
+            </a:extLst>
+          </p:cNvPr>
+          <p:cNvSpPr txBox="1"/>
+          <p:nvPr/>
+        </p:nvSpPr>
+        <p:spPr>
+          <a:xfrm>
+            <a:off x="9019657" y="2503474"/>
+            <a:ext cx="1874599" cy="400110"/>
+          </a:xfrm>
+          <a:prstGeom prst="rect">
+            <a:avLst/>
+          </a:prstGeom>
+          <a:noFill/>
+        </p:spPr>
+        <p:txBody>
+          <a:bodyPr wrap="square" rtlCol="0">
+            <a:spAutoFit/>
+          </a:bodyPr>
+          <a:lstStyle/>
+          <a:p>
+            <a:r>
+              <a:rPr lang="en-DE" sz="2000" dirty="0">
+                <a:solidFill>
+                  <a:schemeClr val="accent1"/>
+                </a:solidFill>
+              </a:rPr>
+              <a:t>Signal</a:t>
+            </a:r>
+          </a:p>
+        </p:txBody>
+      </p:sp>
+      <mc:AlternateContent xmlns:mc="http://schemas.openxmlformats.org/markup-compatibility/2006">
+        <mc:Choice xmlns:a14="http://schemas.microsoft.com/office/drawing/2010/main" Requires="a14">
+          <p:sp>
+            <p:nvSpPr>
+              <p:cNvPr id="16" name="TextBox 15">
+                <a:extLst>
+                  <a:ext uri="{FF2B5EF4-FFF2-40B4-BE49-F238E27FC236}">
+                    <a16:creationId xmlns:a16="http://schemas.microsoft.com/office/drawing/2014/main" id="{D1E685F7-BD8F-547C-9213-A8DFA01FBC08}"/>
+                  </a:ext>
+                </a:extLst>
+              </p:cNvPr>
+              <p:cNvSpPr txBox="1"/>
+              <p:nvPr/>
+            </p:nvSpPr>
+            <p:spPr>
+              <a:xfrm>
+                <a:off x="6069800" y="5211536"/>
+                <a:ext cx="5063338" cy="871457"/>
+              </a:xfrm>
+              <a:prstGeom prst="rect">
+                <a:avLst/>
+              </a:prstGeom>
+              <a:noFill/>
+            </p:spPr>
+            <p:txBody>
+              <a:bodyPr wrap="square">
+                <a:spAutoFit/>
+              </a:bodyPr>
+              <a:lstStyle/>
+              <a:p>
+                <a:pPr/>
+                <a14:m>
+                  <m:oMathPara xmlns:m="http://schemas.openxmlformats.org/officeDocument/2006/math">
+                    <m:oMathParaPr>
+                      <m:jc m:val="centerGroup"/>
+                    </m:oMathParaPr>
+                    <m:oMath xmlns:m="http://schemas.openxmlformats.org/officeDocument/2006/math">
+                      <m:sSub>
+                        <m:sSubPr>
+                          <m:ctrlPr>
+                            <a:rPr lang="en-DE" i="1" smtClean="0">
+                              <a:solidFill>
+                                <a:srgbClr val="836967"/>
+                              </a:solidFill>
+                              <a:latin typeface="Cambria Math" panose="02040503050406030204" pitchFamily="18" charset="0"/>
+                            </a:rPr>
+                          </m:ctrlPr>
+                        </m:sSubPr>
+                        <m:e>
+                          <m:r>
+                            <a:rPr lang="en-DE" i="1">
+                              <a:latin typeface="Cambria Math" panose="02040503050406030204" pitchFamily="18" charset="0"/>
+                            </a:rPr>
+                            <m:t>𝑦</m:t>
+                          </m:r>
+                        </m:e>
+                        <m:sub>
+                          <m:r>
+                            <a:rPr lang="en-DE" i="1">
+                              <a:latin typeface="Cambria Math" panose="02040503050406030204" pitchFamily="18" charset="0"/>
+                            </a:rPr>
+                            <m:t>𝑥</m:t>
+                          </m:r>
+                        </m:sub>
+                      </m:sSub>
+                      <m:d>
+                        <m:dPr>
+                          <m:begChr m:val="["/>
+                          <m:endChr m:val="]"/>
+                          <m:ctrlPr>
+                            <a:rPr lang="en-DE" i="1">
+                              <a:solidFill>
+                                <a:srgbClr val="836967"/>
+                              </a:solidFill>
+                              <a:latin typeface="Cambria Math" panose="02040503050406030204" pitchFamily="18" charset="0"/>
+                            </a:rPr>
+                          </m:ctrlPr>
+                        </m:dPr>
+                        <m:e>
+                          <m:sSub>
+                            <m:sSubPr>
+                              <m:ctrlPr>
+                                <a:rPr lang="en-DE" i="1">
+                                  <a:solidFill>
+                                    <a:srgbClr val="836967"/>
+                                  </a:solidFill>
+                                  <a:latin typeface="Cambria Math" panose="02040503050406030204" pitchFamily="18" charset="0"/>
+                                </a:rPr>
+                              </m:ctrlPr>
+                            </m:sSubPr>
+                            <m:e>
+                              <m:r>
+                                <a:rPr lang="en-DE" i="1">
+                                  <a:latin typeface="Cambria Math" panose="02040503050406030204" pitchFamily="18" charset="0"/>
+                                </a:rPr>
+                                <m:t>𝑘</m:t>
+                              </m:r>
+                            </m:e>
+                            <m:sub>
+                              <m:r>
+                                <a:rPr lang="en-DE" i="0">
+                                  <a:latin typeface="Cambria Math" panose="02040503050406030204" pitchFamily="18" charset="0"/>
+                                </a:rPr>
+                                <m:t>0</m:t>
+                              </m:r>
+                            </m:sub>
+                          </m:sSub>
+                        </m:e>
+                      </m:d>
+                      <m:r>
+                        <a:rPr lang="en-DE" i="0">
+                          <a:latin typeface="Cambria Math" panose="02040503050406030204" pitchFamily="18" charset="0"/>
+                        </a:rPr>
+                        <m:t>=</m:t>
+                      </m:r>
+                      <m:f>
+                        <m:fPr>
+                          <m:ctrlPr>
+                            <a:rPr lang="en-DE" i="1">
+                              <a:solidFill>
+                                <a:srgbClr val="836967"/>
+                              </a:solidFill>
+                              <a:latin typeface="Cambria Math" panose="02040503050406030204" pitchFamily="18" charset="0"/>
+                            </a:rPr>
+                          </m:ctrlPr>
+                        </m:fPr>
+                        <m:num>
+                          <m:r>
+                            <a:rPr lang="en-DE" i="0">
+                              <a:latin typeface="Cambria Math" panose="02040503050406030204" pitchFamily="18" charset="0"/>
+                            </a:rPr>
+                            <m:t>1</m:t>
+                          </m:r>
+                        </m:num>
+                        <m:den>
+                          <m:r>
+                            <a:rPr lang="en-DE" i="1">
+                              <a:latin typeface="Cambria Math" panose="02040503050406030204" pitchFamily="18" charset="0"/>
+                            </a:rPr>
+                            <m:t>𝑁</m:t>
+                          </m:r>
+                        </m:den>
+                      </m:f>
+                      <m:nary>
+                        <m:naryPr>
+                          <m:chr m:val="∑"/>
+                          <m:limLoc m:val="undOvr"/>
+                          <m:ctrlPr>
+                            <a:rPr lang="en-DE" i="1">
+                              <a:latin typeface="Cambria Math" panose="02040503050406030204" pitchFamily="18" charset="0"/>
+                            </a:rPr>
+                          </m:ctrlPr>
+                        </m:naryPr>
+                        <m:sub>
+                          <m:r>
+                            <a:rPr lang="en-DE" i="1">
+                              <a:latin typeface="Cambria Math" panose="02040503050406030204" pitchFamily="18" charset="0"/>
+                            </a:rPr>
+                            <m:t>𝑚</m:t>
+                          </m:r>
+                          <m:r>
+                            <a:rPr lang="en-DE" i="0">
+                              <a:latin typeface="Cambria Math" panose="02040503050406030204" pitchFamily="18" charset="0"/>
+                            </a:rPr>
+                            <m:t>=0</m:t>
+                          </m:r>
+                        </m:sub>
+                        <m:sup>
+                          <m:r>
+                            <a:rPr lang="en-DE" i="1">
+                              <a:latin typeface="Cambria Math" panose="02040503050406030204" pitchFamily="18" charset="0"/>
+                            </a:rPr>
+                            <m:t>𝑁</m:t>
+                          </m:r>
+                          <m:r>
+                            <a:rPr lang="en-DE" i="0">
+                              <a:latin typeface="Cambria Math" panose="02040503050406030204" pitchFamily="18" charset="0"/>
+                            </a:rPr>
+                            <m:t>−1</m:t>
+                          </m:r>
+                        </m:sup>
+                        <m:e>
+                          <m:sSup>
+                            <m:sSupPr>
+                              <m:ctrlPr>
+                                <a:rPr lang="en-DE" i="1">
+                                  <a:solidFill>
+                                    <a:srgbClr val="836967"/>
+                                  </a:solidFill>
+                                  <a:latin typeface="Cambria Math" panose="02040503050406030204" pitchFamily="18" charset="0"/>
+                                </a:rPr>
+                              </m:ctrlPr>
+                            </m:sSupPr>
+                            <m:e>
+                              <m:d>
+                                <m:dPr>
+                                  <m:begChr m:val="|"/>
+                                  <m:endChr m:val="|"/>
+                                  <m:ctrlPr>
+                                    <a:rPr lang="en-DE" i="1">
+                                      <a:solidFill>
+                                        <a:srgbClr val="836967"/>
+                                      </a:solidFill>
+                                      <a:latin typeface="Cambria Math" panose="02040503050406030204" pitchFamily="18" charset="0"/>
+                                    </a:rPr>
+                                  </m:ctrlPr>
+                                </m:dPr>
+                                <m:e>
+                                  <m:r>
+                                    <a:rPr lang="en-DE" i="1">
+                                      <a:latin typeface="Cambria Math" panose="02040503050406030204" pitchFamily="18" charset="0"/>
+                                    </a:rPr>
+                                    <m:t>𝑥𝑓</m:t>
+                                  </m:r>
+                                  <m:d>
+                                    <m:dPr>
+                                      <m:begChr m:val="["/>
+                                      <m:endChr m:val="]"/>
+                                      <m:ctrlPr>
+                                        <a:rPr lang="en-DE" i="1">
+                                          <a:solidFill>
+                                            <a:srgbClr val="836967"/>
+                                          </a:solidFill>
+                                          <a:latin typeface="Cambria Math" panose="02040503050406030204" pitchFamily="18" charset="0"/>
+                                        </a:rPr>
+                                      </m:ctrlPr>
+                                    </m:dPr>
+                                    <m:e>
+                                      <m:r>
+                                        <a:rPr lang="en-DE" i="1">
+                                          <a:latin typeface="Cambria Math" panose="02040503050406030204" pitchFamily="18" charset="0"/>
+                                        </a:rPr>
+                                        <m:t>𝑚</m:t>
+                                      </m:r>
+                                    </m:e>
+                                  </m:d>
+                                </m:e>
+                              </m:d>
+                            </m:e>
+                            <m:sup>
+                              <m:r>
+                                <a:rPr lang="en-DE" i="0">
+                                  <a:latin typeface="Cambria Math" panose="02040503050406030204" pitchFamily="18" charset="0"/>
+                                </a:rPr>
+                                <m:t>2</m:t>
+                              </m:r>
+                            </m:sup>
+                          </m:sSup>
+                          <m:r>
+                            <a:rPr lang="en-DE" i="0">
+                              <a:latin typeface="Cambria Math" panose="02040503050406030204" pitchFamily="18" charset="0"/>
+                            </a:rPr>
+                            <m:t>∙</m:t>
+                          </m:r>
+                          <m:d>
+                            <m:dPr>
+                              <m:ctrlPr>
+                                <a:rPr lang="en-DE" i="1">
+                                  <a:solidFill>
+                                    <a:srgbClr val="836967"/>
+                                  </a:solidFill>
+                                  <a:latin typeface="Cambria Math" panose="02040503050406030204" pitchFamily="18" charset="0"/>
+                                </a:rPr>
+                              </m:ctrlPr>
+                            </m:dPr>
+                            <m:e>
+                              <m:sSup>
+                                <m:sSupPr>
+                                  <m:ctrlPr>
+                                    <a:rPr lang="en-DE" i="1">
+                                      <a:solidFill>
+                                        <a:srgbClr val="836967"/>
+                                      </a:solidFill>
+                                      <a:latin typeface="Cambria Math" panose="02040503050406030204" pitchFamily="18" charset="0"/>
+                                    </a:rPr>
+                                  </m:ctrlPr>
+                                </m:sSupPr>
+                                <m:e>
+                                  <m:r>
+                                    <a:rPr lang="en-DE" i="1">
+                                      <a:latin typeface="Cambria Math" panose="02040503050406030204" pitchFamily="18" charset="0"/>
+                                    </a:rPr>
+                                    <m:t>𝑒</m:t>
+                                  </m:r>
+                                </m:e>
+                                <m:sup>
+                                  <m:r>
+                                    <a:rPr lang="en-DE" i="0">
+                                      <a:latin typeface="Cambria Math" panose="02040503050406030204" pitchFamily="18" charset="0"/>
+                                    </a:rPr>
+                                    <m:t>−</m:t>
+                                  </m:r>
+                                  <m:r>
+                                    <a:rPr lang="en-DE" i="1">
+                                      <a:latin typeface="Cambria Math" panose="02040503050406030204" pitchFamily="18" charset="0"/>
+                                    </a:rPr>
+                                    <m:t>𝑗</m:t>
+                                  </m:r>
+                                  <m:f>
+                                    <m:fPr>
+                                      <m:ctrlPr>
+                                        <a:rPr lang="en-DE" i="1">
+                                          <a:solidFill>
+                                            <a:srgbClr val="836967"/>
+                                          </a:solidFill>
+                                          <a:latin typeface="Cambria Math" panose="02040503050406030204" pitchFamily="18" charset="0"/>
+                                        </a:rPr>
+                                      </m:ctrlPr>
+                                    </m:fPr>
+                                    <m:num>
+                                      <m:r>
+                                        <a:rPr lang="en-DE" i="0">
+                                          <a:latin typeface="Cambria Math" panose="02040503050406030204" pitchFamily="18" charset="0"/>
+                                        </a:rPr>
+                                        <m:t>2</m:t>
+                                      </m:r>
+                                      <m:r>
+                                        <a:rPr lang="en-DE" i="1">
+                                          <a:latin typeface="Cambria Math" panose="02040503050406030204" pitchFamily="18" charset="0"/>
+                                        </a:rPr>
+                                        <m:t>𝜋</m:t>
+                                      </m:r>
+                                    </m:num>
+                                    <m:den>
+                                      <m:r>
+                                        <a:rPr lang="en-DE" i="1">
+                                          <a:latin typeface="Cambria Math" panose="02040503050406030204" pitchFamily="18" charset="0"/>
+                                        </a:rPr>
+                                        <m:t>𝑁</m:t>
+                                      </m:r>
+                                    </m:den>
+                                  </m:f>
+                                  <m:sSub>
+                                    <m:sSubPr>
+                                      <m:ctrlPr>
+                                        <a:rPr lang="en-DE" i="1">
+                                          <a:solidFill>
+                                            <a:srgbClr val="836967"/>
+                                          </a:solidFill>
+                                          <a:latin typeface="Cambria Math" panose="02040503050406030204" pitchFamily="18" charset="0"/>
+                                        </a:rPr>
+                                      </m:ctrlPr>
+                                    </m:sSubPr>
+                                    <m:e>
+                                      <m:r>
+                                        <a:rPr lang="en-DE" i="1">
+                                          <a:latin typeface="Cambria Math" panose="02040503050406030204" pitchFamily="18" charset="0"/>
+                                        </a:rPr>
+                                        <m:t>𝑘</m:t>
+                                      </m:r>
+                                    </m:e>
+                                    <m:sub>
+                                      <m:r>
+                                        <a:rPr lang="en-DE" i="0">
+                                          <a:latin typeface="Cambria Math" panose="02040503050406030204" pitchFamily="18" charset="0"/>
+                                        </a:rPr>
+                                        <m:t>0</m:t>
+                                      </m:r>
+                                    </m:sub>
+                                  </m:sSub>
+                                  <m:r>
+                                    <a:rPr lang="en-DE" i="1">
+                                      <a:latin typeface="Cambria Math" panose="02040503050406030204" pitchFamily="18" charset="0"/>
+                                    </a:rPr>
+                                    <m:t>𝑚</m:t>
+                                  </m:r>
+                                </m:sup>
+                              </m:sSup>
+                              <m:sSup>
+                                <m:sSupPr>
+                                  <m:ctrlPr>
+                                    <a:rPr lang="en-DE" i="1">
+                                      <a:solidFill>
+                                        <a:srgbClr val="836967"/>
+                                      </a:solidFill>
+                                      <a:latin typeface="Cambria Math" panose="02040503050406030204" pitchFamily="18" charset="0"/>
+                                    </a:rPr>
+                                  </m:ctrlPr>
+                                </m:sSupPr>
+                                <m:e>
+                                  <m:r>
+                                    <a:rPr lang="en-DE" i="0">
+                                      <a:latin typeface="Cambria Math" panose="02040503050406030204" pitchFamily="18" charset="0"/>
+                                    </a:rPr>
+                                    <m:t>∙</m:t>
+                                  </m:r>
+                                  <m:r>
+                                    <a:rPr lang="en-DE" i="1">
+                                      <a:latin typeface="Cambria Math" panose="02040503050406030204" pitchFamily="18" charset="0"/>
+                                    </a:rPr>
+                                    <m:t>𝑒</m:t>
+                                  </m:r>
+                                </m:e>
+                                <m:sup>
+                                  <m:r>
+                                    <a:rPr lang="en-DE" i="1">
+                                      <a:latin typeface="Cambria Math" panose="02040503050406030204" pitchFamily="18" charset="0"/>
+                                    </a:rPr>
+                                    <m:t>𝑗</m:t>
+                                  </m:r>
+                                  <m:f>
+                                    <m:fPr>
+                                      <m:ctrlPr>
+                                        <a:rPr lang="en-DE" i="1">
+                                          <a:solidFill>
+                                            <a:srgbClr val="836967"/>
+                                          </a:solidFill>
+                                          <a:latin typeface="Cambria Math" panose="02040503050406030204" pitchFamily="18" charset="0"/>
+                                        </a:rPr>
+                                      </m:ctrlPr>
+                                    </m:fPr>
+                                    <m:num>
+                                      <m:r>
+                                        <a:rPr lang="en-DE" i="0">
+                                          <a:latin typeface="Cambria Math" panose="02040503050406030204" pitchFamily="18" charset="0"/>
+                                        </a:rPr>
+                                        <m:t>2</m:t>
+                                      </m:r>
+                                      <m:r>
+                                        <a:rPr lang="en-DE" i="1">
+                                          <a:latin typeface="Cambria Math" panose="02040503050406030204" pitchFamily="18" charset="0"/>
+                                        </a:rPr>
+                                        <m:t>𝜋</m:t>
+                                      </m:r>
+                                    </m:num>
+                                    <m:den>
+                                      <m:r>
+                                        <a:rPr lang="en-DE" i="1">
+                                          <a:latin typeface="Cambria Math" panose="02040503050406030204" pitchFamily="18" charset="0"/>
+                                        </a:rPr>
+                                        <m:t>𝑁</m:t>
+                                      </m:r>
+                                    </m:den>
+                                  </m:f>
+                                  <m:sSub>
+                                    <m:sSubPr>
+                                      <m:ctrlPr>
+                                        <a:rPr lang="en-DE" i="1">
+                                          <a:solidFill>
+                                            <a:srgbClr val="836967"/>
+                                          </a:solidFill>
+                                          <a:latin typeface="Cambria Math" panose="02040503050406030204" pitchFamily="18" charset="0"/>
+                                        </a:rPr>
+                                      </m:ctrlPr>
+                                    </m:sSubPr>
+                                    <m:e>
+                                      <m:r>
+                                        <a:rPr lang="en-DE" i="1">
+                                          <a:latin typeface="Cambria Math" panose="02040503050406030204" pitchFamily="18" charset="0"/>
+                                        </a:rPr>
+                                        <m:t>𝑘</m:t>
+                                      </m:r>
+                                    </m:e>
+                                    <m:sub>
+                                      <m:r>
+                                        <a:rPr lang="en-DE" i="0">
+                                          <a:latin typeface="Cambria Math" panose="02040503050406030204" pitchFamily="18" charset="0"/>
+                                        </a:rPr>
+                                        <m:t>0</m:t>
+                                      </m:r>
+                                    </m:sub>
+                                  </m:sSub>
+                                  <m:r>
+                                    <a:rPr lang="en-DE" i="1">
+                                      <a:latin typeface="Cambria Math" panose="02040503050406030204" pitchFamily="18" charset="0"/>
+                                    </a:rPr>
+                                    <m:t>𝑚</m:t>
+                                  </m:r>
+                                </m:sup>
+                              </m:sSup>
+                            </m:e>
+                          </m:d>
+                        </m:e>
+                      </m:nary>
+                      <m:r>
+                        <a:rPr lang="en-DE" i="0">
+                          <a:latin typeface="Cambria Math" panose="02040503050406030204" pitchFamily="18" charset="0"/>
+                        </a:rPr>
+                        <m:t>=</m:t>
+                      </m:r>
+                    </m:oMath>
+                  </m:oMathPara>
+                </a14:m>
+                <a:endParaRPr lang="en-DE" dirty="0"/>
+              </a:p>
+            </p:txBody>
+          </p:sp>
+        </mc:Choice>
+        <mc:Fallback>
+          <p:sp>
+            <p:nvSpPr>
+              <p:cNvPr id="16" name="TextBox 15">
+                <a:extLst>
+                  <a:ext uri="{FF2B5EF4-FFF2-40B4-BE49-F238E27FC236}">
+                    <a16:creationId xmlns:a16="http://schemas.microsoft.com/office/drawing/2014/main" id="{D1E685F7-BD8F-547C-9213-A8DFA01FBC08}"/>
+                  </a:ext>
+                </a:extLst>
+              </p:cNvPr>
+              <p:cNvSpPr txBox="1">
+                <a:spLocks noRot="1" noChangeAspect="1" noMove="1" noResize="1" noEditPoints="1" noAdjustHandles="1" noChangeArrowheads="1" noChangeShapeType="1" noTextEdit="1"/>
+              </p:cNvSpPr>
+              <p:nvPr/>
+            </p:nvSpPr>
+            <p:spPr>
+              <a:xfrm>
+                <a:off x="6069800" y="5211536"/>
+                <a:ext cx="5063338" cy="871457"/>
+              </a:xfrm>
+              <a:prstGeom prst="rect">
+                <a:avLst/>
+              </a:prstGeom>
+              <a:blipFill>
+                <a:blip r:embed="rId19"/>
+                <a:stretch>
+                  <a:fillRect/>
+                </a:stretch>
+              </a:blipFill>
+            </p:spPr>
+            <p:txBody>
+              <a:bodyPr/>
+              <a:lstStyle/>
+              <a:p>
+                <a:r>
+                  <a:rPr lang="en-DE">
+                    <a:noFill/>
+                  </a:rPr>
+                  <a:t> </a:t>
+                </a:r>
+              </a:p>
+            </p:txBody>
+          </p:sp>
+        </mc:Fallback>
+      </mc:AlternateContent>
+      <mc:AlternateContent xmlns:mc="http://schemas.openxmlformats.org/markup-compatibility/2006">
+        <mc:Choice xmlns:a14="http://schemas.microsoft.com/office/drawing/2010/main" Requires="a14">
+          <p:sp>
+            <p:nvSpPr>
+              <p:cNvPr id="19" name="TextBox 18">
+                <a:extLst>
+                  <a:ext uri="{FF2B5EF4-FFF2-40B4-BE49-F238E27FC236}">
+                    <a16:creationId xmlns:a16="http://schemas.microsoft.com/office/drawing/2014/main" id="{F77CC5E8-E13E-1782-4F82-E4C442897D26}"/>
+                  </a:ext>
+                </a:extLst>
+              </p:cNvPr>
+              <p:cNvSpPr txBox="1"/>
+              <p:nvPr/>
+            </p:nvSpPr>
+            <p:spPr>
+              <a:xfrm>
+                <a:off x="10202771" y="5724580"/>
+                <a:ext cx="1959067" cy="871457"/>
+              </a:xfrm>
+              <a:prstGeom prst="rect">
+                <a:avLst/>
+              </a:prstGeom>
+              <a:noFill/>
+            </p:spPr>
+            <p:txBody>
+              <a:bodyPr wrap="square">
+                <a:spAutoFit/>
+              </a:bodyPr>
+              <a:lstStyle/>
+              <a:p>
+                <a:pPr/>
+                <a14:m>
+                  <m:oMathPara xmlns:m="http://schemas.openxmlformats.org/officeDocument/2006/math">
+                    <m:oMathParaPr>
+                      <m:jc m:val="centerGroup"/>
+                    </m:oMathParaPr>
+                    <m:oMath xmlns:m="http://schemas.openxmlformats.org/officeDocument/2006/math">
+                      <m:r>
+                        <a:rPr lang="en-DE" smtClean="0">
+                          <a:latin typeface="Cambria Math" panose="02040503050406030204" pitchFamily="18" charset="0"/>
+                        </a:rPr>
+                        <m:t>=</m:t>
+                      </m:r>
+                      <m:nary>
+                        <m:naryPr>
+                          <m:chr m:val="∑"/>
+                          <m:limLoc m:val="undOvr"/>
+                          <m:ctrlPr>
+                            <a:rPr lang="en-DE" i="1">
+                              <a:latin typeface="Cambria Math" panose="02040503050406030204" pitchFamily="18" charset="0"/>
+                            </a:rPr>
+                          </m:ctrlPr>
+                        </m:naryPr>
+                        <m:sub>
+                          <m:r>
+                            <a:rPr lang="en-DE" i="1">
+                              <a:latin typeface="Cambria Math" panose="02040503050406030204" pitchFamily="18" charset="0"/>
+                            </a:rPr>
+                            <m:t>𝑘</m:t>
+                          </m:r>
+                          <m:r>
+                            <a:rPr lang="en-DE" i="0">
+                              <a:latin typeface="Cambria Math" panose="02040503050406030204" pitchFamily="18" charset="0"/>
+                            </a:rPr>
+                            <m:t>=0</m:t>
+                          </m:r>
+                        </m:sub>
+                        <m:sup>
+                          <m:r>
+                            <a:rPr lang="en-DE" i="1">
+                              <a:latin typeface="Cambria Math" panose="02040503050406030204" pitchFamily="18" charset="0"/>
+                            </a:rPr>
+                            <m:t>𝑁</m:t>
+                          </m:r>
+                        </m:sup>
+                        <m:e>
+                          <m:sSup>
+                            <m:sSupPr>
+                              <m:ctrlPr>
+                                <a:rPr lang="en-DE" i="1">
+                                  <a:solidFill>
+                                    <a:srgbClr val="836967"/>
+                                  </a:solidFill>
+                                  <a:latin typeface="Cambria Math" panose="02040503050406030204" pitchFamily="18" charset="0"/>
+                                </a:rPr>
+                              </m:ctrlPr>
+                            </m:sSupPr>
+                            <m:e>
+                              <m:d>
+                                <m:dPr>
+                                  <m:begChr m:val="|"/>
+                                  <m:endChr m:val="|"/>
+                                  <m:ctrlPr>
+                                    <a:rPr lang="en-DE" i="1">
+                                      <a:solidFill>
+                                        <a:srgbClr val="836967"/>
+                                      </a:solidFill>
+                                      <a:latin typeface="Cambria Math" panose="02040503050406030204" pitchFamily="18" charset="0"/>
+                                    </a:rPr>
+                                  </m:ctrlPr>
+                                </m:dPr>
+                                <m:e>
+                                  <m:r>
+                                    <a:rPr lang="en-DE" i="1">
+                                      <a:latin typeface="Cambria Math" panose="02040503050406030204" pitchFamily="18" charset="0"/>
+                                    </a:rPr>
+                                    <m:t>𝑥</m:t>
+                                  </m:r>
+                                  <m:d>
+                                    <m:dPr>
+                                      <m:begChr m:val="["/>
+                                      <m:endChr m:val="]"/>
+                                      <m:ctrlPr>
+                                        <a:rPr lang="en-DE" i="1">
+                                          <a:solidFill>
+                                            <a:srgbClr val="836967"/>
+                                          </a:solidFill>
+                                          <a:latin typeface="Cambria Math" panose="02040503050406030204" pitchFamily="18" charset="0"/>
+                                        </a:rPr>
+                                      </m:ctrlPr>
+                                    </m:dPr>
+                                    <m:e>
+                                      <m:r>
+                                        <a:rPr lang="en-DE" i="1">
+                                          <a:latin typeface="Cambria Math" panose="02040503050406030204" pitchFamily="18" charset="0"/>
+                                        </a:rPr>
+                                        <m:t>𝑘</m:t>
+                                      </m:r>
+                                    </m:e>
+                                  </m:d>
+                                </m:e>
+                              </m:d>
+                            </m:e>
+                            <m:sup>
+                              <m:r>
+                                <a:rPr lang="en-DE" i="0">
+                                  <a:latin typeface="Cambria Math" panose="02040503050406030204" pitchFamily="18" charset="0"/>
+                                </a:rPr>
+                                <m:t>2</m:t>
+                              </m:r>
+                            </m:sup>
+                          </m:sSup>
+                        </m:e>
+                      </m:nary>
+                      <m:r>
+                        <a:rPr lang="en-DE" i="0">
+                          <a:latin typeface="Cambria Math" panose="02040503050406030204" pitchFamily="18" charset="0"/>
+                        </a:rPr>
+                        <m:t>=</m:t>
+                      </m:r>
+                      <m:sSub>
+                        <m:sSubPr>
+                          <m:ctrlPr>
+                            <a:rPr lang="en-DE" i="1">
+                              <a:solidFill>
+                                <a:srgbClr val="836967"/>
+                              </a:solidFill>
+                              <a:latin typeface="Cambria Math" panose="02040503050406030204" pitchFamily="18" charset="0"/>
+                            </a:rPr>
+                          </m:ctrlPr>
+                        </m:sSubPr>
+                        <m:e>
+                          <m:r>
+                            <a:rPr lang="en-DE" i="1">
+                              <a:latin typeface="Cambria Math" panose="02040503050406030204" pitchFamily="18" charset="0"/>
+                            </a:rPr>
+                            <m:t>𝑘</m:t>
+                          </m:r>
+                        </m:e>
+                        <m:sub>
+                          <m:r>
+                            <a:rPr lang="en-DE" i="0">
+                              <a:latin typeface="Cambria Math" panose="02040503050406030204" pitchFamily="18" charset="0"/>
+                            </a:rPr>
+                            <m:t>0</m:t>
+                          </m:r>
+                        </m:sub>
+                      </m:sSub>
+                    </m:oMath>
+                  </m:oMathPara>
+                </a14:m>
+                <a:endParaRPr lang="en-DE" dirty="0"/>
+              </a:p>
+            </p:txBody>
+          </p:sp>
+        </mc:Choice>
+        <mc:Fallback>
+          <p:sp>
+            <p:nvSpPr>
+              <p:cNvPr id="19" name="TextBox 18">
+                <a:extLst>
+                  <a:ext uri="{FF2B5EF4-FFF2-40B4-BE49-F238E27FC236}">
+                    <a16:creationId xmlns:a16="http://schemas.microsoft.com/office/drawing/2014/main" id="{F77CC5E8-E13E-1782-4F82-E4C442897D26}"/>
+                  </a:ext>
+                </a:extLst>
+              </p:cNvPr>
+              <p:cNvSpPr txBox="1">
+                <a:spLocks noRot="1" noChangeAspect="1" noMove="1" noResize="1" noEditPoints="1" noAdjustHandles="1" noChangeArrowheads="1" noChangeShapeType="1" noTextEdit="1"/>
+              </p:cNvSpPr>
+              <p:nvPr/>
+            </p:nvSpPr>
+            <p:spPr>
+              <a:xfrm>
+                <a:off x="10202771" y="5724580"/>
+                <a:ext cx="1959067" cy="871457"/>
+              </a:xfrm>
+              <a:prstGeom prst="rect">
+                <a:avLst/>
+              </a:prstGeom>
+              <a:blipFill>
+                <a:blip r:embed="rId20"/>
+                <a:stretch>
+                  <a:fillRect/>
+                </a:stretch>
+              </a:blipFill>
+            </p:spPr>
+            <p:txBody>
+              <a:bodyPr/>
+              <a:lstStyle/>
+              <a:p>
+                <a:r>
+                  <a:rPr lang="en-DE">
+                    <a:noFill/>
+                  </a:rPr>
+                  <a:t> </a:t>
+                </a:r>
+              </a:p>
+            </p:txBody>
+          </p:sp>
+        </mc:Fallback>
+      </mc:AlternateContent>
+      <mc:AlternateContent xmlns:mc="http://schemas.openxmlformats.org/markup-compatibility/2006">
+        <mc:Choice xmlns:a14="http://schemas.microsoft.com/office/drawing/2010/main" Requires="a14">
+          <p:sp>
+            <p:nvSpPr>
+              <p:cNvPr id="24" name="TextBox 23">
+                <a:extLst>
+                  <a:ext uri="{FF2B5EF4-FFF2-40B4-BE49-F238E27FC236}">
+                    <a16:creationId xmlns:a16="http://schemas.microsoft.com/office/drawing/2014/main" id="{72BCFEA7-7C9F-9BF6-EE35-8798ED439C9D}"/>
+                  </a:ext>
+                </a:extLst>
+              </p:cNvPr>
+              <p:cNvSpPr txBox="1"/>
+              <p:nvPr/>
+            </p:nvSpPr>
+            <p:spPr>
+              <a:xfrm>
+                <a:off x="9997511" y="1972122"/>
+                <a:ext cx="2147427" cy="493853"/>
+              </a:xfrm>
+              <a:prstGeom prst="rect">
+                <a:avLst/>
+              </a:prstGeom>
+              <a:noFill/>
+            </p:spPr>
+            <p:txBody>
+              <a:bodyPr wrap="square">
+                <a:spAutoFit/>
+              </a:bodyPr>
+              <a:lstStyle/>
+              <a:p>
+                <a:pPr/>
+                <a14:m>
+                  <m:oMathPara xmlns:m="http://schemas.openxmlformats.org/officeDocument/2006/math">
+                    <m:oMathParaPr>
+                      <m:jc m:val="centerGroup"/>
+                    </m:oMathParaPr>
+                    <m:oMath xmlns:m="http://schemas.openxmlformats.org/officeDocument/2006/math">
+                      <m:r>
+                        <a:rPr lang="en-DE" smtClean="0">
+                          <a:latin typeface="Cambria Math" panose="02040503050406030204" pitchFamily="18" charset="0"/>
+                        </a:rPr>
+                        <m:t>=</m:t>
+                      </m:r>
+                      <m:sSup>
+                        <m:sSupPr>
+                          <m:ctrlPr>
+                            <a:rPr lang="en-DE" i="1">
+                              <a:solidFill>
+                                <a:srgbClr val="836967"/>
+                              </a:solidFill>
+                              <a:latin typeface="Cambria Math" panose="02040503050406030204" pitchFamily="18" charset="0"/>
+                            </a:rPr>
+                          </m:ctrlPr>
+                        </m:sSupPr>
+                        <m:e>
+                          <m:r>
+                            <a:rPr lang="en-DE" i="1">
+                              <a:latin typeface="Cambria Math" panose="02040503050406030204" pitchFamily="18" charset="0"/>
+                            </a:rPr>
+                            <m:t>𝑥𝑓</m:t>
+                          </m:r>
+                        </m:e>
+                        <m:sup>
+                          <m:r>
+                            <a:rPr lang="en-DE" i="0">
+                              <a:latin typeface="Cambria Math" panose="02040503050406030204" pitchFamily="18" charset="0"/>
+                            </a:rPr>
+                            <m:t>∗</m:t>
+                          </m:r>
+                        </m:sup>
+                      </m:sSup>
+                      <m:d>
+                        <m:dPr>
+                          <m:begChr m:val="["/>
+                          <m:endChr m:val="]"/>
+                          <m:ctrlPr>
+                            <a:rPr lang="en-DE" i="1">
+                              <a:solidFill>
+                                <a:srgbClr val="836967"/>
+                              </a:solidFill>
+                              <a:latin typeface="Cambria Math" panose="02040503050406030204" pitchFamily="18" charset="0"/>
+                            </a:rPr>
+                          </m:ctrlPr>
+                        </m:dPr>
+                        <m:e>
+                          <m:r>
+                            <a:rPr lang="en-DE" i="1">
+                              <a:latin typeface="Cambria Math" panose="02040503050406030204" pitchFamily="18" charset="0"/>
+                            </a:rPr>
+                            <m:t>𝑚</m:t>
+                          </m:r>
+                        </m:e>
+                      </m:d>
+                      <m:sSup>
+                        <m:sSupPr>
+                          <m:ctrlPr>
+                            <a:rPr lang="en-DE" i="1">
+                              <a:solidFill>
+                                <a:srgbClr val="836967"/>
+                              </a:solidFill>
+                              <a:latin typeface="Cambria Math" panose="02040503050406030204" pitchFamily="18" charset="0"/>
+                            </a:rPr>
+                          </m:ctrlPr>
+                        </m:sSupPr>
+                        <m:e>
+                          <m:r>
+                            <a:rPr lang="en-DE" i="0">
+                              <a:latin typeface="Cambria Math" panose="02040503050406030204" pitchFamily="18" charset="0"/>
+                            </a:rPr>
+                            <m:t>∙</m:t>
+                          </m:r>
+                          <m:r>
+                            <a:rPr lang="en-DE" i="1">
+                              <a:latin typeface="Cambria Math" panose="02040503050406030204" pitchFamily="18" charset="0"/>
+                            </a:rPr>
+                            <m:t>𝑒</m:t>
+                          </m:r>
+                        </m:e>
+                        <m:sup>
+                          <m:r>
+                            <a:rPr lang="en-DE" i="0">
+                              <a:latin typeface="Cambria Math" panose="02040503050406030204" pitchFamily="18" charset="0"/>
+                            </a:rPr>
+                            <m:t>−</m:t>
+                          </m:r>
+                          <m:r>
+                            <a:rPr lang="en-DE" i="1">
+                              <a:latin typeface="Cambria Math" panose="02040503050406030204" pitchFamily="18" charset="0"/>
+                            </a:rPr>
+                            <m:t>𝑗</m:t>
+                          </m:r>
+                          <m:f>
+                            <m:fPr>
+                              <m:ctrlPr>
+                                <a:rPr lang="en-DE" i="1">
+                                  <a:solidFill>
+                                    <a:srgbClr val="836967"/>
+                                  </a:solidFill>
+                                  <a:latin typeface="Cambria Math" panose="02040503050406030204" pitchFamily="18" charset="0"/>
+                                </a:rPr>
+                              </m:ctrlPr>
+                            </m:fPr>
+                            <m:num>
+                              <m:r>
+                                <a:rPr lang="en-DE" i="0">
+                                  <a:latin typeface="Cambria Math" panose="02040503050406030204" pitchFamily="18" charset="0"/>
+                                </a:rPr>
+                                <m:t>2</m:t>
+                              </m:r>
+                              <m:r>
+                                <a:rPr lang="en-DE" i="1">
+                                  <a:latin typeface="Cambria Math" panose="02040503050406030204" pitchFamily="18" charset="0"/>
+                                </a:rPr>
+                                <m:t>𝜋</m:t>
+                              </m:r>
+                            </m:num>
+                            <m:den>
+                              <m:r>
+                                <a:rPr lang="en-DE" i="1">
+                                  <a:latin typeface="Cambria Math" panose="02040503050406030204" pitchFamily="18" charset="0"/>
+                                </a:rPr>
+                                <m:t>𝑁</m:t>
+                              </m:r>
+                            </m:den>
+                          </m:f>
+                          <m:sSub>
+                            <m:sSubPr>
+                              <m:ctrlPr>
+                                <a:rPr lang="en-DE" i="1">
+                                  <a:solidFill>
+                                    <a:srgbClr val="836967"/>
+                                  </a:solidFill>
+                                  <a:latin typeface="Cambria Math" panose="02040503050406030204" pitchFamily="18" charset="0"/>
+                                </a:rPr>
+                              </m:ctrlPr>
+                            </m:sSubPr>
+                            <m:e>
+                              <m:r>
+                                <a:rPr lang="en-DE" i="1">
+                                  <a:latin typeface="Cambria Math" panose="02040503050406030204" pitchFamily="18" charset="0"/>
+                                </a:rPr>
+                                <m:t>𝑘</m:t>
+                              </m:r>
+                            </m:e>
+                            <m:sub>
+                              <m:r>
+                                <a:rPr lang="en-DE" i="0">
+                                  <a:latin typeface="Cambria Math" panose="02040503050406030204" pitchFamily="18" charset="0"/>
+                                </a:rPr>
+                                <m:t>0</m:t>
+                              </m:r>
+                            </m:sub>
+                          </m:sSub>
+                          <m:r>
+                            <a:rPr lang="en-DE" i="1">
+                              <a:latin typeface="Cambria Math" panose="02040503050406030204" pitchFamily="18" charset="0"/>
+                            </a:rPr>
+                            <m:t>𝑚</m:t>
+                          </m:r>
+                        </m:sup>
+                      </m:sSup>
+                    </m:oMath>
+                  </m:oMathPara>
+                </a14:m>
+                <a:endParaRPr lang="en-DE" dirty="0"/>
+              </a:p>
+            </p:txBody>
+          </p:sp>
+        </mc:Choice>
+        <mc:Fallback>
+          <p:sp>
+            <p:nvSpPr>
+              <p:cNvPr id="24" name="TextBox 23">
+                <a:extLst>
+                  <a:ext uri="{FF2B5EF4-FFF2-40B4-BE49-F238E27FC236}">
+                    <a16:creationId xmlns:a16="http://schemas.microsoft.com/office/drawing/2014/main" id="{72BCFEA7-7C9F-9BF6-EE35-8798ED439C9D}"/>
+                  </a:ext>
+                </a:extLst>
+              </p:cNvPr>
+              <p:cNvSpPr txBox="1">
+                <a:spLocks noRot="1" noChangeAspect="1" noMove="1" noResize="1" noEditPoints="1" noAdjustHandles="1" noChangeArrowheads="1" noChangeShapeType="1" noTextEdit="1"/>
+              </p:cNvSpPr>
+              <p:nvPr/>
+            </p:nvSpPr>
+            <p:spPr>
+              <a:xfrm>
+                <a:off x="9997511" y="1972122"/>
+                <a:ext cx="2147427" cy="493853"/>
+              </a:xfrm>
+              <a:prstGeom prst="rect">
+                <a:avLst/>
+              </a:prstGeom>
+              <a:blipFill>
+                <a:blip r:embed="rId21"/>
+                <a:stretch>
+                  <a:fillRect/>
+                </a:stretch>
+              </a:blipFill>
+            </p:spPr>
+            <p:txBody>
+              <a:bodyPr/>
+              <a:lstStyle/>
+              <a:p>
+                <a:r>
+                  <a:rPr lang="en-DE">
+                    <a:noFill/>
+                  </a:rPr>
+                  <a:t> </a:t>
+                </a:r>
+              </a:p>
+            </p:txBody>
+          </p:sp>
+        </mc:Fallback>
+      </mc:AlternateContent>
+      <p:pic>
+        <p:nvPicPr>
+          <p:cNvPr id="28" name="Picture 27" descr="A picture containing graphical user interface&#10;&#10;Description automatically generated">
+            <a:extLst>
+              <a:ext uri="{FF2B5EF4-FFF2-40B4-BE49-F238E27FC236}">
+                <a16:creationId xmlns:a16="http://schemas.microsoft.com/office/drawing/2014/main" id="{5B2E0BDF-9189-F69B-9633-F11C125CB126}"/>
+              </a:ext>
+            </a:extLst>
+          </p:cNvPr>
+          <p:cNvPicPr>
+            <a:picLocks noChangeAspect="1"/>
+          </p:cNvPicPr>
+          <p:nvPr/>
+        </p:nvPicPr>
+        <p:blipFill>
+          <a:blip r:embed="rId22">
+            <a:extLst>
+              <a:ext uri="{28A0092B-C50C-407E-A947-70E740481C1C}">
+                <a14:useLocalDpi xmlns:a14="http://schemas.microsoft.com/office/drawing/2010/main" val="0"/>
+              </a:ext>
+            </a:extLst>
+          </a:blip>
+          <a:stretch>
+            <a:fillRect/>
+          </a:stretch>
+        </p:blipFill>
+        <p:spPr>
+          <a:xfrm>
+            <a:off x="606326" y="2779477"/>
+            <a:ext cx="9392961" cy="2181529"/>
+          </a:xfrm>
+          <a:prstGeom prst="rect">
+            <a:avLst/>
+          </a:prstGeom>
+        </p:spPr>
+      </p:pic>
+      <p:pic>
+        <p:nvPicPr>
+          <p:cNvPr id="30" name="Picture 29" descr="Graphical user interface, text, application, email&#10;&#10;Description automatically generated">
+            <a:extLst>
+              <a:ext uri="{FF2B5EF4-FFF2-40B4-BE49-F238E27FC236}">
+                <a16:creationId xmlns:a16="http://schemas.microsoft.com/office/drawing/2014/main" id="{8CD00DD8-F007-3CFA-4258-0313434239AF}"/>
+              </a:ext>
+            </a:extLst>
+          </p:cNvPr>
+          <p:cNvPicPr>
+            <a:picLocks noChangeAspect="1"/>
+          </p:cNvPicPr>
+          <p:nvPr/>
+        </p:nvPicPr>
+        <p:blipFill>
+          <a:blip r:embed="rId23">
+            <a:extLst>
+              <a:ext uri="{28A0092B-C50C-407E-A947-70E740481C1C}">
+                <a14:useLocalDpi xmlns:a14="http://schemas.microsoft.com/office/drawing/2010/main" val="0"/>
+              </a:ext>
+            </a:extLst>
+          </a:blip>
+          <a:stretch>
+            <a:fillRect/>
+          </a:stretch>
+        </p:blipFill>
+        <p:spPr>
+          <a:xfrm>
+            <a:off x="1439057" y="2228669"/>
+            <a:ext cx="7287642" cy="2400635"/>
+          </a:xfrm>
+          <a:prstGeom prst="rect">
+            <a:avLst/>
+          </a:prstGeom>
+        </p:spPr>
+      </p:pic>
     </p:spTree>
     <p:extLst>
       <p:ext uri="{BB962C8B-B14F-4D97-AF65-F5344CB8AC3E}">
@@ -6718,6 +9700,1163 @@
   <p:clrMapOvr>
     <a:masterClrMapping/>
   </p:clrMapOvr>
+  <p:timing>
+    <p:tnLst>
+      <p:par>
+        <p:cTn id="1" dur="indefinite" restart="never" nodeType="tmRoot">
+          <p:childTnLst>
+            <p:seq concurrent="1" nextAc="seek">
+              <p:cTn id="2" dur="indefinite" nodeType="mainSeq">
+                <p:childTnLst>
+                  <p:par>
+                    <p:cTn id="3" fill="hold">
+                      <p:stCondLst>
+                        <p:cond delay="indefinite"/>
+                      </p:stCondLst>
+                      <p:childTnLst>
+                        <p:par>
+                          <p:cTn id="4" fill="hold">
+                            <p:stCondLst>
+                              <p:cond delay="0"/>
+                            </p:stCondLst>
+                            <p:childTnLst>
+                              <p:par>
+                                <p:cTn id="5" presetID="1" presetClass="entr" presetSubtype="0" fill="hold" nodeType="clickEffect">
+                                  <p:stCondLst>
+                                    <p:cond delay="0"/>
+                                  </p:stCondLst>
+                                  <p:childTnLst>
+                                    <p:set>
+                                      <p:cBhvr>
+                                        <p:cTn id="6" dur="1" fill="hold">
+                                          <p:stCondLst>
+                                            <p:cond delay="0"/>
+                                          </p:stCondLst>
+                                        </p:cTn>
+                                        <p:tgtEl>
+                                          <p:spTgt spid="37"/>
+                                        </p:tgtEl>
+                                        <p:attrNameLst>
+                                          <p:attrName>style.visibility</p:attrName>
+                                        </p:attrNameLst>
+                                      </p:cBhvr>
+                                      <p:to>
+                                        <p:strVal val="visible"/>
+                                      </p:to>
+                                    </p:set>
+                                  </p:childTnLst>
+                                </p:cTn>
+                              </p:par>
+                              <p:par>
+                                <p:cTn id="7" presetID="1" presetClass="entr" presetSubtype="0" fill="hold" grpId="0" nodeType="withEffect">
+                                  <p:stCondLst>
+                                    <p:cond delay="0"/>
+                                  </p:stCondLst>
+                                  <p:childTnLst>
+                                    <p:set>
+                                      <p:cBhvr>
+                                        <p:cTn id="8" dur="1" fill="hold">
+                                          <p:stCondLst>
+                                            <p:cond delay="0"/>
+                                          </p:stCondLst>
+                                        </p:cTn>
+                                        <p:tgtEl>
+                                          <p:spTgt spid="22"/>
+                                        </p:tgtEl>
+                                        <p:attrNameLst>
+                                          <p:attrName>style.visibility</p:attrName>
+                                        </p:attrNameLst>
+                                      </p:cBhvr>
+                                      <p:to>
+                                        <p:strVal val="visible"/>
+                                      </p:to>
+                                    </p:set>
+                                  </p:childTnLst>
+                                </p:cTn>
+                              </p:par>
+                            </p:childTnLst>
+                          </p:cTn>
+                        </p:par>
+                      </p:childTnLst>
+                    </p:cTn>
+                  </p:par>
+                  <p:par>
+                    <p:cTn id="9" fill="hold">
+                      <p:stCondLst>
+                        <p:cond delay="indefinite"/>
+                      </p:stCondLst>
+                      <p:childTnLst>
+                        <p:par>
+                          <p:cTn id="10" fill="hold">
+                            <p:stCondLst>
+                              <p:cond delay="0"/>
+                            </p:stCondLst>
+                            <p:childTnLst>
+                              <p:par>
+                                <p:cTn id="11" presetID="1" presetClass="entr" presetSubtype="0" fill="hold" grpId="0" nodeType="clickEffect">
+                                  <p:stCondLst>
+                                    <p:cond delay="0"/>
+                                  </p:stCondLst>
+                                  <p:childTnLst>
+                                    <p:set>
+                                      <p:cBhvr>
+                                        <p:cTn id="12" dur="1" fill="hold">
+                                          <p:stCondLst>
+                                            <p:cond delay="0"/>
+                                          </p:stCondLst>
+                                        </p:cTn>
+                                        <p:tgtEl>
+                                          <p:spTgt spid="39"/>
+                                        </p:tgtEl>
+                                        <p:attrNameLst>
+                                          <p:attrName>style.visibility</p:attrName>
+                                        </p:attrNameLst>
+                                      </p:cBhvr>
+                                      <p:to>
+                                        <p:strVal val="visible"/>
+                                      </p:to>
+                                    </p:set>
+                                  </p:childTnLst>
+                                </p:cTn>
+                              </p:par>
+                            </p:childTnLst>
+                          </p:cTn>
+                        </p:par>
+                      </p:childTnLst>
+                    </p:cTn>
+                  </p:par>
+                  <p:par>
+                    <p:cTn id="13" fill="hold">
+                      <p:stCondLst>
+                        <p:cond delay="indefinite"/>
+                      </p:stCondLst>
+                      <p:childTnLst>
+                        <p:par>
+                          <p:cTn id="14" fill="hold">
+                            <p:stCondLst>
+                              <p:cond delay="0"/>
+                            </p:stCondLst>
+                            <p:childTnLst>
+                              <p:par>
+                                <p:cTn id="15" presetID="1" presetClass="entr" presetSubtype="0" fill="hold" nodeType="clickEffect">
+                                  <p:stCondLst>
+                                    <p:cond delay="0"/>
+                                  </p:stCondLst>
+                                  <p:childTnLst>
+                                    <p:set>
+                                      <p:cBhvr>
+                                        <p:cTn id="16" dur="1" fill="hold">
+                                          <p:stCondLst>
+                                            <p:cond delay="0"/>
+                                          </p:stCondLst>
+                                        </p:cTn>
+                                        <p:tgtEl>
+                                          <p:spTgt spid="53"/>
+                                        </p:tgtEl>
+                                        <p:attrNameLst>
+                                          <p:attrName>style.visibility</p:attrName>
+                                        </p:attrNameLst>
+                                      </p:cBhvr>
+                                      <p:to>
+                                        <p:strVal val="visible"/>
+                                      </p:to>
+                                    </p:set>
+                                  </p:childTnLst>
+                                </p:cTn>
+                              </p:par>
+                            </p:childTnLst>
+                          </p:cTn>
+                        </p:par>
+                      </p:childTnLst>
+                    </p:cTn>
+                  </p:par>
+                  <p:par>
+                    <p:cTn id="17" fill="hold">
+                      <p:stCondLst>
+                        <p:cond delay="indefinite"/>
+                      </p:stCondLst>
+                      <p:childTnLst>
+                        <p:par>
+                          <p:cTn id="18" fill="hold">
+                            <p:stCondLst>
+                              <p:cond delay="0"/>
+                            </p:stCondLst>
+                            <p:childTnLst>
+                              <p:par>
+                                <p:cTn id="19" presetID="1" presetClass="entr" presetSubtype="0" fill="hold" grpId="0" nodeType="clickEffect">
+                                  <p:stCondLst>
+                                    <p:cond delay="0"/>
+                                  </p:stCondLst>
+                                  <p:childTnLst>
+                                    <p:set>
+                                      <p:cBhvr>
+                                        <p:cTn id="20" dur="1" fill="hold">
+                                          <p:stCondLst>
+                                            <p:cond delay="0"/>
+                                          </p:stCondLst>
+                                        </p:cTn>
+                                        <p:tgtEl>
+                                          <p:spTgt spid="41"/>
+                                        </p:tgtEl>
+                                        <p:attrNameLst>
+                                          <p:attrName>style.visibility</p:attrName>
+                                        </p:attrNameLst>
+                                      </p:cBhvr>
+                                      <p:to>
+                                        <p:strVal val="visible"/>
+                                      </p:to>
+                                    </p:set>
+                                  </p:childTnLst>
+                                </p:cTn>
+                              </p:par>
+                              <p:par>
+                                <p:cTn id="21" presetID="1" presetClass="entr" presetSubtype="0" fill="hold" grpId="0" nodeType="withEffect">
+                                  <p:stCondLst>
+                                    <p:cond delay="0"/>
+                                  </p:stCondLst>
+                                  <p:childTnLst>
+                                    <p:set>
+                                      <p:cBhvr>
+                                        <p:cTn id="22" dur="1" fill="hold">
+                                          <p:stCondLst>
+                                            <p:cond delay="0"/>
+                                          </p:stCondLst>
+                                        </p:cTn>
+                                        <p:tgtEl>
+                                          <p:spTgt spid="43"/>
+                                        </p:tgtEl>
+                                        <p:attrNameLst>
+                                          <p:attrName>style.visibility</p:attrName>
+                                        </p:attrNameLst>
+                                      </p:cBhvr>
+                                      <p:to>
+                                        <p:strVal val="visible"/>
+                                      </p:to>
+                                    </p:set>
+                                  </p:childTnLst>
+                                </p:cTn>
+                              </p:par>
+                            </p:childTnLst>
+                          </p:cTn>
+                        </p:par>
+                      </p:childTnLst>
+                    </p:cTn>
+                  </p:par>
+                  <p:par>
+                    <p:cTn id="23" fill="hold">
+                      <p:stCondLst>
+                        <p:cond delay="indefinite"/>
+                      </p:stCondLst>
+                      <p:childTnLst>
+                        <p:par>
+                          <p:cTn id="24" fill="hold">
+                            <p:stCondLst>
+                              <p:cond delay="0"/>
+                            </p:stCondLst>
+                            <p:childTnLst>
+                              <p:par>
+                                <p:cTn id="25" presetID="1" presetClass="entr" presetSubtype="0" fill="hold" grpId="0" nodeType="clickEffect">
+                                  <p:stCondLst>
+                                    <p:cond delay="0"/>
+                                  </p:stCondLst>
+                                  <p:childTnLst>
+                                    <p:set>
+                                      <p:cBhvr>
+                                        <p:cTn id="26" dur="1" fill="hold">
+                                          <p:stCondLst>
+                                            <p:cond delay="0"/>
+                                          </p:stCondLst>
+                                        </p:cTn>
+                                        <p:tgtEl>
+                                          <p:spTgt spid="57"/>
+                                        </p:tgtEl>
+                                        <p:attrNameLst>
+                                          <p:attrName>style.visibility</p:attrName>
+                                        </p:attrNameLst>
+                                      </p:cBhvr>
+                                      <p:to>
+                                        <p:strVal val="visible"/>
+                                      </p:to>
+                                    </p:set>
+                                  </p:childTnLst>
+                                </p:cTn>
+                              </p:par>
+                            </p:childTnLst>
+                          </p:cTn>
+                        </p:par>
+                      </p:childTnLst>
+                    </p:cTn>
+                  </p:par>
+                  <p:par>
+                    <p:cTn id="27" fill="hold">
+                      <p:stCondLst>
+                        <p:cond delay="indefinite"/>
+                      </p:stCondLst>
+                      <p:childTnLst>
+                        <p:par>
+                          <p:cTn id="28" fill="hold">
+                            <p:stCondLst>
+                              <p:cond delay="0"/>
+                            </p:stCondLst>
+                            <p:childTnLst>
+                              <p:par>
+                                <p:cTn id="29" presetID="1" presetClass="entr" presetSubtype="0" fill="hold" grpId="0" nodeType="clickEffect">
+                                  <p:stCondLst>
+                                    <p:cond delay="0"/>
+                                  </p:stCondLst>
+                                  <p:childTnLst>
+                                    <p:set>
+                                      <p:cBhvr>
+                                        <p:cTn id="30" dur="1" fill="hold">
+                                          <p:stCondLst>
+                                            <p:cond delay="0"/>
+                                          </p:stCondLst>
+                                        </p:cTn>
+                                        <p:tgtEl>
+                                          <p:spTgt spid="59"/>
+                                        </p:tgtEl>
+                                        <p:attrNameLst>
+                                          <p:attrName>style.visibility</p:attrName>
+                                        </p:attrNameLst>
+                                      </p:cBhvr>
+                                      <p:to>
+                                        <p:strVal val="visible"/>
+                                      </p:to>
+                                    </p:set>
+                                  </p:childTnLst>
+                                </p:cTn>
+                              </p:par>
+                            </p:childTnLst>
+                          </p:cTn>
+                        </p:par>
+                      </p:childTnLst>
+                    </p:cTn>
+                  </p:par>
+                  <p:par>
+                    <p:cTn id="31" fill="hold">
+                      <p:stCondLst>
+                        <p:cond delay="indefinite"/>
+                      </p:stCondLst>
+                      <p:childTnLst>
+                        <p:par>
+                          <p:cTn id="32" fill="hold">
+                            <p:stCondLst>
+                              <p:cond delay="0"/>
+                            </p:stCondLst>
+                            <p:childTnLst>
+                              <p:par>
+                                <p:cTn id="33" presetID="1" presetClass="entr" presetSubtype="0" fill="hold" grpId="0" nodeType="clickEffect">
+                                  <p:stCondLst>
+                                    <p:cond delay="0"/>
+                                  </p:stCondLst>
+                                  <p:childTnLst>
+                                    <p:set>
+                                      <p:cBhvr>
+                                        <p:cTn id="34" dur="1" fill="hold">
+                                          <p:stCondLst>
+                                            <p:cond delay="0"/>
+                                          </p:stCondLst>
+                                        </p:cTn>
+                                        <p:tgtEl>
+                                          <p:spTgt spid="24"/>
+                                        </p:tgtEl>
+                                        <p:attrNameLst>
+                                          <p:attrName>style.visibility</p:attrName>
+                                        </p:attrNameLst>
+                                      </p:cBhvr>
+                                      <p:to>
+                                        <p:strVal val="visible"/>
+                                      </p:to>
+                                    </p:set>
+                                  </p:childTnLst>
+                                </p:cTn>
+                              </p:par>
+                            </p:childTnLst>
+                          </p:cTn>
+                        </p:par>
+                      </p:childTnLst>
+                    </p:cTn>
+                  </p:par>
+                  <p:par>
+                    <p:cTn id="35" fill="hold">
+                      <p:stCondLst>
+                        <p:cond delay="indefinite"/>
+                      </p:stCondLst>
+                      <p:childTnLst>
+                        <p:par>
+                          <p:cTn id="36" fill="hold">
+                            <p:stCondLst>
+                              <p:cond delay="0"/>
+                            </p:stCondLst>
+                            <p:childTnLst>
+                              <p:par>
+                                <p:cTn id="37" presetID="1" presetClass="entr" presetSubtype="0" fill="hold" nodeType="clickEffect">
+                                  <p:stCondLst>
+                                    <p:cond delay="0"/>
+                                  </p:stCondLst>
+                                  <p:childTnLst>
+                                    <p:set>
+                                      <p:cBhvr>
+                                        <p:cTn id="38" dur="1" fill="hold">
+                                          <p:stCondLst>
+                                            <p:cond delay="249"/>
+                                          </p:stCondLst>
+                                        </p:cTn>
+                                        <p:tgtEl>
+                                          <p:spTgt spid="28"/>
+                                        </p:tgtEl>
+                                        <p:attrNameLst>
+                                          <p:attrName>style.visibility</p:attrName>
+                                        </p:attrNameLst>
+                                      </p:cBhvr>
+                                      <p:to>
+                                        <p:strVal val="visible"/>
+                                      </p:to>
+                                    </p:set>
+                                  </p:childTnLst>
+                                  <p:subTnLst>
+                                    <p:set>
+                                      <p:cBhvr override="childStyle">
+                                        <p:cTn dur="1" fill="hold" display="0" masterRel="nextClick" afterEffect="1"/>
+                                        <p:tgtEl>
+                                          <p:spTgt spid="28"/>
+                                        </p:tgtEl>
+                                        <p:attrNameLst>
+                                          <p:attrName>style.visibility</p:attrName>
+                                        </p:attrNameLst>
+                                      </p:cBhvr>
+                                      <p:to>
+                                        <p:strVal val="hidden"/>
+                                      </p:to>
+                                    </p:set>
+                                  </p:subTnLst>
+                                </p:cTn>
+                              </p:par>
+                            </p:childTnLst>
+                          </p:cTn>
+                        </p:par>
+                      </p:childTnLst>
+                    </p:cTn>
+                  </p:par>
+                  <p:par>
+                    <p:cTn id="39" fill="hold">
+                      <p:stCondLst>
+                        <p:cond delay="indefinite"/>
+                      </p:stCondLst>
+                      <p:childTnLst>
+                        <p:par>
+                          <p:cTn id="40" fill="hold">
+                            <p:stCondLst>
+                              <p:cond delay="0"/>
+                            </p:stCondLst>
+                            <p:childTnLst>
+                              <p:par>
+                                <p:cTn id="41" presetID="1" presetClass="entr" presetSubtype="0" fill="hold" grpId="0" nodeType="clickEffect">
+                                  <p:stCondLst>
+                                    <p:cond delay="0"/>
+                                  </p:stCondLst>
+                                  <p:childTnLst>
+                                    <p:set>
+                                      <p:cBhvr>
+                                        <p:cTn id="42" dur="1" fill="hold">
+                                          <p:stCondLst>
+                                            <p:cond delay="0"/>
+                                          </p:stCondLst>
+                                        </p:cTn>
+                                        <p:tgtEl>
+                                          <p:spTgt spid="14"/>
+                                        </p:tgtEl>
+                                        <p:attrNameLst>
+                                          <p:attrName>style.visibility</p:attrName>
+                                        </p:attrNameLst>
+                                      </p:cBhvr>
+                                      <p:to>
+                                        <p:strVal val="visible"/>
+                                      </p:to>
+                                    </p:set>
+                                  </p:childTnLst>
+                                </p:cTn>
+                              </p:par>
+                              <p:par>
+                                <p:cTn id="43" presetID="1" presetClass="entr" presetSubtype="0" fill="hold" nodeType="withEffect">
+                                  <p:stCondLst>
+                                    <p:cond delay="0"/>
+                                  </p:stCondLst>
+                                  <p:childTnLst>
+                                    <p:set>
+                                      <p:cBhvr>
+                                        <p:cTn id="44" dur="1" fill="hold">
+                                          <p:stCondLst>
+                                            <p:cond delay="0"/>
+                                          </p:stCondLst>
+                                        </p:cTn>
+                                        <p:tgtEl>
+                                          <p:spTgt spid="27"/>
+                                        </p:tgtEl>
+                                        <p:attrNameLst>
+                                          <p:attrName>style.visibility</p:attrName>
+                                        </p:attrNameLst>
+                                      </p:cBhvr>
+                                      <p:to>
+                                        <p:strVal val="visible"/>
+                                      </p:to>
+                                    </p:set>
+                                  </p:childTnLst>
+                                </p:cTn>
+                              </p:par>
+                              <p:par>
+                                <p:cTn id="45" presetID="1" presetClass="entr" presetSubtype="0" fill="hold" grpId="0" nodeType="withEffect">
+                                  <p:stCondLst>
+                                    <p:cond delay="0"/>
+                                  </p:stCondLst>
+                                  <p:childTnLst>
+                                    <p:set>
+                                      <p:cBhvr>
+                                        <p:cTn id="46" dur="1" fill="hold">
+                                          <p:stCondLst>
+                                            <p:cond delay="0"/>
+                                          </p:stCondLst>
+                                        </p:cTn>
+                                        <p:tgtEl>
+                                          <p:spTgt spid="9"/>
+                                        </p:tgtEl>
+                                        <p:attrNameLst>
+                                          <p:attrName>style.visibility</p:attrName>
+                                        </p:attrNameLst>
+                                      </p:cBhvr>
+                                      <p:to>
+                                        <p:strVal val="visible"/>
+                                      </p:to>
+                                    </p:set>
+                                  </p:childTnLst>
+                                </p:cTn>
+                              </p:par>
+                            </p:childTnLst>
+                          </p:cTn>
+                        </p:par>
+                      </p:childTnLst>
+                    </p:cTn>
+                  </p:par>
+                  <p:par>
+                    <p:cTn id="47" fill="hold">
+                      <p:stCondLst>
+                        <p:cond delay="indefinite"/>
+                      </p:stCondLst>
+                      <p:childTnLst>
+                        <p:par>
+                          <p:cTn id="48" fill="hold">
+                            <p:stCondLst>
+                              <p:cond delay="0"/>
+                            </p:stCondLst>
+                            <p:childTnLst>
+                              <p:par>
+                                <p:cTn id="49" presetID="1" presetClass="entr" presetSubtype="0" fill="hold" grpId="0" nodeType="clickEffect">
+                                  <p:stCondLst>
+                                    <p:cond delay="0"/>
+                                  </p:stCondLst>
+                                  <p:childTnLst>
+                                    <p:set>
+                                      <p:cBhvr>
+                                        <p:cTn id="50" dur="1" fill="hold">
+                                          <p:stCondLst>
+                                            <p:cond delay="0"/>
+                                          </p:stCondLst>
+                                        </p:cTn>
+                                        <p:tgtEl>
+                                          <p:spTgt spid="55"/>
+                                        </p:tgtEl>
+                                        <p:attrNameLst>
+                                          <p:attrName>style.visibility</p:attrName>
+                                        </p:attrNameLst>
+                                      </p:cBhvr>
+                                      <p:to>
+                                        <p:strVal val="visible"/>
+                                      </p:to>
+                                    </p:set>
+                                  </p:childTnLst>
+                                </p:cTn>
+                              </p:par>
+                            </p:childTnLst>
+                          </p:cTn>
+                        </p:par>
+                      </p:childTnLst>
+                    </p:cTn>
+                  </p:par>
+                  <p:par>
+                    <p:cTn id="51" fill="hold">
+                      <p:stCondLst>
+                        <p:cond delay="indefinite"/>
+                      </p:stCondLst>
+                      <p:childTnLst>
+                        <p:par>
+                          <p:cTn id="52" fill="hold">
+                            <p:stCondLst>
+                              <p:cond delay="0"/>
+                            </p:stCondLst>
+                            <p:childTnLst>
+                              <p:par>
+                                <p:cTn id="53" presetID="1" presetClass="entr" presetSubtype="0" fill="hold" grpId="0" nodeType="clickEffect">
+                                  <p:stCondLst>
+                                    <p:cond delay="0"/>
+                                  </p:stCondLst>
+                                  <p:childTnLst>
+                                    <p:set>
+                                      <p:cBhvr>
+                                        <p:cTn id="54" dur="1" fill="hold">
+                                          <p:stCondLst>
+                                            <p:cond delay="0"/>
+                                          </p:stCondLst>
+                                        </p:cTn>
+                                        <p:tgtEl>
+                                          <p:spTgt spid="18"/>
+                                        </p:tgtEl>
+                                        <p:attrNameLst>
+                                          <p:attrName>style.visibility</p:attrName>
+                                        </p:attrNameLst>
+                                      </p:cBhvr>
+                                      <p:to>
+                                        <p:strVal val="visible"/>
+                                      </p:to>
+                                    </p:set>
+                                  </p:childTnLst>
+                                </p:cTn>
+                              </p:par>
+                              <p:par>
+                                <p:cTn id="55" presetID="1" presetClass="entr" presetSubtype="0" fill="hold" grpId="0" nodeType="withEffect">
+                                  <p:stCondLst>
+                                    <p:cond delay="0"/>
+                                  </p:stCondLst>
+                                  <p:childTnLst>
+                                    <p:set>
+                                      <p:cBhvr>
+                                        <p:cTn id="56" dur="1" fill="hold">
+                                          <p:stCondLst>
+                                            <p:cond delay="0"/>
+                                          </p:stCondLst>
+                                        </p:cTn>
+                                        <p:tgtEl>
+                                          <p:spTgt spid="20"/>
+                                        </p:tgtEl>
+                                        <p:attrNameLst>
+                                          <p:attrName>style.visibility</p:attrName>
+                                        </p:attrNameLst>
+                                      </p:cBhvr>
+                                      <p:to>
+                                        <p:strVal val="visible"/>
+                                      </p:to>
+                                    </p:set>
+                                  </p:childTnLst>
+                                </p:cTn>
+                              </p:par>
+                            </p:childTnLst>
+                          </p:cTn>
+                        </p:par>
+                      </p:childTnLst>
+                    </p:cTn>
+                  </p:par>
+                  <p:par>
+                    <p:cTn id="57" fill="hold">
+                      <p:stCondLst>
+                        <p:cond delay="indefinite"/>
+                      </p:stCondLst>
+                      <p:childTnLst>
+                        <p:par>
+                          <p:cTn id="58" fill="hold">
+                            <p:stCondLst>
+                              <p:cond delay="0"/>
+                            </p:stCondLst>
+                            <p:childTnLst>
+                              <p:par>
+                                <p:cTn id="59" presetID="1" presetClass="entr" presetSubtype="0" fill="hold" grpId="0" nodeType="clickEffect">
+                                  <p:stCondLst>
+                                    <p:cond delay="0"/>
+                                  </p:stCondLst>
+                                  <p:childTnLst>
+                                    <p:set>
+                                      <p:cBhvr>
+                                        <p:cTn id="60" dur="1" fill="hold">
+                                          <p:stCondLst>
+                                            <p:cond delay="0"/>
+                                          </p:stCondLst>
+                                        </p:cTn>
+                                        <p:tgtEl>
+                                          <p:spTgt spid="6"/>
+                                        </p:tgtEl>
+                                        <p:attrNameLst>
+                                          <p:attrName>style.visibility</p:attrName>
+                                        </p:attrNameLst>
+                                      </p:cBhvr>
+                                      <p:to>
+                                        <p:strVal val="visible"/>
+                                      </p:to>
+                                    </p:set>
+                                  </p:childTnLst>
+                                </p:cTn>
+                              </p:par>
+                            </p:childTnLst>
+                          </p:cTn>
+                        </p:par>
+                      </p:childTnLst>
+                    </p:cTn>
+                  </p:par>
+                  <p:par>
+                    <p:cTn id="61" fill="hold">
+                      <p:stCondLst>
+                        <p:cond delay="indefinite"/>
+                      </p:stCondLst>
+                      <p:childTnLst>
+                        <p:par>
+                          <p:cTn id="62" fill="hold">
+                            <p:stCondLst>
+                              <p:cond delay="0"/>
+                            </p:stCondLst>
+                            <p:childTnLst>
+                              <p:par>
+                                <p:cTn id="63" presetID="1" presetClass="entr" presetSubtype="0" fill="hold" grpId="0" nodeType="clickEffect">
+                                  <p:stCondLst>
+                                    <p:cond delay="0"/>
+                                  </p:stCondLst>
+                                  <p:childTnLst>
+                                    <p:set>
+                                      <p:cBhvr>
+                                        <p:cTn id="64" dur="1" fill="hold">
+                                          <p:stCondLst>
+                                            <p:cond delay="0"/>
+                                          </p:stCondLst>
+                                        </p:cTn>
+                                        <p:tgtEl>
+                                          <p:spTgt spid="16"/>
+                                        </p:tgtEl>
+                                        <p:attrNameLst>
+                                          <p:attrName>style.visibility</p:attrName>
+                                        </p:attrNameLst>
+                                      </p:cBhvr>
+                                      <p:to>
+                                        <p:strVal val="visible"/>
+                                      </p:to>
+                                    </p:set>
+                                  </p:childTnLst>
+                                </p:cTn>
+                              </p:par>
+                              <p:par>
+                                <p:cTn id="65" presetID="1" presetClass="entr" presetSubtype="0" fill="hold" grpId="0" nodeType="withEffect">
+                                  <p:stCondLst>
+                                    <p:cond delay="0"/>
+                                  </p:stCondLst>
+                                  <p:childTnLst>
+                                    <p:set>
+                                      <p:cBhvr>
+                                        <p:cTn id="66" dur="1" fill="hold">
+                                          <p:stCondLst>
+                                            <p:cond delay="0"/>
+                                          </p:stCondLst>
+                                        </p:cTn>
+                                        <p:tgtEl>
+                                          <p:spTgt spid="19"/>
+                                        </p:tgtEl>
+                                        <p:attrNameLst>
+                                          <p:attrName>style.visibility</p:attrName>
+                                        </p:attrNameLst>
+                                      </p:cBhvr>
+                                      <p:to>
+                                        <p:strVal val="visible"/>
+                                      </p:to>
+                                    </p:set>
+                                  </p:childTnLst>
+                                </p:cTn>
+                              </p:par>
+                            </p:childTnLst>
+                          </p:cTn>
+                        </p:par>
+                      </p:childTnLst>
+                    </p:cTn>
+                  </p:par>
+                  <p:par>
+                    <p:cTn id="67" fill="hold">
+                      <p:stCondLst>
+                        <p:cond delay="indefinite"/>
+                      </p:stCondLst>
+                      <p:childTnLst>
+                        <p:par>
+                          <p:cTn id="68" fill="hold">
+                            <p:stCondLst>
+                              <p:cond delay="0"/>
+                            </p:stCondLst>
+                            <p:childTnLst>
+                              <p:par>
+                                <p:cTn id="69" presetID="1" presetClass="entr" presetSubtype="0" fill="hold" nodeType="clickEffect">
+                                  <p:stCondLst>
+                                    <p:cond delay="0"/>
+                                  </p:stCondLst>
+                                  <p:childTnLst>
+                                    <p:set>
+                                      <p:cBhvr>
+                                        <p:cTn id="70" dur="1" fill="hold">
+                                          <p:stCondLst>
+                                            <p:cond delay="249"/>
+                                          </p:stCondLst>
+                                        </p:cTn>
+                                        <p:tgtEl>
+                                          <p:spTgt spid="30"/>
+                                        </p:tgtEl>
+                                        <p:attrNameLst>
+                                          <p:attrName>style.visibility</p:attrName>
+                                        </p:attrNameLst>
+                                      </p:cBhvr>
+                                      <p:to>
+                                        <p:strVal val="visible"/>
+                                      </p:to>
+                                    </p:set>
+                                  </p:childTnLst>
+                                  <p:subTnLst>
+                                    <p:set>
+                                      <p:cBhvr override="childStyle">
+                                        <p:cTn dur="1" fill="hold" display="0" masterRel="nextClick" afterEffect="1"/>
+                                        <p:tgtEl>
+                                          <p:spTgt spid="30"/>
+                                        </p:tgtEl>
+                                        <p:attrNameLst>
+                                          <p:attrName>style.visibility</p:attrName>
+                                        </p:attrNameLst>
+                                      </p:cBhvr>
+                                      <p:to>
+                                        <p:strVal val="hidden"/>
+                                      </p:to>
+                                    </p:set>
+                                  </p:subTnLst>
+                                </p:cTn>
+                              </p:par>
+                            </p:childTnLst>
+                          </p:cTn>
+                        </p:par>
+                      </p:childTnLst>
+                    </p:cTn>
+                  </p:par>
+                  <p:par>
+                    <p:cTn id="71" fill="hold">
+                      <p:stCondLst>
+                        <p:cond delay="indefinite"/>
+                      </p:stCondLst>
+                      <p:childTnLst>
+                        <p:par>
+                          <p:cTn id="72" fill="hold">
+                            <p:stCondLst>
+                              <p:cond delay="0"/>
+                            </p:stCondLst>
+                            <p:childTnLst>
+                              <p:par>
+                                <p:cTn id="73" presetID="1" presetClass="entr" presetSubtype="0" fill="hold" grpId="0" nodeType="clickEffect">
+                                  <p:stCondLst>
+                                    <p:cond delay="0"/>
+                                  </p:stCondLst>
+                                  <p:childTnLst>
+                                    <p:set>
+                                      <p:cBhvr>
+                                        <p:cTn id="74" dur="1" fill="hold">
+                                          <p:stCondLst>
+                                            <p:cond delay="0"/>
+                                          </p:stCondLst>
+                                        </p:cTn>
+                                        <p:tgtEl>
+                                          <p:spTgt spid="8"/>
+                                        </p:tgtEl>
+                                        <p:attrNameLst>
+                                          <p:attrName>style.visibility</p:attrName>
+                                        </p:attrNameLst>
+                                      </p:cBhvr>
+                                      <p:to>
+                                        <p:strVal val="visible"/>
+                                      </p:to>
+                                    </p:set>
+                                  </p:childTnLst>
+                                </p:cTn>
+                              </p:par>
+                            </p:childTnLst>
+                          </p:cTn>
+                        </p:par>
+                      </p:childTnLst>
+                    </p:cTn>
+                  </p:par>
+                  <p:par>
+                    <p:cTn id="75" fill="hold">
+                      <p:stCondLst>
+                        <p:cond delay="indefinite"/>
+                      </p:stCondLst>
+                      <p:childTnLst>
+                        <p:par>
+                          <p:cTn id="76" fill="hold">
+                            <p:stCondLst>
+                              <p:cond delay="0"/>
+                            </p:stCondLst>
+                            <p:childTnLst>
+                              <p:par>
+                                <p:cTn id="77" presetID="1" presetClass="entr" presetSubtype="0" fill="hold" grpId="0" nodeType="clickEffect">
+                                  <p:stCondLst>
+                                    <p:cond delay="0"/>
+                                  </p:stCondLst>
+                                  <p:childTnLst>
+                                    <p:set>
+                                      <p:cBhvr>
+                                        <p:cTn id="78" dur="1" fill="hold">
+                                          <p:stCondLst>
+                                            <p:cond delay="0"/>
+                                          </p:stCondLst>
+                                        </p:cTn>
+                                        <p:tgtEl>
+                                          <p:spTgt spid="10"/>
+                                        </p:tgtEl>
+                                        <p:attrNameLst>
+                                          <p:attrName>style.visibility</p:attrName>
+                                        </p:attrNameLst>
+                                      </p:cBhvr>
+                                      <p:to>
+                                        <p:strVal val="visible"/>
+                                      </p:to>
+                                    </p:set>
+                                  </p:childTnLst>
+                                </p:cTn>
+                              </p:par>
+                            </p:childTnLst>
+                          </p:cTn>
+                        </p:par>
+                      </p:childTnLst>
+                    </p:cTn>
+                  </p:par>
+                  <p:par>
+                    <p:cTn id="79" fill="hold">
+                      <p:stCondLst>
+                        <p:cond delay="indefinite"/>
+                      </p:stCondLst>
+                      <p:childTnLst>
+                        <p:par>
+                          <p:cTn id="80" fill="hold">
+                            <p:stCondLst>
+                              <p:cond delay="0"/>
+                            </p:stCondLst>
+                            <p:childTnLst>
+                              <p:par>
+                                <p:cTn id="81" presetID="1" presetClass="entr" presetSubtype="0" fill="hold" grpId="0" nodeType="clickEffect">
+                                  <p:stCondLst>
+                                    <p:cond delay="0"/>
+                                  </p:stCondLst>
+                                  <p:childTnLst>
+                                    <p:set>
+                                      <p:cBhvr>
+                                        <p:cTn id="82" dur="1" fill="hold">
+                                          <p:stCondLst>
+                                            <p:cond delay="0"/>
+                                          </p:stCondLst>
+                                        </p:cTn>
+                                        <p:tgtEl>
+                                          <p:spTgt spid="12"/>
+                                        </p:tgtEl>
+                                        <p:attrNameLst>
+                                          <p:attrName>style.visibility</p:attrName>
+                                        </p:attrNameLst>
+                                      </p:cBhvr>
+                                      <p:to>
+                                        <p:strVal val="visible"/>
+                                      </p:to>
+                                    </p:set>
+                                  </p:childTnLst>
+                                </p:cTn>
+                              </p:par>
+                            </p:childTnLst>
+                          </p:cTn>
+                        </p:par>
+                      </p:childTnLst>
+                    </p:cTn>
+                  </p:par>
+                  <p:par>
+                    <p:cTn id="83" fill="hold">
+                      <p:stCondLst>
+                        <p:cond delay="indefinite"/>
+                      </p:stCondLst>
+                      <p:childTnLst>
+                        <p:par>
+                          <p:cTn id="84" fill="hold">
+                            <p:stCondLst>
+                              <p:cond delay="0"/>
+                            </p:stCondLst>
+                            <p:childTnLst>
+                              <p:par>
+                                <p:cTn id="85" presetID="1" presetClass="entr" presetSubtype="0" fill="hold" grpId="0" nodeType="clickEffect">
+                                  <p:stCondLst>
+                                    <p:cond delay="0"/>
+                                  </p:stCondLst>
+                                  <p:childTnLst>
+                                    <p:set>
+                                      <p:cBhvr>
+                                        <p:cTn id="86" dur="1" fill="hold">
+                                          <p:stCondLst>
+                                            <p:cond delay="0"/>
+                                          </p:stCondLst>
+                                        </p:cTn>
+                                        <p:tgtEl>
+                                          <p:spTgt spid="23"/>
+                                        </p:tgtEl>
+                                        <p:attrNameLst>
+                                          <p:attrName>style.visibility</p:attrName>
+                                        </p:attrNameLst>
+                                      </p:cBhvr>
+                                      <p:to>
+                                        <p:strVal val="visible"/>
+                                      </p:to>
+                                    </p:set>
+                                  </p:childTnLst>
+                                </p:cTn>
+                              </p:par>
+                              <p:par>
+                                <p:cTn id="87" presetID="1" presetClass="entr" presetSubtype="0" fill="hold" grpId="0" nodeType="withEffect">
+                                  <p:stCondLst>
+                                    <p:cond delay="0"/>
+                                  </p:stCondLst>
+                                  <p:childTnLst>
+                                    <p:set>
+                                      <p:cBhvr>
+                                        <p:cTn id="88" dur="1" fill="hold">
+                                          <p:stCondLst>
+                                            <p:cond delay="0"/>
+                                          </p:stCondLst>
+                                        </p:cTn>
+                                        <p:tgtEl>
+                                          <p:spTgt spid="25"/>
+                                        </p:tgtEl>
+                                        <p:attrNameLst>
+                                          <p:attrName>style.visibility</p:attrName>
+                                        </p:attrNameLst>
+                                      </p:cBhvr>
+                                      <p:to>
+                                        <p:strVal val="visible"/>
+                                      </p:to>
+                                    </p:set>
+                                  </p:childTnLst>
+                                </p:cTn>
+                              </p:par>
+                            </p:childTnLst>
+                          </p:cTn>
+                        </p:par>
+                      </p:childTnLst>
+                    </p:cTn>
+                  </p:par>
+                  <p:par>
+                    <p:cTn id="89" fill="hold">
+                      <p:stCondLst>
+                        <p:cond delay="indefinite"/>
+                      </p:stCondLst>
+                      <p:childTnLst>
+                        <p:par>
+                          <p:cTn id="90" fill="hold">
+                            <p:stCondLst>
+                              <p:cond delay="0"/>
+                            </p:stCondLst>
+                            <p:childTnLst>
+                              <p:par>
+                                <p:cTn id="91" presetID="1" presetClass="entr" presetSubtype="0" fill="hold" grpId="0" nodeType="clickEffect">
+                                  <p:stCondLst>
+                                    <p:cond delay="0"/>
+                                  </p:stCondLst>
+                                  <p:childTnLst>
+                                    <p:set>
+                                      <p:cBhvr>
+                                        <p:cTn id="92" dur="1" fill="hold">
+                                          <p:stCondLst>
+                                            <p:cond delay="0"/>
+                                          </p:stCondLst>
+                                        </p:cTn>
+                                        <p:tgtEl>
+                                          <p:spTgt spid="7"/>
+                                        </p:tgtEl>
+                                        <p:attrNameLst>
+                                          <p:attrName>style.visibility</p:attrName>
+                                        </p:attrNameLst>
+                                      </p:cBhvr>
+                                      <p:to>
+                                        <p:strVal val="visible"/>
+                                      </p:to>
+                                    </p:set>
+                                  </p:childTnLst>
+                                </p:cTn>
+                              </p:par>
+                              <p:par>
+                                <p:cTn id="93" presetID="1" presetClass="entr" presetSubtype="0" fill="hold" grpId="0" nodeType="withEffect">
+                                  <p:stCondLst>
+                                    <p:cond delay="0"/>
+                                  </p:stCondLst>
+                                  <p:childTnLst>
+                                    <p:set>
+                                      <p:cBhvr>
+                                        <p:cTn id="94" dur="1" fill="hold">
+                                          <p:stCondLst>
+                                            <p:cond delay="0"/>
+                                          </p:stCondLst>
+                                        </p:cTn>
+                                        <p:tgtEl>
+                                          <p:spTgt spid="5"/>
+                                        </p:tgtEl>
+                                        <p:attrNameLst>
+                                          <p:attrName>style.visibility</p:attrName>
+                                        </p:attrNameLst>
+                                      </p:cBhvr>
+                                      <p:to>
+                                        <p:strVal val="visible"/>
+                                      </p:to>
+                                    </p:set>
+                                  </p:childTnLst>
+                                </p:cTn>
+                              </p:par>
+                            </p:childTnLst>
+                          </p:cTn>
+                        </p:par>
+                      </p:childTnLst>
+                    </p:cTn>
+                  </p:par>
+                </p:childTnLst>
+              </p:cTn>
+              <p:prevCondLst>
+                <p:cond evt="onPrev" delay="0">
+                  <p:tgtEl>
+                    <p:sldTgt/>
+                  </p:tgtEl>
+                </p:cond>
+              </p:prevCondLst>
+              <p:nextCondLst>
+                <p:cond evt="onNext" delay="0">
+                  <p:tgtEl>
+                    <p:sldTgt/>
+                  </p:tgtEl>
+                </p:cond>
+              </p:nextCondLst>
+            </p:seq>
+          </p:childTnLst>
+        </p:cTn>
+      </p:par>
+    </p:tnLst>
+    <p:bldLst>
+      <p:bldP spid="22" grpId="0"/>
+      <p:bldP spid="39" grpId="0"/>
+      <p:bldP spid="41" grpId="0"/>
+      <p:bldP spid="43" grpId="0"/>
+      <p:bldP spid="55" grpId="0"/>
+      <p:bldP spid="57" grpId="0"/>
+      <p:bldP spid="59" grpId="0"/>
+      <p:bldP spid="6" grpId="0"/>
+      <p:bldP spid="8" grpId="0"/>
+      <p:bldP spid="10" grpId="0"/>
+      <p:bldP spid="12" grpId="0"/>
+      <p:bldP spid="18" grpId="0"/>
+      <p:bldP spid="20" grpId="0"/>
+      <p:bldP spid="23" grpId="0"/>
+      <p:bldP spid="25" grpId="0"/>
+      <p:bldP spid="5" grpId="0"/>
+      <p:bldP spid="7" grpId="0" animBg="1"/>
+      <p:bldP spid="9" grpId="0"/>
+      <p:bldP spid="14" grpId="0"/>
+      <p:bldP spid="16" grpId="0"/>
+      <p:bldP spid="19" grpId="0"/>
+      <p:bldP spid="24" grpId="0"/>
+    </p:bldLst>
+  </p:timing>
 </p:sld>
 </file>
 

--- a/Matched Filter.pptx
+++ b/Matched Filter.pptx
@@ -262,7 +262,7 @@
           <a:p>
             <a:fld id="{E103D35A-DC37-463B-9812-D1385B3C8208}" type="datetimeFigureOut">
               <a:rPr lang="en-DE" smtClean="0"/>
-              <a:t>28/03/2023</a:t>
+              <a:t>04/05/2023</a:t>
             </a:fld>
             <a:endParaRPr lang="en-DE"/>
           </a:p>
@@ -462,7 +462,7 @@
           <a:p>
             <a:fld id="{E103D35A-DC37-463B-9812-D1385B3C8208}" type="datetimeFigureOut">
               <a:rPr lang="en-DE" smtClean="0"/>
-              <a:t>28/03/2023</a:t>
+              <a:t>04/05/2023</a:t>
             </a:fld>
             <a:endParaRPr lang="en-DE"/>
           </a:p>
@@ -708,7 +708,7 @@
           <a:p>
             <a:fld id="{E103D35A-DC37-463B-9812-D1385B3C8208}" type="datetimeFigureOut">
               <a:rPr lang="en-DE" smtClean="0"/>
-              <a:t>28/03/2023</a:t>
+              <a:t>04/05/2023</a:t>
             </a:fld>
             <a:endParaRPr lang="en-DE"/>
           </a:p>
@@ -1306,13 +1306,13 @@
               <a:rPr lang="en-US" sz="4000" dirty="0">
                 <a:latin typeface="+mn-lt"/>
               </a:rPr>
-              <a:t> Theory </a:t>
+              <a:t> </a:t>
             </a:r>
             <a:r>
-              <a:rPr lang="en-DE" sz="4000" dirty="0">
+              <a:rPr lang="en-US" sz="4000" dirty="0" smtClean="0">
                 <a:latin typeface="+mn-lt"/>
               </a:rPr>
-              <a:t>and Mathematical Model of Matched Filtering in frequency domain</a:t>
+              <a:t>Matched Filter derivation with modelling in Python</a:t>
             </a:r>
             <a:endParaRPr lang="ru-RU" sz="4000" dirty="0">
               <a:latin typeface="+mn-lt"/>
@@ -1388,7 +1388,7 @@
           <p:nvPr/>
         </p:nvPicPr>
         <p:blipFill>
-          <a:blip r:embed="rId2">
+          <a:blip r:embed="rId2" cstate="hqprint">
             <a:extLst>
               <a:ext uri="{28A0092B-C50C-407E-A947-70E740481C1C}">
                 <a14:useLocalDpi xmlns:a14="http://schemas.microsoft.com/office/drawing/2010/main" val="0"/>
@@ -1443,6 +1443,13 @@
   <p:clrMapOvr>
     <a:masterClrMapping/>
   </p:clrMapOvr>
+  <p:timing>
+    <p:tnLst>
+      <p:par>
+        <p:cTn id="1" dur="indefinite" restart="never" nodeType="tmRoot"/>
+      </p:par>
+    </p:tnLst>
+  </p:timing>
 </p:sld>
 </file>
 
@@ -1471,7 +1478,7 @@
                 <a16:creationId xmlns:a16="http://schemas.microsoft.com/office/drawing/2014/main" id="{982413CC-69E6-4BDA-A88D-E4EF8F95B27D}"/>
               </a:ext>
               <a:ext uri="{C183D7F6-B498-43B3-948B-1728B52AA6E4}">
-                <adec:decorative xmlns:adec="http://schemas.microsoft.com/office/drawing/2017/decorative" val="1"/>
+                <adec:decorative xmlns:adec="http://schemas.microsoft.com/office/drawing/2017/decorative" xmlns="" val="1"/>
               </a:ext>
             </a:extLst>
           </p:cNvPr>
@@ -1531,7 +1538,7 @@
                 <a16:creationId xmlns:a16="http://schemas.microsoft.com/office/drawing/2014/main" id="{4F1F7357-8633-4CE7-BF80-475EE8A2FAEA}"/>
               </a:ext>
               <a:ext uri="{C183D7F6-B498-43B3-948B-1728B52AA6E4}">
-                <adec:decorative xmlns:adec="http://schemas.microsoft.com/office/drawing/2017/decorative" val="1"/>
+                <adec:decorative xmlns:adec="http://schemas.microsoft.com/office/drawing/2017/decorative" xmlns="" val="1"/>
               </a:ext>
             </a:extLst>
           </p:cNvPr>
@@ -1562,7 +1569,7 @@
                   <a16:creationId xmlns:a16="http://schemas.microsoft.com/office/drawing/2014/main" id="{E402FE4E-C12D-497C-AF81-F08E4E02B457}"/>
                 </a:ext>
                 <a:ext uri="{C183D7F6-B498-43B3-948B-1728B52AA6E4}">
-                  <adec:decorative xmlns:adec="http://schemas.microsoft.com/office/drawing/2017/decorative" val="1"/>
+                  <adec:decorative xmlns:adec="http://schemas.microsoft.com/office/drawing/2017/decorative" xmlns="" val="1"/>
                 </a:ext>
               </a:extLst>
             </p:cNvPr>
@@ -1655,7 +1662,7 @@
                   <a16:creationId xmlns:a16="http://schemas.microsoft.com/office/drawing/2014/main" id="{59247B10-170D-4E62-849A-38FCB43C6AF9}"/>
                 </a:ext>
                 <a:ext uri="{C183D7F6-B498-43B3-948B-1728B52AA6E4}">
-                  <adec:decorative xmlns:adec="http://schemas.microsoft.com/office/drawing/2017/decorative" val="1"/>
+                  <adec:decorative xmlns:adec="http://schemas.microsoft.com/office/drawing/2017/decorative" xmlns="" val="1"/>
                 </a:ext>
               </a:extLst>
             </p:cNvPr>
@@ -1748,7 +1755,7 @@
                   <a16:creationId xmlns:a16="http://schemas.microsoft.com/office/drawing/2014/main" id="{89A587A7-1BEF-45AA-9EFC-6558A8749CE3}"/>
                 </a:ext>
                 <a:ext uri="{C183D7F6-B498-43B3-948B-1728B52AA6E4}">
-                  <adec:decorative xmlns:adec="http://schemas.microsoft.com/office/drawing/2017/decorative" val="1"/>
+                  <adec:decorative xmlns:adec="http://schemas.microsoft.com/office/drawing/2017/decorative" xmlns="" val="1"/>
                 </a:ext>
               </a:extLst>
             </p:cNvPr>
@@ -1841,7 +1848,7 @@
                   <a16:creationId xmlns:a16="http://schemas.microsoft.com/office/drawing/2014/main" id="{AC25B5A1-6EF7-44EC-A2F0-1EDC96A79B07}"/>
                 </a:ext>
                 <a:ext uri="{C183D7F6-B498-43B3-948B-1728B52AA6E4}">
-                  <adec:decorative xmlns:adec="http://schemas.microsoft.com/office/drawing/2017/decorative" val="1"/>
+                  <adec:decorative xmlns:adec="http://schemas.microsoft.com/office/drawing/2017/decorative" xmlns="" val="1"/>
                 </a:ext>
               </a:extLst>
             </p:cNvPr>
@@ -1934,7 +1941,7 @@
                   <a16:creationId xmlns:a16="http://schemas.microsoft.com/office/drawing/2014/main" id="{80B8582C-7E17-4115-9FF1-979C8405CB5E}"/>
                 </a:ext>
                 <a:ext uri="{C183D7F6-B498-43B3-948B-1728B52AA6E4}">
-                  <adec:decorative xmlns:adec="http://schemas.microsoft.com/office/drawing/2017/decorative" val="1"/>
+                  <adec:decorative xmlns:adec="http://schemas.microsoft.com/office/drawing/2017/decorative" xmlns="" val="1"/>
                 </a:ext>
               </a:extLst>
             </p:cNvPr>
@@ -2027,7 +2034,7 @@
                   <a16:creationId xmlns:a16="http://schemas.microsoft.com/office/drawing/2014/main" id="{F6C4AB66-7A18-4E51-935B-237F4CA82720}"/>
                 </a:ext>
                 <a:ext uri="{C183D7F6-B498-43B3-948B-1728B52AA6E4}">
-                  <adec:decorative xmlns:adec="http://schemas.microsoft.com/office/drawing/2017/decorative" val="1"/>
+                  <adec:decorative xmlns:adec="http://schemas.microsoft.com/office/drawing/2017/decorative" xmlns="" val="1"/>
                 </a:ext>
               </a:extLst>
             </p:cNvPr>
@@ -2120,7 +2127,7 @@
                   <a16:creationId xmlns:a16="http://schemas.microsoft.com/office/drawing/2014/main" id="{CDF12911-A240-4580-8788-0C49DB1FEDBF}"/>
                 </a:ext>
                 <a:ext uri="{C183D7F6-B498-43B3-948B-1728B52AA6E4}">
-                  <adec:decorative xmlns:adec="http://schemas.microsoft.com/office/drawing/2017/decorative" val="1"/>
+                  <adec:decorative xmlns:adec="http://schemas.microsoft.com/office/drawing/2017/decorative" xmlns="" val="1"/>
                 </a:ext>
               </a:extLst>
             </p:cNvPr>
@@ -2213,7 +2220,7 @@
                   <a16:creationId xmlns:a16="http://schemas.microsoft.com/office/drawing/2014/main" id="{EAE0F5DE-442D-4F6C-B02C-2568ED195858}"/>
                 </a:ext>
                 <a:ext uri="{C183D7F6-B498-43B3-948B-1728B52AA6E4}">
-                  <adec:decorative xmlns:adec="http://schemas.microsoft.com/office/drawing/2017/decorative" val="1"/>
+                  <adec:decorative xmlns:adec="http://schemas.microsoft.com/office/drawing/2017/decorative" xmlns="" val="1"/>
                 </a:ext>
               </a:extLst>
             </p:cNvPr>
@@ -2306,7 +2313,7 @@
                   <a16:creationId xmlns:a16="http://schemas.microsoft.com/office/drawing/2014/main" id="{4F24A002-AFDE-4034-85BE-CBF005AE9238}"/>
                 </a:ext>
                 <a:ext uri="{C183D7F6-B498-43B3-948B-1728B52AA6E4}">
-                  <adec:decorative xmlns:adec="http://schemas.microsoft.com/office/drawing/2017/decorative" val="1"/>
+                  <adec:decorative xmlns:adec="http://schemas.microsoft.com/office/drawing/2017/decorative" xmlns="" val="1"/>
                 </a:ext>
               </a:extLst>
             </p:cNvPr>
@@ -2399,7 +2406,7 @@
                   <a16:creationId xmlns:a16="http://schemas.microsoft.com/office/drawing/2014/main" id="{36F0721E-B4B0-4A6C-A92C-F8DE92D3AC02}"/>
                 </a:ext>
                 <a:ext uri="{C183D7F6-B498-43B3-948B-1728B52AA6E4}">
-                  <adec:decorative xmlns:adec="http://schemas.microsoft.com/office/drawing/2017/decorative" val="1"/>
+                  <adec:decorative xmlns:adec="http://schemas.microsoft.com/office/drawing/2017/decorative" xmlns="" val="1"/>
                 </a:ext>
               </a:extLst>
             </p:cNvPr>
@@ -2492,7 +2499,7 @@
                   <a16:creationId xmlns:a16="http://schemas.microsoft.com/office/drawing/2014/main" id="{54D2DC98-69F8-4F2F-9D45-BDFFA5E2BBBB}"/>
                 </a:ext>
                 <a:ext uri="{C183D7F6-B498-43B3-948B-1728B52AA6E4}">
-                  <adec:decorative xmlns:adec="http://schemas.microsoft.com/office/drawing/2017/decorative" val="1"/>
+                  <adec:decorative xmlns:adec="http://schemas.microsoft.com/office/drawing/2017/decorative" xmlns="" val="1"/>
                 </a:ext>
               </a:extLst>
             </p:cNvPr>
@@ -2585,7 +2592,7 @@
                   <a16:creationId xmlns:a16="http://schemas.microsoft.com/office/drawing/2014/main" id="{0A636E33-DC38-40B9-B941-037E5D8603F4}"/>
                 </a:ext>
                 <a:ext uri="{C183D7F6-B498-43B3-948B-1728B52AA6E4}">
-                  <adec:decorative xmlns:adec="http://schemas.microsoft.com/office/drawing/2017/decorative" val="1"/>
+                  <adec:decorative xmlns:adec="http://schemas.microsoft.com/office/drawing/2017/decorative" xmlns="" val="1"/>
                 </a:ext>
               </a:extLst>
             </p:cNvPr>
@@ -2678,7 +2685,7 @@
                   <a16:creationId xmlns:a16="http://schemas.microsoft.com/office/drawing/2014/main" id="{03D30690-68C2-4AEC-9789-1495D97E194F}"/>
                 </a:ext>
                 <a:ext uri="{C183D7F6-B498-43B3-948B-1728B52AA6E4}">
-                  <adec:decorative xmlns:adec="http://schemas.microsoft.com/office/drawing/2017/decorative" val="1"/>
+                  <adec:decorative xmlns:adec="http://schemas.microsoft.com/office/drawing/2017/decorative" xmlns="" val="1"/>
                 </a:ext>
               </a:extLst>
             </p:cNvPr>
@@ -2771,7 +2778,7 @@
                   <a16:creationId xmlns:a16="http://schemas.microsoft.com/office/drawing/2014/main" id="{1020B1B9-821B-49FB-BDC9-57DA08CBC30A}"/>
                 </a:ext>
                 <a:ext uri="{C183D7F6-B498-43B3-948B-1728B52AA6E4}">
-                  <adec:decorative xmlns:adec="http://schemas.microsoft.com/office/drawing/2017/decorative" val="1"/>
+                  <adec:decorative xmlns:adec="http://schemas.microsoft.com/office/drawing/2017/decorative" xmlns="" val="1"/>
                 </a:ext>
               </a:extLst>
             </p:cNvPr>
@@ -2864,7 +2871,7 @@
                   <a16:creationId xmlns:a16="http://schemas.microsoft.com/office/drawing/2014/main" id="{720EDCE4-8B18-413F-989E-E79628E5AF1F}"/>
                 </a:ext>
                 <a:ext uri="{C183D7F6-B498-43B3-948B-1728B52AA6E4}">
-                  <adec:decorative xmlns:adec="http://schemas.microsoft.com/office/drawing/2017/decorative" val="1"/>
+                  <adec:decorative xmlns:adec="http://schemas.microsoft.com/office/drawing/2017/decorative" xmlns="" val="1"/>
                 </a:ext>
               </a:extLst>
             </p:cNvPr>
@@ -2957,7 +2964,7 @@
                   <a16:creationId xmlns:a16="http://schemas.microsoft.com/office/drawing/2014/main" id="{8563351E-0DDD-4FC8-8D0C-1E446E3C1B52}"/>
                 </a:ext>
                 <a:ext uri="{C183D7F6-B498-43B3-948B-1728B52AA6E4}">
-                  <adec:decorative xmlns:adec="http://schemas.microsoft.com/office/drawing/2017/decorative" val="1"/>
+                  <adec:decorative xmlns:adec="http://schemas.microsoft.com/office/drawing/2017/decorative" xmlns="" val="1"/>
                 </a:ext>
               </a:extLst>
             </p:cNvPr>
@@ -3050,7 +3057,7 @@
                   <a16:creationId xmlns:a16="http://schemas.microsoft.com/office/drawing/2014/main" id="{15E8B705-64E7-4513-B3CB-BF46C35732B0}"/>
                 </a:ext>
                 <a:ext uri="{C183D7F6-B498-43B3-948B-1728B52AA6E4}">
-                  <adec:decorative xmlns:adec="http://schemas.microsoft.com/office/drawing/2017/decorative" val="1"/>
+                  <adec:decorative xmlns:adec="http://schemas.microsoft.com/office/drawing/2017/decorative" xmlns="" val="1"/>
                 </a:ext>
               </a:extLst>
             </p:cNvPr>
@@ -3143,7 +3150,7 @@
                   <a16:creationId xmlns:a16="http://schemas.microsoft.com/office/drawing/2014/main" id="{30DAEE1C-EBB5-47F5-9E76-564FCFDBFC24}"/>
                 </a:ext>
                 <a:ext uri="{C183D7F6-B498-43B3-948B-1728B52AA6E4}">
-                  <adec:decorative xmlns:adec="http://schemas.microsoft.com/office/drawing/2017/decorative" val="1"/>
+                  <adec:decorative xmlns:adec="http://schemas.microsoft.com/office/drawing/2017/decorative" xmlns="" val="1"/>
                 </a:ext>
               </a:extLst>
             </p:cNvPr>
@@ -3236,7 +3243,7 @@
                   <a16:creationId xmlns:a16="http://schemas.microsoft.com/office/drawing/2014/main" id="{EDB255E9-A3E2-4098-99A1-FE38FAD15DA1}"/>
                 </a:ext>
                 <a:ext uri="{C183D7F6-B498-43B3-948B-1728B52AA6E4}">
-                  <adec:decorative xmlns:adec="http://schemas.microsoft.com/office/drawing/2017/decorative" val="1"/>
+                  <adec:decorative xmlns:adec="http://schemas.microsoft.com/office/drawing/2017/decorative" xmlns="" val="1"/>
                 </a:ext>
               </a:extLst>
             </p:cNvPr>
@@ -3329,7 +3336,7 @@
                   <a16:creationId xmlns:a16="http://schemas.microsoft.com/office/drawing/2014/main" id="{D2507F2A-27AF-4833-8273-5FC9A9886392}"/>
                 </a:ext>
                 <a:ext uri="{C183D7F6-B498-43B3-948B-1728B52AA6E4}">
-                  <adec:decorative xmlns:adec="http://schemas.microsoft.com/office/drawing/2017/decorative" val="1"/>
+                  <adec:decorative xmlns:adec="http://schemas.microsoft.com/office/drawing/2017/decorative" xmlns="" val="1"/>
                 </a:ext>
               </a:extLst>
             </p:cNvPr>
@@ -3422,7 +3429,7 @@
                   <a16:creationId xmlns:a16="http://schemas.microsoft.com/office/drawing/2014/main" id="{8DFB8904-0CB8-45AD-ABD2-F7A582365E86}"/>
                 </a:ext>
                 <a:ext uri="{C183D7F6-B498-43B3-948B-1728B52AA6E4}">
-                  <adec:decorative xmlns:adec="http://schemas.microsoft.com/office/drawing/2017/decorative" val="1"/>
+                  <adec:decorative xmlns:adec="http://schemas.microsoft.com/office/drawing/2017/decorative" xmlns="" val="1"/>
                 </a:ext>
               </a:extLst>
             </p:cNvPr>
@@ -3643,8 +3650,8 @@
             </p:nvSpPr>
             <p:spPr>
               <a:xfrm>
-                <a:off x="6072078" y="264581"/>
-                <a:ext cx="5354485" cy="369332"/>
+                <a:off x="5031263" y="181779"/>
+                <a:ext cx="7031431" cy="369332"/>
               </a:xfrm>
               <a:prstGeom prst="rect">
                 <a:avLst/>
@@ -3661,7 +3668,7 @@
                 <a14:m>
                   <m:oMathPara xmlns:m="http://schemas.openxmlformats.org/officeDocument/2006/math">
                     <m:oMathParaPr>
-                      <m:jc m:val="centerGroup"/>
+                      <m:jc m:val="left"/>
                     </m:oMathParaPr>
                     <m:oMath xmlns:m="http://schemas.openxmlformats.org/officeDocument/2006/math">
                       <m:r>
@@ -3739,6 +3746,42 @@
                           <a:latin typeface="Cambria Math" panose="02040503050406030204" pitchFamily="18" charset="0"/>
                         </a:rPr>
                         <m:t>𝑠𝑖𝑔𝑛𝑎𝑙</m:t>
+                      </m:r>
+                      <m:r>
+                        <a:rPr lang="en-US" b="0" i="1" smtClean="0">
+                          <a:latin typeface="Cambria Math" panose="02040503050406030204" pitchFamily="18" charset="0"/>
+                        </a:rPr>
+                        <m:t> </m:t>
+                      </m:r>
+                      <m:r>
+                        <a:rPr lang="en-US" b="0" i="1" smtClean="0">
+                          <a:latin typeface="Cambria Math" panose="02040503050406030204" pitchFamily="18" charset="0"/>
+                        </a:rPr>
+                        <m:t>𝑤𝑖𝑡h</m:t>
+                      </m:r>
+                      <m:r>
+                        <a:rPr lang="en-US" b="0" i="1" smtClean="0">
+                          <a:latin typeface="Cambria Math" panose="02040503050406030204" pitchFamily="18" charset="0"/>
+                        </a:rPr>
+                        <m:t> </m:t>
+                      </m:r>
+                      <m:r>
+                        <a:rPr lang="en-US" b="0" i="1" smtClean="0">
+                          <a:latin typeface="Cambria Math" panose="02040503050406030204" pitchFamily="18" charset="0"/>
+                        </a:rPr>
+                        <m:t>𝑢𝑛𝑖𝑡𝑦</m:t>
+                      </m:r>
+                      <m:r>
+                        <a:rPr lang="en-US" b="0" i="1" smtClean="0">
+                          <a:latin typeface="Cambria Math" panose="02040503050406030204" pitchFamily="18" charset="0"/>
+                        </a:rPr>
+                        <m:t> </m:t>
+                      </m:r>
+                      <m:r>
+                        <a:rPr lang="en-US" b="0" i="1" smtClean="0">
+                          <a:latin typeface="Cambria Math" panose="02040503050406030204" pitchFamily="18" charset="0"/>
+                        </a:rPr>
+                        <m:t>𝑝𝑜𝑤𝑒𝑟</m:t>
                       </m:r>
                       <m:r>
                         <a:rPr lang="en-DE" i="0">
@@ -3795,8 +3838,8 @@
             </p:nvSpPr>
             <p:spPr>
               <a:xfrm>
-                <a:off x="6072078" y="264581"/>
-                <a:ext cx="5354485" cy="369332"/>
+                <a:off x="5031263" y="181779"/>
+                <a:ext cx="7031431" cy="369332"/>
               </a:xfrm>
               <a:prstGeom prst="rect">
                 <a:avLst/>
@@ -3804,7 +3847,7 @@
               <a:blipFill>
                 <a:blip r:embed="rId3"/>
                 <a:stretch>
-                  <a:fillRect b="-13115"/>
+                  <a:fillRect b="-13333"/>
                 </a:stretch>
               </a:blipFill>
             </p:spPr>
@@ -3813,7 +3856,7 @@
               <a:lstStyle/>
               <a:p>
                 <a:r>
-                  <a:rPr lang="en-DE">
+                  <a:rPr lang="ru-RU">
                     <a:noFill/>
                   </a:rPr>
                   <a:t> </a:t>
@@ -3823,8 +3866,8 @@
           </p:sp>
         </mc:Fallback>
       </mc:AlternateContent>
-      <mc:AlternateContent xmlns:mc="http://schemas.openxmlformats.org/markup-compatibility/2006" xmlns:a14="http://schemas.microsoft.com/office/drawing/2010/main">
-        <mc:Choice Requires="a14">
+      <mc:AlternateContent xmlns:mc="http://schemas.openxmlformats.org/markup-compatibility/2006">
+        <mc:Choice xmlns:a14="http://schemas.microsoft.com/office/drawing/2010/main" Requires="a14">
           <p:sp>
             <p:nvSpPr>
               <p:cNvPr id="41" name="TextBox 40">
@@ -3839,8 +3882,8 @@
             </p:nvSpPr>
             <p:spPr>
               <a:xfrm>
-                <a:off x="6119923" y="617358"/>
-                <a:ext cx="3704519" cy="369332"/>
+                <a:off x="5039227" y="561436"/>
+                <a:ext cx="6885829" cy="369332"/>
               </a:xfrm>
               <a:prstGeom prst="rect">
                 <a:avLst/>
@@ -3857,7 +3900,7 @@
                 <a14:m>
                   <m:oMathPara xmlns:m="http://schemas.openxmlformats.org/officeDocument/2006/math">
                     <m:oMathParaPr>
-                      <m:jc m:val="centerGroup"/>
+                      <m:jc m:val="left"/>
                     </m:oMathParaPr>
                     <m:oMath xmlns:m="http://schemas.openxmlformats.org/officeDocument/2006/math">
                       <m:r>
@@ -3936,6 +3979,42 @@
                         </a:rPr>
                         <m:t>𝑛𝑜𝑖𝑠𝑒</m:t>
                       </m:r>
+                      <m:r>
+                        <a:rPr lang="en-US" b="0" i="1" smtClean="0">
+                          <a:latin typeface="Cambria Math" panose="02040503050406030204" pitchFamily="18" charset="0"/>
+                        </a:rPr>
+                        <m:t> </m:t>
+                      </m:r>
+                      <m:r>
+                        <a:rPr lang="en-US" i="1">
+                          <a:latin typeface="Cambria Math" panose="02040503050406030204" pitchFamily="18" charset="0"/>
+                        </a:rPr>
+                        <m:t>𝑤𝑖𝑡h</m:t>
+                      </m:r>
+                      <m:r>
+                        <a:rPr lang="en-US" i="1">
+                          <a:latin typeface="Cambria Math" panose="02040503050406030204" pitchFamily="18" charset="0"/>
+                        </a:rPr>
+                        <m:t> </m:t>
+                      </m:r>
+                      <m:r>
+                        <a:rPr lang="en-US" i="1">
+                          <a:latin typeface="Cambria Math" panose="02040503050406030204" pitchFamily="18" charset="0"/>
+                        </a:rPr>
+                        <m:t>𝑢𝑛𝑖𝑡𝑦</m:t>
+                      </m:r>
+                      <m:r>
+                        <a:rPr lang="en-US" i="1">
+                          <a:latin typeface="Cambria Math" panose="02040503050406030204" pitchFamily="18" charset="0"/>
+                        </a:rPr>
+                        <m:t> </m:t>
+                      </m:r>
+                      <m:r>
+                        <a:rPr lang="en-US" i="1">
+                          <a:latin typeface="Cambria Math" panose="02040503050406030204" pitchFamily="18" charset="0"/>
+                        </a:rPr>
+                        <m:t>𝑝𝑜𝑤𝑒𝑟</m:t>
+                      </m:r>
                     </m:oMath>
                   </m:oMathPara>
                 </a14:m>
@@ -3944,7 +4023,7 @@
             </p:txBody>
           </p:sp>
         </mc:Choice>
-        <mc:Fallback xmlns="">
+        <mc:Fallback>
           <p:sp>
             <p:nvSpPr>
               <p:cNvPr id="41" name="TextBox 40">
@@ -3961,8 +4040,8 @@
             </p:nvSpPr>
             <p:spPr>
               <a:xfrm>
-                <a:off x="6119923" y="617358"/>
-                <a:ext cx="3704519" cy="369332"/>
+                <a:off x="5039227" y="561436"/>
+                <a:ext cx="6885829" cy="369332"/>
               </a:xfrm>
               <a:prstGeom prst="rect">
                 <a:avLst/>
@@ -3979,7 +4058,7 @@
               <a:lstStyle/>
               <a:p>
                 <a:r>
-                  <a:rPr lang="en-DE">
+                  <a:rPr lang="ru-RU">
                     <a:noFill/>
                   </a:rPr>
                   <a:t> </a:t>
@@ -4005,7 +4084,7 @@
             </p:nvSpPr>
             <p:spPr>
               <a:xfrm>
-                <a:off x="6178763" y="960607"/>
+                <a:off x="5010980" y="978814"/>
                 <a:ext cx="3633410" cy="369332"/>
               </a:xfrm>
               <a:prstGeom prst="rect">
@@ -4115,7 +4194,7 @@
             </p:nvSpPr>
             <p:spPr>
               <a:xfrm>
-                <a:off x="6178763" y="960607"/>
+                <a:off x="5010980" y="978814"/>
                 <a:ext cx="3633410" cy="369332"/>
               </a:xfrm>
               <a:prstGeom prst="rect">
@@ -4133,7 +4212,7 @@
               <a:lstStyle/>
               <a:p>
                 <a:r>
-                  <a:rPr lang="en-DE">
+                  <a:rPr lang="ru-RU">
                     <a:noFill/>
                   </a:rPr>
                   <a:t> </a:t>
@@ -4170,7 +4249,7 @@
         </p:blipFill>
         <p:spPr>
           <a:xfrm>
-            <a:off x="9712436" y="682871"/>
+            <a:off x="8881179" y="953745"/>
             <a:ext cx="2347402" cy="905050"/>
           </a:xfrm>
           <a:prstGeom prst="rect">
@@ -4178,8 +4257,8 @@
           </a:prstGeom>
         </p:spPr>
       </p:pic>
-      <mc:AlternateContent xmlns:mc="http://schemas.openxmlformats.org/markup-compatibility/2006">
-        <mc:Choice xmlns:a14="http://schemas.microsoft.com/office/drawing/2010/main" Requires="a14">
+      <mc:AlternateContent xmlns:mc="http://schemas.openxmlformats.org/markup-compatibility/2006" xmlns:a14="http://schemas.microsoft.com/office/drawing/2010/main">
+        <mc:Choice Requires="a14">
           <p:sp>
             <p:nvSpPr>
               <p:cNvPr id="55" name="TextBox 54">
@@ -4194,7 +4273,7 @@
             </p:nvSpPr>
             <p:spPr>
               <a:xfrm>
-                <a:off x="6003452" y="2693973"/>
+                <a:off x="1135320" y="4297163"/>
                 <a:ext cx="2923202" cy="871457"/>
               </a:xfrm>
               <a:prstGeom prst="rect">
@@ -4406,7 +4485,7 @@
             </p:txBody>
           </p:sp>
         </mc:Choice>
-        <mc:Fallback>
+        <mc:Fallback xmlns="">
           <p:sp>
             <p:nvSpPr>
               <p:cNvPr id="55" name="TextBox 54">
@@ -4423,7 +4502,7 @@
             </p:nvSpPr>
             <p:spPr>
               <a:xfrm>
-                <a:off x="6003452" y="2693973"/>
+                <a:off x="1135320" y="4297163"/>
                 <a:ext cx="2923202" cy="871457"/>
               </a:xfrm>
               <a:prstGeom prst="rect">
@@ -4441,7 +4520,7 @@
               <a:lstStyle/>
               <a:p>
                 <a:r>
-                  <a:rPr lang="en-DE">
+                  <a:rPr lang="ru-RU">
                     <a:noFill/>
                   </a:rPr>
                   <a:t> </a:t>
@@ -4451,8 +4530,8 @@
           </p:sp>
         </mc:Fallback>
       </mc:AlternateContent>
-      <mc:AlternateContent xmlns:mc="http://schemas.openxmlformats.org/markup-compatibility/2006">
-        <mc:Choice xmlns:a14="http://schemas.microsoft.com/office/drawing/2010/main" Requires="a14">
+      <mc:AlternateContent xmlns:mc="http://schemas.openxmlformats.org/markup-compatibility/2006" xmlns:a14="http://schemas.microsoft.com/office/drawing/2010/main">
+        <mc:Choice Requires="a14">
           <p:sp>
             <p:nvSpPr>
               <p:cNvPr id="57" name="TextBox 56">
@@ -4467,7 +4546,7 @@
             </p:nvSpPr>
             <p:spPr>
               <a:xfrm>
-                <a:off x="4397034" y="1641392"/>
+                <a:off x="5050175" y="1448930"/>
                 <a:ext cx="1849275" cy="369332"/>
               </a:xfrm>
               <a:prstGeom prst="rect">
@@ -4592,7 +4671,7 @@
             </p:txBody>
           </p:sp>
         </mc:Choice>
-        <mc:Fallback>
+        <mc:Fallback xmlns="">
           <p:sp>
             <p:nvSpPr>
               <p:cNvPr id="57" name="TextBox 56">
@@ -4609,7 +4688,7 @@
             </p:nvSpPr>
             <p:spPr>
               <a:xfrm>
-                <a:off x="4397034" y="1641392"/>
+                <a:off x="5050175" y="1448930"/>
                 <a:ext cx="1849275" cy="369332"/>
               </a:xfrm>
               <a:prstGeom prst="rect">
@@ -4627,3840 +4706,7 @@
               <a:lstStyle/>
               <a:p>
                 <a:r>
-                  <a:rPr lang="en-DE">
-                    <a:noFill/>
-                  </a:rPr>
-                  <a:t> </a:t>
-                </a:r>
-              </a:p>
-            </p:txBody>
-          </p:sp>
-        </mc:Fallback>
-      </mc:AlternateContent>
-      <mc:AlternateContent xmlns:mc="http://schemas.openxmlformats.org/markup-compatibility/2006">
-        <mc:Choice xmlns:a14="http://schemas.microsoft.com/office/drawing/2010/main" Requires="a14">
-          <p:sp>
-            <p:nvSpPr>
-              <p:cNvPr id="59" name="TextBox 58">
-                <a:extLst>
-                  <a:ext uri="{FF2B5EF4-FFF2-40B4-BE49-F238E27FC236}">
-                    <a16:creationId xmlns:a16="http://schemas.microsoft.com/office/drawing/2014/main" id="{BC52BD5C-B734-DD06-898C-E750348DFCCA}"/>
-                  </a:ext>
-                </a:extLst>
-              </p:cNvPr>
-              <p:cNvSpPr txBox="1"/>
-              <p:nvPr/>
-            </p:nvSpPr>
-            <p:spPr>
-              <a:xfrm>
-                <a:off x="6246309" y="1392365"/>
-                <a:ext cx="5630720" cy="877997"/>
-              </a:xfrm>
-              <a:prstGeom prst="rect">
-                <a:avLst/>
-              </a:prstGeom>
-              <a:noFill/>
-            </p:spPr>
-            <p:txBody>
-              <a:bodyPr wrap="square">
-                <a:spAutoFit/>
-              </a:bodyPr>
-              <a:lstStyle/>
-              <a:p>
-                <a:pPr/>
-                <a14:m>
-                  <m:oMathPara xmlns:m="http://schemas.openxmlformats.org/officeDocument/2006/math">
-                    <m:oMathParaPr>
-                      <m:jc m:val="centerGroup"/>
-                    </m:oMathParaPr>
-                    <m:oMath xmlns:m="http://schemas.openxmlformats.org/officeDocument/2006/math">
-                      <m:r>
-                        <a:rPr lang="en-DE" i="1"/>
-                        <m:t>h𝑓</m:t>
-                      </m:r>
-                      <m:d>
-                        <m:dPr>
-                          <m:begChr m:val="["/>
-                          <m:endChr m:val="]"/>
-                          <m:ctrlPr>
-                            <a:rPr lang="en-DE" i="1"/>
-                          </m:ctrlPr>
-                        </m:dPr>
-                        <m:e>
-                          <m:r>
-                            <a:rPr lang="en-DE" i="1"/>
-                            <m:t>𝑚</m:t>
-                          </m:r>
-                        </m:e>
-                      </m:d>
-                      <m:r>
-                        <a:rPr lang="en-DE" i="1"/>
-                        <m:t>=</m:t>
-                      </m:r>
-                      <m:nary>
-                        <m:naryPr>
-                          <m:chr m:val="∑"/>
-                          <m:limLoc m:val="undOvr"/>
-                          <m:ctrlPr>
-                            <a:rPr lang="en-DE" i="1"/>
-                          </m:ctrlPr>
-                        </m:naryPr>
-                        <m:sub>
-                          <m:r>
-                            <a:rPr lang="en-DE" i="1"/>
-                            <m:t>𝑘</m:t>
-                          </m:r>
-                          <m:r>
-                            <a:rPr lang="en-DE" i="1"/>
-                            <m:t>=0</m:t>
-                          </m:r>
-                        </m:sub>
-                        <m:sup>
-                          <m:r>
-                            <a:rPr lang="en-DE" i="1"/>
-                            <m:t>𝑁</m:t>
-                          </m:r>
-                          <m:r>
-                            <a:rPr lang="en-DE" i="1"/>
-                            <m:t>−1</m:t>
-                          </m:r>
-                        </m:sup>
-                        <m:e>
-                          <m:r>
-                            <a:rPr lang="en-DE" i="1"/>
-                            <m:t>h</m:t>
-                          </m:r>
-                          <m:d>
-                            <m:dPr>
-                              <m:begChr m:val="["/>
-                              <m:endChr m:val="]"/>
-                              <m:ctrlPr>
-                                <a:rPr lang="en-DE" i="1"/>
-                              </m:ctrlPr>
-                            </m:dPr>
-                            <m:e>
-                              <m:r>
-                                <a:rPr lang="en-DE" i="1"/>
-                                <m:t>𝑘</m:t>
-                              </m:r>
-                            </m:e>
-                          </m:d>
-                          <m:r>
-                            <a:rPr lang="en-DE" i="1"/>
-                            <m:t>∙</m:t>
-                          </m:r>
-                        </m:e>
-                      </m:nary>
-                      <m:sSup>
-                        <m:sSupPr>
-                          <m:ctrlPr>
-                            <a:rPr lang="en-DE" i="1"/>
-                          </m:ctrlPr>
-                        </m:sSupPr>
-                        <m:e>
-                          <m:r>
-                            <a:rPr lang="en-DE" i="1"/>
-                            <m:t>𝑒</m:t>
-                          </m:r>
-                        </m:e>
-                        <m:sup>
-                          <m:r>
-                            <a:rPr lang="en-DE" i="1"/>
-                            <m:t>−</m:t>
-                          </m:r>
-                          <m:r>
-                            <a:rPr lang="en-DE" i="1"/>
-                            <m:t>𝑗</m:t>
-                          </m:r>
-                          <m:f>
-                            <m:fPr>
-                              <m:ctrlPr>
-                                <a:rPr lang="en-DE" i="1"/>
-                              </m:ctrlPr>
-                            </m:fPr>
-                            <m:num>
-                              <m:r>
-                                <a:rPr lang="en-DE" i="1"/>
-                                <m:t>2</m:t>
-                              </m:r>
-                              <m:r>
-                                <a:rPr lang="en-DE" i="1"/>
-                                <m:t>𝜋</m:t>
-                              </m:r>
-                            </m:num>
-                            <m:den>
-                              <m:r>
-                                <a:rPr lang="en-DE" i="1"/>
-                                <m:t>𝑁</m:t>
-                              </m:r>
-                            </m:den>
-                          </m:f>
-                          <m:r>
-                            <a:rPr lang="en-DE" i="1"/>
-                            <m:t>𝑘𝑚</m:t>
-                          </m:r>
-                        </m:sup>
-                      </m:sSup>
-                      <m:r>
-                        <a:rPr lang="en-DE" i="1"/>
-                        <m:t>=</m:t>
-                      </m:r>
-                      <m:nary>
-                        <m:naryPr>
-                          <m:chr m:val="∑"/>
-                          <m:limLoc m:val="undOvr"/>
-                          <m:ctrlPr>
-                            <a:rPr lang="en-DE" i="1"/>
-                          </m:ctrlPr>
-                        </m:naryPr>
-                        <m:sub>
-                          <m:r>
-                            <a:rPr lang="en-DE" i="1"/>
-                            <m:t>𝑘</m:t>
-                          </m:r>
-                          <m:r>
-                            <a:rPr lang="en-DE" i="1"/>
-                            <m:t>=0</m:t>
-                          </m:r>
-                        </m:sub>
-                        <m:sup>
-                          <m:r>
-                            <a:rPr lang="en-DE" i="1"/>
-                            <m:t>𝑁</m:t>
-                          </m:r>
-                          <m:r>
-                            <a:rPr lang="en-DE" i="1"/>
-                            <m:t>−1</m:t>
-                          </m:r>
-                        </m:sup>
-                        <m:e>
-                          <m:r>
-                            <a:rPr lang="en-DE" i="1"/>
-                            <m:t>𝑥</m:t>
-                          </m:r>
-                          <m:d>
-                            <m:dPr>
-                              <m:begChr m:val="["/>
-                              <m:endChr m:val="]"/>
-                              <m:ctrlPr>
-                                <a:rPr lang="en-DE" i="1"/>
-                              </m:ctrlPr>
-                            </m:dPr>
-                            <m:e>
-                              <m:sSub>
-                                <m:sSubPr>
-                                  <m:ctrlPr>
-                                    <a:rPr lang="en-DE" i="1"/>
-                                  </m:ctrlPr>
-                                </m:sSubPr>
-                                <m:e>
-                                  <m:r>
-                                    <a:rPr lang="en-DE" i="1"/>
-                                    <m:t>𝑘</m:t>
-                                  </m:r>
-                                </m:e>
-                                <m:sub>
-                                  <m:r>
-                                    <a:rPr lang="en-DE" i="1"/>
-                                    <m:t>0</m:t>
-                                  </m:r>
-                                </m:sub>
-                              </m:sSub>
-                              <m:r>
-                                <a:rPr lang="en-DE" i="1"/>
-                                <m:t>−</m:t>
-                              </m:r>
-                              <m:r>
-                                <a:rPr lang="en-DE" i="1"/>
-                                <m:t>𝑘</m:t>
-                              </m:r>
-                            </m:e>
-                          </m:d>
-                          <m:r>
-                            <a:rPr lang="en-DE" i="1"/>
-                            <m:t>∙</m:t>
-                          </m:r>
-                        </m:e>
-                      </m:nary>
-                      <m:sSup>
-                        <m:sSupPr>
-                          <m:ctrlPr>
-                            <a:rPr lang="en-DE" i="1"/>
-                          </m:ctrlPr>
-                        </m:sSupPr>
-                        <m:e>
-                          <m:r>
-                            <a:rPr lang="en-DE" i="1"/>
-                            <m:t>𝑒</m:t>
-                          </m:r>
-                        </m:e>
-                        <m:sup>
-                          <m:r>
-                            <a:rPr lang="en-DE" i="1"/>
-                            <m:t>−</m:t>
-                          </m:r>
-                          <m:r>
-                            <a:rPr lang="en-DE" i="1"/>
-                            <m:t>𝑗</m:t>
-                          </m:r>
-                          <m:f>
-                            <m:fPr>
-                              <m:ctrlPr>
-                                <a:rPr lang="en-DE" i="1"/>
-                              </m:ctrlPr>
-                            </m:fPr>
-                            <m:num>
-                              <m:r>
-                                <a:rPr lang="en-DE" i="1"/>
-                                <m:t>2</m:t>
-                              </m:r>
-                              <m:r>
-                                <a:rPr lang="en-DE" i="1"/>
-                                <m:t>𝜋</m:t>
-                              </m:r>
-                            </m:num>
-                            <m:den>
-                              <m:r>
-                                <a:rPr lang="en-DE" i="1"/>
-                                <m:t>𝑁</m:t>
-                              </m:r>
-                            </m:den>
-                          </m:f>
-                          <m:r>
-                            <a:rPr lang="en-DE" i="1"/>
-                            <m:t>𝑘𝑚</m:t>
-                          </m:r>
-                        </m:sup>
-                      </m:sSup>
-                      <m:r>
-                        <a:rPr lang="en-DE" i="1"/>
-                        <m:t>=</m:t>
-                      </m:r>
-                    </m:oMath>
-                  </m:oMathPara>
-                </a14:m>
-                <a:endParaRPr lang="en-DE" dirty="0"/>
-              </a:p>
-            </p:txBody>
-          </p:sp>
-        </mc:Choice>
-        <mc:Fallback>
-          <p:sp>
-            <p:nvSpPr>
-              <p:cNvPr id="59" name="TextBox 58">
-                <a:extLst>
-                  <a:ext uri="{FF2B5EF4-FFF2-40B4-BE49-F238E27FC236}">
-                    <a16:creationId xmlns:a16="http://schemas.microsoft.com/office/drawing/2014/main" id="{BC52BD5C-B734-DD06-898C-E750348DFCCA}"/>
-                  </a:ext>
-                </a:extLst>
-              </p:cNvPr>
-              <p:cNvSpPr txBox="1">
-                <a:spLocks noRot="1" noChangeAspect="1" noMove="1" noResize="1" noEditPoints="1" noAdjustHandles="1" noChangeArrowheads="1" noChangeShapeType="1" noTextEdit="1"/>
-              </p:cNvSpPr>
-              <p:nvPr/>
-            </p:nvSpPr>
-            <p:spPr>
-              <a:xfrm>
-                <a:off x="6246309" y="1392365"/>
-                <a:ext cx="5630720" cy="877997"/>
-              </a:xfrm>
-              <a:prstGeom prst="rect">
-                <a:avLst/>
-              </a:prstGeom>
-              <a:blipFill>
-                <a:blip r:embed="rId9"/>
-                <a:stretch>
-                  <a:fillRect/>
-                </a:stretch>
-              </a:blipFill>
-            </p:spPr>
-            <p:txBody>
-              <a:bodyPr/>
-              <a:lstStyle/>
-              <a:p>
-                <a:r>
-                  <a:rPr lang="en-DE">
-                    <a:noFill/>
-                  </a:rPr>
-                  <a:t> </a:t>
-                </a:r>
-              </a:p>
-            </p:txBody>
-          </p:sp>
-        </mc:Fallback>
-      </mc:AlternateContent>
-      <mc:AlternateContent xmlns:mc="http://schemas.openxmlformats.org/markup-compatibility/2006">
-        <mc:Choice xmlns:a14="http://schemas.microsoft.com/office/drawing/2010/main" Requires="a14">
-          <p:sp>
-            <p:nvSpPr>
-              <p:cNvPr id="6" name="TextBox 5">
-                <a:extLst>
-                  <a:ext uri="{FF2B5EF4-FFF2-40B4-BE49-F238E27FC236}">
-                    <a16:creationId xmlns:a16="http://schemas.microsoft.com/office/drawing/2014/main" id="{2378CF38-5AA2-F6B5-20E7-258EB5F8CFAB}"/>
-                  </a:ext>
-                </a:extLst>
-              </p:cNvPr>
-              <p:cNvSpPr txBox="1"/>
-              <p:nvPr/>
-            </p:nvSpPr>
-            <p:spPr>
-              <a:xfrm>
-                <a:off x="6040400" y="4354276"/>
-                <a:ext cx="4693980" cy="871457"/>
-              </a:xfrm>
-              <a:prstGeom prst="rect">
-                <a:avLst/>
-              </a:prstGeom>
-              <a:noFill/>
-            </p:spPr>
-            <p:txBody>
-              <a:bodyPr wrap="square">
-                <a:spAutoFit/>
-              </a:bodyPr>
-              <a:lstStyle/>
-              <a:p>
-                <a:pPr/>
-                <a14:m>
-                  <m:oMathPara xmlns:m="http://schemas.openxmlformats.org/officeDocument/2006/math">
-                    <m:oMathParaPr>
-                      <m:jc m:val="centerGroup"/>
-                    </m:oMathParaPr>
-                    <m:oMath xmlns:m="http://schemas.openxmlformats.org/officeDocument/2006/math">
-                      <m:sSub>
-                        <m:sSubPr>
-                          <m:ctrlPr>
-                            <a:rPr lang="en-DE" i="1" smtClean="0">
-                              <a:solidFill>
-                                <a:srgbClr val="836967"/>
-                              </a:solidFill>
-                              <a:latin typeface="Cambria Math" panose="02040503050406030204" pitchFamily="18" charset="0"/>
-                            </a:rPr>
-                          </m:ctrlPr>
-                        </m:sSubPr>
-                        <m:e>
-                          <m:r>
-                            <a:rPr lang="en-DE" i="1">
-                              <a:latin typeface="Cambria Math" panose="02040503050406030204" pitchFamily="18" charset="0"/>
-                            </a:rPr>
-                            <m:t>𝑦</m:t>
-                          </m:r>
-                        </m:e>
-                        <m:sub>
-                          <m:r>
-                            <a:rPr lang="en-DE" i="1">
-                              <a:latin typeface="Cambria Math" panose="02040503050406030204" pitchFamily="18" charset="0"/>
-                            </a:rPr>
-                            <m:t>𝑥</m:t>
-                          </m:r>
-                        </m:sub>
-                      </m:sSub>
-                      <m:d>
-                        <m:dPr>
-                          <m:begChr m:val="["/>
-                          <m:endChr m:val="]"/>
-                          <m:ctrlPr>
-                            <a:rPr lang="en-DE" i="1">
-                              <a:solidFill>
-                                <a:srgbClr val="836967"/>
-                              </a:solidFill>
-                              <a:latin typeface="Cambria Math" panose="02040503050406030204" pitchFamily="18" charset="0"/>
-                            </a:rPr>
-                          </m:ctrlPr>
-                        </m:dPr>
-                        <m:e>
-                          <m:r>
-                            <a:rPr lang="en-DE" i="1">
-                              <a:latin typeface="Cambria Math" panose="02040503050406030204" pitchFamily="18" charset="0"/>
-                            </a:rPr>
-                            <m:t>𝑘</m:t>
-                          </m:r>
-                        </m:e>
-                      </m:d>
-                      <m:r>
-                        <a:rPr lang="en-DE" i="0">
-                          <a:latin typeface="Cambria Math" panose="02040503050406030204" pitchFamily="18" charset="0"/>
-                        </a:rPr>
-                        <m:t>=</m:t>
-                      </m:r>
-                      <m:f>
-                        <m:fPr>
-                          <m:ctrlPr>
-                            <a:rPr lang="en-DE" i="1">
-                              <a:solidFill>
-                                <a:srgbClr val="836967"/>
-                              </a:solidFill>
-                              <a:latin typeface="Cambria Math" panose="02040503050406030204" pitchFamily="18" charset="0"/>
-                            </a:rPr>
-                          </m:ctrlPr>
-                        </m:fPr>
-                        <m:num>
-                          <m:r>
-                            <a:rPr lang="en-DE" i="0">
-                              <a:latin typeface="Cambria Math" panose="02040503050406030204" pitchFamily="18" charset="0"/>
-                            </a:rPr>
-                            <m:t>1</m:t>
-                          </m:r>
-                        </m:num>
-                        <m:den>
-                          <m:r>
-                            <a:rPr lang="en-DE" i="1">
-                              <a:latin typeface="Cambria Math" panose="02040503050406030204" pitchFamily="18" charset="0"/>
-                            </a:rPr>
-                            <m:t>𝑁</m:t>
-                          </m:r>
-                        </m:den>
-                      </m:f>
-                      <m:nary>
-                        <m:naryPr>
-                          <m:chr m:val="∑"/>
-                          <m:limLoc m:val="undOvr"/>
-                          <m:ctrlPr>
-                            <a:rPr lang="en-DE" i="1">
-                              <a:latin typeface="Cambria Math" panose="02040503050406030204" pitchFamily="18" charset="0"/>
-                            </a:rPr>
-                          </m:ctrlPr>
-                        </m:naryPr>
-                        <m:sub>
-                          <m:r>
-                            <a:rPr lang="en-DE" i="1">
-                              <a:latin typeface="Cambria Math" panose="02040503050406030204" pitchFamily="18" charset="0"/>
-                            </a:rPr>
-                            <m:t>𝑚</m:t>
-                          </m:r>
-                          <m:r>
-                            <a:rPr lang="en-DE" i="0">
-                              <a:latin typeface="Cambria Math" panose="02040503050406030204" pitchFamily="18" charset="0"/>
-                            </a:rPr>
-                            <m:t>=0</m:t>
-                          </m:r>
-                        </m:sub>
-                        <m:sup>
-                          <m:r>
-                            <a:rPr lang="en-DE" i="1">
-                              <a:latin typeface="Cambria Math" panose="02040503050406030204" pitchFamily="18" charset="0"/>
-                            </a:rPr>
-                            <m:t>𝑁</m:t>
-                          </m:r>
-                          <m:r>
-                            <a:rPr lang="en-DE" i="0">
-                              <a:latin typeface="Cambria Math" panose="02040503050406030204" pitchFamily="18" charset="0"/>
-                            </a:rPr>
-                            <m:t>−1</m:t>
-                          </m:r>
-                        </m:sup>
-                        <m:e>
-                          <m:d>
-                            <m:dPr>
-                              <m:ctrlPr>
-                                <a:rPr lang="en-DE" i="1">
-                                  <a:solidFill>
-                                    <a:srgbClr val="836967"/>
-                                  </a:solidFill>
-                                  <a:latin typeface="Cambria Math" panose="02040503050406030204" pitchFamily="18" charset="0"/>
-                                </a:rPr>
-                              </m:ctrlPr>
-                            </m:dPr>
-                            <m:e>
-                              <m:sSup>
-                                <m:sSupPr>
-                                  <m:ctrlPr>
-                                    <a:rPr lang="en-DE" i="1">
-                                      <a:solidFill>
-                                        <a:srgbClr val="836967"/>
-                                      </a:solidFill>
-                                      <a:latin typeface="Cambria Math" panose="02040503050406030204" pitchFamily="18" charset="0"/>
-                                    </a:rPr>
-                                  </m:ctrlPr>
-                                </m:sSupPr>
-                                <m:e>
-                                  <m:d>
-                                    <m:dPr>
-                                      <m:begChr m:val="|"/>
-                                      <m:endChr m:val="|"/>
-                                      <m:ctrlPr>
-                                        <a:rPr lang="en-DE" i="1">
-                                          <a:solidFill>
-                                            <a:srgbClr val="836967"/>
-                                          </a:solidFill>
-                                          <a:latin typeface="Cambria Math" panose="02040503050406030204" pitchFamily="18" charset="0"/>
-                                        </a:rPr>
-                                      </m:ctrlPr>
-                                    </m:dPr>
-                                    <m:e>
-                                      <m:r>
-                                        <a:rPr lang="en-DE" i="1">
-                                          <a:latin typeface="Cambria Math" panose="02040503050406030204" pitchFamily="18" charset="0"/>
-                                        </a:rPr>
-                                        <m:t>𝑥𝑓</m:t>
-                                      </m:r>
-                                      <m:d>
-                                        <m:dPr>
-                                          <m:begChr m:val="["/>
-                                          <m:endChr m:val="]"/>
-                                          <m:ctrlPr>
-                                            <a:rPr lang="en-DE" i="1">
-                                              <a:solidFill>
-                                                <a:srgbClr val="836967"/>
-                                              </a:solidFill>
-                                              <a:latin typeface="Cambria Math" panose="02040503050406030204" pitchFamily="18" charset="0"/>
-                                            </a:rPr>
-                                          </m:ctrlPr>
-                                        </m:dPr>
-                                        <m:e>
-                                          <m:r>
-                                            <a:rPr lang="en-DE" i="1">
-                                              <a:latin typeface="Cambria Math" panose="02040503050406030204" pitchFamily="18" charset="0"/>
-                                            </a:rPr>
-                                            <m:t>𝑚</m:t>
-                                          </m:r>
-                                        </m:e>
-                                      </m:d>
-                                    </m:e>
-                                  </m:d>
-                                </m:e>
-                                <m:sup>
-                                  <m:r>
-                                    <a:rPr lang="en-DE" i="0">
-                                      <a:latin typeface="Cambria Math" panose="02040503050406030204" pitchFamily="18" charset="0"/>
-                                    </a:rPr>
-                                    <m:t>2</m:t>
-                                  </m:r>
-                                </m:sup>
-                              </m:sSup>
-                              <m:sSup>
-                                <m:sSupPr>
-                                  <m:ctrlPr>
-                                    <a:rPr lang="en-DE" i="1">
-                                      <a:solidFill>
-                                        <a:srgbClr val="836967"/>
-                                      </a:solidFill>
-                                      <a:latin typeface="Cambria Math" panose="02040503050406030204" pitchFamily="18" charset="0"/>
-                                    </a:rPr>
-                                  </m:ctrlPr>
-                                </m:sSupPr>
-                                <m:e>
-                                  <m:r>
-                                    <a:rPr lang="en-DE" i="0">
-                                      <a:latin typeface="Cambria Math" panose="02040503050406030204" pitchFamily="18" charset="0"/>
-                                    </a:rPr>
-                                    <m:t>∙</m:t>
-                                  </m:r>
-                                  <m:r>
-                                    <a:rPr lang="en-DE" i="1">
-                                      <a:latin typeface="Cambria Math" panose="02040503050406030204" pitchFamily="18" charset="0"/>
-                                    </a:rPr>
-                                    <m:t>𝑒</m:t>
-                                  </m:r>
-                                </m:e>
-                                <m:sup>
-                                  <m:r>
-                                    <a:rPr lang="en-DE" i="0">
-                                      <a:latin typeface="Cambria Math" panose="02040503050406030204" pitchFamily="18" charset="0"/>
-                                    </a:rPr>
-                                    <m:t>−</m:t>
-                                  </m:r>
-                                  <m:r>
-                                    <a:rPr lang="en-DE" i="1">
-                                      <a:latin typeface="Cambria Math" panose="02040503050406030204" pitchFamily="18" charset="0"/>
-                                    </a:rPr>
-                                    <m:t>𝑗</m:t>
-                                  </m:r>
-                                  <m:f>
-                                    <m:fPr>
-                                      <m:ctrlPr>
-                                        <a:rPr lang="en-DE" i="1">
-                                          <a:solidFill>
-                                            <a:srgbClr val="836967"/>
-                                          </a:solidFill>
-                                          <a:latin typeface="Cambria Math" panose="02040503050406030204" pitchFamily="18" charset="0"/>
-                                        </a:rPr>
-                                      </m:ctrlPr>
-                                    </m:fPr>
-                                    <m:num>
-                                      <m:r>
-                                        <a:rPr lang="en-DE" i="0">
-                                          <a:latin typeface="Cambria Math" panose="02040503050406030204" pitchFamily="18" charset="0"/>
-                                        </a:rPr>
-                                        <m:t>2</m:t>
-                                      </m:r>
-                                      <m:r>
-                                        <a:rPr lang="en-DE" i="1">
-                                          <a:latin typeface="Cambria Math" panose="02040503050406030204" pitchFamily="18" charset="0"/>
-                                        </a:rPr>
-                                        <m:t>𝜋</m:t>
-                                      </m:r>
-                                    </m:num>
-                                    <m:den>
-                                      <m:r>
-                                        <a:rPr lang="en-DE" i="1">
-                                          <a:latin typeface="Cambria Math" panose="02040503050406030204" pitchFamily="18" charset="0"/>
-                                        </a:rPr>
-                                        <m:t>𝑁</m:t>
-                                      </m:r>
-                                    </m:den>
-                                  </m:f>
-                                  <m:sSub>
-                                    <m:sSubPr>
-                                      <m:ctrlPr>
-                                        <a:rPr lang="en-DE" i="1">
-                                          <a:solidFill>
-                                            <a:srgbClr val="836967"/>
-                                          </a:solidFill>
-                                          <a:latin typeface="Cambria Math" panose="02040503050406030204" pitchFamily="18" charset="0"/>
-                                        </a:rPr>
-                                      </m:ctrlPr>
-                                    </m:sSubPr>
-                                    <m:e>
-                                      <m:r>
-                                        <a:rPr lang="en-DE" i="1">
-                                          <a:latin typeface="Cambria Math" panose="02040503050406030204" pitchFamily="18" charset="0"/>
-                                        </a:rPr>
-                                        <m:t>𝑘</m:t>
-                                      </m:r>
-                                    </m:e>
-                                    <m:sub>
-                                      <m:r>
-                                        <a:rPr lang="en-DE" i="0">
-                                          <a:latin typeface="Cambria Math" panose="02040503050406030204" pitchFamily="18" charset="0"/>
-                                        </a:rPr>
-                                        <m:t>0</m:t>
-                                      </m:r>
-                                    </m:sub>
-                                  </m:sSub>
-                                  <m:r>
-                                    <a:rPr lang="en-DE" i="1">
-                                      <a:latin typeface="Cambria Math" panose="02040503050406030204" pitchFamily="18" charset="0"/>
-                                    </a:rPr>
-                                    <m:t>𝑚</m:t>
-                                  </m:r>
-                                </m:sup>
-                              </m:sSup>
-                            </m:e>
-                          </m:d>
-                          <m:sSup>
-                            <m:sSupPr>
-                              <m:ctrlPr>
-                                <a:rPr lang="en-DE" i="1">
-                                  <a:solidFill>
-                                    <a:srgbClr val="836967"/>
-                                  </a:solidFill>
-                                  <a:latin typeface="Cambria Math" panose="02040503050406030204" pitchFamily="18" charset="0"/>
-                                </a:rPr>
-                              </m:ctrlPr>
-                            </m:sSupPr>
-                            <m:e>
-                              <m:r>
-                                <a:rPr lang="en-DE" i="0">
-                                  <a:latin typeface="Cambria Math" panose="02040503050406030204" pitchFamily="18" charset="0"/>
-                                </a:rPr>
-                                <m:t>∙</m:t>
-                              </m:r>
-                              <m:r>
-                                <a:rPr lang="en-DE" i="1">
-                                  <a:latin typeface="Cambria Math" panose="02040503050406030204" pitchFamily="18" charset="0"/>
-                                </a:rPr>
-                                <m:t>𝑒</m:t>
-                              </m:r>
-                            </m:e>
-                            <m:sup>
-                              <m:r>
-                                <a:rPr lang="en-DE" i="1">
-                                  <a:latin typeface="Cambria Math" panose="02040503050406030204" pitchFamily="18" charset="0"/>
-                                </a:rPr>
-                                <m:t>𝑗</m:t>
-                              </m:r>
-                              <m:f>
-                                <m:fPr>
-                                  <m:ctrlPr>
-                                    <a:rPr lang="en-DE" i="1">
-                                      <a:solidFill>
-                                        <a:srgbClr val="836967"/>
-                                      </a:solidFill>
-                                      <a:latin typeface="Cambria Math" panose="02040503050406030204" pitchFamily="18" charset="0"/>
-                                    </a:rPr>
-                                  </m:ctrlPr>
-                                </m:fPr>
-                                <m:num>
-                                  <m:r>
-                                    <a:rPr lang="en-DE" i="0">
-                                      <a:latin typeface="Cambria Math" panose="02040503050406030204" pitchFamily="18" charset="0"/>
-                                    </a:rPr>
-                                    <m:t>2</m:t>
-                                  </m:r>
-                                  <m:r>
-                                    <a:rPr lang="en-DE" i="1">
-                                      <a:latin typeface="Cambria Math" panose="02040503050406030204" pitchFamily="18" charset="0"/>
-                                    </a:rPr>
-                                    <m:t>𝜋</m:t>
-                                  </m:r>
-                                </m:num>
-                                <m:den>
-                                  <m:r>
-                                    <a:rPr lang="en-DE" i="1">
-                                      <a:latin typeface="Cambria Math" panose="02040503050406030204" pitchFamily="18" charset="0"/>
-                                    </a:rPr>
-                                    <m:t>𝑁</m:t>
-                                  </m:r>
-                                </m:den>
-                              </m:f>
-                              <m:r>
-                                <a:rPr lang="en-DE" i="1">
-                                  <a:latin typeface="Cambria Math" panose="02040503050406030204" pitchFamily="18" charset="0"/>
-                                </a:rPr>
-                                <m:t>𝑘𝑚</m:t>
-                              </m:r>
-                            </m:sup>
-                          </m:sSup>
-                        </m:e>
-                      </m:nary>
-                    </m:oMath>
-                  </m:oMathPara>
-                </a14:m>
-                <a:endParaRPr lang="en-DE" dirty="0"/>
-              </a:p>
-            </p:txBody>
-          </p:sp>
-        </mc:Choice>
-        <mc:Fallback>
-          <p:sp>
-            <p:nvSpPr>
-              <p:cNvPr id="6" name="TextBox 5">
-                <a:extLst>
-                  <a:ext uri="{FF2B5EF4-FFF2-40B4-BE49-F238E27FC236}">
-                    <a16:creationId xmlns:a16="http://schemas.microsoft.com/office/drawing/2014/main" id="{2378CF38-5AA2-F6B5-20E7-258EB5F8CFAB}"/>
-                  </a:ext>
-                </a:extLst>
-              </p:cNvPr>
-              <p:cNvSpPr txBox="1">
-                <a:spLocks noRot="1" noChangeAspect="1" noMove="1" noResize="1" noEditPoints="1" noAdjustHandles="1" noChangeArrowheads="1" noChangeShapeType="1" noTextEdit="1"/>
-              </p:cNvSpPr>
-              <p:nvPr/>
-            </p:nvSpPr>
-            <p:spPr>
-              <a:xfrm>
-                <a:off x="6040400" y="4354276"/>
-                <a:ext cx="4693980" cy="871457"/>
-              </a:xfrm>
-              <a:prstGeom prst="rect">
-                <a:avLst/>
-              </a:prstGeom>
-              <a:blipFill>
-                <a:blip r:embed="rId10"/>
-                <a:stretch>
-                  <a:fillRect/>
-                </a:stretch>
-              </a:blipFill>
-            </p:spPr>
-            <p:txBody>
-              <a:bodyPr/>
-              <a:lstStyle/>
-              <a:p>
-                <a:r>
-                  <a:rPr lang="en-DE">
-                    <a:noFill/>
-                  </a:rPr>
-                  <a:t> </a:t>
-                </a:r>
-              </a:p>
-            </p:txBody>
-          </p:sp>
-        </mc:Fallback>
-      </mc:AlternateContent>
-      <mc:AlternateContent xmlns:mc="http://schemas.openxmlformats.org/markup-compatibility/2006">
-        <mc:Choice xmlns:a14="http://schemas.microsoft.com/office/drawing/2010/main" Requires="a14">
-          <p:sp>
-            <p:nvSpPr>
-              <p:cNvPr id="8" name="TextBox 7">
-                <a:extLst>
-                  <a:ext uri="{FF2B5EF4-FFF2-40B4-BE49-F238E27FC236}">
-                    <a16:creationId xmlns:a16="http://schemas.microsoft.com/office/drawing/2014/main" id="{E45A5A76-DFB6-1BAE-9D8A-A3099A2E868B}"/>
-                  </a:ext>
-                </a:extLst>
-              </p:cNvPr>
-              <p:cNvSpPr txBox="1"/>
-              <p:nvPr/>
-            </p:nvSpPr>
-            <p:spPr>
-              <a:xfrm>
-                <a:off x="-32042" y="2898055"/>
-                <a:ext cx="3022674" cy="871457"/>
-              </a:xfrm>
-              <a:prstGeom prst="rect">
-                <a:avLst/>
-              </a:prstGeom>
-              <a:noFill/>
-            </p:spPr>
-            <p:txBody>
-              <a:bodyPr wrap="square">
-                <a:spAutoFit/>
-              </a:bodyPr>
-              <a:lstStyle/>
-              <a:p>
-                <a:pPr/>
-                <a14:m>
-                  <m:oMathPara xmlns:m="http://schemas.openxmlformats.org/officeDocument/2006/math">
-                    <m:oMathParaPr>
-                      <m:jc m:val="centerGroup"/>
-                    </m:oMathParaPr>
-                    <m:oMath xmlns:m="http://schemas.openxmlformats.org/officeDocument/2006/math">
-                      <m:r>
-                        <a:rPr lang="en-DE" i="1" smtClean="0">
-                          <a:latin typeface="Cambria Math" panose="02040503050406030204" pitchFamily="18" charset="0"/>
-                        </a:rPr>
-                        <m:t>𝑛𝑓</m:t>
-                      </m:r>
-                      <m:d>
-                        <m:dPr>
-                          <m:begChr m:val="["/>
-                          <m:endChr m:val="]"/>
-                          <m:ctrlPr>
-                            <a:rPr lang="en-DE" i="1">
-                              <a:solidFill>
-                                <a:srgbClr val="836967"/>
-                              </a:solidFill>
-                              <a:latin typeface="Cambria Math" panose="02040503050406030204" pitchFamily="18" charset="0"/>
-                            </a:rPr>
-                          </m:ctrlPr>
-                        </m:dPr>
-                        <m:e>
-                          <m:r>
-                            <a:rPr lang="en-DE" i="1">
-                              <a:latin typeface="Cambria Math" panose="02040503050406030204" pitchFamily="18" charset="0"/>
-                            </a:rPr>
-                            <m:t>𝑚</m:t>
-                          </m:r>
-                        </m:e>
-                      </m:d>
-                      <m:r>
-                        <a:rPr lang="en-DE" i="0">
-                          <a:latin typeface="Cambria Math" panose="02040503050406030204" pitchFamily="18" charset="0"/>
-                        </a:rPr>
-                        <m:t>=</m:t>
-                      </m:r>
-                      <m:nary>
-                        <m:naryPr>
-                          <m:chr m:val="∑"/>
-                          <m:limLoc m:val="undOvr"/>
-                          <m:ctrlPr>
-                            <a:rPr lang="en-DE" i="1">
-                              <a:latin typeface="Cambria Math" panose="02040503050406030204" pitchFamily="18" charset="0"/>
-                            </a:rPr>
-                          </m:ctrlPr>
-                        </m:naryPr>
-                        <m:sub>
-                          <m:r>
-                            <a:rPr lang="en-DE" i="1">
-                              <a:latin typeface="Cambria Math" panose="02040503050406030204" pitchFamily="18" charset="0"/>
-                            </a:rPr>
-                            <m:t>𝑘</m:t>
-                          </m:r>
-                          <m:r>
-                            <a:rPr lang="en-DE" i="0">
-                              <a:latin typeface="Cambria Math" panose="02040503050406030204" pitchFamily="18" charset="0"/>
-                            </a:rPr>
-                            <m:t>=0</m:t>
-                          </m:r>
-                        </m:sub>
-                        <m:sup>
-                          <m:r>
-                            <a:rPr lang="en-DE" i="1">
-                              <a:latin typeface="Cambria Math" panose="02040503050406030204" pitchFamily="18" charset="0"/>
-                            </a:rPr>
-                            <m:t>𝑁</m:t>
-                          </m:r>
-                          <m:r>
-                            <a:rPr lang="en-DE" i="0">
-                              <a:latin typeface="Cambria Math" panose="02040503050406030204" pitchFamily="18" charset="0"/>
-                            </a:rPr>
-                            <m:t>−1</m:t>
-                          </m:r>
-                        </m:sup>
-                        <m:e>
-                          <m:r>
-                            <a:rPr lang="en-DE" i="1">
-                              <a:latin typeface="Cambria Math" panose="02040503050406030204" pitchFamily="18" charset="0"/>
-                            </a:rPr>
-                            <m:t>𝑛</m:t>
-                          </m:r>
-                          <m:d>
-                            <m:dPr>
-                              <m:begChr m:val="["/>
-                              <m:endChr m:val="]"/>
-                              <m:ctrlPr>
-                                <a:rPr lang="en-DE" i="1">
-                                  <a:solidFill>
-                                    <a:srgbClr val="836967"/>
-                                  </a:solidFill>
-                                  <a:latin typeface="Cambria Math" panose="02040503050406030204" pitchFamily="18" charset="0"/>
-                                </a:rPr>
-                              </m:ctrlPr>
-                            </m:dPr>
-                            <m:e>
-                              <m:r>
-                                <a:rPr lang="en-DE" i="1">
-                                  <a:latin typeface="Cambria Math" panose="02040503050406030204" pitchFamily="18" charset="0"/>
-                                </a:rPr>
-                                <m:t>𝑘</m:t>
-                              </m:r>
-                            </m:e>
-                          </m:d>
-                          <m:r>
-                            <a:rPr lang="en-DE" i="0">
-                              <a:latin typeface="Cambria Math" panose="02040503050406030204" pitchFamily="18" charset="0"/>
-                            </a:rPr>
-                            <m:t>∙</m:t>
-                          </m:r>
-                          <m:sSup>
-                            <m:sSupPr>
-                              <m:ctrlPr>
-                                <a:rPr lang="en-DE" i="1">
-                                  <a:solidFill>
-                                    <a:srgbClr val="836967"/>
-                                  </a:solidFill>
-                                  <a:latin typeface="Cambria Math" panose="02040503050406030204" pitchFamily="18" charset="0"/>
-                                </a:rPr>
-                              </m:ctrlPr>
-                            </m:sSupPr>
-                            <m:e>
-                              <m:r>
-                                <a:rPr lang="en-DE" i="1">
-                                  <a:latin typeface="Cambria Math" panose="02040503050406030204" pitchFamily="18" charset="0"/>
-                                </a:rPr>
-                                <m:t>𝑒</m:t>
-                              </m:r>
-                            </m:e>
-                            <m:sup>
-                              <m:r>
-                                <a:rPr lang="en-DE" i="0">
-                                  <a:latin typeface="Cambria Math" panose="02040503050406030204" pitchFamily="18" charset="0"/>
-                                </a:rPr>
-                                <m:t>−</m:t>
-                              </m:r>
-                              <m:r>
-                                <a:rPr lang="en-DE" i="1">
-                                  <a:latin typeface="Cambria Math" panose="02040503050406030204" pitchFamily="18" charset="0"/>
-                                </a:rPr>
-                                <m:t>𝑗</m:t>
-                              </m:r>
-                              <m:f>
-                                <m:fPr>
-                                  <m:ctrlPr>
-                                    <a:rPr lang="en-DE" i="1">
-                                      <a:solidFill>
-                                        <a:srgbClr val="836967"/>
-                                      </a:solidFill>
-                                      <a:latin typeface="Cambria Math" panose="02040503050406030204" pitchFamily="18" charset="0"/>
-                                    </a:rPr>
-                                  </m:ctrlPr>
-                                </m:fPr>
-                                <m:num>
-                                  <m:r>
-                                    <a:rPr lang="en-DE" i="0">
-                                      <a:latin typeface="Cambria Math" panose="02040503050406030204" pitchFamily="18" charset="0"/>
-                                    </a:rPr>
-                                    <m:t>2</m:t>
-                                  </m:r>
-                                  <m:r>
-                                    <a:rPr lang="en-DE" i="1">
-                                      <a:latin typeface="Cambria Math" panose="02040503050406030204" pitchFamily="18" charset="0"/>
-                                    </a:rPr>
-                                    <m:t>𝜋</m:t>
-                                  </m:r>
-                                </m:num>
-                                <m:den>
-                                  <m:r>
-                                    <a:rPr lang="en-DE" i="1">
-                                      <a:latin typeface="Cambria Math" panose="02040503050406030204" pitchFamily="18" charset="0"/>
-                                    </a:rPr>
-                                    <m:t>𝑁</m:t>
-                                  </m:r>
-                                </m:den>
-                              </m:f>
-                              <m:r>
-                                <a:rPr lang="en-DE" i="1">
-                                  <a:latin typeface="Cambria Math" panose="02040503050406030204" pitchFamily="18" charset="0"/>
-                                </a:rPr>
-                                <m:t>𝑘𝑚</m:t>
-                              </m:r>
-                            </m:sup>
-                          </m:sSup>
-                        </m:e>
-                      </m:nary>
-                    </m:oMath>
-                  </m:oMathPara>
-                </a14:m>
-                <a:endParaRPr lang="en-DE" dirty="0"/>
-              </a:p>
-            </p:txBody>
-          </p:sp>
-        </mc:Choice>
-        <mc:Fallback>
-          <p:sp>
-            <p:nvSpPr>
-              <p:cNvPr id="8" name="TextBox 7">
-                <a:extLst>
-                  <a:ext uri="{FF2B5EF4-FFF2-40B4-BE49-F238E27FC236}">
-                    <a16:creationId xmlns:a16="http://schemas.microsoft.com/office/drawing/2014/main" id="{E45A5A76-DFB6-1BAE-9D8A-A3099A2E868B}"/>
-                  </a:ext>
-                </a:extLst>
-              </p:cNvPr>
-              <p:cNvSpPr txBox="1">
-                <a:spLocks noRot="1" noChangeAspect="1" noMove="1" noResize="1" noEditPoints="1" noAdjustHandles="1" noChangeArrowheads="1" noChangeShapeType="1" noTextEdit="1"/>
-              </p:cNvSpPr>
-              <p:nvPr/>
-            </p:nvSpPr>
-            <p:spPr>
-              <a:xfrm>
-                <a:off x="-32042" y="2898055"/>
-                <a:ext cx="3022674" cy="871457"/>
-              </a:xfrm>
-              <a:prstGeom prst="rect">
-                <a:avLst/>
-              </a:prstGeom>
-              <a:blipFill>
-                <a:blip r:embed="rId11"/>
-                <a:stretch>
-                  <a:fillRect/>
-                </a:stretch>
-              </a:blipFill>
-            </p:spPr>
-            <p:txBody>
-              <a:bodyPr/>
-              <a:lstStyle/>
-              <a:p>
-                <a:r>
-                  <a:rPr lang="en-DE">
-                    <a:noFill/>
-                  </a:rPr>
-                  <a:t> </a:t>
-                </a:r>
-              </a:p>
-            </p:txBody>
-          </p:sp>
-        </mc:Fallback>
-      </mc:AlternateContent>
-      <mc:AlternateContent xmlns:mc="http://schemas.openxmlformats.org/markup-compatibility/2006">
-        <mc:Choice xmlns:a14="http://schemas.microsoft.com/office/drawing/2010/main" Requires="a14">
-          <p:sp>
-            <p:nvSpPr>
-              <p:cNvPr id="10" name="TextBox 9">
-                <a:extLst>
-                  <a:ext uri="{FF2B5EF4-FFF2-40B4-BE49-F238E27FC236}">
-                    <a16:creationId xmlns:a16="http://schemas.microsoft.com/office/drawing/2014/main" id="{E0599FBE-02A9-942D-DA03-CDD245D71A3B}"/>
-                  </a:ext>
-                </a:extLst>
-              </p:cNvPr>
-              <p:cNvSpPr txBox="1"/>
-              <p:nvPr/>
-            </p:nvSpPr>
-            <p:spPr>
-              <a:xfrm>
-                <a:off x="7934" y="3603277"/>
-                <a:ext cx="4520425" cy="493853"/>
-              </a:xfrm>
-              <a:prstGeom prst="rect">
-                <a:avLst/>
-              </a:prstGeom>
-              <a:noFill/>
-            </p:spPr>
-            <p:txBody>
-              <a:bodyPr wrap="square">
-                <a:spAutoFit/>
-              </a:bodyPr>
-              <a:lstStyle/>
-              <a:p>
-                <a:pPr/>
-                <a14:m>
-                  <m:oMathPara xmlns:m="http://schemas.openxmlformats.org/officeDocument/2006/math">
-                    <m:oMathParaPr>
-                      <m:jc m:val="centerGroup"/>
-                    </m:oMathParaPr>
-                    <m:oMath xmlns:m="http://schemas.openxmlformats.org/officeDocument/2006/math">
-                      <m:r>
-                        <a:rPr lang="en-DE" i="1" smtClean="0">
-                          <a:latin typeface="Cambria Math" panose="02040503050406030204" pitchFamily="18" charset="0"/>
-                        </a:rPr>
-                        <m:t>𝑛𝑓</m:t>
-                      </m:r>
-                      <m:d>
-                        <m:dPr>
-                          <m:begChr m:val="["/>
-                          <m:endChr m:val="]"/>
-                          <m:ctrlPr>
-                            <a:rPr lang="en-DE" i="1">
-                              <a:solidFill>
-                                <a:srgbClr val="836967"/>
-                              </a:solidFill>
-                              <a:latin typeface="Cambria Math" panose="02040503050406030204" pitchFamily="18" charset="0"/>
-                            </a:rPr>
-                          </m:ctrlPr>
-                        </m:dPr>
-                        <m:e>
-                          <m:r>
-                            <a:rPr lang="en-DE" i="1">
-                              <a:latin typeface="Cambria Math" panose="02040503050406030204" pitchFamily="18" charset="0"/>
-                            </a:rPr>
-                            <m:t>𝑚</m:t>
-                          </m:r>
-                        </m:e>
-                      </m:d>
-                      <m:r>
-                        <a:rPr lang="en-DE" i="0">
-                          <a:latin typeface="Cambria Math" panose="02040503050406030204" pitchFamily="18" charset="0"/>
-                        </a:rPr>
-                        <m:t>∙</m:t>
-                      </m:r>
-                      <m:r>
-                        <a:rPr lang="en-DE" i="1">
-                          <a:latin typeface="Cambria Math" panose="02040503050406030204" pitchFamily="18" charset="0"/>
-                        </a:rPr>
-                        <m:t>h𝑓</m:t>
-                      </m:r>
-                      <m:d>
-                        <m:dPr>
-                          <m:begChr m:val="["/>
-                          <m:endChr m:val="]"/>
-                          <m:ctrlPr>
-                            <a:rPr lang="en-DE" i="1">
-                              <a:solidFill>
-                                <a:srgbClr val="836967"/>
-                              </a:solidFill>
-                              <a:latin typeface="Cambria Math" panose="02040503050406030204" pitchFamily="18" charset="0"/>
-                            </a:rPr>
-                          </m:ctrlPr>
-                        </m:dPr>
-                        <m:e>
-                          <m:r>
-                            <a:rPr lang="en-DE" i="1">
-                              <a:latin typeface="Cambria Math" panose="02040503050406030204" pitchFamily="18" charset="0"/>
-                            </a:rPr>
-                            <m:t>𝑚</m:t>
-                          </m:r>
-                        </m:e>
-                      </m:d>
-                      <m:r>
-                        <a:rPr lang="en-DE" i="0">
-                          <a:latin typeface="Cambria Math" panose="02040503050406030204" pitchFamily="18" charset="0"/>
-                        </a:rPr>
-                        <m:t>=</m:t>
-                      </m:r>
-                      <m:r>
-                        <a:rPr lang="en-DE" i="1">
-                          <a:latin typeface="Cambria Math" panose="02040503050406030204" pitchFamily="18" charset="0"/>
-                        </a:rPr>
-                        <m:t>𝑛𝑓</m:t>
-                      </m:r>
-                      <m:d>
-                        <m:dPr>
-                          <m:begChr m:val="["/>
-                          <m:endChr m:val="]"/>
-                          <m:ctrlPr>
-                            <a:rPr lang="en-DE" i="1">
-                              <a:solidFill>
-                                <a:srgbClr val="836967"/>
-                              </a:solidFill>
-                              <a:latin typeface="Cambria Math" panose="02040503050406030204" pitchFamily="18" charset="0"/>
-                            </a:rPr>
-                          </m:ctrlPr>
-                        </m:dPr>
-                        <m:e>
-                          <m:r>
-                            <a:rPr lang="en-DE" i="1">
-                              <a:latin typeface="Cambria Math" panose="02040503050406030204" pitchFamily="18" charset="0"/>
-                            </a:rPr>
-                            <m:t>𝑚</m:t>
-                          </m:r>
-                        </m:e>
-                      </m:d>
-                      <m:r>
-                        <a:rPr lang="en-DE" i="0">
-                          <a:latin typeface="Cambria Math" panose="02040503050406030204" pitchFamily="18" charset="0"/>
-                        </a:rPr>
-                        <m:t>∙</m:t>
-                      </m:r>
-                      <m:sSup>
-                        <m:sSupPr>
-                          <m:ctrlPr>
-                            <a:rPr lang="en-DE" i="1">
-                              <a:solidFill>
-                                <a:srgbClr val="836967"/>
-                              </a:solidFill>
-                              <a:latin typeface="Cambria Math" panose="02040503050406030204" pitchFamily="18" charset="0"/>
-                            </a:rPr>
-                          </m:ctrlPr>
-                        </m:sSupPr>
-                        <m:e>
-                          <m:r>
-                            <a:rPr lang="en-DE" i="1">
-                              <a:latin typeface="Cambria Math" panose="02040503050406030204" pitchFamily="18" charset="0"/>
-                            </a:rPr>
-                            <m:t>𝑥𝑓</m:t>
-                          </m:r>
-                        </m:e>
-                        <m:sup>
-                          <m:r>
-                            <a:rPr lang="en-DE" i="0">
-                              <a:latin typeface="Cambria Math" panose="02040503050406030204" pitchFamily="18" charset="0"/>
-                            </a:rPr>
-                            <m:t>∗</m:t>
-                          </m:r>
-                        </m:sup>
-                      </m:sSup>
-                      <m:d>
-                        <m:dPr>
-                          <m:begChr m:val="["/>
-                          <m:endChr m:val="]"/>
-                          <m:ctrlPr>
-                            <a:rPr lang="en-DE" i="1">
-                              <a:solidFill>
-                                <a:srgbClr val="836967"/>
-                              </a:solidFill>
-                              <a:latin typeface="Cambria Math" panose="02040503050406030204" pitchFamily="18" charset="0"/>
-                            </a:rPr>
-                          </m:ctrlPr>
-                        </m:dPr>
-                        <m:e>
-                          <m:r>
-                            <a:rPr lang="en-DE" i="1">
-                              <a:latin typeface="Cambria Math" panose="02040503050406030204" pitchFamily="18" charset="0"/>
-                            </a:rPr>
-                            <m:t>𝑚</m:t>
-                          </m:r>
-                        </m:e>
-                      </m:d>
-                      <m:sSup>
-                        <m:sSupPr>
-                          <m:ctrlPr>
-                            <a:rPr lang="en-DE" i="1">
-                              <a:solidFill>
-                                <a:srgbClr val="836967"/>
-                              </a:solidFill>
-                              <a:latin typeface="Cambria Math" panose="02040503050406030204" pitchFamily="18" charset="0"/>
-                            </a:rPr>
-                          </m:ctrlPr>
-                        </m:sSupPr>
-                        <m:e>
-                          <m:r>
-                            <a:rPr lang="en-DE" i="0">
-                              <a:latin typeface="Cambria Math" panose="02040503050406030204" pitchFamily="18" charset="0"/>
-                            </a:rPr>
-                            <m:t>∙</m:t>
-                          </m:r>
-                          <m:r>
-                            <a:rPr lang="en-DE" i="1">
-                              <a:latin typeface="Cambria Math" panose="02040503050406030204" pitchFamily="18" charset="0"/>
-                            </a:rPr>
-                            <m:t>𝑒</m:t>
-                          </m:r>
-                        </m:e>
-                        <m:sup>
-                          <m:r>
-                            <a:rPr lang="en-DE" i="0">
-                              <a:latin typeface="Cambria Math" panose="02040503050406030204" pitchFamily="18" charset="0"/>
-                            </a:rPr>
-                            <m:t>−</m:t>
-                          </m:r>
-                          <m:r>
-                            <a:rPr lang="en-DE" i="1">
-                              <a:latin typeface="Cambria Math" panose="02040503050406030204" pitchFamily="18" charset="0"/>
-                            </a:rPr>
-                            <m:t>𝑗</m:t>
-                          </m:r>
-                          <m:f>
-                            <m:fPr>
-                              <m:ctrlPr>
-                                <a:rPr lang="en-DE" i="1">
-                                  <a:solidFill>
-                                    <a:srgbClr val="836967"/>
-                                  </a:solidFill>
-                                  <a:latin typeface="Cambria Math" panose="02040503050406030204" pitchFamily="18" charset="0"/>
-                                </a:rPr>
-                              </m:ctrlPr>
-                            </m:fPr>
-                            <m:num>
-                              <m:r>
-                                <a:rPr lang="en-DE" i="0">
-                                  <a:latin typeface="Cambria Math" panose="02040503050406030204" pitchFamily="18" charset="0"/>
-                                </a:rPr>
-                                <m:t>2</m:t>
-                              </m:r>
-                              <m:r>
-                                <a:rPr lang="en-DE" i="1">
-                                  <a:latin typeface="Cambria Math" panose="02040503050406030204" pitchFamily="18" charset="0"/>
-                                </a:rPr>
-                                <m:t>𝜋</m:t>
-                              </m:r>
-                            </m:num>
-                            <m:den>
-                              <m:r>
-                                <a:rPr lang="en-DE" i="1">
-                                  <a:latin typeface="Cambria Math" panose="02040503050406030204" pitchFamily="18" charset="0"/>
-                                </a:rPr>
-                                <m:t>𝑁</m:t>
-                              </m:r>
-                            </m:den>
-                          </m:f>
-                          <m:sSub>
-                            <m:sSubPr>
-                              <m:ctrlPr>
-                                <a:rPr lang="en-DE" i="1">
-                                  <a:solidFill>
-                                    <a:srgbClr val="836967"/>
-                                  </a:solidFill>
-                                  <a:latin typeface="Cambria Math" panose="02040503050406030204" pitchFamily="18" charset="0"/>
-                                </a:rPr>
-                              </m:ctrlPr>
-                            </m:sSubPr>
-                            <m:e>
-                              <m:r>
-                                <a:rPr lang="en-DE" i="1">
-                                  <a:latin typeface="Cambria Math" panose="02040503050406030204" pitchFamily="18" charset="0"/>
-                                </a:rPr>
-                                <m:t>𝑘</m:t>
-                              </m:r>
-                            </m:e>
-                            <m:sub>
-                              <m:r>
-                                <a:rPr lang="en-DE" i="0">
-                                  <a:latin typeface="Cambria Math" panose="02040503050406030204" pitchFamily="18" charset="0"/>
-                                </a:rPr>
-                                <m:t>0</m:t>
-                              </m:r>
-                            </m:sub>
-                          </m:sSub>
-                          <m:r>
-                            <a:rPr lang="en-DE" i="1">
-                              <a:latin typeface="Cambria Math" panose="02040503050406030204" pitchFamily="18" charset="0"/>
-                            </a:rPr>
-                            <m:t>𝑚</m:t>
-                          </m:r>
-                        </m:sup>
-                      </m:sSup>
-                    </m:oMath>
-                  </m:oMathPara>
-                </a14:m>
-                <a:endParaRPr lang="en-DE" dirty="0"/>
-              </a:p>
-            </p:txBody>
-          </p:sp>
-        </mc:Choice>
-        <mc:Fallback>
-          <p:sp>
-            <p:nvSpPr>
-              <p:cNvPr id="10" name="TextBox 9">
-                <a:extLst>
-                  <a:ext uri="{FF2B5EF4-FFF2-40B4-BE49-F238E27FC236}">
-                    <a16:creationId xmlns:a16="http://schemas.microsoft.com/office/drawing/2014/main" id="{E0599FBE-02A9-942D-DA03-CDD245D71A3B}"/>
-                  </a:ext>
-                </a:extLst>
-              </p:cNvPr>
-              <p:cNvSpPr txBox="1">
-                <a:spLocks noRot="1" noChangeAspect="1" noMove="1" noResize="1" noEditPoints="1" noAdjustHandles="1" noChangeArrowheads="1" noChangeShapeType="1" noTextEdit="1"/>
-              </p:cNvSpPr>
-              <p:nvPr/>
-            </p:nvSpPr>
-            <p:spPr>
-              <a:xfrm>
-                <a:off x="7934" y="3603277"/>
-                <a:ext cx="4520425" cy="493853"/>
-              </a:xfrm>
-              <a:prstGeom prst="rect">
-                <a:avLst/>
-              </a:prstGeom>
-              <a:blipFill>
-                <a:blip r:embed="rId12"/>
-                <a:stretch>
-                  <a:fillRect/>
-                </a:stretch>
-              </a:blipFill>
-            </p:spPr>
-            <p:txBody>
-              <a:bodyPr/>
-              <a:lstStyle/>
-              <a:p>
-                <a:r>
-                  <a:rPr lang="en-DE">
-                    <a:noFill/>
-                  </a:rPr>
-                  <a:t> </a:t>
-                </a:r>
-              </a:p>
-            </p:txBody>
-          </p:sp>
-        </mc:Fallback>
-      </mc:AlternateContent>
-      <mc:AlternateContent xmlns:mc="http://schemas.openxmlformats.org/markup-compatibility/2006">
-        <mc:Choice xmlns:a14="http://schemas.microsoft.com/office/drawing/2010/main" Requires="a14">
-          <p:sp>
-            <p:nvSpPr>
-              <p:cNvPr id="12" name="TextBox 11">
-                <a:extLst>
-                  <a:ext uri="{FF2B5EF4-FFF2-40B4-BE49-F238E27FC236}">
-                    <a16:creationId xmlns:a16="http://schemas.microsoft.com/office/drawing/2014/main" id="{78957550-2BE6-02BD-C040-D173C041C839}"/>
-                  </a:ext>
-                </a:extLst>
-              </p:cNvPr>
-              <p:cNvSpPr txBox="1"/>
-              <p:nvPr/>
-            </p:nvSpPr>
-            <p:spPr>
-              <a:xfrm>
-                <a:off x="-7779" y="4021930"/>
-                <a:ext cx="5374869" cy="871457"/>
-              </a:xfrm>
-              <a:prstGeom prst="rect">
-                <a:avLst/>
-              </a:prstGeom>
-              <a:noFill/>
-            </p:spPr>
-            <p:txBody>
-              <a:bodyPr wrap="square">
-                <a:spAutoFit/>
-              </a:bodyPr>
-              <a:lstStyle/>
-              <a:p>
-                <a:pPr/>
-                <a14:m>
-                  <m:oMathPara xmlns:m="http://schemas.openxmlformats.org/officeDocument/2006/math">
-                    <m:oMathParaPr>
-                      <m:jc m:val="centerGroup"/>
-                    </m:oMathParaPr>
-                    <m:oMath xmlns:m="http://schemas.openxmlformats.org/officeDocument/2006/math">
-                      <m:sSub>
-                        <m:sSubPr>
-                          <m:ctrlPr>
-                            <a:rPr lang="en-DE" i="1" smtClean="0">
-                              <a:solidFill>
-                                <a:srgbClr val="836967"/>
-                              </a:solidFill>
-                              <a:latin typeface="Cambria Math" panose="02040503050406030204" pitchFamily="18" charset="0"/>
-                            </a:rPr>
-                          </m:ctrlPr>
-                        </m:sSubPr>
-                        <m:e>
-                          <m:r>
-                            <a:rPr lang="en-DE" i="1">
-                              <a:latin typeface="Cambria Math" panose="02040503050406030204" pitchFamily="18" charset="0"/>
-                            </a:rPr>
-                            <m:t>𝑦</m:t>
-                          </m:r>
-                        </m:e>
-                        <m:sub>
-                          <m:r>
-                            <a:rPr lang="en-DE" i="1">
-                              <a:latin typeface="Cambria Math" panose="02040503050406030204" pitchFamily="18" charset="0"/>
-                            </a:rPr>
-                            <m:t>𝑛</m:t>
-                          </m:r>
-                        </m:sub>
-                      </m:sSub>
-                      <m:d>
-                        <m:dPr>
-                          <m:begChr m:val="["/>
-                          <m:endChr m:val="]"/>
-                          <m:ctrlPr>
-                            <a:rPr lang="en-DE" i="1">
-                              <a:solidFill>
-                                <a:srgbClr val="836967"/>
-                              </a:solidFill>
-                              <a:latin typeface="Cambria Math" panose="02040503050406030204" pitchFamily="18" charset="0"/>
-                            </a:rPr>
-                          </m:ctrlPr>
-                        </m:dPr>
-                        <m:e>
-                          <m:r>
-                            <a:rPr lang="en-DE" i="1">
-                              <a:latin typeface="Cambria Math" panose="02040503050406030204" pitchFamily="18" charset="0"/>
-                            </a:rPr>
-                            <m:t>𝑘</m:t>
-                          </m:r>
-                        </m:e>
-                      </m:d>
-                      <m:r>
-                        <a:rPr lang="en-DE" i="0">
-                          <a:latin typeface="Cambria Math" panose="02040503050406030204" pitchFamily="18" charset="0"/>
-                        </a:rPr>
-                        <m:t>=</m:t>
-                      </m:r>
-                      <m:f>
-                        <m:fPr>
-                          <m:ctrlPr>
-                            <a:rPr lang="en-DE" i="1">
-                              <a:solidFill>
-                                <a:srgbClr val="836967"/>
-                              </a:solidFill>
-                              <a:latin typeface="Cambria Math" panose="02040503050406030204" pitchFamily="18" charset="0"/>
-                            </a:rPr>
-                          </m:ctrlPr>
-                        </m:fPr>
-                        <m:num>
-                          <m:r>
-                            <a:rPr lang="en-DE" i="0">
-                              <a:latin typeface="Cambria Math" panose="02040503050406030204" pitchFamily="18" charset="0"/>
-                            </a:rPr>
-                            <m:t>1</m:t>
-                          </m:r>
-                        </m:num>
-                        <m:den>
-                          <m:r>
-                            <a:rPr lang="en-DE" i="1">
-                              <a:latin typeface="Cambria Math" panose="02040503050406030204" pitchFamily="18" charset="0"/>
-                            </a:rPr>
-                            <m:t>𝑁</m:t>
-                          </m:r>
-                        </m:den>
-                      </m:f>
-                      <m:nary>
-                        <m:naryPr>
-                          <m:chr m:val="∑"/>
-                          <m:limLoc m:val="undOvr"/>
-                          <m:ctrlPr>
-                            <a:rPr lang="en-DE" i="1">
-                              <a:latin typeface="Cambria Math" panose="02040503050406030204" pitchFamily="18" charset="0"/>
-                            </a:rPr>
-                          </m:ctrlPr>
-                        </m:naryPr>
-                        <m:sub>
-                          <m:r>
-                            <a:rPr lang="en-DE" i="1">
-                              <a:latin typeface="Cambria Math" panose="02040503050406030204" pitchFamily="18" charset="0"/>
-                            </a:rPr>
-                            <m:t>𝑚</m:t>
-                          </m:r>
-                          <m:r>
-                            <a:rPr lang="en-DE" i="0">
-                              <a:latin typeface="Cambria Math" panose="02040503050406030204" pitchFamily="18" charset="0"/>
-                            </a:rPr>
-                            <m:t>=0</m:t>
-                          </m:r>
-                        </m:sub>
-                        <m:sup>
-                          <m:r>
-                            <a:rPr lang="en-DE" i="1">
-                              <a:latin typeface="Cambria Math" panose="02040503050406030204" pitchFamily="18" charset="0"/>
-                            </a:rPr>
-                            <m:t>𝑁</m:t>
-                          </m:r>
-                          <m:r>
-                            <a:rPr lang="en-DE" i="0">
-                              <a:latin typeface="Cambria Math" panose="02040503050406030204" pitchFamily="18" charset="0"/>
-                            </a:rPr>
-                            <m:t>−1</m:t>
-                          </m:r>
-                        </m:sup>
-                        <m:e>
-                          <m:d>
-                            <m:dPr>
-                              <m:ctrlPr>
-                                <a:rPr lang="en-DE" i="1">
-                                  <a:solidFill>
-                                    <a:srgbClr val="836967"/>
-                                  </a:solidFill>
-                                  <a:latin typeface="Cambria Math" panose="02040503050406030204" pitchFamily="18" charset="0"/>
-                                </a:rPr>
-                              </m:ctrlPr>
-                            </m:dPr>
-                            <m:e>
-                              <m:r>
-                                <a:rPr lang="en-DE" i="1">
-                                  <a:latin typeface="Cambria Math" panose="02040503050406030204" pitchFamily="18" charset="0"/>
-                                </a:rPr>
-                                <m:t>𝑛𝑓</m:t>
-                              </m:r>
-                              <m:d>
-                                <m:dPr>
-                                  <m:begChr m:val="["/>
-                                  <m:endChr m:val="]"/>
-                                  <m:ctrlPr>
-                                    <a:rPr lang="en-DE" i="1">
-                                      <a:solidFill>
-                                        <a:srgbClr val="836967"/>
-                                      </a:solidFill>
-                                      <a:latin typeface="Cambria Math" panose="02040503050406030204" pitchFamily="18" charset="0"/>
-                                    </a:rPr>
-                                  </m:ctrlPr>
-                                </m:dPr>
-                                <m:e>
-                                  <m:r>
-                                    <a:rPr lang="en-DE" i="1">
-                                      <a:latin typeface="Cambria Math" panose="02040503050406030204" pitchFamily="18" charset="0"/>
-                                    </a:rPr>
-                                    <m:t>𝑚</m:t>
-                                  </m:r>
-                                </m:e>
-                              </m:d>
-                              <m:r>
-                                <a:rPr lang="en-DE" i="0">
-                                  <a:latin typeface="Cambria Math" panose="02040503050406030204" pitchFamily="18" charset="0"/>
-                                </a:rPr>
-                                <m:t>∙</m:t>
-                              </m:r>
-                              <m:sSup>
-                                <m:sSupPr>
-                                  <m:ctrlPr>
-                                    <a:rPr lang="en-DE" i="1">
-                                      <a:solidFill>
-                                        <a:srgbClr val="836967"/>
-                                      </a:solidFill>
-                                      <a:latin typeface="Cambria Math" panose="02040503050406030204" pitchFamily="18" charset="0"/>
-                                    </a:rPr>
-                                  </m:ctrlPr>
-                                </m:sSupPr>
-                                <m:e>
-                                  <m:r>
-                                    <a:rPr lang="en-DE" i="1">
-                                      <a:latin typeface="Cambria Math" panose="02040503050406030204" pitchFamily="18" charset="0"/>
-                                    </a:rPr>
-                                    <m:t>𝑥𝑓</m:t>
-                                  </m:r>
-                                </m:e>
-                                <m:sup>
-                                  <m:r>
-                                    <a:rPr lang="en-DE" i="0">
-                                      <a:latin typeface="Cambria Math" panose="02040503050406030204" pitchFamily="18" charset="0"/>
-                                    </a:rPr>
-                                    <m:t>∗</m:t>
-                                  </m:r>
-                                </m:sup>
-                              </m:sSup>
-                              <m:d>
-                                <m:dPr>
-                                  <m:begChr m:val="["/>
-                                  <m:endChr m:val="]"/>
-                                  <m:ctrlPr>
-                                    <a:rPr lang="en-DE" i="1">
-                                      <a:solidFill>
-                                        <a:srgbClr val="836967"/>
-                                      </a:solidFill>
-                                      <a:latin typeface="Cambria Math" panose="02040503050406030204" pitchFamily="18" charset="0"/>
-                                    </a:rPr>
-                                  </m:ctrlPr>
-                                </m:dPr>
-                                <m:e>
-                                  <m:r>
-                                    <a:rPr lang="en-DE" i="1">
-                                      <a:latin typeface="Cambria Math" panose="02040503050406030204" pitchFamily="18" charset="0"/>
-                                    </a:rPr>
-                                    <m:t>𝑚</m:t>
-                                  </m:r>
-                                </m:e>
-                              </m:d>
-                              <m:sSup>
-                                <m:sSupPr>
-                                  <m:ctrlPr>
-                                    <a:rPr lang="en-DE" i="1">
-                                      <a:solidFill>
-                                        <a:srgbClr val="836967"/>
-                                      </a:solidFill>
-                                      <a:latin typeface="Cambria Math" panose="02040503050406030204" pitchFamily="18" charset="0"/>
-                                    </a:rPr>
-                                  </m:ctrlPr>
-                                </m:sSupPr>
-                                <m:e>
-                                  <m:r>
-                                    <a:rPr lang="en-DE" i="0">
-                                      <a:latin typeface="Cambria Math" panose="02040503050406030204" pitchFamily="18" charset="0"/>
-                                    </a:rPr>
-                                    <m:t>∙</m:t>
-                                  </m:r>
-                                  <m:r>
-                                    <a:rPr lang="en-DE" i="1">
-                                      <a:latin typeface="Cambria Math" panose="02040503050406030204" pitchFamily="18" charset="0"/>
-                                    </a:rPr>
-                                    <m:t>𝑒</m:t>
-                                  </m:r>
-                                </m:e>
-                                <m:sup>
-                                  <m:r>
-                                    <a:rPr lang="en-DE" i="0">
-                                      <a:latin typeface="Cambria Math" panose="02040503050406030204" pitchFamily="18" charset="0"/>
-                                    </a:rPr>
-                                    <m:t>−</m:t>
-                                  </m:r>
-                                  <m:r>
-                                    <a:rPr lang="en-DE" i="1">
-                                      <a:latin typeface="Cambria Math" panose="02040503050406030204" pitchFamily="18" charset="0"/>
-                                    </a:rPr>
-                                    <m:t>𝑗</m:t>
-                                  </m:r>
-                                  <m:f>
-                                    <m:fPr>
-                                      <m:ctrlPr>
-                                        <a:rPr lang="en-DE" i="1">
-                                          <a:solidFill>
-                                            <a:srgbClr val="836967"/>
-                                          </a:solidFill>
-                                          <a:latin typeface="Cambria Math" panose="02040503050406030204" pitchFamily="18" charset="0"/>
-                                        </a:rPr>
-                                      </m:ctrlPr>
-                                    </m:fPr>
-                                    <m:num>
-                                      <m:r>
-                                        <a:rPr lang="en-DE" i="0">
-                                          <a:latin typeface="Cambria Math" panose="02040503050406030204" pitchFamily="18" charset="0"/>
-                                        </a:rPr>
-                                        <m:t>2</m:t>
-                                      </m:r>
-                                      <m:r>
-                                        <a:rPr lang="en-DE" i="1">
-                                          <a:latin typeface="Cambria Math" panose="02040503050406030204" pitchFamily="18" charset="0"/>
-                                        </a:rPr>
-                                        <m:t>𝜋</m:t>
-                                      </m:r>
-                                    </m:num>
-                                    <m:den>
-                                      <m:r>
-                                        <a:rPr lang="en-DE" i="1">
-                                          <a:latin typeface="Cambria Math" panose="02040503050406030204" pitchFamily="18" charset="0"/>
-                                        </a:rPr>
-                                        <m:t>𝑁</m:t>
-                                      </m:r>
-                                    </m:den>
-                                  </m:f>
-                                  <m:sSub>
-                                    <m:sSubPr>
-                                      <m:ctrlPr>
-                                        <a:rPr lang="en-DE" i="1">
-                                          <a:solidFill>
-                                            <a:srgbClr val="836967"/>
-                                          </a:solidFill>
-                                          <a:latin typeface="Cambria Math" panose="02040503050406030204" pitchFamily="18" charset="0"/>
-                                        </a:rPr>
-                                      </m:ctrlPr>
-                                    </m:sSubPr>
-                                    <m:e>
-                                      <m:r>
-                                        <a:rPr lang="en-DE" i="1">
-                                          <a:latin typeface="Cambria Math" panose="02040503050406030204" pitchFamily="18" charset="0"/>
-                                        </a:rPr>
-                                        <m:t>𝑘</m:t>
-                                      </m:r>
-                                    </m:e>
-                                    <m:sub>
-                                      <m:r>
-                                        <a:rPr lang="en-DE" i="0">
-                                          <a:latin typeface="Cambria Math" panose="02040503050406030204" pitchFamily="18" charset="0"/>
-                                        </a:rPr>
-                                        <m:t>0</m:t>
-                                      </m:r>
-                                    </m:sub>
-                                  </m:sSub>
-                                  <m:r>
-                                    <a:rPr lang="en-DE" i="1">
-                                      <a:latin typeface="Cambria Math" panose="02040503050406030204" pitchFamily="18" charset="0"/>
-                                    </a:rPr>
-                                    <m:t>𝑚</m:t>
-                                  </m:r>
-                                </m:sup>
-                              </m:sSup>
-                            </m:e>
-                          </m:d>
-                          <m:sSup>
-                            <m:sSupPr>
-                              <m:ctrlPr>
-                                <a:rPr lang="en-DE" i="1">
-                                  <a:solidFill>
-                                    <a:srgbClr val="836967"/>
-                                  </a:solidFill>
-                                  <a:latin typeface="Cambria Math" panose="02040503050406030204" pitchFamily="18" charset="0"/>
-                                </a:rPr>
-                              </m:ctrlPr>
-                            </m:sSupPr>
-                            <m:e>
-                              <m:r>
-                                <a:rPr lang="en-DE" i="0">
-                                  <a:latin typeface="Cambria Math" panose="02040503050406030204" pitchFamily="18" charset="0"/>
-                                </a:rPr>
-                                <m:t>∙</m:t>
-                              </m:r>
-                              <m:r>
-                                <a:rPr lang="en-DE" i="1">
-                                  <a:latin typeface="Cambria Math" panose="02040503050406030204" pitchFamily="18" charset="0"/>
-                                </a:rPr>
-                                <m:t>𝑒</m:t>
-                              </m:r>
-                            </m:e>
-                            <m:sup>
-                              <m:r>
-                                <a:rPr lang="en-DE" i="1">
-                                  <a:latin typeface="Cambria Math" panose="02040503050406030204" pitchFamily="18" charset="0"/>
-                                </a:rPr>
-                                <m:t>𝑗</m:t>
-                              </m:r>
-                              <m:f>
-                                <m:fPr>
-                                  <m:ctrlPr>
-                                    <a:rPr lang="en-DE" i="1">
-                                      <a:solidFill>
-                                        <a:srgbClr val="836967"/>
-                                      </a:solidFill>
-                                      <a:latin typeface="Cambria Math" panose="02040503050406030204" pitchFamily="18" charset="0"/>
-                                    </a:rPr>
-                                  </m:ctrlPr>
-                                </m:fPr>
-                                <m:num>
-                                  <m:r>
-                                    <a:rPr lang="en-DE" i="0">
-                                      <a:latin typeface="Cambria Math" panose="02040503050406030204" pitchFamily="18" charset="0"/>
-                                    </a:rPr>
-                                    <m:t>2</m:t>
-                                  </m:r>
-                                  <m:r>
-                                    <a:rPr lang="en-DE" i="1">
-                                      <a:latin typeface="Cambria Math" panose="02040503050406030204" pitchFamily="18" charset="0"/>
-                                    </a:rPr>
-                                    <m:t>𝜋</m:t>
-                                  </m:r>
-                                </m:num>
-                                <m:den>
-                                  <m:r>
-                                    <a:rPr lang="en-DE" i="1">
-                                      <a:latin typeface="Cambria Math" panose="02040503050406030204" pitchFamily="18" charset="0"/>
-                                    </a:rPr>
-                                    <m:t>𝑁</m:t>
-                                  </m:r>
-                                </m:den>
-                              </m:f>
-                              <m:r>
-                                <a:rPr lang="en-DE" i="1">
-                                  <a:latin typeface="Cambria Math" panose="02040503050406030204" pitchFamily="18" charset="0"/>
-                                </a:rPr>
-                                <m:t>𝑘𝑚</m:t>
-                              </m:r>
-                            </m:sup>
-                          </m:sSup>
-                        </m:e>
-                      </m:nary>
-                    </m:oMath>
-                  </m:oMathPara>
-                </a14:m>
-                <a:endParaRPr lang="en-DE" dirty="0"/>
-              </a:p>
-            </p:txBody>
-          </p:sp>
-        </mc:Choice>
-        <mc:Fallback>
-          <p:sp>
-            <p:nvSpPr>
-              <p:cNvPr id="12" name="TextBox 11">
-                <a:extLst>
-                  <a:ext uri="{FF2B5EF4-FFF2-40B4-BE49-F238E27FC236}">
-                    <a16:creationId xmlns:a16="http://schemas.microsoft.com/office/drawing/2014/main" id="{78957550-2BE6-02BD-C040-D173C041C839}"/>
-                  </a:ext>
-                </a:extLst>
-              </p:cNvPr>
-              <p:cNvSpPr txBox="1">
-                <a:spLocks noRot="1" noChangeAspect="1" noMove="1" noResize="1" noEditPoints="1" noAdjustHandles="1" noChangeArrowheads="1" noChangeShapeType="1" noTextEdit="1"/>
-              </p:cNvSpPr>
-              <p:nvPr/>
-            </p:nvSpPr>
-            <p:spPr>
-              <a:xfrm>
-                <a:off x="-7779" y="4021930"/>
-                <a:ext cx="5374869" cy="871457"/>
-              </a:xfrm>
-              <a:prstGeom prst="rect">
-                <a:avLst/>
-              </a:prstGeom>
-              <a:blipFill>
-                <a:blip r:embed="rId13"/>
-                <a:stretch>
-                  <a:fillRect/>
-                </a:stretch>
-              </a:blipFill>
-            </p:spPr>
-            <p:txBody>
-              <a:bodyPr/>
-              <a:lstStyle/>
-              <a:p>
-                <a:r>
-                  <a:rPr lang="en-DE">
-                    <a:noFill/>
-                  </a:rPr>
-                  <a:t> </a:t>
-                </a:r>
-              </a:p>
-            </p:txBody>
-          </p:sp>
-        </mc:Fallback>
-      </mc:AlternateContent>
-      <mc:AlternateContent xmlns:mc="http://schemas.openxmlformats.org/markup-compatibility/2006">
-        <mc:Choice xmlns:a14="http://schemas.microsoft.com/office/drawing/2010/main" Requires="a14">
-          <p:sp>
-            <p:nvSpPr>
-              <p:cNvPr id="18" name="TextBox 17">
-                <a:extLst>
-                  <a:ext uri="{FF2B5EF4-FFF2-40B4-BE49-F238E27FC236}">
-                    <a16:creationId xmlns:a16="http://schemas.microsoft.com/office/drawing/2014/main" id="{70BC2698-5A62-EDE8-6F31-5D046414A34D}"/>
-                  </a:ext>
-                </a:extLst>
-              </p:cNvPr>
-              <p:cNvSpPr txBox="1"/>
-              <p:nvPr/>
-            </p:nvSpPr>
-            <p:spPr>
-              <a:xfrm>
-                <a:off x="6002792" y="3643111"/>
-                <a:ext cx="4664754" cy="493853"/>
-              </a:xfrm>
-              <a:prstGeom prst="rect">
-                <a:avLst/>
-              </a:prstGeom>
-              <a:noFill/>
-            </p:spPr>
-            <p:txBody>
-              <a:bodyPr wrap="square">
-                <a:spAutoFit/>
-              </a:bodyPr>
-              <a:lstStyle/>
-              <a:p>
-                <a:pPr/>
-                <a14:m>
-                  <m:oMathPara xmlns:m="http://schemas.openxmlformats.org/officeDocument/2006/math">
-                    <m:oMathParaPr>
-                      <m:jc m:val="centerGroup"/>
-                    </m:oMathParaPr>
-                    <m:oMath xmlns:m="http://schemas.openxmlformats.org/officeDocument/2006/math">
-                      <m:r>
-                        <a:rPr lang="en-DE" i="1" smtClean="0">
-                          <a:latin typeface="Cambria Math" panose="02040503050406030204" pitchFamily="18" charset="0"/>
-                        </a:rPr>
-                        <m:t>𝑥𝑓</m:t>
-                      </m:r>
-                      <m:d>
-                        <m:dPr>
-                          <m:begChr m:val="["/>
-                          <m:endChr m:val="]"/>
-                          <m:ctrlPr>
-                            <a:rPr lang="en-DE" i="1">
-                              <a:solidFill>
-                                <a:srgbClr val="836967"/>
-                              </a:solidFill>
-                              <a:latin typeface="Cambria Math" panose="02040503050406030204" pitchFamily="18" charset="0"/>
-                            </a:rPr>
-                          </m:ctrlPr>
-                        </m:dPr>
-                        <m:e>
-                          <m:r>
-                            <a:rPr lang="en-DE" i="1">
-                              <a:latin typeface="Cambria Math" panose="02040503050406030204" pitchFamily="18" charset="0"/>
-                            </a:rPr>
-                            <m:t>𝑚</m:t>
-                          </m:r>
-                        </m:e>
-                      </m:d>
-                      <m:r>
-                        <a:rPr lang="en-DE" i="0">
-                          <a:latin typeface="Cambria Math" panose="02040503050406030204" pitchFamily="18" charset="0"/>
-                        </a:rPr>
-                        <m:t>∙</m:t>
-                      </m:r>
-                      <m:r>
-                        <a:rPr lang="en-DE" i="1">
-                          <a:latin typeface="Cambria Math" panose="02040503050406030204" pitchFamily="18" charset="0"/>
-                        </a:rPr>
-                        <m:t>h𝑓</m:t>
-                      </m:r>
-                      <m:d>
-                        <m:dPr>
-                          <m:begChr m:val="["/>
-                          <m:endChr m:val="]"/>
-                          <m:ctrlPr>
-                            <a:rPr lang="en-DE" i="1">
-                              <a:solidFill>
-                                <a:srgbClr val="836967"/>
-                              </a:solidFill>
-                              <a:latin typeface="Cambria Math" panose="02040503050406030204" pitchFamily="18" charset="0"/>
-                            </a:rPr>
-                          </m:ctrlPr>
-                        </m:dPr>
-                        <m:e>
-                          <m:r>
-                            <a:rPr lang="en-DE" i="1">
-                              <a:latin typeface="Cambria Math" panose="02040503050406030204" pitchFamily="18" charset="0"/>
-                            </a:rPr>
-                            <m:t>𝑚</m:t>
-                          </m:r>
-                        </m:e>
-                      </m:d>
-                      <m:r>
-                        <a:rPr lang="en-DE" i="0">
-                          <a:latin typeface="Cambria Math" panose="02040503050406030204" pitchFamily="18" charset="0"/>
-                        </a:rPr>
-                        <m:t>=</m:t>
-                      </m:r>
-                      <m:sSup>
-                        <m:sSupPr>
-                          <m:ctrlPr>
-                            <a:rPr lang="en-DE" i="1">
-                              <a:solidFill>
-                                <a:srgbClr val="836967"/>
-                              </a:solidFill>
-                              <a:latin typeface="Cambria Math" panose="02040503050406030204" pitchFamily="18" charset="0"/>
-                            </a:rPr>
-                          </m:ctrlPr>
-                        </m:sSupPr>
-                        <m:e>
-                          <m:r>
-                            <a:rPr lang="en-DE" i="1">
-                              <a:latin typeface="Cambria Math" panose="02040503050406030204" pitchFamily="18" charset="0"/>
-                            </a:rPr>
-                            <m:t>𝑥𝑓</m:t>
-                          </m:r>
-                          <m:d>
-                            <m:dPr>
-                              <m:begChr m:val="["/>
-                              <m:endChr m:val="]"/>
-                              <m:ctrlPr>
-                                <a:rPr lang="en-DE" i="1">
-                                  <a:solidFill>
-                                    <a:srgbClr val="836967"/>
-                                  </a:solidFill>
-                                  <a:latin typeface="Cambria Math" panose="02040503050406030204" pitchFamily="18" charset="0"/>
-                                </a:rPr>
-                              </m:ctrlPr>
-                            </m:dPr>
-                            <m:e>
-                              <m:r>
-                                <a:rPr lang="en-DE" i="1">
-                                  <a:latin typeface="Cambria Math" panose="02040503050406030204" pitchFamily="18" charset="0"/>
-                                </a:rPr>
-                                <m:t>𝑚</m:t>
-                              </m:r>
-                            </m:e>
-                          </m:d>
-                          <m:r>
-                            <a:rPr lang="en-DE" i="0">
-                              <a:latin typeface="Cambria Math" panose="02040503050406030204" pitchFamily="18" charset="0"/>
-                            </a:rPr>
-                            <m:t>∙</m:t>
-                          </m:r>
-                          <m:r>
-                            <a:rPr lang="en-DE" i="1">
-                              <a:latin typeface="Cambria Math" panose="02040503050406030204" pitchFamily="18" charset="0"/>
-                            </a:rPr>
-                            <m:t>𝑥𝑓</m:t>
-                          </m:r>
-                        </m:e>
-                        <m:sup>
-                          <m:r>
-                            <a:rPr lang="en-DE" i="0">
-                              <a:latin typeface="Cambria Math" panose="02040503050406030204" pitchFamily="18" charset="0"/>
-                            </a:rPr>
-                            <m:t>∗</m:t>
-                          </m:r>
-                        </m:sup>
-                      </m:sSup>
-                      <m:d>
-                        <m:dPr>
-                          <m:begChr m:val="["/>
-                          <m:endChr m:val="]"/>
-                          <m:ctrlPr>
-                            <a:rPr lang="en-DE" i="1">
-                              <a:solidFill>
-                                <a:srgbClr val="836967"/>
-                              </a:solidFill>
-                              <a:latin typeface="Cambria Math" panose="02040503050406030204" pitchFamily="18" charset="0"/>
-                            </a:rPr>
-                          </m:ctrlPr>
-                        </m:dPr>
-                        <m:e>
-                          <m:r>
-                            <a:rPr lang="en-DE" i="1">
-                              <a:latin typeface="Cambria Math" panose="02040503050406030204" pitchFamily="18" charset="0"/>
-                            </a:rPr>
-                            <m:t>𝑚</m:t>
-                          </m:r>
-                        </m:e>
-                      </m:d>
-                      <m:sSup>
-                        <m:sSupPr>
-                          <m:ctrlPr>
-                            <a:rPr lang="en-DE" i="1">
-                              <a:solidFill>
-                                <a:srgbClr val="836967"/>
-                              </a:solidFill>
-                              <a:latin typeface="Cambria Math" panose="02040503050406030204" pitchFamily="18" charset="0"/>
-                            </a:rPr>
-                          </m:ctrlPr>
-                        </m:sSupPr>
-                        <m:e>
-                          <m:r>
-                            <a:rPr lang="en-DE" i="0">
-                              <a:latin typeface="Cambria Math" panose="02040503050406030204" pitchFamily="18" charset="0"/>
-                            </a:rPr>
-                            <m:t>∙</m:t>
-                          </m:r>
-                          <m:r>
-                            <a:rPr lang="en-DE" i="1">
-                              <a:latin typeface="Cambria Math" panose="02040503050406030204" pitchFamily="18" charset="0"/>
-                            </a:rPr>
-                            <m:t>𝑒</m:t>
-                          </m:r>
-                        </m:e>
-                        <m:sup>
-                          <m:r>
-                            <a:rPr lang="en-DE" i="0">
-                              <a:latin typeface="Cambria Math" panose="02040503050406030204" pitchFamily="18" charset="0"/>
-                            </a:rPr>
-                            <m:t>−</m:t>
-                          </m:r>
-                          <m:r>
-                            <a:rPr lang="en-DE" i="1">
-                              <a:latin typeface="Cambria Math" panose="02040503050406030204" pitchFamily="18" charset="0"/>
-                            </a:rPr>
-                            <m:t>𝑗</m:t>
-                          </m:r>
-                          <m:f>
-                            <m:fPr>
-                              <m:ctrlPr>
-                                <a:rPr lang="en-DE" i="1">
-                                  <a:solidFill>
-                                    <a:srgbClr val="836967"/>
-                                  </a:solidFill>
-                                  <a:latin typeface="Cambria Math" panose="02040503050406030204" pitchFamily="18" charset="0"/>
-                                </a:rPr>
-                              </m:ctrlPr>
-                            </m:fPr>
-                            <m:num>
-                              <m:r>
-                                <a:rPr lang="en-DE" i="0">
-                                  <a:latin typeface="Cambria Math" panose="02040503050406030204" pitchFamily="18" charset="0"/>
-                                </a:rPr>
-                                <m:t>2</m:t>
-                              </m:r>
-                              <m:r>
-                                <a:rPr lang="en-DE" i="1">
-                                  <a:latin typeface="Cambria Math" panose="02040503050406030204" pitchFamily="18" charset="0"/>
-                                </a:rPr>
-                                <m:t>𝜋</m:t>
-                              </m:r>
-                            </m:num>
-                            <m:den>
-                              <m:r>
-                                <a:rPr lang="en-DE" i="1">
-                                  <a:latin typeface="Cambria Math" panose="02040503050406030204" pitchFamily="18" charset="0"/>
-                                </a:rPr>
-                                <m:t>𝑁</m:t>
-                              </m:r>
-                            </m:den>
-                          </m:f>
-                          <m:sSub>
-                            <m:sSubPr>
-                              <m:ctrlPr>
-                                <a:rPr lang="en-DE" i="1">
-                                  <a:solidFill>
-                                    <a:srgbClr val="836967"/>
-                                  </a:solidFill>
-                                  <a:latin typeface="Cambria Math" panose="02040503050406030204" pitchFamily="18" charset="0"/>
-                                </a:rPr>
-                              </m:ctrlPr>
-                            </m:sSubPr>
-                            <m:e>
-                              <m:r>
-                                <a:rPr lang="en-DE" i="1">
-                                  <a:latin typeface="Cambria Math" panose="02040503050406030204" pitchFamily="18" charset="0"/>
-                                </a:rPr>
-                                <m:t>𝑘</m:t>
-                              </m:r>
-                            </m:e>
-                            <m:sub>
-                              <m:r>
-                                <a:rPr lang="en-DE" i="0">
-                                  <a:latin typeface="Cambria Math" panose="02040503050406030204" pitchFamily="18" charset="0"/>
-                                </a:rPr>
-                                <m:t>0</m:t>
-                              </m:r>
-                            </m:sub>
-                          </m:sSub>
-                          <m:r>
-                            <a:rPr lang="en-DE" i="1">
-                              <a:latin typeface="Cambria Math" panose="02040503050406030204" pitchFamily="18" charset="0"/>
-                            </a:rPr>
-                            <m:t>𝑚</m:t>
-                          </m:r>
-                        </m:sup>
-                      </m:sSup>
-                      <m:r>
-                        <a:rPr lang="en-DE" i="0">
-                          <a:latin typeface="Cambria Math" panose="02040503050406030204" pitchFamily="18" charset="0"/>
-                        </a:rPr>
-                        <m:t>=</m:t>
-                      </m:r>
-                    </m:oMath>
-                  </m:oMathPara>
-                </a14:m>
-                <a:endParaRPr lang="en-DE" dirty="0"/>
-              </a:p>
-            </p:txBody>
-          </p:sp>
-        </mc:Choice>
-        <mc:Fallback>
-          <p:sp>
-            <p:nvSpPr>
-              <p:cNvPr id="18" name="TextBox 17">
-                <a:extLst>
-                  <a:ext uri="{FF2B5EF4-FFF2-40B4-BE49-F238E27FC236}">
-                    <a16:creationId xmlns:a16="http://schemas.microsoft.com/office/drawing/2014/main" id="{70BC2698-5A62-EDE8-6F31-5D046414A34D}"/>
-                  </a:ext>
-                </a:extLst>
-              </p:cNvPr>
-              <p:cNvSpPr txBox="1">
-                <a:spLocks noRot="1" noChangeAspect="1" noMove="1" noResize="1" noEditPoints="1" noAdjustHandles="1" noChangeArrowheads="1" noChangeShapeType="1" noTextEdit="1"/>
-              </p:cNvSpPr>
-              <p:nvPr/>
-            </p:nvSpPr>
-            <p:spPr>
-              <a:xfrm>
-                <a:off x="6002792" y="3643111"/>
-                <a:ext cx="4664754" cy="493853"/>
-              </a:xfrm>
-              <a:prstGeom prst="rect">
-                <a:avLst/>
-              </a:prstGeom>
-              <a:blipFill>
-                <a:blip r:embed="rId14"/>
-                <a:stretch>
-                  <a:fillRect/>
-                </a:stretch>
-              </a:blipFill>
-            </p:spPr>
-            <p:txBody>
-              <a:bodyPr/>
-              <a:lstStyle/>
-              <a:p>
-                <a:r>
-                  <a:rPr lang="en-DE">
-                    <a:noFill/>
-                  </a:rPr>
-                  <a:t> </a:t>
-                </a:r>
-              </a:p>
-            </p:txBody>
-          </p:sp>
-        </mc:Fallback>
-      </mc:AlternateContent>
-      <mc:AlternateContent xmlns:mc="http://schemas.openxmlformats.org/markup-compatibility/2006">
-        <mc:Choice xmlns:a14="http://schemas.microsoft.com/office/drawing/2010/main" Requires="a14">
-          <p:sp>
-            <p:nvSpPr>
-              <p:cNvPr id="20" name="TextBox 19">
-                <a:extLst>
-                  <a:ext uri="{FF2B5EF4-FFF2-40B4-BE49-F238E27FC236}">
-                    <a16:creationId xmlns:a16="http://schemas.microsoft.com/office/drawing/2014/main" id="{6D08295C-41EB-CD9E-DE44-0FE2D00ECBC4}"/>
-                  </a:ext>
-                </a:extLst>
-              </p:cNvPr>
-              <p:cNvSpPr txBox="1"/>
-              <p:nvPr/>
-            </p:nvSpPr>
-            <p:spPr>
-              <a:xfrm>
-                <a:off x="9761877" y="3912769"/>
-                <a:ext cx="2247219" cy="493853"/>
-              </a:xfrm>
-              <a:prstGeom prst="rect">
-                <a:avLst/>
-              </a:prstGeom>
-              <a:noFill/>
-            </p:spPr>
-            <p:txBody>
-              <a:bodyPr wrap="square">
-                <a:spAutoFit/>
-              </a:bodyPr>
-              <a:lstStyle/>
-              <a:p>
-                <a:pPr/>
-                <a14:m>
-                  <m:oMathPara xmlns:m="http://schemas.openxmlformats.org/officeDocument/2006/math">
-                    <m:oMathParaPr>
-                      <m:jc m:val="centerGroup"/>
-                    </m:oMathParaPr>
-                    <m:oMath xmlns:m="http://schemas.openxmlformats.org/officeDocument/2006/math">
-                      <m:sSup>
-                        <m:sSupPr>
-                          <m:ctrlPr>
-                            <a:rPr lang="en-DE" i="1" smtClean="0">
-                              <a:solidFill>
-                                <a:srgbClr val="836967"/>
-                              </a:solidFill>
-                              <a:latin typeface="Cambria Math" panose="02040503050406030204" pitchFamily="18" charset="0"/>
-                            </a:rPr>
-                          </m:ctrlPr>
-                        </m:sSupPr>
-                        <m:e>
-                          <m:r>
-                            <a:rPr lang="en-DE">
-                              <a:latin typeface="Cambria Math" panose="02040503050406030204" pitchFamily="18" charset="0"/>
-                            </a:rPr>
-                            <m:t>=</m:t>
-                          </m:r>
-                          <m:d>
-                            <m:dPr>
-                              <m:begChr m:val="|"/>
-                              <m:endChr m:val="|"/>
-                              <m:ctrlPr>
-                                <a:rPr lang="en-DE" i="1">
-                                  <a:solidFill>
-                                    <a:srgbClr val="836967"/>
-                                  </a:solidFill>
-                                  <a:latin typeface="Cambria Math" panose="02040503050406030204" pitchFamily="18" charset="0"/>
-                                </a:rPr>
-                              </m:ctrlPr>
-                            </m:dPr>
-                            <m:e>
-                              <m:r>
-                                <a:rPr lang="en-DE" i="1">
-                                  <a:latin typeface="Cambria Math" panose="02040503050406030204" pitchFamily="18" charset="0"/>
-                                </a:rPr>
-                                <m:t>𝑥𝑓</m:t>
-                              </m:r>
-                              <m:d>
-                                <m:dPr>
-                                  <m:begChr m:val="["/>
-                                  <m:endChr m:val="]"/>
-                                  <m:ctrlPr>
-                                    <a:rPr lang="en-DE" i="1">
-                                      <a:solidFill>
-                                        <a:srgbClr val="836967"/>
-                                      </a:solidFill>
-                                      <a:latin typeface="Cambria Math" panose="02040503050406030204" pitchFamily="18" charset="0"/>
-                                    </a:rPr>
-                                  </m:ctrlPr>
-                                </m:dPr>
-                                <m:e>
-                                  <m:r>
-                                    <a:rPr lang="en-DE" i="1">
-                                      <a:latin typeface="Cambria Math" panose="02040503050406030204" pitchFamily="18" charset="0"/>
-                                    </a:rPr>
-                                    <m:t>𝑚</m:t>
-                                  </m:r>
-                                </m:e>
-                              </m:d>
-                            </m:e>
-                          </m:d>
-                        </m:e>
-                        <m:sup>
-                          <m:r>
-                            <a:rPr lang="en-DE" i="0">
-                              <a:latin typeface="Cambria Math" panose="02040503050406030204" pitchFamily="18" charset="0"/>
-                            </a:rPr>
-                            <m:t>2</m:t>
-                          </m:r>
-                        </m:sup>
-                      </m:sSup>
-                      <m:sSup>
-                        <m:sSupPr>
-                          <m:ctrlPr>
-                            <a:rPr lang="en-DE" i="1">
-                              <a:solidFill>
-                                <a:srgbClr val="836967"/>
-                              </a:solidFill>
-                              <a:latin typeface="Cambria Math" panose="02040503050406030204" pitchFamily="18" charset="0"/>
-                            </a:rPr>
-                          </m:ctrlPr>
-                        </m:sSupPr>
-                        <m:e>
-                          <m:r>
-                            <a:rPr lang="en-DE" i="0">
-                              <a:latin typeface="Cambria Math" panose="02040503050406030204" pitchFamily="18" charset="0"/>
-                            </a:rPr>
-                            <m:t>∙</m:t>
-                          </m:r>
-                          <m:r>
-                            <a:rPr lang="en-DE" i="1">
-                              <a:latin typeface="Cambria Math" panose="02040503050406030204" pitchFamily="18" charset="0"/>
-                            </a:rPr>
-                            <m:t>𝑒</m:t>
-                          </m:r>
-                        </m:e>
-                        <m:sup>
-                          <m:r>
-                            <a:rPr lang="en-DE" i="0">
-                              <a:latin typeface="Cambria Math" panose="02040503050406030204" pitchFamily="18" charset="0"/>
-                            </a:rPr>
-                            <m:t>−</m:t>
-                          </m:r>
-                          <m:r>
-                            <a:rPr lang="en-DE" i="1">
-                              <a:latin typeface="Cambria Math" panose="02040503050406030204" pitchFamily="18" charset="0"/>
-                            </a:rPr>
-                            <m:t>𝑗</m:t>
-                          </m:r>
-                          <m:f>
-                            <m:fPr>
-                              <m:ctrlPr>
-                                <a:rPr lang="en-DE" i="1">
-                                  <a:solidFill>
-                                    <a:srgbClr val="836967"/>
-                                  </a:solidFill>
-                                  <a:latin typeface="Cambria Math" panose="02040503050406030204" pitchFamily="18" charset="0"/>
-                                </a:rPr>
-                              </m:ctrlPr>
-                            </m:fPr>
-                            <m:num>
-                              <m:r>
-                                <a:rPr lang="en-DE" i="0">
-                                  <a:latin typeface="Cambria Math" panose="02040503050406030204" pitchFamily="18" charset="0"/>
-                                </a:rPr>
-                                <m:t>2</m:t>
-                              </m:r>
-                              <m:r>
-                                <a:rPr lang="en-DE" i="1">
-                                  <a:latin typeface="Cambria Math" panose="02040503050406030204" pitchFamily="18" charset="0"/>
-                                </a:rPr>
-                                <m:t>𝜋</m:t>
-                              </m:r>
-                            </m:num>
-                            <m:den>
-                              <m:r>
-                                <a:rPr lang="en-DE" i="1">
-                                  <a:latin typeface="Cambria Math" panose="02040503050406030204" pitchFamily="18" charset="0"/>
-                                </a:rPr>
-                                <m:t>𝑁</m:t>
-                              </m:r>
-                            </m:den>
-                          </m:f>
-                          <m:sSub>
-                            <m:sSubPr>
-                              <m:ctrlPr>
-                                <a:rPr lang="en-DE" i="1">
-                                  <a:solidFill>
-                                    <a:srgbClr val="836967"/>
-                                  </a:solidFill>
-                                  <a:latin typeface="Cambria Math" panose="02040503050406030204" pitchFamily="18" charset="0"/>
-                                </a:rPr>
-                              </m:ctrlPr>
-                            </m:sSubPr>
-                            <m:e>
-                              <m:r>
-                                <a:rPr lang="en-DE" i="1">
-                                  <a:latin typeface="Cambria Math" panose="02040503050406030204" pitchFamily="18" charset="0"/>
-                                </a:rPr>
-                                <m:t>𝑘</m:t>
-                              </m:r>
-                            </m:e>
-                            <m:sub>
-                              <m:r>
-                                <a:rPr lang="en-DE" i="0">
-                                  <a:latin typeface="Cambria Math" panose="02040503050406030204" pitchFamily="18" charset="0"/>
-                                </a:rPr>
-                                <m:t>0</m:t>
-                              </m:r>
-                            </m:sub>
-                          </m:sSub>
-                          <m:r>
-                            <a:rPr lang="en-DE" i="1">
-                              <a:latin typeface="Cambria Math" panose="02040503050406030204" pitchFamily="18" charset="0"/>
-                            </a:rPr>
-                            <m:t>𝑚</m:t>
-                          </m:r>
-                        </m:sup>
-                      </m:sSup>
-                    </m:oMath>
-                  </m:oMathPara>
-                </a14:m>
-                <a:endParaRPr lang="en-DE" dirty="0"/>
-              </a:p>
-            </p:txBody>
-          </p:sp>
-        </mc:Choice>
-        <mc:Fallback>
-          <p:sp>
-            <p:nvSpPr>
-              <p:cNvPr id="20" name="TextBox 19">
-                <a:extLst>
-                  <a:ext uri="{FF2B5EF4-FFF2-40B4-BE49-F238E27FC236}">
-                    <a16:creationId xmlns:a16="http://schemas.microsoft.com/office/drawing/2014/main" id="{6D08295C-41EB-CD9E-DE44-0FE2D00ECBC4}"/>
-                  </a:ext>
-                </a:extLst>
-              </p:cNvPr>
-              <p:cNvSpPr txBox="1">
-                <a:spLocks noRot="1" noChangeAspect="1" noMove="1" noResize="1" noEditPoints="1" noAdjustHandles="1" noChangeArrowheads="1" noChangeShapeType="1" noTextEdit="1"/>
-              </p:cNvSpPr>
-              <p:nvPr/>
-            </p:nvSpPr>
-            <p:spPr>
-              <a:xfrm>
-                <a:off x="9761877" y="3912769"/>
-                <a:ext cx="2247219" cy="493853"/>
-              </a:xfrm>
-              <a:prstGeom prst="rect">
-                <a:avLst/>
-              </a:prstGeom>
-              <a:blipFill>
-                <a:blip r:embed="rId15"/>
-                <a:stretch>
-                  <a:fillRect/>
-                </a:stretch>
-              </a:blipFill>
-            </p:spPr>
-            <p:txBody>
-              <a:bodyPr/>
-              <a:lstStyle/>
-              <a:p>
-                <a:r>
-                  <a:rPr lang="en-DE">
-                    <a:noFill/>
-                  </a:rPr>
-                  <a:t> </a:t>
-                </a:r>
-              </a:p>
-            </p:txBody>
-          </p:sp>
-        </mc:Fallback>
-      </mc:AlternateContent>
-      <mc:AlternateContent xmlns:mc="http://schemas.openxmlformats.org/markup-compatibility/2006">
-        <mc:Choice xmlns:a14="http://schemas.microsoft.com/office/drawing/2010/main" Requires="a14">
-          <p:sp>
-            <p:nvSpPr>
-              <p:cNvPr id="23" name="TextBox 22">
-                <a:extLst>
-                  <a:ext uri="{FF2B5EF4-FFF2-40B4-BE49-F238E27FC236}">
-                    <a16:creationId xmlns:a16="http://schemas.microsoft.com/office/drawing/2014/main" id="{CC819027-EBAF-DD3A-22EC-B80A0460528F}"/>
-                  </a:ext>
-                </a:extLst>
-              </p:cNvPr>
-              <p:cNvSpPr txBox="1"/>
-              <p:nvPr/>
-            </p:nvSpPr>
-            <p:spPr>
-              <a:xfrm>
-                <a:off x="1739" y="4883862"/>
-                <a:ext cx="5897784" cy="871457"/>
-              </a:xfrm>
-              <a:prstGeom prst="rect">
-                <a:avLst/>
-              </a:prstGeom>
-              <a:noFill/>
-            </p:spPr>
-            <p:txBody>
-              <a:bodyPr wrap="square">
-                <a:spAutoFit/>
-              </a:bodyPr>
-              <a:lstStyle/>
-              <a:p>
-                <a:pPr/>
-                <a14:m>
-                  <m:oMathPara xmlns:m="http://schemas.openxmlformats.org/officeDocument/2006/math">
-                    <m:oMathParaPr>
-                      <m:jc m:val="centerGroup"/>
-                    </m:oMathParaPr>
-                    <m:oMath xmlns:m="http://schemas.openxmlformats.org/officeDocument/2006/math">
-                      <m:sSub>
-                        <m:sSubPr>
-                          <m:ctrlPr>
-                            <a:rPr lang="en-DE" i="1" smtClean="0">
-                              <a:solidFill>
-                                <a:srgbClr val="836967"/>
-                              </a:solidFill>
-                              <a:latin typeface="Cambria Math" panose="02040503050406030204" pitchFamily="18" charset="0"/>
-                            </a:rPr>
-                          </m:ctrlPr>
-                        </m:sSubPr>
-                        <m:e>
-                          <m:r>
-                            <a:rPr lang="en-DE" i="1">
-                              <a:latin typeface="Cambria Math" panose="02040503050406030204" pitchFamily="18" charset="0"/>
-                            </a:rPr>
-                            <m:t>𝑦</m:t>
-                          </m:r>
-                        </m:e>
-                        <m:sub>
-                          <m:r>
-                            <a:rPr lang="en-DE" i="1">
-                              <a:latin typeface="Cambria Math" panose="02040503050406030204" pitchFamily="18" charset="0"/>
-                            </a:rPr>
-                            <m:t>𝑛</m:t>
-                          </m:r>
-                        </m:sub>
-                      </m:sSub>
-                      <m:d>
-                        <m:dPr>
-                          <m:begChr m:val="["/>
-                          <m:endChr m:val="]"/>
-                          <m:ctrlPr>
-                            <a:rPr lang="en-DE" i="1">
-                              <a:solidFill>
-                                <a:srgbClr val="836967"/>
-                              </a:solidFill>
-                              <a:latin typeface="Cambria Math" panose="02040503050406030204" pitchFamily="18" charset="0"/>
-                            </a:rPr>
-                          </m:ctrlPr>
-                        </m:dPr>
-                        <m:e>
-                          <m:sSub>
-                            <m:sSubPr>
-                              <m:ctrlPr>
-                                <a:rPr lang="en-DE" i="1">
-                                  <a:solidFill>
-                                    <a:srgbClr val="836967"/>
-                                  </a:solidFill>
-                                  <a:latin typeface="Cambria Math" panose="02040503050406030204" pitchFamily="18" charset="0"/>
-                                </a:rPr>
-                              </m:ctrlPr>
-                            </m:sSubPr>
-                            <m:e>
-                              <m:r>
-                                <a:rPr lang="en-DE" i="1">
-                                  <a:latin typeface="Cambria Math" panose="02040503050406030204" pitchFamily="18" charset="0"/>
-                                </a:rPr>
-                                <m:t>𝑘</m:t>
-                              </m:r>
-                            </m:e>
-                            <m:sub>
-                              <m:r>
-                                <a:rPr lang="en-DE" i="0">
-                                  <a:latin typeface="Cambria Math" panose="02040503050406030204" pitchFamily="18" charset="0"/>
-                                </a:rPr>
-                                <m:t>0</m:t>
-                              </m:r>
-                            </m:sub>
-                          </m:sSub>
-                        </m:e>
-                      </m:d>
-                      <m:r>
-                        <a:rPr lang="en-DE" i="0">
-                          <a:latin typeface="Cambria Math" panose="02040503050406030204" pitchFamily="18" charset="0"/>
-                        </a:rPr>
-                        <m:t>=</m:t>
-                      </m:r>
-                      <m:f>
-                        <m:fPr>
-                          <m:ctrlPr>
-                            <a:rPr lang="en-DE" i="1">
-                              <a:solidFill>
-                                <a:srgbClr val="836967"/>
-                              </a:solidFill>
-                              <a:latin typeface="Cambria Math" panose="02040503050406030204" pitchFamily="18" charset="0"/>
-                            </a:rPr>
-                          </m:ctrlPr>
-                        </m:fPr>
-                        <m:num>
-                          <m:r>
-                            <a:rPr lang="en-DE" i="0">
-                              <a:latin typeface="Cambria Math" panose="02040503050406030204" pitchFamily="18" charset="0"/>
-                            </a:rPr>
-                            <m:t>1</m:t>
-                          </m:r>
-                        </m:num>
-                        <m:den>
-                          <m:r>
-                            <a:rPr lang="en-DE" i="1">
-                              <a:latin typeface="Cambria Math" panose="02040503050406030204" pitchFamily="18" charset="0"/>
-                            </a:rPr>
-                            <m:t>𝑁</m:t>
-                          </m:r>
-                        </m:den>
-                      </m:f>
-                      <m:nary>
-                        <m:naryPr>
-                          <m:chr m:val="∑"/>
-                          <m:limLoc m:val="undOvr"/>
-                          <m:ctrlPr>
-                            <a:rPr lang="en-DE" i="1">
-                              <a:latin typeface="Cambria Math" panose="02040503050406030204" pitchFamily="18" charset="0"/>
-                            </a:rPr>
-                          </m:ctrlPr>
-                        </m:naryPr>
-                        <m:sub>
-                          <m:r>
-                            <a:rPr lang="en-DE" i="1">
-                              <a:latin typeface="Cambria Math" panose="02040503050406030204" pitchFamily="18" charset="0"/>
-                            </a:rPr>
-                            <m:t>𝑚</m:t>
-                          </m:r>
-                          <m:r>
-                            <a:rPr lang="en-DE" i="0">
-                              <a:latin typeface="Cambria Math" panose="02040503050406030204" pitchFamily="18" charset="0"/>
-                            </a:rPr>
-                            <m:t>=0</m:t>
-                          </m:r>
-                        </m:sub>
-                        <m:sup>
-                          <m:r>
-                            <a:rPr lang="en-DE" i="1">
-                              <a:latin typeface="Cambria Math" panose="02040503050406030204" pitchFamily="18" charset="0"/>
-                            </a:rPr>
-                            <m:t>𝑁</m:t>
-                          </m:r>
-                          <m:r>
-                            <a:rPr lang="en-DE" i="0">
-                              <a:latin typeface="Cambria Math" panose="02040503050406030204" pitchFamily="18" charset="0"/>
-                            </a:rPr>
-                            <m:t>−1</m:t>
-                          </m:r>
-                        </m:sup>
-                        <m:e>
-                          <m:d>
-                            <m:dPr>
-                              <m:ctrlPr>
-                                <a:rPr lang="en-DE" i="1">
-                                  <a:solidFill>
-                                    <a:srgbClr val="836967"/>
-                                  </a:solidFill>
-                                  <a:latin typeface="Cambria Math" panose="02040503050406030204" pitchFamily="18" charset="0"/>
-                                </a:rPr>
-                              </m:ctrlPr>
-                            </m:dPr>
-                            <m:e>
-                              <m:r>
-                                <a:rPr lang="en-DE" i="1">
-                                  <a:latin typeface="Cambria Math" panose="02040503050406030204" pitchFamily="18" charset="0"/>
-                                </a:rPr>
-                                <m:t>𝑛𝑓</m:t>
-                              </m:r>
-                              <m:d>
-                                <m:dPr>
-                                  <m:begChr m:val="["/>
-                                  <m:endChr m:val="]"/>
-                                  <m:ctrlPr>
-                                    <a:rPr lang="en-DE" i="1">
-                                      <a:solidFill>
-                                        <a:srgbClr val="836967"/>
-                                      </a:solidFill>
-                                      <a:latin typeface="Cambria Math" panose="02040503050406030204" pitchFamily="18" charset="0"/>
-                                    </a:rPr>
-                                  </m:ctrlPr>
-                                </m:dPr>
-                                <m:e>
-                                  <m:r>
-                                    <a:rPr lang="en-DE" i="1">
-                                      <a:latin typeface="Cambria Math" panose="02040503050406030204" pitchFamily="18" charset="0"/>
-                                    </a:rPr>
-                                    <m:t>𝑚</m:t>
-                                  </m:r>
-                                </m:e>
-                              </m:d>
-                              <m:r>
-                                <a:rPr lang="en-DE" i="0">
-                                  <a:latin typeface="Cambria Math" panose="02040503050406030204" pitchFamily="18" charset="0"/>
-                                </a:rPr>
-                                <m:t>∙</m:t>
-                              </m:r>
-                              <m:sSup>
-                                <m:sSupPr>
-                                  <m:ctrlPr>
-                                    <a:rPr lang="en-DE" i="1">
-                                      <a:solidFill>
-                                        <a:srgbClr val="836967"/>
-                                      </a:solidFill>
-                                      <a:latin typeface="Cambria Math" panose="02040503050406030204" pitchFamily="18" charset="0"/>
-                                    </a:rPr>
-                                  </m:ctrlPr>
-                                </m:sSupPr>
-                                <m:e>
-                                  <m:r>
-                                    <a:rPr lang="en-DE" i="1">
-                                      <a:latin typeface="Cambria Math" panose="02040503050406030204" pitchFamily="18" charset="0"/>
-                                    </a:rPr>
-                                    <m:t>𝑥𝑓</m:t>
-                                  </m:r>
-                                </m:e>
-                                <m:sup>
-                                  <m:r>
-                                    <a:rPr lang="en-DE" i="0">
-                                      <a:latin typeface="Cambria Math" panose="02040503050406030204" pitchFamily="18" charset="0"/>
-                                    </a:rPr>
-                                    <m:t>∗</m:t>
-                                  </m:r>
-                                </m:sup>
-                              </m:sSup>
-                              <m:d>
-                                <m:dPr>
-                                  <m:begChr m:val="["/>
-                                  <m:endChr m:val="]"/>
-                                  <m:ctrlPr>
-                                    <a:rPr lang="en-DE" i="1">
-                                      <a:solidFill>
-                                        <a:srgbClr val="836967"/>
-                                      </a:solidFill>
-                                      <a:latin typeface="Cambria Math" panose="02040503050406030204" pitchFamily="18" charset="0"/>
-                                    </a:rPr>
-                                  </m:ctrlPr>
-                                </m:dPr>
-                                <m:e>
-                                  <m:r>
-                                    <a:rPr lang="en-DE" i="1">
-                                      <a:latin typeface="Cambria Math" panose="02040503050406030204" pitchFamily="18" charset="0"/>
-                                    </a:rPr>
-                                    <m:t>𝑚</m:t>
-                                  </m:r>
-                                </m:e>
-                              </m:d>
-                            </m:e>
-                          </m:d>
-                          <m:r>
-                            <a:rPr lang="en-DE" i="0">
-                              <a:latin typeface="Cambria Math" panose="02040503050406030204" pitchFamily="18" charset="0"/>
-                            </a:rPr>
-                            <m:t>∙</m:t>
-                          </m:r>
-                          <m:d>
-                            <m:dPr>
-                              <m:ctrlPr>
-                                <a:rPr lang="en-DE" i="1">
-                                  <a:solidFill>
-                                    <a:srgbClr val="836967"/>
-                                  </a:solidFill>
-                                  <a:latin typeface="Cambria Math" panose="02040503050406030204" pitchFamily="18" charset="0"/>
-                                </a:rPr>
-                              </m:ctrlPr>
-                            </m:dPr>
-                            <m:e>
-                              <m:sSup>
-                                <m:sSupPr>
-                                  <m:ctrlPr>
-                                    <a:rPr lang="en-DE" i="1">
-                                      <a:solidFill>
-                                        <a:srgbClr val="836967"/>
-                                      </a:solidFill>
-                                      <a:latin typeface="Cambria Math" panose="02040503050406030204" pitchFamily="18" charset="0"/>
-                                    </a:rPr>
-                                  </m:ctrlPr>
-                                </m:sSupPr>
-                                <m:e>
-                                  <m:r>
-                                    <a:rPr lang="en-DE" i="1">
-                                      <a:latin typeface="Cambria Math" panose="02040503050406030204" pitchFamily="18" charset="0"/>
-                                    </a:rPr>
-                                    <m:t>𝑒</m:t>
-                                  </m:r>
-                                </m:e>
-                                <m:sup>
-                                  <m:r>
-                                    <a:rPr lang="en-DE" i="0">
-                                      <a:latin typeface="Cambria Math" panose="02040503050406030204" pitchFamily="18" charset="0"/>
-                                    </a:rPr>
-                                    <m:t>−</m:t>
-                                  </m:r>
-                                  <m:r>
-                                    <a:rPr lang="en-DE" i="1">
-                                      <a:latin typeface="Cambria Math" panose="02040503050406030204" pitchFamily="18" charset="0"/>
-                                    </a:rPr>
-                                    <m:t>𝑗</m:t>
-                                  </m:r>
-                                  <m:f>
-                                    <m:fPr>
-                                      <m:ctrlPr>
-                                        <a:rPr lang="en-DE" i="1">
-                                          <a:solidFill>
-                                            <a:srgbClr val="836967"/>
-                                          </a:solidFill>
-                                          <a:latin typeface="Cambria Math" panose="02040503050406030204" pitchFamily="18" charset="0"/>
-                                        </a:rPr>
-                                      </m:ctrlPr>
-                                    </m:fPr>
-                                    <m:num>
-                                      <m:r>
-                                        <a:rPr lang="en-DE" i="0">
-                                          <a:latin typeface="Cambria Math" panose="02040503050406030204" pitchFamily="18" charset="0"/>
-                                        </a:rPr>
-                                        <m:t>2</m:t>
-                                      </m:r>
-                                      <m:r>
-                                        <a:rPr lang="en-DE" i="1">
-                                          <a:latin typeface="Cambria Math" panose="02040503050406030204" pitchFamily="18" charset="0"/>
-                                        </a:rPr>
-                                        <m:t>𝜋</m:t>
-                                      </m:r>
-                                    </m:num>
-                                    <m:den>
-                                      <m:r>
-                                        <a:rPr lang="en-DE" i="1">
-                                          <a:latin typeface="Cambria Math" panose="02040503050406030204" pitchFamily="18" charset="0"/>
-                                        </a:rPr>
-                                        <m:t>𝑁</m:t>
-                                      </m:r>
-                                    </m:den>
-                                  </m:f>
-                                  <m:sSub>
-                                    <m:sSubPr>
-                                      <m:ctrlPr>
-                                        <a:rPr lang="en-DE" i="1">
-                                          <a:solidFill>
-                                            <a:srgbClr val="836967"/>
-                                          </a:solidFill>
-                                          <a:latin typeface="Cambria Math" panose="02040503050406030204" pitchFamily="18" charset="0"/>
-                                        </a:rPr>
-                                      </m:ctrlPr>
-                                    </m:sSubPr>
-                                    <m:e>
-                                      <m:r>
-                                        <a:rPr lang="en-DE" i="1">
-                                          <a:latin typeface="Cambria Math" panose="02040503050406030204" pitchFamily="18" charset="0"/>
-                                        </a:rPr>
-                                        <m:t>𝑘</m:t>
-                                      </m:r>
-                                    </m:e>
-                                    <m:sub>
-                                      <m:r>
-                                        <a:rPr lang="en-DE" i="0">
-                                          <a:latin typeface="Cambria Math" panose="02040503050406030204" pitchFamily="18" charset="0"/>
-                                        </a:rPr>
-                                        <m:t>0</m:t>
-                                      </m:r>
-                                    </m:sub>
-                                  </m:sSub>
-                                  <m:r>
-                                    <a:rPr lang="en-DE" i="1">
-                                      <a:latin typeface="Cambria Math" panose="02040503050406030204" pitchFamily="18" charset="0"/>
-                                    </a:rPr>
-                                    <m:t>𝑚</m:t>
-                                  </m:r>
-                                </m:sup>
-                              </m:sSup>
-                              <m:sSup>
-                                <m:sSupPr>
-                                  <m:ctrlPr>
-                                    <a:rPr lang="en-DE" i="1">
-                                      <a:solidFill>
-                                        <a:srgbClr val="836967"/>
-                                      </a:solidFill>
-                                      <a:latin typeface="Cambria Math" panose="02040503050406030204" pitchFamily="18" charset="0"/>
-                                    </a:rPr>
-                                  </m:ctrlPr>
-                                </m:sSupPr>
-                                <m:e>
-                                  <m:r>
-                                    <a:rPr lang="en-DE" i="0">
-                                      <a:latin typeface="Cambria Math" panose="02040503050406030204" pitchFamily="18" charset="0"/>
-                                    </a:rPr>
-                                    <m:t>∙</m:t>
-                                  </m:r>
-                                  <m:r>
-                                    <a:rPr lang="en-DE" i="1">
-                                      <a:latin typeface="Cambria Math" panose="02040503050406030204" pitchFamily="18" charset="0"/>
-                                    </a:rPr>
-                                    <m:t>𝑒</m:t>
-                                  </m:r>
-                                </m:e>
-                                <m:sup>
-                                  <m:r>
-                                    <a:rPr lang="en-DE" i="1">
-                                      <a:latin typeface="Cambria Math" panose="02040503050406030204" pitchFamily="18" charset="0"/>
-                                    </a:rPr>
-                                    <m:t>𝑗</m:t>
-                                  </m:r>
-                                  <m:f>
-                                    <m:fPr>
-                                      <m:ctrlPr>
-                                        <a:rPr lang="en-DE" i="1">
-                                          <a:solidFill>
-                                            <a:srgbClr val="836967"/>
-                                          </a:solidFill>
-                                          <a:latin typeface="Cambria Math" panose="02040503050406030204" pitchFamily="18" charset="0"/>
-                                        </a:rPr>
-                                      </m:ctrlPr>
-                                    </m:fPr>
-                                    <m:num>
-                                      <m:r>
-                                        <a:rPr lang="en-DE" i="0">
-                                          <a:latin typeface="Cambria Math" panose="02040503050406030204" pitchFamily="18" charset="0"/>
-                                        </a:rPr>
-                                        <m:t>2</m:t>
-                                      </m:r>
-                                      <m:r>
-                                        <a:rPr lang="en-DE" i="1">
-                                          <a:latin typeface="Cambria Math" panose="02040503050406030204" pitchFamily="18" charset="0"/>
-                                        </a:rPr>
-                                        <m:t>𝜋</m:t>
-                                      </m:r>
-                                    </m:num>
-                                    <m:den>
-                                      <m:r>
-                                        <a:rPr lang="en-DE" i="1">
-                                          <a:latin typeface="Cambria Math" panose="02040503050406030204" pitchFamily="18" charset="0"/>
-                                        </a:rPr>
-                                        <m:t>𝑁</m:t>
-                                      </m:r>
-                                    </m:den>
-                                  </m:f>
-                                  <m:sSub>
-                                    <m:sSubPr>
-                                      <m:ctrlPr>
-                                        <a:rPr lang="en-DE" i="1">
-                                          <a:solidFill>
-                                            <a:srgbClr val="836967"/>
-                                          </a:solidFill>
-                                          <a:latin typeface="Cambria Math" panose="02040503050406030204" pitchFamily="18" charset="0"/>
-                                        </a:rPr>
-                                      </m:ctrlPr>
-                                    </m:sSubPr>
-                                    <m:e>
-                                      <m:r>
-                                        <a:rPr lang="en-DE" i="1">
-                                          <a:latin typeface="Cambria Math" panose="02040503050406030204" pitchFamily="18" charset="0"/>
-                                        </a:rPr>
-                                        <m:t>𝑘</m:t>
-                                      </m:r>
-                                    </m:e>
-                                    <m:sub>
-                                      <m:r>
-                                        <a:rPr lang="en-DE" i="0">
-                                          <a:latin typeface="Cambria Math" panose="02040503050406030204" pitchFamily="18" charset="0"/>
-                                        </a:rPr>
-                                        <m:t>0</m:t>
-                                      </m:r>
-                                    </m:sub>
-                                  </m:sSub>
-                                  <m:r>
-                                    <a:rPr lang="en-DE" i="1">
-                                      <a:latin typeface="Cambria Math" panose="02040503050406030204" pitchFamily="18" charset="0"/>
-                                    </a:rPr>
-                                    <m:t>𝑚</m:t>
-                                  </m:r>
-                                </m:sup>
-                              </m:sSup>
-                            </m:e>
-                          </m:d>
-                        </m:e>
-                      </m:nary>
-                      <m:r>
-                        <a:rPr lang="en-DE" i="0">
-                          <a:latin typeface="Cambria Math" panose="02040503050406030204" pitchFamily="18" charset="0"/>
-                        </a:rPr>
-                        <m:t>=</m:t>
-                      </m:r>
-                    </m:oMath>
-                  </m:oMathPara>
-                </a14:m>
-                <a:endParaRPr lang="en-DE" dirty="0"/>
-              </a:p>
-            </p:txBody>
-          </p:sp>
-        </mc:Choice>
-        <mc:Fallback>
-          <p:sp>
-            <p:nvSpPr>
-              <p:cNvPr id="23" name="TextBox 22">
-                <a:extLst>
-                  <a:ext uri="{FF2B5EF4-FFF2-40B4-BE49-F238E27FC236}">
-                    <a16:creationId xmlns:a16="http://schemas.microsoft.com/office/drawing/2014/main" id="{CC819027-EBAF-DD3A-22EC-B80A0460528F}"/>
-                  </a:ext>
-                </a:extLst>
-              </p:cNvPr>
-              <p:cNvSpPr txBox="1">
-                <a:spLocks noRot="1" noChangeAspect="1" noMove="1" noResize="1" noEditPoints="1" noAdjustHandles="1" noChangeArrowheads="1" noChangeShapeType="1" noTextEdit="1"/>
-              </p:cNvSpPr>
-              <p:nvPr/>
-            </p:nvSpPr>
-            <p:spPr>
-              <a:xfrm>
-                <a:off x="1739" y="4883862"/>
-                <a:ext cx="5897784" cy="871457"/>
-              </a:xfrm>
-              <a:prstGeom prst="rect">
-                <a:avLst/>
-              </a:prstGeom>
-              <a:blipFill>
-                <a:blip r:embed="rId16"/>
-                <a:stretch>
-                  <a:fillRect/>
-                </a:stretch>
-              </a:blipFill>
-            </p:spPr>
-            <p:txBody>
-              <a:bodyPr/>
-              <a:lstStyle/>
-              <a:p>
-                <a:r>
-                  <a:rPr lang="en-DE">
-                    <a:noFill/>
-                  </a:rPr>
-                  <a:t> </a:t>
-                </a:r>
-              </a:p>
-            </p:txBody>
-          </p:sp>
-        </mc:Fallback>
-      </mc:AlternateContent>
-      <mc:AlternateContent xmlns:mc="http://schemas.openxmlformats.org/markup-compatibility/2006">
-        <mc:Choice xmlns:a14="http://schemas.microsoft.com/office/drawing/2010/main" Requires="a14">
-          <p:sp>
-            <p:nvSpPr>
-              <p:cNvPr id="25" name="TextBox 24">
-                <a:extLst>
-                  <a:ext uri="{FF2B5EF4-FFF2-40B4-BE49-F238E27FC236}">
-                    <a16:creationId xmlns:a16="http://schemas.microsoft.com/office/drawing/2014/main" id="{B423AEB6-708B-F3FB-8E08-E5BF81B88BC9}"/>
-                  </a:ext>
-                </a:extLst>
-              </p:cNvPr>
-              <p:cNvSpPr txBox="1"/>
-              <p:nvPr/>
-            </p:nvSpPr>
-            <p:spPr>
-              <a:xfrm>
-                <a:off x="3890780" y="5488947"/>
-                <a:ext cx="1969934" cy="871457"/>
-              </a:xfrm>
-              <a:prstGeom prst="rect">
-                <a:avLst/>
-              </a:prstGeom>
-              <a:noFill/>
-            </p:spPr>
-            <p:txBody>
-              <a:bodyPr wrap="square">
-                <a:spAutoFit/>
-              </a:bodyPr>
-              <a:lstStyle/>
-              <a:p>
-                <a:pPr/>
-                <a14:m>
-                  <m:oMathPara xmlns:m="http://schemas.openxmlformats.org/officeDocument/2006/math">
-                    <m:oMathParaPr>
-                      <m:jc m:val="centerGroup"/>
-                    </m:oMathParaPr>
-                    <m:oMath xmlns:m="http://schemas.openxmlformats.org/officeDocument/2006/math">
-                      <m:r>
-                        <a:rPr lang="en-DE" smtClean="0">
-                          <a:latin typeface="Cambria Math" panose="02040503050406030204" pitchFamily="18" charset="0"/>
-                        </a:rPr>
-                        <m:t>=</m:t>
-                      </m:r>
-                      <m:nary>
-                        <m:naryPr>
-                          <m:chr m:val="∑"/>
-                          <m:limLoc m:val="undOvr"/>
-                          <m:ctrlPr>
-                            <a:rPr lang="en-DE" i="1">
-                              <a:latin typeface="Cambria Math" panose="02040503050406030204" pitchFamily="18" charset="0"/>
-                            </a:rPr>
-                          </m:ctrlPr>
-                        </m:naryPr>
-                        <m:sub>
-                          <m:r>
-                            <a:rPr lang="en-DE" i="1">
-                              <a:latin typeface="Cambria Math" panose="02040503050406030204" pitchFamily="18" charset="0"/>
-                            </a:rPr>
-                            <m:t>𝑘</m:t>
-                          </m:r>
-                          <m:r>
-                            <a:rPr lang="en-DE" i="0">
-                              <a:latin typeface="Cambria Math" panose="02040503050406030204" pitchFamily="18" charset="0"/>
-                            </a:rPr>
-                            <m:t>=0</m:t>
-                          </m:r>
-                        </m:sub>
-                        <m:sup>
-                          <m:r>
-                            <a:rPr lang="en-DE" i="1">
-                              <a:latin typeface="Cambria Math" panose="02040503050406030204" pitchFamily="18" charset="0"/>
-                            </a:rPr>
-                            <m:t>𝑁</m:t>
-                          </m:r>
-                          <m:r>
-                            <a:rPr lang="en-DE" i="0">
-                              <a:latin typeface="Cambria Math" panose="02040503050406030204" pitchFamily="18" charset="0"/>
-                            </a:rPr>
-                            <m:t>−1</m:t>
-                          </m:r>
-                        </m:sup>
-                        <m:e>
-                          <m:r>
-                            <a:rPr lang="en-DE" i="1">
-                              <a:latin typeface="Cambria Math" panose="02040503050406030204" pitchFamily="18" charset="0"/>
-                            </a:rPr>
-                            <m:t>𝑛</m:t>
-                          </m:r>
-                          <m:d>
-                            <m:dPr>
-                              <m:begChr m:val="["/>
-                              <m:endChr m:val="]"/>
-                              <m:ctrlPr>
-                                <a:rPr lang="en-DE" i="1">
-                                  <a:solidFill>
-                                    <a:srgbClr val="836967"/>
-                                  </a:solidFill>
-                                  <a:latin typeface="Cambria Math" panose="02040503050406030204" pitchFamily="18" charset="0"/>
-                                </a:rPr>
-                              </m:ctrlPr>
-                            </m:dPr>
-                            <m:e>
-                              <m:r>
-                                <a:rPr lang="en-DE" i="1">
-                                  <a:latin typeface="Cambria Math" panose="02040503050406030204" pitchFamily="18" charset="0"/>
-                                </a:rPr>
-                                <m:t>𝑘</m:t>
-                              </m:r>
-                            </m:e>
-                          </m:d>
-                          <m:r>
-                            <a:rPr lang="en-DE" i="0">
-                              <a:latin typeface="Cambria Math" panose="02040503050406030204" pitchFamily="18" charset="0"/>
-                            </a:rPr>
-                            <m:t>∙</m:t>
-                          </m:r>
-                          <m:sSup>
-                            <m:sSupPr>
-                              <m:ctrlPr>
-                                <a:rPr lang="en-DE" i="1">
-                                  <a:solidFill>
-                                    <a:srgbClr val="836967"/>
-                                  </a:solidFill>
-                                  <a:latin typeface="Cambria Math" panose="02040503050406030204" pitchFamily="18" charset="0"/>
-                                </a:rPr>
-                              </m:ctrlPr>
-                            </m:sSupPr>
-                            <m:e>
-                              <m:r>
-                                <a:rPr lang="en-DE" i="1">
-                                  <a:latin typeface="Cambria Math" panose="02040503050406030204" pitchFamily="18" charset="0"/>
-                                </a:rPr>
-                                <m:t>𝑥</m:t>
-                              </m:r>
-                            </m:e>
-                            <m:sup>
-                              <m:r>
-                                <a:rPr lang="en-DE" i="0">
-                                  <a:latin typeface="Cambria Math" panose="02040503050406030204" pitchFamily="18" charset="0"/>
-                                </a:rPr>
-                                <m:t>∗</m:t>
-                              </m:r>
-                            </m:sup>
-                          </m:sSup>
-                          <m:d>
-                            <m:dPr>
-                              <m:begChr m:val="["/>
-                              <m:endChr m:val="]"/>
-                              <m:ctrlPr>
-                                <a:rPr lang="en-DE" i="1">
-                                  <a:solidFill>
-                                    <a:srgbClr val="836967"/>
-                                  </a:solidFill>
-                                  <a:latin typeface="Cambria Math" panose="02040503050406030204" pitchFamily="18" charset="0"/>
-                                </a:rPr>
-                              </m:ctrlPr>
-                            </m:dPr>
-                            <m:e>
-                              <m:r>
-                                <a:rPr lang="en-DE" i="1">
-                                  <a:latin typeface="Cambria Math" panose="02040503050406030204" pitchFamily="18" charset="0"/>
-                                </a:rPr>
-                                <m:t>𝑘</m:t>
-                              </m:r>
-                            </m:e>
-                          </m:d>
-                        </m:e>
-                      </m:nary>
-                    </m:oMath>
-                  </m:oMathPara>
-                </a14:m>
-                <a:endParaRPr lang="en-DE" dirty="0"/>
-              </a:p>
-            </p:txBody>
-          </p:sp>
-        </mc:Choice>
-        <mc:Fallback>
-          <p:sp>
-            <p:nvSpPr>
-              <p:cNvPr id="25" name="TextBox 24">
-                <a:extLst>
-                  <a:ext uri="{FF2B5EF4-FFF2-40B4-BE49-F238E27FC236}">
-                    <a16:creationId xmlns:a16="http://schemas.microsoft.com/office/drawing/2014/main" id="{B423AEB6-708B-F3FB-8E08-E5BF81B88BC9}"/>
-                  </a:ext>
-                </a:extLst>
-              </p:cNvPr>
-              <p:cNvSpPr txBox="1">
-                <a:spLocks noRot="1" noChangeAspect="1" noMove="1" noResize="1" noEditPoints="1" noAdjustHandles="1" noChangeArrowheads="1" noChangeShapeType="1" noTextEdit="1"/>
-              </p:cNvSpPr>
-              <p:nvPr/>
-            </p:nvSpPr>
-            <p:spPr>
-              <a:xfrm>
-                <a:off x="3890780" y="5488947"/>
-                <a:ext cx="1969934" cy="871457"/>
-              </a:xfrm>
-              <a:prstGeom prst="rect">
-                <a:avLst/>
-              </a:prstGeom>
-              <a:blipFill>
-                <a:blip r:embed="rId17"/>
-                <a:stretch>
-                  <a:fillRect/>
-                </a:stretch>
-              </a:blipFill>
-            </p:spPr>
-            <p:txBody>
-              <a:bodyPr/>
-              <a:lstStyle/>
-              <a:p>
-                <a:r>
-                  <a:rPr lang="en-DE">
-                    <a:noFill/>
-                  </a:rPr>
-                  <a:t> </a:t>
-                </a:r>
-              </a:p>
-            </p:txBody>
-          </p:sp>
-        </mc:Fallback>
-      </mc:AlternateContent>
-      <p:cxnSp>
-        <p:nvCxnSpPr>
-          <p:cNvPr id="27" name="Straight Connector 26">
-            <a:extLst>
-              <a:ext uri="{FF2B5EF4-FFF2-40B4-BE49-F238E27FC236}">
-                <a16:creationId xmlns:a16="http://schemas.microsoft.com/office/drawing/2014/main" id="{604ED94F-4DC4-0DAA-02F1-01129D40E1E9}"/>
-              </a:ext>
-            </a:extLst>
-          </p:cNvPr>
-          <p:cNvCxnSpPr/>
-          <p:nvPr/>
-        </p:nvCxnSpPr>
-        <p:spPr>
-          <a:xfrm>
-            <a:off x="5888519" y="2612790"/>
-            <a:ext cx="0" cy="4060544"/>
-          </a:xfrm>
-          <a:prstGeom prst="line">
-            <a:avLst/>
-          </a:prstGeom>
-          <a:ln w="19050"/>
-        </p:spPr>
-        <p:style>
-          <a:lnRef idx="1">
-            <a:schemeClr val="accent1"/>
-          </a:lnRef>
-          <a:fillRef idx="0">
-            <a:schemeClr val="accent1"/>
-          </a:fillRef>
-          <a:effectRef idx="0">
-            <a:schemeClr val="accent1"/>
-          </a:effectRef>
-          <a:fontRef idx="minor">
-            <a:schemeClr val="tx1"/>
-          </a:fontRef>
-        </p:style>
-      </p:cxnSp>
-      <mc:AlternateContent xmlns:mc="http://schemas.openxmlformats.org/markup-compatibility/2006">
-        <mc:Choice xmlns:a14="http://schemas.microsoft.com/office/drawing/2010/main" Requires="a14">
-          <p:sp>
-            <p:nvSpPr>
-              <p:cNvPr id="5" name="TextBox 4">
-                <a:extLst>
-                  <a:ext uri="{FF2B5EF4-FFF2-40B4-BE49-F238E27FC236}">
-                    <a16:creationId xmlns:a16="http://schemas.microsoft.com/office/drawing/2014/main" id="{19B3E5F1-253D-1870-F8B5-63A381EA4DAC}"/>
-                  </a:ext>
-                </a:extLst>
-              </p:cNvPr>
-              <p:cNvSpPr txBox="1"/>
-              <p:nvPr/>
-            </p:nvSpPr>
-            <p:spPr>
-              <a:xfrm>
-                <a:off x="121313" y="5971539"/>
-                <a:ext cx="3610008" cy="701795"/>
-              </a:xfrm>
-              <a:prstGeom prst="rect">
-                <a:avLst/>
-              </a:prstGeom>
-              <a:noFill/>
-            </p:spPr>
-            <p:txBody>
-              <a:bodyPr wrap="square">
-                <a:spAutoFit/>
-              </a:bodyPr>
-              <a:lstStyle/>
-              <a:p>
-                <a:pPr/>
-                <a14:m>
-                  <m:oMathPara xmlns:m="http://schemas.openxmlformats.org/officeDocument/2006/math">
-                    <m:oMathParaPr>
-                      <m:jc m:val="centerGroup"/>
-                    </m:oMathParaPr>
-                    <m:oMath xmlns:m="http://schemas.openxmlformats.org/officeDocument/2006/math">
-                      <m:r>
-                        <a:rPr lang="en-DE" i="1" smtClean="0">
-                          <a:latin typeface="Cambria Math" panose="02040503050406030204" pitchFamily="18" charset="0"/>
-                        </a:rPr>
-                        <m:t>𝑆𝑁𝑅</m:t>
-                      </m:r>
-                      <m:r>
-                        <a:rPr lang="en-DE" i="0">
-                          <a:latin typeface="Cambria Math" panose="02040503050406030204" pitchFamily="18" charset="0"/>
-                        </a:rPr>
-                        <m:t>=</m:t>
-                      </m:r>
-                      <m:f>
-                        <m:fPr>
-                          <m:ctrlPr>
-                            <a:rPr lang="en-DE" i="1">
-                              <a:solidFill>
-                                <a:srgbClr val="836967"/>
-                              </a:solidFill>
-                              <a:latin typeface="Cambria Math" panose="02040503050406030204" pitchFamily="18" charset="0"/>
-                            </a:rPr>
-                          </m:ctrlPr>
-                        </m:fPr>
-                        <m:num>
-                          <m:sSub>
-                            <m:sSubPr>
-                              <m:ctrlPr>
-                                <a:rPr lang="en-DE" i="1">
-                                  <a:solidFill>
-                                    <a:srgbClr val="836967"/>
-                                  </a:solidFill>
-                                  <a:latin typeface="Cambria Math" panose="02040503050406030204" pitchFamily="18" charset="0"/>
-                                </a:rPr>
-                              </m:ctrlPr>
-                            </m:sSubPr>
-                            <m:e>
-                              <m:r>
-                                <a:rPr lang="en-DE" i="1">
-                                  <a:latin typeface="Cambria Math" panose="02040503050406030204" pitchFamily="18" charset="0"/>
-                                </a:rPr>
-                                <m:t>𝑦</m:t>
-                              </m:r>
-                            </m:e>
-                            <m:sub>
-                              <m:r>
-                                <a:rPr lang="en-DE" i="1">
-                                  <a:latin typeface="Cambria Math" panose="02040503050406030204" pitchFamily="18" charset="0"/>
-                                </a:rPr>
-                                <m:t>𝑥</m:t>
-                              </m:r>
-                            </m:sub>
-                          </m:sSub>
-                          <m:d>
-                            <m:dPr>
-                              <m:begChr m:val="["/>
-                              <m:endChr m:val="]"/>
-                              <m:ctrlPr>
-                                <a:rPr lang="en-DE" i="1">
-                                  <a:solidFill>
-                                    <a:srgbClr val="836967"/>
-                                  </a:solidFill>
-                                  <a:latin typeface="Cambria Math" panose="02040503050406030204" pitchFamily="18" charset="0"/>
-                                </a:rPr>
-                              </m:ctrlPr>
-                            </m:dPr>
-                            <m:e>
-                              <m:sSub>
-                                <m:sSubPr>
-                                  <m:ctrlPr>
-                                    <a:rPr lang="en-DE" i="1">
-                                      <a:solidFill>
-                                        <a:srgbClr val="836967"/>
-                                      </a:solidFill>
-                                      <a:latin typeface="Cambria Math" panose="02040503050406030204" pitchFamily="18" charset="0"/>
-                                    </a:rPr>
-                                  </m:ctrlPr>
-                                </m:sSubPr>
-                                <m:e>
-                                  <m:r>
-                                    <a:rPr lang="en-DE" i="1">
-                                      <a:latin typeface="Cambria Math" panose="02040503050406030204" pitchFamily="18" charset="0"/>
-                                    </a:rPr>
-                                    <m:t>𝑘</m:t>
-                                  </m:r>
-                                </m:e>
-                                <m:sub>
-                                  <m:r>
-                                    <a:rPr lang="en-DE" i="0">
-                                      <a:latin typeface="Cambria Math" panose="02040503050406030204" pitchFamily="18" charset="0"/>
-                                    </a:rPr>
-                                    <m:t>0</m:t>
-                                  </m:r>
-                                </m:sub>
-                              </m:sSub>
-                            </m:e>
-                          </m:d>
-                        </m:num>
-                        <m:den>
-                          <m:sSub>
-                            <m:sSubPr>
-                              <m:ctrlPr>
-                                <a:rPr lang="en-DE" i="1">
-                                  <a:solidFill>
-                                    <a:srgbClr val="836967"/>
-                                  </a:solidFill>
-                                  <a:latin typeface="Cambria Math" panose="02040503050406030204" pitchFamily="18" charset="0"/>
-                                </a:rPr>
-                              </m:ctrlPr>
-                            </m:sSubPr>
-                            <m:e>
-                              <m:r>
-                                <a:rPr lang="en-DE" i="1">
-                                  <a:latin typeface="Cambria Math" panose="02040503050406030204" pitchFamily="18" charset="0"/>
-                                </a:rPr>
-                                <m:t>𝑦</m:t>
-                              </m:r>
-                            </m:e>
-                            <m:sub>
-                              <m:r>
-                                <a:rPr lang="en-DE" i="1">
-                                  <a:latin typeface="Cambria Math" panose="02040503050406030204" pitchFamily="18" charset="0"/>
-                                </a:rPr>
-                                <m:t>𝑛</m:t>
-                              </m:r>
-                            </m:sub>
-                          </m:sSub>
-                          <m:d>
-                            <m:dPr>
-                              <m:begChr m:val="["/>
-                              <m:endChr m:val="]"/>
-                              <m:ctrlPr>
-                                <a:rPr lang="en-DE" i="1">
-                                  <a:solidFill>
-                                    <a:srgbClr val="836967"/>
-                                  </a:solidFill>
-                                  <a:latin typeface="Cambria Math" panose="02040503050406030204" pitchFamily="18" charset="0"/>
-                                </a:rPr>
-                              </m:ctrlPr>
-                            </m:dPr>
-                            <m:e>
-                              <m:sSub>
-                                <m:sSubPr>
-                                  <m:ctrlPr>
-                                    <a:rPr lang="en-DE" i="1">
-                                      <a:solidFill>
-                                        <a:srgbClr val="836967"/>
-                                      </a:solidFill>
-                                      <a:latin typeface="Cambria Math" panose="02040503050406030204" pitchFamily="18" charset="0"/>
-                                    </a:rPr>
-                                  </m:ctrlPr>
-                                </m:sSubPr>
-                                <m:e>
-                                  <m:r>
-                                    <a:rPr lang="en-DE" i="1">
-                                      <a:latin typeface="Cambria Math" panose="02040503050406030204" pitchFamily="18" charset="0"/>
-                                    </a:rPr>
-                                    <m:t>𝑘</m:t>
-                                  </m:r>
-                                </m:e>
-                                <m:sub>
-                                  <m:r>
-                                    <a:rPr lang="en-DE" i="0">
-                                      <a:latin typeface="Cambria Math" panose="02040503050406030204" pitchFamily="18" charset="0"/>
-                                    </a:rPr>
-                                    <m:t>0</m:t>
-                                  </m:r>
-                                </m:sub>
-                              </m:sSub>
-                            </m:e>
-                          </m:d>
-                        </m:den>
-                      </m:f>
-                      <m:r>
-                        <a:rPr lang="en-DE" i="0">
-                          <a:latin typeface="Cambria Math" panose="02040503050406030204" pitchFamily="18" charset="0"/>
-                        </a:rPr>
-                        <m:t>=</m:t>
-                      </m:r>
-                      <m:f>
-                        <m:fPr>
-                          <m:ctrlPr>
-                            <a:rPr lang="en-DE" i="1">
-                              <a:solidFill>
-                                <a:srgbClr val="836967"/>
-                              </a:solidFill>
-                              <a:latin typeface="Cambria Math" panose="02040503050406030204" pitchFamily="18" charset="0"/>
-                            </a:rPr>
-                          </m:ctrlPr>
-                        </m:fPr>
-                        <m:num>
-                          <m:sSub>
-                            <m:sSubPr>
-                              <m:ctrlPr>
-                                <a:rPr lang="en-DE" i="1">
-                                  <a:solidFill>
-                                    <a:srgbClr val="836967"/>
-                                  </a:solidFill>
-                                  <a:latin typeface="Cambria Math" panose="02040503050406030204" pitchFamily="18" charset="0"/>
-                                </a:rPr>
-                              </m:ctrlPr>
-                            </m:sSubPr>
-                            <m:e>
-                              <m:r>
-                                <a:rPr lang="en-DE" i="1">
-                                  <a:latin typeface="Cambria Math" panose="02040503050406030204" pitchFamily="18" charset="0"/>
-                                </a:rPr>
-                                <m:t>𝑘</m:t>
-                              </m:r>
-                            </m:e>
-                            <m:sub>
-                              <m:r>
-                                <a:rPr lang="en-DE" i="0">
-                                  <a:latin typeface="Cambria Math" panose="02040503050406030204" pitchFamily="18" charset="0"/>
-                                </a:rPr>
-                                <m:t>0</m:t>
-                              </m:r>
-                            </m:sub>
-                          </m:sSub>
-                        </m:num>
-                        <m:den>
-                          <m:nary>
-                            <m:naryPr>
-                              <m:chr m:val="∑"/>
-                              <m:limLoc m:val="undOvr"/>
-                              <m:ctrlPr>
-                                <a:rPr lang="en-DE" i="1">
-                                  <a:latin typeface="Cambria Math" panose="02040503050406030204" pitchFamily="18" charset="0"/>
-                                </a:rPr>
-                              </m:ctrlPr>
-                            </m:naryPr>
-                            <m:sub>
-                              <m:r>
-                                <a:rPr lang="en-DE" i="1">
-                                  <a:latin typeface="Cambria Math" panose="02040503050406030204" pitchFamily="18" charset="0"/>
-                                </a:rPr>
-                                <m:t>𝑘</m:t>
-                              </m:r>
-                              <m:r>
-                                <a:rPr lang="en-DE" i="0">
-                                  <a:latin typeface="Cambria Math" panose="02040503050406030204" pitchFamily="18" charset="0"/>
-                                </a:rPr>
-                                <m:t>=0</m:t>
-                              </m:r>
-                            </m:sub>
-                            <m:sup>
-                              <m:r>
-                                <a:rPr lang="en-DE" i="1">
-                                  <a:latin typeface="Cambria Math" panose="02040503050406030204" pitchFamily="18" charset="0"/>
-                                </a:rPr>
-                                <m:t>𝑁</m:t>
-                              </m:r>
-                              <m:r>
-                                <a:rPr lang="en-DE" i="0">
-                                  <a:latin typeface="Cambria Math" panose="02040503050406030204" pitchFamily="18" charset="0"/>
-                                </a:rPr>
-                                <m:t>−1</m:t>
-                              </m:r>
-                            </m:sup>
-                            <m:e>
-                              <m:r>
-                                <a:rPr lang="en-DE" i="1">
-                                  <a:latin typeface="Cambria Math" panose="02040503050406030204" pitchFamily="18" charset="0"/>
-                                </a:rPr>
-                                <m:t>𝑛</m:t>
-                              </m:r>
-                              <m:d>
-                                <m:dPr>
-                                  <m:begChr m:val="["/>
-                                  <m:endChr m:val="]"/>
-                                  <m:ctrlPr>
-                                    <a:rPr lang="en-DE" i="1">
-                                      <a:solidFill>
-                                        <a:srgbClr val="836967"/>
-                                      </a:solidFill>
-                                      <a:latin typeface="Cambria Math" panose="02040503050406030204" pitchFamily="18" charset="0"/>
-                                    </a:rPr>
-                                  </m:ctrlPr>
-                                </m:dPr>
-                                <m:e>
-                                  <m:r>
-                                    <a:rPr lang="en-DE" i="1">
-                                      <a:latin typeface="Cambria Math" panose="02040503050406030204" pitchFamily="18" charset="0"/>
-                                    </a:rPr>
-                                    <m:t>𝑘</m:t>
-                                  </m:r>
-                                </m:e>
-                              </m:d>
-                              <m:r>
-                                <a:rPr lang="en-DE" i="0">
-                                  <a:latin typeface="Cambria Math" panose="02040503050406030204" pitchFamily="18" charset="0"/>
-                                </a:rPr>
-                                <m:t>∙</m:t>
-                              </m:r>
-                              <m:sSup>
-                                <m:sSupPr>
-                                  <m:ctrlPr>
-                                    <a:rPr lang="en-DE" i="1">
-                                      <a:solidFill>
-                                        <a:srgbClr val="836967"/>
-                                      </a:solidFill>
-                                      <a:latin typeface="Cambria Math" panose="02040503050406030204" pitchFamily="18" charset="0"/>
-                                    </a:rPr>
-                                  </m:ctrlPr>
-                                </m:sSupPr>
-                                <m:e>
-                                  <m:r>
-                                    <a:rPr lang="en-DE" i="1">
-                                      <a:latin typeface="Cambria Math" panose="02040503050406030204" pitchFamily="18" charset="0"/>
-                                    </a:rPr>
-                                    <m:t>𝑥</m:t>
-                                  </m:r>
-                                </m:e>
-                                <m:sup>
-                                  <m:r>
-                                    <a:rPr lang="en-DE" i="0">
-                                      <a:latin typeface="Cambria Math" panose="02040503050406030204" pitchFamily="18" charset="0"/>
-                                    </a:rPr>
-                                    <m:t>∗</m:t>
-                                  </m:r>
-                                </m:sup>
-                              </m:sSup>
-                              <m:d>
-                                <m:dPr>
-                                  <m:begChr m:val="["/>
-                                  <m:endChr m:val="]"/>
-                                  <m:ctrlPr>
-                                    <a:rPr lang="en-DE" i="1">
-                                      <a:solidFill>
-                                        <a:srgbClr val="836967"/>
-                                      </a:solidFill>
-                                      <a:latin typeface="Cambria Math" panose="02040503050406030204" pitchFamily="18" charset="0"/>
-                                    </a:rPr>
-                                  </m:ctrlPr>
-                                </m:dPr>
-                                <m:e>
-                                  <m:r>
-                                    <a:rPr lang="en-DE" i="1">
-                                      <a:latin typeface="Cambria Math" panose="02040503050406030204" pitchFamily="18" charset="0"/>
-                                    </a:rPr>
-                                    <m:t>𝑘</m:t>
-                                  </m:r>
-                                </m:e>
-                              </m:d>
-                            </m:e>
-                          </m:nary>
-                        </m:den>
-                      </m:f>
-                    </m:oMath>
-                  </m:oMathPara>
-                </a14:m>
-                <a:endParaRPr lang="en-DE" dirty="0"/>
-              </a:p>
-            </p:txBody>
-          </p:sp>
-        </mc:Choice>
-        <mc:Fallback>
-          <p:sp>
-            <p:nvSpPr>
-              <p:cNvPr id="5" name="TextBox 4">
-                <a:extLst>
-                  <a:ext uri="{FF2B5EF4-FFF2-40B4-BE49-F238E27FC236}">
-                    <a16:creationId xmlns:a16="http://schemas.microsoft.com/office/drawing/2014/main" id="{19B3E5F1-253D-1870-F8B5-63A381EA4DAC}"/>
-                  </a:ext>
-                </a:extLst>
-              </p:cNvPr>
-              <p:cNvSpPr txBox="1">
-                <a:spLocks noRot="1" noChangeAspect="1" noMove="1" noResize="1" noEditPoints="1" noAdjustHandles="1" noChangeArrowheads="1" noChangeShapeType="1" noTextEdit="1"/>
-              </p:cNvSpPr>
-              <p:nvPr/>
-            </p:nvSpPr>
-            <p:spPr>
-              <a:xfrm>
-                <a:off x="121313" y="5971539"/>
-                <a:ext cx="3610008" cy="701795"/>
-              </a:xfrm>
-              <a:prstGeom prst="rect">
-                <a:avLst/>
-              </a:prstGeom>
-              <a:blipFill>
-                <a:blip r:embed="rId18"/>
-                <a:stretch>
-                  <a:fillRect/>
-                </a:stretch>
-              </a:blipFill>
-            </p:spPr>
-            <p:txBody>
-              <a:bodyPr/>
-              <a:lstStyle/>
-              <a:p>
-                <a:r>
-                  <a:rPr lang="en-DE">
+                  <a:rPr lang="ru-RU">
                     <a:noFill/>
                   </a:rPr>
                   <a:t> </a:t>
@@ -8484,8 +4730,8 @@
         </p:nvSpPr>
         <p:spPr>
           <a:xfrm>
-            <a:off x="121313" y="5825765"/>
-            <a:ext cx="3621088" cy="1008460"/>
+            <a:off x="4427477" y="6082786"/>
+            <a:ext cx="3621088" cy="761600"/>
           </a:xfrm>
           <a:prstGeom prst="rect">
             <a:avLst/>
@@ -8522,640 +4768,22 @@
           </a:p>
         </p:txBody>
       </p:sp>
-      <p:sp>
-        <p:nvSpPr>
-          <p:cNvPr id="9" name="TextBox 8">
-            <a:extLst>
-              <a:ext uri="{FF2B5EF4-FFF2-40B4-BE49-F238E27FC236}">
-                <a16:creationId xmlns:a16="http://schemas.microsoft.com/office/drawing/2014/main" id="{B8B36FB1-3B7D-1954-BCE5-8CE095ECF9D0}"/>
-              </a:ext>
-            </a:extLst>
-          </p:cNvPr>
-          <p:cNvSpPr txBox="1"/>
-          <p:nvPr/>
-        </p:nvSpPr>
-        <p:spPr>
-          <a:xfrm>
-            <a:off x="2129746" y="2604688"/>
-            <a:ext cx="1874599" cy="400110"/>
-          </a:xfrm>
-          <a:prstGeom prst="rect">
-            <a:avLst/>
-          </a:prstGeom>
-          <a:noFill/>
-        </p:spPr>
-        <p:txBody>
-          <a:bodyPr wrap="square" rtlCol="0">
-            <a:spAutoFit/>
-          </a:bodyPr>
-          <a:lstStyle/>
-          <a:p>
-            <a:r>
-              <a:rPr lang="en-DE" sz="2000" dirty="0">
-                <a:solidFill>
-                  <a:schemeClr val="accent1"/>
-                </a:solidFill>
-              </a:rPr>
-              <a:t>Noise</a:t>
-            </a:r>
-          </a:p>
-        </p:txBody>
-      </p:sp>
-      <p:sp>
-        <p:nvSpPr>
-          <p:cNvPr id="14" name="TextBox 13">
-            <a:extLst>
-              <a:ext uri="{FF2B5EF4-FFF2-40B4-BE49-F238E27FC236}">
-                <a16:creationId xmlns:a16="http://schemas.microsoft.com/office/drawing/2014/main" id="{B5667675-E693-F646-5FDB-BB4DFA3DC014}"/>
-              </a:ext>
-            </a:extLst>
-          </p:cNvPr>
-          <p:cNvSpPr txBox="1"/>
-          <p:nvPr/>
-        </p:nvSpPr>
-        <p:spPr>
-          <a:xfrm>
-            <a:off x="9019657" y="2503474"/>
-            <a:ext cx="1874599" cy="400110"/>
-          </a:xfrm>
-          <a:prstGeom prst="rect">
-            <a:avLst/>
-          </a:prstGeom>
-          <a:noFill/>
-        </p:spPr>
-        <p:txBody>
-          <a:bodyPr wrap="square" rtlCol="0">
-            <a:spAutoFit/>
-          </a:bodyPr>
-          <a:lstStyle/>
-          <a:p>
-            <a:r>
-              <a:rPr lang="en-DE" sz="2000" dirty="0">
-                <a:solidFill>
-                  <a:schemeClr val="accent1"/>
-                </a:solidFill>
-              </a:rPr>
-              <a:t>Signal</a:t>
-            </a:r>
-          </a:p>
-        </p:txBody>
-      </p:sp>
-      <mc:AlternateContent xmlns:mc="http://schemas.openxmlformats.org/markup-compatibility/2006">
-        <mc:Choice xmlns:a14="http://schemas.microsoft.com/office/drawing/2010/main" Requires="a14">
+      <mc:AlternateContent xmlns:mc="http://schemas.openxmlformats.org/markup-compatibility/2006" xmlns:a14="http://schemas.microsoft.com/office/drawing/2010/main">
+        <mc:Choice Requires="a14">
           <p:sp>
             <p:nvSpPr>
-              <p:cNvPr id="16" name="TextBox 15">
-                <a:extLst>
-                  <a:ext uri="{FF2B5EF4-FFF2-40B4-BE49-F238E27FC236}">
-                    <a16:creationId xmlns:a16="http://schemas.microsoft.com/office/drawing/2014/main" id="{D1E685F7-BD8F-547C-9213-A8DFA01FBC08}"/>
-                  </a:ext>
-                </a:extLst>
-              </p:cNvPr>
-              <p:cNvSpPr txBox="1"/>
+              <p:cNvPr id="11" name="Прямоугольник 10"/>
+              <p:cNvSpPr/>
               <p:nvPr/>
             </p:nvSpPr>
             <p:spPr>
               <a:xfrm>
-                <a:off x="6069800" y="5211536"/>
-                <a:ext cx="5063338" cy="871457"/>
+                <a:off x="3811823" y="1877776"/>
+                <a:ext cx="8198889" cy="871457"/>
               </a:xfrm>
               <a:prstGeom prst="rect">
                 <a:avLst/>
               </a:prstGeom>
-              <a:noFill/>
-            </p:spPr>
-            <p:txBody>
-              <a:bodyPr wrap="square">
-                <a:spAutoFit/>
-              </a:bodyPr>
-              <a:lstStyle/>
-              <a:p>
-                <a:pPr/>
-                <a14:m>
-                  <m:oMathPara xmlns:m="http://schemas.openxmlformats.org/officeDocument/2006/math">
-                    <m:oMathParaPr>
-                      <m:jc m:val="centerGroup"/>
-                    </m:oMathParaPr>
-                    <m:oMath xmlns:m="http://schemas.openxmlformats.org/officeDocument/2006/math">
-                      <m:sSub>
-                        <m:sSubPr>
-                          <m:ctrlPr>
-                            <a:rPr lang="en-DE" i="1" smtClean="0">
-                              <a:solidFill>
-                                <a:srgbClr val="836967"/>
-                              </a:solidFill>
-                              <a:latin typeface="Cambria Math" panose="02040503050406030204" pitchFamily="18" charset="0"/>
-                            </a:rPr>
-                          </m:ctrlPr>
-                        </m:sSubPr>
-                        <m:e>
-                          <m:r>
-                            <a:rPr lang="en-DE" i="1">
-                              <a:latin typeface="Cambria Math" panose="02040503050406030204" pitchFamily="18" charset="0"/>
-                            </a:rPr>
-                            <m:t>𝑦</m:t>
-                          </m:r>
-                        </m:e>
-                        <m:sub>
-                          <m:r>
-                            <a:rPr lang="en-DE" i="1">
-                              <a:latin typeface="Cambria Math" panose="02040503050406030204" pitchFamily="18" charset="0"/>
-                            </a:rPr>
-                            <m:t>𝑥</m:t>
-                          </m:r>
-                        </m:sub>
-                      </m:sSub>
-                      <m:d>
-                        <m:dPr>
-                          <m:begChr m:val="["/>
-                          <m:endChr m:val="]"/>
-                          <m:ctrlPr>
-                            <a:rPr lang="en-DE" i="1">
-                              <a:solidFill>
-                                <a:srgbClr val="836967"/>
-                              </a:solidFill>
-                              <a:latin typeface="Cambria Math" panose="02040503050406030204" pitchFamily="18" charset="0"/>
-                            </a:rPr>
-                          </m:ctrlPr>
-                        </m:dPr>
-                        <m:e>
-                          <m:sSub>
-                            <m:sSubPr>
-                              <m:ctrlPr>
-                                <a:rPr lang="en-DE" i="1">
-                                  <a:solidFill>
-                                    <a:srgbClr val="836967"/>
-                                  </a:solidFill>
-                                  <a:latin typeface="Cambria Math" panose="02040503050406030204" pitchFamily="18" charset="0"/>
-                                </a:rPr>
-                              </m:ctrlPr>
-                            </m:sSubPr>
-                            <m:e>
-                              <m:r>
-                                <a:rPr lang="en-DE" i="1">
-                                  <a:latin typeface="Cambria Math" panose="02040503050406030204" pitchFamily="18" charset="0"/>
-                                </a:rPr>
-                                <m:t>𝑘</m:t>
-                              </m:r>
-                            </m:e>
-                            <m:sub>
-                              <m:r>
-                                <a:rPr lang="en-DE" i="0">
-                                  <a:latin typeface="Cambria Math" panose="02040503050406030204" pitchFamily="18" charset="0"/>
-                                </a:rPr>
-                                <m:t>0</m:t>
-                              </m:r>
-                            </m:sub>
-                          </m:sSub>
-                        </m:e>
-                      </m:d>
-                      <m:r>
-                        <a:rPr lang="en-DE" i="0">
-                          <a:latin typeface="Cambria Math" panose="02040503050406030204" pitchFamily="18" charset="0"/>
-                        </a:rPr>
-                        <m:t>=</m:t>
-                      </m:r>
-                      <m:f>
-                        <m:fPr>
-                          <m:ctrlPr>
-                            <a:rPr lang="en-DE" i="1">
-                              <a:solidFill>
-                                <a:srgbClr val="836967"/>
-                              </a:solidFill>
-                              <a:latin typeface="Cambria Math" panose="02040503050406030204" pitchFamily="18" charset="0"/>
-                            </a:rPr>
-                          </m:ctrlPr>
-                        </m:fPr>
-                        <m:num>
-                          <m:r>
-                            <a:rPr lang="en-DE" i="0">
-                              <a:latin typeface="Cambria Math" panose="02040503050406030204" pitchFamily="18" charset="0"/>
-                            </a:rPr>
-                            <m:t>1</m:t>
-                          </m:r>
-                        </m:num>
-                        <m:den>
-                          <m:r>
-                            <a:rPr lang="en-DE" i="1">
-                              <a:latin typeface="Cambria Math" panose="02040503050406030204" pitchFamily="18" charset="0"/>
-                            </a:rPr>
-                            <m:t>𝑁</m:t>
-                          </m:r>
-                        </m:den>
-                      </m:f>
-                      <m:nary>
-                        <m:naryPr>
-                          <m:chr m:val="∑"/>
-                          <m:limLoc m:val="undOvr"/>
-                          <m:ctrlPr>
-                            <a:rPr lang="en-DE" i="1">
-                              <a:latin typeface="Cambria Math" panose="02040503050406030204" pitchFamily="18" charset="0"/>
-                            </a:rPr>
-                          </m:ctrlPr>
-                        </m:naryPr>
-                        <m:sub>
-                          <m:r>
-                            <a:rPr lang="en-DE" i="1">
-                              <a:latin typeface="Cambria Math" panose="02040503050406030204" pitchFamily="18" charset="0"/>
-                            </a:rPr>
-                            <m:t>𝑚</m:t>
-                          </m:r>
-                          <m:r>
-                            <a:rPr lang="en-DE" i="0">
-                              <a:latin typeface="Cambria Math" panose="02040503050406030204" pitchFamily="18" charset="0"/>
-                            </a:rPr>
-                            <m:t>=0</m:t>
-                          </m:r>
-                        </m:sub>
-                        <m:sup>
-                          <m:r>
-                            <a:rPr lang="en-DE" i="1">
-                              <a:latin typeface="Cambria Math" panose="02040503050406030204" pitchFamily="18" charset="0"/>
-                            </a:rPr>
-                            <m:t>𝑁</m:t>
-                          </m:r>
-                          <m:r>
-                            <a:rPr lang="en-DE" i="0">
-                              <a:latin typeface="Cambria Math" panose="02040503050406030204" pitchFamily="18" charset="0"/>
-                            </a:rPr>
-                            <m:t>−1</m:t>
-                          </m:r>
-                        </m:sup>
-                        <m:e>
-                          <m:sSup>
-                            <m:sSupPr>
-                              <m:ctrlPr>
-                                <a:rPr lang="en-DE" i="1">
-                                  <a:solidFill>
-                                    <a:srgbClr val="836967"/>
-                                  </a:solidFill>
-                                  <a:latin typeface="Cambria Math" panose="02040503050406030204" pitchFamily="18" charset="0"/>
-                                </a:rPr>
-                              </m:ctrlPr>
-                            </m:sSupPr>
-                            <m:e>
-                              <m:d>
-                                <m:dPr>
-                                  <m:begChr m:val="|"/>
-                                  <m:endChr m:val="|"/>
-                                  <m:ctrlPr>
-                                    <a:rPr lang="en-DE" i="1">
-                                      <a:solidFill>
-                                        <a:srgbClr val="836967"/>
-                                      </a:solidFill>
-                                      <a:latin typeface="Cambria Math" panose="02040503050406030204" pitchFamily="18" charset="0"/>
-                                    </a:rPr>
-                                  </m:ctrlPr>
-                                </m:dPr>
-                                <m:e>
-                                  <m:r>
-                                    <a:rPr lang="en-DE" i="1">
-                                      <a:latin typeface="Cambria Math" panose="02040503050406030204" pitchFamily="18" charset="0"/>
-                                    </a:rPr>
-                                    <m:t>𝑥𝑓</m:t>
-                                  </m:r>
-                                  <m:d>
-                                    <m:dPr>
-                                      <m:begChr m:val="["/>
-                                      <m:endChr m:val="]"/>
-                                      <m:ctrlPr>
-                                        <a:rPr lang="en-DE" i="1">
-                                          <a:solidFill>
-                                            <a:srgbClr val="836967"/>
-                                          </a:solidFill>
-                                          <a:latin typeface="Cambria Math" panose="02040503050406030204" pitchFamily="18" charset="0"/>
-                                        </a:rPr>
-                                      </m:ctrlPr>
-                                    </m:dPr>
-                                    <m:e>
-                                      <m:r>
-                                        <a:rPr lang="en-DE" i="1">
-                                          <a:latin typeface="Cambria Math" panose="02040503050406030204" pitchFamily="18" charset="0"/>
-                                        </a:rPr>
-                                        <m:t>𝑚</m:t>
-                                      </m:r>
-                                    </m:e>
-                                  </m:d>
-                                </m:e>
-                              </m:d>
-                            </m:e>
-                            <m:sup>
-                              <m:r>
-                                <a:rPr lang="en-DE" i="0">
-                                  <a:latin typeface="Cambria Math" panose="02040503050406030204" pitchFamily="18" charset="0"/>
-                                </a:rPr>
-                                <m:t>2</m:t>
-                              </m:r>
-                            </m:sup>
-                          </m:sSup>
-                          <m:r>
-                            <a:rPr lang="en-DE" i="0">
-                              <a:latin typeface="Cambria Math" panose="02040503050406030204" pitchFamily="18" charset="0"/>
-                            </a:rPr>
-                            <m:t>∙</m:t>
-                          </m:r>
-                          <m:d>
-                            <m:dPr>
-                              <m:ctrlPr>
-                                <a:rPr lang="en-DE" i="1">
-                                  <a:solidFill>
-                                    <a:srgbClr val="836967"/>
-                                  </a:solidFill>
-                                  <a:latin typeface="Cambria Math" panose="02040503050406030204" pitchFamily="18" charset="0"/>
-                                </a:rPr>
-                              </m:ctrlPr>
-                            </m:dPr>
-                            <m:e>
-                              <m:sSup>
-                                <m:sSupPr>
-                                  <m:ctrlPr>
-                                    <a:rPr lang="en-DE" i="1">
-                                      <a:solidFill>
-                                        <a:srgbClr val="836967"/>
-                                      </a:solidFill>
-                                      <a:latin typeface="Cambria Math" panose="02040503050406030204" pitchFamily="18" charset="0"/>
-                                    </a:rPr>
-                                  </m:ctrlPr>
-                                </m:sSupPr>
-                                <m:e>
-                                  <m:r>
-                                    <a:rPr lang="en-DE" i="1">
-                                      <a:latin typeface="Cambria Math" panose="02040503050406030204" pitchFamily="18" charset="0"/>
-                                    </a:rPr>
-                                    <m:t>𝑒</m:t>
-                                  </m:r>
-                                </m:e>
-                                <m:sup>
-                                  <m:r>
-                                    <a:rPr lang="en-DE" i="0">
-                                      <a:latin typeface="Cambria Math" panose="02040503050406030204" pitchFamily="18" charset="0"/>
-                                    </a:rPr>
-                                    <m:t>−</m:t>
-                                  </m:r>
-                                  <m:r>
-                                    <a:rPr lang="en-DE" i="1">
-                                      <a:latin typeface="Cambria Math" panose="02040503050406030204" pitchFamily="18" charset="0"/>
-                                    </a:rPr>
-                                    <m:t>𝑗</m:t>
-                                  </m:r>
-                                  <m:f>
-                                    <m:fPr>
-                                      <m:ctrlPr>
-                                        <a:rPr lang="en-DE" i="1">
-                                          <a:solidFill>
-                                            <a:srgbClr val="836967"/>
-                                          </a:solidFill>
-                                          <a:latin typeface="Cambria Math" panose="02040503050406030204" pitchFamily="18" charset="0"/>
-                                        </a:rPr>
-                                      </m:ctrlPr>
-                                    </m:fPr>
-                                    <m:num>
-                                      <m:r>
-                                        <a:rPr lang="en-DE" i="0">
-                                          <a:latin typeface="Cambria Math" panose="02040503050406030204" pitchFamily="18" charset="0"/>
-                                        </a:rPr>
-                                        <m:t>2</m:t>
-                                      </m:r>
-                                      <m:r>
-                                        <a:rPr lang="en-DE" i="1">
-                                          <a:latin typeface="Cambria Math" panose="02040503050406030204" pitchFamily="18" charset="0"/>
-                                        </a:rPr>
-                                        <m:t>𝜋</m:t>
-                                      </m:r>
-                                    </m:num>
-                                    <m:den>
-                                      <m:r>
-                                        <a:rPr lang="en-DE" i="1">
-                                          <a:latin typeface="Cambria Math" panose="02040503050406030204" pitchFamily="18" charset="0"/>
-                                        </a:rPr>
-                                        <m:t>𝑁</m:t>
-                                      </m:r>
-                                    </m:den>
-                                  </m:f>
-                                  <m:sSub>
-                                    <m:sSubPr>
-                                      <m:ctrlPr>
-                                        <a:rPr lang="en-DE" i="1">
-                                          <a:solidFill>
-                                            <a:srgbClr val="836967"/>
-                                          </a:solidFill>
-                                          <a:latin typeface="Cambria Math" panose="02040503050406030204" pitchFamily="18" charset="0"/>
-                                        </a:rPr>
-                                      </m:ctrlPr>
-                                    </m:sSubPr>
-                                    <m:e>
-                                      <m:r>
-                                        <a:rPr lang="en-DE" i="1">
-                                          <a:latin typeface="Cambria Math" panose="02040503050406030204" pitchFamily="18" charset="0"/>
-                                        </a:rPr>
-                                        <m:t>𝑘</m:t>
-                                      </m:r>
-                                    </m:e>
-                                    <m:sub>
-                                      <m:r>
-                                        <a:rPr lang="en-DE" i="0">
-                                          <a:latin typeface="Cambria Math" panose="02040503050406030204" pitchFamily="18" charset="0"/>
-                                        </a:rPr>
-                                        <m:t>0</m:t>
-                                      </m:r>
-                                    </m:sub>
-                                  </m:sSub>
-                                  <m:r>
-                                    <a:rPr lang="en-DE" i="1">
-                                      <a:latin typeface="Cambria Math" panose="02040503050406030204" pitchFamily="18" charset="0"/>
-                                    </a:rPr>
-                                    <m:t>𝑚</m:t>
-                                  </m:r>
-                                </m:sup>
-                              </m:sSup>
-                              <m:sSup>
-                                <m:sSupPr>
-                                  <m:ctrlPr>
-                                    <a:rPr lang="en-DE" i="1">
-                                      <a:solidFill>
-                                        <a:srgbClr val="836967"/>
-                                      </a:solidFill>
-                                      <a:latin typeface="Cambria Math" panose="02040503050406030204" pitchFamily="18" charset="0"/>
-                                    </a:rPr>
-                                  </m:ctrlPr>
-                                </m:sSupPr>
-                                <m:e>
-                                  <m:r>
-                                    <a:rPr lang="en-DE" i="0">
-                                      <a:latin typeface="Cambria Math" panose="02040503050406030204" pitchFamily="18" charset="0"/>
-                                    </a:rPr>
-                                    <m:t>∙</m:t>
-                                  </m:r>
-                                  <m:r>
-                                    <a:rPr lang="en-DE" i="1">
-                                      <a:latin typeface="Cambria Math" panose="02040503050406030204" pitchFamily="18" charset="0"/>
-                                    </a:rPr>
-                                    <m:t>𝑒</m:t>
-                                  </m:r>
-                                </m:e>
-                                <m:sup>
-                                  <m:r>
-                                    <a:rPr lang="en-DE" i="1">
-                                      <a:latin typeface="Cambria Math" panose="02040503050406030204" pitchFamily="18" charset="0"/>
-                                    </a:rPr>
-                                    <m:t>𝑗</m:t>
-                                  </m:r>
-                                  <m:f>
-                                    <m:fPr>
-                                      <m:ctrlPr>
-                                        <a:rPr lang="en-DE" i="1">
-                                          <a:solidFill>
-                                            <a:srgbClr val="836967"/>
-                                          </a:solidFill>
-                                          <a:latin typeface="Cambria Math" panose="02040503050406030204" pitchFamily="18" charset="0"/>
-                                        </a:rPr>
-                                      </m:ctrlPr>
-                                    </m:fPr>
-                                    <m:num>
-                                      <m:r>
-                                        <a:rPr lang="en-DE" i="0">
-                                          <a:latin typeface="Cambria Math" panose="02040503050406030204" pitchFamily="18" charset="0"/>
-                                        </a:rPr>
-                                        <m:t>2</m:t>
-                                      </m:r>
-                                      <m:r>
-                                        <a:rPr lang="en-DE" i="1">
-                                          <a:latin typeface="Cambria Math" panose="02040503050406030204" pitchFamily="18" charset="0"/>
-                                        </a:rPr>
-                                        <m:t>𝜋</m:t>
-                                      </m:r>
-                                    </m:num>
-                                    <m:den>
-                                      <m:r>
-                                        <a:rPr lang="en-DE" i="1">
-                                          <a:latin typeface="Cambria Math" panose="02040503050406030204" pitchFamily="18" charset="0"/>
-                                        </a:rPr>
-                                        <m:t>𝑁</m:t>
-                                      </m:r>
-                                    </m:den>
-                                  </m:f>
-                                  <m:sSub>
-                                    <m:sSubPr>
-                                      <m:ctrlPr>
-                                        <a:rPr lang="en-DE" i="1">
-                                          <a:solidFill>
-                                            <a:srgbClr val="836967"/>
-                                          </a:solidFill>
-                                          <a:latin typeface="Cambria Math" panose="02040503050406030204" pitchFamily="18" charset="0"/>
-                                        </a:rPr>
-                                      </m:ctrlPr>
-                                    </m:sSubPr>
-                                    <m:e>
-                                      <m:r>
-                                        <a:rPr lang="en-DE" i="1">
-                                          <a:latin typeface="Cambria Math" panose="02040503050406030204" pitchFamily="18" charset="0"/>
-                                        </a:rPr>
-                                        <m:t>𝑘</m:t>
-                                      </m:r>
-                                    </m:e>
-                                    <m:sub>
-                                      <m:r>
-                                        <a:rPr lang="en-DE" i="0">
-                                          <a:latin typeface="Cambria Math" panose="02040503050406030204" pitchFamily="18" charset="0"/>
-                                        </a:rPr>
-                                        <m:t>0</m:t>
-                                      </m:r>
-                                    </m:sub>
-                                  </m:sSub>
-                                  <m:r>
-                                    <a:rPr lang="en-DE" i="1">
-                                      <a:latin typeface="Cambria Math" panose="02040503050406030204" pitchFamily="18" charset="0"/>
-                                    </a:rPr>
-                                    <m:t>𝑚</m:t>
-                                  </m:r>
-                                </m:sup>
-                              </m:sSup>
-                            </m:e>
-                          </m:d>
-                        </m:e>
-                      </m:nary>
-                      <m:r>
-                        <a:rPr lang="en-DE" i="0">
-                          <a:latin typeface="Cambria Math" panose="02040503050406030204" pitchFamily="18" charset="0"/>
-                        </a:rPr>
-                        <m:t>=</m:t>
-                      </m:r>
-                    </m:oMath>
-                  </m:oMathPara>
-                </a14:m>
-                <a:endParaRPr lang="en-DE" dirty="0"/>
-              </a:p>
-            </p:txBody>
-          </p:sp>
-        </mc:Choice>
-        <mc:Fallback>
-          <p:sp>
-            <p:nvSpPr>
-              <p:cNvPr id="16" name="TextBox 15">
-                <a:extLst>
-                  <a:ext uri="{FF2B5EF4-FFF2-40B4-BE49-F238E27FC236}">
-                    <a16:creationId xmlns:a16="http://schemas.microsoft.com/office/drawing/2014/main" id="{D1E685F7-BD8F-547C-9213-A8DFA01FBC08}"/>
-                  </a:ext>
-                </a:extLst>
-              </p:cNvPr>
-              <p:cNvSpPr txBox="1">
-                <a:spLocks noRot="1" noChangeAspect="1" noMove="1" noResize="1" noEditPoints="1" noAdjustHandles="1" noChangeArrowheads="1" noChangeShapeType="1" noTextEdit="1"/>
-              </p:cNvSpPr>
-              <p:nvPr/>
-            </p:nvSpPr>
-            <p:spPr>
-              <a:xfrm>
-                <a:off x="6069800" y="5211536"/>
-                <a:ext cx="5063338" cy="871457"/>
-              </a:xfrm>
-              <a:prstGeom prst="rect">
-                <a:avLst/>
-              </a:prstGeom>
-              <a:blipFill>
-                <a:blip r:embed="rId19"/>
-                <a:stretch>
-                  <a:fillRect/>
-                </a:stretch>
-              </a:blipFill>
-            </p:spPr>
-            <p:txBody>
-              <a:bodyPr/>
-              <a:lstStyle/>
-              <a:p>
-                <a:r>
-                  <a:rPr lang="en-DE">
-                    <a:noFill/>
-                  </a:rPr>
-                  <a:t> </a:t>
-                </a:r>
-              </a:p>
-            </p:txBody>
-          </p:sp>
-        </mc:Fallback>
-      </mc:AlternateContent>
-      <mc:AlternateContent xmlns:mc="http://schemas.openxmlformats.org/markup-compatibility/2006">
-        <mc:Choice xmlns:a14="http://schemas.microsoft.com/office/drawing/2010/main" Requires="a14">
-          <p:sp>
-            <p:nvSpPr>
-              <p:cNvPr id="19" name="TextBox 18">
-                <a:extLst>
-                  <a:ext uri="{FF2B5EF4-FFF2-40B4-BE49-F238E27FC236}">
-                    <a16:creationId xmlns:a16="http://schemas.microsoft.com/office/drawing/2014/main" id="{F77CC5E8-E13E-1782-4F82-E4C442897D26}"/>
-                  </a:ext>
-                </a:extLst>
-              </p:cNvPr>
-              <p:cNvSpPr txBox="1"/>
-              <p:nvPr/>
-            </p:nvSpPr>
-            <p:spPr>
-              <a:xfrm>
-                <a:off x="10202771" y="5724580"/>
-                <a:ext cx="1959067" cy="871457"/>
-              </a:xfrm>
-              <a:prstGeom prst="rect">
-                <a:avLst/>
-              </a:prstGeom>
-              <a:noFill/>
             </p:spPr>
             <p:txBody>
               <a:bodyPr wrap="square">
@@ -9171,7 +4799,32 @@
                     </m:oMathParaPr>
                     <m:oMath xmlns:m="http://schemas.openxmlformats.org/officeDocument/2006/math">
                       <m:r>
-                        <a:rPr lang="en-DE" smtClean="0">
+                        <a:rPr lang="ru-RU" i="1">
+                          <a:latin typeface="Cambria Math" panose="02040503050406030204" pitchFamily="18" charset="0"/>
+                        </a:rPr>
+                        <m:t>h𝑓</m:t>
+                      </m:r>
+                      <m:d>
+                        <m:dPr>
+                          <m:begChr m:val="["/>
+                          <m:endChr m:val="]"/>
+                          <m:ctrlPr>
+                            <a:rPr lang="ru-RU" i="1">
+                              <a:latin typeface="Cambria Math" panose="02040503050406030204" pitchFamily="18" charset="0"/>
+                            </a:rPr>
+                          </m:ctrlPr>
+                        </m:dPr>
+                        <m:e>
+                          <m:r>
+                            <a:rPr lang="ru-RU" i="1">
+                              <a:latin typeface="Cambria Math" panose="02040503050406030204" pitchFamily="18" charset="0"/>
+                            </a:rPr>
+                            <m:t>𝑚</m:t>
+                          </m:r>
+                        </m:e>
+                      </m:d>
+                      <m:r>
+                        <a:rPr lang="ru-RU" i="0">
                           <a:latin typeface="Cambria Math" panose="02040503050406030204" pitchFamily="18" charset="0"/>
                         </a:rPr>
                         <m:t>=</m:t>
@@ -9181,20 +4834,20 @@
                           <m:chr m:val="∑"/>
                           <m:limLoc m:val="undOvr"/>
                           <m:ctrlPr>
-                            <a:rPr lang="en-DE" i="1">
+                            <a:rPr lang="ru-RU" i="1">
                               <a:latin typeface="Cambria Math" panose="02040503050406030204" pitchFamily="18" charset="0"/>
                             </a:rPr>
                           </m:ctrlPr>
                         </m:naryPr>
                         <m:sub>
                           <m:r>
-                            <a:rPr lang="en-DE" i="1">
+                            <a:rPr lang="ru-RU" i="1">
                               <a:latin typeface="Cambria Math" panose="02040503050406030204" pitchFamily="18" charset="0"/>
                             </a:rPr>
                             <m:t>𝑘</m:t>
                           </m:r>
                           <m:r>
-                            <a:rPr lang="en-DE" i="0">
+                            <a:rPr lang="ru-RU" i="0">
                               <a:latin typeface="Cambria Math" panose="02040503050406030204" pitchFamily="18" charset="0"/>
                             </a:rPr>
                             <m:t>=0</m:t>
@@ -9202,148 +4855,473 @@
                         </m:sub>
                         <m:sup>
                           <m:r>
-                            <a:rPr lang="en-DE" i="1">
+                            <a:rPr lang="ru-RU" i="1">
                               <a:latin typeface="Cambria Math" panose="02040503050406030204" pitchFamily="18" charset="0"/>
                             </a:rPr>
                             <m:t>𝑁</m:t>
+                          </m:r>
+                          <m:r>
+                            <a:rPr lang="ru-RU" i="0">
+                              <a:latin typeface="Cambria Math" panose="02040503050406030204" pitchFamily="18" charset="0"/>
+                            </a:rPr>
+                            <m:t>−1</m:t>
                           </m:r>
                         </m:sup>
                         <m:e>
-                          <m:sSup>
-                            <m:sSupPr>
+                          <m:r>
+                            <a:rPr lang="ru-RU" i="1">
+                              <a:latin typeface="Cambria Math" panose="02040503050406030204" pitchFamily="18" charset="0"/>
+                            </a:rPr>
+                            <m:t>h</m:t>
+                          </m:r>
+                          <m:d>
+                            <m:dPr>
+                              <m:begChr m:val="["/>
+                              <m:endChr m:val="]"/>
                               <m:ctrlPr>
-                                <a:rPr lang="en-DE" i="1">
-                                  <a:solidFill>
-                                    <a:srgbClr val="836967"/>
-                                  </a:solidFill>
+                                <a:rPr lang="ru-RU" i="1">
                                   <a:latin typeface="Cambria Math" panose="02040503050406030204" pitchFamily="18" charset="0"/>
                                 </a:rPr>
                               </m:ctrlPr>
-                            </m:sSupPr>
+                            </m:dPr>
                             <m:e>
-                              <m:d>
-                                <m:dPr>
-                                  <m:begChr m:val="|"/>
-                                  <m:endChr m:val="|"/>
-                                  <m:ctrlPr>
-                                    <a:rPr lang="en-DE" i="1">
-                                      <a:solidFill>
-                                        <a:srgbClr val="836967"/>
-                                      </a:solidFill>
-                                      <a:latin typeface="Cambria Math" panose="02040503050406030204" pitchFamily="18" charset="0"/>
-                                    </a:rPr>
-                                  </m:ctrlPr>
-                                </m:dPr>
-                                <m:e>
-                                  <m:r>
-                                    <a:rPr lang="en-DE" i="1">
-                                      <a:latin typeface="Cambria Math" panose="02040503050406030204" pitchFamily="18" charset="0"/>
-                                    </a:rPr>
-                                    <m:t>𝑥</m:t>
-                                  </m:r>
-                                  <m:d>
-                                    <m:dPr>
-                                      <m:begChr m:val="["/>
-                                      <m:endChr m:val="]"/>
-                                      <m:ctrlPr>
-                                        <a:rPr lang="en-DE" i="1">
-                                          <a:solidFill>
-                                            <a:srgbClr val="836967"/>
-                                          </a:solidFill>
-                                          <a:latin typeface="Cambria Math" panose="02040503050406030204" pitchFamily="18" charset="0"/>
-                                        </a:rPr>
-                                      </m:ctrlPr>
-                                    </m:dPr>
-                                    <m:e>
-                                      <m:r>
-                                        <a:rPr lang="en-DE" i="1">
-                                          <a:latin typeface="Cambria Math" panose="02040503050406030204" pitchFamily="18" charset="0"/>
-                                        </a:rPr>
-                                        <m:t>𝑘</m:t>
-                                      </m:r>
-                                    </m:e>
-                                  </m:d>
-                                </m:e>
-                              </m:d>
+                              <m:r>
+                                <a:rPr lang="ru-RU" i="1">
+                                  <a:latin typeface="Cambria Math" panose="02040503050406030204" pitchFamily="18" charset="0"/>
+                                </a:rPr>
+                                <m:t>𝑘</m:t>
+                              </m:r>
                             </m:e>
-                            <m:sup>
+                          </m:d>
+                          <m:r>
+                            <a:rPr lang="ru-RU" i="0">
+                              <a:latin typeface="Cambria Math" panose="02040503050406030204" pitchFamily="18" charset="0"/>
+                            </a:rPr>
+                            <m:t>∙</m:t>
+                          </m:r>
+                        </m:e>
+                      </m:nary>
+                      <m:sSup>
+                        <m:sSupPr>
+                          <m:ctrlPr>
+                            <a:rPr lang="ru-RU" i="1">
+                              <a:latin typeface="Cambria Math" panose="02040503050406030204" pitchFamily="18" charset="0"/>
+                            </a:rPr>
+                          </m:ctrlPr>
+                        </m:sSupPr>
+                        <m:e>
+                          <m:r>
+                            <a:rPr lang="ru-RU" i="1">
+                              <a:latin typeface="Cambria Math" panose="02040503050406030204" pitchFamily="18" charset="0"/>
+                            </a:rPr>
+                            <m:t>𝑒</m:t>
+                          </m:r>
+                        </m:e>
+                        <m:sup>
+                          <m:r>
+                            <a:rPr lang="ru-RU" i="0">
+                              <a:latin typeface="Cambria Math" panose="02040503050406030204" pitchFamily="18" charset="0"/>
+                            </a:rPr>
+                            <m:t>−</m:t>
+                          </m:r>
+                          <m:r>
+                            <a:rPr lang="ru-RU" i="1">
+                              <a:latin typeface="Cambria Math" panose="02040503050406030204" pitchFamily="18" charset="0"/>
+                            </a:rPr>
+                            <m:t>𝑗</m:t>
+                          </m:r>
+                          <m:f>
+                            <m:fPr>
+                              <m:ctrlPr>
+                                <a:rPr lang="ru-RU" i="1">
+                                  <a:latin typeface="Cambria Math" panose="02040503050406030204" pitchFamily="18" charset="0"/>
+                                </a:rPr>
+                              </m:ctrlPr>
+                            </m:fPr>
+                            <m:num>
                               <m:r>
-                                <a:rPr lang="en-DE" i="0">
+                                <a:rPr lang="ru-RU" i="0">
                                   <a:latin typeface="Cambria Math" panose="02040503050406030204" pitchFamily="18" charset="0"/>
                                 </a:rPr>
                                 <m:t>2</m:t>
                               </m:r>
-                            </m:sup>
-                          </m:sSup>
-                        </m:e>
-                      </m:nary>
+                              <m:r>
+                                <a:rPr lang="ru-RU" i="1">
+                                  <a:latin typeface="Cambria Math" panose="02040503050406030204" pitchFamily="18" charset="0"/>
+                                </a:rPr>
+                                <m:t>𝜋</m:t>
+                              </m:r>
+                            </m:num>
+                            <m:den>
+                              <m:r>
+                                <a:rPr lang="ru-RU" i="1">
+                                  <a:latin typeface="Cambria Math" panose="02040503050406030204" pitchFamily="18" charset="0"/>
+                                </a:rPr>
+                                <m:t>𝑁</m:t>
+                              </m:r>
+                            </m:den>
+                          </m:f>
+                          <m:r>
+                            <a:rPr lang="ru-RU" i="1">
+                              <a:latin typeface="Cambria Math" panose="02040503050406030204" pitchFamily="18" charset="0"/>
+                            </a:rPr>
+                            <m:t>𝑘𝑚</m:t>
+                          </m:r>
+                        </m:sup>
+                      </m:sSup>
                       <m:r>
-                        <a:rPr lang="en-DE" i="0">
+                        <a:rPr lang="ru-RU" i="0">
                           <a:latin typeface="Cambria Math" panose="02040503050406030204" pitchFamily="18" charset="0"/>
                         </a:rPr>
                         <m:t>=</m:t>
                       </m:r>
-                      <m:sSub>
-                        <m:sSubPr>
+                      <m:nary>
+                        <m:naryPr>
+                          <m:chr m:val="∑"/>
+                          <m:limLoc m:val="undOvr"/>
                           <m:ctrlPr>
-                            <a:rPr lang="en-DE" i="1">
-                              <a:solidFill>
-                                <a:srgbClr val="836967"/>
-                              </a:solidFill>
+                            <a:rPr lang="ru-RU" i="1">
                               <a:latin typeface="Cambria Math" panose="02040503050406030204" pitchFamily="18" charset="0"/>
                             </a:rPr>
                           </m:ctrlPr>
-                        </m:sSubPr>
+                        </m:naryPr>
+                        <m:sub>
+                          <m:r>
+                            <a:rPr lang="ru-RU" i="1">
+                              <a:latin typeface="Cambria Math" panose="02040503050406030204" pitchFamily="18" charset="0"/>
+                            </a:rPr>
+                            <m:t>𝑘</m:t>
+                          </m:r>
+                          <m:r>
+                            <a:rPr lang="ru-RU" i="0">
+                              <a:latin typeface="Cambria Math" panose="02040503050406030204" pitchFamily="18" charset="0"/>
+                            </a:rPr>
+                            <m:t>=0</m:t>
+                          </m:r>
+                        </m:sub>
+                        <m:sup>
+                          <m:r>
+                            <a:rPr lang="ru-RU" i="1">
+                              <a:latin typeface="Cambria Math" panose="02040503050406030204" pitchFamily="18" charset="0"/>
+                            </a:rPr>
+                            <m:t>𝑁</m:t>
+                          </m:r>
+                          <m:r>
+                            <a:rPr lang="ru-RU" i="0">
+                              <a:latin typeface="Cambria Math" panose="02040503050406030204" pitchFamily="18" charset="0"/>
+                            </a:rPr>
+                            <m:t>−1</m:t>
+                          </m:r>
+                        </m:sup>
                         <m:e>
                           <m:r>
-                            <a:rPr lang="en-DE" i="1">
-                              <a:latin typeface="Cambria Math" panose="02040503050406030204" pitchFamily="18" charset="0"/>
-                            </a:rPr>
-                            <m:t>𝑘</m:t>
+                            <a:rPr lang="ru-RU" i="1">
+                              <a:latin typeface="Cambria Math" panose="02040503050406030204" pitchFamily="18" charset="0"/>
+                            </a:rPr>
+                            <m:t>𝑥</m:t>
+                          </m:r>
+                          <m:d>
+                            <m:dPr>
+                              <m:begChr m:val="["/>
+                              <m:endChr m:val="]"/>
+                              <m:ctrlPr>
+                                <a:rPr lang="ru-RU" i="1">
+                                  <a:latin typeface="Cambria Math" panose="02040503050406030204" pitchFamily="18" charset="0"/>
+                                </a:rPr>
+                              </m:ctrlPr>
+                            </m:dPr>
+                            <m:e>
+                              <m:sSub>
+                                <m:sSubPr>
+                                  <m:ctrlPr>
+                                    <a:rPr lang="ru-RU" i="1">
+                                      <a:latin typeface="Cambria Math" panose="02040503050406030204" pitchFamily="18" charset="0"/>
+                                    </a:rPr>
+                                  </m:ctrlPr>
+                                </m:sSubPr>
+                                <m:e>
+                                  <m:r>
+                                    <a:rPr lang="ru-RU" i="1">
+                                      <a:latin typeface="Cambria Math" panose="02040503050406030204" pitchFamily="18" charset="0"/>
+                                    </a:rPr>
+                                    <m:t>𝑘</m:t>
+                                  </m:r>
+                                </m:e>
+                                <m:sub>
+                                  <m:r>
+                                    <a:rPr lang="ru-RU" i="0">
+                                      <a:latin typeface="Cambria Math" panose="02040503050406030204" pitchFamily="18" charset="0"/>
+                                    </a:rPr>
+                                    <m:t>0</m:t>
+                                  </m:r>
+                                </m:sub>
+                              </m:sSub>
+                              <m:r>
+                                <a:rPr lang="ru-RU" i="0">
+                                  <a:latin typeface="Cambria Math" panose="02040503050406030204" pitchFamily="18" charset="0"/>
+                                </a:rPr>
+                                <m:t>−</m:t>
+                              </m:r>
+                              <m:r>
+                                <a:rPr lang="ru-RU" i="1">
+                                  <a:latin typeface="Cambria Math" panose="02040503050406030204" pitchFamily="18" charset="0"/>
+                                </a:rPr>
+                                <m:t>𝑘</m:t>
+                              </m:r>
+                            </m:e>
+                          </m:d>
+                          <m:r>
+                            <a:rPr lang="ru-RU" i="0">
+                              <a:latin typeface="Cambria Math" panose="02040503050406030204" pitchFamily="18" charset="0"/>
+                            </a:rPr>
+                            <m:t>∙</m:t>
                           </m:r>
                         </m:e>
-                        <m:sub>
+                      </m:nary>
+                      <m:sSup>
+                        <m:sSupPr>
+                          <m:ctrlPr>
+                            <a:rPr lang="ru-RU" i="1">
+                              <a:latin typeface="Cambria Math" panose="02040503050406030204" pitchFamily="18" charset="0"/>
+                            </a:rPr>
+                          </m:ctrlPr>
+                        </m:sSupPr>
+                        <m:e>
                           <m:r>
-                            <a:rPr lang="en-DE" i="0">
-                              <a:latin typeface="Cambria Math" panose="02040503050406030204" pitchFamily="18" charset="0"/>
-                            </a:rPr>
-                            <m:t>0</m:t>
+                            <a:rPr lang="ru-RU" i="1">
+                              <a:latin typeface="Cambria Math" panose="02040503050406030204" pitchFamily="18" charset="0"/>
+                            </a:rPr>
+                            <m:t>𝑒</m:t>
                           </m:r>
-                        </m:sub>
-                      </m:sSub>
+                        </m:e>
+                        <m:sup>
+                          <m:r>
+                            <a:rPr lang="ru-RU" i="0">
+                              <a:latin typeface="Cambria Math" panose="02040503050406030204" pitchFamily="18" charset="0"/>
+                            </a:rPr>
+                            <m:t>−</m:t>
+                          </m:r>
+                          <m:r>
+                            <a:rPr lang="ru-RU" i="1">
+                              <a:latin typeface="Cambria Math" panose="02040503050406030204" pitchFamily="18" charset="0"/>
+                            </a:rPr>
+                            <m:t>𝑗</m:t>
+                          </m:r>
+                          <m:f>
+                            <m:fPr>
+                              <m:ctrlPr>
+                                <a:rPr lang="ru-RU" i="1">
+                                  <a:latin typeface="Cambria Math" panose="02040503050406030204" pitchFamily="18" charset="0"/>
+                                </a:rPr>
+                              </m:ctrlPr>
+                            </m:fPr>
+                            <m:num>
+                              <m:r>
+                                <a:rPr lang="ru-RU" i="0">
+                                  <a:latin typeface="Cambria Math" panose="02040503050406030204" pitchFamily="18" charset="0"/>
+                                </a:rPr>
+                                <m:t>2</m:t>
+                              </m:r>
+                              <m:r>
+                                <a:rPr lang="ru-RU" i="1">
+                                  <a:latin typeface="Cambria Math" panose="02040503050406030204" pitchFamily="18" charset="0"/>
+                                </a:rPr>
+                                <m:t>𝜋</m:t>
+                              </m:r>
+                            </m:num>
+                            <m:den>
+                              <m:r>
+                                <a:rPr lang="ru-RU" i="1">
+                                  <a:latin typeface="Cambria Math" panose="02040503050406030204" pitchFamily="18" charset="0"/>
+                                </a:rPr>
+                                <m:t>𝑁</m:t>
+                              </m:r>
+                            </m:den>
+                          </m:f>
+                          <m:r>
+                            <a:rPr lang="ru-RU" i="1">
+                              <a:latin typeface="Cambria Math" panose="02040503050406030204" pitchFamily="18" charset="0"/>
+                            </a:rPr>
+                            <m:t>𝑘𝑚</m:t>
+                          </m:r>
+                        </m:sup>
+                      </m:sSup>
+                      <m:r>
+                        <a:rPr lang="ru-RU" i="0">
+                          <a:latin typeface="Cambria Math" panose="02040503050406030204" pitchFamily="18" charset="0"/>
+                        </a:rPr>
+                        <m:t>=</m:t>
+                      </m:r>
+                      <m:sSup>
+                        <m:sSupPr>
+                          <m:ctrlPr>
+                            <a:rPr lang="ru-RU" i="1">
+                              <a:latin typeface="Cambria Math" panose="02040503050406030204" pitchFamily="18" charset="0"/>
+                            </a:rPr>
+                          </m:ctrlPr>
+                        </m:sSupPr>
+                        <m:e>
+                          <m:r>
+                            <a:rPr lang="ru-RU" i="1">
+                              <a:latin typeface="Cambria Math" panose="02040503050406030204" pitchFamily="18" charset="0"/>
+                            </a:rPr>
+                            <m:t>𝑥𝑓</m:t>
+                          </m:r>
+                        </m:e>
+                        <m:sup>
+                          <m:r>
+                            <a:rPr lang="ru-RU" i="0">
+                              <a:latin typeface="Cambria Math" panose="02040503050406030204" pitchFamily="18" charset="0"/>
+                            </a:rPr>
+                            <m:t>∗</m:t>
+                          </m:r>
+                        </m:sup>
+                      </m:sSup>
+                      <m:d>
+                        <m:dPr>
+                          <m:begChr m:val="["/>
+                          <m:endChr m:val="]"/>
+                          <m:ctrlPr>
+                            <a:rPr lang="ru-RU" i="1">
+                              <a:latin typeface="Cambria Math" panose="02040503050406030204" pitchFamily="18" charset="0"/>
+                            </a:rPr>
+                          </m:ctrlPr>
+                        </m:dPr>
+                        <m:e>
+                          <m:r>
+                            <a:rPr lang="ru-RU" i="1">
+                              <a:latin typeface="Cambria Math" panose="02040503050406030204" pitchFamily="18" charset="0"/>
+                            </a:rPr>
+                            <m:t>𝑚</m:t>
+                          </m:r>
+                        </m:e>
+                      </m:d>
+                      <m:sSup>
+                        <m:sSupPr>
+                          <m:ctrlPr>
+                            <a:rPr lang="ru-RU" i="1">
+                              <a:latin typeface="Cambria Math" panose="02040503050406030204" pitchFamily="18" charset="0"/>
+                            </a:rPr>
+                          </m:ctrlPr>
+                        </m:sSupPr>
+                        <m:e>
+                          <m:r>
+                            <a:rPr lang="ru-RU" i="0">
+                              <a:latin typeface="Cambria Math" panose="02040503050406030204" pitchFamily="18" charset="0"/>
+                            </a:rPr>
+                            <m:t>∙</m:t>
+                          </m:r>
+                          <m:r>
+                            <a:rPr lang="ru-RU" i="1">
+                              <a:latin typeface="Cambria Math" panose="02040503050406030204" pitchFamily="18" charset="0"/>
+                            </a:rPr>
+                            <m:t>𝑒</m:t>
+                          </m:r>
+                        </m:e>
+                        <m:sup>
+                          <m:r>
+                            <a:rPr lang="ru-RU" i="0">
+                              <a:latin typeface="Cambria Math" panose="02040503050406030204" pitchFamily="18" charset="0"/>
+                            </a:rPr>
+                            <m:t>−</m:t>
+                          </m:r>
+                          <m:r>
+                            <a:rPr lang="ru-RU" i="1">
+                              <a:latin typeface="Cambria Math" panose="02040503050406030204" pitchFamily="18" charset="0"/>
+                            </a:rPr>
+                            <m:t>𝑗</m:t>
+                          </m:r>
+                          <m:f>
+                            <m:fPr>
+                              <m:ctrlPr>
+                                <a:rPr lang="ru-RU" i="1">
+                                  <a:latin typeface="Cambria Math" panose="02040503050406030204" pitchFamily="18" charset="0"/>
+                                </a:rPr>
+                              </m:ctrlPr>
+                            </m:fPr>
+                            <m:num>
+                              <m:r>
+                                <a:rPr lang="ru-RU" i="0">
+                                  <a:latin typeface="Cambria Math" panose="02040503050406030204" pitchFamily="18" charset="0"/>
+                                </a:rPr>
+                                <m:t>2</m:t>
+                              </m:r>
+                              <m:r>
+                                <a:rPr lang="ru-RU" i="1">
+                                  <a:latin typeface="Cambria Math" panose="02040503050406030204" pitchFamily="18" charset="0"/>
+                                </a:rPr>
+                                <m:t>𝜋</m:t>
+                              </m:r>
+                            </m:num>
+                            <m:den>
+                              <m:r>
+                                <a:rPr lang="ru-RU" i="1">
+                                  <a:latin typeface="Cambria Math" panose="02040503050406030204" pitchFamily="18" charset="0"/>
+                                </a:rPr>
+                                <m:t>𝑁</m:t>
+                              </m:r>
+                            </m:den>
+                          </m:f>
+                          <m:sSub>
+                            <m:sSubPr>
+                              <m:ctrlPr>
+                                <a:rPr lang="ru-RU" i="1">
+                                  <a:latin typeface="Cambria Math" panose="02040503050406030204" pitchFamily="18" charset="0"/>
+                                </a:rPr>
+                              </m:ctrlPr>
+                            </m:sSubPr>
+                            <m:e>
+                              <m:r>
+                                <a:rPr lang="ru-RU" i="1">
+                                  <a:latin typeface="Cambria Math" panose="02040503050406030204" pitchFamily="18" charset="0"/>
+                                </a:rPr>
+                                <m:t>𝑘</m:t>
+                              </m:r>
+                            </m:e>
+                            <m:sub>
+                              <m:r>
+                                <a:rPr lang="ru-RU" i="0">
+                                  <a:latin typeface="Cambria Math" panose="02040503050406030204" pitchFamily="18" charset="0"/>
+                                </a:rPr>
+                                <m:t>0</m:t>
+                              </m:r>
+                            </m:sub>
+                          </m:sSub>
+                          <m:r>
+                            <a:rPr lang="ru-RU" i="1">
+                              <a:latin typeface="Cambria Math" panose="02040503050406030204" pitchFamily="18" charset="0"/>
+                            </a:rPr>
+                            <m:t>𝑚</m:t>
+                          </m:r>
+                        </m:sup>
+                      </m:sSup>
                     </m:oMath>
                   </m:oMathPara>
                 </a14:m>
-                <a:endParaRPr lang="en-DE" dirty="0"/>
+                <a:endParaRPr lang="ru-RU" dirty="0"/>
               </a:p>
             </p:txBody>
           </p:sp>
         </mc:Choice>
-        <mc:Fallback>
+        <mc:Fallback xmlns="">
           <p:sp>
             <p:nvSpPr>
-              <p:cNvPr id="19" name="TextBox 18">
-                <a:extLst>
-                  <a:ext uri="{FF2B5EF4-FFF2-40B4-BE49-F238E27FC236}">
-                    <a16:creationId xmlns:a16="http://schemas.microsoft.com/office/drawing/2014/main" id="{F77CC5E8-E13E-1782-4F82-E4C442897D26}"/>
-                  </a:ext>
-                </a:extLst>
-              </p:cNvPr>
-              <p:cNvSpPr txBox="1">
+              <p:cNvPr id="11" name="Прямоугольник 10"/>
+              <p:cNvSpPr>
                 <a:spLocks noRot="1" noChangeAspect="1" noMove="1" noResize="1" noEditPoints="1" noAdjustHandles="1" noChangeArrowheads="1" noChangeShapeType="1" noTextEdit="1"/>
               </p:cNvSpPr>
               <p:nvPr/>
             </p:nvSpPr>
             <p:spPr>
               <a:xfrm>
-                <a:off x="10202771" y="5724580"/>
-                <a:ext cx="1959067" cy="871457"/>
+                <a:off x="3811823" y="1877776"/>
+                <a:ext cx="8198889" cy="871457"/>
               </a:xfrm>
               <a:prstGeom prst="rect">
                 <a:avLst/>
               </a:prstGeom>
               <a:blipFill>
-                <a:blip r:embed="rId20"/>
+                <a:blip r:embed="rId9"/>
                 <a:stretch>
                   <a:fillRect/>
                 </a:stretch>
@@ -9354,7 +5332,7 @@
               <a:lstStyle/>
               <a:p>
                 <a:r>
-                  <a:rPr lang="en-DE">
+                  <a:rPr lang="ru-RU">
                     <a:noFill/>
                   </a:rPr>
                   <a:t> </a:t>
@@ -9364,29 +5342,715 @@
           </p:sp>
         </mc:Fallback>
       </mc:AlternateContent>
-      <mc:AlternateContent xmlns:mc="http://schemas.openxmlformats.org/markup-compatibility/2006">
-        <mc:Choice xmlns:a14="http://schemas.microsoft.com/office/drawing/2010/main" Requires="a14">
+      <mc:AlternateContent xmlns:mc="http://schemas.openxmlformats.org/markup-compatibility/2006" xmlns:a14="http://schemas.microsoft.com/office/drawing/2010/main">
+        <mc:Choice Requires="a14">
           <p:sp>
             <p:nvSpPr>
-              <p:cNvPr id="24" name="TextBox 23">
-                <a:extLst>
-                  <a:ext uri="{FF2B5EF4-FFF2-40B4-BE49-F238E27FC236}">
-                    <a16:creationId xmlns:a16="http://schemas.microsoft.com/office/drawing/2014/main" id="{72BCFEA7-7C9F-9BF6-EE35-8798ED439C9D}"/>
-                  </a:ext>
-                </a:extLst>
-              </p:cNvPr>
-              <p:cNvSpPr txBox="1"/>
+              <p:cNvPr id="19" name="Прямоугольник 18"/>
+              <p:cNvSpPr/>
               <p:nvPr/>
             </p:nvSpPr>
             <p:spPr>
               <a:xfrm>
-                <a:off x="9997511" y="1972122"/>
-                <a:ext cx="2147427" cy="493853"/>
+                <a:off x="1329971" y="2861510"/>
+                <a:ext cx="1674753" cy="609077"/>
               </a:xfrm>
               <a:prstGeom prst="rect">
                 <a:avLst/>
               </a:prstGeom>
-              <a:noFill/>
+            </p:spPr>
+            <p:txBody>
+              <a:bodyPr wrap="none">
+                <a:spAutoFit/>
+              </a:bodyPr>
+              <a:lstStyle/>
+              <a:p>
+                <a:pPr/>
+                <a14:m>
+                  <m:oMathPara xmlns:m="http://schemas.openxmlformats.org/officeDocument/2006/math">
+                    <m:oMathParaPr>
+                      <m:jc m:val="centerGroup"/>
+                    </m:oMathParaPr>
+                    <m:oMath xmlns:m="http://schemas.openxmlformats.org/officeDocument/2006/math">
+                      <m:sSup>
+                        <m:sSupPr>
+                          <m:ctrlPr>
+                            <a:rPr lang="ru-RU" i="1">
+                              <a:latin typeface="Cambria Math" panose="02040503050406030204" pitchFamily="18" charset="0"/>
+                            </a:rPr>
+                          </m:ctrlPr>
+                        </m:sSupPr>
+                        <m:e>
+                          <m:d>
+                            <m:dPr>
+                              <m:begChr m:val="|"/>
+                              <m:endChr m:val="|"/>
+                              <m:ctrlPr>
+                                <a:rPr lang="ru-RU" i="1">
+                                  <a:latin typeface="Cambria Math" panose="02040503050406030204" pitchFamily="18" charset="0"/>
+                                </a:rPr>
+                              </m:ctrlPr>
+                            </m:dPr>
+                            <m:e>
+                              <m:r>
+                                <a:rPr lang="ru-RU" i="1">
+                                  <a:latin typeface="Cambria Math" panose="02040503050406030204" pitchFamily="18" charset="0"/>
+                                </a:rPr>
+                                <m:t>𝑛𝑓</m:t>
+                              </m:r>
+                              <m:d>
+                                <m:dPr>
+                                  <m:begChr m:val="["/>
+                                  <m:endChr m:val="]"/>
+                                  <m:ctrlPr>
+                                    <a:rPr lang="ru-RU" i="1">
+                                      <a:latin typeface="Cambria Math" panose="02040503050406030204" pitchFamily="18" charset="0"/>
+                                    </a:rPr>
+                                  </m:ctrlPr>
+                                </m:dPr>
+                                <m:e>
+                                  <m:r>
+                                    <a:rPr lang="ru-RU" i="1">
+                                      <a:latin typeface="Cambria Math" panose="02040503050406030204" pitchFamily="18" charset="0"/>
+                                    </a:rPr>
+                                    <m:t>𝑚</m:t>
+                                  </m:r>
+                                </m:e>
+                              </m:d>
+                            </m:e>
+                          </m:d>
+                        </m:e>
+                        <m:sup>
+                          <m:r>
+                            <a:rPr lang="ru-RU" i="0">
+                              <a:latin typeface="Cambria Math" panose="02040503050406030204" pitchFamily="18" charset="0"/>
+                            </a:rPr>
+                            <m:t>2</m:t>
+                          </m:r>
+                        </m:sup>
+                      </m:sSup>
+                      <m:r>
+                        <a:rPr lang="ru-RU" i="0">
+                          <a:latin typeface="Cambria Math" panose="02040503050406030204" pitchFamily="18" charset="0"/>
+                        </a:rPr>
+                        <m:t>=</m:t>
+                      </m:r>
+                      <m:f>
+                        <m:fPr>
+                          <m:ctrlPr>
+                            <a:rPr lang="ru-RU" i="1">
+                              <a:latin typeface="Cambria Math" panose="02040503050406030204" pitchFamily="18" charset="0"/>
+                            </a:rPr>
+                          </m:ctrlPr>
+                        </m:fPr>
+                        <m:num>
+                          <m:sSub>
+                            <m:sSubPr>
+                              <m:ctrlPr>
+                                <a:rPr lang="ru-RU" i="1">
+                                  <a:latin typeface="Cambria Math" panose="02040503050406030204" pitchFamily="18" charset="0"/>
+                                </a:rPr>
+                              </m:ctrlPr>
+                            </m:sSubPr>
+                            <m:e>
+                              <m:r>
+                                <a:rPr lang="ru-RU" i="1">
+                                  <a:latin typeface="Cambria Math" panose="02040503050406030204" pitchFamily="18" charset="0"/>
+                                </a:rPr>
+                                <m:t>𝑁</m:t>
+                              </m:r>
+                            </m:e>
+                            <m:sub>
+                              <m:r>
+                                <a:rPr lang="ru-RU" i="0">
+                                  <a:latin typeface="Cambria Math" panose="02040503050406030204" pitchFamily="18" charset="0"/>
+                                </a:rPr>
+                                <m:t>0</m:t>
+                              </m:r>
+                            </m:sub>
+                          </m:sSub>
+                        </m:num>
+                        <m:den>
+                          <m:r>
+                            <a:rPr lang="ru-RU" i="0">
+                              <a:latin typeface="Cambria Math" panose="02040503050406030204" pitchFamily="18" charset="0"/>
+                            </a:rPr>
+                            <m:t>2</m:t>
+                          </m:r>
+                        </m:den>
+                      </m:f>
+                    </m:oMath>
+                  </m:oMathPara>
+                </a14:m>
+                <a:endParaRPr lang="ru-RU" dirty="0"/>
+              </a:p>
+            </p:txBody>
+          </p:sp>
+        </mc:Choice>
+        <mc:Fallback xmlns="">
+          <p:sp>
+            <p:nvSpPr>
+              <p:cNvPr id="19" name="Прямоугольник 18"/>
+              <p:cNvSpPr>
+                <a:spLocks noRot="1" noChangeAspect="1" noMove="1" noResize="1" noEditPoints="1" noAdjustHandles="1" noChangeArrowheads="1" noChangeShapeType="1" noTextEdit="1"/>
+              </p:cNvSpPr>
+              <p:nvPr/>
+            </p:nvSpPr>
+            <p:spPr>
+              <a:xfrm>
+                <a:off x="1329971" y="2861510"/>
+                <a:ext cx="1674753" cy="609077"/>
+              </a:xfrm>
+              <a:prstGeom prst="rect">
+                <a:avLst/>
+              </a:prstGeom>
+              <a:blipFill>
+                <a:blip r:embed="rId10"/>
+                <a:stretch>
+                  <a:fillRect/>
+                </a:stretch>
+              </a:blipFill>
+            </p:spPr>
+            <p:txBody>
+              <a:bodyPr/>
+              <a:lstStyle/>
+              <a:p>
+                <a:r>
+                  <a:rPr lang="ru-RU">
+                    <a:noFill/>
+                  </a:rPr>
+                  <a:t> </a:t>
+                </a:r>
+              </a:p>
+            </p:txBody>
+          </p:sp>
+        </mc:Fallback>
+      </mc:AlternateContent>
+      <mc:AlternateContent xmlns:mc="http://schemas.openxmlformats.org/markup-compatibility/2006" xmlns:a14="http://schemas.microsoft.com/office/drawing/2010/main">
+        <mc:Choice Requires="a14">
+          <p:sp>
+            <p:nvSpPr>
+              <p:cNvPr id="26" name="Прямоугольник 25"/>
+              <p:cNvSpPr/>
+              <p:nvPr/>
+            </p:nvSpPr>
+            <p:spPr>
+              <a:xfrm>
+                <a:off x="5661653" y="2754278"/>
+                <a:ext cx="6263403" cy="659732"/>
+              </a:xfrm>
+              <a:prstGeom prst="rect">
+                <a:avLst/>
+              </a:prstGeom>
+            </p:spPr>
+            <p:txBody>
+              <a:bodyPr wrap="square">
+                <a:spAutoFit/>
+              </a:bodyPr>
+              <a:lstStyle/>
+              <a:p>
+                <a:pPr/>
+                <a14:m>
+                  <m:oMathPara xmlns:m="http://schemas.openxmlformats.org/officeDocument/2006/math">
+                    <m:oMathParaPr>
+                      <m:jc m:val="centerGroup"/>
+                    </m:oMathParaPr>
+                    <m:oMath xmlns:m="http://schemas.openxmlformats.org/officeDocument/2006/math">
+                      <m:sSup>
+                        <m:sSupPr>
+                          <m:ctrlPr>
+                            <a:rPr lang="ru-RU" i="1">
+                              <a:latin typeface="Cambria Math" panose="02040503050406030204" pitchFamily="18" charset="0"/>
+                            </a:rPr>
+                          </m:ctrlPr>
+                        </m:sSupPr>
+                        <m:e>
+                          <m:d>
+                            <m:dPr>
+                              <m:begChr m:val="|"/>
+                              <m:endChr m:val="|"/>
+                              <m:ctrlPr>
+                                <a:rPr lang="ru-RU" i="1">
+                                  <a:latin typeface="Cambria Math" panose="02040503050406030204" pitchFamily="18" charset="0"/>
+                                </a:rPr>
+                              </m:ctrlPr>
+                            </m:dPr>
+                            <m:e>
+                              <m:r>
+                                <a:rPr lang="ru-RU" i="1">
+                                  <a:latin typeface="Cambria Math" panose="02040503050406030204" pitchFamily="18" charset="0"/>
+                                </a:rPr>
+                                <m:t>𝑛𝑓</m:t>
+                              </m:r>
+                              <m:d>
+                                <m:dPr>
+                                  <m:begChr m:val="["/>
+                                  <m:endChr m:val="]"/>
+                                  <m:ctrlPr>
+                                    <a:rPr lang="ru-RU" i="1">
+                                      <a:latin typeface="Cambria Math" panose="02040503050406030204" pitchFamily="18" charset="0"/>
+                                    </a:rPr>
+                                  </m:ctrlPr>
+                                </m:dPr>
+                                <m:e>
+                                  <m:r>
+                                    <a:rPr lang="ru-RU" i="1">
+                                      <a:latin typeface="Cambria Math" panose="02040503050406030204" pitchFamily="18" charset="0"/>
+                                    </a:rPr>
+                                    <m:t>𝑚</m:t>
+                                  </m:r>
+                                </m:e>
+                              </m:d>
+                              <m:r>
+                                <a:rPr lang="ru-RU" i="0">
+                                  <a:latin typeface="Cambria Math" panose="02040503050406030204" pitchFamily="18" charset="0"/>
+                                </a:rPr>
+                                <m:t>∙</m:t>
+                              </m:r>
+                              <m:r>
+                                <a:rPr lang="ru-RU" i="1">
+                                  <a:latin typeface="Cambria Math" panose="02040503050406030204" pitchFamily="18" charset="0"/>
+                                </a:rPr>
+                                <m:t>h𝑓</m:t>
+                              </m:r>
+                              <m:d>
+                                <m:dPr>
+                                  <m:begChr m:val="["/>
+                                  <m:endChr m:val="]"/>
+                                  <m:ctrlPr>
+                                    <a:rPr lang="ru-RU" i="1">
+                                      <a:latin typeface="Cambria Math" panose="02040503050406030204" pitchFamily="18" charset="0"/>
+                                    </a:rPr>
+                                  </m:ctrlPr>
+                                </m:dPr>
+                                <m:e>
+                                  <m:r>
+                                    <a:rPr lang="ru-RU" i="1">
+                                      <a:latin typeface="Cambria Math" panose="02040503050406030204" pitchFamily="18" charset="0"/>
+                                    </a:rPr>
+                                    <m:t>𝑚</m:t>
+                                  </m:r>
+                                </m:e>
+                              </m:d>
+                            </m:e>
+                          </m:d>
+                        </m:e>
+                        <m:sup>
+                          <m:r>
+                            <a:rPr lang="ru-RU" i="0">
+                              <a:latin typeface="Cambria Math" panose="02040503050406030204" pitchFamily="18" charset="0"/>
+                            </a:rPr>
+                            <m:t>2</m:t>
+                          </m:r>
+                        </m:sup>
+                      </m:sSup>
+                      <m:r>
+                        <a:rPr lang="ru-RU" i="0">
+                          <a:latin typeface="Cambria Math" panose="02040503050406030204" pitchFamily="18" charset="0"/>
+                        </a:rPr>
+                        <m:t>=</m:t>
+                      </m:r>
+                      <m:f>
+                        <m:fPr>
+                          <m:ctrlPr>
+                            <a:rPr lang="ru-RU" i="1">
+                              <a:latin typeface="Cambria Math" panose="02040503050406030204" pitchFamily="18" charset="0"/>
+                            </a:rPr>
+                          </m:ctrlPr>
+                        </m:fPr>
+                        <m:num>
+                          <m:sSub>
+                            <m:sSubPr>
+                              <m:ctrlPr>
+                                <a:rPr lang="ru-RU" i="1">
+                                  <a:latin typeface="Cambria Math" panose="02040503050406030204" pitchFamily="18" charset="0"/>
+                                </a:rPr>
+                              </m:ctrlPr>
+                            </m:sSubPr>
+                            <m:e>
+                              <m:r>
+                                <a:rPr lang="ru-RU" i="1">
+                                  <a:latin typeface="Cambria Math" panose="02040503050406030204" pitchFamily="18" charset="0"/>
+                                </a:rPr>
+                                <m:t>𝑁</m:t>
+                              </m:r>
+                            </m:e>
+                            <m:sub>
+                              <m:r>
+                                <a:rPr lang="ru-RU" i="0">
+                                  <a:latin typeface="Cambria Math" panose="02040503050406030204" pitchFamily="18" charset="0"/>
+                                </a:rPr>
+                                <m:t>0</m:t>
+                              </m:r>
+                            </m:sub>
+                          </m:sSub>
+                        </m:num>
+                        <m:den>
+                          <m:r>
+                            <a:rPr lang="ru-RU" i="0">
+                              <a:latin typeface="Cambria Math" panose="02040503050406030204" pitchFamily="18" charset="0"/>
+                            </a:rPr>
+                            <m:t>2</m:t>
+                          </m:r>
+                        </m:den>
+                      </m:f>
+                      <m:r>
+                        <a:rPr lang="ru-RU" i="0">
+                          <a:latin typeface="Cambria Math" panose="02040503050406030204" pitchFamily="18" charset="0"/>
+                        </a:rPr>
+                        <m:t>∙</m:t>
+                      </m:r>
+                      <m:sSup>
+                        <m:sSupPr>
+                          <m:ctrlPr>
+                            <a:rPr lang="ru-RU" i="1">
+                              <a:latin typeface="Cambria Math" panose="02040503050406030204" pitchFamily="18" charset="0"/>
+                            </a:rPr>
+                          </m:ctrlPr>
+                        </m:sSupPr>
+                        <m:e>
+                          <m:d>
+                            <m:dPr>
+                              <m:begChr m:val="|"/>
+                              <m:endChr m:val="|"/>
+                              <m:ctrlPr>
+                                <a:rPr lang="ru-RU" i="1">
+                                  <a:latin typeface="Cambria Math" panose="02040503050406030204" pitchFamily="18" charset="0"/>
+                                </a:rPr>
+                              </m:ctrlPr>
+                            </m:dPr>
+                            <m:e>
+                              <m:sSup>
+                                <m:sSupPr>
+                                  <m:ctrlPr>
+                                    <a:rPr lang="ru-RU" i="1">
+                                      <a:latin typeface="Cambria Math" panose="02040503050406030204" pitchFamily="18" charset="0"/>
+                                    </a:rPr>
+                                  </m:ctrlPr>
+                                </m:sSupPr>
+                                <m:e>
+                                  <m:r>
+                                    <a:rPr lang="ru-RU" i="1">
+                                      <a:latin typeface="Cambria Math" panose="02040503050406030204" pitchFamily="18" charset="0"/>
+                                    </a:rPr>
+                                    <m:t>𝑥𝑓</m:t>
+                                  </m:r>
+                                </m:e>
+                                <m:sup>
+                                  <m:r>
+                                    <a:rPr lang="ru-RU" i="0">
+                                      <a:latin typeface="Cambria Math" panose="02040503050406030204" pitchFamily="18" charset="0"/>
+                                    </a:rPr>
+                                    <m:t>∗</m:t>
+                                  </m:r>
+                                </m:sup>
+                              </m:sSup>
+                              <m:d>
+                                <m:dPr>
+                                  <m:begChr m:val="["/>
+                                  <m:endChr m:val="]"/>
+                                  <m:ctrlPr>
+                                    <a:rPr lang="ru-RU" i="1">
+                                      <a:latin typeface="Cambria Math" panose="02040503050406030204" pitchFamily="18" charset="0"/>
+                                    </a:rPr>
+                                  </m:ctrlPr>
+                                </m:dPr>
+                                <m:e>
+                                  <m:r>
+                                    <a:rPr lang="ru-RU" i="1">
+                                      <a:latin typeface="Cambria Math" panose="02040503050406030204" pitchFamily="18" charset="0"/>
+                                    </a:rPr>
+                                    <m:t>𝑚</m:t>
+                                  </m:r>
+                                </m:e>
+                              </m:d>
+                              <m:sSup>
+                                <m:sSupPr>
+                                  <m:ctrlPr>
+                                    <a:rPr lang="ru-RU" i="1">
+                                      <a:latin typeface="Cambria Math" panose="02040503050406030204" pitchFamily="18" charset="0"/>
+                                    </a:rPr>
+                                  </m:ctrlPr>
+                                </m:sSupPr>
+                                <m:e>
+                                  <m:r>
+                                    <a:rPr lang="ru-RU" i="0">
+                                      <a:latin typeface="Cambria Math" panose="02040503050406030204" pitchFamily="18" charset="0"/>
+                                    </a:rPr>
+                                    <m:t>∙</m:t>
+                                  </m:r>
+                                  <m:r>
+                                    <a:rPr lang="ru-RU" i="1">
+                                      <a:latin typeface="Cambria Math" panose="02040503050406030204" pitchFamily="18" charset="0"/>
+                                    </a:rPr>
+                                    <m:t>𝑒</m:t>
+                                  </m:r>
+                                </m:e>
+                                <m:sup>
+                                  <m:r>
+                                    <a:rPr lang="ru-RU" i="0">
+                                      <a:latin typeface="Cambria Math" panose="02040503050406030204" pitchFamily="18" charset="0"/>
+                                    </a:rPr>
+                                    <m:t>−</m:t>
+                                  </m:r>
+                                  <m:r>
+                                    <a:rPr lang="ru-RU" i="1">
+                                      <a:latin typeface="Cambria Math" panose="02040503050406030204" pitchFamily="18" charset="0"/>
+                                    </a:rPr>
+                                    <m:t>𝑗</m:t>
+                                  </m:r>
+                                  <m:f>
+                                    <m:fPr>
+                                      <m:ctrlPr>
+                                        <a:rPr lang="ru-RU" i="1">
+                                          <a:latin typeface="Cambria Math" panose="02040503050406030204" pitchFamily="18" charset="0"/>
+                                        </a:rPr>
+                                      </m:ctrlPr>
+                                    </m:fPr>
+                                    <m:num>
+                                      <m:r>
+                                        <a:rPr lang="ru-RU" i="0">
+                                          <a:latin typeface="Cambria Math" panose="02040503050406030204" pitchFamily="18" charset="0"/>
+                                        </a:rPr>
+                                        <m:t>2</m:t>
+                                      </m:r>
+                                      <m:r>
+                                        <a:rPr lang="ru-RU" i="1">
+                                          <a:latin typeface="Cambria Math" panose="02040503050406030204" pitchFamily="18" charset="0"/>
+                                        </a:rPr>
+                                        <m:t>𝜋</m:t>
+                                      </m:r>
+                                    </m:num>
+                                    <m:den>
+                                      <m:r>
+                                        <a:rPr lang="ru-RU" i="1">
+                                          <a:latin typeface="Cambria Math" panose="02040503050406030204" pitchFamily="18" charset="0"/>
+                                        </a:rPr>
+                                        <m:t>𝑁</m:t>
+                                      </m:r>
+                                    </m:den>
+                                  </m:f>
+                                  <m:sSub>
+                                    <m:sSubPr>
+                                      <m:ctrlPr>
+                                        <a:rPr lang="ru-RU" i="1">
+                                          <a:latin typeface="Cambria Math" panose="02040503050406030204" pitchFamily="18" charset="0"/>
+                                        </a:rPr>
+                                      </m:ctrlPr>
+                                    </m:sSubPr>
+                                    <m:e>
+                                      <m:r>
+                                        <a:rPr lang="ru-RU" i="1">
+                                          <a:latin typeface="Cambria Math" panose="02040503050406030204" pitchFamily="18" charset="0"/>
+                                        </a:rPr>
+                                        <m:t>𝑘</m:t>
+                                      </m:r>
+                                    </m:e>
+                                    <m:sub>
+                                      <m:r>
+                                        <a:rPr lang="ru-RU" i="0">
+                                          <a:latin typeface="Cambria Math" panose="02040503050406030204" pitchFamily="18" charset="0"/>
+                                        </a:rPr>
+                                        <m:t>0</m:t>
+                                      </m:r>
+                                    </m:sub>
+                                  </m:sSub>
+                                  <m:r>
+                                    <a:rPr lang="ru-RU" i="1">
+                                      <a:latin typeface="Cambria Math" panose="02040503050406030204" pitchFamily="18" charset="0"/>
+                                    </a:rPr>
+                                    <m:t>𝑚</m:t>
+                                  </m:r>
+                                </m:sup>
+                              </m:sSup>
+                            </m:e>
+                          </m:d>
+                        </m:e>
+                        <m:sup>
+                          <m:r>
+                            <a:rPr lang="ru-RU" i="0">
+                              <a:latin typeface="Cambria Math" panose="02040503050406030204" pitchFamily="18" charset="0"/>
+                            </a:rPr>
+                            <m:t>2</m:t>
+                          </m:r>
+                        </m:sup>
+                      </m:sSup>
+                      <m:r>
+                        <a:rPr lang="ru-RU" i="0">
+                          <a:latin typeface="Cambria Math" panose="02040503050406030204" pitchFamily="18" charset="0"/>
+                        </a:rPr>
+                        <m:t>=</m:t>
+                      </m:r>
+                      <m:f>
+                        <m:fPr>
+                          <m:ctrlPr>
+                            <a:rPr lang="ru-RU" i="1">
+                              <a:latin typeface="Cambria Math" panose="02040503050406030204" pitchFamily="18" charset="0"/>
+                            </a:rPr>
+                          </m:ctrlPr>
+                        </m:fPr>
+                        <m:num>
+                          <m:sSub>
+                            <m:sSubPr>
+                              <m:ctrlPr>
+                                <a:rPr lang="ru-RU" i="1">
+                                  <a:latin typeface="Cambria Math" panose="02040503050406030204" pitchFamily="18" charset="0"/>
+                                </a:rPr>
+                              </m:ctrlPr>
+                            </m:sSubPr>
+                            <m:e>
+                              <m:r>
+                                <a:rPr lang="ru-RU" i="1">
+                                  <a:latin typeface="Cambria Math" panose="02040503050406030204" pitchFamily="18" charset="0"/>
+                                </a:rPr>
+                                <m:t>𝑁</m:t>
+                              </m:r>
+                            </m:e>
+                            <m:sub>
+                              <m:r>
+                                <a:rPr lang="ru-RU" i="0">
+                                  <a:latin typeface="Cambria Math" panose="02040503050406030204" pitchFamily="18" charset="0"/>
+                                </a:rPr>
+                                <m:t>0</m:t>
+                              </m:r>
+                            </m:sub>
+                          </m:sSub>
+                        </m:num>
+                        <m:den>
+                          <m:r>
+                            <a:rPr lang="ru-RU" i="0">
+                              <a:latin typeface="Cambria Math" panose="02040503050406030204" pitchFamily="18" charset="0"/>
+                            </a:rPr>
+                            <m:t>2</m:t>
+                          </m:r>
+                        </m:den>
+                      </m:f>
+                      <m:r>
+                        <a:rPr lang="ru-RU" i="0">
+                          <a:latin typeface="Cambria Math" panose="02040503050406030204" pitchFamily="18" charset="0"/>
+                        </a:rPr>
+                        <m:t>∙</m:t>
+                      </m:r>
+                      <m:sSup>
+                        <m:sSupPr>
+                          <m:ctrlPr>
+                            <a:rPr lang="ru-RU" i="1">
+                              <a:latin typeface="Cambria Math" panose="02040503050406030204" pitchFamily="18" charset="0"/>
+                            </a:rPr>
+                          </m:ctrlPr>
+                        </m:sSupPr>
+                        <m:e>
+                          <m:d>
+                            <m:dPr>
+                              <m:begChr m:val="|"/>
+                              <m:endChr m:val="|"/>
+                              <m:ctrlPr>
+                                <a:rPr lang="ru-RU" i="1">
+                                  <a:latin typeface="Cambria Math" panose="02040503050406030204" pitchFamily="18" charset="0"/>
+                                </a:rPr>
+                              </m:ctrlPr>
+                            </m:dPr>
+                            <m:e>
+                              <m:r>
+                                <a:rPr lang="ru-RU" i="1">
+                                  <a:latin typeface="Cambria Math" panose="02040503050406030204" pitchFamily="18" charset="0"/>
+                                </a:rPr>
+                                <m:t>𝑥𝑓</m:t>
+                              </m:r>
+                              <m:d>
+                                <m:dPr>
+                                  <m:begChr m:val="["/>
+                                  <m:endChr m:val="]"/>
+                                  <m:ctrlPr>
+                                    <a:rPr lang="ru-RU" i="1">
+                                      <a:latin typeface="Cambria Math" panose="02040503050406030204" pitchFamily="18" charset="0"/>
+                                    </a:rPr>
+                                  </m:ctrlPr>
+                                </m:dPr>
+                                <m:e>
+                                  <m:r>
+                                    <a:rPr lang="ru-RU" i="1">
+                                      <a:latin typeface="Cambria Math" panose="02040503050406030204" pitchFamily="18" charset="0"/>
+                                    </a:rPr>
+                                    <m:t>𝑚</m:t>
+                                  </m:r>
+                                </m:e>
+                              </m:d>
+                            </m:e>
+                          </m:d>
+                        </m:e>
+                        <m:sup>
+                          <m:r>
+                            <a:rPr lang="ru-RU" i="0">
+                              <a:latin typeface="Cambria Math" panose="02040503050406030204" pitchFamily="18" charset="0"/>
+                            </a:rPr>
+                            <m:t>2</m:t>
+                          </m:r>
+                        </m:sup>
+                      </m:sSup>
+                    </m:oMath>
+                  </m:oMathPara>
+                </a14:m>
+                <a:endParaRPr lang="ru-RU" dirty="0"/>
+              </a:p>
+            </p:txBody>
+          </p:sp>
+        </mc:Choice>
+        <mc:Fallback xmlns="">
+          <p:sp>
+            <p:nvSpPr>
+              <p:cNvPr id="26" name="Прямоугольник 25"/>
+              <p:cNvSpPr>
+                <a:spLocks noRot="1" noChangeAspect="1" noMove="1" noResize="1" noEditPoints="1" noAdjustHandles="1" noChangeArrowheads="1" noChangeShapeType="1" noTextEdit="1"/>
+              </p:cNvSpPr>
+              <p:nvPr/>
+            </p:nvSpPr>
+            <p:spPr>
+              <a:xfrm>
+                <a:off x="5661653" y="2754278"/>
+                <a:ext cx="6263403" cy="659732"/>
+              </a:xfrm>
+              <a:prstGeom prst="rect">
+                <a:avLst/>
+              </a:prstGeom>
+              <a:blipFill>
+                <a:blip r:embed="rId11"/>
+                <a:stretch>
+                  <a:fillRect/>
+                </a:stretch>
+              </a:blipFill>
+            </p:spPr>
+            <p:txBody>
+              <a:bodyPr/>
+              <a:lstStyle/>
+              <a:p>
+                <a:r>
+                  <a:rPr lang="ru-RU">
+                    <a:noFill/>
+                  </a:rPr>
+                  <a:t> </a:t>
+                </a:r>
+              </a:p>
+            </p:txBody>
+          </p:sp>
+        </mc:Fallback>
+      </mc:AlternateContent>
+      <mc:AlternateContent xmlns:mc="http://schemas.openxmlformats.org/markup-compatibility/2006" xmlns:a14="http://schemas.microsoft.com/office/drawing/2010/main">
+        <mc:Choice Requires="a14">
+          <p:sp>
+            <p:nvSpPr>
+              <p:cNvPr id="35" name="Прямоугольник 34"/>
+              <p:cNvSpPr/>
+              <p:nvPr/>
+            </p:nvSpPr>
+            <p:spPr>
+              <a:xfrm>
+                <a:off x="5442092" y="4462838"/>
+                <a:ext cx="6568620" cy="493853"/>
+              </a:xfrm>
+              <a:prstGeom prst="rect">
+                <a:avLst/>
+              </a:prstGeom>
             </p:spPr>
             <p:txBody>
               <a:bodyPr wrap="square">
@@ -9402,7 +6066,63 @@
                     </m:oMathParaPr>
                     <m:oMath xmlns:m="http://schemas.openxmlformats.org/officeDocument/2006/math">
                       <m:r>
-                        <a:rPr lang="en-DE" smtClean="0">
+                        <a:rPr lang="ru-RU" i="1">
+                          <a:latin typeface="Cambria Math" panose="02040503050406030204" pitchFamily="18" charset="0"/>
+                        </a:rPr>
+                        <m:t>𝑥𝑓</m:t>
+                      </m:r>
+                      <m:d>
+                        <m:dPr>
+                          <m:begChr m:val="["/>
+                          <m:endChr m:val="]"/>
+                          <m:ctrlPr>
+                            <a:rPr lang="ru-RU" i="1">
+                              <a:latin typeface="Cambria Math" panose="02040503050406030204" pitchFamily="18" charset="0"/>
+                            </a:rPr>
+                          </m:ctrlPr>
+                        </m:dPr>
+                        <m:e>
+                          <m:r>
+                            <a:rPr lang="ru-RU" i="1">
+                              <a:latin typeface="Cambria Math" panose="02040503050406030204" pitchFamily="18" charset="0"/>
+                            </a:rPr>
+                            <m:t>𝑚</m:t>
+                          </m:r>
+                        </m:e>
+                      </m:d>
+                      <m:r>
+                        <a:rPr lang="ru-RU" i="0">
+                          <a:latin typeface="Cambria Math" panose="02040503050406030204" pitchFamily="18" charset="0"/>
+                        </a:rPr>
+                        <m:t>∙</m:t>
+                      </m:r>
+                      <m:r>
+                        <a:rPr lang="ru-RU" i="1">
+                          <a:latin typeface="Cambria Math" panose="02040503050406030204" pitchFamily="18" charset="0"/>
+                        </a:rPr>
+                        <m:t>h𝑓</m:t>
+                      </m:r>
+                      <m:d>
+                        <m:dPr>
+                          <m:begChr m:val="["/>
+                          <m:endChr m:val="]"/>
+                          <m:ctrlPr>
+                            <a:rPr lang="ru-RU" i="1">
+                              <a:latin typeface="Cambria Math" panose="02040503050406030204" pitchFamily="18" charset="0"/>
+                            </a:rPr>
+                          </m:ctrlPr>
+                        </m:dPr>
+                        <m:e>
+                          <m:r>
+                            <a:rPr lang="ru-RU" i="1">
+                              <a:latin typeface="Cambria Math" panose="02040503050406030204" pitchFamily="18" charset="0"/>
+                            </a:rPr>
+                            <m:t>𝑚</m:t>
+                          </m:r>
+                        </m:e>
+                      </m:d>
+                      <m:r>
+                        <a:rPr lang="ru-RU" i="0">
                           <a:latin typeface="Cambria Math" panose="02040503050406030204" pitchFamily="18" charset="0"/>
                         </a:rPr>
                         <m:t>=</m:t>
@@ -9410,17 +6130,45 @@
                       <m:sSup>
                         <m:sSupPr>
                           <m:ctrlPr>
-                            <a:rPr lang="en-DE" i="1">
-                              <a:solidFill>
-                                <a:srgbClr val="836967"/>
-                              </a:solidFill>
+                            <a:rPr lang="ru-RU" i="1">
                               <a:latin typeface="Cambria Math" panose="02040503050406030204" pitchFamily="18" charset="0"/>
                             </a:rPr>
                           </m:ctrlPr>
                         </m:sSupPr>
                         <m:e>
                           <m:r>
-                            <a:rPr lang="en-DE" i="1">
+                            <a:rPr lang="ru-RU" i="1">
+                              <a:latin typeface="Cambria Math" panose="02040503050406030204" pitchFamily="18" charset="0"/>
+                            </a:rPr>
+                            <m:t>𝑥𝑓</m:t>
+                          </m:r>
+                          <m:d>
+                            <m:dPr>
+                              <m:begChr m:val="["/>
+                              <m:endChr m:val="]"/>
+                              <m:ctrlPr>
+                                <a:rPr lang="ru-RU" i="1">
+                                  <a:latin typeface="Cambria Math" panose="02040503050406030204" pitchFamily="18" charset="0"/>
+                                </a:rPr>
+                              </m:ctrlPr>
+                            </m:dPr>
+                            <m:e>
+                              <m:r>
+                                <a:rPr lang="ru-RU" i="1">
+                                  <a:latin typeface="Cambria Math" panose="02040503050406030204" pitchFamily="18" charset="0"/>
+                                </a:rPr>
+                                <m:t>𝑚</m:t>
+                              </m:r>
+                            </m:e>
+                          </m:d>
+                          <m:r>
+                            <a:rPr lang="ru-RU" i="0">
+                              <a:latin typeface="Cambria Math" panose="02040503050406030204" pitchFamily="18" charset="0"/>
+                            </a:rPr>
+                            <m:t>∙</m:t>
+                          </m:r>
+                          <m:r>
+                            <a:rPr lang="ru-RU" i="1">
                               <a:latin typeface="Cambria Math" panose="02040503050406030204" pitchFamily="18" charset="0"/>
                             </a:rPr>
                             <m:t>𝑥𝑓</m:t>
@@ -9428,7 +6176,7 @@
                         </m:e>
                         <m:sup>
                           <m:r>
-                            <a:rPr lang="en-DE" i="0">
+                            <a:rPr lang="ru-RU" i="0">
                               <a:latin typeface="Cambria Math" panose="02040503050406030204" pitchFamily="18" charset="0"/>
                             </a:rPr>
                             <m:t>∗</m:t>
@@ -9440,17 +6188,14 @@
                           <m:begChr m:val="["/>
                           <m:endChr m:val="]"/>
                           <m:ctrlPr>
-                            <a:rPr lang="en-DE" i="1">
-                              <a:solidFill>
-                                <a:srgbClr val="836967"/>
-                              </a:solidFill>
+                            <a:rPr lang="ru-RU" i="1">
                               <a:latin typeface="Cambria Math" panose="02040503050406030204" pitchFamily="18" charset="0"/>
                             </a:rPr>
                           </m:ctrlPr>
                         </m:dPr>
                         <m:e>
                           <m:r>
-                            <a:rPr lang="en-DE" i="1">
+                            <a:rPr lang="ru-RU" i="1">
                               <a:latin typeface="Cambria Math" panose="02040503050406030204" pitchFamily="18" charset="0"/>
                             </a:rPr>
                             <m:t>𝑚</m:t>
@@ -9460,23 +6205,20 @@
                       <m:sSup>
                         <m:sSupPr>
                           <m:ctrlPr>
-                            <a:rPr lang="en-DE" i="1">
-                              <a:solidFill>
-                                <a:srgbClr val="836967"/>
-                              </a:solidFill>
+                            <a:rPr lang="ru-RU" i="1">
                               <a:latin typeface="Cambria Math" panose="02040503050406030204" pitchFamily="18" charset="0"/>
                             </a:rPr>
                           </m:ctrlPr>
                         </m:sSupPr>
                         <m:e>
                           <m:r>
-                            <a:rPr lang="en-DE" i="0">
+                            <a:rPr lang="ru-RU" i="0">
                               <a:latin typeface="Cambria Math" panose="02040503050406030204" pitchFamily="18" charset="0"/>
                             </a:rPr>
                             <m:t>∙</m:t>
                           </m:r>
                           <m:r>
-                            <a:rPr lang="en-DE" i="1">
+                            <a:rPr lang="ru-RU" i="1">
                               <a:latin typeface="Cambria Math" panose="02040503050406030204" pitchFamily="18" charset="0"/>
                             </a:rPr>
                             <m:t>𝑒</m:t>
@@ -9484,13 +6226,13 @@
                         </m:e>
                         <m:sup>
                           <m:r>
-                            <a:rPr lang="en-DE" i="0">
+                            <a:rPr lang="ru-RU" i="0">
                               <a:latin typeface="Cambria Math" panose="02040503050406030204" pitchFamily="18" charset="0"/>
                             </a:rPr>
                             <m:t>−</m:t>
                           </m:r>
                           <m:r>
-                            <a:rPr lang="en-DE" i="1">
+                            <a:rPr lang="ru-RU" i="1">
                               <a:latin typeface="Cambria Math" panose="02040503050406030204" pitchFamily="18" charset="0"/>
                             </a:rPr>
                             <m:t>𝑗</m:t>
@@ -9498,23 +6240,20 @@
                           <m:f>
                             <m:fPr>
                               <m:ctrlPr>
-                                <a:rPr lang="en-DE" i="1">
-                                  <a:solidFill>
-                                    <a:srgbClr val="836967"/>
-                                  </a:solidFill>
+                                <a:rPr lang="ru-RU" i="1">
                                   <a:latin typeface="Cambria Math" panose="02040503050406030204" pitchFamily="18" charset="0"/>
                                 </a:rPr>
                               </m:ctrlPr>
                             </m:fPr>
                             <m:num>
                               <m:r>
-                                <a:rPr lang="en-DE" i="0">
+                                <a:rPr lang="ru-RU" i="0">
                                   <a:latin typeface="Cambria Math" panose="02040503050406030204" pitchFamily="18" charset="0"/>
                                 </a:rPr>
                                 <m:t>2</m:t>
                               </m:r>
                               <m:r>
-                                <a:rPr lang="en-DE" i="1">
+                                <a:rPr lang="ru-RU" i="1">
                                   <a:latin typeface="Cambria Math" panose="02040503050406030204" pitchFamily="18" charset="0"/>
                                 </a:rPr>
                                 <m:t>𝜋</m:t>
@@ -9522,7 +6261,7 @@
                             </m:num>
                             <m:den>
                               <m:r>
-                                <a:rPr lang="en-DE" i="1">
+                                <a:rPr lang="ru-RU" i="1">
                                   <a:latin typeface="Cambria Math" panose="02040503050406030204" pitchFamily="18" charset="0"/>
                                 </a:rPr>
                                 <m:t>𝑁</m:t>
@@ -9532,17 +6271,14 @@
                           <m:sSub>
                             <m:sSubPr>
                               <m:ctrlPr>
-                                <a:rPr lang="en-DE" i="1">
-                                  <a:solidFill>
-                                    <a:srgbClr val="836967"/>
-                                  </a:solidFill>
+                                <a:rPr lang="ru-RU" i="1">
                                   <a:latin typeface="Cambria Math" panose="02040503050406030204" pitchFamily="18" charset="0"/>
                                 </a:rPr>
                               </m:ctrlPr>
                             </m:sSubPr>
                             <m:e>
                               <m:r>
-                                <a:rPr lang="en-DE" i="1">
+                                <a:rPr lang="ru-RU" i="1">
                                   <a:latin typeface="Cambria Math" panose="02040503050406030204" pitchFamily="18" charset="0"/>
                                 </a:rPr>
                                 <m:t>𝑘</m:t>
@@ -9550,7 +6286,7 @@
                             </m:e>
                             <m:sub>
                               <m:r>
-                                <a:rPr lang="en-DE" i="0">
+                                <a:rPr lang="ru-RU" i="0">
                                   <a:latin typeface="Cambria Math" panose="02040503050406030204" pitchFamily="18" charset="0"/>
                                 </a:rPr>
                                 <m:t>0</m:t>
@@ -9558,7 +6294,169 @@
                             </m:sub>
                           </m:sSub>
                           <m:r>
-                            <a:rPr lang="en-DE" i="1">
+                            <a:rPr lang="ru-RU" i="1">
+                              <a:latin typeface="Cambria Math" panose="02040503050406030204" pitchFamily="18" charset="0"/>
+                            </a:rPr>
+                            <m:t>𝑚</m:t>
+                          </m:r>
+                        </m:sup>
+                      </m:sSup>
+                      <m:sSup>
+                        <m:sSupPr>
+                          <m:ctrlPr>
+                            <a:rPr lang="ru-RU" i="1">
+                              <a:latin typeface="Cambria Math" panose="02040503050406030204" pitchFamily="18" charset="0"/>
+                            </a:rPr>
+                          </m:ctrlPr>
+                        </m:sSupPr>
+                        <m:e>
+                          <m:r>
+                            <a:rPr lang="ru-RU" i="0">
+                              <a:latin typeface="Cambria Math" panose="02040503050406030204" pitchFamily="18" charset="0"/>
+                            </a:rPr>
+                            <m:t>=</m:t>
+                          </m:r>
+                          <m:d>
+                            <m:dPr>
+                              <m:begChr m:val="|"/>
+                              <m:endChr m:val="|"/>
+                              <m:ctrlPr>
+                                <a:rPr lang="ru-RU" i="1">
+                                  <a:latin typeface="Cambria Math" panose="02040503050406030204" pitchFamily="18" charset="0"/>
+                                </a:rPr>
+                              </m:ctrlPr>
+                            </m:dPr>
+                            <m:e>
+                              <m:r>
+                                <a:rPr lang="ru-RU" i="1">
+                                  <a:latin typeface="Cambria Math" panose="02040503050406030204" pitchFamily="18" charset="0"/>
+                                </a:rPr>
+                                <m:t>𝑥𝑓</m:t>
+                              </m:r>
+                              <m:d>
+                                <m:dPr>
+                                  <m:begChr m:val="["/>
+                                  <m:endChr m:val="]"/>
+                                  <m:ctrlPr>
+                                    <a:rPr lang="ru-RU" i="1">
+                                      <a:latin typeface="Cambria Math" panose="02040503050406030204" pitchFamily="18" charset="0"/>
+                                    </a:rPr>
+                                  </m:ctrlPr>
+                                </m:dPr>
+                                <m:e>
+                                  <m:r>
+                                    <a:rPr lang="ru-RU" i="1">
+                                      <a:latin typeface="Cambria Math" panose="02040503050406030204" pitchFamily="18" charset="0"/>
+                                    </a:rPr>
+                                    <m:t>𝑚</m:t>
+                                  </m:r>
+                                </m:e>
+                              </m:d>
+                            </m:e>
+                          </m:d>
+                        </m:e>
+                        <m:sup>
+                          <m:r>
+                            <a:rPr lang="ru-RU" i="0">
+                              <a:latin typeface="Cambria Math" panose="02040503050406030204" pitchFamily="18" charset="0"/>
+                            </a:rPr>
+                            <m:t>2</m:t>
+                          </m:r>
+                        </m:sup>
+                      </m:sSup>
+                      <m:sSup>
+                        <m:sSupPr>
+                          <m:ctrlPr>
+                            <a:rPr lang="ru-RU" i="1">
+                              <a:latin typeface="Cambria Math" panose="02040503050406030204" pitchFamily="18" charset="0"/>
+                            </a:rPr>
+                          </m:ctrlPr>
+                        </m:sSupPr>
+                        <m:e>
+                          <m:r>
+                            <a:rPr lang="ru-RU" i="0">
+                              <a:latin typeface="Cambria Math" panose="02040503050406030204" pitchFamily="18" charset="0"/>
+                            </a:rPr>
+                            <m:t>∙</m:t>
+                          </m:r>
+                          <m:r>
+                            <a:rPr lang="ru-RU" i="1">
+                              <a:latin typeface="Cambria Math" panose="02040503050406030204" pitchFamily="18" charset="0"/>
+                            </a:rPr>
+                            <m:t>𝑒</m:t>
+                          </m:r>
+                        </m:e>
+                        <m:sup>
+                          <m:r>
+                            <a:rPr lang="ru-RU" i="0">
+                              <a:latin typeface="Cambria Math" panose="02040503050406030204" pitchFamily="18" charset="0"/>
+                            </a:rPr>
+                            <m:t>−</m:t>
+                          </m:r>
+                          <m:r>
+                            <a:rPr lang="ru-RU" i="1">
+                              <a:latin typeface="Cambria Math" panose="02040503050406030204" pitchFamily="18" charset="0"/>
+                            </a:rPr>
+                            <m:t>𝑗</m:t>
+                          </m:r>
+                          <m:f>
+                            <m:fPr>
+                              <m:ctrlPr>
+                                <a:rPr lang="ru-RU" i="1">
+                                  <a:latin typeface="Cambria Math" panose="02040503050406030204" pitchFamily="18" charset="0"/>
+                                </a:rPr>
+                              </m:ctrlPr>
+                            </m:fPr>
+                            <m:num>
+                              <m:r>
+                                <a:rPr lang="ru-RU" i="0">
+                                  <a:latin typeface="Cambria Math" panose="02040503050406030204" pitchFamily="18" charset="0"/>
+                                </a:rPr>
+                                <m:t>2</m:t>
+                              </m:r>
+                              <m:r>
+                                <a:rPr lang="ru-RU" i="1">
+                                  <a:latin typeface="Cambria Math" panose="02040503050406030204" pitchFamily="18" charset="0"/>
+                                </a:rPr>
+                                <m:t>𝜋</m:t>
+                              </m:r>
+                            </m:num>
+                            <m:den>
+                              <m:r>
+                                <a:rPr lang="ru-RU" i="1">
+                                  <a:latin typeface="Cambria Math" panose="02040503050406030204" pitchFamily="18" charset="0"/>
+                                </a:rPr>
+                                <m:t>𝑁</m:t>
+                              </m:r>
+                            </m:den>
+                          </m:f>
+                          <m:sSub>
+                            <m:sSubPr>
+                              <m:ctrlPr>
+                                <a:rPr lang="ru-RU" i="1">
+                                  <a:latin typeface="Cambria Math" panose="02040503050406030204" pitchFamily="18" charset="0"/>
+                                </a:rPr>
+                              </m:ctrlPr>
+                            </m:sSubPr>
+                            <m:e>
+                              <m:r>
+                                <a:rPr lang="ru-RU" i="1">
+                                  <a:latin typeface="Cambria Math" panose="02040503050406030204" pitchFamily="18" charset="0"/>
+                                </a:rPr>
+                                <m:t>𝑘</m:t>
+                              </m:r>
+                            </m:e>
+                            <m:sub>
+                              <m:r>
+                                <a:rPr lang="ru-RU" i="0">
+                                  <a:latin typeface="Cambria Math" panose="02040503050406030204" pitchFamily="18" charset="0"/>
+                                </a:rPr>
+                                <m:t>0</m:t>
+                              </m:r>
+                            </m:sub>
+                          </m:sSub>
+                          <m:r>
+                            <a:rPr lang="ru-RU" i="1">
                               <a:latin typeface="Cambria Math" panose="02040503050406030204" pitchFamily="18" charset="0"/>
                             </a:rPr>
                             <m:t>𝑚</m:t>
@@ -9568,36 +6466,30 @@
                     </m:oMath>
                   </m:oMathPara>
                 </a14:m>
-                <a:endParaRPr lang="en-DE" dirty="0"/>
+                <a:endParaRPr lang="ru-RU" dirty="0"/>
               </a:p>
             </p:txBody>
           </p:sp>
         </mc:Choice>
-        <mc:Fallback>
+        <mc:Fallback xmlns="">
           <p:sp>
             <p:nvSpPr>
-              <p:cNvPr id="24" name="TextBox 23">
-                <a:extLst>
-                  <a:ext uri="{FF2B5EF4-FFF2-40B4-BE49-F238E27FC236}">
-                    <a16:creationId xmlns:a16="http://schemas.microsoft.com/office/drawing/2014/main" id="{72BCFEA7-7C9F-9BF6-EE35-8798ED439C9D}"/>
-                  </a:ext>
-                </a:extLst>
-              </p:cNvPr>
-              <p:cNvSpPr txBox="1">
+              <p:cNvPr id="35" name="Прямоугольник 34"/>
+              <p:cNvSpPr>
                 <a:spLocks noRot="1" noChangeAspect="1" noMove="1" noResize="1" noEditPoints="1" noAdjustHandles="1" noChangeArrowheads="1" noChangeShapeType="1" noTextEdit="1"/>
               </p:cNvSpPr>
               <p:nvPr/>
             </p:nvSpPr>
             <p:spPr>
               <a:xfrm>
-                <a:off x="9997511" y="1972122"/>
-                <a:ext cx="2147427" cy="493853"/>
+                <a:off x="5442092" y="4462838"/>
+                <a:ext cx="6568620" cy="493853"/>
               </a:xfrm>
               <a:prstGeom prst="rect">
                 <a:avLst/>
               </a:prstGeom>
               <a:blipFill>
-                <a:blip r:embed="rId21"/>
+                <a:blip r:embed="rId13"/>
                 <a:stretch>
                   <a:fillRect/>
                 </a:stretch>
@@ -9608,7 +6500,7 @@
               <a:lstStyle/>
               <a:p>
                 <a:r>
-                  <a:rPr lang="en-DE">
+                  <a:rPr lang="ru-RU">
                     <a:noFill/>
                   </a:rPr>
                   <a:t> </a:t>
@@ -9618,78 +6510,1730 @@
           </p:sp>
         </mc:Fallback>
       </mc:AlternateContent>
-      <p:pic>
-        <p:nvPicPr>
-          <p:cNvPr id="28" name="Picture 27" descr="A picture containing graphical user interface&#10;&#10;Description automatically generated">
-            <a:extLst>
-              <a:ext uri="{FF2B5EF4-FFF2-40B4-BE49-F238E27FC236}">
-                <a16:creationId xmlns:a16="http://schemas.microsoft.com/office/drawing/2014/main" id="{5B2E0BDF-9189-F69B-9633-F11C125CB126}"/>
-              </a:ext>
-            </a:extLst>
-          </p:cNvPr>
-          <p:cNvPicPr>
-            <a:picLocks noChangeAspect="1"/>
-          </p:cNvPicPr>
-          <p:nvPr/>
-        </p:nvPicPr>
-        <p:blipFill>
-          <a:blip r:embed="rId22">
-            <a:extLst>
-              <a:ext uri="{28A0092B-C50C-407E-A947-70E740481C1C}">
-                <a14:useLocalDpi xmlns:a14="http://schemas.microsoft.com/office/drawing/2010/main" val="0"/>
-              </a:ext>
-            </a:extLst>
-          </a:blip>
-          <a:stretch>
-            <a:fillRect/>
-          </a:stretch>
-        </p:blipFill>
-        <p:spPr>
-          <a:xfrm>
-            <a:off x="606326" y="2779477"/>
-            <a:ext cx="9392961" cy="2181529"/>
-          </a:xfrm>
-          <a:prstGeom prst="rect">
-            <a:avLst/>
-          </a:prstGeom>
-        </p:spPr>
-      </p:pic>
-      <p:pic>
-        <p:nvPicPr>
-          <p:cNvPr id="30" name="Picture 29" descr="Graphical user interface, text, application, email&#10;&#10;Description automatically generated">
-            <a:extLst>
-              <a:ext uri="{FF2B5EF4-FFF2-40B4-BE49-F238E27FC236}">
-                <a16:creationId xmlns:a16="http://schemas.microsoft.com/office/drawing/2014/main" id="{8CD00DD8-F007-3CFA-4258-0313434239AF}"/>
-              </a:ext>
-            </a:extLst>
-          </p:cNvPr>
-          <p:cNvPicPr>
-            <a:picLocks noChangeAspect="1"/>
-          </p:cNvPicPr>
-          <p:nvPr/>
-        </p:nvPicPr>
-        <p:blipFill>
-          <a:blip r:embed="rId23">
-            <a:extLst>
-              <a:ext uri="{28A0092B-C50C-407E-A947-70E740481C1C}">
-                <a14:useLocalDpi xmlns:a14="http://schemas.microsoft.com/office/drawing/2010/main" val="0"/>
-              </a:ext>
-            </a:extLst>
-          </a:blip>
-          <a:stretch>
-            <a:fillRect/>
-          </a:stretch>
-        </p:blipFill>
-        <p:spPr>
-          <a:xfrm>
-            <a:off x="1439057" y="2228669"/>
-            <a:ext cx="7287642" cy="2400635"/>
-          </a:xfrm>
-          <a:prstGeom prst="rect">
-            <a:avLst/>
-          </a:prstGeom>
-        </p:spPr>
-      </p:pic>
+      <mc:AlternateContent xmlns:mc="http://schemas.openxmlformats.org/markup-compatibility/2006" xmlns:a14="http://schemas.microsoft.com/office/drawing/2010/main">
+        <mc:Choice Requires="a14">
+          <p:sp>
+            <p:nvSpPr>
+              <p:cNvPr id="38" name="Прямоугольник 37"/>
+              <p:cNvSpPr/>
+              <p:nvPr/>
+            </p:nvSpPr>
+            <p:spPr>
+              <a:xfrm>
+                <a:off x="2682017" y="4998730"/>
+                <a:ext cx="7593847" cy="1027397"/>
+              </a:xfrm>
+              <a:prstGeom prst="rect">
+                <a:avLst/>
+              </a:prstGeom>
+            </p:spPr>
+            <p:txBody>
+              <a:bodyPr wrap="square">
+                <a:spAutoFit/>
+              </a:bodyPr>
+              <a:lstStyle/>
+              <a:p>
+                <a:pPr/>
+                <a14:m>
+                  <m:oMathPara xmlns:m="http://schemas.openxmlformats.org/officeDocument/2006/math">
+                    <m:oMathParaPr>
+                      <m:jc m:val="centerGroup"/>
+                    </m:oMathParaPr>
+                    <m:oMath xmlns:m="http://schemas.openxmlformats.org/officeDocument/2006/math">
+                      <m:sSup>
+                        <m:sSupPr>
+                          <m:ctrlPr>
+                            <a:rPr lang="ru-RU" i="1">
+                              <a:latin typeface="Cambria Math" panose="02040503050406030204" pitchFamily="18" charset="0"/>
+                            </a:rPr>
+                          </m:ctrlPr>
+                        </m:sSupPr>
+                        <m:e>
+                          <m:d>
+                            <m:dPr>
+                              <m:begChr m:val="|"/>
+                              <m:endChr m:val="|"/>
+                              <m:ctrlPr>
+                                <a:rPr lang="ru-RU" i="1">
+                                  <a:latin typeface="Cambria Math" panose="02040503050406030204" pitchFamily="18" charset="0"/>
+                                </a:rPr>
+                              </m:ctrlPr>
+                            </m:dPr>
+                            <m:e>
+                              <m:sSub>
+                                <m:sSubPr>
+                                  <m:ctrlPr>
+                                    <a:rPr lang="ru-RU" i="1">
+                                      <a:latin typeface="Cambria Math" panose="02040503050406030204" pitchFamily="18" charset="0"/>
+                                    </a:rPr>
+                                  </m:ctrlPr>
+                                </m:sSubPr>
+                                <m:e>
+                                  <m:r>
+                                    <a:rPr lang="ru-RU" i="1">
+                                      <a:latin typeface="Cambria Math" panose="02040503050406030204" pitchFamily="18" charset="0"/>
+                                    </a:rPr>
+                                    <m:t>𝑦</m:t>
+                                  </m:r>
+                                </m:e>
+                                <m:sub>
+                                  <m:r>
+                                    <a:rPr lang="ru-RU" i="1">
+                                      <a:latin typeface="Cambria Math" panose="02040503050406030204" pitchFamily="18" charset="0"/>
+                                    </a:rPr>
+                                    <m:t>𝑥</m:t>
+                                  </m:r>
+                                </m:sub>
+                              </m:sSub>
+                              <m:d>
+                                <m:dPr>
+                                  <m:begChr m:val="["/>
+                                  <m:endChr m:val="]"/>
+                                  <m:ctrlPr>
+                                    <a:rPr lang="ru-RU" i="1">
+                                      <a:latin typeface="Cambria Math" panose="02040503050406030204" pitchFamily="18" charset="0"/>
+                                    </a:rPr>
+                                  </m:ctrlPr>
+                                </m:dPr>
+                                <m:e>
+                                  <m:sSub>
+                                    <m:sSubPr>
+                                      <m:ctrlPr>
+                                        <a:rPr lang="ru-RU" i="1">
+                                          <a:latin typeface="Cambria Math" panose="02040503050406030204" pitchFamily="18" charset="0"/>
+                                        </a:rPr>
+                                      </m:ctrlPr>
+                                    </m:sSubPr>
+                                    <m:e>
+                                      <m:r>
+                                        <a:rPr lang="ru-RU" i="1">
+                                          <a:latin typeface="Cambria Math" panose="02040503050406030204" pitchFamily="18" charset="0"/>
+                                        </a:rPr>
+                                        <m:t>𝑘</m:t>
+                                      </m:r>
+                                    </m:e>
+                                    <m:sub>
+                                      <m:r>
+                                        <a:rPr lang="ru-RU" i="0">
+                                          <a:latin typeface="Cambria Math" panose="02040503050406030204" pitchFamily="18" charset="0"/>
+                                        </a:rPr>
+                                        <m:t>0</m:t>
+                                      </m:r>
+                                    </m:sub>
+                                  </m:sSub>
+                                </m:e>
+                              </m:d>
+                            </m:e>
+                          </m:d>
+                        </m:e>
+                        <m:sup>
+                          <m:r>
+                            <a:rPr lang="ru-RU" i="0">
+                              <a:latin typeface="Cambria Math" panose="02040503050406030204" pitchFamily="18" charset="0"/>
+                            </a:rPr>
+                            <m:t>2</m:t>
+                          </m:r>
+                        </m:sup>
+                      </m:sSup>
+                      <m:r>
+                        <a:rPr lang="ru-RU" i="0">
+                          <a:latin typeface="Cambria Math" panose="02040503050406030204" pitchFamily="18" charset="0"/>
+                        </a:rPr>
+                        <m:t>=</m:t>
+                      </m:r>
+                      <m:sSup>
+                        <m:sSupPr>
+                          <m:ctrlPr>
+                            <a:rPr lang="ru-RU" i="1">
+                              <a:latin typeface="Cambria Math" panose="02040503050406030204" pitchFamily="18" charset="0"/>
+                            </a:rPr>
+                          </m:ctrlPr>
+                        </m:sSupPr>
+                        <m:e>
+                          <m:d>
+                            <m:dPr>
+                              <m:begChr m:val="|"/>
+                              <m:endChr m:val="|"/>
+                              <m:ctrlPr>
+                                <a:rPr lang="ru-RU" i="1">
+                                  <a:latin typeface="Cambria Math" panose="02040503050406030204" pitchFamily="18" charset="0"/>
+                                </a:rPr>
+                              </m:ctrlPr>
+                            </m:dPr>
+                            <m:e>
+                              <m:f>
+                                <m:fPr>
+                                  <m:ctrlPr>
+                                    <a:rPr lang="ru-RU" i="1">
+                                      <a:latin typeface="Cambria Math" panose="02040503050406030204" pitchFamily="18" charset="0"/>
+                                    </a:rPr>
+                                  </m:ctrlPr>
+                                </m:fPr>
+                                <m:num>
+                                  <m:r>
+                                    <a:rPr lang="ru-RU" i="0">
+                                      <a:latin typeface="Cambria Math" panose="02040503050406030204" pitchFamily="18" charset="0"/>
+                                    </a:rPr>
+                                    <m:t>1</m:t>
+                                  </m:r>
+                                </m:num>
+                                <m:den>
+                                  <m:r>
+                                    <a:rPr lang="ru-RU" i="1">
+                                      <a:latin typeface="Cambria Math" panose="02040503050406030204" pitchFamily="18" charset="0"/>
+                                    </a:rPr>
+                                    <m:t>𝑁</m:t>
+                                  </m:r>
+                                </m:den>
+                              </m:f>
+                              <m:nary>
+                                <m:naryPr>
+                                  <m:chr m:val="∑"/>
+                                  <m:limLoc m:val="undOvr"/>
+                                  <m:ctrlPr>
+                                    <a:rPr lang="ru-RU" i="1">
+                                      <a:latin typeface="Cambria Math" panose="02040503050406030204" pitchFamily="18" charset="0"/>
+                                    </a:rPr>
+                                  </m:ctrlPr>
+                                </m:naryPr>
+                                <m:sub>
+                                  <m:r>
+                                    <a:rPr lang="ru-RU" i="1">
+                                      <a:latin typeface="Cambria Math" panose="02040503050406030204" pitchFamily="18" charset="0"/>
+                                    </a:rPr>
+                                    <m:t>𝑚</m:t>
+                                  </m:r>
+                                  <m:r>
+                                    <a:rPr lang="ru-RU" i="0">
+                                      <a:latin typeface="Cambria Math" panose="02040503050406030204" pitchFamily="18" charset="0"/>
+                                    </a:rPr>
+                                    <m:t>=0</m:t>
+                                  </m:r>
+                                </m:sub>
+                                <m:sup>
+                                  <m:r>
+                                    <a:rPr lang="ru-RU" i="1">
+                                      <a:latin typeface="Cambria Math" panose="02040503050406030204" pitchFamily="18" charset="0"/>
+                                    </a:rPr>
+                                    <m:t>𝑁</m:t>
+                                  </m:r>
+                                  <m:r>
+                                    <a:rPr lang="ru-RU" i="0">
+                                      <a:latin typeface="Cambria Math" panose="02040503050406030204" pitchFamily="18" charset="0"/>
+                                    </a:rPr>
+                                    <m:t>−1</m:t>
+                                  </m:r>
+                                </m:sup>
+                                <m:e>
+                                  <m:d>
+                                    <m:dPr>
+                                      <m:ctrlPr>
+                                        <a:rPr lang="ru-RU" i="1">
+                                          <a:latin typeface="Cambria Math" panose="02040503050406030204" pitchFamily="18" charset="0"/>
+                                        </a:rPr>
+                                      </m:ctrlPr>
+                                    </m:dPr>
+                                    <m:e>
+                                      <m:sSup>
+                                        <m:sSupPr>
+                                          <m:ctrlPr>
+                                            <a:rPr lang="ru-RU" i="1">
+                                              <a:latin typeface="Cambria Math" panose="02040503050406030204" pitchFamily="18" charset="0"/>
+                                            </a:rPr>
+                                          </m:ctrlPr>
+                                        </m:sSupPr>
+                                        <m:e>
+                                          <m:d>
+                                            <m:dPr>
+                                              <m:begChr m:val="|"/>
+                                              <m:endChr m:val="|"/>
+                                              <m:ctrlPr>
+                                                <a:rPr lang="ru-RU" i="1">
+                                                  <a:latin typeface="Cambria Math" panose="02040503050406030204" pitchFamily="18" charset="0"/>
+                                                </a:rPr>
+                                              </m:ctrlPr>
+                                            </m:dPr>
+                                            <m:e>
+                                              <m:r>
+                                                <a:rPr lang="ru-RU" i="1">
+                                                  <a:latin typeface="Cambria Math" panose="02040503050406030204" pitchFamily="18" charset="0"/>
+                                                </a:rPr>
+                                                <m:t>𝑥𝑓</m:t>
+                                              </m:r>
+                                              <m:d>
+                                                <m:dPr>
+                                                  <m:begChr m:val="["/>
+                                                  <m:endChr m:val="]"/>
+                                                  <m:ctrlPr>
+                                                    <a:rPr lang="ru-RU" i="1">
+                                                      <a:latin typeface="Cambria Math" panose="02040503050406030204" pitchFamily="18" charset="0"/>
+                                                    </a:rPr>
+                                                  </m:ctrlPr>
+                                                </m:dPr>
+                                                <m:e>
+                                                  <m:r>
+                                                    <a:rPr lang="ru-RU" i="1">
+                                                      <a:latin typeface="Cambria Math" panose="02040503050406030204" pitchFamily="18" charset="0"/>
+                                                    </a:rPr>
+                                                    <m:t>𝑚</m:t>
+                                                  </m:r>
+                                                </m:e>
+                                              </m:d>
+                                            </m:e>
+                                          </m:d>
+                                        </m:e>
+                                        <m:sup>
+                                          <m:r>
+                                            <a:rPr lang="ru-RU" i="0">
+                                              <a:latin typeface="Cambria Math" panose="02040503050406030204" pitchFamily="18" charset="0"/>
+                                            </a:rPr>
+                                            <m:t>2</m:t>
+                                          </m:r>
+                                        </m:sup>
+                                      </m:sSup>
+                                      <m:r>
+                                        <a:rPr lang="ru-RU" i="0">
+                                          <a:latin typeface="Cambria Math" panose="02040503050406030204" pitchFamily="18" charset="0"/>
+                                        </a:rPr>
+                                        <m:t>∙</m:t>
+                                      </m:r>
+                                      <m:sSup>
+                                        <m:sSupPr>
+                                          <m:ctrlPr>
+                                            <a:rPr lang="ru-RU" i="1">
+                                              <a:latin typeface="Cambria Math" panose="02040503050406030204" pitchFamily="18" charset="0"/>
+                                            </a:rPr>
+                                          </m:ctrlPr>
+                                        </m:sSupPr>
+                                        <m:e>
+                                          <m:r>
+                                            <a:rPr lang="ru-RU" i="1">
+                                              <a:latin typeface="Cambria Math" panose="02040503050406030204" pitchFamily="18" charset="0"/>
+                                            </a:rPr>
+                                            <m:t>𝑒</m:t>
+                                          </m:r>
+                                        </m:e>
+                                        <m:sup>
+                                          <m:r>
+                                            <a:rPr lang="ru-RU" i="0">
+                                              <a:latin typeface="Cambria Math" panose="02040503050406030204" pitchFamily="18" charset="0"/>
+                                            </a:rPr>
+                                            <m:t>−</m:t>
+                                          </m:r>
+                                          <m:r>
+                                            <a:rPr lang="ru-RU" i="1">
+                                              <a:latin typeface="Cambria Math" panose="02040503050406030204" pitchFamily="18" charset="0"/>
+                                            </a:rPr>
+                                            <m:t>𝑗</m:t>
+                                          </m:r>
+                                          <m:f>
+                                            <m:fPr>
+                                              <m:ctrlPr>
+                                                <a:rPr lang="ru-RU" i="1">
+                                                  <a:latin typeface="Cambria Math" panose="02040503050406030204" pitchFamily="18" charset="0"/>
+                                                </a:rPr>
+                                              </m:ctrlPr>
+                                            </m:fPr>
+                                            <m:num>
+                                              <m:r>
+                                                <a:rPr lang="ru-RU" i="0">
+                                                  <a:latin typeface="Cambria Math" panose="02040503050406030204" pitchFamily="18" charset="0"/>
+                                                </a:rPr>
+                                                <m:t>2</m:t>
+                                              </m:r>
+                                              <m:r>
+                                                <a:rPr lang="ru-RU" i="1">
+                                                  <a:latin typeface="Cambria Math" panose="02040503050406030204" pitchFamily="18" charset="0"/>
+                                                </a:rPr>
+                                                <m:t>𝜋</m:t>
+                                              </m:r>
+                                            </m:num>
+                                            <m:den>
+                                              <m:r>
+                                                <a:rPr lang="ru-RU" i="1">
+                                                  <a:latin typeface="Cambria Math" panose="02040503050406030204" pitchFamily="18" charset="0"/>
+                                                </a:rPr>
+                                                <m:t>𝑁</m:t>
+                                              </m:r>
+                                            </m:den>
+                                          </m:f>
+                                          <m:sSub>
+                                            <m:sSubPr>
+                                              <m:ctrlPr>
+                                                <a:rPr lang="ru-RU" i="1">
+                                                  <a:latin typeface="Cambria Math" panose="02040503050406030204" pitchFamily="18" charset="0"/>
+                                                </a:rPr>
+                                              </m:ctrlPr>
+                                            </m:sSubPr>
+                                            <m:e>
+                                              <m:r>
+                                                <a:rPr lang="ru-RU" i="1">
+                                                  <a:latin typeface="Cambria Math" panose="02040503050406030204" pitchFamily="18" charset="0"/>
+                                                </a:rPr>
+                                                <m:t>𝑘</m:t>
+                                              </m:r>
+                                            </m:e>
+                                            <m:sub>
+                                              <m:r>
+                                                <a:rPr lang="ru-RU" i="0">
+                                                  <a:latin typeface="Cambria Math" panose="02040503050406030204" pitchFamily="18" charset="0"/>
+                                                </a:rPr>
+                                                <m:t>0</m:t>
+                                              </m:r>
+                                            </m:sub>
+                                          </m:sSub>
+                                          <m:r>
+                                            <a:rPr lang="ru-RU" i="1">
+                                              <a:latin typeface="Cambria Math" panose="02040503050406030204" pitchFamily="18" charset="0"/>
+                                            </a:rPr>
+                                            <m:t>𝑚</m:t>
+                                          </m:r>
+                                        </m:sup>
+                                      </m:sSup>
+                                    </m:e>
+                                  </m:d>
+                                </m:e>
+                              </m:nary>
+                              <m:sSup>
+                                <m:sSupPr>
+                                  <m:ctrlPr>
+                                    <a:rPr lang="ru-RU" i="1">
+                                      <a:latin typeface="Cambria Math" panose="02040503050406030204" pitchFamily="18" charset="0"/>
+                                    </a:rPr>
+                                  </m:ctrlPr>
+                                </m:sSupPr>
+                                <m:e>
+                                  <m:r>
+                                    <a:rPr lang="ru-RU" i="0">
+                                      <a:latin typeface="Cambria Math" panose="02040503050406030204" pitchFamily="18" charset="0"/>
+                                    </a:rPr>
+                                    <m:t>∙</m:t>
+                                  </m:r>
+                                  <m:r>
+                                    <a:rPr lang="ru-RU" i="1">
+                                      <a:latin typeface="Cambria Math" panose="02040503050406030204" pitchFamily="18" charset="0"/>
+                                    </a:rPr>
+                                    <m:t>𝑒</m:t>
+                                  </m:r>
+                                </m:e>
+                                <m:sup>
+                                  <m:r>
+                                    <a:rPr lang="ru-RU" i="1">
+                                      <a:latin typeface="Cambria Math" panose="02040503050406030204" pitchFamily="18" charset="0"/>
+                                    </a:rPr>
+                                    <m:t>𝑗</m:t>
+                                  </m:r>
+                                  <m:f>
+                                    <m:fPr>
+                                      <m:ctrlPr>
+                                        <a:rPr lang="ru-RU" i="1">
+                                          <a:latin typeface="Cambria Math" panose="02040503050406030204" pitchFamily="18" charset="0"/>
+                                        </a:rPr>
+                                      </m:ctrlPr>
+                                    </m:fPr>
+                                    <m:num>
+                                      <m:r>
+                                        <a:rPr lang="ru-RU" i="0">
+                                          <a:latin typeface="Cambria Math" panose="02040503050406030204" pitchFamily="18" charset="0"/>
+                                        </a:rPr>
+                                        <m:t>2</m:t>
+                                      </m:r>
+                                      <m:r>
+                                        <a:rPr lang="ru-RU" i="1">
+                                          <a:latin typeface="Cambria Math" panose="02040503050406030204" pitchFamily="18" charset="0"/>
+                                        </a:rPr>
+                                        <m:t>𝜋</m:t>
+                                      </m:r>
+                                    </m:num>
+                                    <m:den>
+                                      <m:r>
+                                        <a:rPr lang="ru-RU" i="1">
+                                          <a:latin typeface="Cambria Math" panose="02040503050406030204" pitchFamily="18" charset="0"/>
+                                        </a:rPr>
+                                        <m:t>𝑁</m:t>
+                                      </m:r>
+                                    </m:den>
+                                  </m:f>
+                                  <m:sSub>
+                                    <m:sSubPr>
+                                      <m:ctrlPr>
+                                        <a:rPr lang="ru-RU" i="1">
+                                          <a:latin typeface="Cambria Math" panose="02040503050406030204" pitchFamily="18" charset="0"/>
+                                        </a:rPr>
+                                      </m:ctrlPr>
+                                    </m:sSubPr>
+                                    <m:e>
+                                      <m:r>
+                                        <a:rPr lang="ru-RU" i="1">
+                                          <a:latin typeface="Cambria Math" panose="02040503050406030204" pitchFamily="18" charset="0"/>
+                                        </a:rPr>
+                                        <m:t>𝑘</m:t>
+                                      </m:r>
+                                    </m:e>
+                                    <m:sub>
+                                      <m:r>
+                                        <a:rPr lang="ru-RU" i="0">
+                                          <a:latin typeface="Cambria Math" panose="02040503050406030204" pitchFamily="18" charset="0"/>
+                                        </a:rPr>
+                                        <m:t>0</m:t>
+                                      </m:r>
+                                    </m:sub>
+                                  </m:sSub>
+                                  <m:r>
+                                    <a:rPr lang="ru-RU" i="1">
+                                      <a:latin typeface="Cambria Math" panose="02040503050406030204" pitchFamily="18" charset="0"/>
+                                    </a:rPr>
+                                    <m:t>𝑚</m:t>
+                                  </m:r>
+                                </m:sup>
+                              </m:sSup>
+                            </m:e>
+                          </m:d>
+                        </m:e>
+                        <m:sup>
+                          <m:r>
+                            <a:rPr lang="ru-RU" i="0">
+                              <a:latin typeface="Cambria Math" panose="02040503050406030204" pitchFamily="18" charset="0"/>
+                            </a:rPr>
+                            <m:t>2</m:t>
+                          </m:r>
+                        </m:sup>
+                      </m:sSup>
+                      <m:r>
+                        <a:rPr lang="ru-RU" i="0">
+                          <a:latin typeface="Cambria Math" panose="02040503050406030204" pitchFamily="18" charset="0"/>
+                        </a:rPr>
+                        <m:t>=</m:t>
+                      </m:r>
+                      <m:sSup>
+                        <m:sSupPr>
+                          <m:ctrlPr>
+                            <a:rPr lang="ru-RU" i="1">
+                              <a:latin typeface="Cambria Math" panose="02040503050406030204" pitchFamily="18" charset="0"/>
+                            </a:rPr>
+                          </m:ctrlPr>
+                        </m:sSupPr>
+                        <m:e>
+                          <m:d>
+                            <m:dPr>
+                              <m:begChr m:val="|"/>
+                              <m:endChr m:val="|"/>
+                              <m:ctrlPr>
+                                <a:rPr lang="ru-RU" i="1">
+                                  <a:latin typeface="Cambria Math" panose="02040503050406030204" pitchFamily="18" charset="0"/>
+                                </a:rPr>
+                              </m:ctrlPr>
+                            </m:dPr>
+                            <m:e>
+                              <m:nary>
+                                <m:naryPr>
+                                  <m:chr m:val="∑"/>
+                                  <m:limLoc m:val="undOvr"/>
+                                  <m:ctrlPr>
+                                    <a:rPr lang="ru-RU" i="1">
+                                      <a:latin typeface="Cambria Math" panose="02040503050406030204" pitchFamily="18" charset="0"/>
+                                    </a:rPr>
+                                  </m:ctrlPr>
+                                </m:naryPr>
+                                <m:sub>
+                                  <m:r>
+                                    <a:rPr lang="ru-RU" i="1">
+                                      <a:latin typeface="Cambria Math" panose="02040503050406030204" pitchFamily="18" charset="0"/>
+                                    </a:rPr>
+                                    <m:t>𝑘</m:t>
+                                  </m:r>
+                                  <m:r>
+                                    <a:rPr lang="ru-RU" i="0">
+                                      <a:latin typeface="Cambria Math" panose="02040503050406030204" pitchFamily="18" charset="0"/>
+                                    </a:rPr>
+                                    <m:t>=0</m:t>
+                                  </m:r>
+                                </m:sub>
+                                <m:sup>
+                                  <m:r>
+                                    <a:rPr lang="ru-RU" i="1">
+                                      <a:latin typeface="Cambria Math" panose="02040503050406030204" pitchFamily="18" charset="0"/>
+                                    </a:rPr>
+                                    <m:t>𝑁</m:t>
+                                  </m:r>
+                                  <m:r>
+                                    <a:rPr lang="ru-RU" i="0">
+                                      <a:latin typeface="Cambria Math" panose="02040503050406030204" pitchFamily="18" charset="0"/>
+                                    </a:rPr>
+                                    <m:t>−1</m:t>
+                                  </m:r>
+                                </m:sup>
+                                <m:e>
+                                  <m:sSup>
+                                    <m:sSupPr>
+                                      <m:ctrlPr>
+                                        <a:rPr lang="ru-RU" i="1">
+                                          <a:latin typeface="Cambria Math" panose="02040503050406030204" pitchFamily="18" charset="0"/>
+                                        </a:rPr>
+                                      </m:ctrlPr>
+                                    </m:sSupPr>
+                                    <m:e>
+                                      <m:d>
+                                        <m:dPr>
+                                          <m:begChr m:val="|"/>
+                                          <m:endChr m:val="|"/>
+                                          <m:ctrlPr>
+                                            <a:rPr lang="ru-RU" i="1">
+                                              <a:latin typeface="Cambria Math" panose="02040503050406030204" pitchFamily="18" charset="0"/>
+                                            </a:rPr>
+                                          </m:ctrlPr>
+                                        </m:dPr>
+                                        <m:e>
+                                          <m:r>
+                                            <a:rPr lang="ru-RU" i="1">
+                                              <a:latin typeface="Cambria Math" panose="02040503050406030204" pitchFamily="18" charset="0"/>
+                                            </a:rPr>
+                                            <m:t>𝑥</m:t>
+                                          </m:r>
+                                          <m:d>
+                                            <m:dPr>
+                                              <m:begChr m:val="["/>
+                                              <m:endChr m:val="]"/>
+                                              <m:ctrlPr>
+                                                <a:rPr lang="ru-RU" i="1">
+                                                  <a:latin typeface="Cambria Math" panose="02040503050406030204" pitchFamily="18" charset="0"/>
+                                                </a:rPr>
+                                              </m:ctrlPr>
+                                            </m:dPr>
+                                            <m:e>
+                                              <m:r>
+                                                <a:rPr lang="ru-RU" i="1">
+                                                  <a:latin typeface="Cambria Math" panose="02040503050406030204" pitchFamily="18" charset="0"/>
+                                                </a:rPr>
+                                                <m:t>𝑘</m:t>
+                                              </m:r>
+                                            </m:e>
+                                          </m:d>
+                                        </m:e>
+                                      </m:d>
+                                    </m:e>
+                                    <m:sup>
+                                      <m:r>
+                                        <a:rPr lang="ru-RU" i="0">
+                                          <a:latin typeface="Cambria Math" panose="02040503050406030204" pitchFamily="18" charset="0"/>
+                                        </a:rPr>
+                                        <m:t>2</m:t>
+                                      </m:r>
+                                    </m:sup>
+                                  </m:sSup>
+                                </m:e>
+                              </m:nary>
+                            </m:e>
+                          </m:d>
+                        </m:e>
+                        <m:sup>
+                          <m:r>
+                            <a:rPr lang="ru-RU" i="0">
+                              <a:latin typeface="Cambria Math" panose="02040503050406030204" pitchFamily="18" charset="0"/>
+                            </a:rPr>
+                            <m:t>2</m:t>
+                          </m:r>
+                        </m:sup>
+                      </m:sSup>
+                      <m:r>
+                        <a:rPr lang="ru-RU" i="0">
+                          <a:latin typeface="Cambria Math" panose="02040503050406030204" pitchFamily="18" charset="0"/>
+                        </a:rPr>
+                        <m:t>=</m:t>
+                      </m:r>
+                      <m:sSubSup>
+                        <m:sSubSupPr>
+                          <m:ctrlPr>
+                            <a:rPr lang="ru-RU" i="1">
+                              <a:latin typeface="Cambria Math" panose="02040503050406030204" pitchFamily="18" charset="0"/>
+                            </a:rPr>
+                          </m:ctrlPr>
+                        </m:sSubSupPr>
+                        <m:e>
+                          <m:r>
+                            <a:rPr lang="ru-RU" i="1">
+                              <a:latin typeface="Cambria Math" panose="02040503050406030204" pitchFamily="18" charset="0"/>
+                            </a:rPr>
+                            <m:t>𝑘</m:t>
+                          </m:r>
+                        </m:e>
+                        <m:sub>
+                          <m:r>
+                            <a:rPr lang="ru-RU" i="0">
+                              <a:latin typeface="Cambria Math" panose="02040503050406030204" pitchFamily="18" charset="0"/>
+                            </a:rPr>
+                            <m:t>0</m:t>
+                          </m:r>
+                        </m:sub>
+                        <m:sup>
+                          <m:r>
+                            <a:rPr lang="ru-RU" i="0">
+                              <a:latin typeface="Cambria Math" panose="02040503050406030204" pitchFamily="18" charset="0"/>
+                            </a:rPr>
+                            <m:t>2</m:t>
+                          </m:r>
+                        </m:sup>
+                      </m:sSubSup>
+                    </m:oMath>
+                  </m:oMathPara>
+                </a14:m>
+                <a:endParaRPr lang="ru-RU" dirty="0"/>
+              </a:p>
+            </p:txBody>
+          </p:sp>
+        </mc:Choice>
+        <mc:Fallback xmlns="">
+          <p:sp>
+            <p:nvSpPr>
+              <p:cNvPr id="38" name="Прямоугольник 37"/>
+              <p:cNvSpPr>
+                <a:spLocks noRot="1" noChangeAspect="1" noMove="1" noResize="1" noEditPoints="1" noAdjustHandles="1" noChangeArrowheads="1" noChangeShapeType="1" noTextEdit="1"/>
+              </p:cNvSpPr>
+              <p:nvPr/>
+            </p:nvSpPr>
+            <p:spPr>
+              <a:xfrm>
+                <a:off x="2682017" y="4998730"/>
+                <a:ext cx="7593847" cy="1027397"/>
+              </a:xfrm>
+              <a:prstGeom prst="rect">
+                <a:avLst/>
+              </a:prstGeom>
+              <a:blipFill>
+                <a:blip r:embed="rId14"/>
+                <a:stretch>
+                  <a:fillRect/>
+                </a:stretch>
+              </a:blipFill>
+            </p:spPr>
+            <p:txBody>
+              <a:bodyPr/>
+              <a:lstStyle/>
+              <a:p>
+                <a:r>
+                  <a:rPr lang="ru-RU">
+                    <a:noFill/>
+                  </a:rPr>
+                  <a:t> </a:t>
+                </a:r>
+              </a:p>
+            </p:txBody>
+          </p:sp>
+        </mc:Fallback>
+      </mc:AlternateContent>
+      <mc:AlternateContent xmlns:mc="http://schemas.openxmlformats.org/markup-compatibility/2006" xmlns:a14="http://schemas.microsoft.com/office/drawing/2010/main">
+        <mc:Choice Requires="a14">
+          <p:sp>
+            <p:nvSpPr>
+              <p:cNvPr id="45" name="Прямоугольник 44"/>
+              <p:cNvSpPr/>
+              <p:nvPr/>
+            </p:nvSpPr>
+            <p:spPr>
+              <a:xfrm>
+                <a:off x="4581932" y="6082786"/>
+                <a:ext cx="3310650" cy="720262"/>
+              </a:xfrm>
+              <a:prstGeom prst="rect">
+                <a:avLst/>
+              </a:prstGeom>
+            </p:spPr>
+            <p:txBody>
+              <a:bodyPr wrap="none">
+                <a:spAutoFit/>
+              </a:bodyPr>
+              <a:lstStyle/>
+              <a:p>
+                <a:pPr/>
+                <a14:m>
+                  <m:oMathPara xmlns:m="http://schemas.openxmlformats.org/officeDocument/2006/math">
+                    <m:oMathParaPr>
+                      <m:jc m:val="centerGroup"/>
+                    </m:oMathParaPr>
+                    <m:oMath xmlns:m="http://schemas.openxmlformats.org/officeDocument/2006/math">
+                      <m:r>
+                        <a:rPr lang="ru-RU" i="1">
+                          <a:latin typeface="Cambria Math" panose="02040503050406030204" pitchFamily="18" charset="0"/>
+                        </a:rPr>
+                        <m:t>𝑆𝑁𝑅</m:t>
+                      </m:r>
+                      <m:r>
+                        <a:rPr lang="ru-RU" i="0">
+                          <a:latin typeface="Cambria Math" panose="02040503050406030204" pitchFamily="18" charset="0"/>
+                        </a:rPr>
+                        <m:t>=</m:t>
+                      </m:r>
+                      <m:f>
+                        <m:fPr>
+                          <m:ctrlPr>
+                            <a:rPr lang="ru-RU" i="1">
+                              <a:latin typeface="Cambria Math" panose="02040503050406030204" pitchFamily="18" charset="0"/>
+                            </a:rPr>
+                          </m:ctrlPr>
+                        </m:fPr>
+                        <m:num>
+                          <m:sSup>
+                            <m:sSupPr>
+                              <m:ctrlPr>
+                                <a:rPr lang="ru-RU" i="1">
+                                  <a:latin typeface="Cambria Math" panose="02040503050406030204" pitchFamily="18" charset="0"/>
+                                </a:rPr>
+                              </m:ctrlPr>
+                            </m:sSupPr>
+                            <m:e>
+                              <m:d>
+                                <m:dPr>
+                                  <m:begChr m:val="|"/>
+                                  <m:endChr m:val="|"/>
+                                  <m:ctrlPr>
+                                    <a:rPr lang="ru-RU" i="1">
+                                      <a:latin typeface="Cambria Math" panose="02040503050406030204" pitchFamily="18" charset="0"/>
+                                    </a:rPr>
+                                  </m:ctrlPr>
+                                </m:dPr>
+                                <m:e>
+                                  <m:sSub>
+                                    <m:sSubPr>
+                                      <m:ctrlPr>
+                                        <a:rPr lang="ru-RU" i="1">
+                                          <a:latin typeface="Cambria Math" panose="02040503050406030204" pitchFamily="18" charset="0"/>
+                                        </a:rPr>
+                                      </m:ctrlPr>
+                                    </m:sSubPr>
+                                    <m:e>
+                                      <m:r>
+                                        <a:rPr lang="ru-RU" i="1">
+                                          <a:latin typeface="Cambria Math" panose="02040503050406030204" pitchFamily="18" charset="0"/>
+                                        </a:rPr>
+                                        <m:t>𝑦</m:t>
+                                      </m:r>
+                                    </m:e>
+                                    <m:sub>
+                                      <m:r>
+                                        <a:rPr lang="ru-RU" i="1">
+                                          <a:latin typeface="Cambria Math" panose="02040503050406030204" pitchFamily="18" charset="0"/>
+                                        </a:rPr>
+                                        <m:t>𝑥</m:t>
+                                      </m:r>
+                                    </m:sub>
+                                  </m:sSub>
+                                  <m:d>
+                                    <m:dPr>
+                                      <m:begChr m:val="["/>
+                                      <m:endChr m:val="]"/>
+                                      <m:ctrlPr>
+                                        <a:rPr lang="ru-RU" i="1">
+                                          <a:latin typeface="Cambria Math" panose="02040503050406030204" pitchFamily="18" charset="0"/>
+                                        </a:rPr>
+                                      </m:ctrlPr>
+                                    </m:dPr>
+                                    <m:e>
+                                      <m:sSub>
+                                        <m:sSubPr>
+                                          <m:ctrlPr>
+                                            <a:rPr lang="ru-RU" i="1">
+                                              <a:latin typeface="Cambria Math" panose="02040503050406030204" pitchFamily="18" charset="0"/>
+                                            </a:rPr>
+                                          </m:ctrlPr>
+                                        </m:sSubPr>
+                                        <m:e>
+                                          <m:r>
+                                            <a:rPr lang="ru-RU" i="1">
+                                              <a:latin typeface="Cambria Math" panose="02040503050406030204" pitchFamily="18" charset="0"/>
+                                            </a:rPr>
+                                            <m:t>𝑘</m:t>
+                                          </m:r>
+                                        </m:e>
+                                        <m:sub>
+                                          <m:r>
+                                            <a:rPr lang="ru-RU" i="0">
+                                              <a:latin typeface="Cambria Math" panose="02040503050406030204" pitchFamily="18" charset="0"/>
+                                            </a:rPr>
+                                            <m:t>0</m:t>
+                                          </m:r>
+                                        </m:sub>
+                                      </m:sSub>
+                                    </m:e>
+                                  </m:d>
+                                </m:e>
+                              </m:d>
+                            </m:e>
+                            <m:sup>
+                              <m:r>
+                                <a:rPr lang="ru-RU" i="0">
+                                  <a:latin typeface="Cambria Math" panose="02040503050406030204" pitchFamily="18" charset="0"/>
+                                </a:rPr>
+                                <m:t>2</m:t>
+                              </m:r>
+                            </m:sup>
+                          </m:sSup>
+                        </m:num>
+                        <m:den>
+                          <m:r>
+                            <a:rPr lang="ru-RU" i="1">
+                              <a:latin typeface="Cambria Math" panose="02040503050406030204" pitchFamily="18" charset="0"/>
+                            </a:rPr>
+                            <m:t>𝐸</m:t>
+                          </m:r>
+                          <m:d>
+                            <m:dPr>
+                              <m:begChr m:val="{"/>
+                              <m:endChr m:val="}"/>
+                              <m:ctrlPr>
+                                <a:rPr lang="ru-RU" i="1">
+                                  <a:latin typeface="Cambria Math" panose="02040503050406030204" pitchFamily="18" charset="0"/>
+                                </a:rPr>
+                              </m:ctrlPr>
+                            </m:dPr>
+                            <m:e>
+                              <m:sSup>
+                                <m:sSupPr>
+                                  <m:ctrlPr>
+                                    <a:rPr lang="ru-RU" i="1">
+                                      <a:latin typeface="Cambria Math" panose="02040503050406030204" pitchFamily="18" charset="0"/>
+                                    </a:rPr>
+                                  </m:ctrlPr>
+                                </m:sSupPr>
+                                <m:e>
+                                  <m:d>
+                                    <m:dPr>
+                                      <m:begChr m:val="|"/>
+                                      <m:endChr m:val="|"/>
+                                      <m:ctrlPr>
+                                        <a:rPr lang="ru-RU" i="1">
+                                          <a:latin typeface="Cambria Math" panose="02040503050406030204" pitchFamily="18" charset="0"/>
+                                        </a:rPr>
+                                      </m:ctrlPr>
+                                    </m:dPr>
+                                    <m:e>
+                                      <m:sSub>
+                                        <m:sSubPr>
+                                          <m:ctrlPr>
+                                            <a:rPr lang="ru-RU" i="1">
+                                              <a:latin typeface="Cambria Math" panose="02040503050406030204" pitchFamily="18" charset="0"/>
+                                            </a:rPr>
+                                          </m:ctrlPr>
+                                        </m:sSubPr>
+                                        <m:e>
+                                          <m:r>
+                                            <a:rPr lang="ru-RU" i="1">
+                                              <a:latin typeface="Cambria Math" panose="02040503050406030204" pitchFamily="18" charset="0"/>
+                                            </a:rPr>
+                                            <m:t>𝑦</m:t>
+                                          </m:r>
+                                        </m:e>
+                                        <m:sub>
+                                          <m:r>
+                                            <a:rPr lang="ru-RU" i="1">
+                                              <a:latin typeface="Cambria Math" panose="02040503050406030204" pitchFamily="18" charset="0"/>
+                                            </a:rPr>
+                                            <m:t>𝑛</m:t>
+                                          </m:r>
+                                        </m:sub>
+                                      </m:sSub>
+                                    </m:e>
+                                  </m:d>
+                                </m:e>
+                                <m:sup>
+                                  <m:r>
+                                    <a:rPr lang="ru-RU" i="0">
+                                      <a:latin typeface="Cambria Math" panose="02040503050406030204" pitchFamily="18" charset="0"/>
+                                    </a:rPr>
+                                    <m:t>2</m:t>
+                                  </m:r>
+                                </m:sup>
+                              </m:sSup>
+                            </m:e>
+                          </m:d>
+                        </m:den>
+                      </m:f>
+                      <m:r>
+                        <a:rPr lang="ru-RU" i="0">
+                          <a:latin typeface="Cambria Math" panose="02040503050406030204" pitchFamily="18" charset="0"/>
+                        </a:rPr>
+                        <m:t>=</m:t>
+                      </m:r>
+                      <m:f>
+                        <m:fPr>
+                          <m:ctrlPr>
+                            <a:rPr lang="ru-RU" i="1">
+                              <a:latin typeface="Cambria Math" panose="02040503050406030204" pitchFamily="18" charset="0"/>
+                            </a:rPr>
+                          </m:ctrlPr>
+                        </m:fPr>
+                        <m:num>
+                          <m:r>
+                            <a:rPr lang="ru-RU" i="0">
+                              <a:latin typeface="Cambria Math" panose="02040503050406030204" pitchFamily="18" charset="0"/>
+                            </a:rPr>
+                            <m:t>2</m:t>
+                          </m:r>
+                          <m:sSup>
+                            <m:sSupPr>
+                              <m:ctrlPr>
+                                <a:rPr lang="ru-RU" i="1">
+                                  <a:latin typeface="Cambria Math" panose="02040503050406030204" pitchFamily="18" charset="0"/>
+                                </a:rPr>
+                              </m:ctrlPr>
+                            </m:sSupPr>
+                            <m:e>
+                              <m:sSub>
+                                <m:sSubPr>
+                                  <m:ctrlPr>
+                                    <a:rPr lang="ru-RU" i="1">
+                                      <a:latin typeface="Cambria Math" panose="02040503050406030204" pitchFamily="18" charset="0"/>
+                                    </a:rPr>
+                                  </m:ctrlPr>
+                                </m:sSubPr>
+                                <m:e>
+                                  <m:r>
+                                    <a:rPr lang="ru-RU" i="1">
+                                      <a:latin typeface="Cambria Math" panose="02040503050406030204" pitchFamily="18" charset="0"/>
+                                    </a:rPr>
+                                    <m:t>𝑘</m:t>
+                                  </m:r>
+                                </m:e>
+                                <m:sub>
+                                  <m:r>
+                                    <a:rPr lang="ru-RU" i="0">
+                                      <a:latin typeface="Cambria Math" panose="02040503050406030204" pitchFamily="18" charset="0"/>
+                                    </a:rPr>
+                                    <m:t>0</m:t>
+                                  </m:r>
+                                </m:sub>
+                              </m:sSub>
+                            </m:e>
+                            <m:sup>
+                              <m:r>
+                                <a:rPr lang="ru-RU" i="0">
+                                  <a:latin typeface="Cambria Math" panose="02040503050406030204" pitchFamily="18" charset="0"/>
+                                </a:rPr>
+                                <m:t>2</m:t>
+                              </m:r>
+                            </m:sup>
+                          </m:sSup>
+                        </m:num>
+                        <m:den>
+                          <m:sSub>
+                            <m:sSubPr>
+                              <m:ctrlPr>
+                                <a:rPr lang="ru-RU" i="1">
+                                  <a:latin typeface="Cambria Math" panose="02040503050406030204" pitchFamily="18" charset="0"/>
+                                </a:rPr>
+                              </m:ctrlPr>
+                            </m:sSubPr>
+                            <m:e>
+                              <m:sSub>
+                                <m:sSubPr>
+                                  <m:ctrlPr>
+                                    <a:rPr lang="ru-RU" i="1">
+                                      <a:latin typeface="Cambria Math" panose="02040503050406030204" pitchFamily="18" charset="0"/>
+                                    </a:rPr>
+                                  </m:ctrlPr>
+                                </m:sSubPr>
+                                <m:e>
+                                  <m:r>
+                                    <a:rPr lang="ru-RU" i="1">
+                                      <a:latin typeface="Cambria Math" panose="02040503050406030204" pitchFamily="18" charset="0"/>
+                                    </a:rPr>
+                                    <m:t>𝑁</m:t>
+                                  </m:r>
+                                </m:e>
+                                <m:sub>
+                                  <m:r>
+                                    <a:rPr lang="ru-RU" i="0">
+                                      <a:latin typeface="Cambria Math" panose="02040503050406030204" pitchFamily="18" charset="0"/>
+                                    </a:rPr>
+                                    <m:t>0</m:t>
+                                  </m:r>
+                                </m:sub>
+                              </m:sSub>
+                              <m:r>
+                                <a:rPr lang="ru-RU" i="1">
+                                  <a:latin typeface="Cambria Math" panose="02040503050406030204" pitchFamily="18" charset="0"/>
+                                </a:rPr>
+                                <m:t>𝑘</m:t>
+                              </m:r>
+                            </m:e>
+                            <m:sub>
+                              <m:r>
+                                <a:rPr lang="ru-RU" i="0">
+                                  <a:latin typeface="Cambria Math" panose="02040503050406030204" pitchFamily="18" charset="0"/>
+                                </a:rPr>
+                                <m:t>0</m:t>
+                              </m:r>
+                            </m:sub>
+                          </m:sSub>
+                        </m:den>
+                      </m:f>
+                      <m:r>
+                        <a:rPr lang="ru-RU" i="0">
+                          <a:latin typeface="Cambria Math" panose="02040503050406030204" pitchFamily="18" charset="0"/>
+                        </a:rPr>
+                        <m:t>=</m:t>
+                      </m:r>
+                      <m:f>
+                        <m:fPr>
+                          <m:ctrlPr>
+                            <a:rPr lang="ru-RU" i="1">
+                              <a:latin typeface="Cambria Math" panose="02040503050406030204" pitchFamily="18" charset="0"/>
+                            </a:rPr>
+                          </m:ctrlPr>
+                        </m:fPr>
+                        <m:num>
+                          <m:r>
+                            <a:rPr lang="ru-RU" i="0">
+                              <a:latin typeface="Cambria Math" panose="02040503050406030204" pitchFamily="18" charset="0"/>
+                            </a:rPr>
+                            <m:t>2</m:t>
+                          </m:r>
+                          <m:sSub>
+                            <m:sSubPr>
+                              <m:ctrlPr>
+                                <a:rPr lang="ru-RU" i="1">
+                                  <a:latin typeface="Cambria Math" panose="02040503050406030204" pitchFamily="18" charset="0"/>
+                                </a:rPr>
+                              </m:ctrlPr>
+                            </m:sSubPr>
+                            <m:e>
+                              <m:r>
+                                <a:rPr lang="ru-RU" i="1">
+                                  <a:latin typeface="Cambria Math" panose="02040503050406030204" pitchFamily="18" charset="0"/>
+                                </a:rPr>
+                                <m:t>𝑘</m:t>
+                              </m:r>
+                            </m:e>
+                            <m:sub>
+                              <m:r>
+                                <a:rPr lang="ru-RU" i="0">
+                                  <a:latin typeface="Cambria Math" panose="02040503050406030204" pitchFamily="18" charset="0"/>
+                                </a:rPr>
+                                <m:t>0</m:t>
+                              </m:r>
+                            </m:sub>
+                          </m:sSub>
+                        </m:num>
+                        <m:den>
+                          <m:sSub>
+                            <m:sSubPr>
+                              <m:ctrlPr>
+                                <a:rPr lang="ru-RU" i="1">
+                                  <a:latin typeface="Cambria Math" panose="02040503050406030204" pitchFamily="18" charset="0"/>
+                                </a:rPr>
+                              </m:ctrlPr>
+                            </m:sSubPr>
+                            <m:e>
+                              <m:r>
+                                <a:rPr lang="ru-RU" i="1">
+                                  <a:latin typeface="Cambria Math" panose="02040503050406030204" pitchFamily="18" charset="0"/>
+                                </a:rPr>
+                                <m:t>𝑁</m:t>
+                              </m:r>
+                            </m:e>
+                            <m:sub>
+                              <m:r>
+                                <a:rPr lang="ru-RU" i="0">
+                                  <a:latin typeface="Cambria Math" panose="02040503050406030204" pitchFamily="18" charset="0"/>
+                                </a:rPr>
+                                <m:t>0</m:t>
+                              </m:r>
+                            </m:sub>
+                          </m:sSub>
+                        </m:den>
+                      </m:f>
+                    </m:oMath>
+                  </m:oMathPara>
+                </a14:m>
+                <a:endParaRPr lang="ru-RU" dirty="0"/>
+              </a:p>
+            </p:txBody>
+          </p:sp>
+        </mc:Choice>
+        <mc:Fallback xmlns="">
+          <p:sp>
+            <p:nvSpPr>
+              <p:cNvPr id="45" name="Прямоугольник 44"/>
+              <p:cNvSpPr>
+                <a:spLocks noRot="1" noChangeAspect="1" noMove="1" noResize="1" noEditPoints="1" noAdjustHandles="1" noChangeArrowheads="1" noChangeShapeType="1" noTextEdit="1"/>
+              </p:cNvSpPr>
+              <p:nvPr/>
+            </p:nvSpPr>
+            <p:spPr>
+              <a:xfrm>
+                <a:off x="4581932" y="6082786"/>
+                <a:ext cx="3310650" cy="720262"/>
+              </a:xfrm>
+              <a:prstGeom prst="rect">
+                <a:avLst/>
+              </a:prstGeom>
+              <a:blipFill>
+                <a:blip r:embed="rId15"/>
+                <a:stretch>
+                  <a:fillRect/>
+                </a:stretch>
+              </a:blipFill>
+            </p:spPr>
+            <p:txBody>
+              <a:bodyPr/>
+              <a:lstStyle/>
+              <a:p>
+                <a:r>
+                  <a:rPr lang="ru-RU">
+                    <a:noFill/>
+                  </a:rPr>
+                  <a:t> </a:t>
+                </a:r>
+              </a:p>
+            </p:txBody>
+          </p:sp>
+        </mc:Fallback>
+      </mc:AlternateContent>
+      <mc:AlternateContent xmlns:mc="http://schemas.openxmlformats.org/markup-compatibility/2006">
+        <mc:Choice xmlns:a14="http://schemas.microsoft.com/office/drawing/2010/main" Requires="a14">
+          <p:sp>
+            <p:nvSpPr>
+              <p:cNvPr id="6" name="Прямоугольник 5"/>
+              <p:cNvSpPr/>
+              <p:nvPr/>
+            </p:nvSpPr>
+            <p:spPr>
+              <a:xfrm>
+                <a:off x="3269336" y="3559845"/>
+                <a:ext cx="5632055" cy="871457"/>
+              </a:xfrm>
+              <a:prstGeom prst="rect">
+                <a:avLst/>
+              </a:prstGeom>
+            </p:spPr>
+            <p:txBody>
+              <a:bodyPr wrap="none">
+                <a:spAutoFit/>
+              </a:bodyPr>
+              <a:lstStyle/>
+              <a:p>
+                <a14:m>
+                  <m:oMathPara xmlns:m="http://schemas.openxmlformats.org/officeDocument/2006/math">
+                    <m:oMathParaPr>
+                      <m:jc m:val="centerGroup"/>
+                    </m:oMathParaPr>
+                    <m:oMath xmlns:m="http://schemas.openxmlformats.org/officeDocument/2006/math">
+                      <m:sSup>
+                        <m:sSupPr>
+                          <m:ctrlPr>
+                            <a:rPr lang="ru-RU">
+                              <a:latin typeface="Cambria Math" panose="02040503050406030204" pitchFamily="18" charset="0"/>
+                            </a:rPr>
+                          </m:ctrlPr>
+                        </m:sSupPr>
+                        <m:e>
+                          <m:d>
+                            <m:dPr>
+                              <m:begChr m:val="|"/>
+                              <m:endChr m:val="|"/>
+                              <m:ctrlPr>
+                                <a:rPr lang="ru-RU">
+                                  <a:latin typeface="Cambria Math" panose="02040503050406030204" pitchFamily="18" charset="0"/>
+                                </a:rPr>
+                              </m:ctrlPr>
+                            </m:dPr>
+                            <m:e>
+                              <m:sSub>
+                                <m:sSubPr>
+                                  <m:ctrlPr>
+                                    <a:rPr lang="ru-RU">
+                                      <a:latin typeface="Cambria Math" panose="02040503050406030204" pitchFamily="18" charset="0"/>
+                                    </a:rPr>
+                                  </m:ctrlPr>
+                                </m:sSubPr>
+                                <m:e>
+                                  <m:r>
+                                    <a:rPr lang="ru-RU" i="1">
+                                      <a:latin typeface="Cambria Math" panose="02040503050406030204" pitchFamily="18" charset="0"/>
+                                    </a:rPr>
+                                    <m:t>𝑦</m:t>
+                                  </m:r>
+                                </m:e>
+                                <m:sub>
+                                  <m:r>
+                                    <a:rPr lang="ru-RU" i="1">
+                                      <a:latin typeface="Cambria Math" panose="02040503050406030204" pitchFamily="18" charset="0"/>
+                                    </a:rPr>
+                                    <m:t>𝑛</m:t>
+                                  </m:r>
+                                </m:sub>
+                              </m:sSub>
+                            </m:e>
+                          </m:d>
+                        </m:e>
+                        <m:sup>
+                          <m:r>
+                            <a:rPr lang="ru-RU" i="0">
+                              <a:latin typeface="Cambria Math" panose="02040503050406030204" pitchFamily="18" charset="0"/>
+                            </a:rPr>
+                            <m:t>2</m:t>
+                          </m:r>
+                        </m:sup>
+                      </m:sSup>
+                      <m:r>
+                        <a:rPr lang="ru-RU" i="0">
+                          <a:latin typeface="Cambria Math" panose="02040503050406030204" pitchFamily="18" charset="0"/>
+                        </a:rPr>
+                        <m:t>=</m:t>
+                      </m:r>
+                      <m:f>
+                        <m:fPr>
+                          <m:ctrlPr>
+                            <a:rPr lang="ru-RU" i="1">
+                              <a:latin typeface="Cambria Math" panose="02040503050406030204" pitchFamily="18" charset="0"/>
+                            </a:rPr>
+                          </m:ctrlPr>
+                        </m:fPr>
+                        <m:num>
+                          <m:r>
+                            <a:rPr lang="ru-RU" i="0">
+                              <a:latin typeface="Cambria Math" panose="02040503050406030204" pitchFamily="18" charset="0"/>
+                            </a:rPr>
+                            <m:t>1</m:t>
+                          </m:r>
+                        </m:num>
+                        <m:den>
+                          <m:r>
+                            <a:rPr lang="ru-RU" i="1">
+                              <a:latin typeface="Cambria Math" panose="02040503050406030204" pitchFamily="18" charset="0"/>
+                            </a:rPr>
+                            <m:t>𝑁</m:t>
+                          </m:r>
+                        </m:den>
+                      </m:f>
+                      <m:nary>
+                        <m:naryPr>
+                          <m:chr m:val="∑"/>
+                          <m:limLoc m:val="undOvr"/>
+                          <m:ctrlPr>
+                            <a:rPr lang="ru-RU" i="1">
+                              <a:latin typeface="Cambria Math" panose="02040503050406030204" pitchFamily="18" charset="0"/>
+                            </a:rPr>
+                          </m:ctrlPr>
+                        </m:naryPr>
+                        <m:sub>
+                          <m:r>
+                            <a:rPr lang="ru-RU" i="1">
+                              <a:latin typeface="Cambria Math" panose="02040503050406030204" pitchFamily="18" charset="0"/>
+                            </a:rPr>
+                            <m:t>𝑚</m:t>
+                          </m:r>
+                          <m:r>
+                            <a:rPr lang="ru-RU" i="0">
+                              <a:latin typeface="Cambria Math" panose="02040503050406030204" pitchFamily="18" charset="0"/>
+                            </a:rPr>
+                            <m:t>=0</m:t>
+                          </m:r>
+                        </m:sub>
+                        <m:sup>
+                          <m:r>
+                            <a:rPr lang="ru-RU" i="1">
+                              <a:latin typeface="Cambria Math" panose="02040503050406030204" pitchFamily="18" charset="0"/>
+                            </a:rPr>
+                            <m:t>𝑁</m:t>
+                          </m:r>
+                          <m:r>
+                            <a:rPr lang="ru-RU" i="0">
+                              <a:latin typeface="Cambria Math" panose="02040503050406030204" pitchFamily="18" charset="0"/>
+                            </a:rPr>
+                            <m:t>−1</m:t>
+                          </m:r>
+                        </m:sup>
+                        <m:e>
+                          <m:d>
+                            <m:dPr>
+                              <m:ctrlPr>
+                                <a:rPr lang="ru-RU" i="1">
+                                  <a:latin typeface="Cambria Math" panose="02040503050406030204" pitchFamily="18" charset="0"/>
+                                </a:rPr>
+                              </m:ctrlPr>
+                            </m:dPr>
+                            <m:e>
+                              <m:f>
+                                <m:fPr>
+                                  <m:ctrlPr>
+                                    <a:rPr lang="ru-RU" i="1">
+                                      <a:latin typeface="Cambria Math" panose="02040503050406030204" pitchFamily="18" charset="0"/>
+                                    </a:rPr>
+                                  </m:ctrlPr>
+                                </m:fPr>
+                                <m:num>
+                                  <m:sSub>
+                                    <m:sSubPr>
+                                      <m:ctrlPr>
+                                        <a:rPr lang="ru-RU" i="1">
+                                          <a:latin typeface="Cambria Math" panose="02040503050406030204" pitchFamily="18" charset="0"/>
+                                        </a:rPr>
+                                      </m:ctrlPr>
+                                    </m:sSubPr>
+                                    <m:e>
+                                      <m:r>
+                                        <a:rPr lang="ru-RU" i="1">
+                                          <a:latin typeface="Cambria Math" panose="02040503050406030204" pitchFamily="18" charset="0"/>
+                                        </a:rPr>
+                                        <m:t>𝑁</m:t>
+                                      </m:r>
+                                    </m:e>
+                                    <m:sub>
+                                      <m:r>
+                                        <a:rPr lang="ru-RU" i="0">
+                                          <a:latin typeface="Cambria Math" panose="02040503050406030204" pitchFamily="18" charset="0"/>
+                                        </a:rPr>
+                                        <m:t>0</m:t>
+                                      </m:r>
+                                    </m:sub>
+                                  </m:sSub>
+                                </m:num>
+                                <m:den>
+                                  <m:r>
+                                    <a:rPr lang="ru-RU" i="0">
+                                      <a:latin typeface="Cambria Math" panose="02040503050406030204" pitchFamily="18" charset="0"/>
+                                    </a:rPr>
+                                    <m:t>2</m:t>
+                                  </m:r>
+                                </m:den>
+                              </m:f>
+                              <m:r>
+                                <a:rPr lang="ru-RU" i="0">
+                                  <a:latin typeface="Cambria Math" panose="02040503050406030204" pitchFamily="18" charset="0"/>
+                                </a:rPr>
+                                <m:t>∙</m:t>
+                              </m:r>
+                              <m:sSup>
+                                <m:sSupPr>
+                                  <m:ctrlPr>
+                                    <a:rPr lang="ru-RU" i="1">
+                                      <a:latin typeface="Cambria Math" panose="02040503050406030204" pitchFamily="18" charset="0"/>
+                                    </a:rPr>
+                                  </m:ctrlPr>
+                                </m:sSupPr>
+                                <m:e>
+                                  <m:d>
+                                    <m:dPr>
+                                      <m:begChr m:val="|"/>
+                                      <m:endChr m:val="|"/>
+                                      <m:ctrlPr>
+                                        <a:rPr lang="ru-RU" i="1">
+                                          <a:latin typeface="Cambria Math" panose="02040503050406030204" pitchFamily="18" charset="0"/>
+                                        </a:rPr>
+                                      </m:ctrlPr>
+                                    </m:dPr>
+                                    <m:e>
+                                      <m:r>
+                                        <a:rPr lang="ru-RU" i="1">
+                                          <a:latin typeface="Cambria Math" panose="02040503050406030204" pitchFamily="18" charset="0"/>
+                                        </a:rPr>
+                                        <m:t>𝑥𝑓</m:t>
+                                      </m:r>
+                                      <m:d>
+                                        <m:dPr>
+                                          <m:begChr m:val="["/>
+                                          <m:endChr m:val="]"/>
+                                          <m:ctrlPr>
+                                            <a:rPr lang="ru-RU" i="1">
+                                              <a:latin typeface="Cambria Math" panose="02040503050406030204" pitchFamily="18" charset="0"/>
+                                            </a:rPr>
+                                          </m:ctrlPr>
+                                        </m:dPr>
+                                        <m:e>
+                                          <m:r>
+                                            <a:rPr lang="ru-RU" i="1">
+                                              <a:latin typeface="Cambria Math" panose="02040503050406030204" pitchFamily="18" charset="0"/>
+                                            </a:rPr>
+                                            <m:t>𝑚</m:t>
+                                          </m:r>
+                                        </m:e>
+                                      </m:d>
+                                    </m:e>
+                                  </m:d>
+                                </m:e>
+                                <m:sup>
+                                  <m:r>
+                                    <a:rPr lang="ru-RU" i="0">
+                                      <a:latin typeface="Cambria Math" panose="02040503050406030204" pitchFamily="18" charset="0"/>
+                                    </a:rPr>
+                                    <m:t>2</m:t>
+                                  </m:r>
+                                </m:sup>
+                              </m:sSup>
+                            </m:e>
+                          </m:d>
+                        </m:e>
+                      </m:nary>
+                      <m:r>
+                        <a:rPr lang="ru-RU" i="0">
+                          <a:latin typeface="Cambria Math" panose="02040503050406030204" pitchFamily="18" charset="0"/>
+                        </a:rPr>
+                        <m:t>=</m:t>
+                      </m:r>
+                      <m:f>
+                        <m:fPr>
+                          <m:ctrlPr>
+                            <a:rPr lang="ru-RU" i="1">
+                              <a:latin typeface="Cambria Math" panose="02040503050406030204" pitchFamily="18" charset="0"/>
+                            </a:rPr>
+                          </m:ctrlPr>
+                        </m:fPr>
+                        <m:num>
+                          <m:sSub>
+                            <m:sSubPr>
+                              <m:ctrlPr>
+                                <a:rPr lang="ru-RU" i="1">
+                                  <a:latin typeface="Cambria Math" panose="02040503050406030204" pitchFamily="18" charset="0"/>
+                                </a:rPr>
+                              </m:ctrlPr>
+                            </m:sSubPr>
+                            <m:e>
+                              <m:r>
+                                <a:rPr lang="ru-RU" i="1">
+                                  <a:latin typeface="Cambria Math" panose="02040503050406030204" pitchFamily="18" charset="0"/>
+                                </a:rPr>
+                                <m:t>𝑁</m:t>
+                              </m:r>
+                            </m:e>
+                            <m:sub>
+                              <m:r>
+                                <a:rPr lang="ru-RU" i="0">
+                                  <a:latin typeface="Cambria Math" panose="02040503050406030204" pitchFamily="18" charset="0"/>
+                                </a:rPr>
+                                <m:t>0</m:t>
+                              </m:r>
+                            </m:sub>
+                          </m:sSub>
+                        </m:num>
+                        <m:den>
+                          <m:r>
+                            <a:rPr lang="ru-RU" i="0">
+                              <a:latin typeface="Cambria Math" panose="02040503050406030204" pitchFamily="18" charset="0"/>
+                            </a:rPr>
+                            <m:t>2</m:t>
+                          </m:r>
+                        </m:den>
+                      </m:f>
+                      <m:nary>
+                        <m:naryPr>
+                          <m:chr m:val="∑"/>
+                          <m:limLoc m:val="undOvr"/>
+                          <m:ctrlPr>
+                            <a:rPr lang="ru-RU" i="1">
+                              <a:latin typeface="Cambria Math" panose="02040503050406030204" pitchFamily="18" charset="0"/>
+                            </a:rPr>
+                          </m:ctrlPr>
+                        </m:naryPr>
+                        <m:sub>
+                          <m:r>
+                            <a:rPr lang="ru-RU" i="1">
+                              <a:latin typeface="Cambria Math" panose="02040503050406030204" pitchFamily="18" charset="0"/>
+                            </a:rPr>
+                            <m:t>𝑘</m:t>
+                          </m:r>
+                          <m:r>
+                            <a:rPr lang="ru-RU" i="0">
+                              <a:latin typeface="Cambria Math" panose="02040503050406030204" pitchFamily="18" charset="0"/>
+                            </a:rPr>
+                            <m:t>=0</m:t>
+                          </m:r>
+                        </m:sub>
+                        <m:sup>
+                          <m:r>
+                            <a:rPr lang="ru-RU" i="1">
+                              <a:latin typeface="Cambria Math" panose="02040503050406030204" pitchFamily="18" charset="0"/>
+                            </a:rPr>
+                            <m:t>𝑁</m:t>
+                          </m:r>
+                          <m:r>
+                            <a:rPr lang="ru-RU" i="0">
+                              <a:latin typeface="Cambria Math" panose="02040503050406030204" pitchFamily="18" charset="0"/>
+                            </a:rPr>
+                            <m:t>−1</m:t>
+                          </m:r>
+                        </m:sup>
+                        <m:e>
+                          <m:sSup>
+                            <m:sSupPr>
+                              <m:ctrlPr>
+                                <a:rPr lang="ru-RU" i="1">
+                                  <a:latin typeface="Cambria Math" panose="02040503050406030204" pitchFamily="18" charset="0"/>
+                                </a:rPr>
+                              </m:ctrlPr>
+                            </m:sSupPr>
+                            <m:e>
+                              <m:d>
+                                <m:dPr>
+                                  <m:begChr m:val="|"/>
+                                  <m:endChr m:val="|"/>
+                                  <m:ctrlPr>
+                                    <a:rPr lang="ru-RU" i="1">
+                                      <a:latin typeface="Cambria Math" panose="02040503050406030204" pitchFamily="18" charset="0"/>
+                                    </a:rPr>
+                                  </m:ctrlPr>
+                                </m:dPr>
+                                <m:e>
+                                  <m:r>
+                                    <a:rPr lang="ru-RU" i="1">
+                                      <a:latin typeface="Cambria Math" panose="02040503050406030204" pitchFamily="18" charset="0"/>
+                                    </a:rPr>
+                                    <m:t>𝑥</m:t>
+                                  </m:r>
+                                  <m:d>
+                                    <m:dPr>
+                                      <m:begChr m:val="["/>
+                                      <m:endChr m:val="]"/>
+                                      <m:ctrlPr>
+                                        <a:rPr lang="ru-RU" i="1">
+                                          <a:latin typeface="Cambria Math" panose="02040503050406030204" pitchFamily="18" charset="0"/>
+                                        </a:rPr>
+                                      </m:ctrlPr>
+                                    </m:dPr>
+                                    <m:e>
+                                      <m:r>
+                                        <a:rPr lang="ru-RU" i="1">
+                                          <a:latin typeface="Cambria Math" panose="02040503050406030204" pitchFamily="18" charset="0"/>
+                                        </a:rPr>
+                                        <m:t>𝑘</m:t>
+                                      </m:r>
+                                    </m:e>
+                                  </m:d>
+                                </m:e>
+                              </m:d>
+                            </m:e>
+                            <m:sup>
+                              <m:r>
+                                <a:rPr lang="ru-RU" i="0">
+                                  <a:latin typeface="Cambria Math" panose="02040503050406030204" pitchFamily="18" charset="0"/>
+                                </a:rPr>
+                                <m:t>2</m:t>
+                              </m:r>
+                            </m:sup>
+                          </m:sSup>
+                        </m:e>
+                      </m:nary>
+                      <m:r>
+                        <a:rPr lang="ru-RU" i="0">
+                          <a:latin typeface="Cambria Math" panose="02040503050406030204" pitchFamily="18" charset="0"/>
+                        </a:rPr>
+                        <m:t>=</m:t>
+                      </m:r>
+                      <m:f>
+                        <m:fPr>
+                          <m:ctrlPr>
+                            <a:rPr lang="ru-RU" i="1">
+                              <a:latin typeface="Cambria Math" panose="02040503050406030204" pitchFamily="18" charset="0"/>
+                            </a:rPr>
+                          </m:ctrlPr>
+                        </m:fPr>
+                        <m:num>
+                          <m:sSub>
+                            <m:sSubPr>
+                              <m:ctrlPr>
+                                <a:rPr lang="ru-RU" i="1">
+                                  <a:latin typeface="Cambria Math" panose="02040503050406030204" pitchFamily="18" charset="0"/>
+                                </a:rPr>
+                              </m:ctrlPr>
+                            </m:sSubPr>
+                            <m:e>
+                              <m:r>
+                                <a:rPr lang="ru-RU" i="1">
+                                  <a:latin typeface="Cambria Math" panose="02040503050406030204" pitchFamily="18" charset="0"/>
+                                </a:rPr>
+                                <m:t>𝑁</m:t>
+                              </m:r>
+                            </m:e>
+                            <m:sub>
+                              <m:r>
+                                <a:rPr lang="ru-RU" i="0">
+                                  <a:latin typeface="Cambria Math" panose="02040503050406030204" pitchFamily="18" charset="0"/>
+                                </a:rPr>
+                                <m:t>0</m:t>
+                              </m:r>
+                            </m:sub>
+                          </m:sSub>
+                        </m:num>
+                        <m:den>
+                          <m:r>
+                            <a:rPr lang="ru-RU" i="0">
+                              <a:latin typeface="Cambria Math" panose="02040503050406030204" pitchFamily="18" charset="0"/>
+                            </a:rPr>
+                            <m:t>2</m:t>
+                          </m:r>
+                        </m:den>
+                      </m:f>
+                      <m:sSub>
+                        <m:sSubPr>
+                          <m:ctrlPr>
+                            <a:rPr lang="ru-RU" i="1">
+                              <a:latin typeface="Cambria Math" panose="02040503050406030204" pitchFamily="18" charset="0"/>
+                            </a:rPr>
+                          </m:ctrlPr>
+                        </m:sSubPr>
+                        <m:e>
+                          <m:r>
+                            <a:rPr lang="ru-RU" i="1">
+                              <a:latin typeface="Cambria Math" panose="02040503050406030204" pitchFamily="18" charset="0"/>
+                            </a:rPr>
+                            <m:t>𝑘</m:t>
+                          </m:r>
+                        </m:e>
+                        <m:sub>
+                          <m:r>
+                            <a:rPr lang="ru-RU" i="0">
+                              <a:latin typeface="Cambria Math" panose="02040503050406030204" pitchFamily="18" charset="0"/>
+                            </a:rPr>
+                            <m:t>0</m:t>
+                          </m:r>
+                        </m:sub>
+                      </m:sSub>
+                    </m:oMath>
+                  </m:oMathPara>
+                </a14:m>
+                <a:endParaRPr lang="ru-RU" dirty="0"/>
+              </a:p>
+            </p:txBody>
+          </p:sp>
+        </mc:Choice>
+        <mc:Fallback>
+          <p:sp>
+            <p:nvSpPr>
+              <p:cNvPr id="6" name="Прямоугольник 5"/>
+              <p:cNvSpPr>
+                <a:spLocks noRot="1" noChangeAspect="1" noMove="1" noResize="1" noEditPoints="1" noAdjustHandles="1" noChangeArrowheads="1" noChangeShapeType="1" noTextEdit="1"/>
+              </p:cNvSpPr>
+              <p:nvPr/>
+            </p:nvSpPr>
+            <p:spPr>
+              <a:xfrm>
+                <a:off x="3269336" y="3559845"/>
+                <a:ext cx="5632055" cy="871457"/>
+              </a:xfrm>
+              <a:prstGeom prst="rect">
+                <a:avLst/>
+              </a:prstGeom>
+              <a:blipFill>
+                <a:blip r:embed="rId16"/>
+                <a:stretch>
+                  <a:fillRect/>
+                </a:stretch>
+              </a:blipFill>
+            </p:spPr>
+            <p:txBody>
+              <a:bodyPr/>
+              <a:lstStyle/>
+              <a:p>
+                <a:r>
+                  <a:rPr lang="ru-RU">
+                    <a:noFill/>
+                  </a:rPr>
+                  <a:t> </a:t>
+                </a:r>
+              </a:p>
+            </p:txBody>
+          </p:sp>
+        </mc:Fallback>
+      </mc:AlternateContent>
     </p:spTree>
     <p:extLst>
       <p:ext uri="{BB962C8B-B14F-4D97-AF65-F5344CB8AC3E}">
@@ -10013,7 +8557,7 @@
                                           </p:stCondLst>
                                         </p:cTn>
                                         <p:tgtEl>
-                                          <p:spTgt spid="59"/>
+                                          <p:spTgt spid="11"/>
                                         </p:tgtEl>
                                         <p:attrNameLst>
                                           <p:attrName>style.visibility</p:attrName>
@@ -10058,7 +8602,7 @@
                                           </p:stCondLst>
                                         </p:cTn>
                                         <p:tgtEl>
-                                          <p:spTgt spid="24"/>
+                                          <p:spTgt spid="19"/>
                                         </p:tgtEl>
                                         <p:attrNameLst>
                                           <p:attrName>style.visibility</p:attrName>
@@ -10090,7 +8634,7 @@
                             </p:stCondLst>
                             <p:childTnLst>
                               <p:par>
-                                <p:cTn id="37" presetID="1" presetClass="entr" presetSubtype="0" fill="hold" nodeType="clickEffect">
+                                <p:cTn id="37" presetID="1" presetClass="entr" presetSubtype="0" fill="hold" grpId="0" nodeType="clickEffect">
                                   <p:stCondLst>
                                     <p:cond delay="0"/>
                                   </p:stCondLst>
@@ -10099,11 +8643,11 @@
                                       <p:cBhvr>
                                         <p:cTn id="38" dur="1" fill="hold">
                                           <p:stCondLst>
-                                            <p:cond delay="249"/>
+                                            <p:cond delay="0"/>
                                           </p:stCondLst>
                                         </p:cTn>
                                         <p:tgtEl>
-                                          <p:spTgt spid="28"/>
+                                          <p:spTgt spid="26"/>
                                         </p:tgtEl>
                                         <p:attrNameLst>
                                           <p:attrName>style.visibility</p:attrName>
@@ -10114,22 +8658,6 @@
                                       </p:to>
                                     </p:set>
                                   </p:childTnLst>
-                                  <p:subTnLst>
-                                    <p:set>
-                                      <p:cBhvr override="childStyle">
-                                        <p:cTn dur="1" fill="hold" display="0" masterRel="nextClick" afterEffect="1"/>
-                                        <p:tgtEl>
-                                          <p:spTgt spid="28"/>
-                                        </p:tgtEl>
-                                        <p:attrNameLst>
-                                          <p:attrName>style.visibility</p:attrName>
-                                        </p:attrNameLst>
-                                      </p:cBhvr>
-                                      <p:to>
-                                        <p:strVal val="hidden"/>
-                                      </p:to>
-                                    </p:set>
-                                  </p:subTnLst>
                                 </p:cTn>
                               </p:par>
                             </p:childTnLst>
@@ -10164,7 +8692,7 @@
                                           </p:stCondLst>
                                         </p:cTn>
                                         <p:tgtEl>
-                                          <p:spTgt spid="14"/>
+                                          <p:spTgt spid="6"/>
                                         </p:tgtEl>
                                         <p:attrNameLst>
                                           <p:attrName>style.visibility</p:attrName>
@@ -10177,35 +8705,26 @@
                                   </p:childTnLst>
                                 </p:cTn>
                               </p:par>
+                            </p:childTnLst>
+                          </p:cTn>
+                        </p:par>
+                      </p:childTnLst>
+                    </p:cTn>
+                  </p:par>
+                  <p:par>
+                    <p:cTn id="43" fill="hold">
+                      <p:stCondLst>
+                        <p:cond delay="indefinite"/>
+                      </p:stCondLst>
+                      <p:childTnLst>
+                        <p:par>
+                          <p:cTn id="44" fill="hold">
+                            <p:stCondLst>
+                              <p:cond delay="0"/>
+                            </p:stCondLst>
+                            <p:childTnLst>
                               <p:par>
-                                <p:cTn id="43" presetID="1" presetClass="entr" presetSubtype="0" fill="hold" nodeType="withEffect">
-                                  <p:stCondLst>
-                                    <p:cond delay="0"/>
-                                  </p:stCondLst>
-                                  <p:childTnLst>
-                                    <p:set>
-                                      <p:cBhvr>
-                                        <p:cTn id="44" dur="1" fill="hold">
-                                          <p:stCondLst>
-                                            <p:cond delay="0"/>
-                                          </p:stCondLst>
-                                        </p:cTn>
-                                        <p:tgtEl>
-                                          <p:spTgt spid="27"/>
-                                        </p:tgtEl>
-                                        <p:attrNameLst>
-                                          <p:attrName>style.visibility</p:attrName>
-                                        </p:attrNameLst>
-                                      </p:cBhvr>
-                                      <p:to>
-                                        <p:strVal val="visible"/>
-                                      </p:to>
-                                    </p:set>
-                                  </p:childTnLst>
-                                </p:cTn>
-                              </p:par>
-                              <p:par>
-                                <p:cTn id="45" presetID="1" presetClass="entr" presetSubtype="0" fill="hold" grpId="0" nodeType="withEffect">
+                                <p:cTn id="45" presetID="1" presetClass="entr" presetSubtype="0" fill="hold" grpId="0" nodeType="clickEffect">
                                   <p:stCondLst>
                                     <p:cond delay="0"/>
                                   </p:stCondLst>
@@ -10218,7 +8737,7 @@
                                           </p:stCondLst>
                                         </p:cTn>
                                         <p:tgtEl>
-                                          <p:spTgt spid="9"/>
+                                          <p:spTgt spid="55"/>
                                         </p:tgtEl>
                                         <p:attrNameLst>
                                           <p:attrName>style.visibility</p:attrName>
@@ -10263,7 +8782,7 @@
                                           </p:stCondLst>
                                         </p:cTn>
                                         <p:tgtEl>
-                                          <p:spTgt spid="55"/>
+                                          <p:spTgt spid="35"/>
                                         </p:tgtEl>
                                         <p:attrNameLst>
                                           <p:attrName>style.visibility</p:attrName>
@@ -10308,34 +8827,7 @@
                                           </p:stCondLst>
                                         </p:cTn>
                                         <p:tgtEl>
-                                          <p:spTgt spid="18"/>
-                                        </p:tgtEl>
-                                        <p:attrNameLst>
-                                          <p:attrName>style.visibility</p:attrName>
-                                        </p:attrNameLst>
-                                      </p:cBhvr>
-                                      <p:to>
-                                        <p:strVal val="visible"/>
-                                      </p:to>
-                                    </p:set>
-                                  </p:childTnLst>
-                                </p:cTn>
-                              </p:par>
-                              <p:par>
-                                <p:cTn id="55" presetID="1" presetClass="entr" presetSubtype="0" fill="hold" grpId="0" nodeType="withEffect">
-                                  <p:stCondLst>
-                                    <p:cond delay="0"/>
-                                  </p:stCondLst>
-                                  <p:childTnLst>
-                                    <p:set>
-                                      <p:cBhvr>
-                                        <p:cTn id="56" dur="1" fill="hold">
-                                          <p:stCondLst>
-                                            <p:cond delay="0"/>
-                                          </p:stCondLst>
-                                        </p:cTn>
-                                        <p:tgtEl>
-                                          <p:spTgt spid="20"/>
+                                          <p:spTgt spid="38"/>
                                         </p:tgtEl>
                                         <p:attrNameLst>
                                           <p:attrName>style.visibility</p:attrName>
@@ -10355,77 +8847,32 @@
                     </p:cTn>
                   </p:par>
                   <p:par>
-                    <p:cTn id="57" fill="hold">
+                    <p:cTn id="55" fill="hold">
                       <p:stCondLst>
                         <p:cond delay="indefinite"/>
                       </p:stCondLst>
                       <p:childTnLst>
                         <p:par>
-                          <p:cTn id="58" fill="hold">
+                          <p:cTn id="56" fill="hold">
                             <p:stCondLst>
                               <p:cond delay="0"/>
                             </p:stCondLst>
                             <p:childTnLst>
                               <p:par>
-                                <p:cTn id="59" presetID="1" presetClass="entr" presetSubtype="0" fill="hold" grpId="0" nodeType="clickEffect">
+                                <p:cTn id="57" presetID="1" presetClass="entr" presetSubtype="0" fill="hold" grpId="0" nodeType="clickEffect">
                                   <p:stCondLst>
                                     <p:cond delay="0"/>
                                   </p:stCondLst>
                                   <p:childTnLst>
                                     <p:set>
                                       <p:cBhvr>
-                                        <p:cTn id="60" dur="1" fill="hold">
+                                        <p:cTn id="58" dur="1" fill="hold">
                                           <p:stCondLst>
                                             <p:cond delay="0"/>
                                           </p:stCondLst>
                                         </p:cTn>
                                         <p:tgtEl>
-                                          <p:spTgt spid="6"/>
-                                        </p:tgtEl>
-                                        <p:attrNameLst>
-                                          <p:attrName>style.visibility</p:attrName>
-                                        </p:attrNameLst>
-                                      </p:cBhvr>
-                                      <p:to>
-                                        <p:strVal val="visible"/>
-                                      </p:to>
-                                    </p:set>
-                                  </p:childTnLst>
-                                </p:cTn>
-                              </p:par>
-                            </p:childTnLst>
-                          </p:cTn>
-                        </p:par>
-                      </p:childTnLst>
-                    </p:cTn>
-                  </p:par>
-                  <p:par>
-                    <p:cTn id="61" fill="hold">
-                      <p:stCondLst>
-                        <p:cond delay="indefinite"/>
-                      </p:stCondLst>
-                      <p:childTnLst>
-                        <p:par>
-                          <p:cTn id="62" fill="hold">
-                            <p:stCondLst>
-                              <p:cond delay="0"/>
-                            </p:stCondLst>
-                            <p:childTnLst>
-                              <p:par>
-                                <p:cTn id="63" presetID="1" presetClass="entr" presetSubtype="0" fill="hold" grpId="0" nodeType="clickEffect">
-                                  <p:stCondLst>
-                                    <p:cond delay="0"/>
-                                  </p:stCondLst>
-                                  <p:childTnLst>
-                                    <p:set>
-                                      <p:cBhvr>
-                                        <p:cTn id="64" dur="1" fill="hold">
-                                          <p:stCondLst>
-                                            <p:cond delay="0"/>
-                                          </p:stCondLst>
-                                        </p:cTn>
-                                        <p:tgtEl>
-                                          <p:spTgt spid="16"/>
+                                          <p:spTgt spid="45"/>
                                         </p:tgtEl>
                                         <p:attrNameLst>
                                           <p:attrName>style.visibility</p:attrName>
@@ -10439,360 +8886,20 @@
                                 </p:cTn>
                               </p:par>
                               <p:par>
-                                <p:cTn id="65" presetID="1" presetClass="entr" presetSubtype="0" fill="hold" grpId="0" nodeType="withEffect">
+                                <p:cTn id="59" presetID="1" presetClass="entr" presetSubtype="0" fill="hold" grpId="0" nodeType="withEffect">
                                   <p:stCondLst>
                                     <p:cond delay="0"/>
                                   </p:stCondLst>
                                   <p:childTnLst>
                                     <p:set>
                                       <p:cBhvr>
-                                        <p:cTn id="66" dur="1" fill="hold">
-                                          <p:stCondLst>
-                                            <p:cond delay="0"/>
-                                          </p:stCondLst>
-                                        </p:cTn>
-                                        <p:tgtEl>
-                                          <p:spTgt spid="19"/>
-                                        </p:tgtEl>
-                                        <p:attrNameLst>
-                                          <p:attrName>style.visibility</p:attrName>
-                                        </p:attrNameLst>
-                                      </p:cBhvr>
-                                      <p:to>
-                                        <p:strVal val="visible"/>
-                                      </p:to>
-                                    </p:set>
-                                  </p:childTnLst>
-                                </p:cTn>
-                              </p:par>
-                            </p:childTnLst>
-                          </p:cTn>
-                        </p:par>
-                      </p:childTnLst>
-                    </p:cTn>
-                  </p:par>
-                  <p:par>
-                    <p:cTn id="67" fill="hold">
-                      <p:stCondLst>
-                        <p:cond delay="indefinite"/>
-                      </p:stCondLst>
-                      <p:childTnLst>
-                        <p:par>
-                          <p:cTn id="68" fill="hold">
-                            <p:stCondLst>
-                              <p:cond delay="0"/>
-                            </p:stCondLst>
-                            <p:childTnLst>
-                              <p:par>
-                                <p:cTn id="69" presetID="1" presetClass="entr" presetSubtype="0" fill="hold" nodeType="clickEffect">
-                                  <p:stCondLst>
-                                    <p:cond delay="0"/>
-                                  </p:stCondLst>
-                                  <p:childTnLst>
-                                    <p:set>
-                                      <p:cBhvr>
-                                        <p:cTn id="70" dur="1" fill="hold">
-                                          <p:stCondLst>
-                                            <p:cond delay="249"/>
-                                          </p:stCondLst>
-                                        </p:cTn>
-                                        <p:tgtEl>
-                                          <p:spTgt spid="30"/>
-                                        </p:tgtEl>
-                                        <p:attrNameLst>
-                                          <p:attrName>style.visibility</p:attrName>
-                                        </p:attrNameLst>
-                                      </p:cBhvr>
-                                      <p:to>
-                                        <p:strVal val="visible"/>
-                                      </p:to>
-                                    </p:set>
-                                  </p:childTnLst>
-                                  <p:subTnLst>
-                                    <p:set>
-                                      <p:cBhvr override="childStyle">
-                                        <p:cTn dur="1" fill="hold" display="0" masterRel="nextClick" afterEffect="1"/>
-                                        <p:tgtEl>
-                                          <p:spTgt spid="30"/>
-                                        </p:tgtEl>
-                                        <p:attrNameLst>
-                                          <p:attrName>style.visibility</p:attrName>
-                                        </p:attrNameLst>
-                                      </p:cBhvr>
-                                      <p:to>
-                                        <p:strVal val="hidden"/>
-                                      </p:to>
-                                    </p:set>
-                                  </p:subTnLst>
-                                </p:cTn>
-                              </p:par>
-                            </p:childTnLst>
-                          </p:cTn>
-                        </p:par>
-                      </p:childTnLst>
-                    </p:cTn>
-                  </p:par>
-                  <p:par>
-                    <p:cTn id="71" fill="hold">
-                      <p:stCondLst>
-                        <p:cond delay="indefinite"/>
-                      </p:stCondLst>
-                      <p:childTnLst>
-                        <p:par>
-                          <p:cTn id="72" fill="hold">
-                            <p:stCondLst>
-                              <p:cond delay="0"/>
-                            </p:stCondLst>
-                            <p:childTnLst>
-                              <p:par>
-                                <p:cTn id="73" presetID="1" presetClass="entr" presetSubtype="0" fill="hold" grpId="0" nodeType="clickEffect">
-                                  <p:stCondLst>
-                                    <p:cond delay="0"/>
-                                  </p:stCondLst>
-                                  <p:childTnLst>
-                                    <p:set>
-                                      <p:cBhvr>
-                                        <p:cTn id="74" dur="1" fill="hold">
-                                          <p:stCondLst>
-                                            <p:cond delay="0"/>
-                                          </p:stCondLst>
-                                        </p:cTn>
-                                        <p:tgtEl>
-                                          <p:spTgt spid="8"/>
-                                        </p:tgtEl>
-                                        <p:attrNameLst>
-                                          <p:attrName>style.visibility</p:attrName>
-                                        </p:attrNameLst>
-                                      </p:cBhvr>
-                                      <p:to>
-                                        <p:strVal val="visible"/>
-                                      </p:to>
-                                    </p:set>
-                                  </p:childTnLst>
-                                </p:cTn>
-                              </p:par>
-                            </p:childTnLst>
-                          </p:cTn>
-                        </p:par>
-                      </p:childTnLst>
-                    </p:cTn>
-                  </p:par>
-                  <p:par>
-                    <p:cTn id="75" fill="hold">
-                      <p:stCondLst>
-                        <p:cond delay="indefinite"/>
-                      </p:stCondLst>
-                      <p:childTnLst>
-                        <p:par>
-                          <p:cTn id="76" fill="hold">
-                            <p:stCondLst>
-                              <p:cond delay="0"/>
-                            </p:stCondLst>
-                            <p:childTnLst>
-                              <p:par>
-                                <p:cTn id="77" presetID="1" presetClass="entr" presetSubtype="0" fill="hold" grpId="0" nodeType="clickEffect">
-                                  <p:stCondLst>
-                                    <p:cond delay="0"/>
-                                  </p:stCondLst>
-                                  <p:childTnLst>
-                                    <p:set>
-                                      <p:cBhvr>
-                                        <p:cTn id="78" dur="1" fill="hold">
-                                          <p:stCondLst>
-                                            <p:cond delay="0"/>
-                                          </p:stCondLst>
-                                        </p:cTn>
-                                        <p:tgtEl>
-                                          <p:spTgt spid="10"/>
-                                        </p:tgtEl>
-                                        <p:attrNameLst>
-                                          <p:attrName>style.visibility</p:attrName>
-                                        </p:attrNameLst>
-                                      </p:cBhvr>
-                                      <p:to>
-                                        <p:strVal val="visible"/>
-                                      </p:to>
-                                    </p:set>
-                                  </p:childTnLst>
-                                </p:cTn>
-                              </p:par>
-                            </p:childTnLst>
-                          </p:cTn>
-                        </p:par>
-                      </p:childTnLst>
-                    </p:cTn>
-                  </p:par>
-                  <p:par>
-                    <p:cTn id="79" fill="hold">
-                      <p:stCondLst>
-                        <p:cond delay="indefinite"/>
-                      </p:stCondLst>
-                      <p:childTnLst>
-                        <p:par>
-                          <p:cTn id="80" fill="hold">
-                            <p:stCondLst>
-                              <p:cond delay="0"/>
-                            </p:stCondLst>
-                            <p:childTnLst>
-                              <p:par>
-                                <p:cTn id="81" presetID="1" presetClass="entr" presetSubtype="0" fill="hold" grpId="0" nodeType="clickEffect">
-                                  <p:stCondLst>
-                                    <p:cond delay="0"/>
-                                  </p:stCondLst>
-                                  <p:childTnLst>
-                                    <p:set>
-                                      <p:cBhvr>
-                                        <p:cTn id="82" dur="1" fill="hold">
-                                          <p:stCondLst>
-                                            <p:cond delay="0"/>
-                                          </p:stCondLst>
-                                        </p:cTn>
-                                        <p:tgtEl>
-                                          <p:spTgt spid="12"/>
-                                        </p:tgtEl>
-                                        <p:attrNameLst>
-                                          <p:attrName>style.visibility</p:attrName>
-                                        </p:attrNameLst>
-                                      </p:cBhvr>
-                                      <p:to>
-                                        <p:strVal val="visible"/>
-                                      </p:to>
-                                    </p:set>
-                                  </p:childTnLst>
-                                </p:cTn>
-                              </p:par>
-                            </p:childTnLst>
-                          </p:cTn>
-                        </p:par>
-                      </p:childTnLst>
-                    </p:cTn>
-                  </p:par>
-                  <p:par>
-                    <p:cTn id="83" fill="hold">
-                      <p:stCondLst>
-                        <p:cond delay="indefinite"/>
-                      </p:stCondLst>
-                      <p:childTnLst>
-                        <p:par>
-                          <p:cTn id="84" fill="hold">
-                            <p:stCondLst>
-                              <p:cond delay="0"/>
-                            </p:stCondLst>
-                            <p:childTnLst>
-                              <p:par>
-                                <p:cTn id="85" presetID="1" presetClass="entr" presetSubtype="0" fill="hold" grpId="0" nodeType="clickEffect">
-                                  <p:stCondLst>
-                                    <p:cond delay="0"/>
-                                  </p:stCondLst>
-                                  <p:childTnLst>
-                                    <p:set>
-                                      <p:cBhvr>
-                                        <p:cTn id="86" dur="1" fill="hold">
-                                          <p:stCondLst>
-                                            <p:cond delay="0"/>
-                                          </p:stCondLst>
-                                        </p:cTn>
-                                        <p:tgtEl>
-                                          <p:spTgt spid="23"/>
-                                        </p:tgtEl>
-                                        <p:attrNameLst>
-                                          <p:attrName>style.visibility</p:attrName>
-                                        </p:attrNameLst>
-                                      </p:cBhvr>
-                                      <p:to>
-                                        <p:strVal val="visible"/>
-                                      </p:to>
-                                    </p:set>
-                                  </p:childTnLst>
-                                </p:cTn>
-                              </p:par>
-                              <p:par>
-                                <p:cTn id="87" presetID="1" presetClass="entr" presetSubtype="0" fill="hold" grpId="0" nodeType="withEffect">
-                                  <p:stCondLst>
-                                    <p:cond delay="0"/>
-                                  </p:stCondLst>
-                                  <p:childTnLst>
-                                    <p:set>
-                                      <p:cBhvr>
-                                        <p:cTn id="88" dur="1" fill="hold">
-                                          <p:stCondLst>
-                                            <p:cond delay="0"/>
-                                          </p:stCondLst>
-                                        </p:cTn>
-                                        <p:tgtEl>
-                                          <p:spTgt spid="25"/>
-                                        </p:tgtEl>
-                                        <p:attrNameLst>
-                                          <p:attrName>style.visibility</p:attrName>
-                                        </p:attrNameLst>
-                                      </p:cBhvr>
-                                      <p:to>
-                                        <p:strVal val="visible"/>
-                                      </p:to>
-                                    </p:set>
-                                  </p:childTnLst>
-                                </p:cTn>
-                              </p:par>
-                            </p:childTnLst>
-                          </p:cTn>
-                        </p:par>
-                      </p:childTnLst>
-                    </p:cTn>
-                  </p:par>
-                  <p:par>
-                    <p:cTn id="89" fill="hold">
-                      <p:stCondLst>
-                        <p:cond delay="indefinite"/>
-                      </p:stCondLst>
-                      <p:childTnLst>
-                        <p:par>
-                          <p:cTn id="90" fill="hold">
-                            <p:stCondLst>
-                              <p:cond delay="0"/>
-                            </p:stCondLst>
-                            <p:childTnLst>
-                              <p:par>
-                                <p:cTn id="91" presetID="1" presetClass="entr" presetSubtype="0" fill="hold" grpId="0" nodeType="clickEffect">
-                                  <p:stCondLst>
-                                    <p:cond delay="0"/>
-                                  </p:stCondLst>
-                                  <p:childTnLst>
-                                    <p:set>
-                                      <p:cBhvr>
-                                        <p:cTn id="92" dur="1" fill="hold">
+                                        <p:cTn id="60" dur="1" fill="hold">
                                           <p:stCondLst>
                                             <p:cond delay="0"/>
                                           </p:stCondLst>
                                         </p:cTn>
                                         <p:tgtEl>
                                           <p:spTgt spid="7"/>
-                                        </p:tgtEl>
-                                        <p:attrNameLst>
-                                          <p:attrName>style.visibility</p:attrName>
-                                        </p:attrNameLst>
-                                      </p:cBhvr>
-                                      <p:to>
-                                        <p:strVal val="visible"/>
-                                      </p:to>
-                                    </p:set>
-                                  </p:childTnLst>
-                                </p:cTn>
-                              </p:par>
-                              <p:par>
-                                <p:cTn id="93" presetID="1" presetClass="entr" presetSubtype="0" fill="hold" grpId="0" nodeType="withEffect">
-                                  <p:stCondLst>
-                                    <p:cond delay="0"/>
-                                  </p:stCondLst>
-                                  <p:childTnLst>
-                                    <p:set>
-                                      <p:cBhvr>
-                                        <p:cTn id="94" dur="1" fill="hold">
-                                          <p:stCondLst>
-                                            <p:cond delay="0"/>
-                                          </p:stCondLst>
-                                        </p:cTn>
-                                        <p:tgtEl>
-                                          <p:spTgt spid="5"/>
                                         </p:tgtEl>
                                         <p:attrNameLst>
                                           <p:attrName>style.visibility</p:attrName>
@@ -10839,22 +8946,14 @@
       <p:bldP spid="43" grpId="0"/>
       <p:bldP spid="55" grpId="0"/>
       <p:bldP spid="57" grpId="0"/>
-      <p:bldP spid="59" grpId="0"/>
+      <p:bldP spid="7" grpId="0" animBg="1"/>
+      <p:bldP spid="11" grpId="0"/>
+      <p:bldP spid="19" grpId="0"/>
+      <p:bldP spid="26" grpId="0"/>
+      <p:bldP spid="35" grpId="0"/>
+      <p:bldP spid="38" grpId="0"/>
+      <p:bldP spid="45" grpId="0"/>
       <p:bldP spid="6" grpId="0"/>
-      <p:bldP spid="8" grpId="0"/>
-      <p:bldP spid="10" grpId="0"/>
-      <p:bldP spid="12" grpId="0"/>
-      <p:bldP spid="18" grpId="0"/>
-      <p:bldP spid="20" grpId="0"/>
-      <p:bldP spid="23" grpId="0"/>
-      <p:bldP spid="25" grpId="0"/>
-      <p:bldP spid="5" grpId="0"/>
-      <p:bldP spid="7" grpId="0" animBg="1"/>
-      <p:bldP spid="9" grpId="0"/>
-      <p:bldP spid="14" grpId="0"/>
-      <p:bldP spid="16" grpId="0"/>
-      <p:bldP spid="19" grpId="0"/>
-      <p:bldP spid="24" grpId="0"/>
     </p:bldLst>
   </p:timing>
 </p:sld>

--- a/Matched Filter.pptx
+++ b/Matched Filter.pptx
@@ -262,7 +262,7 @@
           <a:p>
             <a:fld id="{E103D35A-DC37-463B-9812-D1385B3C8208}" type="datetimeFigureOut">
               <a:rPr lang="en-DE" smtClean="0"/>
-              <a:t>04/05/2023</a:t>
+              <a:t>04/06/2023</a:t>
             </a:fld>
             <a:endParaRPr lang="en-DE"/>
           </a:p>
@@ -462,7 +462,7 @@
           <a:p>
             <a:fld id="{E103D35A-DC37-463B-9812-D1385B3C8208}" type="datetimeFigureOut">
               <a:rPr lang="en-DE" smtClean="0"/>
-              <a:t>04/05/2023</a:t>
+              <a:t>04/06/2023</a:t>
             </a:fld>
             <a:endParaRPr lang="en-DE"/>
           </a:p>
@@ -708,7 +708,7 @@
           <a:p>
             <a:fld id="{E103D35A-DC37-463B-9812-D1385B3C8208}" type="datetimeFigureOut">
               <a:rPr lang="en-DE" smtClean="0"/>
-              <a:t>04/05/2023</a:t>
+              <a:t>04/06/2023</a:t>
             </a:fld>
             <a:endParaRPr lang="en-DE"/>
           </a:p>
@@ -1478,7 +1478,7 @@
                 <a16:creationId xmlns:a16="http://schemas.microsoft.com/office/drawing/2014/main" id="{982413CC-69E6-4BDA-A88D-E4EF8F95B27D}"/>
               </a:ext>
               <a:ext uri="{C183D7F6-B498-43B3-948B-1728B52AA6E4}">
-                <adec:decorative xmlns:adec="http://schemas.microsoft.com/office/drawing/2017/decorative" xmlns="" val="1"/>
+                <adec:decorative xmlns="" xmlns:adec="http://schemas.microsoft.com/office/drawing/2017/decorative" val="1"/>
               </a:ext>
             </a:extLst>
           </p:cNvPr>
@@ -1538,7 +1538,7 @@
                 <a16:creationId xmlns:a16="http://schemas.microsoft.com/office/drawing/2014/main" id="{4F1F7357-8633-4CE7-BF80-475EE8A2FAEA}"/>
               </a:ext>
               <a:ext uri="{C183D7F6-B498-43B3-948B-1728B52AA6E4}">
-                <adec:decorative xmlns:adec="http://schemas.microsoft.com/office/drawing/2017/decorative" xmlns="" val="1"/>
+                <adec:decorative xmlns="" xmlns:adec="http://schemas.microsoft.com/office/drawing/2017/decorative" val="1"/>
               </a:ext>
             </a:extLst>
           </p:cNvPr>
@@ -1569,7 +1569,7 @@
                   <a16:creationId xmlns:a16="http://schemas.microsoft.com/office/drawing/2014/main" id="{E402FE4E-C12D-497C-AF81-F08E4E02B457}"/>
                 </a:ext>
                 <a:ext uri="{C183D7F6-B498-43B3-948B-1728B52AA6E4}">
-                  <adec:decorative xmlns:adec="http://schemas.microsoft.com/office/drawing/2017/decorative" xmlns="" val="1"/>
+                  <adec:decorative xmlns="" xmlns:adec="http://schemas.microsoft.com/office/drawing/2017/decorative" val="1"/>
                 </a:ext>
               </a:extLst>
             </p:cNvPr>
@@ -1662,7 +1662,7 @@
                   <a16:creationId xmlns:a16="http://schemas.microsoft.com/office/drawing/2014/main" id="{59247B10-170D-4E62-849A-38FCB43C6AF9}"/>
                 </a:ext>
                 <a:ext uri="{C183D7F6-B498-43B3-948B-1728B52AA6E4}">
-                  <adec:decorative xmlns:adec="http://schemas.microsoft.com/office/drawing/2017/decorative" xmlns="" val="1"/>
+                  <adec:decorative xmlns="" xmlns:adec="http://schemas.microsoft.com/office/drawing/2017/decorative" val="1"/>
                 </a:ext>
               </a:extLst>
             </p:cNvPr>
@@ -1755,7 +1755,7 @@
                   <a16:creationId xmlns:a16="http://schemas.microsoft.com/office/drawing/2014/main" id="{89A587A7-1BEF-45AA-9EFC-6558A8749CE3}"/>
                 </a:ext>
                 <a:ext uri="{C183D7F6-B498-43B3-948B-1728B52AA6E4}">
-                  <adec:decorative xmlns:adec="http://schemas.microsoft.com/office/drawing/2017/decorative" xmlns="" val="1"/>
+                  <adec:decorative xmlns="" xmlns:adec="http://schemas.microsoft.com/office/drawing/2017/decorative" val="1"/>
                 </a:ext>
               </a:extLst>
             </p:cNvPr>
@@ -1848,7 +1848,7 @@
                   <a16:creationId xmlns:a16="http://schemas.microsoft.com/office/drawing/2014/main" id="{AC25B5A1-6EF7-44EC-A2F0-1EDC96A79B07}"/>
                 </a:ext>
                 <a:ext uri="{C183D7F6-B498-43B3-948B-1728B52AA6E4}">
-                  <adec:decorative xmlns:adec="http://schemas.microsoft.com/office/drawing/2017/decorative" xmlns="" val="1"/>
+                  <adec:decorative xmlns="" xmlns:adec="http://schemas.microsoft.com/office/drawing/2017/decorative" val="1"/>
                 </a:ext>
               </a:extLst>
             </p:cNvPr>
@@ -1941,7 +1941,7 @@
                   <a16:creationId xmlns:a16="http://schemas.microsoft.com/office/drawing/2014/main" id="{80B8582C-7E17-4115-9FF1-979C8405CB5E}"/>
                 </a:ext>
                 <a:ext uri="{C183D7F6-B498-43B3-948B-1728B52AA6E4}">
-                  <adec:decorative xmlns:adec="http://schemas.microsoft.com/office/drawing/2017/decorative" xmlns="" val="1"/>
+                  <adec:decorative xmlns="" xmlns:adec="http://schemas.microsoft.com/office/drawing/2017/decorative" val="1"/>
                 </a:ext>
               </a:extLst>
             </p:cNvPr>
@@ -2034,7 +2034,7 @@
                   <a16:creationId xmlns:a16="http://schemas.microsoft.com/office/drawing/2014/main" id="{F6C4AB66-7A18-4E51-935B-237F4CA82720}"/>
                 </a:ext>
                 <a:ext uri="{C183D7F6-B498-43B3-948B-1728B52AA6E4}">
-                  <adec:decorative xmlns:adec="http://schemas.microsoft.com/office/drawing/2017/decorative" xmlns="" val="1"/>
+                  <adec:decorative xmlns="" xmlns:adec="http://schemas.microsoft.com/office/drawing/2017/decorative" val="1"/>
                 </a:ext>
               </a:extLst>
             </p:cNvPr>
@@ -2127,7 +2127,7 @@
                   <a16:creationId xmlns:a16="http://schemas.microsoft.com/office/drawing/2014/main" id="{CDF12911-A240-4580-8788-0C49DB1FEDBF}"/>
                 </a:ext>
                 <a:ext uri="{C183D7F6-B498-43B3-948B-1728B52AA6E4}">
-                  <adec:decorative xmlns:adec="http://schemas.microsoft.com/office/drawing/2017/decorative" xmlns="" val="1"/>
+                  <adec:decorative xmlns="" xmlns:adec="http://schemas.microsoft.com/office/drawing/2017/decorative" val="1"/>
                 </a:ext>
               </a:extLst>
             </p:cNvPr>
@@ -2220,7 +2220,7 @@
                   <a16:creationId xmlns:a16="http://schemas.microsoft.com/office/drawing/2014/main" id="{EAE0F5DE-442D-4F6C-B02C-2568ED195858}"/>
                 </a:ext>
                 <a:ext uri="{C183D7F6-B498-43B3-948B-1728B52AA6E4}">
-                  <adec:decorative xmlns:adec="http://schemas.microsoft.com/office/drawing/2017/decorative" xmlns="" val="1"/>
+                  <adec:decorative xmlns="" xmlns:adec="http://schemas.microsoft.com/office/drawing/2017/decorative" val="1"/>
                 </a:ext>
               </a:extLst>
             </p:cNvPr>
@@ -2313,7 +2313,7 @@
                   <a16:creationId xmlns:a16="http://schemas.microsoft.com/office/drawing/2014/main" id="{4F24A002-AFDE-4034-85BE-CBF005AE9238}"/>
                 </a:ext>
                 <a:ext uri="{C183D7F6-B498-43B3-948B-1728B52AA6E4}">
-                  <adec:decorative xmlns:adec="http://schemas.microsoft.com/office/drawing/2017/decorative" xmlns="" val="1"/>
+                  <adec:decorative xmlns="" xmlns:adec="http://schemas.microsoft.com/office/drawing/2017/decorative" val="1"/>
                 </a:ext>
               </a:extLst>
             </p:cNvPr>
@@ -2406,7 +2406,7 @@
                   <a16:creationId xmlns:a16="http://schemas.microsoft.com/office/drawing/2014/main" id="{36F0721E-B4B0-4A6C-A92C-F8DE92D3AC02}"/>
                 </a:ext>
                 <a:ext uri="{C183D7F6-B498-43B3-948B-1728B52AA6E4}">
-                  <adec:decorative xmlns:adec="http://schemas.microsoft.com/office/drawing/2017/decorative" xmlns="" val="1"/>
+                  <adec:decorative xmlns="" xmlns:adec="http://schemas.microsoft.com/office/drawing/2017/decorative" val="1"/>
                 </a:ext>
               </a:extLst>
             </p:cNvPr>
@@ -2499,7 +2499,7 @@
                   <a16:creationId xmlns:a16="http://schemas.microsoft.com/office/drawing/2014/main" id="{54D2DC98-69F8-4F2F-9D45-BDFFA5E2BBBB}"/>
                 </a:ext>
                 <a:ext uri="{C183D7F6-B498-43B3-948B-1728B52AA6E4}">
-                  <adec:decorative xmlns:adec="http://schemas.microsoft.com/office/drawing/2017/decorative" xmlns="" val="1"/>
+                  <adec:decorative xmlns="" xmlns:adec="http://schemas.microsoft.com/office/drawing/2017/decorative" val="1"/>
                 </a:ext>
               </a:extLst>
             </p:cNvPr>
@@ -2592,7 +2592,7 @@
                   <a16:creationId xmlns:a16="http://schemas.microsoft.com/office/drawing/2014/main" id="{0A636E33-DC38-40B9-B941-037E5D8603F4}"/>
                 </a:ext>
                 <a:ext uri="{C183D7F6-B498-43B3-948B-1728B52AA6E4}">
-                  <adec:decorative xmlns:adec="http://schemas.microsoft.com/office/drawing/2017/decorative" xmlns="" val="1"/>
+                  <adec:decorative xmlns="" xmlns:adec="http://schemas.microsoft.com/office/drawing/2017/decorative" val="1"/>
                 </a:ext>
               </a:extLst>
             </p:cNvPr>
@@ -2685,7 +2685,7 @@
                   <a16:creationId xmlns:a16="http://schemas.microsoft.com/office/drawing/2014/main" id="{03D30690-68C2-4AEC-9789-1495D97E194F}"/>
                 </a:ext>
                 <a:ext uri="{C183D7F6-B498-43B3-948B-1728B52AA6E4}">
-                  <adec:decorative xmlns:adec="http://schemas.microsoft.com/office/drawing/2017/decorative" xmlns="" val="1"/>
+                  <adec:decorative xmlns="" xmlns:adec="http://schemas.microsoft.com/office/drawing/2017/decorative" val="1"/>
                 </a:ext>
               </a:extLst>
             </p:cNvPr>
@@ -2778,7 +2778,7 @@
                   <a16:creationId xmlns:a16="http://schemas.microsoft.com/office/drawing/2014/main" id="{1020B1B9-821B-49FB-BDC9-57DA08CBC30A}"/>
                 </a:ext>
                 <a:ext uri="{C183D7F6-B498-43B3-948B-1728B52AA6E4}">
-                  <adec:decorative xmlns:adec="http://schemas.microsoft.com/office/drawing/2017/decorative" xmlns="" val="1"/>
+                  <adec:decorative xmlns="" xmlns:adec="http://schemas.microsoft.com/office/drawing/2017/decorative" val="1"/>
                 </a:ext>
               </a:extLst>
             </p:cNvPr>
@@ -2871,7 +2871,7 @@
                   <a16:creationId xmlns:a16="http://schemas.microsoft.com/office/drawing/2014/main" id="{720EDCE4-8B18-413F-989E-E79628E5AF1F}"/>
                 </a:ext>
                 <a:ext uri="{C183D7F6-B498-43B3-948B-1728B52AA6E4}">
-                  <adec:decorative xmlns:adec="http://schemas.microsoft.com/office/drawing/2017/decorative" xmlns="" val="1"/>
+                  <adec:decorative xmlns="" xmlns:adec="http://schemas.microsoft.com/office/drawing/2017/decorative" val="1"/>
                 </a:ext>
               </a:extLst>
             </p:cNvPr>
@@ -2964,7 +2964,7 @@
                   <a16:creationId xmlns:a16="http://schemas.microsoft.com/office/drawing/2014/main" id="{8563351E-0DDD-4FC8-8D0C-1E446E3C1B52}"/>
                 </a:ext>
                 <a:ext uri="{C183D7F6-B498-43B3-948B-1728B52AA6E4}">
-                  <adec:decorative xmlns:adec="http://schemas.microsoft.com/office/drawing/2017/decorative" xmlns="" val="1"/>
+                  <adec:decorative xmlns="" xmlns:adec="http://schemas.microsoft.com/office/drawing/2017/decorative" val="1"/>
                 </a:ext>
               </a:extLst>
             </p:cNvPr>
@@ -3057,7 +3057,7 @@
                   <a16:creationId xmlns:a16="http://schemas.microsoft.com/office/drawing/2014/main" id="{15E8B705-64E7-4513-B3CB-BF46C35732B0}"/>
                 </a:ext>
                 <a:ext uri="{C183D7F6-B498-43B3-948B-1728B52AA6E4}">
-                  <adec:decorative xmlns:adec="http://schemas.microsoft.com/office/drawing/2017/decorative" xmlns="" val="1"/>
+                  <adec:decorative xmlns="" xmlns:adec="http://schemas.microsoft.com/office/drawing/2017/decorative" val="1"/>
                 </a:ext>
               </a:extLst>
             </p:cNvPr>
@@ -3150,7 +3150,7 @@
                   <a16:creationId xmlns:a16="http://schemas.microsoft.com/office/drawing/2014/main" id="{30DAEE1C-EBB5-47F5-9E76-564FCFDBFC24}"/>
                 </a:ext>
                 <a:ext uri="{C183D7F6-B498-43B3-948B-1728B52AA6E4}">
-                  <adec:decorative xmlns:adec="http://schemas.microsoft.com/office/drawing/2017/decorative" xmlns="" val="1"/>
+                  <adec:decorative xmlns="" xmlns:adec="http://schemas.microsoft.com/office/drawing/2017/decorative" val="1"/>
                 </a:ext>
               </a:extLst>
             </p:cNvPr>
@@ -3243,7 +3243,7 @@
                   <a16:creationId xmlns:a16="http://schemas.microsoft.com/office/drawing/2014/main" id="{EDB255E9-A3E2-4098-99A1-FE38FAD15DA1}"/>
                 </a:ext>
                 <a:ext uri="{C183D7F6-B498-43B3-948B-1728B52AA6E4}">
-                  <adec:decorative xmlns:adec="http://schemas.microsoft.com/office/drawing/2017/decorative" xmlns="" val="1"/>
+                  <adec:decorative xmlns="" xmlns:adec="http://schemas.microsoft.com/office/drawing/2017/decorative" val="1"/>
                 </a:ext>
               </a:extLst>
             </p:cNvPr>
@@ -3336,7 +3336,7 @@
                   <a16:creationId xmlns:a16="http://schemas.microsoft.com/office/drawing/2014/main" id="{D2507F2A-27AF-4833-8273-5FC9A9886392}"/>
                 </a:ext>
                 <a:ext uri="{C183D7F6-B498-43B3-948B-1728B52AA6E4}">
-                  <adec:decorative xmlns:adec="http://schemas.microsoft.com/office/drawing/2017/decorative" xmlns="" val="1"/>
+                  <adec:decorative xmlns="" xmlns:adec="http://schemas.microsoft.com/office/drawing/2017/decorative" val="1"/>
                 </a:ext>
               </a:extLst>
             </p:cNvPr>
@@ -3429,7 +3429,7 @@
                   <a16:creationId xmlns:a16="http://schemas.microsoft.com/office/drawing/2014/main" id="{8DFB8904-0CB8-45AD-ABD2-F7A582365E86}"/>
                 </a:ext>
                 <a:ext uri="{C183D7F6-B498-43B3-948B-1728B52AA6E4}">
-                  <adec:decorative xmlns:adec="http://schemas.microsoft.com/office/drawing/2017/decorative" xmlns="" val="1"/>
+                  <adec:decorative xmlns="" xmlns:adec="http://schemas.microsoft.com/office/drawing/2017/decorative" val="1"/>
                 </a:ext>
               </a:extLst>
             </p:cNvPr>
@@ -3548,10 +3548,10 @@
               </a:spcAft>
             </a:pPr>
             <a:r>
-              <a:rPr lang="en-US"/>
+              <a:rPr lang="en-US" dirty="0"/>
               <a:t>aleksei.rostov@protonmail.com</a:t>
             </a:r>
-            <a:endParaRPr lang="ru-RU"/>
+            <a:endParaRPr lang="ru-RU" dirty="0"/>
           </a:p>
         </p:txBody>
       </p:sp>
@@ -3866,8 +3866,8 @@
           </p:sp>
         </mc:Fallback>
       </mc:AlternateContent>
-      <mc:AlternateContent xmlns:mc="http://schemas.openxmlformats.org/markup-compatibility/2006">
-        <mc:Choice xmlns:a14="http://schemas.microsoft.com/office/drawing/2010/main" Requires="a14">
+      <mc:AlternateContent xmlns:mc="http://schemas.openxmlformats.org/markup-compatibility/2006" xmlns:a14="http://schemas.microsoft.com/office/drawing/2010/main">
+        <mc:Choice Requires="a14">
           <p:sp>
             <p:nvSpPr>
               <p:cNvPr id="41" name="TextBox 40">
@@ -4023,7 +4023,7 @@
             </p:txBody>
           </p:sp>
         </mc:Choice>
-        <mc:Fallback>
+        <mc:Fallback xmlns="">
           <p:sp>
             <p:nvSpPr>
               <p:cNvPr id="41" name="TextBox 40">
@@ -4257,8 +4257,8 @@
           </a:prstGeom>
         </p:spPr>
       </p:pic>
-      <mc:AlternateContent xmlns:mc="http://schemas.openxmlformats.org/markup-compatibility/2006" xmlns:a14="http://schemas.microsoft.com/office/drawing/2010/main">
-        <mc:Choice Requires="a14">
+      <mc:AlternateContent xmlns:mc="http://schemas.openxmlformats.org/markup-compatibility/2006">
+        <mc:Choice xmlns:a14="http://schemas.microsoft.com/office/drawing/2010/main" Requires="a14">
           <p:sp>
             <p:nvSpPr>
               <p:cNvPr id="55" name="TextBox 54">
@@ -4273,7 +4273,7 @@
             </p:nvSpPr>
             <p:spPr>
               <a:xfrm>
-                <a:off x="1135320" y="4297163"/>
+                <a:off x="6175740" y="4435361"/>
                 <a:ext cx="2923202" cy="871457"/>
               </a:xfrm>
               <a:prstGeom prst="rect">
@@ -4485,7 +4485,7 @@
             </p:txBody>
           </p:sp>
         </mc:Choice>
-        <mc:Fallback xmlns="">
+        <mc:Fallback>
           <p:sp>
             <p:nvSpPr>
               <p:cNvPr id="55" name="TextBox 54">
@@ -4502,7 +4502,7 @@
             </p:nvSpPr>
             <p:spPr>
               <a:xfrm>
-                <a:off x="1135320" y="4297163"/>
+                <a:off x="6175740" y="4435361"/>
                 <a:ext cx="2923202" cy="871457"/>
               </a:xfrm>
               <a:prstGeom prst="rect">
@@ -4510,192 +4510,6 @@
               </a:prstGeom>
               <a:blipFill>
                 <a:blip r:embed="rId7"/>
-                <a:stretch>
-                  <a:fillRect/>
-                </a:stretch>
-              </a:blipFill>
-            </p:spPr>
-            <p:txBody>
-              <a:bodyPr/>
-              <a:lstStyle/>
-              <a:p>
-                <a:r>
-                  <a:rPr lang="ru-RU">
-                    <a:noFill/>
-                  </a:rPr>
-                  <a:t> </a:t>
-                </a:r>
-              </a:p>
-            </p:txBody>
-          </p:sp>
-        </mc:Fallback>
-      </mc:AlternateContent>
-      <mc:AlternateContent xmlns:mc="http://schemas.openxmlformats.org/markup-compatibility/2006" xmlns:a14="http://schemas.microsoft.com/office/drawing/2010/main">
-        <mc:Choice Requires="a14">
-          <p:sp>
-            <p:nvSpPr>
-              <p:cNvPr id="57" name="TextBox 56">
-                <a:extLst>
-                  <a:ext uri="{FF2B5EF4-FFF2-40B4-BE49-F238E27FC236}">
-                    <a16:creationId xmlns:a16="http://schemas.microsoft.com/office/drawing/2014/main" id="{9AEF11A7-75D8-625D-44F3-BA80C9398FAB}"/>
-                  </a:ext>
-                </a:extLst>
-              </p:cNvPr>
-              <p:cNvSpPr txBox="1"/>
-              <p:nvPr/>
-            </p:nvSpPr>
-            <p:spPr>
-              <a:xfrm>
-                <a:off x="5050175" y="1448930"/>
-                <a:ext cx="1849275" cy="369332"/>
-              </a:xfrm>
-              <a:prstGeom prst="rect">
-                <a:avLst/>
-              </a:prstGeom>
-              <a:noFill/>
-            </p:spPr>
-            <p:txBody>
-              <a:bodyPr wrap="square">
-                <a:spAutoFit/>
-              </a:bodyPr>
-              <a:lstStyle/>
-              <a:p>
-                <a:pPr/>
-                <a14:m>
-                  <m:oMathPara xmlns:m="http://schemas.openxmlformats.org/officeDocument/2006/math">
-                    <m:oMathParaPr>
-                      <m:jc m:val="centerGroup"/>
-                    </m:oMathParaPr>
-                    <m:oMath xmlns:m="http://schemas.openxmlformats.org/officeDocument/2006/math">
-                      <m:r>
-                        <a:rPr lang="en-DE" i="1" smtClean="0">
-                          <a:latin typeface="Cambria Math" panose="02040503050406030204" pitchFamily="18" charset="0"/>
-                        </a:rPr>
-                        <m:t>h</m:t>
-                      </m:r>
-                      <m:d>
-                        <m:dPr>
-                          <m:begChr m:val="["/>
-                          <m:endChr m:val="]"/>
-                          <m:ctrlPr>
-                            <a:rPr lang="en-DE" i="1">
-                              <a:solidFill>
-                                <a:srgbClr val="836967"/>
-                              </a:solidFill>
-                              <a:latin typeface="Cambria Math" panose="02040503050406030204" pitchFamily="18" charset="0"/>
-                            </a:rPr>
-                          </m:ctrlPr>
-                        </m:dPr>
-                        <m:e>
-                          <m:r>
-                            <a:rPr lang="en-DE" i="1">
-                              <a:latin typeface="Cambria Math" panose="02040503050406030204" pitchFamily="18" charset="0"/>
-                            </a:rPr>
-                            <m:t>𝑘</m:t>
-                          </m:r>
-                        </m:e>
-                      </m:d>
-                      <m:r>
-                        <a:rPr lang="en-DE" i="0">
-                          <a:latin typeface="Cambria Math" panose="02040503050406030204" pitchFamily="18" charset="0"/>
-                        </a:rPr>
-                        <m:t>=</m:t>
-                      </m:r>
-                      <m:r>
-                        <a:rPr lang="en-DE" i="1">
-                          <a:latin typeface="Cambria Math" panose="02040503050406030204" pitchFamily="18" charset="0"/>
-                        </a:rPr>
-                        <m:t>𝑥</m:t>
-                      </m:r>
-                      <m:d>
-                        <m:dPr>
-                          <m:begChr m:val="["/>
-                          <m:endChr m:val="]"/>
-                          <m:ctrlPr>
-                            <a:rPr lang="en-DE" i="1">
-                              <a:solidFill>
-                                <a:srgbClr val="836967"/>
-                              </a:solidFill>
-                              <a:latin typeface="Cambria Math" panose="02040503050406030204" pitchFamily="18" charset="0"/>
-                            </a:rPr>
-                          </m:ctrlPr>
-                        </m:dPr>
-                        <m:e>
-                          <m:sSub>
-                            <m:sSubPr>
-                              <m:ctrlPr>
-                                <a:rPr lang="en-DE" i="1">
-                                  <a:solidFill>
-                                    <a:srgbClr val="836967"/>
-                                  </a:solidFill>
-                                  <a:latin typeface="Cambria Math" panose="02040503050406030204" pitchFamily="18" charset="0"/>
-                                </a:rPr>
-                              </m:ctrlPr>
-                            </m:sSubPr>
-                            <m:e>
-                              <m:r>
-                                <a:rPr lang="en-DE" i="1">
-                                  <a:latin typeface="Cambria Math" panose="02040503050406030204" pitchFamily="18" charset="0"/>
-                                </a:rPr>
-                                <m:t>𝑘</m:t>
-                              </m:r>
-                            </m:e>
-                            <m:sub>
-                              <m:r>
-                                <a:rPr lang="en-DE" i="0">
-                                  <a:latin typeface="Cambria Math" panose="02040503050406030204" pitchFamily="18" charset="0"/>
-                                </a:rPr>
-                                <m:t>0</m:t>
-                              </m:r>
-                            </m:sub>
-                          </m:sSub>
-                          <m:r>
-                            <a:rPr lang="en-DE" i="0">
-                              <a:latin typeface="Cambria Math" panose="02040503050406030204" pitchFamily="18" charset="0"/>
-                            </a:rPr>
-                            <m:t>−</m:t>
-                          </m:r>
-                          <m:r>
-                            <a:rPr lang="en-DE" i="1">
-                              <a:latin typeface="Cambria Math" panose="02040503050406030204" pitchFamily="18" charset="0"/>
-                            </a:rPr>
-                            <m:t>𝑘</m:t>
-                          </m:r>
-                        </m:e>
-                      </m:d>
-                    </m:oMath>
-                  </m:oMathPara>
-                </a14:m>
-                <a:endParaRPr lang="en-DE" dirty="0"/>
-              </a:p>
-            </p:txBody>
-          </p:sp>
-        </mc:Choice>
-        <mc:Fallback xmlns="">
-          <p:sp>
-            <p:nvSpPr>
-              <p:cNvPr id="57" name="TextBox 56">
-                <a:extLst>
-                  <a:ext uri="{FF2B5EF4-FFF2-40B4-BE49-F238E27FC236}">
-                    <a16:creationId xmlns:a16="http://schemas.microsoft.com/office/drawing/2014/main" id="{9AEF11A7-75D8-625D-44F3-BA80C9398FAB}"/>
-                  </a:ext>
-                </a:extLst>
-              </p:cNvPr>
-              <p:cNvSpPr txBox="1">
-                <a:spLocks noRot="1" noChangeAspect="1" noMove="1" noResize="1" noEditPoints="1" noAdjustHandles="1" noChangeArrowheads="1" noChangeShapeType="1" noTextEdit="1"/>
-              </p:cNvSpPr>
-              <p:nvPr/>
-            </p:nvSpPr>
-            <p:spPr>
-              <a:xfrm>
-                <a:off x="5050175" y="1448930"/>
-                <a:ext cx="1849275" cy="369332"/>
-              </a:xfrm>
-              <a:prstGeom prst="rect">
-                <a:avLst/>
-              </a:prstGeom>
-              <a:blipFill>
-                <a:blip r:embed="rId8"/>
                 <a:stretch>
                   <a:fillRect/>
                 </a:stretch>
@@ -4730,7 +4544,7 @@
         </p:nvSpPr>
         <p:spPr>
           <a:xfrm>
-            <a:off x="4427477" y="6082786"/>
+            <a:off x="8269065" y="5381230"/>
             <a:ext cx="3621088" cy="761600"/>
           </a:xfrm>
           <a:prstGeom prst="rect">
@@ -4768,1275 +4582,8 @@
           </a:p>
         </p:txBody>
       </p:sp>
-      <mc:AlternateContent xmlns:mc="http://schemas.openxmlformats.org/markup-compatibility/2006" xmlns:a14="http://schemas.microsoft.com/office/drawing/2010/main">
-        <mc:Choice Requires="a14">
-          <p:sp>
-            <p:nvSpPr>
-              <p:cNvPr id="11" name="Прямоугольник 10"/>
-              <p:cNvSpPr/>
-              <p:nvPr/>
-            </p:nvSpPr>
-            <p:spPr>
-              <a:xfrm>
-                <a:off x="3811823" y="1877776"/>
-                <a:ext cx="8198889" cy="871457"/>
-              </a:xfrm>
-              <a:prstGeom prst="rect">
-                <a:avLst/>
-              </a:prstGeom>
-            </p:spPr>
-            <p:txBody>
-              <a:bodyPr wrap="square">
-                <a:spAutoFit/>
-              </a:bodyPr>
-              <a:lstStyle/>
-              <a:p>
-                <a:pPr/>
-                <a14:m>
-                  <m:oMathPara xmlns:m="http://schemas.openxmlformats.org/officeDocument/2006/math">
-                    <m:oMathParaPr>
-                      <m:jc m:val="centerGroup"/>
-                    </m:oMathParaPr>
-                    <m:oMath xmlns:m="http://schemas.openxmlformats.org/officeDocument/2006/math">
-                      <m:r>
-                        <a:rPr lang="ru-RU" i="1">
-                          <a:latin typeface="Cambria Math" panose="02040503050406030204" pitchFamily="18" charset="0"/>
-                        </a:rPr>
-                        <m:t>h𝑓</m:t>
-                      </m:r>
-                      <m:d>
-                        <m:dPr>
-                          <m:begChr m:val="["/>
-                          <m:endChr m:val="]"/>
-                          <m:ctrlPr>
-                            <a:rPr lang="ru-RU" i="1">
-                              <a:latin typeface="Cambria Math" panose="02040503050406030204" pitchFamily="18" charset="0"/>
-                            </a:rPr>
-                          </m:ctrlPr>
-                        </m:dPr>
-                        <m:e>
-                          <m:r>
-                            <a:rPr lang="ru-RU" i="1">
-                              <a:latin typeface="Cambria Math" panose="02040503050406030204" pitchFamily="18" charset="0"/>
-                            </a:rPr>
-                            <m:t>𝑚</m:t>
-                          </m:r>
-                        </m:e>
-                      </m:d>
-                      <m:r>
-                        <a:rPr lang="ru-RU" i="0">
-                          <a:latin typeface="Cambria Math" panose="02040503050406030204" pitchFamily="18" charset="0"/>
-                        </a:rPr>
-                        <m:t>=</m:t>
-                      </m:r>
-                      <m:nary>
-                        <m:naryPr>
-                          <m:chr m:val="∑"/>
-                          <m:limLoc m:val="undOvr"/>
-                          <m:ctrlPr>
-                            <a:rPr lang="ru-RU" i="1">
-                              <a:latin typeface="Cambria Math" panose="02040503050406030204" pitchFamily="18" charset="0"/>
-                            </a:rPr>
-                          </m:ctrlPr>
-                        </m:naryPr>
-                        <m:sub>
-                          <m:r>
-                            <a:rPr lang="ru-RU" i="1">
-                              <a:latin typeface="Cambria Math" panose="02040503050406030204" pitchFamily="18" charset="0"/>
-                            </a:rPr>
-                            <m:t>𝑘</m:t>
-                          </m:r>
-                          <m:r>
-                            <a:rPr lang="ru-RU" i="0">
-                              <a:latin typeface="Cambria Math" panose="02040503050406030204" pitchFamily="18" charset="0"/>
-                            </a:rPr>
-                            <m:t>=0</m:t>
-                          </m:r>
-                        </m:sub>
-                        <m:sup>
-                          <m:r>
-                            <a:rPr lang="ru-RU" i="1">
-                              <a:latin typeface="Cambria Math" panose="02040503050406030204" pitchFamily="18" charset="0"/>
-                            </a:rPr>
-                            <m:t>𝑁</m:t>
-                          </m:r>
-                          <m:r>
-                            <a:rPr lang="ru-RU" i="0">
-                              <a:latin typeface="Cambria Math" panose="02040503050406030204" pitchFamily="18" charset="0"/>
-                            </a:rPr>
-                            <m:t>−1</m:t>
-                          </m:r>
-                        </m:sup>
-                        <m:e>
-                          <m:r>
-                            <a:rPr lang="ru-RU" i="1">
-                              <a:latin typeface="Cambria Math" panose="02040503050406030204" pitchFamily="18" charset="0"/>
-                            </a:rPr>
-                            <m:t>h</m:t>
-                          </m:r>
-                          <m:d>
-                            <m:dPr>
-                              <m:begChr m:val="["/>
-                              <m:endChr m:val="]"/>
-                              <m:ctrlPr>
-                                <a:rPr lang="ru-RU" i="1">
-                                  <a:latin typeface="Cambria Math" panose="02040503050406030204" pitchFamily="18" charset="0"/>
-                                </a:rPr>
-                              </m:ctrlPr>
-                            </m:dPr>
-                            <m:e>
-                              <m:r>
-                                <a:rPr lang="ru-RU" i="1">
-                                  <a:latin typeface="Cambria Math" panose="02040503050406030204" pitchFamily="18" charset="0"/>
-                                </a:rPr>
-                                <m:t>𝑘</m:t>
-                              </m:r>
-                            </m:e>
-                          </m:d>
-                          <m:r>
-                            <a:rPr lang="ru-RU" i="0">
-                              <a:latin typeface="Cambria Math" panose="02040503050406030204" pitchFamily="18" charset="0"/>
-                            </a:rPr>
-                            <m:t>∙</m:t>
-                          </m:r>
-                        </m:e>
-                      </m:nary>
-                      <m:sSup>
-                        <m:sSupPr>
-                          <m:ctrlPr>
-                            <a:rPr lang="ru-RU" i="1">
-                              <a:latin typeface="Cambria Math" panose="02040503050406030204" pitchFamily="18" charset="0"/>
-                            </a:rPr>
-                          </m:ctrlPr>
-                        </m:sSupPr>
-                        <m:e>
-                          <m:r>
-                            <a:rPr lang="ru-RU" i="1">
-                              <a:latin typeface="Cambria Math" panose="02040503050406030204" pitchFamily="18" charset="0"/>
-                            </a:rPr>
-                            <m:t>𝑒</m:t>
-                          </m:r>
-                        </m:e>
-                        <m:sup>
-                          <m:r>
-                            <a:rPr lang="ru-RU" i="0">
-                              <a:latin typeface="Cambria Math" panose="02040503050406030204" pitchFamily="18" charset="0"/>
-                            </a:rPr>
-                            <m:t>−</m:t>
-                          </m:r>
-                          <m:r>
-                            <a:rPr lang="ru-RU" i="1">
-                              <a:latin typeface="Cambria Math" panose="02040503050406030204" pitchFamily="18" charset="0"/>
-                            </a:rPr>
-                            <m:t>𝑗</m:t>
-                          </m:r>
-                          <m:f>
-                            <m:fPr>
-                              <m:ctrlPr>
-                                <a:rPr lang="ru-RU" i="1">
-                                  <a:latin typeface="Cambria Math" panose="02040503050406030204" pitchFamily="18" charset="0"/>
-                                </a:rPr>
-                              </m:ctrlPr>
-                            </m:fPr>
-                            <m:num>
-                              <m:r>
-                                <a:rPr lang="ru-RU" i="0">
-                                  <a:latin typeface="Cambria Math" panose="02040503050406030204" pitchFamily="18" charset="0"/>
-                                </a:rPr>
-                                <m:t>2</m:t>
-                              </m:r>
-                              <m:r>
-                                <a:rPr lang="ru-RU" i="1">
-                                  <a:latin typeface="Cambria Math" panose="02040503050406030204" pitchFamily="18" charset="0"/>
-                                </a:rPr>
-                                <m:t>𝜋</m:t>
-                              </m:r>
-                            </m:num>
-                            <m:den>
-                              <m:r>
-                                <a:rPr lang="ru-RU" i="1">
-                                  <a:latin typeface="Cambria Math" panose="02040503050406030204" pitchFamily="18" charset="0"/>
-                                </a:rPr>
-                                <m:t>𝑁</m:t>
-                              </m:r>
-                            </m:den>
-                          </m:f>
-                          <m:r>
-                            <a:rPr lang="ru-RU" i="1">
-                              <a:latin typeface="Cambria Math" panose="02040503050406030204" pitchFamily="18" charset="0"/>
-                            </a:rPr>
-                            <m:t>𝑘𝑚</m:t>
-                          </m:r>
-                        </m:sup>
-                      </m:sSup>
-                      <m:r>
-                        <a:rPr lang="ru-RU" i="0">
-                          <a:latin typeface="Cambria Math" panose="02040503050406030204" pitchFamily="18" charset="0"/>
-                        </a:rPr>
-                        <m:t>=</m:t>
-                      </m:r>
-                      <m:nary>
-                        <m:naryPr>
-                          <m:chr m:val="∑"/>
-                          <m:limLoc m:val="undOvr"/>
-                          <m:ctrlPr>
-                            <a:rPr lang="ru-RU" i="1">
-                              <a:latin typeface="Cambria Math" panose="02040503050406030204" pitchFamily="18" charset="0"/>
-                            </a:rPr>
-                          </m:ctrlPr>
-                        </m:naryPr>
-                        <m:sub>
-                          <m:r>
-                            <a:rPr lang="ru-RU" i="1">
-                              <a:latin typeface="Cambria Math" panose="02040503050406030204" pitchFamily="18" charset="0"/>
-                            </a:rPr>
-                            <m:t>𝑘</m:t>
-                          </m:r>
-                          <m:r>
-                            <a:rPr lang="ru-RU" i="0">
-                              <a:latin typeface="Cambria Math" panose="02040503050406030204" pitchFamily="18" charset="0"/>
-                            </a:rPr>
-                            <m:t>=0</m:t>
-                          </m:r>
-                        </m:sub>
-                        <m:sup>
-                          <m:r>
-                            <a:rPr lang="ru-RU" i="1">
-                              <a:latin typeface="Cambria Math" panose="02040503050406030204" pitchFamily="18" charset="0"/>
-                            </a:rPr>
-                            <m:t>𝑁</m:t>
-                          </m:r>
-                          <m:r>
-                            <a:rPr lang="ru-RU" i="0">
-                              <a:latin typeface="Cambria Math" panose="02040503050406030204" pitchFamily="18" charset="0"/>
-                            </a:rPr>
-                            <m:t>−1</m:t>
-                          </m:r>
-                        </m:sup>
-                        <m:e>
-                          <m:r>
-                            <a:rPr lang="ru-RU" i="1">
-                              <a:latin typeface="Cambria Math" panose="02040503050406030204" pitchFamily="18" charset="0"/>
-                            </a:rPr>
-                            <m:t>𝑥</m:t>
-                          </m:r>
-                          <m:d>
-                            <m:dPr>
-                              <m:begChr m:val="["/>
-                              <m:endChr m:val="]"/>
-                              <m:ctrlPr>
-                                <a:rPr lang="ru-RU" i="1">
-                                  <a:latin typeface="Cambria Math" panose="02040503050406030204" pitchFamily="18" charset="0"/>
-                                </a:rPr>
-                              </m:ctrlPr>
-                            </m:dPr>
-                            <m:e>
-                              <m:sSub>
-                                <m:sSubPr>
-                                  <m:ctrlPr>
-                                    <a:rPr lang="ru-RU" i="1">
-                                      <a:latin typeface="Cambria Math" panose="02040503050406030204" pitchFamily="18" charset="0"/>
-                                    </a:rPr>
-                                  </m:ctrlPr>
-                                </m:sSubPr>
-                                <m:e>
-                                  <m:r>
-                                    <a:rPr lang="ru-RU" i="1">
-                                      <a:latin typeface="Cambria Math" panose="02040503050406030204" pitchFamily="18" charset="0"/>
-                                    </a:rPr>
-                                    <m:t>𝑘</m:t>
-                                  </m:r>
-                                </m:e>
-                                <m:sub>
-                                  <m:r>
-                                    <a:rPr lang="ru-RU" i="0">
-                                      <a:latin typeface="Cambria Math" panose="02040503050406030204" pitchFamily="18" charset="0"/>
-                                    </a:rPr>
-                                    <m:t>0</m:t>
-                                  </m:r>
-                                </m:sub>
-                              </m:sSub>
-                              <m:r>
-                                <a:rPr lang="ru-RU" i="0">
-                                  <a:latin typeface="Cambria Math" panose="02040503050406030204" pitchFamily="18" charset="0"/>
-                                </a:rPr>
-                                <m:t>−</m:t>
-                              </m:r>
-                              <m:r>
-                                <a:rPr lang="ru-RU" i="1">
-                                  <a:latin typeface="Cambria Math" panose="02040503050406030204" pitchFamily="18" charset="0"/>
-                                </a:rPr>
-                                <m:t>𝑘</m:t>
-                              </m:r>
-                            </m:e>
-                          </m:d>
-                          <m:r>
-                            <a:rPr lang="ru-RU" i="0">
-                              <a:latin typeface="Cambria Math" panose="02040503050406030204" pitchFamily="18" charset="0"/>
-                            </a:rPr>
-                            <m:t>∙</m:t>
-                          </m:r>
-                        </m:e>
-                      </m:nary>
-                      <m:sSup>
-                        <m:sSupPr>
-                          <m:ctrlPr>
-                            <a:rPr lang="ru-RU" i="1">
-                              <a:latin typeface="Cambria Math" panose="02040503050406030204" pitchFamily="18" charset="0"/>
-                            </a:rPr>
-                          </m:ctrlPr>
-                        </m:sSupPr>
-                        <m:e>
-                          <m:r>
-                            <a:rPr lang="ru-RU" i="1">
-                              <a:latin typeface="Cambria Math" panose="02040503050406030204" pitchFamily="18" charset="0"/>
-                            </a:rPr>
-                            <m:t>𝑒</m:t>
-                          </m:r>
-                        </m:e>
-                        <m:sup>
-                          <m:r>
-                            <a:rPr lang="ru-RU" i="0">
-                              <a:latin typeface="Cambria Math" panose="02040503050406030204" pitchFamily="18" charset="0"/>
-                            </a:rPr>
-                            <m:t>−</m:t>
-                          </m:r>
-                          <m:r>
-                            <a:rPr lang="ru-RU" i="1">
-                              <a:latin typeface="Cambria Math" panose="02040503050406030204" pitchFamily="18" charset="0"/>
-                            </a:rPr>
-                            <m:t>𝑗</m:t>
-                          </m:r>
-                          <m:f>
-                            <m:fPr>
-                              <m:ctrlPr>
-                                <a:rPr lang="ru-RU" i="1">
-                                  <a:latin typeface="Cambria Math" panose="02040503050406030204" pitchFamily="18" charset="0"/>
-                                </a:rPr>
-                              </m:ctrlPr>
-                            </m:fPr>
-                            <m:num>
-                              <m:r>
-                                <a:rPr lang="ru-RU" i="0">
-                                  <a:latin typeface="Cambria Math" panose="02040503050406030204" pitchFamily="18" charset="0"/>
-                                </a:rPr>
-                                <m:t>2</m:t>
-                              </m:r>
-                              <m:r>
-                                <a:rPr lang="ru-RU" i="1">
-                                  <a:latin typeface="Cambria Math" panose="02040503050406030204" pitchFamily="18" charset="0"/>
-                                </a:rPr>
-                                <m:t>𝜋</m:t>
-                              </m:r>
-                            </m:num>
-                            <m:den>
-                              <m:r>
-                                <a:rPr lang="ru-RU" i="1">
-                                  <a:latin typeface="Cambria Math" panose="02040503050406030204" pitchFamily="18" charset="0"/>
-                                </a:rPr>
-                                <m:t>𝑁</m:t>
-                              </m:r>
-                            </m:den>
-                          </m:f>
-                          <m:r>
-                            <a:rPr lang="ru-RU" i="1">
-                              <a:latin typeface="Cambria Math" panose="02040503050406030204" pitchFamily="18" charset="0"/>
-                            </a:rPr>
-                            <m:t>𝑘𝑚</m:t>
-                          </m:r>
-                        </m:sup>
-                      </m:sSup>
-                      <m:r>
-                        <a:rPr lang="ru-RU" i="0">
-                          <a:latin typeface="Cambria Math" panose="02040503050406030204" pitchFamily="18" charset="0"/>
-                        </a:rPr>
-                        <m:t>=</m:t>
-                      </m:r>
-                      <m:sSup>
-                        <m:sSupPr>
-                          <m:ctrlPr>
-                            <a:rPr lang="ru-RU" i="1">
-                              <a:latin typeface="Cambria Math" panose="02040503050406030204" pitchFamily="18" charset="0"/>
-                            </a:rPr>
-                          </m:ctrlPr>
-                        </m:sSupPr>
-                        <m:e>
-                          <m:r>
-                            <a:rPr lang="ru-RU" i="1">
-                              <a:latin typeface="Cambria Math" panose="02040503050406030204" pitchFamily="18" charset="0"/>
-                            </a:rPr>
-                            <m:t>𝑥𝑓</m:t>
-                          </m:r>
-                        </m:e>
-                        <m:sup>
-                          <m:r>
-                            <a:rPr lang="ru-RU" i="0">
-                              <a:latin typeface="Cambria Math" panose="02040503050406030204" pitchFamily="18" charset="0"/>
-                            </a:rPr>
-                            <m:t>∗</m:t>
-                          </m:r>
-                        </m:sup>
-                      </m:sSup>
-                      <m:d>
-                        <m:dPr>
-                          <m:begChr m:val="["/>
-                          <m:endChr m:val="]"/>
-                          <m:ctrlPr>
-                            <a:rPr lang="ru-RU" i="1">
-                              <a:latin typeface="Cambria Math" panose="02040503050406030204" pitchFamily="18" charset="0"/>
-                            </a:rPr>
-                          </m:ctrlPr>
-                        </m:dPr>
-                        <m:e>
-                          <m:r>
-                            <a:rPr lang="ru-RU" i="1">
-                              <a:latin typeface="Cambria Math" panose="02040503050406030204" pitchFamily="18" charset="0"/>
-                            </a:rPr>
-                            <m:t>𝑚</m:t>
-                          </m:r>
-                        </m:e>
-                      </m:d>
-                      <m:sSup>
-                        <m:sSupPr>
-                          <m:ctrlPr>
-                            <a:rPr lang="ru-RU" i="1">
-                              <a:latin typeface="Cambria Math" panose="02040503050406030204" pitchFamily="18" charset="0"/>
-                            </a:rPr>
-                          </m:ctrlPr>
-                        </m:sSupPr>
-                        <m:e>
-                          <m:r>
-                            <a:rPr lang="ru-RU" i="0">
-                              <a:latin typeface="Cambria Math" panose="02040503050406030204" pitchFamily="18" charset="0"/>
-                            </a:rPr>
-                            <m:t>∙</m:t>
-                          </m:r>
-                          <m:r>
-                            <a:rPr lang="ru-RU" i="1">
-                              <a:latin typeface="Cambria Math" panose="02040503050406030204" pitchFamily="18" charset="0"/>
-                            </a:rPr>
-                            <m:t>𝑒</m:t>
-                          </m:r>
-                        </m:e>
-                        <m:sup>
-                          <m:r>
-                            <a:rPr lang="ru-RU" i="0">
-                              <a:latin typeface="Cambria Math" panose="02040503050406030204" pitchFamily="18" charset="0"/>
-                            </a:rPr>
-                            <m:t>−</m:t>
-                          </m:r>
-                          <m:r>
-                            <a:rPr lang="ru-RU" i="1">
-                              <a:latin typeface="Cambria Math" panose="02040503050406030204" pitchFamily="18" charset="0"/>
-                            </a:rPr>
-                            <m:t>𝑗</m:t>
-                          </m:r>
-                          <m:f>
-                            <m:fPr>
-                              <m:ctrlPr>
-                                <a:rPr lang="ru-RU" i="1">
-                                  <a:latin typeface="Cambria Math" panose="02040503050406030204" pitchFamily="18" charset="0"/>
-                                </a:rPr>
-                              </m:ctrlPr>
-                            </m:fPr>
-                            <m:num>
-                              <m:r>
-                                <a:rPr lang="ru-RU" i="0">
-                                  <a:latin typeface="Cambria Math" panose="02040503050406030204" pitchFamily="18" charset="0"/>
-                                </a:rPr>
-                                <m:t>2</m:t>
-                              </m:r>
-                              <m:r>
-                                <a:rPr lang="ru-RU" i="1">
-                                  <a:latin typeface="Cambria Math" panose="02040503050406030204" pitchFamily="18" charset="0"/>
-                                </a:rPr>
-                                <m:t>𝜋</m:t>
-                              </m:r>
-                            </m:num>
-                            <m:den>
-                              <m:r>
-                                <a:rPr lang="ru-RU" i="1">
-                                  <a:latin typeface="Cambria Math" panose="02040503050406030204" pitchFamily="18" charset="0"/>
-                                </a:rPr>
-                                <m:t>𝑁</m:t>
-                              </m:r>
-                            </m:den>
-                          </m:f>
-                          <m:sSub>
-                            <m:sSubPr>
-                              <m:ctrlPr>
-                                <a:rPr lang="ru-RU" i="1">
-                                  <a:latin typeface="Cambria Math" panose="02040503050406030204" pitchFamily="18" charset="0"/>
-                                </a:rPr>
-                              </m:ctrlPr>
-                            </m:sSubPr>
-                            <m:e>
-                              <m:r>
-                                <a:rPr lang="ru-RU" i="1">
-                                  <a:latin typeface="Cambria Math" panose="02040503050406030204" pitchFamily="18" charset="0"/>
-                                </a:rPr>
-                                <m:t>𝑘</m:t>
-                              </m:r>
-                            </m:e>
-                            <m:sub>
-                              <m:r>
-                                <a:rPr lang="ru-RU" i="0">
-                                  <a:latin typeface="Cambria Math" panose="02040503050406030204" pitchFamily="18" charset="0"/>
-                                </a:rPr>
-                                <m:t>0</m:t>
-                              </m:r>
-                            </m:sub>
-                          </m:sSub>
-                          <m:r>
-                            <a:rPr lang="ru-RU" i="1">
-                              <a:latin typeface="Cambria Math" panose="02040503050406030204" pitchFamily="18" charset="0"/>
-                            </a:rPr>
-                            <m:t>𝑚</m:t>
-                          </m:r>
-                        </m:sup>
-                      </m:sSup>
-                    </m:oMath>
-                  </m:oMathPara>
-                </a14:m>
-                <a:endParaRPr lang="ru-RU" dirty="0"/>
-              </a:p>
-            </p:txBody>
-          </p:sp>
-        </mc:Choice>
-        <mc:Fallback xmlns="">
-          <p:sp>
-            <p:nvSpPr>
-              <p:cNvPr id="11" name="Прямоугольник 10"/>
-              <p:cNvSpPr>
-                <a:spLocks noRot="1" noChangeAspect="1" noMove="1" noResize="1" noEditPoints="1" noAdjustHandles="1" noChangeArrowheads="1" noChangeShapeType="1" noTextEdit="1"/>
-              </p:cNvSpPr>
-              <p:nvPr/>
-            </p:nvSpPr>
-            <p:spPr>
-              <a:xfrm>
-                <a:off x="3811823" y="1877776"/>
-                <a:ext cx="8198889" cy="871457"/>
-              </a:xfrm>
-              <a:prstGeom prst="rect">
-                <a:avLst/>
-              </a:prstGeom>
-              <a:blipFill>
-                <a:blip r:embed="rId9"/>
-                <a:stretch>
-                  <a:fillRect/>
-                </a:stretch>
-              </a:blipFill>
-            </p:spPr>
-            <p:txBody>
-              <a:bodyPr/>
-              <a:lstStyle/>
-              <a:p>
-                <a:r>
-                  <a:rPr lang="ru-RU">
-                    <a:noFill/>
-                  </a:rPr>
-                  <a:t> </a:t>
-                </a:r>
-              </a:p>
-            </p:txBody>
-          </p:sp>
-        </mc:Fallback>
-      </mc:AlternateContent>
-      <mc:AlternateContent xmlns:mc="http://schemas.openxmlformats.org/markup-compatibility/2006" xmlns:a14="http://schemas.microsoft.com/office/drawing/2010/main">
-        <mc:Choice Requires="a14">
-          <p:sp>
-            <p:nvSpPr>
-              <p:cNvPr id="19" name="Прямоугольник 18"/>
-              <p:cNvSpPr/>
-              <p:nvPr/>
-            </p:nvSpPr>
-            <p:spPr>
-              <a:xfrm>
-                <a:off x="1329971" y="2861510"/>
-                <a:ext cx="1674753" cy="609077"/>
-              </a:xfrm>
-              <a:prstGeom prst="rect">
-                <a:avLst/>
-              </a:prstGeom>
-            </p:spPr>
-            <p:txBody>
-              <a:bodyPr wrap="none">
-                <a:spAutoFit/>
-              </a:bodyPr>
-              <a:lstStyle/>
-              <a:p>
-                <a:pPr/>
-                <a14:m>
-                  <m:oMathPara xmlns:m="http://schemas.openxmlformats.org/officeDocument/2006/math">
-                    <m:oMathParaPr>
-                      <m:jc m:val="centerGroup"/>
-                    </m:oMathParaPr>
-                    <m:oMath xmlns:m="http://schemas.openxmlformats.org/officeDocument/2006/math">
-                      <m:sSup>
-                        <m:sSupPr>
-                          <m:ctrlPr>
-                            <a:rPr lang="ru-RU" i="1">
-                              <a:latin typeface="Cambria Math" panose="02040503050406030204" pitchFamily="18" charset="0"/>
-                            </a:rPr>
-                          </m:ctrlPr>
-                        </m:sSupPr>
-                        <m:e>
-                          <m:d>
-                            <m:dPr>
-                              <m:begChr m:val="|"/>
-                              <m:endChr m:val="|"/>
-                              <m:ctrlPr>
-                                <a:rPr lang="ru-RU" i="1">
-                                  <a:latin typeface="Cambria Math" panose="02040503050406030204" pitchFamily="18" charset="0"/>
-                                </a:rPr>
-                              </m:ctrlPr>
-                            </m:dPr>
-                            <m:e>
-                              <m:r>
-                                <a:rPr lang="ru-RU" i="1">
-                                  <a:latin typeface="Cambria Math" panose="02040503050406030204" pitchFamily="18" charset="0"/>
-                                </a:rPr>
-                                <m:t>𝑛𝑓</m:t>
-                              </m:r>
-                              <m:d>
-                                <m:dPr>
-                                  <m:begChr m:val="["/>
-                                  <m:endChr m:val="]"/>
-                                  <m:ctrlPr>
-                                    <a:rPr lang="ru-RU" i="1">
-                                      <a:latin typeface="Cambria Math" panose="02040503050406030204" pitchFamily="18" charset="0"/>
-                                    </a:rPr>
-                                  </m:ctrlPr>
-                                </m:dPr>
-                                <m:e>
-                                  <m:r>
-                                    <a:rPr lang="ru-RU" i="1">
-                                      <a:latin typeface="Cambria Math" panose="02040503050406030204" pitchFamily="18" charset="0"/>
-                                    </a:rPr>
-                                    <m:t>𝑚</m:t>
-                                  </m:r>
-                                </m:e>
-                              </m:d>
-                            </m:e>
-                          </m:d>
-                        </m:e>
-                        <m:sup>
-                          <m:r>
-                            <a:rPr lang="ru-RU" i="0">
-                              <a:latin typeface="Cambria Math" panose="02040503050406030204" pitchFamily="18" charset="0"/>
-                            </a:rPr>
-                            <m:t>2</m:t>
-                          </m:r>
-                        </m:sup>
-                      </m:sSup>
-                      <m:r>
-                        <a:rPr lang="ru-RU" i="0">
-                          <a:latin typeface="Cambria Math" panose="02040503050406030204" pitchFamily="18" charset="0"/>
-                        </a:rPr>
-                        <m:t>=</m:t>
-                      </m:r>
-                      <m:f>
-                        <m:fPr>
-                          <m:ctrlPr>
-                            <a:rPr lang="ru-RU" i="1">
-                              <a:latin typeface="Cambria Math" panose="02040503050406030204" pitchFamily="18" charset="0"/>
-                            </a:rPr>
-                          </m:ctrlPr>
-                        </m:fPr>
-                        <m:num>
-                          <m:sSub>
-                            <m:sSubPr>
-                              <m:ctrlPr>
-                                <a:rPr lang="ru-RU" i="1">
-                                  <a:latin typeface="Cambria Math" panose="02040503050406030204" pitchFamily="18" charset="0"/>
-                                </a:rPr>
-                              </m:ctrlPr>
-                            </m:sSubPr>
-                            <m:e>
-                              <m:r>
-                                <a:rPr lang="ru-RU" i="1">
-                                  <a:latin typeface="Cambria Math" panose="02040503050406030204" pitchFamily="18" charset="0"/>
-                                </a:rPr>
-                                <m:t>𝑁</m:t>
-                              </m:r>
-                            </m:e>
-                            <m:sub>
-                              <m:r>
-                                <a:rPr lang="ru-RU" i="0">
-                                  <a:latin typeface="Cambria Math" panose="02040503050406030204" pitchFamily="18" charset="0"/>
-                                </a:rPr>
-                                <m:t>0</m:t>
-                              </m:r>
-                            </m:sub>
-                          </m:sSub>
-                        </m:num>
-                        <m:den>
-                          <m:r>
-                            <a:rPr lang="ru-RU" i="0">
-                              <a:latin typeface="Cambria Math" panose="02040503050406030204" pitchFamily="18" charset="0"/>
-                            </a:rPr>
-                            <m:t>2</m:t>
-                          </m:r>
-                        </m:den>
-                      </m:f>
-                    </m:oMath>
-                  </m:oMathPara>
-                </a14:m>
-                <a:endParaRPr lang="ru-RU" dirty="0"/>
-              </a:p>
-            </p:txBody>
-          </p:sp>
-        </mc:Choice>
-        <mc:Fallback xmlns="">
-          <p:sp>
-            <p:nvSpPr>
-              <p:cNvPr id="19" name="Прямоугольник 18"/>
-              <p:cNvSpPr>
-                <a:spLocks noRot="1" noChangeAspect="1" noMove="1" noResize="1" noEditPoints="1" noAdjustHandles="1" noChangeArrowheads="1" noChangeShapeType="1" noTextEdit="1"/>
-              </p:cNvSpPr>
-              <p:nvPr/>
-            </p:nvSpPr>
-            <p:spPr>
-              <a:xfrm>
-                <a:off x="1329971" y="2861510"/>
-                <a:ext cx="1674753" cy="609077"/>
-              </a:xfrm>
-              <a:prstGeom prst="rect">
-                <a:avLst/>
-              </a:prstGeom>
-              <a:blipFill>
-                <a:blip r:embed="rId10"/>
-                <a:stretch>
-                  <a:fillRect/>
-                </a:stretch>
-              </a:blipFill>
-            </p:spPr>
-            <p:txBody>
-              <a:bodyPr/>
-              <a:lstStyle/>
-              <a:p>
-                <a:r>
-                  <a:rPr lang="ru-RU">
-                    <a:noFill/>
-                  </a:rPr>
-                  <a:t> </a:t>
-                </a:r>
-              </a:p>
-            </p:txBody>
-          </p:sp>
-        </mc:Fallback>
-      </mc:AlternateContent>
-      <mc:AlternateContent xmlns:mc="http://schemas.openxmlformats.org/markup-compatibility/2006" xmlns:a14="http://schemas.microsoft.com/office/drawing/2010/main">
-        <mc:Choice Requires="a14">
-          <p:sp>
-            <p:nvSpPr>
-              <p:cNvPr id="26" name="Прямоугольник 25"/>
-              <p:cNvSpPr/>
-              <p:nvPr/>
-            </p:nvSpPr>
-            <p:spPr>
-              <a:xfrm>
-                <a:off x="5661653" y="2754278"/>
-                <a:ext cx="6263403" cy="659732"/>
-              </a:xfrm>
-              <a:prstGeom prst="rect">
-                <a:avLst/>
-              </a:prstGeom>
-            </p:spPr>
-            <p:txBody>
-              <a:bodyPr wrap="square">
-                <a:spAutoFit/>
-              </a:bodyPr>
-              <a:lstStyle/>
-              <a:p>
-                <a:pPr/>
-                <a14:m>
-                  <m:oMathPara xmlns:m="http://schemas.openxmlformats.org/officeDocument/2006/math">
-                    <m:oMathParaPr>
-                      <m:jc m:val="centerGroup"/>
-                    </m:oMathParaPr>
-                    <m:oMath xmlns:m="http://schemas.openxmlformats.org/officeDocument/2006/math">
-                      <m:sSup>
-                        <m:sSupPr>
-                          <m:ctrlPr>
-                            <a:rPr lang="ru-RU" i="1">
-                              <a:latin typeface="Cambria Math" panose="02040503050406030204" pitchFamily="18" charset="0"/>
-                            </a:rPr>
-                          </m:ctrlPr>
-                        </m:sSupPr>
-                        <m:e>
-                          <m:d>
-                            <m:dPr>
-                              <m:begChr m:val="|"/>
-                              <m:endChr m:val="|"/>
-                              <m:ctrlPr>
-                                <a:rPr lang="ru-RU" i="1">
-                                  <a:latin typeface="Cambria Math" panose="02040503050406030204" pitchFamily="18" charset="0"/>
-                                </a:rPr>
-                              </m:ctrlPr>
-                            </m:dPr>
-                            <m:e>
-                              <m:r>
-                                <a:rPr lang="ru-RU" i="1">
-                                  <a:latin typeface="Cambria Math" panose="02040503050406030204" pitchFamily="18" charset="0"/>
-                                </a:rPr>
-                                <m:t>𝑛𝑓</m:t>
-                              </m:r>
-                              <m:d>
-                                <m:dPr>
-                                  <m:begChr m:val="["/>
-                                  <m:endChr m:val="]"/>
-                                  <m:ctrlPr>
-                                    <a:rPr lang="ru-RU" i="1">
-                                      <a:latin typeface="Cambria Math" panose="02040503050406030204" pitchFamily="18" charset="0"/>
-                                    </a:rPr>
-                                  </m:ctrlPr>
-                                </m:dPr>
-                                <m:e>
-                                  <m:r>
-                                    <a:rPr lang="ru-RU" i="1">
-                                      <a:latin typeface="Cambria Math" panose="02040503050406030204" pitchFamily="18" charset="0"/>
-                                    </a:rPr>
-                                    <m:t>𝑚</m:t>
-                                  </m:r>
-                                </m:e>
-                              </m:d>
-                              <m:r>
-                                <a:rPr lang="ru-RU" i="0">
-                                  <a:latin typeface="Cambria Math" panose="02040503050406030204" pitchFamily="18" charset="0"/>
-                                </a:rPr>
-                                <m:t>∙</m:t>
-                              </m:r>
-                              <m:r>
-                                <a:rPr lang="ru-RU" i="1">
-                                  <a:latin typeface="Cambria Math" panose="02040503050406030204" pitchFamily="18" charset="0"/>
-                                </a:rPr>
-                                <m:t>h𝑓</m:t>
-                              </m:r>
-                              <m:d>
-                                <m:dPr>
-                                  <m:begChr m:val="["/>
-                                  <m:endChr m:val="]"/>
-                                  <m:ctrlPr>
-                                    <a:rPr lang="ru-RU" i="1">
-                                      <a:latin typeface="Cambria Math" panose="02040503050406030204" pitchFamily="18" charset="0"/>
-                                    </a:rPr>
-                                  </m:ctrlPr>
-                                </m:dPr>
-                                <m:e>
-                                  <m:r>
-                                    <a:rPr lang="ru-RU" i="1">
-                                      <a:latin typeface="Cambria Math" panose="02040503050406030204" pitchFamily="18" charset="0"/>
-                                    </a:rPr>
-                                    <m:t>𝑚</m:t>
-                                  </m:r>
-                                </m:e>
-                              </m:d>
-                            </m:e>
-                          </m:d>
-                        </m:e>
-                        <m:sup>
-                          <m:r>
-                            <a:rPr lang="ru-RU" i="0">
-                              <a:latin typeface="Cambria Math" panose="02040503050406030204" pitchFamily="18" charset="0"/>
-                            </a:rPr>
-                            <m:t>2</m:t>
-                          </m:r>
-                        </m:sup>
-                      </m:sSup>
-                      <m:r>
-                        <a:rPr lang="ru-RU" i="0">
-                          <a:latin typeface="Cambria Math" panose="02040503050406030204" pitchFamily="18" charset="0"/>
-                        </a:rPr>
-                        <m:t>=</m:t>
-                      </m:r>
-                      <m:f>
-                        <m:fPr>
-                          <m:ctrlPr>
-                            <a:rPr lang="ru-RU" i="1">
-                              <a:latin typeface="Cambria Math" panose="02040503050406030204" pitchFamily="18" charset="0"/>
-                            </a:rPr>
-                          </m:ctrlPr>
-                        </m:fPr>
-                        <m:num>
-                          <m:sSub>
-                            <m:sSubPr>
-                              <m:ctrlPr>
-                                <a:rPr lang="ru-RU" i="1">
-                                  <a:latin typeface="Cambria Math" panose="02040503050406030204" pitchFamily="18" charset="0"/>
-                                </a:rPr>
-                              </m:ctrlPr>
-                            </m:sSubPr>
-                            <m:e>
-                              <m:r>
-                                <a:rPr lang="ru-RU" i="1">
-                                  <a:latin typeface="Cambria Math" panose="02040503050406030204" pitchFamily="18" charset="0"/>
-                                </a:rPr>
-                                <m:t>𝑁</m:t>
-                              </m:r>
-                            </m:e>
-                            <m:sub>
-                              <m:r>
-                                <a:rPr lang="ru-RU" i="0">
-                                  <a:latin typeface="Cambria Math" panose="02040503050406030204" pitchFamily="18" charset="0"/>
-                                </a:rPr>
-                                <m:t>0</m:t>
-                              </m:r>
-                            </m:sub>
-                          </m:sSub>
-                        </m:num>
-                        <m:den>
-                          <m:r>
-                            <a:rPr lang="ru-RU" i="0">
-                              <a:latin typeface="Cambria Math" panose="02040503050406030204" pitchFamily="18" charset="0"/>
-                            </a:rPr>
-                            <m:t>2</m:t>
-                          </m:r>
-                        </m:den>
-                      </m:f>
-                      <m:r>
-                        <a:rPr lang="ru-RU" i="0">
-                          <a:latin typeface="Cambria Math" panose="02040503050406030204" pitchFamily="18" charset="0"/>
-                        </a:rPr>
-                        <m:t>∙</m:t>
-                      </m:r>
-                      <m:sSup>
-                        <m:sSupPr>
-                          <m:ctrlPr>
-                            <a:rPr lang="ru-RU" i="1">
-                              <a:latin typeface="Cambria Math" panose="02040503050406030204" pitchFamily="18" charset="0"/>
-                            </a:rPr>
-                          </m:ctrlPr>
-                        </m:sSupPr>
-                        <m:e>
-                          <m:d>
-                            <m:dPr>
-                              <m:begChr m:val="|"/>
-                              <m:endChr m:val="|"/>
-                              <m:ctrlPr>
-                                <a:rPr lang="ru-RU" i="1">
-                                  <a:latin typeface="Cambria Math" panose="02040503050406030204" pitchFamily="18" charset="0"/>
-                                </a:rPr>
-                              </m:ctrlPr>
-                            </m:dPr>
-                            <m:e>
-                              <m:sSup>
-                                <m:sSupPr>
-                                  <m:ctrlPr>
-                                    <a:rPr lang="ru-RU" i="1">
-                                      <a:latin typeface="Cambria Math" panose="02040503050406030204" pitchFamily="18" charset="0"/>
-                                    </a:rPr>
-                                  </m:ctrlPr>
-                                </m:sSupPr>
-                                <m:e>
-                                  <m:r>
-                                    <a:rPr lang="ru-RU" i="1">
-                                      <a:latin typeface="Cambria Math" panose="02040503050406030204" pitchFamily="18" charset="0"/>
-                                    </a:rPr>
-                                    <m:t>𝑥𝑓</m:t>
-                                  </m:r>
-                                </m:e>
-                                <m:sup>
-                                  <m:r>
-                                    <a:rPr lang="ru-RU" i="0">
-                                      <a:latin typeface="Cambria Math" panose="02040503050406030204" pitchFamily="18" charset="0"/>
-                                    </a:rPr>
-                                    <m:t>∗</m:t>
-                                  </m:r>
-                                </m:sup>
-                              </m:sSup>
-                              <m:d>
-                                <m:dPr>
-                                  <m:begChr m:val="["/>
-                                  <m:endChr m:val="]"/>
-                                  <m:ctrlPr>
-                                    <a:rPr lang="ru-RU" i="1">
-                                      <a:latin typeface="Cambria Math" panose="02040503050406030204" pitchFamily="18" charset="0"/>
-                                    </a:rPr>
-                                  </m:ctrlPr>
-                                </m:dPr>
-                                <m:e>
-                                  <m:r>
-                                    <a:rPr lang="ru-RU" i="1">
-                                      <a:latin typeface="Cambria Math" panose="02040503050406030204" pitchFamily="18" charset="0"/>
-                                    </a:rPr>
-                                    <m:t>𝑚</m:t>
-                                  </m:r>
-                                </m:e>
-                              </m:d>
-                              <m:sSup>
-                                <m:sSupPr>
-                                  <m:ctrlPr>
-                                    <a:rPr lang="ru-RU" i="1">
-                                      <a:latin typeface="Cambria Math" panose="02040503050406030204" pitchFamily="18" charset="0"/>
-                                    </a:rPr>
-                                  </m:ctrlPr>
-                                </m:sSupPr>
-                                <m:e>
-                                  <m:r>
-                                    <a:rPr lang="ru-RU" i="0">
-                                      <a:latin typeface="Cambria Math" panose="02040503050406030204" pitchFamily="18" charset="0"/>
-                                    </a:rPr>
-                                    <m:t>∙</m:t>
-                                  </m:r>
-                                  <m:r>
-                                    <a:rPr lang="ru-RU" i="1">
-                                      <a:latin typeface="Cambria Math" panose="02040503050406030204" pitchFamily="18" charset="0"/>
-                                    </a:rPr>
-                                    <m:t>𝑒</m:t>
-                                  </m:r>
-                                </m:e>
-                                <m:sup>
-                                  <m:r>
-                                    <a:rPr lang="ru-RU" i="0">
-                                      <a:latin typeface="Cambria Math" panose="02040503050406030204" pitchFamily="18" charset="0"/>
-                                    </a:rPr>
-                                    <m:t>−</m:t>
-                                  </m:r>
-                                  <m:r>
-                                    <a:rPr lang="ru-RU" i="1">
-                                      <a:latin typeface="Cambria Math" panose="02040503050406030204" pitchFamily="18" charset="0"/>
-                                    </a:rPr>
-                                    <m:t>𝑗</m:t>
-                                  </m:r>
-                                  <m:f>
-                                    <m:fPr>
-                                      <m:ctrlPr>
-                                        <a:rPr lang="ru-RU" i="1">
-                                          <a:latin typeface="Cambria Math" panose="02040503050406030204" pitchFamily="18" charset="0"/>
-                                        </a:rPr>
-                                      </m:ctrlPr>
-                                    </m:fPr>
-                                    <m:num>
-                                      <m:r>
-                                        <a:rPr lang="ru-RU" i="0">
-                                          <a:latin typeface="Cambria Math" panose="02040503050406030204" pitchFamily="18" charset="0"/>
-                                        </a:rPr>
-                                        <m:t>2</m:t>
-                                      </m:r>
-                                      <m:r>
-                                        <a:rPr lang="ru-RU" i="1">
-                                          <a:latin typeface="Cambria Math" panose="02040503050406030204" pitchFamily="18" charset="0"/>
-                                        </a:rPr>
-                                        <m:t>𝜋</m:t>
-                                      </m:r>
-                                    </m:num>
-                                    <m:den>
-                                      <m:r>
-                                        <a:rPr lang="ru-RU" i="1">
-                                          <a:latin typeface="Cambria Math" panose="02040503050406030204" pitchFamily="18" charset="0"/>
-                                        </a:rPr>
-                                        <m:t>𝑁</m:t>
-                                      </m:r>
-                                    </m:den>
-                                  </m:f>
-                                  <m:sSub>
-                                    <m:sSubPr>
-                                      <m:ctrlPr>
-                                        <a:rPr lang="ru-RU" i="1">
-                                          <a:latin typeface="Cambria Math" panose="02040503050406030204" pitchFamily="18" charset="0"/>
-                                        </a:rPr>
-                                      </m:ctrlPr>
-                                    </m:sSubPr>
-                                    <m:e>
-                                      <m:r>
-                                        <a:rPr lang="ru-RU" i="1">
-                                          <a:latin typeface="Cambria Math" panose="02040503050406030204" pitchFamily="18" charset="0"/>
-                                        </a:rPr>
-                                        <m:t>𝑘</m:t>
-                                      </m:r>
-                                    </m:e>
-                                    <m:sub>
-                                      <m:r>
-                                        <a:rPr lang="ru-RU" i="0">
-                                          <a:latin typeface="Cambria Math" panose="02040503050406030204" pitchFamily="18" charset="0"/>
-                                        </a:rPr>
-                                        <m:t>0</m:t>
-                                      </m:r>
-                                    </m:sub>
-                                  </m:sSub>
-                                  <m:r>
-                                    <a:rPr lang="ru-RU" i="1">
-                                      <a:latin typeface="Cambria Math" panose="02040503050406030204" pitchFamily="18" charset="0"/>
-                                    </a:rPr>
-                                    <m:t>𝑚</m:t>
-                                  </m:r>
-                                </m:sup>
-                              </m:sSup>
-                            </m:e>
-                          </m:d>
-                        </m:e>
-                        <m:sup>
-                          <m:r>
-                            <a:rPr lang="ru-RU" i="0">
-                              <a:latin typeface="Cambria Math" panose="02040503050406030204" pitchFamily="18" charset="0"/>
-                            </a:rPr>
-                            <m:t>2</m:t>
-                          </m:r>
-                        </m:sup>
-                      </m:sSup>
-                      <m:r>
-                        <a:rPr lang="ru-RU" i="0">
-                          <a:latin typeface="Cambria Math" panose="02040503050406030204" pitchFamily="18" charset="0"/>
-                        </a:rPr>
-                        <m:t>=</m:t>
-                      </m:r>
-                      <m:f>
-                        <m:fPr>
-                          <m:ctrlPr>
-                            <a:rPr lang="ru-RU" i="1">
-                              <a:latin typeface="Cambria Math" panose="02040503050406030204" pitchFamily="18" charset="0"/>
-                            </a:rPr>
-                          </m:ctrlPr>
-                        </m:fPr>
-                        <m:num>
-                          <m:sSub>
-                            <m:sSubPr>
-                              <m:ctrlPr>
-                                <a:rPr lang="ru-RU" i="1">
-                                  <a:latin typeface="Cambria Math" panose="02040503050406030204" pitchFamily="18" charset="0"/>
-                                </a:rPr>
-                              </m:ctrlPr>
-                            </m:sSubPr>
-                            <m:e>
-                              <m:r>
-                                <a:rPr lang="ru-RU" i="1">
-                                  <a:latin typeface="Cambria Math" panose="02040503050406030204" pitchFamily="18" charset="0"/>
-                                </a:rPr>
-                                <m:t>𝑁</m:t>
-                              </m:r>
-                            </m:e>
-                            <m:sub>
-                              <m:r>
-                                <a:rPr lang="ru-RU" i="0">
-                                  <a:latin typeface="Cambria Math" panose="02040503050406030204" pitchFamily="18" charset="0"/>
-                                </a:rPr>
-                                <m:t>0</m:t>
-                              </m:r>
-                            </m:sub>
-                          </m:sSub>
-                        </m:num>
-                        <m:den>
-                          <m:r>
-                            <a:rPr lang="ru-RU" i="0">
-                              <a:latin typeface="Cambria Math" panose="02040503050406030204" pitchFamily="18" charset="0"/>
-                            </a:rPr>
-                            <m:t>2</m:t>
-                          </m:r>
-                        </m:den>
-                      </m:f>
-                      <m:r>
-                        <a:rPr lang="ru-RU" i="0">
-                          <a:latin typeface="Cambria Math" panose="02040503050406030204" pitchFamily="18" charset="0"/>
-                        </a:rPr>
-                        <m:t>∙</m:t>
-                      </m:r>
-                      <m:sSup>
-                        <m:sSupPr>
-                          <m:ctrlPr>
-                            <a:rPr lang="ru-RU" i="1">
-                              <a:latin typeface="Cambria Math" panose="02040503050406030204" pitchFamily="18" charset="0"/>
-                            </a:rPr>
-                          </m:ctrlPr>
-                        </m:sSupPr>
-                        <m:e>
-                          <m:d>
-                            <m:dPr>
-                              <m:begChr m:val="|"/>
-                              <m:endChr m:val="|"/>
-                              <m:ctrlPr>
-                                <a:rPr lang="ru-RU" i="1">
-                                  <a:latin typeface="Cambria Math" panose="02040503050406030204" pitchFamily="18" charset="0"/>
-                                </a:rPr>
-                              </m:ctrlPr>
-                            </m:dPr>
-                            <m:e>
-                              <m:r>
-                                <a:rPr lang="ru-RU" i="1">
-                                  <a:latin typeface="Cambria Math" panose="02040503050406030204" pitchFamily="18" charset="0"/>
-                                </a:rPr>
-                                <m:t>𝑥𝑓</m:t>
-                              </m:r>
-                              <m:d>
-                                <m:dPr>
-                                  <m:begChr m:val="["/>
-                                  <m:endChr m:val="]"/>
-                                  <m:ctrlPr>
-                                    <a:rPr lang="ru-RU" i="1">
-                                      <a:latin typeface="Cambria Math" panose="02040503050406030204" pitchFamily="18" charset="0"/>
-                                    </a:rPr>
-                                  </m:ctrlPr>
-                                </m:dPr>
-                                <m:e>
-                                  <m:r>
-                                    <a:rPr lang="ru-RU" i="1">
-                                      <a:latin typeface="Cambria Math" panose="02040503050406030204" pitchFamily="18" charset="0"/>
-                                    </a:rPr>
-                                    <m:t>𝑚</m:t>
-                                  </m:r>
-                                </m:e>
-                              </m:d>
-                            </m:e>
-                          </m:d>
-                        </m:e>
-                        <m:sup>
-                          <m:r>
-                            <a:rPr lang="ru-RU" i="0">
-                              <a:latin typeface="Cambria Math" panose="02040503050406030204" pitchFamily="18" charset="0"/>
-                            </a:rPr>
-                            <m:t>2</m:t>
-                          </m:r>
-                        </m:sup>
-                      </m:sSup>
-                    </m:oMath>
-                  </m:oMathPara>
-                </a14:m>
-                <a:endParaRPr lang="ru-RU" dirty="0"/>
-              </a:p>
-            </p:txBody>
-          </p:sp>
-        </mc:Choice>
-        <mc:Fallback xmlns="">
-          <p:sp>
-            <p:nvSpPr>
-              <p:cNvPr id="26" name="Прямоугольник 25"/>
-              <p:cNvSpPr>
-                <a:spLocks noRot="1" noChangeAspect="1" noMove="1" noResize="1" noEditPoints="1" noAdjustHandles="1" noChangeArrowheads="1" noChangeShapeType="1" noTextEdit="1"/>
-              </p:cNvSpPr>
-              <p:nvPr/>
-            </p:nvSpPr>
-            <p:spPr>
-              <a:xfrm>
-                <a:off x="5661653" y="2754278"/>
-                <a:ext cx="6263403" cy="659732"/>
-              </a:xfrm>
-              <a:prstGeom prst="rect">
-                <a:avLst/>
-              </a:prstGeom>
-              <a:blipFill>
-                <a:blip r:embed="rId11"/>
-                <a:stretch>
-                  <a:fillRect/>
-                </a:stretch>
-              </a:blipFill>
-            </p:spPr>
-            <p:txBody>
-              <a:bodyPr/>
-              <a:lstStyle/>
-              <a:p>
-                <a:r>
-                  <a:rPr lang="ru-RU">
-                    <a:noFill/>
-                  </a:rPr>
-                  <a:t> </a:t>
-                </a:r>
-              </a:p>
-            </p:txBody>
-          </p:sp>
-        </mc:Fallback>
-      </mc:AlternateContent>
-      <mc:AlternateContent xmlns:mc="http://schemas.openxmlformats.org/markup-compatibility/2006" xmlns:a14="http://schemas.microsoft.com/office/drawing/2010/main">
-        <mc:Choice Requires="a14">
+      <mc:AlternateContent xmlns:mc="http://schemas.openxmlformats.org/markup-compatibility/2006">
+        <mc:Choice xmlns:a14="http://schemas.microsoft.com/office/drawing/2010/main" Requires="a14">
           <p:sp>
             <p:nvSpPr>
               <p:cNvPr id="35" name="Прямоугольник 34"/>
@@ -6045,7 +4592,7 @@
             </p:nvSpPr>
             <p:spPr>
               <a:xfrm>
-                <a:off x="5442092" y="4462838"/>
+                <a:off x="219076" y="5300107"/>
                 <a:ext cx="6568620" cy="493853"/>
               </a:xfrm>
               <a:prstGeom prst="rect">
@@ -6471,7 +5018,7 @@
             </p:txBody>
           </p:sp>
         </mc:Choice>
-        <mc:Fallback xmlns="">
+        <mc:Fallback>
           <p:sp>
             <p:nvSpPr>
               <p:cNvPr id="35" name="Прямоугольник 34"/>
@@ -6482,14 +5029,14 @@
             </p:nvSpPr>
             <p:spPr>
               <a:xfrm>
-                <a:off x="5442092" y="4462838"/>
+                <a:off x="219076" y="5300107"/>
                 <a:ext cx="6568620" cy="493853"/>
               </a:xfrm>
               <a:prstGeom prst="rect">
                 <a:avLst/>
               </a:prstGeom>
               <a:blipFill>
-                <a:blip r:embed="rId13"/>
+                <a:blip r:embed="rId8"/>
                 <a:stretch>
                   <a:fillRect/>
                 </a:stretch>
@@ -6510,8 +5057,8 @@
           </p:sp>
         </mc:Fallback>
       </mc:AlternateContent>
-      <mc:AlternateContent xmlns:mc="http://schemas.openxmlformats.org/markup-compatibility/2006" xmlns:a14="http://schemas.microsoft.com/office/drawing/2010/main">
-        <mc:Choice Requires="a14">
+      <mc:AlternateContent xmlns:mc="http://schemas.openxmlformats.org/markup-compatibility/2006">
+        <mc:Choice xmlns:a14="http://schemas.microsoft.com/office/drawing/2010/main" Requires="a14">
           <p:sp>
             <p:nvSpPr>
               <p:cNvPr id="38" name="Прямоугольник 37"/>
@@ -6520,7 +5067,7 @@
             </p:nvSpPr>
             <p:spPr>
               <a:xfrm>
-                <a:off x="2682017" y="4998730"/>
+                <a:off x="95484" y="5806649"/>
                 <a:ext cx="7593847" cy="1027397"/>
               </a:xfrm>
               <a:prstGeom prst="rect">
@@ -7182,7 +5729,7 @@
             </p:txBody>
           </p:sp>
         </mc:Choice>
-        <mc:Fallback xmlns="">
+        <mc:Fallback>
           <p:sp>
             <p:nvSpPr>
               <p:cNvPr id="38" name="Прямоугольник 37"/>
@@ -7193,14 +5740,14 @@
             </p:nvSpPr>
             <p:spPr>
               <a:xfrm>
-                <a:off x="2682017" y="4998730"/>
+                <a:off x="95484" y="5806649"/>
                 <a:ext cx="7593847" cy="1027397"/>
               </a:xfrm>
               <a:prstGeom prst="rect">
                 <a:avLst/>
               </a:prstGeom>
               <a:blipFill>
-                <a:blip r:embed="rId14"/>
+                <a:blip r:embed="rId9"/>
                 <a:stretch>
                   <a:fillRect/>
                 </a:stretch>
@@ -7221,18 +5768,1723 @@
           </p:sp>
         </mc:Fallback>
       </mc:AlternateContent>
-      <mc:AlternateContent xmlns:mc="http://schemas.openxmlformats.org/markup-compatibility/2006" xmlns:a14="http://schemas.microsoft.com/office/drawing/2010/main">
-        <mc:Choice Requires="a14">
+      <mc:AlternateContent xmlns:mc="http://schemas.openxmlformats.org/markup-compatibility/2006">
+        <mc:Choice xmlns:a14="http://schemas.microsoft.com/office/drawing/2010/main" Requires="a14">
           <p:sp>
             <p:nvSpPr>
-              <p:cNvPr id="45" name="Прямоугольник 44"/>
+              <p:cNvPr id="3" name="Прямоугольник 2"/>
               <p:cNvSpPr/>
               <p:nvPr/>
             </p:nvSpPr>
             <p:spPr>
               <a:xfrm>
-                <a:off x="4581932" y="6082786"/>
-                <a:ext cx="3310650" cy="720262"/>
+                <a:off x="1120775" y="2645296"/>
+                <a:ext cx="10541000" cy="871457"/>
+              </a:xfrm>
+              <a:prstGeom prst="rect">
+                <a:avLst/>
+              </a:prstGeom>
+            </p:spPr>
+            <p:txBody>
+              <a:bodyPr wrap="square">
+                <a:spAutoFit/>
+              </a:bodyPr>
+              <a:lstStyle/>
+              <a:p>
+                <a14:m>
+                  <m:oMathPara xmlns:m="http://schemas.openxmlformats.org/officeDocument/2006/math">
+                    <m:oMathParaPr>
+                      <m:jc m:val="centerGroup"/>
+                    </m:oMathParaPr>
+                    <m:oMath xmlns:m="http://schemas.openxmlformats.org/officeDocument/2006/math">
+                      <m:sSub>
+                        <m:sSubPr>
+                          <m:ctrlPr>
+                            <a:rPr lang="ru-RU">
+                              <a:latin typeface="Cambria Math" panose="02040503050406030204" pitchFamily="18" charset="0"/>
+                            </a:rPr>
+                          </m:ctrlPr>
+                        </m:sSubPr>
+                        <m:e>
+                          <m:r>
+                            <a:rPr lang="ru-RU" i="1">
+                              <a:latin typeface="Cambria Math" panose="02040503050406030204" pitchFamily="18" charset="0"/>
+                            </a:rPr>
+                            <m:t>𝑦</m:t>
+                          </m:r>
+                        </m:e>
+                        <m:sub>
+                          <m:r>
+                            <a:rPr lang="ru-RU" i="1">
+                              <a:latin typeface="Cambria Math" panose="02040503050406030204" pitchFamily="18" charset="0"/>
+                            </a:rPr>
+                            <m:t>𝑛</m:t>
+                          </m:r>
+                        </m:sub>
+                      </m:sSub>
+                      <m:d>
+                        <m:dPr>
+                          <m:begChr m:val="["/>
+                          <m:endChr m:val="]"/>
+                          <m:ctrlPr>
+                            <a:rPr lang="ru-RU" i="1">
+                              <a:latin typeface="Cambria Math" panose="02040503050406030204" pitchFamily="18" charset="0"/>
+                            </a:rPr>
+                          </m:ctrlPr>
+                        </m:dPr>
+                        <m:e>
+                          <m:sSub>
+                            <m:sSubPr>
+                              <m:ctrlPr>
+                                <a:rPr lang="ru-RU" i="1">
+                                  <a:latin typeface="Cambria Math" panose="02040503050406030204" pitchFamily="18" charset="0"/>
+                                </a:rPr>
+                              </m:ctrlPr>
+                            </m:sSubPr>
+                            <m:e>
+                              <m:r>
+                                <a:rPr lang="ru-RU" i="1">
+                                  <a:latin typeface="Cambria Math" panose="02040503050406030204" pitchFamily="18" charset="0"/>
+                                </a:rPr>
+                                <m:t>𝑘</m:t>
+                              </m:r>
+                            </m:e>
+                            <m:sub>
+                              <m:r>
+                                <a:rPr lang="ru-RU" i="0">
+                                  <a:latin typeface="Cambria Math" panose="02040503050406030204" pitchFamily="18" charset="0"/>
+                                </a:rPr>
+                                <m:t>0</m:t>
+                              </m:r>
+                            </m:sub>
+                          </m:sSub>
+                        </m:e>
+                      </m:d>
+                      <m:r>
+                        <a:rPr lang="ru-RU" i="0">
+                          <a:latin typeface="Cambria Math" panose="02040503050406030204" pitchFamily="18" charset="0"/>
+                        </a:rPr>
+                        <m:t>=</m:t>
+                      </m:r>
+                      <m:f>
+                        <m:fPr>
+                          <m:ctrlPr>
+                            <a:rPr lang="ru-RU" i="1">
+                              <a:latin typeface="Cambria Math" panose="02040503050406030204" pitchFamily="18" charset="0"/>
+                            </a:rPr>
+                          </m:ctrlPr>
+                        </m:fPr>
+                        <m:num>
+                          <m:r>
+                            <a:rPr lang="ru-RU" i="0">
+                              <a:latin typeface="Cambria Math" panose="02040503050406030204" pitchFamily="18" charset="0"/>
+                            </a:rPr>
+                            <m:t>1</m:t>
+                          </m:r>
+                        </m:num>
+                        <m:den>
+                          <m:r>
+                            <a:rPr lang="ru-RU" i="1">
+                              <a:latin typeface="Cambria Math" panose="02040503050406030204" pitchFamily="18" charset="0"/>
+                            </a:rPr>
+                            <m:t>𝑁</m:t>
+                          </m:r>
+                        </m:den>
+                      </m:f>
+                      <m:nary>
+                        <m:naryPr>
+                          <m:chr m:val="∑"/>
+                          <m:limLoc m:val="undOvr"/>
+                          <m:ctrlPr>
+                            <a:rPr lang="ru-RU" i="1">
+                              <a:latin typeface="Cambria Math" panose="02040503050406030204" pitchFamily="18" charset="0"/>
+                            </a:rPr>
+                          </m:ctrlPr>
+                        </m:naryPr>
+                        <m:sub>
+                          <m:r>
+                            <a:rPr lang="ru-RU" i="1">
+                              <a:latin typeface="Cambria Math" panose="02040503050406030204" pitchFamily="18" charset="0"/>
+                            </a:rPr>
+                            <m:t>𝑚</m:t>
+                          </m:r>
+                          <m:r>
+                            <a:rPr lang="ru-RU" i="0">
+                              <a:latin typeface="Cambria Math" panose="02040503050406030204" pitchFamily="18" charset="0"/>
+                            </a:rPr>
+                            <m:t>=0</m:t>
+                          </m:r>
+                        </m:sub>
+                        <m:sup>
+                          <m:r>
+                            <a:rPr lang="ru-RU" i="1">
+                              <a:latin typeface="Cambria Math" panose="02040503050406030204" pitchFamily="18" charset="0"/>
+                            </a:rPr>
+                            <m:t>𝑁</m:t>
+                          </m:r>
+                          <m:r>
+                            <a:rPr lang="ru-RU" i="0">
+                              <a:latin typeface="Cambria Math" panose="02040503050406030204" pitchFamily="18" charset="0"/>
+                            </a:rPr>
+                            <m:t>−1</m:t>
+                          </m:r>
+                        </m:sup>
+                        <m:e>
+                          <m:d>
+                            <m:dPr>
+                              <m:ctrlPr>
+                                <a:rPr lang="ru-RU" i="1">
+                                  <a:latin typeface="Cambria Math" panose="02040503050406030204" pitchFamily="18" charset="0"/>
+                                </a:rPr>
+                              </m:ctrlPr>
+                            </m:dPr>
+                            <m:e>
+                              <m:r>
+                                <a:rPr lang="ru-RU" i="1">
+                                  <a:latin typeface="Cambria Math" panose="02040503050406030204" pitchFamily="18" charset="0"/>
+                                </a:rPr>
+                                <m:t>𝑛𝑓</m:t>
+                              </m:r>
+                              <m:d>
+                                <m:dPr>
+                                  <m:begChr m:val="["/>
+                                  <m:endChr m:val="]"/>
+                                  <m:ctrlPr>
+                                    <a:rPr lang="ru-RU" i="1">
+                                      <a:latin typeface="Cambria Math" panose="02040503050406030204" pitchFamily="18" charset="0"/>
+                                    </a:rPr>
+                                  </m:ctrlPr>
+                                </m:dPr>
+                                <m:e>
+                                  <m:r>
+                                    <a:rPr lang="ru-RU" i="1">
+                                      <a:latin typeface="Cambria Math" panose="02040503050406030204" pitchFamily="18" charset="0"/>
+                                    </a:rPr>
+                                    <m:t>𝑚</m:t>
+                                  </m:r>
+                                </m:e>
+                              </m:d>
+                              <m:sSup>
+                                <m:sSupPr>
+                                  <m:ctrlPr>
+                                    <a:rPr lang="ru-RU" i="1">
+                                      <a:latin typeface="Cambria Math" panose="02040503050406030204" pitchFamily="18" charset="0"/>
+                                    </a:rPr>
+                                  </m:ctrlPr>
+                                </m:sSupPr>
+                                <m:e>
+                                  <m:r>
+                                    <a:rPr lang="ru-RU" i="0">
+                                      <a:latin typeface="Cambria Math" panose="02040503050406030204" pitchFamily="18" charset="0"/>
+                                    </a:rPr>
+                                    <m:t>∙</m:t>
+                                  </m:r>
+                                  <m:r>
+                                    <a:rPr lang="ru-RU" i="1">
+                                      <a:latin typeface="Cambria Math" panose="02040503050406030204" pitchFamily="18" charset="0"/>
+                                    </a:rPr>
+                                    <m:t>𝑥𝑓</m:t>
+                                  </m:r>
+                                </m:e>
+                                <m:sup>
+                                  <m:r>
+                                    <a:rPr lang="ru-RU" i="0">
+                                      <a:latin typeface="Cambria Math" panose="02040503050406030204" pitchFamily="18" charset="0"/>
+                                    </a:rPr>
+                                    <m:t>∗</m:t>
+                                  </m:r>
+                                </m:sup>
+                              </m:sSup>
+                              <m:d>
+                                <m:dPr>
+                                  <m:begChr m:val="["/>
+                                  <m:endChr m:val="]"/>
+                                  <m:ctrlPr>
+                                    <a:rPr lang="ru-RU" i="1">
+                                      <a:latin typeface="Cambria Math" panose="02040503050406030204" pitchFamily="18" charset="0"/>
+                                    </a:rPr>
+                                  </m:ctrlPr>
+                                </m:dPr>
+                                <m:e>
+                                  <m:r>
+                                    <a:rPr lang="ru-RU" i="1">
+                                      <a:latin typeface="Cambria Math" panose="02040503050406030204" pitchFamily="18" charset="0"/>
+                                    </a:rPr>
+                                    <m:t>𝑚</m:t>
+                                  </m:r>
+                                </m:e>
+                              </m:d>
+                              <m:sSup>
+                                <m:sSupPr>
+                                  <m:ctrlPr>
+                                    <a:rPr lang="ru-RU" i="1">
+                                      <a:latin typeface="Cambria Math" panose="02040503050406030204" pitchFamily="18" charset="0"/>
+                                    </a:rPr>
+                                  </m:ctrlPr>
+                                </m:sSupPr>
+                                <m:e>
+                                  <m:r>
+                                    <a:rPr lang="ru-RU" i="0">
+                                      <a:latin typeface="Cambria Math" panose="02040503050406030204" pitchFamily="18" charset="0"/>
+                                    </a:rPr>
+                                    <m:t>∙</m:t>
+                                  </m:r>
+                                  <m:r>
+                                    <a:rPr lang="ru-RU" i="1">
+                                      <a:latin typeface="Cambria Math" panose="02040503050406030204" pitchFamily="18" charset="0"/>
+                                    </a:rPr>
+                                    <m:t>𝑒</m:t>
+                                  </m:r>
+                                </m:e>
+                                <m:sup>
+                                  <m:r>
+                                    <a:rPr lang="ru-RU" i="0">
+                                      <a:latin typeface="Cambria Math" panose="02040503050406030204" pitchFamily="18" charset="0"/>
+                                    </a:rPr>
+                                    <m:t>−</m:t>
+                                  </m:r>
+                                  <m:r>
+                                    <a:rPr lang="ru-RU" i="1">
+                                      <a:latin typeface="Cambria Math" panose="02040503050406030204" pitchFamily="18" charset="0"/>
+                                    </a:rPr>
+                                    <m:t>𝑗</m:t>
+                                  </m:r>
+                                  <m:f>
+                                    <m:fPr>
+                                      <m:ctrlPr>
+                                        <a:rPr lang="ru-RU" i="1">
+                                          <a:latin typeface="Cambria Math" panose="02040503050406030204" pitchFamily="18" charset="0"/>
+                                        </a:rPr>
+                                      </m:ctrlPr>
+                                    </m:fPr>
+                                    <m:num>
+                                      <m:r>
+                                        <a:rPr lang="ru-RU" i="0">
+                                          <a:latin typeface="Cambria Math" panose="02040503050406030204" pitchFamily="18" charset="0"/>
+                                        </a:rPr>
+                                        <m:t>2</m:t>
+                                      </m:r>
+                                      <m:r>
+                                        <a:rPr lang="ru-RU" i="1">
+                                          <a:latin typeface="Cambria Math" panose="02040503050406030204" pitchFamily="18" charset="0"/>
+                                        </a:rPr>
+                                        <m:t>𝜋</m:t>
+                                      </m:r>
+                                    </m:num>
+                                    <m:den>
+                                      <m:r>
+                                        <a:rPr lang="ru-RU" i="1">
+                                          <a:latin typeface="Cambria Math" panose="02040503050406030204" pitchFamily="18" charset="0"/>
+                                        </a:rPr>
+                                        <m:t>𝑁</m:t>
+                                      </m:r>
+                                    </m:den>
+                                  </m:f>
+                                  <m:sSub>
+                                    <m:sSubPr>
+                                      <m:ctrlPr>
+                                        <a:rPr lang="ru-RU" i="1">
+                                          <a:latin typeface="Cambria Math" panose="02040503050406030204" pitchFamily="18" charset="0"/>
+                                        </a:rPr>
+                                      </m:ctrlPr>
+                                    </m:sSubPr>
+                                    <m:e>
+                                      <m:r>
+                                        <a:rPr lang="ru-RU" i="1">
+                                          <a:latin typeface="Cambria Math" panose="02040503050406030204" pitchFamily="18" charset="0"/>
+                                        </a:rPr>
+                                        <m:t>𝑘</m:t>
+                                      </m:r>
+                                    </m:e>
+                                    <m:sub>
+                                      <m:r>
+                                        <a:rPr lang="ru-RU" i="0">
+                                          <a:latin typeface="Cambria Math" panose="02040503050406030204" pitchFamily="18" charset="0"/>
+                                        </a:rPr>
+                                        <m:t>0</m:t>
+                                      </m:r>
+                                    </m:sub>
+                                  </m:sSub>
+                                  <m:r>
+                                    <a:rPr lang="ru-RU" i="1">
+                                      <a:latin typeface="Cambria Math" panose="02040503050406030204" pitchFamily="18" charset="0"/>
+                                    </a:rPr>
+                                    <m:t>𝑚</m:t>
+                                  </m:r>
+                                </m:sup>
+                              </m:sSup>
+                            </m:e>
+                          </m:d>
+                          <m:sSup>
+                            <m:sSupPr>
+                              <m:ctrlPr>
+                                <a:rPr lang="ru-RU" i="1">
+                                  <a:latin typeface="Cambria Math" panose="02040503050406030204" pitchFamily="18" charset="0"/>
+                                </a:rPr>
+                              </m:ctrlPr>
+                            </m:sSupPr>
+                            <m:e>
+                              <m:r>
+                                <a:rPr lang="ru-RU" i="0">
+                                  <a:latin typeface="Cambria Math" panose="02040503050406030204" pitchFamily="18" charset="0"/>
+                                </a:rPr>
+                                <m:t>∙</m:t>
+                              </m:r>
+                              <m:r>
+                                <a:rPr lang="ru-RU" i="1">
+                                  <a:latin typeface="Cambria Math" panose="02040503050406030204" pitchFamily="18" charset="0"/>
+                                </a:rPr>
+                                <m:t>𝑒</m:t>
+                              </m:r>
+                            </m:e>
+                            <m:sup>
+                              <m:r>
+                                <a:rPr lang="ru-RU" i="1">
+                                  <a:latin typeface="Cambria Math" panose="02040503050406030204" pitchFamily="18" charset="0"/>
+                                </a:rPr>
+                                <m:t>𝑗</m:t>
+                              </m:r>
+                              <m:f>
+                                <m:fPr>
+                                  <m:ctrlPr>
+                                    <a:rPr lang="ru-RU" i="1">
+                                      <a:latin typeface="Cambria Math" panose="02040503050406030204" pitchFamily="18" charset="0"/>
+                                    </a:rPr>
+                                  </m:ctrlPr>
+                                </m:fPr>
+                                <m:num>
+                                  <m:r>
+                                    <a:rPr lang="ru-RU" i="0">
+                                      <a:latin typeface="Cambria Math" panose="02040503050406030204" pitchFamily="18" charset="0"/>
+                                    </a:rPr>
+                                    <m:t>2</m:t>
+                                  </m:r>
+                                  <m:r>
+                                    <a:rPr lang="ru-RU" i="1">
+                                      <a:latin typeface="Cambria Math" panose="02040503050406030204" pitchFamily="18" charset="0"/>
+                                    </a:rPr>
+                                    <m:t>𝜋</m:t>
+                                  </m:r>
+                                </m:num>
+                                <m:den>
+                                  <m:r>
+                                    <a:rPr lang="ru-RU" i="1">
+                                      <a:latin typeface="Cambria Math" panose="02040503050406030204" pitchFamily="18" charset="0"/>
+                                    </a:rPr>
+                                    <m:t>𝑁</m:t>
+                                  </m:r>
+                                </m:den>
+                              </m:f>
+                              <m:sSub>
+                                <m:sSubPr>
+                                  <m:ctrlPr>
+                                    <a:rPr lang="ru-RU" i="1">
+                                      <a:latin typeface="Cambria Math" panose="02040503050406030204" pitchFamily="18" charset="0"/>
+                                    </a:rPr>
+                                  </m:ctrlPr>
+                                </m:sSubPr>
+                                <m:e>
+                                  <m:r>
+                                    <a:rPr lang="ru-RU" i="1">
+                                      <a:latin typeface="Cambria Math" panose="02040503050406030204" pitchFamily="18" charset="0"/>
+                                    </a:rPr>
+                                    <m:t>𝑘</m:t>
+                                  </m:r>
+                                </m:e>
+                                <m:sub>
+                                  <m:r>
+                                    <a:rPr lang="ru-RU" i="0">
+                                      <a:latin typeface="Cambria Math" panose="02040503050406030204" pitchFamily="18" charset="0"/>
+                                    </a:rPr>
+                                    <m:t>0</m:t>
+                                  </m:r>
+                                </m:sub>
+                              </m:sSub>
+                              <m:r>
+                                <a:rPr lang="ru-RU" i="1">
+                                  <a:latin typeface="Cambria Math" panose="02040503050406030204" pitchFamily="18" charset="0"/>
+                                </a:rPr>
+                                <m:t>𝑚</m:t>
+                              </m:r>
+                            </m:sup>
+                          </m:sSup>
+                          <m:r>
+                            <a:rPr lang="ru-RU" i="0">
+                              <a:latin typeface="Cambria Math" panose="02040503050406030204" pitchFamily="18" charset="0"/>
+                            </a:rPr>
+                            <m:t>=</m:t>
+                          </m:r>
+                          <m:f>
+                            <m:fPr>
+                              <m:ctrlPr>
+                                <a:rPr lang="ru-RU" i="1">
+                                  <a:latin typeface="Cambria Math" panose="02040503050406030204" pitchFamily="18" charset="0"/>
+                                </a:rPr>
+                              </m:ctrlPr>
+                            </m:fPr>
+                            <m:num>
+                              <m:r>
+                                <a:rPr lang="ru-RU" i="0">
+                                  <a:latin typeface="Cambria Math" panose="02040503050406030204" pitchFamily="18" charset="0"/>
+                                </a:rPr>
+                                <m:t>1</m:t>
+                              </m:r>
+                            </m:num>
+                            <m:den>
+                              <m:r>
+                                <a:rPr lang="ru-RU" i="1">
+                                  <a:latin typeface="Cambria Math" panose="02040503050406030204" pitchFamily="18" charset="0"/>
+                                </a:rPr>
+                                <m:t>𝑁</m:t>
+                              </m:r>
+                            </m:den>
+                          </m:f>
+                          <m:nary>
+                            <m:naryPr>
+                              <m:chr m:val="∑"/>
+                              <m:limLoc m:val="undOvr"/>
+                              <m:ctrlPr>
+                                <a:rPr lang="ru-RU" i="1">
+                                  <a:latin typeface="Cambria Math" panose="02040503050406030204" pitchFamily="18" charset="0"/>
+                                </a:rPr>
+                              </m:ctrlPr>
+                            </m:naryPr>
+                            <m:sub>
+                              <m:r>
+                                <a:rPr lang="ru-RU" i="1">
+                                  <a:latin typeface="Cambria Math" panose="02040503050406030204" pitchFamily="18" charset="0"/>
+                                </a:rPr>
+                                <m:t>𝑚</m:t>
+                              </m:r>
+                              <m:r>
+                                <a:rPr lang="ru-RU" i="0">
+                                  <a:latin typeface="Cambria Math" panose="02040503050406030204" pitchFamily="18" charset="0"/>
+                                </a:rPr>
+                                <m:t>=0</m:t>
+                              </m:r>
+                            </m:sub>
+                            <m:sup>
+                              <m:r>
+                                <a:rPr lang="ru-RU" i="1">
+                                  <a:latin typeface="Cambria Math" panose="02040503050406030204" pitchFamily="18" charset="0"/>
+                                </a:rPr>
+                                <m:t>𝑁</m:t>
+                              </m:r>
+                              <m:r>
+                                <a:rPr lang="ru-RU" i="0">
+                                  <a:latin typeface="Cambria Math" panose="02040503050406030204" pitchFamily="18" charset="0"/>
+                                </a:rPr>
+                                <m:t>−1</m:t>
+                              </m:r>
+                            </m:sup>
+                            <m:e>
+                              <m:r>
+                                <a:rPr lang="ru-RU" i="1">
+                                  <a:latin typeface="Cambria Math" panose="02040503050406030204" pitchFamily="18" charset="0"/>
+                                </a:rPr>
+                                <m:t>𝑛𝑓</m:t>
+                              </m:r>
+                              <m:d>
+                                <m:dPr>
+                                  <m:begChr m:val="["/>
+                                  <m:endChr m:val="]"/>
+                                  <m:ctrlPr>
+                                    <a:rPr lang="ru-RU" i="1">
+                                      <a:latin typeface="Cambria Math" panose="02040503050406030204" pitchFamily="18" charset="0"/>
+                                    </a:rPr>
+                                  </m:ctrlPr>
+                                </m:dPr>
+                                <m:e>
+                                  <m:r>
+                                    <a:rPr lang="ru-RU" i="1">
+                                      <a:latin typeface="Cambria Math" panose="02040503050406030204" pitchFamily="18" charset="0"/>
+                                    </a:rPr>
+                                    <m:t>𝑚</m:t>
+                                  </m:r>
+                                </m:e>
+                              </m:d>
+                              <m:sSup>
+                                <m:sSupPr>
+                                  <m:ctrlPr>
+                                    <a:rPr lang="ru-RU" i="1">
+                                      <a:latin typeface="Cambria Math" panose="02040503050406030204" pitchFamily="18" charset="0"/>
+                                    </a:rPr>
+                                  </m:ctrlPr>
+                                </m:sSupPr>
+                                <m:e>
+                                  <m:r>
+                                    <a:rPr lang="ru-RU" i="0">
+                                      <a:latin typeface="Cambria Math" panose="02040503050406030204" pitchFamily="18" charset="0"/>
+                                    </a:rPr>
+                                    <m:t>∙</m:t>
+                                  </m:r>
+                                  <m:r>
+                                    <a:rPr lang="ru-RU" i="1">
+                                      <a:latin typeface="Cambria Math" panose="02040503050406030204" pitchFamily="18" charset="0"/>
+                                    </a:rPr>
+                                    <m:t>𝑥𝑓</m:t>
+                                  </m:r>
+                                </m:e>
+                                <m:sup>
+                                  <m:r>
+                                    <a:rPr lang="ru-RU" i="0">
+                                      <a:latin typeface="Cambria Math" panose="02040503050406030204" pitchFamily="18" charset="0"/>
+                                    </a:rPr>
+                                    <m:t>∗</m:t>
+                                  </m:r>
+                                </m:sup>
+                              </m:sSup>
+                              <m:d>
+                                <m:dPr>
+                                  <m:begChr m:val="["/>
+                                  <m:endChr m:val="]"/>
+                                  <m:ctrlPr>
+                                    <a:rPr lang="ru-RU" i="1">
+                                      <a:latin typeface="Cambria Math" panose="02040503050406030204" pitchFamily="18" charset="0"/>
+                                    </a:rPr>
+                                  </m:ctrlPr>
+                                </m:dPr>
+                                <m:e>
+                                  <m:r>
+                                    <a:rPr lang="ru-RU" i="1">
+                                      <a:latin typeface="Cambria Math" panose="02040503050406030204" pitchFamily="18" charset="0"/>
+                                    </a:rPr>
+                                    <m:t>𝑚</m:t>
+                                  </m:r>
+                                </m:e>
+                              </m:d>
+                            </m:e>
+                          </m:nary>
+                          <m:r>
+                            <a:rPr lang="ru-RU" i="0">
+                              <a:latin typeface="Cambria Math" panose="02040503050406030204" pitchFamily="18" charset="0"/>
+                            </a:rPr>
+                            <m:t>=</m:t>
+                          </m:r>
+                          <m:nary>
+                            <m:naryPr>
+                              <m:chr m:val="∑"/>
+                              <m:limLoc m:val="undOvr"/>
+                              <m:ctrlPr>
+                                <a:rPr lang="ru-RU" i="1">
+                                  <a:latin typeface="Cambria Math" panose="02040503050406030204" pitchFamily="18" charset="0"/>
+                                </a:rPr>
+                              </m:ctrlPr>
+                            </m:naryPr>
+                            <m:sub>
+                              <m:r>
+                                <a:rPr lang="ru-RU" i="1">
+                                  <a:latin typeface="Cambria Math" panose="02040503050406030204" pitchFamily="18" charset="0"/>
+                                </a:rPr>
+                                <m:t>𝑘</m:t>
+                              </m:r>
+                              <m:r>
+                                <a:rPr lang="ru-RU" i="0">
+                                  <a:latin typeface="Cambria Math" panose="02040503050406030204" pitchFamily="18" charset="0"/>
+                                </a:rPr>
+                                <m:t>=0</m:t>
+                              </m:r>
+                            </m:sub>
+                            <m:sup>
+                              <m:r>
+                                <a:rPr lang="ru-RU" i="1">
+                                  <a:latin typeface="Cambria Math" panose="02040503050406030204" pitchFamily="18" charset="0"/>
+                                </a:rPr>
+                                <m:t>𝑁</m:t>
+                              </m:r>
+                              <m:r>
+                                <a:rPr lang="ru-RU" i="0">
+                                  <a:latin typeface="Cambria Math" panose="02040503050406030204" pitchFamily="18" charset="0"/>
+                                </a:rPr>
+                                <m:t>−1</m:t>
+                              </m:r>
+                            </m:sup>
+                            <m:e>
+                              <m:d>
+                                <m:dPr>
+                                  <m:begChr m:val=""/>
+                                  <m:endChr m:val="]"/>
+                                  <m:ctrlPr>
+                                    <a:rPr lang="ru-RU" i="1">
+                                      <a:latin typeface="Cambria Math" panose="02040503050406030204" pitchFamily="18" charset="0"/>
+                                    </a:rPr>
+                                  </m:ctrlPr>
+                                </m:dPr>
+                                <m:e>
+                                  <m:r>
+                                    <a:rPr lang="ru-RU" i="1">
+                                      <a:latin typeface="Cambria Math" panose="02040503050406030204" pitchFamily="18" charset="0"/>
+                                    </a:rPr>
+                                    <m:t>𝑛</m:t>
+                                  </m:r>
+                                  <m:r>
+                                    <a:rPr lang="ru-RU" i="0">
+                                      <a:latin typeface="Cambria Math" panose="02040503050406030204" pitchFamily="18" charset="0"/>
+                                    </a:rPr>
+                                    <m:t>[</m:t>
+                                  </m:r>
+                                  <m:r>
+                                    <a:rPr lang="ru-RU" i="1">
+                                      <a:latin typeface="Cambria Math" panose="02040503050406030204" pitchFamily="18" charset="0"/>
+                                    </a:rPr>
+                                    <m:t>𝑘</m:t>
+                                  </m:r>
+                                  <m:r>
+                                    <a:rPr lang="ru-RU" i="0">
+                                      <a:latin typeface="Cambria Math" panose="02040503050406030204" pitchFamily="18" charset="0"/>
+                                    </a:rPr>
+                                    <m:t>]∙</m:t>
+                                  </m:r>
+                                  <m:sSup>
+                                    <m:sSupPr>
+                                      <m:ctrlPr>
+                                        <a:rPr lang="ru-RU" i="1">
+                                          <a:latin typeface="Cambria Math" panose="02040503050406030204" pitchFamily="18" charset="0"/>
+                                        </a:rPr>
+                                      </m:ctrlPr>
+                                    </m:sSupPr>
+                                    <m:e>
+                                      <m:r>
+                                        <a:rPr lang="ru-RU" i="1">
+                                          <a:latin typeface="Cambria Math" panose="02040503050406030204" pitchFamily="18" charset="0"/>
+                                        </a:rPr>
+                                        <m:t>𝑥</m:t>
+                                      </m:r>
+                                    </m:e>
+                                    <m:sup>
+                                      <m:r>
+                                        <a:rPr lang="ru-RU" i="0">
+                                          <a:latin typeface="Cambria Math" panose="02040503050406030204" pitchFamily="18" charset="0"/>
+                                        </a:rPr>
+                                        <m:t>∗</m:t>
+                                      </m:r>
+                                    </m:sup>
+                                  </m:sSup>
+                                  <m:r>
+                                    <a:rPr lang="ru-RU" i="0">
+                                      <a:latin typeface="Cambria Math" panose="02040503050406030204" pitchFamily="18" charset="0"/>
+                                    </a:rPr>
+                                    <m:t>[</m:t>
+                                  </m:r>
+                                  <m:r>
+                                    <a:rPr lang="ru-RU" i="1">
+                                      <a:latin typeface="Cambria Math" panose="02040503050406030204" pitchFamily="18" charset="0"/>
+                                    </a:rPr>
+                                    <m:t>𝑘</m:t>
+                                  </m:r>
+                                </m:e>
+                              </m:d>
+                            </m:e>
+                          </m:nary>
+                          <m:r>
+                            <a:rPr lang="ru-RU" i="0">
+                              <a:latin typeface="Cambria Math" panose="02040503050406030204" pitchFamily="18" charset="0"/>
+                            </a:rPr>
+                            <m:t> </m:t>
+                          </m:r>
+                        </m:e>
+                      </m:nary>
+                    </m:oMath>
+                  </m:oMathPara>
+                </a14:m>
+                <a:endParaRPr lang="ru-RU" dirty="0"/>
+              </a:p>
+            </p:txBody>
+          </p:sp>
+        </mc:Choice>
+        <mc:Fallback>
+          <p:sp>
+            <p:nvSpPr>
+              <p:cNvPr id="3" name="Прямоугольник 2"/>
+              <p:cNvSpPr>
+                <a:spLocks noRot="1" noChangeAspect="1" noMove="1" noResize="1" noEditPoints="1" noAdjustHandles="1" noChangeArrowheads="1" noChangeShapeType="1" noTextEdit="1"/>
+              </p:cNvSpPr>
+              <p:nvPr/>
+            </p:nvSpPr>
+            <p:spPr>
+              <a:xfrm>
+                <a:off x="1120775" y="2645296"/>
+                <a:ext cx="10541000" cy="871457"/>
+              </a:xfrm>
+              <a:prstGeom prst="rect">
+                <a:avLst/>
+              </a:prstGeom>
+              <a:blipFill>
+                <a:blip r:embed="rId10"/>
+                <a:stretch>
+                  <a:fillRect/>
+                </a:stretch>
+              </a:blipFill>
+            </p:spPr>
+            <p:txBody>
+              <a:bodyPr/>
+              <a:lstStyle/>
+              <a:p>
+                <a:r>
+                  <a:rPr lang="ru-RU">
+                    <a:noFill/>
+                  </a:rPr>
+                  <a:t> </a:t>
+                </a:r>
+              </a:p>
+            </p:txBody>
+          </p:sp>
+        </mc:Fallback>
+      </mc:AlternateContent>
+      <mc:AlternateContent xmlns:mc="http://schemas.openxmlformats.org/markup-compatibility/2006">
+        <mc:Choice xmlns:a14="http://schemas.microsoft.com/office/drawing/2010/main" Requires="a14">
+          <p:sp>
+            <p:nvSpPr>
+              <p:cNvPr id="10" name="Прямоугольник 9"/>
+              <p:cNvSpPr/>
+              <p:nvPr/>
+            </p:nvSpPr>
+            <p:spPr>
+              <a:xfrm>
+                <a:off x="338393" y="3430009"/>
+                <a:ext cx="11272838" cy="976614"/>
+              </a:xfrm>
+              <a:prstGeom prst="rect">
+                <a:avLst/>
+              </a:prstGeom>
+            </p:spPr>
+            <p:txBody>
+              <a:bodyPr wrap="square">
+                <a:spAutoFit/>
+              </a:bodyPr>
+              <a:lstStyle/>
+              <a:p>
+                <a14:m>
+                  <m:oMathPara xmlns:m="http://schemas.openxmlformats.org/officeDocument/2006/math">
+                    <m:oMathParaPr>
+                      <m:jc m:val="centerGroup"/>
+                    </m:oMathParaPr>
+                    <m:oMath xmlns:m="http://schemas.openxmlformats.org/officeDocument/2006/math">
+                      <m:r>
+                        <a:rPr lang="ru-RU" i="1">
+                          <a:latin typeface="Cambria Math" panose="02040503050406030204" pitchFamily="18" charset="0"/>
+                        </a:rPr>
+                        <m:t>𝐸</m:t>
+                      </m:r>
+                      <m:d>
+                        <m:dPr>
+                          <m:begChr m:val="{"/>
+                          <m:endChr m:val="}"/>
+                          <m:ctrlPr>
+                            <a:rPr lang="ru-RU" i="1">
+                              <a:latin typeface="Cambria Math" panose="02040503050406030204" pitchFamily="18" charset="0"/>
+                            </a:rPr>
+                          </m:ctrlPr>
+                        </m:dPr>
+                        <m:e>
+                          <m:sSup>
+                            <m:sSupPr>
+                              <m:ctrlPr>
+                                <a:rPr lang="ru-RU" i="1">
+                                  <a:latin typeface="Cambria Math" panose="02040503050406030204" pitchFamily="18" charset="0"/>
+                                </a:rPr>
+                              </m:ctrlPr>
+                            </m:sSupPr>
+                            <m:e>
+                              <m:d>
+                                <m:dPr>
+                                  <m:begChr m:val="|"/>
+                                  <m:endChr m:val="|"/>
+                                  <m:ctrlPr>
+                                    <a:rPr lang="ru-RU" i="1">
+                                      <a:latin typeface="Cambria Math" panose="02040503050406030204" pitchFamily="18" charset="0"/>
+                                    </a:rPr>
+                                  </m:ctrlPr>
+                                </m:dPr>
+                                <m:e>
+                                  <m:sSub>
+                                    <m:sSubPr>
+                                      <m:ctrlPr>
+                                        <a:rPr lang="ru-RU" i="1">
+                                          <a:latin typeface="Cambria Math" panose="02040503050406030204" pitchFamily="18" charset="0"/>
+                                        </a:rPr>
+                                      </m:ctrlPr>
+                                    </m:sSubPr>
+                                    <m:e>
+                                      <m:r>
+                                        <a:rPr lang="ru-RU" i="1">
+                                          <a:latin typeface="Cambria Math" panose="02040503050406030204" pitchFamily="18" charset="0"/>
+                                        </a:rPr>
+                                        <m:t>𝑦</m:t>
+                                      </m:r>
+                                    </m:e>
+                                    <m:sub>
+                                      <m:r>
+                                        <a:rPr lang="ru-RU" i="1">
+                                          <a:latin typeface="Cambria Math" panose="02040503050406030204" pitchFamily="18" charset="0"/>
+                                        </a:rPr>
+                                        <m:t>𝑛</m:t>
+                                      </m:r>
+                                    </m:sub>
+                                  </m:sSub>
+                                  <m:d>
+                                    <m:dPr>
+                                      <m:begChr m:val="["/>
+                                      <m:endChr m:val="]"/>
+                                      <m:ctrlPr>
+                                        <a:rPr lang="ru-RU" i="1">
+                                          <a:latin typeface="Cambria Math" panose="02040503050406030204" pitchFamily="18" charset="0"/>
+                                        </a:rPr>
+                                      </m:ctrlPr>
+                                    </m:dPr>
+                                    <m:e>
+                                      <m:sSub>
+                                        <m:sSubPr>
+                                          <m:ctrlPr>
+                                            <a:rPr lang="ru-RU" i="1">
+                                              <a:latin typeface="Cambria Math" panose="02040503050406030204" pitchFamily="18" charset="0"/>
+                                            </a:rPr>
+                                          </m:ctrlPr>
+                                        </m:sSubPr>
+                                        <m:e>
+                                          <m:r>
+                                            <a:rPr lang="ru-RU" i="1">
+                                              <a:latin typeface="Cambria Math" panose="02040503050406030204" pitchFamily="18" charset="0"/>
+                                            </a:rPr>
+                                            <m:t>𝑘</m:t>
+                                          </m:r>
+                                        </m:e>
+                                        <m:sub>
+                                          <m:r>
+                                            <a:rPr lang="ru-RU" i="0">
+                                              <a:latin typeface="Cambria Math" panose="02040503050406030204" pitchFamily="18" charset="0"/>
+                                            </a:rPr>
+                                            <m:t>0</m:t>
+                                          </m:r>
+                                        </m:sub>
+                                      </m:sSub>
+                                    </m:e>
+                                  </m:d>
+                                </m:e>
+                              </m:d>
+                            </m:e>
+                            <m:sup>
+                              <m:r>
+                                <a:rPr lang="ru-RU" i="0">
+                                  <a:latin typeface="Cambria Math" panose="02040503050406030204" pitchFamily="18" charset="0"/>
+                                </a:rPr>
+                                <m:t>2</m:t>
+                              </m:r>
+                            </m:sup>
+                          </m:sSup>
+                        </m:e>
+                      </m:d>
+                      <m:r>
+                        <a:rPr lang="ru-RU" i="0">
+                          <a:latin typeface="Cambria Math" panose="02040503050406030204" pitchFamily="18" charset="0"/>
+                        </a:rPr>
+                        <m:t>=</m:t>
+                      </m:r>
+                      <m:r>
+                        <a:rPr lang="ru-RU" i="1">
+                          <a:latin typeface="Cambria Math" panose="02040503050406030204" pitchFamily="18" charset="0"/>
+                        </a:rPr>
+                        <m:t>𝐸</m:t>
+                      </m:r>
+                      <m:d>
+                        <m:dPr>
+                          <m:begChr m:val="{"/>
+                          <m:endChr m:val="}"/>
+                          <m:ctrlPr>
+                            <a:rPr lang="ru-RU" i="1">
+                              <a:latin typeface="Cambria Math" panose="02040503050406030204" pitchFamily="18" charset="0"/>
+                            </a:rPr>
+                          </m:ctrlPr>
+                        </m:dPr>
+                        <m:e>
+                          <m:nary>
+                            <m:naryPr>
+                              <m:chr m:val="∑"/>
+                              <m:limLoc m:val="undOvr"/>
+                              <m:ctrlPr>
+                                <a:rPr lang="ru-RU" i="1">
+                                  <a:latin typeface="Cambria Math" panose="02040503050406030204" pitchFamily="18" charset="0"/>
+                                </a:rPr>
+                              </m:ctrlPr>
+                            </m:naryPr>
+                            <m:sub>
+                              <m:sSub>
+                                <m:sSubPr>
+                                  <m:ctrlPr>
+                                    <a:rPr lang="ru-RU" i="1">
+                                      <a:latin typeface="Cambria Math" panose="02040503050406030204" pitchFamily="18" charset="0"/>
+                                    </a:rPr>
+                                  </m:ctrlPr>
+                                </m:sSubPr>
+                                <m:e>
+                                  <m:r>
+                                    <a:rPr lang="ru-RU" i="1">
+                                      <a:latin typeface="Cambria Math" panose="02040503050406030204" pitchFamily="18" charset="0"/>
+                                    </a:rPr>
+                                    <m:t>𝑘</m:t>
+                                  </m:r>
+                                </m:e>
+                                <m:sub>
+                                  <m:r>
+                                    <a:rPr lang="ru-RU" i="0">
+                                      <a:latin typeface="Cambria Math" panose="02040503050406030204" pitchFamily="18" charset="0"/>
+                                    </a:rPr>
+                                    <m:t>1</m:t>
+                                  </m:r>
+                                </m:sub>
+                              </m:sSub>
+                              <m:r>
+                                <a:rPr lang="ru-RU" i="0">
+                                  <a:latin typeface="Cambria Math" panose="02040503050406030204" pitchFamily="18" charset="0"/>
+                                </a:rPr>
+                                <m:t>=0</m:t>
+                              </m:r>
+                            </m:sub>
+                            <m:sup>
+                              <m:r>
+                                <a:rPr lang="ru-RU" i="1">
+                                  <a:latin typeface="Cambria Math" panose="02040503050406030204" pitchFamily="18" charset="0"/>
+                                </a:rPr>
+                                <m:t>𝑁</m:t>
+                              </m:r>
+                              <m:r>
+                                <a:rPr lang="ru-RU" i="0">
+                                  <a:latin typeface="Cambria Math" panose="02040503050406030204" pitchFamily="18" charset="0"/>
+                                </a:rPr>
+                                <m:t>−1</m:t>
+                              </m:r>
+                            </m:sup>
+                            <m:e>
+                              <m:r>
+                                <a:rPr lang="ru-RU" i="1">
+                                  <a:latin typeface="Cambria Math" panose="02040503050406030204" pitchFamily="18" charset="0"/>
+                                </a:rPr>
+                                <m:t>𝑛</m:t>
+                              </m:r>
+                              <m:d>
+                                <m:dPr>
+                                  <m:begChr m:val="["/>
+                                  <m:endChr m:val="]"/>
+                                  <m:ctrlPr>
+                                    <a:rPr lang="ru-RU" i="1">
+                                      <a:latin typeface="Cambria Math" panose="02040503050406030204" pitchFamily="18" charset="0"/>
+                                    </a:rPr>
+                                  </m:ctrlPr>
+                                </m:dPr>
+                                <m:e>
+                                  <m:sSub>
+                                    <m:sSubPr>
+                                      <m:ctrlPr>
+                                        <a:rPr lang="ru-RU" i="1">
+                                          <a:latin typeface="Cambria Math" panose="02040503050406030204" pitchFamily="18" charset="0"/>
+                                        </a:rPr>
+                                      </m:ctrlPr>
+                                    </m:sSubPr>
+                                    <m:e>
+                                      <m:r>
+                                        <a:rPr lang="ru-RU" i="1">
+                                          <a:latin typeface="Cambria Math" panose="02040503050406030204" pitchFamily="18" charset="0"/>
+                                        </a:rPr>
+                                        <m:t>𝑘</m:t>
+                                      </m:r>
+                                    </m:e>
+                                    <m:sub>
+                                      <m:r>
+                                        <a:rPr lang="ru-RU" i="0">
+                                          <a:latin typeface="Cambria Math" panose="02040503050406030204" pitchFamily="18" charset="0"/>
+                                        </a:rPr>
+                                        <m:t>1</m:t>
+                                      </m:r>
+                                    </m:sub>
+                                  </m:sSub>
+                                </m:e>
+                              </m:d>
+                            </m:e>
+                          </m:nary>
+                          <m:r>
+                            <a:rPr lang="ru-RU" i="0">
+                              <a:latin typeface="Cambria Math" panose="02040503050406030204" pitchFamily="18" charset="0"/>
+                            </a:rPr>
+                            <m:t>∙</m:t>
+                          </m:r>
+                          <m:sSup>
+                            <m:sSupPr>
+                              <m:ctrlPr>
+                                <a:rPr lang="ru-RU" i="1">
+                                  <a:latin typeface="Cambria Math" panose="02040503050406030204" pitchFamily="18" charset="0"/>
+                                </a:rPr>
+                              </m:ctrlPr>
+                            </m:sSupPr>
+                            <m:e>
+                              <m:r>
+                                <a:rPr lang="ru-RU" i="1">
+                                  <a:latin typeface="Cambria Math" panose="02040503050406030204" pitchFamily="18" charset="0"/>
+                                </a:rPr>
+                                <m:t>𝑥</m:t>
+                              </m:r>
+                            </m:e>
+                            <m:sup>
+                              <m:r>
+                                <a:rPr lang="ru-RU" i="0">
+                                  <a:latin typeface="Cambria Math" panose="02040503050406030204" pitchFamily="18" charset="0"/>
+                                </a:rPr>
+                                <m:t>∗</m:t>
+                              </m:r>
+                            </m:sup>
+                          </m:sSup>
+                          <m:d>
+                            <m:dPr>
+                              <m:begChr m:val="["/>
+                              <m:endChr m:val="]"/>
+                              <m:ctrlPr>
+                                <a:rPr lang="ru-RU" i="1">
+                                  <a:latin typeface="Cambria Math" panose="02040503050406030204" pitchFamily="18" charset="0"/>
+                                </a:rPr>
+                              </m:ctrlPr>
+                            </m:dPr>
+                            <m:e>
+                              <m:sSub>
+                                <m:sSubPr>
+                                  <m:ctrlPr>
+                                    <a:rPr lang="ru-RU" i="1">
+                                      <a:latin typeface="Cambria Math" panose="02040503050406030204" pitchFamily="18" charset="0"/>
+                                    </a:rPr>
+                                  </m:ctrlPr>
+                                </m:sSubPr>
+                                <m:e>
+                                  <m:r>
+                                    <a:rPr lang="ru-RU" i="1">
+                                      <a:latin typeface="Cambria Math" panose="02040503050406030204" pitchFamily="18" charset="0"/>
+                                    </a:rPr>
+                                    <m:t>𝑘</m:t>
+                                  </m:r>
+                                </m:e>
+                                <m:sub>
+                                  <m:r>
+                                    <a:rPr lang="ru-RU" i="0">
+                                      <a:latin typeface="Cambria Math" panose="02040503050406030204" pitchFamily="18" charset="0"/>
+                                    </a:rPr>
+                                    <m:t>1</m:t>
+                                  </m:r>
+                                </m:sub>
+                              </m:sSub>
+                            </m:e>
+                          </m:d>
+                          <m:r>
+                            <a:rPr lang="ru-RU" i="0">
+                              <a:latin typeface="Cambria Math" panose="02040503050406030204" pitchFamily="18" charset="0"/>
+                            </a:rPr>
+                            <m:t>∙</m:t>
+                          </m:r>
+                          <m:nary>
+                            <m:naryPr>
+                              <m:chr m:val="∑"/>
+                              <m:limLoc m:val="undOvr"/>
+                              <m:ctrlPr>
+                                <a:rPr lang="ru-RU" i="1">
+                                  <a:latin typeface="Cambria Math" panose="02040503050406030204" pitchFamily="18" charset="0"/>
+                                </a:rPr>
+                              </m:ctrlPr>
+                            </m:naryPr>
+                            <m:sub>
+                              <m:sSub>
+                                <m:sSubPr>
+                                  <m:ctrlPr>
+                                    <a:rPr lang="ru-RU" i="1">
+                                      <a:latin typeface="Cambria Math" panose="02040503050406030204" pitchFamily="18" charset="0"/>
+                                    </a:rPr>
+                                  </m:ctrlPr>
+                                </m:sSubPr>
+                                <m:e>
+                                  <m:r>
+                                    <a:rPr lang="ru-RU" i="1">
+                                      <a:latin typeface="Cambria Math" panose="02040503050406030204" pitchFamily="18" charset="0"/>
+                                    </a:rPr>
+                                    <m:t>𝑘</m:t>
+                                  </m:r>
+                                </m:e>
+                                <m:sub>
+                                  <m:r>
+                                    <a:rPr lang="ru-RU" i="0">
+                                      <a:latin typeface="Cambria Math" panose="02040503050406030204" pitchFamily="18" charset="0"/>
+                                    </a:rPr>
+                                    <m:t>2</m:t>
+                                  </m:r>
+                                </m:sub>
+                              </m:sSub>
+                              <m:r>
+                                <a:rPr lang="ru-RU" i="0">
+                                  <a:latin typeface="Cambria Math" panose="02040503050406030204" pitchFamily="18" charset="0"/>
+                                </a:rPr>
+                                <m:t>=0</m:t>
+                              </m:r>
+                            </m:sub>
+                            <m:sup>
+                              <m:r>
+                                <a:rPr lang="ru-RU" i="1">
+                                  <a:latin typeface="Cambria Math" panose="02040503050406030204" pitchFamily="18" charset="0"/>
+                                </a:rPr>
+                                <m:t>𝑁</m:t>
+                              </m:r>
+                              <m:r>
+                                <a:rPr lang="ru-RU" i="0">
+                                  <a:latin typeface="Cambria Math" panose="02040503050406030204" pitchFamily="18" charset="0"/>
+                                </a:rPr>
+                                <m:t>−1</m:t>
+                              </m:r>
+                            </m:sup>
+                            <m:e>
+                              <m:r>
+                                <a:rPr lang="ru-RU" i="1">
+                                  <a:latin typeface="Cambria Math" panose="02040503050406030204" pitchFamily="18" charset="0"/>
+                                </a:rPr>
+                                <m:t>𝑛</m:t>
+                              </m:r>
+                              <m:d>
+                                <m:dPr>
+                                  <m:begChr m:val="["/>
+                                  <m:endChr m:val="]"/>
+                                  <m:ctrlPr>
+                                    <a:rPr lang="ru-RU" i="1">
+                                      <a:latin typeface="Cambria Math" panose="02040503050406030204" pitchFamily="18" charset="0"/>
+                                    </a:rPr>
+                                  </m:ctrlPr>
+                                </m:dPr>
+                                <m:e>
+                                  <m:sSub>
+                                    <m:sSubPr>
+                                      <m:ctrlPr>
+                                        <a:rPr lang="ru-RU" i="1">
+                                          <a:latin typeface="Cambria Math" panose="02040503050406030204" pitchFamily="18" charset="0"/>
+                                        </a:rPr>
+                                      </m:ctrlPr>
+                                    </m:sSubPr>
+                                    <m:e>
+                                      <m:r>
+                                        <a:rPr lang="ru-RU" i="1">
+                                          <a:latin typeface="Cambria Math" panose="02040503050406030204" pitchFamily="18" charset="0"/>
+                                        </a:rPr>
+                                        <m:t>𝑘</m:t>
+                                      </m:r>
+                                    </m:e>
+                                    <m:sub>
+                                      <m:r>
+                                        <a:rPr lang="ru-RU" i="0">
+                                          <a:latin typeface="Cambria Math" panose="02040503050406030204" pitchFamily="18" charset="0"/>
+                                        </a:rPr>
+                                        <m:t>2</m:t>
+                                      </m:r>
+                                    </m:sub>
+                                  </m:sSub>
+                                </m:e>
+                              </m:d>
+                            </m:e>
+                          </m:nary>
+                          <m:r>
+                            <a:rPr lang="ru-RU" i="0">
+                              <a:latin typeface="Cambria Math" panose="02040503050406030204" pitchFamily="18" charset="0"/>
+                            </a:rPr>
+                            <m:t>∙</m:t>
+                          </m:r>
+                          <m:sSup>
+                            <m:sSupPr>
+                              <m:ctrlPr>
+                                <a:rPr lang="ru-RU" i="1">
+                                  <a:latin typeface="Cambria Math" panose="02040503050406030204" pitchFamily="18" charset="0"/>
+                                </a:rPr>
+                              </m:ctrlPr>
+                            </m:sSupPr>
+                            <m:e>
+                              <m:r>
+                                <a:rPr lang="ru-RU" i="1">
+                                  <a:latin typeface="Cambria Math" panose="02040503050406030204" pitchFamily="18" charset="0"/>
+                                </a:rPr>
+                                <m:t>𝑥</m:t>
+                              </m:r>
+                            </m:e>
+                            <m:sup>
+                              <m:r>
+                                <a:rPr lang="ru-RU" i="0">
+                                  <a:latin typeface="Cambria Math" panose="02040503050406030204" pitchFamily="18" charset="0"/>
+                                </a:rPr>
+                                <m:t>∗</m:t>
+                              </m:r>
+                            </m:sup>
+                          </m:sSup>
+                          <m:d>
+                            <m:dPr>
+                              <m:begChr m:val="["/>
+                              <m:endChr m:val="]"/>
+                              <m:ctrlPr>
+                                <a:rPr lang="ru-RU" i="1">
+                                  <a:latin typeface="Cambria Math" panose="02040503050406030204" pitchFamily="18" charset="0"/>
+                                </a:rPr>
+                              </m:ctrlPr>
+                            </m:dPr>
+                            <m:e>
+                              <m:sSub>
+                                <m:sSubPr>
+                                  <m:ctrlPr>
+                                    <a:rPr lang="ru-RU" i="1">
+                                      <a:latin typeface="Cambria Math" panose="02040503050406030204" pitchFamily="18" charset="0"/>
+                                    </a:rPr>
+                                  </m:ctrlPr>
+                                </m:sSubPr>
+                                <m:e>
+                                  <m:r>
+                                    <a:rPr lang="ru-RU" i="1">
+                                      <a:latin typeface="Cambria Math" panose="02040503050406030204" pitchFamily="18" charset="0"/>
+                                    </a:rPr>
+                                    <m:t>𝑘</m:t>
+                                  </m:r>
+                                </m:e>
+                                <m:sub>
+                                  <m:r>
+                                    <a:rPr lang="ru-RU" i="0">
+                                      <a:latin typeface="Cambria Math" panose="02040503050406030204" pitchFamily="18" charset="0"/>
+                                    </a:rPr>
+                                    <m:t>2</m:t>
+                                  </m:r>
+                                </m:sub>
+                              </m:sSub>
+                            </m:e>
+                          </m:d>
+                        </m:e>
+                      </m:d>
+                      <m:r>
+                        <a:rPr lang="ru-RU" i="0">
+                          <a:latin typeface="Cambria Math" panose="02040503050406030204" pitchFamily="18" charset="0"/>
+                        </a:rPr>
+                        <m:t>=</m:t>
+                      </m:r>
+                      <m:nary>
+                        <m:naryPr>
+                          <m:chr m:val="∑"/>
+                          <m:limLoc m:val="undOvr"/>
+                          <m:ctrlPr>
+                            <a:rPr lang="ru-RU" i="1">
+                              <a:latin typeface="Cambria Math" panose="02040503050406030204" pitchFamily="18" charset="0"/>
+                            </a:rPr>
+                          </m:ctrlPr>
+                        </m:naryPr>
+                        <m:sub>
+                          <m:sSub>
+                            <m:sSubPr>
+                              <m:ctrlPr>
+                                <a:rPr lang="ru-RU" i="1">
+                                  <a:latin typeface="Cambria Math" panose="02040503050406030204" pitchFamily="18" charset="0"/>
+                                </a:rPr>
+                              </m:ctrlPr>
+                            </m:sSubPr>
+                            <m:e>
+                              <m:r>
+                                <a:rPr lang="ru-RU" i="1">
+                                  <a:latin typeface="Cambria Math" panose="02040503050406030204" pitchFamily="18" charset="0"/>
+                                </a:rPr>
+                                <m:t>𝑘</m:t>
+                              </m:r>
+                            </m:e>
+                            <m:sub>
+                              <m:r>
+                                <a:rPr lang="ru-RU" i="0">
+                                  <a:latin typeface="Cambria Math" panose="02040503050406030204" pitchFamily="18" charset="0"/>
+                                </a:rPr>
+                                <m:t>1</m:t>
+                              </m:r>
+                            </m:sub>
+                          </m:sSub>
+                          <m:r>
+                            <a:rPr lang="ru-RU" i="0">
+                              <a:latin typeface="Cambria Math" panose="02040503050406030204" pitchFamily="18" charset="0"/>
+                            </a:rPr>
+                            <m:t>=0</m:t>
+                          </m:r>
+                        </m:sub>
+                        <m:sup>
+                          <m:r>
+                            <a:rPr lang="ru-RU" i="1">
+                              <a:latin typeface="Cambria Math" panose="02040503050406030204" pitchFamily="18" charset="0"/>
+                            </a:rPr>
+                            <m:t>𝑁</m:t>
+                          </m:r>
+                          <m:r>
+                            <a:rPr lang="ru-RU" i="0">
+                              <a:latin typeface="Cambria Math" panose="02040503050406030204" pitchFamily="18" charset="0"/>
+                            </a:rPr>
+                            <m:t>−1</m:t>
+                          </m:r>
+                        </m:sup>
+                        <m:e>
+                          <m:nary>
+                            <m:naryPr>
+                              <m:chr m:val="∑"/>
+                              <m:limLoc m:val="undOvr"/>
+                              <m:ctrlPr>
+                                <a:rPr lang="ru-RU" i="1">
+                                  <a:latin typeface="Cambria Math" panose="02040503050406030204" pitchFamily="18" charset="0"/>
+                                </a:rPr>
+                              </m:ctrlPr>
+                            </m:naryPr>
+                            <m:sub>
+                              <m:sSub>
+                                <m:sSubPr>
+                                  <m:ctrlPr>
+                                    <a:rPr lang="ru-RU" i="1">
+                                      <a:latin typeface="Cambria Math" panose="02040503050406030204" pitchFamily="18" charset="0"/>
+                                    </a:rPr>
+                                  </m:ctrlPr>
+                                </m:sSubPr>
+                                <m:e>
+                                  <m:r>
+                                    <a:rPr lang="ru-RU" i="1">
+                                      <a:latin typeface="Cambria Math" panose="02040503050406030204" pitchFamily="18" charset="0"/>
+                                    </a:rPr>
+                                    <m:t>𝑘</m:t>
+                                  </m:r>
+                                </m:e>
+                                <m:sub>
+                                  <m:r>
+                                    <a:rPr lang="ru-RU" i="0">
+                                      <a:latin typeface="Cambria Math" panose="02040503050406030204" pitchFamily="18" charset="0"/>
+                                    </a:rPr>
+                                    <m:t>2</m:t>
+                                  </m:r>
+                                </m:sub>
+                              </m:sSub>
+                              <m:r>
+                                <a:rPr lang="ru-RU" i="0">
+                                  <a:latin typeface="Cambria Math" panose="02040503050406030204" pitchFamily="18" charset="0"/>
+                                </a:rPr>
+                                <m:t>=0</m:t>
+                              </m:r>
+                            </m:sub>
+                            <m:sup>
+                              <m:r>
+                                <a:rPr lang="ru-RU" i="1">
+                                  <a:latin typeface="Cambria Math" panose="02040503050406030204" pitchFamily="18" charset="0"/>
+                                </a:rPr>
+                                <m:t>𝑁</m:t>
+                              </m:r>
+                              <m:r>
+                                <a:rPr lang="ru-RU" i="0">
+                                  <a:latin typeface="Cambria Math" panose="02040503050406030204" pitchFamily="18" charset="0"/>
+                                </a:rPr>
+                                <m:t>−1</m:t>
+                              </m:r>
+                            </m:sup>
+                            <m:e>
+                              <m:d>
+                                <m:dPr>
+                                  <m:begChr m:val=""/>
+                                  <m:endChr m:val="]"/>
+                                  <m:ctrlPr>
+                                    <a:rPr lang="ru-RU" i="1">
+                                      <a:latin typeface="Cambria Math" panose="02040503050406030204" pitchFamily="18" charset="0"/>
+                                    </a:rPr>
+                                  </m:ctrlPr>
+                                </m:dPr>
+                                <m:e>
+                                  <m:r>
+                                    <a:rPr lang="ru-RU" i="1">
+                                      <a:latin typeface="Cambria Math" panose="02040503050406030204" pitchFamily="18" charset="0"/>
+                                    </a:rPr>
+                                    <m:t>𝐸</m:t>
+                                  </m:r>
+                                  <m:r>
+                                    <a:rPr lang="ru-RU" i="0">
+                                      <a:latin typeface="Cambria Math" panose="02040503050406030204" pitchFamily="18" charset="0"/>
+                                    </a:rPr>
+                                    <m:t>{</m:t>
+                                  </m:r>
+                                  <m:r>
+                                    <a:rPr lang="ru-RU" i="1">
+                                      <a:latin typeface="Cambria Math" panose="02040503050406030204" pitchFamily="18" charset="0"/>
+                                    </a:rPr>
+                                    <m:t>𝑛</m:t>
+                                  </m:r>
+                                  <m:r>
+                                    <a:rPr lang="ru-RU" i="0">
+                                      <a:latin typeface="Cambria Math" panose="02040503050406030204" pitchFamily="18" charset="0"/>
+                                    </a:rPr>
+                                    <m:t>[</m:t>
+                                  </m:r>
+                                  <m:sSub>
+                                    <m:sSubPr>
+                                      <m:ctrlPr>
+                                        <a:rPr lang="ru-RU" i="1">
+                                          <a:latin typeface="Cambria Math" panose="02040503050406030204" pitchFamily="18" charset="0"/>
+                                        </a:rPr>
+                                      </m:ctrlPr>
+                                    </m:sSubPr>
+                                    <m:e>
+                                      <m:r>
+                                        <a:rPr lang="ru-RU" i="1">
+                                          <a:latin typeface="Cambria Math" panose="02040503050406030204" pitchFamily="18" charset="0"/>
+                                        </a:rPr>
+                                        <m:t>𝑘</m:t>
+                                      </m:r>
+                                    </m:e>
+                                    <m:sub>
+                                      <m:r>
+                                        <a:rPr lang="ru-RU" i="0">
+                                          <a:latin typeface="Cambria Math" panose="02040503050406030204" pitchFamily="18" charset="0"/>
+                                        </a:rPr>
+                                        <m:t>1</m:t>
+                                      </m:r>
+                                    </m:sub>
+                                  </m:sSub>
+                                  <m:r>
+                                    <a:rPr lang="ru-RU" i="0">
+                                      <a:latin typeface="Cambria Math" panose="02040503050406030204" pitchFamily="18" charset="0"/>
+                                    </a:rPr>
+                                    <m:t>]∙</m:t>
+                                  </m:r>
+                                  <m:r>
+                                    <a:rPr lang="ru-RU" i="1">
+                                      <a:latin typeface="Cambria Math" panose="02040503050406030204" pitchFamily="18" charset="0"/>
+                                    </a:rPr>
+                                    <m:t>𝑛</m:t>
+                                  </m:r>
+                                  <m:r>
+                                    <a:rPr lang="ru-RU" i="0">
+                                      <a:latin typeface="Cambria Math" panose="02040503050406030204" pitchFamily="18" charset="0"/>
+                                    </a:rPr>
+                                    <m:t>[</m:t>
+                                  </m:r>
+                                  <m:sSub>
+                                    <m:sSubPr>
+                                      <m:ctrlPr>
+                                        <a:rPr lang="ru-RU" i="1">
+                                          <a:latin typeface="Cambria Math" panose="02040503050406030204" pitchFamily="18" charset="0"/>
+                                        </a:rPr>
+                                      </m:ctrlPr>
+                                    </m:sSubPr>
+                                    <m:e>
+                                      <m:r>
+                                        <a:rPr lang="ru-RU" i="1">
+                                          <a:latin typeface="Cambria Math" panose="02040503050406030204" pitchFamily="18" charset="0"/>
+                                        </a:rPr>
+                                        <m:t>𝑘</m:t>
+                                      </m:r>
+                                    </m:e>
+                                    <m:sub>
+                                      <m:r>
+                                        <a:rPr lang="ru-RU" i="0">
+                                          <a:latin typeface="Cambria Math" panose="02040503050406030204" pitchFamily="18" charset="0"/>
+                                        </a:rPr>
+                                        <m:t>2</m:t>
+                                      </m:r>
+                                    </m:sub>
+                                  </m:sSub>
+                                </m:e>
+                              </m:d>
+                            </m:e>
+                          </m:nary>
+                        </m:e>
+                      </m:nary>
+                      <m:r>
+                        <a:rPr lang="ru-RU" i="0">
+                          <a:latin typeface="Cambria Math" panose="02040503050406030204" pitchFamily="18" charset="0"/>
+                        </a:rPr>
+                        <m:t>}</m:t>
+                      </m:r>
+                      <m:sSup>
+                        <m:sSupPr>
+                          <m:ctrlPr>
+                            <a:rPr lang="ru-RU" i="1">
+                              <a:latin typeface="Cambria Math" panose="02040503050406030204" pitchFamily="18" charset="0"/>
+                            </a:rPr>
+                          </m:ctrlPr>
+                        </m:sSupPr>
+                        <m:e>
+                          <m:r>
+                            <a:rPr lang="ru-RU" i="0">
+                              <a:latin typeface="Cambria Math" panose="02040503050406030204" pitchFamily="18" charset="0"/>
+                            </a:rPr>
+                            <m:t>∙</m:t>
+                          </m:r>
+                          <m:r>
+                            <a:rPr lang="ru-RU" i="1">
+                              <a:latin typeface="Cambria Math" panose="02040503050406030204" pitchFamily="18" charset="0"/>
+                            </a:rPr>
+                            <m:t>𝑥</m:t>
+                          </m:r>
+                        </m:e>
+                        <m:sup>
+                          <m:r>
+                            <a:rPr lang="ru-RU" i="0">
+                              <a:latin typeface="Cambria Math" panose="02040503050406030204" pitchFamily="18" charset="0"/>
+                            </a:rPr>
+                            <m:t>∗</m:t>
+                          </m:r>
+                        </m:sup>
+                      </m:sSup>
+                      <m:d>
+                        <m:dPr>
+                          <m:begChr m:val="["/>
+                          <m:endChr m:val="]"/>
+                          <m:ctrlPr>
+                            <a:rPr lang="ru-RU" i="1">
+                              <a:latin typeface="Cambria Math" panose="02040503050406030204" pitchFamily="18" charset="0"/>
+                            </a:rPr>
+                          </m:ctrlPr>
+                        </m:dPr>
+                        <m:e>
+                          <m:sSub>
+                            <m:sSubPr>
+                              <m:ctrlPr>
+                                <a:rPr lang="ru-RU" i="1">
+                                  <a:latin typeface="Cambria Math" panose="02040503050406030204" pitchFamily="18" charset="0"/>
+                                </a:rPr>
+                              </m:ctrlPr>
+                            </m:sSubPr>
+                            <m:e>
+                              <m:r>
+                                <a:rPr lang="ru-RU" i="1">
+                                  <a:latin typeface="Cambria Math" panose="02040503050406030204" pitchFamily="18" charset="0"/>
+                                </a:rPr>
+                                <m:t>𝑘</m:t>
+                              </m:r>
+                            </m:e>
+                            <m:sub>
+                              <m:r>
+                                <a:rPr lang="ru-RU" i="0">
+                                  <a:latin typeface="Cambria Math" panose="02040503050406030204" pitchFamily="18" charset="0"/>
+                                </a:rPr>
+                                <m:t>1</m:t>
+                              </m:r>
+                            </m:sub>
+                          </m:sSub>
+                        </m:e>
+                      </m:d>
+                      <m:sSup>
+                        <m:sSupPr>
+                          <m:ctrlPr>
+                            <a:rPr lang="ru-RU" i="1">
+                              <a:latin typeface="Cambria Math" panose="02040503050406030204" pitchFamily="18" charset="0"/>
+                            </a:rPr>
+                          </m:ctrlPr>
+                        </m:sSupPr>
+                        <m:e>
+                          <m:r>
+                            <a:rPr lang="ru-RU" i="0">
+                              <a:latin typeface="Cambria Math" panose="02040503050406030204" pitchFamily="18" charset="0"/>
+                            </a:rPr>
+                            <m:t>∙</m:t>
+                          </m:r>
+                          <m:r>
+                            <a:rPr lang="ru-RU" i="1">
+                              <a:latin typeface="Cambria Math" panose="02040503050406030204" pitchFamily="18" charset="0"/>
+                            </a:rPr>
+                            <m:t>𝑥</m:t>
+                          </m:r>
+                        </m:e>
+                        <m:sup>
+                          <m:r>
+                            <a:rPr lang="ru-RU" i="0">
+                              <a:latin typeface="Cambria Math" panose="02040503050406030204" pitchFamily="18" charset="0"/>
+                            </a:rPr>
+                            <m:t>∗</m:t>
+                          </m:r>
+                        </m:sup>
+                      </m:sSup>
+                      <m:d>
+                        <m:dPr>
+                          <m:begChr m:val="["/>
+                          <m:endChr m:val="]"/>
+                          <m:ctrlPr>
+                            <a:rPr lang="ru-RU" i="1">
+                              <a:latin typeface="Cambria Math" panose="02040503050406030204" pitchFamily="18" charset="0"/>
+                            </a:rPr>
+                          </m:ctrlPr>
+                        </m:dPr>
+                        <m:e>
+                          <m:sSub>
+                            <m:sSubPr>
+                              <m:ctrlPr>
+                                <a:rPr lang="ru-RU" i="1">
+                                  <a:latin typeface="Cambria Math" panose="02040503050406030204" pitchFamily="18" charset="0"/>
+                                </a:rPr>
+                              </m:ctrlPr>
+                            </m:sSubPr>
+                            <m:e>
+                              <m:r>
+                                <a:rPr lang="ru-RU" i="1">
+                                  <a:latin typeface="Cambria Math" panose="02040503050406030204" pitchFamily="18" charset="0"/>
+                                </a:rPr>
+                                <m:t>𝑘</m:t>
+                              </m:r>
+                            </m:e>
+                            <m:sub>
+                              <m:r>
+                                <a:rPr lang="ru-RU" i="0">
+                                  <a:latin typeface="Cambria Math" panose="02040503050406030204" pitchFamily="18" charset="0"/>
+                                </a:rPr>
+                                <m:t>2</m:t>
+                              </m:r>
+                            </m:sub>
+                          </m:sSub>
+                        </m:e>
+                      </m:d>
+                    </m:oMath>
+                  </m:oMathPara>
+                </a14:m>
+                <a:endParaRPr lang="ru-RU" dirty="0"/>
+              </a:p>
+            </p:txBody>
+          </p:sp>
+        </mc:Choice>
+        <mc:Fallback>
+          <p:sp>
+            <p:nvSpPr>
+              <p:cNvPr id="10" name="Прямоугольник 9"/>
+              <p:cNvSpPr>
+                <a:spLocks noRot="1" noChangeAspect="1" noMove="1" noResize="1" noEditPoints="1" noAdjustHandles="1" noChangeArrowheads="1" noChangeShapeType="1" noTextEdit="1"/>
+              </p:cNvSpPr>
+              <p:nvPr/>
+            </p:nvSpPr>
+            <p:spPr>
+              <a:xfrm>
+                <a:off x="338393" y="3430009"/>
+                <a:ext cx="11272838" cy="976614"/>
+              </a:xfrm>
+              <a:prstGeom prst="rect">
+                <a:avLst/>
+              </a:prstGeom>
+              <a:blipFill>
+                <a:blip r:embed="rId11"/>
+                <a:stretch>
+                  <a:fillRect/>
+                </a:stretch>
+              </a:blipFill>
+            </p:spPr>
+            <p:txBody>
+              <a:bodyPr/>
+              <a:lstStyle/>
+              <a:p>
+                <a:r>
+                  <a:rPr lang="ru-RU">
+                    <a:noFill/>
+                  </a:rPr>
+                  <a:t> </a:t>
+                </a:r>
+              </a:p>
+            </p:txBody>
+          </p:sp>
+        </mc:Fallback>
+      </mc:AlternateContent>
+      <mc:AlternateContent xmlns:mc="http://schemas.openxmlformats.org/markup-compatibility/2006">
+        <mc:Choice xmlns:a14="http://schemas.microsoft.com/office/drawing/2010/main" Requires="a14">
+          <p:sp>
+            <p:nvSpPr>
+              <p:cNvPr id="13" name="Прямоугольник 12"/>
+              <p:cNvSpPr/>
+              <p:nvPr/>
+            </p:nvSpPr>
+            <p:spPr>
+              <a:xfrm>
+                <a:off x="836495" y="4476087"/>
+                <a:ext cx="3975832" cy="871457"/>
               </a:xfrm>
               <a:prstGeom prst="rect">
                 <a:avLst/>
@@ -7244,7 +7496,444 @@
               </a:bodyPr>
               <a:lstStyle/>
               <a:p>
-                <a:pPr/>
+                <a14:m>
+                  <m:oMathPara xmlns:m="http://schemas.openxmlformats.org/officeDocument/2006/math">
+                    <m:oMathParaPr>
+                      <m:jc m:val="centerGroup"/>
+                    </m:oMathParaPr>
+                    <m:oMath xmlns:m="http://schemas.openxmlformats.org/officeDocument/2006/math">
+                      <m:r>
+                        <a:rPr lang="ru-RU" i="1">
+                          <a:latin typeface="Cambria Math" panose="02040503050406030204" pitchFamily="18" charset="0"/>
+                        </a:rPr>
+                        <m:t>𝐸</m:t>
+                      </m:r>
+                      <m:d>
+                        <m:dPr>
+                          <m:begChr m:val="{"/>
+                          <m:endChr m:val="}"/>
+                          <m:ctrlPr>
+                            <a:rPr lang="ru-RU" i="1">
+                              <a:latin typeface="Cambria Math" panose="02040503050406030204" pitchFamily="18" charset="0"/>
+                            </a:rPr>
+                          </m:ctrlPr>
+                        </m:dPr>
+                        <m:e>
+                          <m:sSup>
+                            <m:sSupPr>
+                              <m:ctrlPr>
+                                <a:rPr lang="ru-RU" i="1">
+                                  <a:latin typeface="Cambria Math" panose="02040503050406030204" pitchFamily="18" charset="0"/>
+                                </a:rPr>
+                              </m:ctrlPr>
+                            </m:sSupPr>
+                            <m:e>
+                              <m:d>
+                                <m:dPr>
+                                  <m:begChr m:val="|"/>
+                                  <m:endChr m:val="|"/>
+                                  <m:ctrlPr>
+                                    <a:rPr lang="ru-RU" i="1">
+                                      <a:latin typeface="Cambria Math" panose="02040503050406030204" pitchFamily="18" charset="0"/>
+                                    </a:rPr>
+                                  </m:ctrlPr>
+                                </m:dPr>
+                                <m:e>
+                                  <m:sSub>
+                                    <m:sSubPr>
+                                      <m:ctrlPr>
+                                        <a:rPr lang="ru-RU" i="1">
+                                          <a:latin typeface="Cambria Math" panose="02040503050406030204" pitchFamily="18" charset="0"/>
+                                        </a:rPr>
+                                      </m:ctrlPr>
+                                    </m:sSubPr>
+                                    <m:e>
+                                      <m:r>
+                                        <a:rPr lang="ru-RU" i="1">
+                                          <a:latin typeface="Cambria Math" panose="02040503050406030204" pitchFamily="18" charset="0"/>
+                                        </a:rPr>
+                                        <m:t>𝑦</m:t>
+                                      </m:r>
+                                    </m:e>
+                                    <m:sub>
+                                      <m:r>
+                                        <a:rPr lang="ru-RU" i="1">
+                                          <a:latin typeface="Cambria Math" panose="02040503050406030204" pitchFamily="18" charset="0"/>
+                                        </a:rPr>
+                                        <m:t>𝑛</m:t>
+                                      </m:r>
+                                    </m:sub>
+                                  </m:sSub>
+                                  <m:d>
+                                    <m:dPr>
+                                      <m:begChr m:val="["/>
+                                      <m:endChr m:val="]"/>
+                                      <m:ctrlPr>
+                                        <a:rPr lang="ru-RU" i="1">
+                                          <a:latin typeface="Cambria Math" panose="02040503050406030204" pitchFamily="18" charset="0"/>
+                                        </a:rPr>
+                                      </m:ctrlPr>
+                                    </m:dPr>
+                                    <m:e>
+                                      <m:sSub>
+                                        <m:sSubPr>
+                                          <m:ctrlPr>
+                                            <a:rPr lang="ru-RU" i="1">
+                                              <a:latin typeface="Cambria Math" panose="02040503050406030204" pitchFamily="18" charset="0"/>
+                                            </a:rPr>
+                                          </m:ctrlPr>
+                                        </m:sSubPr>
+                                        <m:e>
+                                          <m:r>
+                                            <a:rPr lang="ru-RU" i="1">
+                                              <a:latin typeface="Cambria Math" panose="02040503050406030204" pitchFamily="18" charset="0"/>
+                                            </a:rPr>
+                                            <m:t>𝑘</m:t>
+                                          </m:r>
+                                        </m:e>
+                                        <m:sub>
+                                          <m:r>
+                                            <a:rPr lang="ru-RU" i="0">
+                                              <a:latin typeface="Cambria Math" panose="02040503050406030204" pitchFamily="18" charset="0"/>
+                                            </a:rPr>
+                                            <m:t>0</m:t>
+                                          </m:r>
+                                        </m:sub>
+                                      </m:sSub>
+                                    </m:e>
+                                  </m:d>
+                                </m:e>
+                              </m:d>
+                            </m:e>
+                            <m:sup>
+                              <m:r>
+                                <a:rPr lang="ru-RU" i="0">
+                                  <a:latin typeface="Cambria Math" panose="02040503050406030204" pitchFamily="18" charset="0"/>
+                                </a:rPr>
+                                <m:t>2</m:t>
+                              </m:r>
+                            </m:sup>
+                          </m:sSup>
+                        </m:e>
+                      </m:d>
+                      <m:r>
+                        <a:rPr lang="ru-RU" i="0">
+                          <a:latin typeface="Cambria Math" panose="02040503050406030204" pitchFamily="18" charset="0"/>
+                        </a:rPr>
+                        <m:t>=</m:t>
+                      </m:r>
+                      <m:f>
+                        <m:fPr>
+                          <m:ctrlPr>
+                            <a:rPr lang="ru-RU" i="1">
+                              <a:latin typeface="Cambria Math" panose="02040503050406030204" pitchFamily="18" charset="0"/>
+                            </a:rPr>
+                          </m:ctrlPr>
+                        </m:fPr>
+                        <m:num>
+                          <m:sSub>
+                            <m:sSubPr>
+                              <m:ctrlPr>
+                                <a:rPr lang="ru-RU" i="1">
+                                  <a:latin typeface="Cambria Math" panose="02040503050406030204" pitchFamily="18" charset="0"/>
+                                </a:rPr>
+                              </m:ctrlPr>
+                            </m:sSubPr>
+                            <m:e>
+                              <m:r>
+                                <a:rPr lang="ru-RU" i="1">
+                                  <a:latin typeface="Cambria Math" panose="02040503050406030204" pitchFamily="18" charset="0"/>
+                                </a:rPr>
+                                <m:t>𝑁</m:t>
+                              </m:r>
+                            </m:e>
+                            <m:sub>
+                              <m:r>
+                                <a:rPr lang="ru-RU" i="0">
+                                  <a:latin typeface="Cambria Math" panose="02040503050406030204" pitchFamily="18" charset="0"/>
+                                </a:rPr>
+                                <m:t>0</m:t>
+                              </m:r>
+                            </m:sub>
+                          </m:sSub>
+                        </m:num>
+                        <m:den>
+                          <m:r>
+                            <a:rPr lang="ru-RU" i="0">
+                              <a:latin typeface="Cambria Math" panose="02040503050406030204" pitchFamily="18" charset="0"/>
+                            </a:rPr>
+                            <m:t>2</m:t>
+                          </m:r>
+                        </m:den>
+                      </m:f>
+                      <m:nary>
+                        <m:naryPr>
+                          <m:chr m:val="∑"/>
+                          <m:limLoc m:val="undOvr"/>
+                          <m:ctrlPr>
+                            <a:rPr lang="ru-RU" i="1">
+                              <a:latin typeface="Cambria Math" panose="02040503050406030204" pitchFamily="18" charset="0"/>
+                            </a:rPr>
+                          </m:ctrlPr>
+                        </m:naryPr>
+                        <m:sub>
+                          <m:r>
+                            <a:rPr lang="ru-RU" i="1">
+                              <a:latin typeface="Cambria Math" panose="02040503050406030204" pitchFamily="18" charset="0"/>
+                            </a:rPr>
+                            <m:t>𝑘</m:t>
+                          </m:r>
+                          <m:r>
+                            <a:rPr lang="ru-RU" i="0">
+                              <a:latin typeface="Cambria Math" panose="02040503050406030204" pitchFamily="18" charset="0"/>
+                            </a:rPr>
+                            <m:t>=0</m:t>
+                          </m:r>
+                        </m:sub>
+                        <m:sup>
+                          <m:r>
+                            <a:rPr lang="ru-RU" i="1">
+                              <a:latin typeface="Cambria Math" panose="02040503050406030204" pitchFamily="18" charset="0"/>
+                            </a:rPr>
+                            <m:t>𝑁</m:t>
+                          </m:r>
+                          <m:r>
+                            <a:rPr lang="ru-RU" i="0">
+                              <a:latin typeface="Cambria Math" panose="02040503050406030204" pitchFamily="18" charset="0"/>
+                            </a:rPr>
+                            <m:t>−1</m:t>
+                          </m:r>
+                        </m:sup>
+                        <m:e>
+                          <m:sSup>
+                            <m:sSupPr>
+                              <m:ctrlPr>
+                                <a:rPr lang="ru-RU" i="1">
+                                  <a:latin typeface="Cambria Math" panose="02040503050406030204" pitchFamily="18" charset="0"/>
+                                </a:rPr>
+                              </m:ctrlPr>
+                            </m:sSupPr>
+                            <m:e>
+                              <m:d>
+                                <m:dPr>
+                                  <m:begChr m:val="|"/>
+                                  <m:endChr m:val="|"/>
+                                  <m:ctrlPr>
+                                    <a:rPr lang="ru-RU" i="1">
+                                      <a:latin typeface="Cambria Math" panose="02040503050406030204" pitchFamily="18" charset="0"/>
+                                    </a:rPr>
+                                  </m:ctrlPr>
+                                </m:dPr>
+                                <m:e>
+                                  <m:d>
+                                    <m:dPr>
+                                      <m:begChr m:val=""/>
+                                      <m:endChr m:val="]"/>
+                                      <m:ctrlPr>
+                                        <a:rPr lang="ru-RU" i="1">
+                                          <a:latin typeface="Cambria Math" panose="02040503050406030204" pitchFamily="18" charset="0"/>
+                                        </a:rPr>
+                                      </m:ctrlPr>
+                                    </m:dPr>
+                                    <m:e>
+                                      <m:sSup>
+                                        <m:sSupPr>
+                                          <m:ctrlPr>
+                                            <a:rPr lang="ru-RU" i="1">
+                                              <a:latin typeface="Cambria Math" panose="02040503050406030204" pitchFamily="18" charset="0"/>
+                                            </a:rPr>
+                                          </m:ctrlPr>
+                                        </m:sSupPr>
+                                        <m:e>
+                                          <m:r>
+                                            <a:rPr lang="ru-RU" i="1">
+                                              <a:latin typeface="Cambria Math" panose="02040503050406030204" pitchFamily="18" charset="0"/>
+                                            </a:rPr>
+                                            <m:t>𝑥</m:t>
+                                          </m:r>
+                                        </m:e>
+                                        <m:sup>
+                                          <m:r>
+                                            <a:rPr lang="ru-RU" i="0">
+                                              <a:latin typeface="Cambria Math" panose="02040503050406030204" pitchFamily="18" charset="0"/>
+                                            </a:rPr>
+                                            <m:t>∗</m:t>
+                                          </m:r>
+                                        </m:sup>
+                                      </m:sSup>
+                                      <m:r>
+                                        <a:rPr lang="ru-RU" i="0">
+                                          <a:latin typeface="Cambria Math" panose="02040503050406030204" pitchFamily="18" charset="0"/>
+                                        </a:rPr>
+                                        <m:t>[</m:t>
+                                      </m:r>
+                                      <m:r>
+                                        <a:rPr lang="ru-RU" i="1">
+                                          <a:latin typeface="Cambria Math" panose="02040503050406030204" pitchFamily="18" charset="0"/>
+                                        </a:rPr>
+                                        <m:t>𝑘</m:t>
+                                      </m:r>
+                                    </m:e>
+                                  </m:d>
+                                </m:e>
+                              </m:d>
+                            </m:e>
+                            <m:sup>
+                              <m:r>
+                                <a:rPr lang="ru-RU" i="0">
+                                  <a:latin typeface="Cambria Math" panose="02040503050406030204" pitchFamily="18" charset="0"/>
+                                </a:rPr>
+                                <m:t>2</m:t>
+                              </m:r>
+                            </m:sup>
+                          </m:sSup>
+                          <m:r>
+                            <a:rPr lang="ru-RU" i="0">
+                              <a:latin typeface="Cambria Math" panose="02040503050406030204" pitchFamily="18" charset="0"/>
+                            </a:rPr>
+                            <m:t>=</m:t>
+                          </m:r>
+                        </m:e>
+                      </m:nary>
+                      <m:f>
+                        <m:fPr>
+                          <m:ctrlPr>
+                            <a:rPr lang="ru-RU" i="1">
+                              <a:latin typeface="Cambria Math" panose="02040503050406030204" pitchFamily="18" charset="0"/>
+                            </a:rPr>
+                          </m:ctrlPr>
+                        </m:fPr>
+                        <m:num>
+                          <m:sSub>
+                            <m:sSubPr>
+                              <m:ctrlPr>
+                                <a:rPr lang="ru-RU" i="1">
+                                  <a:latin typeface="Cambria Math" panose="02040503050406030204" pitchFamily="18" charset="0"/>
+                                </a:rPr>
+                              </m:ctrlPr>
+                            </m:sSubPr>
+                            <m:e>
+                              <m:r>
+                                <a:rPr lang="ru-RU" i="1">
+                                  <a:latin typeface="Cambria Math" panose="02040503050406030204" pitchFamily="18" charset="0"/>
+                                </a:rPr>
+                                <m:t>𝑁</m:t>
+                              </m:r>
+                            </m:e>
+                            <m:sub>
+                              <m:r>
+                                <a:rPr lang="ru-RU" i="0">
+                                  <a:latin typeface="Cambria Math" panose="02040503050406030204" pitchFamily="18" charset="0"/>
+                                </a:rPr>
+                                <m:t>0</m:t>
+                              </m:r>
+                            </m:sub>
+                          </m:sSub>
+                        </m:num>
+                        <m:den>
+                          <m:r>
+                            <a:rPr lang="ru-RU" i="0">
+                              <a:latin typeface="Cambria Math" panose="02040503050406030204" pitchFamily="18" charset="0"/>
+                            </a:rPr>
+                            <m:t>2</m:t>
+                          </m:r>
+                        </m:den>
+                      </m:f>
+                      <m:sSub>
+                        <m:sSubPr>
+                          <m:ctrlPr>
+                            <a:rPr lang="ru-RU" i="1">
+                              <a:latin typeface="Cambria Math" panose="02040503050406030204" pitchFamily="18" charset="0"/>
+                            </a:rPr>
+                          </m:ctrlPr>
+                        </m:sSubPr>
+                        <m:e>
+                          <m:r>
+                            <a:rPr lang="ru-RU" i="1">
+                              <a:latin typeface="Cambria Math" panose="02040503050406030204" pitchFamily="18" charset="0"/>
+                            </a:rPr>
+                            <m:t>𝑘</m:t>
+                          </m:r>
+                        </m:e>
+                        <m:sub>
+                          <m:r>
+                            <a:rPr lang="ru-RU" i="0">
+                              <a:latin typeface="Cambria Math" panose="02040503050406030204" pitchFamily="18" charset="0"/>
+                            </a:rPr>
+                            <m:t>0</m:t>
+                          </m:r>
+                        </m:sub>
+                      </m:sSub>
+                    </m:oMath>
+                  </m:oMathPara>
+                </a14:m>
+                <a:endParaRPr lang="ru-RU" dirty="0"/>
+              </a:p>
+            </p:txBody>
+          </p:sp>
+        </mc:Choice>
+        <mc:Fallback>
+          <p:sp>
+            <p:nvSpPr>
+              <p:cNvPr id="13" name="Прямоугольник 12"/>
+              <p:cNvSpPr>
+                <a:spLocks noRot="1" noChangeAspect="1" noMove="1" noResize="1" noEditPoints="1" noAdjustHandles="1" noChangeArrowheads="1" noChangeShapeType="1" noTextEdit="1"/>
+              </p:cNvSpPr>
+              <p:nvPr/>
+            </p:nvSpPr>
+            <p:spPr>
+              <a:xfrm>
+                <a:off x="836495" y="4476087"/>
+                <a:ext cx="3975832" cy="871457"/>
+              </a:xfrm>
+              <a:prstGeom prst="rect">
+                <a:avLst/>
+              </a:prstGeom>
+              <a:blipFill>
+                <a:blip r:embed="rId12"/>
+                <a:stretch>
+                  <a:fillRect/>
+                </a:stretch>
+              </a:blipFill>
+            </p:spPr>
+            <p:txBody>
+              <a:bodyPr/>
+              <a:lstStyle/>
+              <a:p>
+                <a:r>
+                  <a:rPr lang="ru-RU">
+                    <a:noFill/>
+                  </a:rPr>
+                  <a:t> </a:t>
+                </a:r>
+              </a:p>
+            </p:txBody>
+          </p:sp>
+        </mc:Fallback>
+      </mc:AlternateContent>
+      <mc:AlternateContent xmlns:mc="http://schemas.openxmlformats.org/markup-compatibility/2006">
+        <mc:Choice xmlns:a14="http://schemas.microsoft.com/office/drawing/2010/main" Requires="a14">
+          <p:sp>
+            <p:nvSpPr>
+              <p:cNvPr id="15" name="Прямоугольник 14"/>
+              <p:cNvSpPr/>
+              <p:nvPr/>
+            </p:nvSpPr>
+            <p:spPr>
+              <a:xfrm>
+                <a:off x="8170882" y="5362147"/>
+                <a:ext cx="3817455" cy="720262"/>
+              </a:xfrm>
+              <a:prstGeom prst="rect">
+                <a:avLst/>
+              </a:prstGeom>
+            </p:spPr>
+            <p:txBody>
+              <a:bodyPr wrap="none">
+                <a:spAutoFit/>
+              </a:bodyPr>
+              <a:lstStyle/>
+              <a:p>
                 <a14:m>
                   <m:oMathPara xmlns:m="http://schemas.openxmlformats.org/officeDocument/2006/math">
                     <m:oMathParaPr>
@@ -7431,6 +8120,44 @@
                                           </m:r>
                                         </m:sub>
                                       </m:sSub>
+                                      <m:d>
+                                        <m:dPr>
+                                          <m:begChr m:val="["/>
+                                          <m:endChr m:val="]"/>
+                                          <m:ctrlPr>
+                                            <a:rPr lang="ru-RU" i="1">
+                                              <a:latin typeface="Cambria Math" panose="02040503050406030204" pitchFamily="18" charset="0"/>
+                                            </a:rPr>
+                                          </m:ctrlPr>
+                                        </m:dPr>
+                                        <m:e>
+                                          <m:sSub>
+                                            <m:sSubPr>
+                                              <m:ctrlPr>
+                                                <a:rPr lang="ru-RU" i="1">
+                                                  <a:latin typeface="Cambria Math" panose="02040503050406030204" pitchFamily="18" charset="0"/>
+                                                </a:rPr>
+                                              </m:ctrlPr>
+                                            </m:sSubPr>
+                                            <m:e>
+                                              <m:r>
+                                                <a:rPr lang="ru-RU" i="1">
+                                                  <a:latin typeface="Cambria Math" panose="02040503050406030204" pitchFamily="18" charset="0"/>
+                                                </a:rPr>
+                                                <m:t>𝑘</m:t>
+                                              </m:r>
+                                            </m:e>
+                                            <m:sub>
+                                              <m:r>
+                                                <a:rPr lang="ru-RU" i="0">
+                                                  <a:latin typeface="Cambria Math" panose="02040503050406030204" pitchFamily="18" charset="0"/>
+                                                </a:rPr>
+                                                <m:t>0</m:t>
+                                              </m:r>
+                                            </m:sub>
+                                          </m:sSub>
+                                        </m:e>
+                                      </m:d>
                                     </m:e>
                                   </m:d>
                                 </m:e>
@@ -7587,31 +8314,6 @@
                             </a:rPr>
                             <m:t>2</m:t>
                           </m:r>
-                          <m:sSub>
-                            <m:sSubPr>
-                              <m:ctrlPr>
-                                <a:rPr lang="ru-RU" i="1">
-                                  <a:latin typeface="Cambria Math" panose="02040503050406030204" pitchFamily="18" charset="0"/>
-                                </a:rPr>
-                              </m:ctrlPr>
-                            </m:sSubPr>
-                            <m:e>
-                              <m:r>
-                                <a:rPr lang="ru-RU" i="1">
-                                  <a:latin typeface="Cambria Math" panose="02040503050406030204" pitchFamily="18" charset="0"/>
-                                </a:rPr>
-                                <m:t>𝑘</m:t>
-                              </m:r>
-                            </m:e>
-                            <m:sub>
-                              <m:r>
-                                <a:rPr lang="ru-RU" i="0">
-                                  <a:latin typeface="Cambria Math" panose="02040503050406030204" pitchFamily="18" charset="0"/>
-                                </a:rPr>
-                                <m:t>0</m:t>
-                              </m:r>
-                            </m:sub>
-                          </m:sSub>
                         </m:num>
                         <m:den>
                           <m:sSub>
@@ -7641,6 +8343,31 @@
                           </m:sSub>
                         </m:den>
                       </m:f>
+                      <m:sSub>
+                        <m:sSubPr>
+                          <m:ctrlPr>
+                            <a:rPr lang="ru-RU" i="1">
+                              <a:latin typeface="Cambria Math" panose="02040503050406030204" pitchFamily="18" charset="0"/>
+                            </a:rPr>
+                          </m:ctrlPr>
+                        </m:sSubPr>
+                        <m:e>
+                          <m:r>
+                            <a:rPr lang="ru-RU" i="1">
+                              <a:latin typeface="Cambria Math" panose="02040503050406030204" pitchFamily="18" charset="0"/>
+                            </a:rPr>
+                            <m:t>𝑘</m:t>
+                          </m:r>
+                        </m:e>
+                        <m:sub>
+                          <m:r>
+                            <a:rPr lang="ru-RU" i="0">
+                              <a:latin typeface="Cambria Math" panose="02040503050406030204" pitchFamily="18" charset="0"/>
+                            </a:rPr>
+                            <m:t>0</m:t>
+                          </m:r>
+                        </m:sub>
+                      </m:sSub>
                     </m:oMath>
                   </m:oMathPara>
                 </a14:m>
@@ -7649,10 +8376,10 @@
             </p:txBody>
           </p:sp>
         </mc:Choice>
-        <mc:Fallback xmlns="">
+        <mc:Fallback>
           <p:sp>
             <p:nvSpPr>
-              <p:cNvPr id="45" name="Прямоугольник 44"/>
+              <p:cNvPr id="15" name="Прямоугольник 14"/>
               <p:cNvSpPr>
                 <a:spLocks noRot="1" noChangeAspect="1" noMove="1" noResize="1" noEditPoints="1" noAdjustHandles="1" noChangeArrowheads="1" noChangeShapeType="1" noTextEdit="1"/>
               </p:cNvSpPr>
@@ -7660,14 +8387,14 @@
             </p:nvSpPr>
             <p:spPr>
               <a:xfrm>
-                <a:off x="4581932" y="6082786"/>
-                <a:ext cx="3310650" cy="720262"/>
+                <a:off x="8170882" y="5362147"/>
+                <a:ext cx="3817455" cy="720262"/>
               </a:xfrm>
               <a:prstGeom prst="rect">
                 <a:avLst/>
               </a:prstGeom>
               <a:blipFill>
-                <a:blip r:embed="rId15"/>
+                <a:blip r:embed="rId13"/>
                 <a:stretch>
                   <a:fillRect/>
                 </a:stretch>
@@ -7692,14 +8419,14 @@
         <mc:Choice xmlns:a14="http://schemas.microsoft.com/office/drawing/2010/main" Requires="a14">
           <p:sp>
             <p:nvSpPr>
-              <p:cNvPr id="6" name="Прямоугольник 5"/>
+              <p:cNvPr id="17" name="Прямоугольник 16"/>
               <p:cNvSpPr/>
               <p:nvPr/>
             </p:nvSpPr>
             <p:spPr>
               <a:xfrm>
-                <a:off x="3269336" y="3559845"/>
-                <a:ext cx="5632055" cy="871457"/>
+                <a:off x="5016242" y="1428396"/>
+                <a:ext cx="1998111" cy="369332"/>
               </a:xfrm>
               <a:prstGeom prst="rect">
                 <a:avLst/>
@@ -7717,268 +8444,73 @@
                       <m:jc m:val="centerGroup"/>
                     </m:oMathParaPr>
                     <m:oMath xmlns:m="http://schemas.openxmlformats.org/officeDocument/2006/math">
-                      <m:sSup>
-                        <m:sSupPr>
+                      <m:r>
+                        <a:rPr lang="ru-RU" i="1">
+                          <a:latin typeface="Cambria Math" panose="02040503050406030204" pitchFamily="18" charset="0"/>
+                        </a:rPr>
+                        <m:t>h</m:t>
+                      </m:r>
+                      <m:d>
+                        <m:dPr>
+                          <m:begChr m:val="["/>
+                          <m:endChr m:val="]"/>
                           <m:ctrlPr>
-                            <a:rPr lang="ru-RU">
+                            <a:rPr lang="ru-RU" i="1">
                               <a:latin typeface="Cambria Math" panose="02040503050406030204" pitchFamily="18" charset="0"/>
                             </a:rPr>
                           </m:ctrlPr>
-                        </m:sSupPr>
+                        </m:dPr>
                         <m:e>
-                          <m:d>
-                            <m:dPr>
-                              <m:begChr m:val="|"/>
-                              <m:endChr m:val="|"/>
-                              <m:ctrlPr>
-                                <a:rPr lang="ru-RU">
-                                  <a:latin typeface="Cambria Math" panose="02040503050406030204" pitchFamily="18" charset="0"/>
-                                </a:rPr>
-                              </m:ctrlPr>
-                            </m:dPr>
-                            <m:e>
-                              <m:sSub>
-                                <m:sSubPr>
-                                  <m:ctrlPr>
-                                    <a:rPr lang="ru-RU">
-                                      <a:latin typeface="Cambria Math" panose="02040503050406030204" pitchFamily="18" charset="0"/>
-                                    </a:rPr>
-                                  </m:ctrlPr>
-                                </m:sSubPr>
-                                <m:e>
-                                  <m:r>
-                                    <a:rPr lang="ru-RU" i="1">
-                                      <a:latin typeface="Cambria Math" panose="02040503050406030204" pitchFamily="18" charset="0"/>
-                                    </a:rPr>
-                                    <m:t>𝑦</m:t>
-                                  </m:r>
-                                </m:e>
-                                <m:sub>
-                                  <m:r>
-                                    <a:rPr lang="ru-RU" i="1">
-                                      <a:latin typeface="Cambria Math" panose="02040503050406030204" pitchFamily="18" charset="0"/>
-                                    </a:rPr>
-                                    <m:t>𝑛</m:t>
-                                  </m:r>
-                                </m:sub>
-                              </m:sSub>
-                            </m:e>
-                          </m:d>
+                          <m:r>
+                            <a:rPr lang="ru-RU" i="1">
+                              <a:latin typeface="Cambria Math" panose="02040503050406030204" pitchFamily="18" charset="0"/>
+                            </a:rPr>
+                            <m:t>𝑘</m:t>
+                          </m:r>
                         </m:e>
-                        <m:sup>
-                          <m:r>
-                            <a:rPr lang="ru-RU" i="0">
-                              <a:latin typeface="Cambria Math" panose="02040503050406030204" pitchFamily="18" charset="0"/>
-                            </a:rPr>
-                            <m:t>2</m:t>
-                          </m:r>
-                        </m:sup>
-                      </m:sSup>
+                      </m:d>
                       <m:r>
                         <a:rPr lang="ru-RU" i="0">
                           <a:latin typeface="Cambria Math" panose="02040503050406030204" pitchFamily="18" charset="0"/>
                         </a:rPr>
                         <m:t>=</m:t>
                       </m:r>
-                      <m:f>
-                        <m:fPr>
+                      <m:sSup>
+                        <m:sSupPr>
                           <m:ctrlPr>
                             <a:rPr lang="ru-RU" i="1">
                               <a:latin typeface="Cambria Math" panose="02040503050406030204" pitchFamily="18" charset="0"/>
                             </a:rPr>
                           </m:ctrlPr>
-                        </m:fPr>
-                        <m:num>
+                        </m:sSupPr>
+                        <m:e>
+                          <m:r>
+                            <a:rPr lang="ru-RU" i="1">
+                              <a:latin typeface="Cambria Math" panose="02040503050406030204" pitchFamily="18" charset="0"/>
+                            </a:rPr>
+                            <m:t>𝑥</m:t>
+                          </m:r>
+                        </m:e>
+                        <m:sup>
                           <m:r>
                             <a:rPr lang="ru-RU" i="0">
                               <a:latin typeface="Cambria Math" panose="02040503050406030204" pitchFamily="18" charset="0"/>
                             </a:rPr>
-                            <m:t>1</m:t>
-                          </m:r>
-                        </m:num>
-                        <m:den>
-                          <m:r>
-                            <a:rPr lang="ru-RU" i="1">
-                              <a:latin typeface="Cambria Math" panose="02040503050406030204" pitchFamily="18" charset="0"/>
-                            </a:rPr>
-                            <m:t>𝑁</m:t>
-                          </m:r>
-                        </m:den>
-                      </m:f>
-                      <m:nary>
-                        <m:naryPr>
-                          <m:chr m:val="∑"/>
-                          <m:limLoc m:val="undOvr"/>
+                            <m:t>∗</m:t>
+                          </m:r>
+                        </m:sup>
+                      </m:sSup>
+                      <m:d>
+                        <m:dPr>
+                          <m:begChr m:val="["/>
+                          <m:endChr m:val="]"/>
                           <m:ctrlPr>
                             <a:rPr lang="ru-RU" i="1">
                               <a:latin typeface="Cambria Math" panose="02040503050406030204" pitchFamily="18" charset="0"/>
                             </a:rPr>
                           </m:ctrlPr>
-                        </m:naryPr>
-                        <m:sub>
-                          <m:r>
-                            <a:rPr lang="ru-RU" i="1">
-                              <a:latin typeface="Cambria Math" panose="02040503050406030204" pitchFamily="18" charset="0"/>
-                            </a:rPr>
-                            <m:t>𝑚</m:t>
-                          </m:r>
-                          <m:r>
-                            <a:rPr lang="ru-RU" i="0">
-                              <a:latin typeface="Cambria Math" panose="02040503050406030204" pitchFamily="18" charset="0"/>
-                            </a:rPr>
-                            <m:t>=0</m:t>
-                          </m:r>
-                        </m:sub>
-                        <m:sup>
-                          <m:r>
-                            <a:rPr lang="ru-RU" i="1">
-                              <a:latin typeface="Cambria Math" panose="02040503050406030204" pitchFamily="18" charset="0"/>
-                            </a:rPr>
-                            <m:t>𝑁</m:t>
-                          </m:r>
-                          <m:r>
-                            <a:rPr lang="ru-RU" i="0">
-                              <a:latin typeface="Cambria Math" panose="02040503050406030204" pitchFamily="18" charset="0"/>
-                            </a:rPr>
-                            <m:t>−1</m:t>
-                          </m:r>
-                        </m:sup>
+                        </m:dPr>
                         <m:e>
-                          <m:d>
-                            <m:dPr>
-                              <m:ctrlPr>
-                                <a:rPr lang="ru-RU" i="1">
-                                  <a:latin typeface="Cambria Math" panose="02040503050406030204" pitchFamily="18" charset="0"/>
-                                </a:rPr>
-                              </m:ctrlPr>
-                            </m:dPr>
-                            <m:e>
-                              <m:f>
-                                <m:fPr>
-                                  <m:ctrlPr>
-                                    <a:rPr lang="ru-RU" i="1">
-                                      <a:latin typeface="Cambria Math" panose="02040503050406030204" pitchFamily="18" charset="0"/>
-                                    </a:rPr>
-                                  </m:ctrlPr>
-                                </m:fPr>
-                                <m:num>
-                                  <m:sSub>
-                                    <m:sSubPr>
-                                      <m:ctrlPr>
-                                        <a:rPr lang="ru-RU" i="1">
-                                          <a:latin typeface="Cambria Math" panose="02040503050406030204" pitchFamily="18" charset="0"/>
-                                        </a:rPr>
-                                      </m:ctrlPr>
-                                    </m:sSubPr>
-                                    <m:e>
-                                      <m:r>
-                                        <a:rPr lang="ru-RU" i="1">
-                                          <a:latin typeface="Cambria Math" panose="02040503050406030204" pitchFamily="18" charset="0"/>
-                                        </a:rPr>
-                                        <m:t>𝑁</m:t>
-                                      </m:r>
-                                    </m:e>
-                                    <m:sub>
-                                      <m:r>
-                                        <a:rPr lang="ru-RU" i="0">
-                                          <a:latin typeface="Cambria Math" panose="02040503050406030204" pitchFamily="18" charset="0"/>
-                                        </a:rPr>
-                                        <m:t>0</m:t>
-                                      </m:r>
-                                    </m:sub>
-                                  </m:sSub>
-                                </m:num>
-                                <m:den>
-                                  <m:r>
-                                    <a:rPr lang="ru-RU" i="0">
-                                      <a:latin typeface="Cambria Math" panose="02040503050406030204" pitchFamily="18" charset="0"/>
-                                    </a:rPr>
-                                    <m:t>2</m:t>
-                                  </m:r>
-                                </m:den>
-                              </m:f>
-                              <m:r>
-                                <a:rPr lang="ru-RU" i="0">
-                                  <a:latin typeface="Cambria Math" panose="02040503050406030204" pitchFamily="18" charset="0"/>
-                                </a:rPr>
-                                <m:t>∙</m:t>
-                              </m:r>
-                              <m:sSup>
-                                <m:sSupPr>
-                                  <m:ctrlPr>
-                                    <a:rPr lang="ru-RU" i="1">
-                                      <a:latin typeface="Cambria Math" panose="02040503050406030204" pitchFamily="18" charset="0"/>
-                                    </a:rPr>
-                                  </m:ctrlPr>
-                                </m:sSupPr>
-                                <m:e>
-                                  <m:d>
-                                    <m:dPr>
-                                      <m:begChr m:val="|"/>
-                                      <m:endChr m:val="|"/>
-                                      <m:ctrlPr>
-                                        <a:rPr lang="ru-RU" i="1">
-                                          <a:latin typeface="Cambria Math" panose="02040503050406030204" pitchFamily="18" charset="0"/>
-                                        </a:rPr>
-                                      </m:ctrlPr>
-                                    </m:dPr>
-                                    <m:e>
-                                      <m:r>
-                                        <a:rPr lang="ru-RU" i="1">
-                                          <a:latin typeface="Cambria Math" panose="02040503050406030204" pitchFamily="18" charset="0"/>
-                                        </a:rPr>
-                                        <m:t>𝑥𝑓</m:t>
-                                      </m:r>
-                                      <m:d>
-                                        <m:dPr>
-                                          <m:begChr m:val="["/>
-                                          <m:endChr m:val="]"/>
-                                          <m:ctrlPr>
-                                            <a:rPr lang="ru-RU" i="1">
-                                              <a:latin typeface="Cambria Math" panose="02040503050406030204" pitchFamily="18" charset="0"/>
-                                            </a:rPr>
-                                          </m:ctrlPr>
-                                        </m:dPr>
-                                        <m:e>
-                                          <m:r>
-                                            <a:rPr lang="ru-RU" i="1">
-                                              <a:latin typeface="Cambria Math" panose="02040503050406030204" pitchFamily="18" charset="0"/>
-                                            </a:rPr>
-                                            <m:t>𝑚</m:t>
-                                          </m:r>
-                                        </m:e>
-                                      </m:d>
-                                    </m:e>
-                                  </m:d>
-                                </m:e>
-                                <m:sup>
-                                  <m:r>
-                                    <a:rPr lang="ru-RU" i="0">
-                                      <a:latin typeface="Cambria Math" panose="02040503050406030204" pitchFamily="18" charset="0"/>
-                                    </a:rPr>
-                                    <m:t>2</m:t>
-                                  </m:r>
-                                </m:sup>
-                              </m:sSup>
-                            </m:e>
-                          </m:d>
-                        </m:e>
-                      </m:nary>
-                      <m:r>
-                        <a:rPr lang="ru-RU" i="0">
-                          <a:latin typeface="Cambria Math" panose="02040503050406030204" pitchFamily="18" charset="0"/>
-                        </a:rPr>
-                        <m:t>=</m:t>
-                      </m:r>
-                      <m:f>
-                        <m:fPr>
-                          <m:ctrlPr>
-                            <a:rPr lang="ru-RU" i="1">
-                              <a:latin typeface="Cambria Math" panose="02040503050406030204" pitchFamily="18" charset="0"/>
-                            </a:rPr>
-                          </m:ctrlPr>
-                        </m:fPr>
-                        <m:num>
                           <m:sSub>
                             <m:sSubPr>
                               <m:ctrlPr>
@@ -7992,7 +8524,7 @@
                                 <a:rPr lang="ru-RU" i="1">
                                   <a:latin typeface="Cambria Math" panose="02040503050406030204" pitchFamily="18" charset="0"/>
                                 </a:rPr>
-                                <m:t>𝑁</m:t>
+                                <m:t>𝑘</m:t>
                               </m:r>
                             </m:e>
                             <m:sub>
@@ -8004,189 +8536,20 @@
                               </m:r>
                             </m:sub>
                           </m:sSub>
-                        </m:num>
-                        <m:den>
                           <m:r>
                             <a:rPr lang="ru-RU" i="0">
                               <a:latin typeface="Cambria Math" panose="02040503050406030204" pitchFamily="18" charset="0"/>
                             </a:rPr>
-                            <m:t>2</m:t>
-                          </m:r>
-                        </m:den>
-                      </m:f>
-                      <m:nary>
-                        <m:naryPr>
-                          <m:chr m:val="∑"/>
-                          <m:limLoc m:val="undOvr"/>
-                          <m:ctrlPr>
+                            <m:t>−</m:t>
+                          </m:r>
+                          <m:r>
                             <a:rPr lang="ru-RU" i="1">
                               <a:latin typeface="Cambria Math" panose="02040503050406030204" pitchFamily="18" charset="0"/>
                             </a:rPr>
-                          </m:ctrlPr>
-                        </m:naryPr>
-                        <m:sub>
-                          <m:r>
-                            <a:rPr lang="ru-RU" i="1">
-                              <a:latin typeface="Cambria Math" panose="02040503050406030204" pitchFamily="18" charset="0"/>
-                            </a:rPr>
                             <m:t>𝑘</m:t>
                           </m:r>
-                          <m:r>
-                            <a:rPr lang="ru-RU" i="0">
-                              <a:latin typeface="Cambria Math" panose="02040503050406030204" pitchFamily="18" charset="0"/>
-                            </a:rPr>
-                            <m:t>=0</m:t>
-                          </m:r>
-                        </m:sub>
-                        <m:sup>
-                          <m:r>
-                            <a:rPr lang="ru-RU" i="1">
-                              <a:latin typeface="Cambria Math" panose="02040503050406030204" pitchFamily="18" charset="0"/>
-                            </a:rPr>
-                            <m:t>𝑁</m:t>
-                          </m:r>
-                          <m:r>
-                            <a:rPr lang="ru-RU" i="0">
-                              <a:latin typeface="Cambria Math" panose="02040503050406030204" pitchFamily="18" charset="0"/>
-                            </a:rPr>
-                            <m:t>−1</m:t>
-                          </m:r>
-                        </m:sup>
-                        <m:e>
-                          <m:sSup>
-                            <m:sSupPr>
-                              <m:ctrlPr>
-                                <a:rPr lang="ru-RU" i="1">
-                                  <a:latin typeface="Cambria Math" panose="02040503050406030204" pitchFamily="18" charset="0"/>
-                                </a:rPr>
-                              </m:ctrlPr>
-                            </m:sSupPr>
-                            <m:e>
-                              <m:d>
-                                <m:dPr>
-                                  <m:begChr m:val="|"/>
-                                  <m:endChr m:val="|"/>
-                                  <m:ctrlPr>
-                                    <a:rPr lang="ru-RU" i="1">
-                                      <a:latin typeface="Cambria Math" panose="02040503050406030204" pitchFamily="18" charset="0"/>
-                                    </a:rPr>
-                                  </m:ctrlPr>
-                                </m:dPr>
-                                <m:e>
-                                  <m:r>
-                                    <a:rPr lang="ru-RU" i="1">
-                                      <a:latin typeface="Cambria Math" panose="02040503050406030204" pitchFamily="18" charset="0"/>
-                                    </a:rPr>
-                                    <m:t>𝑥</m:t>
-                                  </m:r>
-                                  <m:d>
-                                    <m:dPr>
-                                      <m:begChr m:val="["/>
-                                      <m:endChr m:val="]"/>
-                                      <m:ctrlPr>
-                                        <a:rPr lang="ru-RU" i="1">
-                                          <a:latin typeface="Cambria Math" panose="02040503050406030204" pitchFamily="18" charset="0"/>
-                                        </a:rPr>
-                                      </m:ctrlPr>
-                                    </m:dPr>
-                                    <m:e>
-                                      <m:r>
-                                        <a:rPr lang="ru-RU" i="1">
-                                          <a:latin typeface="Cambria Math" panose="02040503050406030204" pitchFamily="18" charset="0"/>
-                                        </a:rPr>
-                                        <m:t>𝑘</m:t>
-                                      </m:r>
-                                    </m:e>
-                                  </m:d>
-                                </m:e>
-                              </m:d>
-                            </m:e>
-                            <m:sup>
-                              <m:r>
-                                <a:rPr lang="ru-RU" i="0">
-                                  <a:latin typeface="Cambria Math" panose="02040503050406030204" pitchFamily="18" charset="0"/>
-                                </a:rPr>
-                                <m:t>2</m:t>
-                              </m:r>
-                            </m:sup>
-                          </m:sSup>
                         </m:e>
-                      </m:nary>
-                      <m:r>
-                        <a:rPr lang="ru-RU" i="0">
-                          <a:latin typeface="Cambria Math" panose="02040503050406030204" pitchFamily="18" charset="0"/>
-                        </a:rPr>
-                        <m:t>=</m:t>
-                      </m:r>
-                      <m:f>
-                        <m:fPr>
-                          <m:ctrlPr>
-                            <a:rPr lang="ru-RU" i="1">
-                              <a:latin typeface="Cambria Math" panose="02040503050406030204" pitchFamily="18" charset="0"/>
-                            </a:rPr>
-                          </m:ctrlPr>
-                        </m:fPr>
-                        <m:num>
-                          <m:sSub>
-                            <m:sSubPr>
-                              <m:ctrlPr>
-                                <a:rPr lang="ru-RU" i="1">
-                                  <a:latin typeface="Cambria Math" panose="02040503050406030204" pitchFamily="18" charset="0"/>
-                                </a:rPr>
-                              </m:ctrlPr>
-                            </m:sSubPr>
-                            <m:e>
-                              <m:r>
-                                <a:rPr lang="ru-RU" i="1">
-                                  <a:latin typeface="Cambria Math" panose="02040503050406030204" pitchFamily="18" charset="0"/>
-                                </a:rPr>
-                                <m:t>𝑁</m:t>
-                              </m:r>
-                            </m:e>
-                            <m:sub>
-                              <m:r>
-                                <a:rPr lang="ru-RU" i="0">
-                                  <a:latin typeface="Cambria Math" panose="02040503050406030204" pitchFamily="18" charset="0"/>
-                                </a:rPr>
-                                <m:t>0</m:t>
-                              </m:r>
-                            </m:sub>
-                          </m:sSub>
-                        </m:num>
-                        <m:den>
-                          <m:r>
-                            <a:rPr lang="ru-RU" i="0">
-                              <a:latin typeface="Cambria Math" panose="02040503050406030204" pitchFamily="18" charset="0"/>
-                            </a:rPr>
-                            <m:t>2</m:t>
-                          </m:r>
-                        </m:den>
-                      </m:f>
-                      <m:sSub>
-                        <m:sSubPr>
-                          <m:ctrlPr>
-                            <a:rPr lang="ru-RU" i="1">
-                              <a:latin typeface="Cambria Math" panose="02040503050406030204" pitchFamily="18" charset="0"/>
-                            </a:rPr>
-                          </m:ctrlPr>
-                        </m:sSubPr>
-                        <m:e>
-                          <m:r>
-                            <a:rPr lang="ru-RU" i="1">
-                              <a:latin typeface="Cambria Math" panose="02040503050406030204" pitchFamily="18" charset="0"/>
-                            </a:rPr>
-                            <m:t>𝑘</m:t>
-                          </m:r>
-                        </m:e>
-                        <m:sub>
-                          <m:r>
-                            <a:rPr lang="ru-RU" i="0">
-                              <a:latin typeface="Cambria Math" panose="02040503050406030204" pitchFamily="18" charset="0"/>
-                            </a:rPr>
-                            <m:t>0</m:t>
-                          </m:r>
-                        </m:sub>
-                      </m:sSub>
+                      </m:d>
                     </m:oMath>
                   </m:oMathPara>
                 </a14:m>
@@ -8198,7 +8561,7 @@
         <mc:Fallback>
           <p:sp>
             <p:nvSpPr>
-              <p:cNvPr id="6" name="Прямоугольник 5"/>
+              <p:cNvPr id="17" name="Прямоугольник 16"/>
               <p:cNvSpPr>
                 <a:spLocks noRot="1" noChangeAspect="1" noMove="1" noResize="1" noEditPoints="1" noAdjustHandles="1" noChangeArrowheads="1" noChangeShapeType="1" noTextEdit="1"/>
               </p:cNvSpPr>
@@ -8206,14 +8569,606 @@
             </p:nvSpPr>
             <p:spPr>
               <a:xfrm>
-                <a:off x="3269336" y="3559845"/>
-                <a:ext cx="5632055" cy="871457"/>
+                <a:off x="5016242" y="1428396"/>
+                <a:ext cx="1998111" cy="369332"/>
               </a:xfrm>
               <a:prstGeom prst="rect">
                 <a:avLst/>
               </a:prstGeom>
               <a:blipFill>
-                <a:blip r:embed="rId16"/>
+                <a:blip r:embed="rId14"/>
+                <a:stretch>
+                  <a:fillRect/>
+                </a:stretch>
+              </a:blipFill>
+            </p:spPr>
+            <p:txBody>
+              <a:bodyPr/>
+              <a:lstStyle/>
+              <a:p>
+                <a:r>
+                  <a:rPr lang="ru-RU">
+                    <a:noFill/>
+                  </a:rPr>
+                  <a:t> </a:t>
+                </a:r>
+              </a:p>
+            </p:txBody>
+          </p:sp>
+        </mc:Fallback>
+      </mc:AlternateContent>
+      <mc:AlternateContent xmlns:mc="http://schemas.openxmlformats.org/markup-compatibility/2006">
+        <mc:Choice xmlns:a14="http://schemas.microsoft.com/office/drawing/2010/main" Requires="a14">
+          <p:sp>
+            <p:nvSpPr>
+              <p:cNvPr id="20" name="Прямоугольник 19"/>
+              <p:cNvSpPr/>
+              <p:nvPr/>
+            </p:nvSpPr>
+            <p:spPr>
+              <a:xfrm>
+                <a:off x="3990866" y="1838736"/>
+                <a:ext cx="7789972" cy="871457"/>
+              </a:xfrm>
+              <a:prstGeom prst="rect">
+                <a:avLst/>
+              </a:prstGeom>
+            </p:spPr>
+            <p:txBody>
+              <a:bodyPr wrap="square">
+                <a:spAutoFit/>
+              </a:bodyPr>
+              <a:lstStyle/>
+              <a:p>
+                <a14:m>
+                  <m:oMathPara xmlns:m="http://schemas.openxmlformats.org/officeDocument/2006/math">
+                    <m:oMathParaPr>
+                      <m:jc m:val="centerGroup"/>
+                    </m:oMathParaPr>
+                    <m:oMath xmlns:m="http://schemas.openxmlformats.org/officeDocument/2006/math">
+                      <m:r>
+                        <a:rPr lang="ru-RU" i="1">
+                          <a:latin typeface="Cambria Math" panose="02040503050406030204" pitchFamily="18" charset="0"/>
+                        </a:rPr>
+                        <m:t>h𝑓</m:t>
+                      </m:r>
+                      <m:d>
+                        <m:dPr>
+                          <m:begChr m:val="["/>
+                          <m:endChr m:val="]"/>
+                          <m:ctrlPr>
+                            <a:rPr lang="ru-RU" i="1">
+                              <a:latin typeface="Cambria Math" panose="02040503050406030204" pitchFamily="18" charset="0"/>
+                            </a:rPr>
+                          </m:ctrlPr>
+                        </m:dPr>
+                        <m:e>
+                          <m:r>
+                            <a:rPr lang="ru-RU" i="1">
+                              <a:latin typeface="Cambria Math" panose="02040503050406030204" pitchFamily="18" charset="0"/>
+                            </a:rPr>
+                            <m:t>𝑚</m:t>
+                          </m:r>
+                        </m:e>
+                      </m:d>
+                      <m:r>
+                        <a:rPr lang="ru-RU" i="0">
+                          <a:latin typeface="Cambria Math" panose="02040503050406030204" pitchFamily="18" charset="0"/>
+                        </a:rPr>
+                        <m:t>=</m:t>
+                      </m:r>
+                      <m:nary>
+                        <m:naryPr>
+                          <m:chr m:val="∑"/>
+                          <m:limLoc m:val="undOvr"/>
+                          <m:ctrlPr>
+                            <a:rPr lang="ru-RU" i="1">
+                              <a:latin typeface="Cambria Math" panose="02040503050406030204" pitchFamily="18" charset="0"/>
+                            </a:rPr>
+                          </m:ctrlPr>
+                        </m:naryPr>
+                        <m:sub>
+                          <m:r>
+                            <a:rPr lang="ru-RU" i="1">
+                              <a:latin typeface="Cambria Math" panose="02040503050406030204" pitchFamily="18" charset="0"/>
+                            </a:rPr>
+                            <m:t>𝑘</m:t>
+                          </m:r>
+                          <m:r>
+                            <a:rPr lang="ru-RU" i="0">
+                              <a:latin typeface="Cambria Math" panose="02040503050406030204" pitchFamily="18" charset="0"/>
+                            </a:rPr>
+                            <m:t>=0</m:t>
+                          </m:r>
+                        </m:sub>
+                        <m:sup>
+                          <m:r>
+                            <a:rPr lang="ru-RU" i="1">
+                              <a:latin typeface="Cambria Math" panose="02040503050406030204" pitchFamily="18" charset="0"/>
+                            </a:rPr>
+                            <m:t>𝑁</m:t>
+                          </m:r>
+                          <m:r>
+                            <a:rPr lang="ru-RU" i="0">
+                              <a:latin typeface="Cambria Math" panose="02040503050406030204" pitchFamily="18" charset="0"/>
+                            </a:rPr>
+                            <m:t>−1</m:t>
+                          </m:r>
+                        </m:sup>
+                        <m:e>
+                          <m:r>
+                            <a:rPr lang="ru-RU" i="1">
+                              <a:latin typeface="Cambria Math" panose="02040503050406030204" pitchFamily="18" charset="0"/>
+                            </a:rPr>
+                            <m:t>h</m:t>
+                          </m:r>
+                          <m:d>
+                            <m:dPr>
+                              <m:begChr m:val="["/>
+                              <m:endChr m:val="]"/>
+                              <m:ctrlPr>
+                                <a:rPr lang="ru-RU" i="1">
+                                  <a:latin typeface="Cambria Math" panose="02040503050406030204" pitchFamily="18" charset="0"/>
+                                </a:rPr>
+                              </m:ctrlPr>
+                            </m:dPr>
+                            <m:e>
+                              <m:r>
+                                <a:rPr lang="ru-RU" i="1">
+                                  <a:latin typeface="Cambria Math" panose="02040503050406030204" pitchFamily="18" charset="0"/>
+                                </a:rPr>
+                                <m:t>𝑘</m:t>
+                              </m:r>
+                            </m:e>
+                          </m:d>
+                          <m:r>
+                            <a:rPr lang="ru-RU" i="0">
+                              <a:latin typeface="Cambria Math" panose="02040503050406030204" pitchFamily="18" charset="0"/>
+                            </a:rPr>
+                            <m:t>∙</m:t>
+                          </m:r>
+                        </m:e>
+                      </m:nary>
+                      <m:sSup>
+                        <m:sSupPr>
+                          <m:ctrlPr>
+                            <a:rPr lang="ru-RU" i="1">
+                              <a:latin typeface="Cambria Math" panose="02040503050406030204" pitchFamily="18" charset="0"/>
+                            </a:rPr>
+                          </m:ctrlPr>
+                        </m:sSupPr>
+                        <m:e>
+                          <m:r>
+                            <a:rPr lang="ru-RU" i="1">
+                              <a:latin typeface="Cambria Math" panose="02040503050406030204" pitchFamily="18" charset="0"/>
+                            </a:rPr>
+                            <m:t>𝑒</m:t>
+                          </m:r>
+                        </m:e>
+                        <m:sup>
+                          <m:r>
+                            <a:rPr lang="ru-RU" i="0">
+                              <a:latin typeface="Cambria Math" panose="02040503050406030204" pitchFamily="18" charset="0"/>
+                            </a:rPr>
+                            <m:t>−</m:t>
+                          </m:r>
+                          <m:r>
+                            <a:rPr lang="ru-RU" i="1">
+                              <a:latin typeface="Cambria Math" panose="02040503050406030204" pitchFamily="18" charset="0"/>
+                            </a:rPr>
+                            <m:t>𝑗</m:t>
+                          </m:r>
+                          <m:f>
+                            <m:fPr>
+                              <m:ctrlPr>
+                                <a:rPr lang="ru-RU" i="1">
+                                  <a:latin typeface="Cambria Math" panose="02040503050406030204" pitchFamily="18" charset="0"/>
+                                </a:rPr>
+                              </m:ctrlPr>
+                            </m:fPr>
+                            <m:num>
+                              <m:r>
+                                <a:rPr lang="ru-RU" i="0">
+                                  <a:latin typeface="Cambria Math" panose="02040503050406030204" pitchFamily="18" charset="0"/>
+                                </a:rPr>
+                                <m:t>2</m:t>
+                              </m:r>
+                              <m:r>
+                                <a:rPr lang="ru-RU" i="1">
+                                  <a:latin typeface="Cambria Math" panose="02040503050406030204" pitchFamily="18" charset="0"/>
+                                </a:rPr>
+                                <m:t>𝜋</m:t>
+                              </m:r>
+                            </m:num>
+                            <m:den>
+                              <m:r>
+                                <a:rPr lang="ru-RU" i="1">
+                                  <a:latin typeface="Cambria Math" panose="02040503050406030204" pitchFamily="18" charset="0"/>
+                                </a:rPr>
+                                <m:t>𝑁</m:t>
+                              </m:r>
+                            </m:den>
+                          </m:f>
+                          <m:r>
+                            <a:rPr lang="ru-RU" i="1">
+                              <a:latin typeface="Cambria Math" panose="02040503050406030204" pitchFamily="18" charset="0"/>
+                            </a:rPr>
+                            <m:t>𝑘𝑚</m:t>
+                          </m:r>
+                        </m:sup>
+                      </m:sSup>
+                      <m:r>
+                        <a:rPr lang="ru-RU" i="0">
+                          <a:latin typeface="Cambria Math" panose="02040503050406030204" pitchFamily="18" charset="0"/>
+                        </a:rPr>
+                        <m:t>=</m:t>
+                      </m:r>
+                      <m:nary>
+                        <m:naryPr>
+                          <m:chr m:val="∑"/>
+                          <m:limLoc m:val="undOvr"/>
+                          <m:ctrlPr>
+                            <a:rPr lang="ru-RU" i="1">
+                              <a:latin typeface="Cambria Math" panose="02040503050406030204" pitchFamily="18" charset="0"/>
+                            </a:rPr>
+                          </m:ctrlPr>
+                        </m:naryPr>
+                        <m:sub>
+                          <m:r>
+                            <a:rPr lang="ru-RU" i="1">
+                              <a:latin typeface="Cambria Math" panose="02040503050406030204" pitchFamily="18" charset="0"/>
+                            </a:rPr>
+                            <m:t>𝑘</m:t>
+                          </m:r>
+                          <m:r>
+                            <a:rPr lang="ru-RU" i="0">
+                              <a:latin typeface="Cambria Math" panose="02040503050406030204" pitchFamily="18" charset="0"/>
+                            </a:rPr>
+                            <m:t>=0</m:t>
+                          </m:r>
+                        </m:sub>
+                        <m:sup>
+                          <m:r>
+                            <a:rPr lang="ru-RU" i="1">
+                              <a:latin typeface="Cambria Math" panose="02040503050406030204" pitchFamily="18" charset="0"/>
+                            </a:rPr>
+                            <m:t>𝑁</m:t>
+                          </m:r>
+                          <m:r>
+                            <a:rPr lang="ru-RU" i="0">
+                              <a:latin typeface="Cambria Math" panose="02040503050406030204" pitchFamily="18" charset="0"/>
+                            </a:rPr>
+                            <m:t>−1</m:t>
+                          </m:r>
+                        </m:sup>
+                        <m:e>
+                          <m:sSup>
+                            <m:sSupPr>
+                              <m:ctrlPr>
+                                <a:rPr lang="ru-RU" i="1">
+                                  <a:latin typeface="Cambria Math" panose="02040503050406030204" pitchFamily="18" charset="0"/>
+                                </a:rPr>
+                              </m:ctrlPr>
+                            </m:sSupPr>
+                            <m:e>
+                              <m:r>
+                                <a:rPr lang="ru-RU" i="1">
+                                  <a:latin typeface="Cambria Math" panose="02040503050406030204" pitchFamily="18" charset="0"/>
+                                </a:rPr>
+                                <m:t>𝑥</m:t>
+                              </m:r>
+                            </m:e>
+                            <m:sup>
+                              <m:r>
+                                <a:rPr lang="ru-RU" i="0">
+                                  <a:latin typeface="Cambria Math" panose="02040503050406030204" pitchFamily="18" charset="0"/>
+                                </a:rPr>
+                                <m:t>∗</m:t>
+                              </m:r>
+                            </m:sup>
+                          </m:sSup>
+                          <m:d>
+                            <m:dPr>
+                              <m:begChr m:val="["/>
+                              <m:endChr m:val="]"/>
+                              <m:ctrlPr>
+                                <a:rPr lang="ru-RU" i="1">
+                                  <a:latin typeface="Cambria Math" panose="02040503050406030204" pitchFamily="18" charset="0"/>
+                                </a:rPr>
+                              </m:ctrlPr>
+                            </m:dPr>
+                            <m:e>
+                              <m:sSub>
+                                <m:sSubPr>
+                                  <m:ctrlPr>
+                                    <a:rPr lang="ru-RU" i="1">
+                                      <a:latin typeface="Cambria Math" panose="02040503050406030204" pitchFamily="18" charset="0"/>
+                                    </a:rPr>
+                                  </m:ctrlPr>
+                                </m:sSubPr>
+                                <m:e>
+                                  <m:r>
+                                    <a:rPr lang="ru-RU" i="1">
+                                      <a:latin typeface="Cambria Math" panose="02040503050406030204" pitchFamily="18" charset="0"/>
+                                    </a:rPr>
+                                    <m:t>𝑘</m:t>
+                                  </m:r>
+                                </m:e>
+                                <m:sub>
+                                  <m:r>
+                                    <a:rPr lang="ru-RU" i="0">
+                                      <a:latin typeface="Cambria Math" panose="02040503050406030204" pitchFamily="18" charset="0"/>
+                                    </a:rPr>
+                                    <m:t>0</m:t>
+                                  </m:r>
+                                </m:sub>
+                              </m:sSub>
+                              <m:r>
+                                <a:rPr lang="ru-RU" i="0">
+                                  <a:latin typeface="Cambria Math" panose="02040503050406030204" pitchFamily="18" charset="0"/>
+                                </a:rPr>
+                                <m:t>−</m:t>
+                              </m:r>
+                              <m:r>
+                                <a:rPr lang="ru-RU" i="1">
+                                  <a:latin typeface="Cambria Math" panose="02040503050406030204" pitchFamily="18" charset="0"/>
+                                </a:rPr>
+                                <m:t>𝑘</m:t>
+                              </m:r>
+                            </m:e>
+                          </m:d>
+                          <m:r>
+                            <a:rPr lang="ru-RU" i="0">
+                              <a:latin typeface="Cambria Math" panose="02040503050406030204" pitchFamily="18" charset="0"/>
+                            </a:rPr>
+                            <m:t>∙</m:t>
+                          </m:r>
+                        </m:e>
+                      </m:nary>
+                      <m:sSup>
+                        <m:sSupPr>
+                          <m:ctrlPr>
+                            <a:rPr lang="ru-RU" i="1">
+                              <a:latin typeface="Cambria Math" panose="02040503050406030204" pitchFamily="18" charset="0"/>
+                            </a:rPr>
+                          </m:ctrlPr>
+                        </m:sSupPr>
+                        <m:e>
+                          <m:r>
+                            <a:rPr lang="ru-RU" i="1">
+                              <a:latin typeface="Cambria Math" panose="02040503050406030204" pitchFamily="18" charset="0"/>
+                            </a:rPr>
+                            <m:t>𝑒</m:t>
+                          </m:r>
+                        </m:e>
+                        <m:sup>
+                          <m:r>
+                            <a:rPr lang="ru-RU" i="0">
+                              <a:latin typeface="Cambria Math" panose="02040503050406030204" pitchFamily="18" charset="0"/>
+                            </a:rPr>
+                            <m:t>−</m:t>
+                          </m:r>
+                          <m:r>
+                            <a:rPr lang="ru-RU" i="1">
+                              <a:latin typeface="Cambria Math" panose="02040503050406030204" pitchFamily="18" charset="0"/>
+                            </a:rPr>
+                            <m:t>𝑗</m:t>
+                          </m:r>
+                          <m:f>
+                            <m:fPr>
+                              <m:ctrlPr>
+                                <a:rPr lang="ru-RU" i="1">
+                                  <a:latin typeface="Cambria Math" panose="02040503050406030204" pitchFamily="18" charset="0"/>
+                                </a:rPr>
+                              </m:ctrlPr>
+                            </m:fPr>
+                            <m:num>
+                              <m:r>
+                                <a:rPr lang="ru-RU" i="0">
+                                  <a:latin typeface="Cambria Math" panose="02040503050406030204" pitchFamily="18" charset="0"/>
+                                </a:rPr>
+                                <m:t>2</m:t>
+                              </m:r>
+                              <m:r>
+                                <a:rPr lang="ru-RU" i="1">
+                                  <a:latin typeface="Cambria Math" panose="02040503050406030204" pitchFamily="18" charset="0"/>
+                                </a:rPr>
+                                <m:t>𝜋</m:t>
+                              </m:r>
+                            </m:num>
+                            <m:den>
+                              <m:r>
+                                <a:rPr lang="ru-RU" i="1">
+                                  <a:latin typeface="Cambria Math" panose="02040503050406030204" pitchFamily="18" charset="0"/>
+                                </a:rPr>
+                                <m:t>𝑁</m:t>
+                              </m:r>
+                            </m:den>
+                          </m:f>
+                          <m:r>
+                            <a:rPr lang="ru-RU" i="1">
+                              <a:latin typeface="Cambria Math" panose="02040503050406030204" pitchFamily="18" charset="0"/>
+                            </a:rPr>
+                            <m:t>𝑘𝑚</m:t>
+                          </m:r>
+                        </m:sup>
+                      </m:sSup>
+                      <m:r>
+                        <a:rPr lang="ru-RU" i="0">
+                          <a:latin typeface="Cambria Math" panose="02040503050406030204" pitchFamily="18" charset="0"/>
+                        </a:rPr>
+                        <m:t>=</m:t>
+                      </m:r>
+                      <m:sSup>
+                        <m:sSupPr>
+                          <m:ctrlPr>
+                            <a:rPr lang="ru-RU" i="1">
+                              <a:latin typeface="Cambria Math" panose="02040503050406030204" pitchFamily="18" charset="0"/>
+                            </a:rPr>
+                          </m:ctrlPr>
+                        </m:sSupPr>
+                        <m:e>
+                          <m:r>
+                            <a:rPr lang="ru-RU" i="1">
+                              <a:latin typeface="Cambria Math" panose="02040503050406030204" pitchFamily="18" charset="0"/>
+                            </a:rPr>
+                            <m:t>𝑥𝑓</m:t>
+                          </m:r>
+                        </m:e>
+                        <m:sup>
+                          <m:r>
+                            <a:rPr lang="ru-RU" i="0">
+                              <a:latin typeface="Cambria Math" panose="02040503050406030204" pitchFamily="18" charset="0"/>
+                            </a:rPr>
+                            <m:t>∗</m:t>
+                          </m:r>
+                        </m:sup>
+                      </m:sSup>
+                      <m:d>
+                        <m:dPr>
+                          <m:begChr m:val="["/>
+                          <m:endChr m:val="]"/>
+                          <m:ctrlPr>
+                            <a:rPr lang="ru-RU" i="1">
+                              <a:latin typeface="Cambria Math" panose="02040503050406030204" pitchFamily="18" charset="0"/>
+                            </a:rPr>
+                          </m:ctrlPr>
+                        </m:dPr>
+                        <m:e>
+                          <m:r>
+                            <a:rPr lang="ru-RU" i="1">
+                              <a:latin typeface="Cambria Math" panose="02040503050406030204" pitchFamily="18" charset="0"/>
+                            </a:rPr>
+                            <m:t>𝑚</m:t>
+                          </m:r>
+                        </m:e>
+                      </m:d>
+                      <m:sSup>
+                        <m:sSupPr>
+                          <m:ctrlPr>
+                            <a:rPr lang="ru-RU" i="1">
+                              <a:latin typeface="Cambria Math" panose="02040503050406030204" pitchFamily="18" charset="0"/>
+                            </a:rPr>
+                          </m:ctrlPr>
+                        </m:sSupPr>
+                        <m:e>
+                          <m:r>
+                            <a:rPr lang="ru-RU" i="0">
+                              <a:latin typeface="Cambria Math" panose="02040503050406030204" pitchFamily="18" charset="0"/>
+                            </a:rPr>
+                            <m:t>∙</m:t>
+                          </m:r>
+                          <m:r>
+                            <a:rPr lang="ru-RU" i="1">
+                              <a:latin typeface="Cambria Math" panose="02040503050406030204" pitchFamily="18" charset="0"/>
+                            </a:rPr>
+                            <m:t>𝑒</m:t>
+                          </m:r>
+                        </m:e>
+                        <m:sup>
+                          <m:r>
+                            <a:rPr lang="ru-RU" i="0">
+                              <a:latin typeface="Cambria Math" panose="02040503050406030204" pitchFamily="18" charset="0"/>
+                            </a:rPr>
+                            <m:t>−</m:t>
+                          </m:r>
+                          <m:r>
+                            <a:rPr lang="ru-RU" i="1">
+                              <a:latin typeface="Cambria Math" panose="02040503050406030204" pitchFamily="18" charset="0"/>
+                            </a:rPr>
+                            <m:t>𝑗</m:t>
+                          </m:r>
+                          <m:f>
+                            <m:fPr>
+                              <m:ctrlPr>
+                                <a:rPr lang="ru-RU" i="1">
+                                  <a:latin typeface="Cambria Math" panose="02040503050406030204" pitchFamily="18" charset="0"/>
+                                </a:rPr>
+                              </m:ctrlPr>
+                            </m:fPr>
+                            <m:num>
+                              <m:r>
+                                <a:rPr lang="ru-RU" i="0">
+                                  <a:latin typeface="Cambria Math" panose="02040503050406030204" pitchFamily="18" charset="0"/>
+                                </a:rPr>
+                                <m:t>2</m:t>
+                              </m:r>
+                              <m:r>
+                                <a:rPr lang="ru-RU" i="1">
+                                  <a:latin typeface="Cambria Math" panose="02040503050406030204" pitchFamily="18" charset="0"/>
+                                </a:rPr>
+                                <m:t>𝜋</m:t>
+                              </m:r>
+                            </m:num>
+                            <m:den>
+                              <m:r>
+                                <a:rPr lang="ru-RU" i="1">
+                                  <a:latin typeface="Cambria Math" panose="02040503050406030204" pitchFamily="18" charset="0"/>
+                                </a:rPr>
+                                <m:t>𝑁</m:t>
+                              </m:r>
+                            </m:den>
+                          </m:f>
+                          <m:sSub>
+                            <m:sSubPr>
+                              <m:ctrlPr>
+                                <a:rPr lang="ru-RU" i="1">
+                                  <a:latin typeface="Cambria Math" panose="02040503050406030204" pitchFamily="18" charset="0"/>
+                                </a:rPr>
+                              </m:ctrlPr>
+                            </m:sSubPr>
+                            <m:e>
+                              <m:r>
+                                <a:rPr lang="ru-RU" i="1">
+                                  <a:latin typeface="Cambria Math" panose="02040503050406030204" pitchFamily="18" charset="0"/>
+                                </a:rPr>
+                                <m:t>𝑘</m:t>
+                              </m:r>
+                            </m:e>
+                            <m:sub>
+                              <m:r>
+                                <a:rPr lang="ru-RU" i="0">
+                                  <a:latin typeface="Cambria Math" panose="02040503050406030204" pitchFamily="18" charset="0"/>
+                                </a:rPr>
+                                <m:t>0</m:t>
+                              </m:r>
+                            </m:sub>
+                          </m:sSub>
+                          <m:r>
+                            <a:rPr lang="ru-RU" i="1">
+                              <a:latin typeface="Cambria Math" panose="02040503050406030204" pitchFamily="18" charset="0"/>
+                            </a:rPr>
+                            <m:t>𝑚</m:t>
+                          </m:r>
+                        </m:sup>
+                      </m:sSup>
+                    </m:oMath>
+                  </m:oMathPara>
+                </a14:m>
+                <a:endParaRPr lang="ru-RU" dirty="0"/>
+              </a:p>
+            </p:txBody>
+          </p:sp>
+        </mc:Choice>
+        <mc:Fallback>
+          <p:sp>
+            <p:nvSpPr>
+              <p:cNvPr id="20" name="Прямоугольник 19"/>
+              <p:cNvSpPr>
+                <a:spLocks noRot="1" noChangeAspect="1" noMove="1" noResize="1" noEditPoints="1" noAdjustHandles="1" noChangeArrowheads="1" noChangeShapeType="1" noTextEdit="1"/>
+              </p:cNvSpPr>
+              <p:nvPr/>
+            </p:nvSpPr>
+            <p:spPr>
+              <a:xfrm>
+                <a:off x="3990866" y="1838736"/>
+                <a:ext cx="7789972" cy="871457"/>
+              </a:xfrm>
+              <a:prstGeom prst="rect">
+                <a:avLst/>
+              </a:prstGeom>
+              <a:blipFill>
+                <a:blip r:embed="rId15"/>
                 <a:stretch>
                   <a:fillRect/>
                 </a:stretch>
@@ -8512,7 +9467,7 @@
                                           </p:stCondLst>
                                         </p:cTn>
                                         <p:tgtEl>
-                                          <p:spTgt spid="57"/>
+                                          <p:spTgt spid="17"/>
                                         </p:tgtEl>
                                         <p:attrNameLst>
                                           <p:attrName>style.visibility</p:attrName>
@@ -8557,7 +9512,7 @@
                                           </p:stCondLst>
                                         </p:cTn>
                                         <p:tgtEl>
-                                          <p:spTgt spid="11"/>
+                                          <p:spTgt spid="20"/>
                                         </p:tgtEl>
                                         <p:attrNameLst>
                                           <p:attrName>style.visibility</p:attrName>
@@ -8602,7 +9557,7 @@
                                           </p:stCondLst>
                                         </p:cTn>
                                         <p:tgtEl>
-                                          <p:spTgt spid="19"/>
+                                          <p:spTgt spid="3"/>
                                         </p:tgtEl>
                                         <p:attrNameLst>
                                           <p:attrName>style.visibility</p:attrName>
@@ -8647,7 +9602,7 @@
                                           </p:stCondLst>
                                         </p:cTn>
                                         <p:tgtEl>
-                                          <p:spTgt spid="26"/>
+                                          <p:spTgt spid="10"/>
                                         </p:tgtEl>
                                         <p:attrNameLst>
                                           <p:attrName>style.visibility</p:attrName>
@@ -8692,7 +9647,7 @@
                                           </p:stCondLst>
                                         </p:cTn>
                                         <p:tgtEl>
-                                          <p:spTgt spid="6"/>
+                                          <p:spTgt spid="13"/>
                                         </p:tgtEl>
                                         <p:attrNameLst>
                                           <p:attrName>style.visibility</p:attrName>
@@ -8872,7 +9827,7 @@
                                           </p:stCondLst>
                                         </p:cTn>
                                         <p:tgtEl>
-                                          <p:spTgt spid="45"/>
+                                          <p:spTgt spid="7"/>
                                         </p:tgtEl>
                                         <p:attrNameLst>
                                           <p:attrName>style.visibility</p:attrName>
@@ -8899,7 +9854,7 @@
                                           </p:stCondLst>
                                         </p:cTn>
                                         <p:tgtEl>
-                                          <p:spTgt spid="7"/>
+                                          <p:spTgt spid="15"/>
                                         </p:tgtEl>
                                         <p:attrNameLst>
                                           <p:attrName>style.visibility</p:attrName>
@@ -8945,15 +9900,15 @@
       <p:bldP spid="41" grpId="0"/>
       <p:bldP spid="43" grpId="0"/>
       <p:bldP spid="55" grpId="0"/>
-      <p:bldP spid="57" grpId="0"/>
       <p:bldP spid="7" grpId="0" animBg="1"/>
-      <p:bldP spid="11" grpId="0"/>
-      <p:bldP spid="19" grpId="0"/>
-      <p:bldP spid="26" grpId="0"/>
       <p:bldP spid="35" grpId="0"/>
       <p:bldP spid="38" grpId="0"/>
-      <p:bldP spid="45" grpId="0"/>
-      <p:bldP spid="6" grpId="0"/>
+      <p:bldP spid="3" grpId="0"/>
+      <p:bldP spid="10" grpId="0"/>
+      <p:bldP spid="13" grpId="0"/>
+      <p:bldP spid="15" grpId="0"/>
+      <p:bldP spid="17" grpId="0"/>
+      <p:bldP spid="20" grpId="0"/>
     </p:bldLst>
   </p:timing>
 </p:sld>

--- a/Matched Filter.pptx
+++ b/Matched Filter.pptx
@@ -262,7 +262,7 @@
           <a:p>
             <a:fld id="{E103D35A-DC37-463B-9812-D1385B3C8208}" type="datetimeFigureOut">
               <a:rPr lang="en-DE" smtClean="0"/>
-              <a:t>04/06/2023</a:t>
+              <a:t>04/10/2023</a:t>
             </a:fld>
             <a:endParaRPr lang="en-DE"/>
           </a:p>
@@ -462,7 +462,7 @@
           <a:p>
             <a:fld id="{E103D35A-DC37-463B-9812-D1385B3C8208}" type="datetimeFigureOut">
               <a:rPr lang="en-DE" smtClean="0"/>
-              <a:t>04/06/2023</a:t>
+              <a:t>04/10/2023</a:t>
             </a:fld>
             <a:endParaRPr lang="en-DE"/>
           </a:p>
@@ -708,7 +708,7 @@
           <a:p>
             <a:fld id="{E103D35A-DC37-463B-9812-D1385B3C8208}" type="datetimeFigureOut">
               <a:rPr lang="en-DE" smtClean="0"/>
-              <a:t>04/06/2023</a:t>
+              <a:t>04/10/2023</a:t>
             </a:fld>
             <a:endParaRPr lang="en-DE"/>
           </a:p>
@@ -1478,7 +1478,7 @@
                 <a16:creationId xmlns:a16="http://schemas.microsoft.com/office/drawing/2014/main" id="{982413CC-69E6-4BDA-A88D-E4EF8F95B27D}"/>
               </a:ext>
               <a:ext uri="{C183D7F6-B498-43B3-948B-1728B52AA6E4}">
-                <adec:decorative xmlns="" xmlns:adec="http://schemas.microsoft.com/office/drawing/2017/decorative" val="1"/>
+                <adec:decorative xmlns:adec="http://schemas.microsoft.com/office/drawing/2017/decorative" xmlns="" val="1"/>
               </a:ext>
             </a:extLst>
           </p:cNvPr>
@@ -1538,7 +1538,7 @@
                 <a16:creationId xmlns:a16="http://schemas.microsoft.com/office/drawing/2014/main" id="{4F1F7357-8633-4CE7-BF80-475EE8A2FAEA}"/>
               </a:ext>
               <a:ext uri="{C183D7F6-B498-43B3-948B-1728B52AA6E4}">
-                <adec:decorative xmlns="" xmlns:adec="http://schemas.microsoft.com/office/drawing/2017/decorative" val="1"/>
+                <adec:decorative xmlns:adec="http://schemas.microsoft.com/office/drawing/2017/decorative" xmlns="" val="1"/>
               </a:ext>
             </a:extLst>
           </p:cNvPr>
@@ -1569,7 +1569,7 @@
                   <a16:creationId xmlns:a16="http://schemas.microsoft.com/office/drawing/2014/main" id="{E402FE4E-C12D-497C-AF81-F08E4E02B457}"/>
                 </a:ext>
                 <a:ext uri="{C183D7F6-B498-43B3-948B-1728B52AA6E4}">
-                  <adec:decorative xmlns="" xmlns:adec="http://schemas.microsoft.com/office/drawing/2017/decorative" val="1"/>
+                  <adec:decorative xmlns:adec="http://schemas.microsoft.com/office/drawing/2017/decorative" xmlns="" val="1"/>
                 </a:ext>
               </a:extLst>
             </p:cNvPr>
@@ -1662,7 +1662,7 @@
                   <a16:creationId xmlns:a16="http://schemas.microsoft.com/office/drawing/2014/main" id="{59247B10-170D-4E62-849A-38FCB43C6AF9}"/>
                 </a:ext>
                 <a:ext uri="{C183D7F6-B498-43B3-948B-1728B52AA6E4}">
-                  <adec:decorative xmlns="" xmlns:adec="http://schemas.microsoft.com/office/drawing/2017/decorative" val="1"/>
+                  <adec:decorative xmlns:adec="http://schemas.microsoft.com/office/drawing/2017/decorative" xmlns="" val="1"/>
                 </a:ext>
               </a:extLst>
             </p:cNvPr>
@@ -1755,7 +1755,7 @@
                   <a16:creationId xmlns:a16="http://schemas.microsoft.com/office/drawing/2014/main" id="{89A587A7-1BEF-45AA-9EFC-6558A8749CE3}"/>
                 </a:ext>
                 <a:ext uri="{C183D7F6-B498-43B3-948B-1728B52AA6E4}">
-                  <adec:decorative xmlns="" xmlns:adec="http://schemas.microsoft.com/office/drawing/2017/decorative" val="1"/>
+                  <adec:decorative xmlns:adec="http://schemas.microsoft.com/office/drawing/2017/decorative" xmlns="" val="1"/>
                 </a:ext>
               </a:extLst>
             </p:cNvPr>
@@ -1848,7 +1848,7 @@
                   <a16:creationId xmlns:a16="http://schemas.microsoft.com/office/drawing/2014/main" id="{AC25B5A1-6EF7-44EC-A2F0-1EDC96A79B07}"/>
                 </a:ext>
                 <a:ext uri="{C183D7F6-B498-43B3-948B-1728B52AA6E4}">
-                  <adec:decorative xmlns="" xmlns:adec="http://schemas.microsoft.com/office/drawing/2017/decorative" val="1"/>
+                  <adec:decorative xmlns:adec="http://schemas.microsoft.com/office/drawing/2017/decorative" xmlns="" val="1"/>
                 </a:ext>
               </a:extLst>
             </p:cNvPr>
@@ -1941,7 +1941,7 @@
                   <a16:creationId xmlns:a16="http://schemas.microsoft.com/office/drawing/2014/main" id="{80B8582C-7E17-4115-9FF1-979C8405CB5E}"/>
                 </a:ext>
                 <a:ext uri="{C183D7F6-B498-43B3-948B-1728B52AA6E4}">
-                  <adec:decorative xmlns="" xmlns:adec="http://schemas.microsoft.com/office/drawing/2017/decorative" val="1"/>
+                  <adec:decorative xmlns:adec="http://schemas.microsoft.com/office/drawing/2017/decorative" xmlns="" val="1"/>
                 </a:ext>
               </a:extLst>
             </p:cNvPr>
@@ -2034,7 +2034,7 @@
                   <a16:creationId xmlns:a16="http://schemas.microsoft.com/office/drawing/2014/main" id="{F6C4AB66-7A18-4E51-935B-237F4CA82720}"/>
                 </a:ext>
                 <a:ext uri="{C183D7F6-B498-43B3-948B-1728B52AA6E4}">
-                  <adec:decorative xmlns="" xmlns:adec="http://schemas.microsoft.com/office/drawing/2017/decorative" val="1"/>
+                  <adec:decorative xmlns:adec="http://schemas.microsoft.com/office/drawing/2017/decorative" xmlns="" val="1"/>
                 </a:ext>
               </a:extLst>
             </p:cNvPr>
@@ -2127,7 +2127,7 @@
                   <a16:creationId xmlns:a16="http://schemas.microsoft.com/office/drawing/2014/main" id="{CDF12911-A240-4580-8788-0C49DB1FEDBF}"/>
                 </a:ext>
                 <a:ext uri="{C183D7F6-B498-43B3-948B-1728B52AA6E4}">
-                  <adec:decorative xmlns="" xmlns:adec="http://schemas.microsoft.com/office/drawing/2017/decorative" val="1"/>
+                  <adec:decorative xmlns:adec="http://schemas.microsoft.com/office/drawing/2017/decorative" xmlns="" val="1"/>
                 </a:ext>
               </a:extLst>
             </p:cNvPr>
@@ -2220,7 +2220,7 @@
                   <a16:creationId xmlns:a16="http://schemas.microsoft.com/office/drawing/2014/main" id="{EAE0F5DE-442D-4F6C-B02C-2568ED195858}"/>
                 </a:ext>
                 <a:ext uri="{C183D7F6-B498-43B3-948B-1728B52AA6E4}">
-                  <adec:decorative xmlns="" xmlns:adec="http://schemas.microsoft.com/office/drawing/2017/decorative" val="1"/>
+                  <adec:decorative xmlns:adec="http://schemas.microsoft.com/office/drawing/2017/decorative" xmlns="" val="1"/>
                 </a:ext>
               </a:extLst>
             </p:cNvPr>
@@ -2313,7 +2313,7 @@
                   <a16:creationId xmlns:a16="http://schemas.microsoft.com/office/drawing/2014/main" id="{4F24A002-AFDE-4034-85BE-CBF005AE9238}"/>
                 </a:ext>
                 <a:ext uri="{C183D7F6-B498-43B3-948B-1728B52AA6E4}">
-                  <adec:decorative xmlns="" xmlns:adec="http://schemas.microsoft.com/office/drawing/2017/decorative" val="1"/>
+                  <adec:decorative xmlns:adec="http://schemas.microsoft.com/office/drawing/2017/decorative" xmlns="" val="1"/>
                 </a:ext>
               </a:extLst>
             </p:cNvPr>
@@ -2406,7 +2406,7 @@
                   <a16:creationId xmlns:a16="http://schemas.microsoft.com/office/drawing/2014/main" id="{36F0721E-B4B0-4A6C-A92C-F8DE92D3AC02}"/>
                 </a:ext>
                 <a:ext uri="{C183D7F6-B498-43B3-948B-1728B52AA6E4}">
-                  <adec:decorative xmlns="" xmlns:adec="http://schemas.microsoft.com/office/drawing/2017/decorative" val="1"/>
+                  <adec:decorative xmlns:adec="http://schemas.microsoft.com/office/drawing/2017/decorative" xmlns="" val="1"/>
                 </a:ext>
               </a:extLst>
             </p:cNvPr>
@@ -2499,7 +2499,7 @@
                   <a16:creationId xmlns:a16="http://schemas.microsoft.com/office/drawing/2014/main" id="{54D2DC98-69F8-4F2F-9D45-BDFFA5E2BBBB}"/>
                 </a:ext>
                 <a:ext uri="{C183D7F6-B498-43B3-948B-1728B52AA6E4}">
-                  <adec:decorative xmlns="" xmlns:adec="http://schemas.microsoft.com/office/drawing/2017/decorative" val="1"/>
+                  <adec:decorative xmlns:adec="http://schemas.microsoft.com/office/drawing/2017/decorative" xmlns="" val="1"/>
                 </a:ext>
               </a:extLst>
             </p:cNvPr>
@@ -2592,7 +2592,7 @@
                   <a16:creationId xmlns:a16="http://schemas.microsoft.com/office/drawing/2014/main" id="{0A636E33-DC38-40B9-B941-037E5D8603F4}"/>
                 </a:ext>
                 <a:ext uri="{C183D7F6-B498-43B3-948B-1728B52AA6E4}">
-                  <adec:decorative xmlns="" xmlns:adec="http://schemas.microsoft.com/office/drawing/2017/decorative" val="1"/>
+                  <adec:decorative xmlns:adec="http://schemas.microsoft.com/office/drawing/2017/decorative" xmlns="" val="1"/>
                 </a:ext>
               </a:extLst>
             </p:cNvPr>
@@ -2685,7 +2685,7 @@
                   <a16:creationId xmlns:a16="http://schemas.microsoft.com/office/drawing/2014/main" id="{03D30690-68C2-4AEC-9789-1495D97E194F}"/>
                 </a:ext>
                 <a:ext uri="{C183D7F6-B498-43B3-948B-1728B52AA6E4}">
-                  <adec:decorative xmlns="" xmlns:adec="http://schemas.microsoft.com/office/drawing/2017/decorative" val="1"/>
+                  <adec:decorative xmlns:adec="http://schemas.microsoft.com/office/drawing/2017/decorative" xmlns="" val="1"/>
                 </a:ext>
               </a:extLst>
             </p:cNvPr>
@@ -2778,7 +2778,7 @@
                   <a16:creationId xmlns:a16="http://schemas.microsoft.com/office/drawing/2014/main" id="{1020B1B9-821B-49FB-BDC9-57DA08CBC30A}"/>
                 </a:ext>
                 <a:ext uri="{C183D7F6-B498-43B3-948B-1728B52AA6E4}">
-                  <adec:decorative xmlns="" xmlns:adec="http://schemas.microsoft.com/office/drawing/2017/decorative" val="1"/>
+                  <adec:decorative xmlns:adec="http://schemas.microsoft.com/office/drawing/2017/decorative" xmlns="" val="1"/>
                 </a:ext>
               </a:extLst>
             </p:cNvPr>
@@ -2871,7 +2871,7 @@
                   <a16:creationId xmlns:a16="http://schemas.microsoft.com/office/drawing/2014/main" id="{720EDCE4-8B18-413F-989E-E79628E5AF1F}"/>
                 </a:ext>
                 <a:ext uri="{C183D7F6-B498-43B3-948B-1728B52AA6E4}">
-                  <adec:decorative xmlns="" xmlns:adec="http://schemas.microsoft.com/office/drawing/2017/decorative" val="1"/>
+                  <adec:decorative xmlns:adec="http://schemas.microsoft.com/office/drawing/2017/decorative" xmlns="" val="1"/>
                 </a:ext>
               </a:extLst>
             </p:cNvPr>
@@ -2964,7 +2964,7 @@
                   <a16:creationId xmlns:a16="http://schemas.microsoft.com/office/drawing/2014/main" id="{8563351E-0DDD-4FC8-8D0C-1E446E3C1B52}"/>
                 </a:ext>
                 <a:ext uri="{C183D7F6-B498-43B3-948B-1728B52AA6E4}">
-                  <adec:decorative xmlns="" xmlns:adec="http://schemas.microsoft.com/office/drawing/2017/decorative" val="1"/>
+                  <adec:decorative xmlns:adec="http://schemas.microsoft.com/office/drawing/2017/decorative" xmlns="" val="1"/>
                 </a:ext>
               </a:extLst>
             </p:cNvPr>
@@ -3057,7 +3057,7 @@
                   <a16:creationId xmlns:a16="http://schemas.microsoft.com/office/drawing/2014/main" id="{15E8B705-64E7-4513-B3CB-BF46C35732B0}"/>
                 </a:ext>
                 <a:ext uri="{C183D7F6-B498-43B3-948B-1728B52AA6E4}">
-                  <adec:decorative xmlns="" xmlns:adec="http://schemas.microsoft.com/office/drawing/2017/decorative" val="1"/>
+                  <adec:decorative xmlns:adec="http://schemas.microsoft.com/office/drawing/2017/decorative" xmlns="" val="1"/>
                 </a:ext>
               </a:extLst>
             </p:cNvPr>
@@ -3150,7 +3150,7 @@
                   <a16:creationId xmlns:a16="http://schemas.microsoft.com/office/drawing/2014/main" id="{30DAEE1C-EBB5-47F5-9E76-564FCFDBFC24}"/>
                 </a:ext>
                 <a:ext uri="{C183D7F6-B498-43B3-948B-1728B52AA6E4}">
-                  <adec:decorative xmlns="" xmlns:adec="http://schemas.microsoft.com/office/drawing/2017/decorative" val="1"/>
+                  <adec:decorative xmlns:adec="http://schemas.microsoft.com/office/drawing/2017/decorative" xmlns="" val="1"/>
                 </a:ext>
               </a:extLst>
             </p:cNvPr>
@@ -3243,7 +3243,7 @@
                   <a16:creationId xmlns:a16="http://schemas.microsoft.com/office/drawing/2014/main" id="{EDB255E9-A3E2-4098-99A1-FE38FAD15DA1}"/>
                 </a:ext>
                 <a:ext uri="{C183D7F6-B498-43B3-948B-1728B52AA6E4}">
-                  <adec:decorative xmlns="" xmlns:adec="http://schemas.microsoft.com/office/drawing/2017/decorative" val="1"/>
+                  <adec:decorative xmlns:adec="http://schemas.microsoft.com/office/drawing/2017/decorative" xmlns="" val="1"/>
                 </a:ext>
               </a:extLst>
             </p:cNvPr>
@@ -3336,7 +3336,7 @@
                   <a16:creationId xmlns:a16="http://schemas.microsoft.com/office/drawing/2014/main" id="{D2507F2A-27AF-4833-8273-5FC9A9886392}"/>
                 </a:ext>
                 <a:ext uri="{C183D7F6-B498-43B3-948B-1728B52AA6E4}">
-                  <adec:decorative xmlns="" xmlns:adec="http://schemas.microsoft.com/office/drawing/2017/decorative" val="1"/>
+                  <adec:decorative xmlns:adec="http://schemas.microsoft.com/office/drawing/2017/decorative" xmlns="" val="1"/>
                 </a:ext>
               </a:extLst>
             </p:cNvPr>
@@ -3429,7 +3429,7 @@
                   <a16:creationId xmlns:a16="http://schemas.microsoft.com/office/drawing/2014/main" id="{8DFB8904-0CB8-45AD-ABD2-F7A582365E86}"/>
                 </a:ext>
                 <a:ext uri="{C183D7F6-B498-43B3-948B-1728B52AA6E4}">
-                  <adec:decorative xmlns="" xmlns:adec="http://schemas.microsoft.com/office/drawing/2017/decorative" val="1"/>
+                  <adec:decorative xmlns:adec="http://schemas.microsoft.com/office/drawing/2017/decorative" xmlns="" val="1"/>
                 </a:ext>
               </a:extLst>
             </p:cNvPr>
@@ -4257,279 +4257,6 @@
           </a:prstGeom>
         </p:spPr>
       </p:pic>
-      <mc:AlternateContent xmlns:mc="http://schemas.openxmlformats.org/markup-compatibility/2006">
-        <mc:Choice xmlns:a14="http://schemas.microsoft.com/office/drawing/2010/main" Requires="a14">
-          <p:sp>
-            <p:nvSpPr>
-              <p:cNvPr id="55" name="TextBox 54">
-                <a:extLst>
-                  <a:ext uri="{FF2B5EF4-FFF2-40B4-BE49-F238E27FC236}">
-                    <a16:creationId xmlns:a16="http://schemas.microsoft.com/office/drawing/2014/main" id="{D39A15EE-30F1-EC8C-D563-EA860FABFD92}"/>
-                  </a:ext>
-                </a:extLst>
-              </p:cNvPr>
-              <p:cNvSpPr txBox="1"/>
-              <p:nvPr/>
-            </p:nvSpPr>
-            <p:spPr>
-              <a:xfrm>
-                <a:off x="6175740" y="4435361"/>
-                <a:ext cx="2923202" cy="871457"/>
-              </a:xfrm>
-              <a:prstGeom prst="rect">
-                <a:avLst/>
-              </a:prstGeom>
-              <a:noFill/>
-            </p:spPr>
-            <p:txBody>
-              <a:bodyPr wrap="square">
-                <a:spAutoFit/>
-              </a:bodyPr>
-              <a:lstStyle/>
-              <a:p>
-                <a:pPr/>
-                <a14:m>
-                  <m:oMathPara xmlns:m="http://schemas.openxmlformats.org/officeDocument/2006/math">
-                    <m:oMathParaPr>
-                      <m:jc m:val="centerGroup"/>
-                    </m:oMathParaPr>
-                    <m:oMath xmlns:m="http://schemas.openxmlformats.org/officeDocument/2006/math">
-                      <m:r>
-                        <a:rPr lang="en-DE" i="1" smtClean="0">
-                          <a:latin typeface="Cambria Math" panose="02040503050406030204" pitchFamily="18" charset="0"/>
-                        </a:rPr>
-                        <m:t>𝑥𝑓</m:t>
-                      </m:r>
-                      <m:d>
-                        <m:dPr>
-                          <m:begChr m:val="["/>
-                          <m:endChr m:val="]"/>
-                          <m:ctrlPr>
-                            <a:rPr lang="en-DE" i="1">
-                              <a:solidFill>
-                                <a:srgbClr val="836967"/>
-                              </a:solidFill>
-                              <a:latin typeface="Cambria Math" panose="02040503050406030204" pitchFamily="18" charset="0"/>
-                            </a:rPr>
-                          </m:ctrlPr>
-                        </m:dPr>
-                        <m:e>
-                          <m:r>
-                            <a:rPr lang="en-DE" i="1">
-                              <a:latin typeface="Cambria Math" panose="02040503050406030204" pitchFamily="18" charset="0"/>
-                            </a:rPr>
-                            <m:t>𝑚</m:t>
-                          </m:r>
-                        </m:e>
-                      </m:d>
-                      <m:r>
-                        <a:rPr lang="en-DE" i="0">
-                          <a:latin typeface="Cambria Math" panose="02040503050406030204" pitchFamily="18" charset="0"/>
-                        </a:rPr>
-                        <m:t>=</m:t>
-                      </m:r>
-                      <m:nary>
-                        <m:naryPr>
-                          <m:chr m:val="∑"/>
-                          <m:limLoc m:val="undOvr"/>
-                          <m:ctrlPr>
-                            <a:rPr lang="en-DE" i="1">
-                              <a:latin typeface="Cambria Math" panose="02040503050406030204" pitchFamily="18" charset="0"/>
-                            </a:rPr>
-                          </m:ctrlPr>
-                        </m:naryPr>
-                        <m:sub>
-                          <m:r>
-                            <a:rPr lang="en-DE" i="1">
-                              <a:latin typeface="Cambria Math" panose="02040503050406030204" pitchFamily="18" charset="0"/>
-                            </a:rPr>
-                            <m:t>𝑘</m:t>
-                          </m:r>
-                          <m:r>
-                            <a:rPr lang="en-DE" i="0">
-                              <a:latin typeface="Cambria Math" panose="02040503050406030204" pitchFamily="18" charset="0"/>
-                            </a:rPr>
-                            <m:t>=0</m:t>
-                          </m:r>
-                        </m:sub>
-                        <m:sup>
-                          <m:r>
-                            <a:rPr lang="en-DE" i="1">
-                              <a:latin typeface="Cambria Math" panose="02040503050406030204" pitchFamily="18" charset="0"/>
-                            </a:rPr>
-                            <m:t>𝑁</m:t>
-                          </m:r>
-                          <m:r>
-                            <a:rPr lang="en-DE" i="0">
-                              <a:latin typeface="Cambria Math" panose="02040503050406030204" pitchFamily="18" charset="0"/>
-                            </a:rPr>
-                            <m:t>−1</m:t>
-                          </m:r>
-                        </m:sup>
-                        <m:e>
-                          <m:r>
-                            <a:rPr lang="en-DE" i="1">
-                              <a:latin typeface="Cambria Math" panose="02040503050406030204" pitchFamily="18" charset="0"/>
-                            </a:rPr>
-                            <m:t>𝑥</m:t>
-                          </m:r>
-                          <m:d>
-                            <m:dPr>
-                              <m:begChr m:val="["/>
-                              <m:endChr m:val="]"/>
-                              <m:ctrlPr>
-                                <a:rPr lang="en-DE" i="1">
-                                  <a:solidFill>
-                                    <a:srgbClr val="836967"/>
-                                  </a:solidFill>
-                                  <a:latin typeface="Cambria Math" panose="02040503050406030204" pitchFamily="18" charset="0"/>
-                                </a:rPr>
-                              </m:ctrlPr>
-                            </m:dPr>
-                            <m:e>
-                              <m:r>
-                                <a:rPr lang="en-DE" i="1">
-                                  <a:latin typeface="Cambria Math" panose="02040503050406030204" pitchFamily="18" charset="0"/>
-                                </a:rPr>
-                                <m:t>𝑘</m:t>
-                              </m:r>
-                            </m:e>
-                          </m:d>
-                          <m:r>
-                            <a:rPr lang="en-DE" i="0">
-                              <a:latin typeface="Cambria Math" panose="02040503050406030204" pitchFamily="18" charset="0"/>
-                            </a:rPr>
-                            <m:t>∙</m:t>
-                          </m:r>
-                          <m:sSup>
-                            <m:sSupPr>
-                              <m:ctrlPr>
-                                <a:rPr lang="en-DE" i="1">
-                                  <a:solidFill>
-                                    <a:srgbClr val="836967"/>
-                                  </a:solidFill>
-                                  <a:latin typeface="Cambria Math" panose="02040503050406030204" pitchFamily="18" charset="0"/>
-                                </a:rPr>
-                              </m:ctrlPr>
-                            </m:sSupPr>
-                            <m:e>
-                              <m:r>
-                                <a:rPr lang="en-DE" i="1">
-                                  <a:latin typeface="Cambria Math" panose="02040503050406030204" pitchFamily="18" charset="0"/>
-                                </a:rPr>
-                                <m:t>𝑒</m:t>
-                              </m:r>
-                            </m:e>
-                            <m:sup>
-                              <m:r>
-                                <a:rPr lang="en-DE" i="0">
-                                  <a:latin typeface="Cambria Math" panose="02040503050406030204" pitchFamily="18" charset="0"/>
-                                </a:rPr>
-                                <m:t>−</m:t>
-                              </m:r>
-                              <m:r>
-                                <a:rPr lang="en-DE" i="1">
-                                  <a:latin typeface="Cambria Math" panose="02040503050406030204" pitchFamily="18" charset="0"/>
-                                </a:rPr>
-                                <m:t>𝑗</m:t>
-                              </m:r>
-                              <m:f>
-                                <m:fPr>
-                                  <m:ctrlPr>
-                                    <a:rPr lang="en-DE" i="1">
-                                      <a:solidFill>
-                                        <a:srgbClr val="836967"/>
-                                      </a:solidFill>
-                                      <a:latin typeface="Cambria Math" panose="02040503050406030204" pitchFamily="18" charset="0"/>
-                                    </a:rPr>
-                                  </m:ctrlPr>
-                                </m:fPr>
-                                <m:num>
-                                  <m:r>
-                                    <a:rPr lang="en-DE" i="0">
-                                      <a:latin typeface="Cambria Math" panose="02040503050406030204" pitchFamily="18" charset="0"/>
-                                    </a:rPr>
-                                    <m:t>2</m:t>
-                                  </m:r>
-                                  <m:r>
-                                    <a:rPr lang="en-DE" i="1">
-                                      <a:latin typeface="Cambria Math" panose="02040503050406030204" pitchFamily="18" charset="0"/>
-                                    </a:rPr>
-                                    <m:t>𝜋</m:t>
-                                  </m:r>
-                                </m:num>
-                                <m:den>
-                                  <m:r>
-                                    <a:rPr lang="en-DE" i="1">
-                                      <a:latin typeface="Cambria Math" panose="02040503050406030204" pitchFamily="18" charset="0"/>
-                                    </a:rPr>
-                                    <m:t>𝑁</m:t>
-                                  </m:r>
-                                </m:den>
-                              </m:f>
-                              <m:r>
-                                <a:rPr lang="en-DE" i="1">
-                                  <a:latin typeface="Cambria Math" panose="02040503050406030204" pitchFamily="18" charset="0"/>
-                                </a:rPr>
-                                <m:t>𝑘𝑚</m:t>
-                              </m:r>
-                            </m:sup>
-                          </m:sSup>
-                        </m:e>
-                      </m:nary>
-                    </m:oMath>
-                  </m:oMathPara>
-                </a14:m>
-                <a:endParaRPr lang="en-DE" dirty="0"/>
-              </a:p>
-            </p:txBody>
-          </p:sp>
-        </mc:Choice>
-        <mc:Fallback>
-          <p:sp>
-            <p:nvSpPr>
-              <p:cNvPr id="55" name="TextBox 54">
-                <a:extLst>
-                  <a:ext uri="{FF2B5EF4-FFF2-40B4-BE49-F238E27FC236}">
-                    <a16:creationId xmlns:a16="http://schemas.microsoft.com/office/drawing/2014/main" id="{D39A15EE-30F1-EC8C-D563-EA860FABFD92}"/>
-                  </a:ext>
-                </a:extLst>
-              </p:cNvPr>
-              <p:cNvSpPr txBox="1">
-                <a:spLocks noRot="1" noChangeAspect="1" noMove="1" noResize="1" noEditPoints="1" noAdjustHandles="1" noChangeArrowheads="1" noChangeShapeType="1" noTextEdit="1"/>
-              </p:cNvSpPr>
-              <p:nvPr/>
-            </p:nvSpPr>
-            <p:spPr>
-              <a:xfrm>
-                <a:off x="6175740" y="4435361"/>
-                <a:ext cx="2923202" cy="871457"/>
-              </a:xfrm>
-              <a:prstGeom prst="rect">
-                <a:avLst/>
-              </a:prstGeom>
-              <a:blipFill>
-                <a:blip r:embed="rId7"/>
-                <a:stretch>
-                  <a:fillRect/>
-                </a:stretch>
-              </a:blipFill>
-            </p:spPr>
-            <p:txBody>
-              <a:bodyPr/>
-              <a:lstStyle/>
-              <a:p>
-                <a:r>
-                  <a:rPr lang="ru-RU">
-                    <a:noFill/>
-                  </a:rPr>
-                  <a:t> </a:t>
-                </a:r>
-              </a:p>
-            </p:txBody>
-          </p:sp>
-        </mc:Fallback>
-      </mc:AlternateContent>
       <p:sp>
         <p:nvSpPr>
           <p:cNvPr id="7" name="Rectangle 6">
@@ -4544,7 +4271,7 @@
         </p:nvSpPr>
         <p:spPr>
           <a:xfrm>
-            <a:off x="8269065" y="5381230"/>
+            <a:off x="8224188" y="5712781"/>
             <a:ext cx="3621088" cy="761600"/>
           </a:xfrm>
           <a:prstGeom prst="rect">
@@ -4582,8 +4309,8 @@
           </a:p>
         </p:txBody>
       </p:sp>
-      <mc:AlternateContent xmlns:mc="http://schemas.openxmlformats.org/markup-compatibility/2006">
-        <mc:Choice xmlns:a14="http://schemas.microsoft.com/office/drawing/2010/main" Requires="a14">
+      <mc:AlternateContent xmlns:mc="http://schemas.openxmlformats.org/markup-compatibility/2006" xmlns:a14="http://schemas.microsoft.com/office/drawing/2010/main">
+        <mc:Choice Requires="a14">
           <p:sp>
             <p:nvSpPr>
               <p:cNvPr id="35" name="Прямоугольник 34"/>
@@ -5018,7 +4745,7 @@
             </p:txBody>
           </p:sp>
         </mc:Choice>
-        <mc:Fallback>
+        <mc:Fallback xmlns="">
           <p:sp>
             <p:nvSpPr>
               <p:cNvPr id="35" name="Прямоугольник 34"/>
@@ -5057,8 +4784,8 @@
           </p:sp>
         </mc:Fallback>
       </mc:AlternateContent>
-      <mc:AlternateContent xmlns:mc="http://schemas.openxmlformats.org/markup-compatibility/2006">
-        <mc:Choice xmlns:a14="http://schemas.microsoft.com/office/drawing/2010/main" Requires="a14">
+      <mc:AlternateContent xmlns:mc="http://schemas.openxmlformats.org/markup-compatibility/2006" xmlns:a14="http://schemas.microsoft.com/office/drawing/2010/main">
+        <mc:Choice Requires="a14">
           <p:sp>
             <p:nvSpPr>
               <p:cNvPr id="38" name="Прямоугольник 37"/>
@@ -5729,7 +5456,7 @@
             </p:txBody>
           </p:sp>
         </mc:Choice>
-        <mc:Fallback>
+        <mc:Fallback xmlns="">
           <p:sp>
             <p:nvSpPr>
               <p:cNvPr id="38" name="Прямоугольник 37"/>
@@ -5772,14 +5499,14 @@
         <mc:Choice xmlns:a14="http://schemas.microsoft.com/office/drawing/2010/main" Requires="a14">
           <p:sp>
             <p:nvSpPr>
-              <p:cNvPr id="3" name="Прямоугольник 2"/>
+              <p:cNvPr id="13" name="Прямоугольник 12"/>
               <p:cNvSpPr/>
               <p:nvPr/>
             </p:nvSpPr>
             <p:spPr>
               <a:xfrm>
-                <a:off x="1120775" y="2645296"/>
-                <a:ext cx="10541000" cy="871457"/>
+                <a:off x="5748093" y="4528474"/>
+                <a:ext cx="3882476" cy="871457"/>
               </a:xfrm>
               <a:prstGeom prst="rect">
                 <a:avLst/>
@@ -5791,769 +5518,7 @@
               </a:bodyPr>
               <a:lstStyle/>
               <a:p>
-                <a14:m>
-                  <m:oMathPara xmlns:m="http://schemas.openxmlformats.org/officeDocument/2006/math">
-                    <m:oMathParaPr>
-                      <m:jc m:val="centerGroup"/>
-                    </m:oMathParaPr>
-                    <m:oMath xmlns:m="http://schemas.openxmlformats.org/officeDocument/2006/math">
-                      <m:sSub>
-                        <m:sSubPr>
-                          <m:ctrlPr>
-                            <a:rPr lang="ru-RU">
-                              <a:latin typeface="Cambria Math" panose="02040503050406030204" pitchFamily="18" charset="0"/>
-                            </a:rPr>
-                          </m:ctrlPr>
-                        </m:sSubPr>
-                        <m:e>
-                          <m:r>
-                            <a:rPr lang="ru-RU" i="1">
-                              <a:latin typeface="Cambria Math" panose="02040503050406030204" pitchFamily="18" charset="0"/>
-                            </a:rPr>
-                            <m:t>𝑦</m:t>
-                          </m:r>
-                        </m:e>
-                        <m:sub>
-                          <m:r>
-                            <a:rPr lang="ru-RU" i="1">
-                              <a:latin typeface="Cambria Math" panose="02040503050406030204" pitchFamily="18" charset="0"/>
-                            </a:rPr>
-                            <m:t>𝑛</m:t>
-                          </m:r>
-                        </m:sub>
-                      </m:sSub>
-                      <m:d>
-                        <m:dPr>
-                          <m:begChr m:val="["/>
-                          <m:endChr m:val="]"/>
-                          <m:ctrlPr>
-                            <a:rPr lang="ru-RU" i="1">
-                              <a:latin typeface="Cambria Math" panose="02040503050406030204" pitchFamily="18" charset="0"/>
-                            </a:rPr>
-                          </m:ctrlPr>
-                        </m:dPr>
-                        <m:e>
-                          <m:sSub>
-                            <m:sSubPr>
-                              <m:ctrlPr>
-                                <a:rPr lang="ru-RU" i="1">
-                                  <a:latin typeface="Cambria Math" panose="02040503050406030204" pitchFamily="18" charset="0"/>
-                                </a:rPr>
-                              </m:ctrlPr>
-                            </m:sSubPr>
-                            <m:e>
-                              <m:r>
-                                <a:rPr lang="ru-RU" i="1">
-                                  <a:latin typeface="Cambria Math" panose="02040503050406030204" pitchFamily="18" charset="0"/>
-                                </a:rPr>
-                                <m:t>𝑘</m:t>
-                              </m:r>
-                            </m:e>
-                            <m:sub>
-                              <m:r>
-                                <a:rPr lang="ru-RU" i="0">
-                                  <a:latin typeface="Cambria Math" panose="02040503050406030204" pitchFamily="18" charset="0"/>
-                                </a:rPr>
-                                <m:t>0</m:t>
-                              </m:r>
-                            </m:sub>
-                          </m:sSub>
-                        </m:e>
-                      </m:d>
-                      <m:r>
-                        <a:rPr lang="ru-RU" i="0">
-                          <a:latin typeface="Cambria Math" panose="02040503050406030204" pitchFamily="18" charset="0"/>
-                        </a:rPr>
-                        <m:t>=</m:t>
-                      </m:r>
-                      <m:f>
-                        <m:fPr>
-                          <m:ctrlPr>
-                            <a:rPr lang="ru-RU" i="1">
-                              <a:latin typeface="Cambria Math" panose="02040503050406030204" pitchFamily="18" charset="0"/>
-                            </a:rPr>
-                          </m:ctrlPr>
-                        </m:fPr>
-                        <m:num>
-                          <m:r>
-                            <a:rPr lang="ru-RU" i="0">
-                              <a:latin typeface="Cambria Math" panose="02040503050406030204" pitchFamily="18" charset="0"/>
-                            </a:rPr>
-                            <m:t>1</m:t>
-                          </m:r>
-                        </m:num>
-                        <m:den>
-                          <m:r>
-                            <a:rPr lang="ru-RU" i="1">
-                              <a:latin typeface="Cambria Math" panose="02040503050406030204" pitchFamily="18" charset="0"/>
-                            </a:rPr>
-                            <m:t>𝑁</m:t>
-                          </m:r>
-                        </m:den>
-                      </m:f>
-                      <m:nary>
-                        <m:naryPr>
-                          <m:chr m:val="∑"/>
-                          <m:limLoc m:val="undOvr"/>
-                          <m:ctrlPr>
-                            <a:rPr lang="ru-RU" i="1">
-                              <a:latin typeface="Cambria Math" panose="02040503050406030204" pitchFamily="18" charset="0"/>
-                            </a:rPr>
-                          </m:ctrlPr>
-                        </m:naryPr>
-                        <m:sub>
-                          <m:r>
-                            <a:rPr lang="ru-RU" i="1">
-                              <a:latin typeface="Cambria Math" panose="02040503050406030204" pitchFamily="18" charset="0"/>
-                            </a:rPr>
-                            <m:t>𝑚</m:t>
-                          </m:r>
-                          <m:r>
-                            <a:rPr lang="ru-RU" i="0">
-                              <a:latin typeface="Cambria Math" panose="02040503050406030204" pitchFamily="18" charset="0"/>
-                            </a:rPr>
-                            <m:t>=0</m:t>
-                          </m:r>
-                        </m:sub>
-                        <m:sup>
-                          <m:r>
-                            <a:rPr lang="ru-RU" i="1">
-                              <a:latin typeface="Cambria Math" panose="02040503050406030204" pitchFamily="18" charset="0"/>
-                            </a:rPr>
-                            <m:t>𝑁</m:t>
-                          </m:r>
-                          <m:r>
-                            <a:rPr lang="ru-RU" i="0">
-                              <a:latin typeface="Cambria Math" panose="02040503050406030204" pitchFamily="18" charset="0"/>
-                            </a:rPr>
-                            <m:t>−1</m:t>
-                          </m:r>
-                        </m:sup>
-                        <m:e>
-                          <m:d>
-                            <m:dPr>
-                              <m:ctrlPr>
-                                <a:rPr lang="ru-RU" i="1">
-                                  <a:latin typeface="Cambria Math" panose="02040503050406030204" pitchFamily="18" charset="0"/>
-                                </a:rPr>
-                              </m:ctrlPr>
-                            </m:dPr>
-                            <m:e>
-                              <m:r>
-                                <a:rPr lang="ru-RU" i="1">
-                                  <a:latin typeface="Cambria Math" panose="02040503050406030204" pitchFamily="18" charset="0"/>
-                                </a:rPr>
-                                <m:t>𝑛𝑓</m:t>
-                              </m:r>
-                              <m:d>
-                                <m:dPr>
-                                  <m:begChr m:val="["/>
-                                  <m:endChr m:val="]"/>
-                                  <m:ctrlPr>
-                                    <a:rPr lang="ru-RU" i="1">
-                                      <a:latin typeface="Cambria Math" panose="02040503050406030204" pitchFamily="18" charset="0"/>
-                                    </a:rPr>
-                                  </m:ctrlPr>
-                                </m:dPr>
-                                <m:e>
-                                  <m:r>
-                                    <a:rPr lang="ru-RU" i="1">
-                                      <a:latin typeface="Cambria Math" panose="02040503050406030204" pitchFamily="18" charset="0"/>
-                                    </a:rPr>
-                                    <m:t>𝑚</m:t>
-                                  </m:r>
-                                </m:e>
-                              </m:d>
-                              <m:sSup>
-                                <m:sSupPr>
-                                  <m:ctrlPr>
-                                    <a:rPr lang="ru-RU" i="1">
-                                      <a:latin typeface="Cambria Math" panose="02040503050406030204" pitchFamily="18" charset="0"/>
-                                    </a:rPr>
-                                  </m:ctrlPr>
-                                </m:sSupPr>
-                                <m:e>
-                                  <m:r>
-                                    <a:rPr lang="ru-RU" i="0">
-                                      <a:latin typeface="Cambria Math" panose="02040503050406030204" pitchFamily="18" charset="0"/>
-                                    </a:rPr>
-                                    <m:t>∙</m:t>
-                                  </m:r>
-                                  <m:r>
-                                    <a:rPr lang="ru-RU" i="1">
-                                      <a:latin typeface="Cambria Math" panose="02040503050406030204" pitchFamily="18" charset="0"/>
-                                    </a:rPr>
-                                    <m:t>𝑥𝑓</m:t>
-                                  </m:r>
-                                </m:e>
-                                <m:sup>
-                                  <m:r>
-                                    <a:rPr lang="ru-RU" i="0">
-                                      <a:latin typeface="Cambria Math" panose="02040503050406030204" pitchFamily="18" charset="0"/>
-                                    </a:rPr>
-                                    <m:t>∗</m:t>
-                                  </m:r>
-                                </m:sup>
-                              </m:sSup>
-                              <m:d>
-                                <m:dPr>
-                                  <m:begChr m:val="["/>
-                                  <m:endChr m:val="]"/>
-                                  <m:ctrlPr>
-                                    <a:rPr lang="ru-RU" i="1">
-                                      <a:latin typeface="Cambria Math" panose="02040503050406030204" pitchFamily="18" charset="0"/>
-                                    </a:rPr>
-                                  </m:ctrlPr>
-                                </m:dPr>
-                                <m:e>
-                                  <m:r>
-                                    <a:rPr lang="ru-RU" i="1">
-                                      <a:latin typeface="Cambria Math" panose="02040503050406030204" pitchFamily="18" charset="0"/>
-                                    </a:rPr>
-                                    <m:t>𝑚</m:t>
-                                  </m:r>
-                                </m:e>
-                              </m:d>
-                              <m:sSup>
-                                <m:sSupPr>
-                                  <m:ctrlPr>
-                                    <a:rPr lang="ru-RU" i="1">
-                                      <a:latin typeface="Cambria Math" panose="02040503050406030204" pitchFamily="18" charset="0"/>
-                                    </a:rPr>
-                                  </m:ctrlPr>
-                                </m:sSupPr>
-                                <m:e>
-                                  <m:r>
-                                    <a:rPr lang="ru-RU" i="0">
-                                      <a:latin typeface="Cambria Math" panose="02040503050406030204" pitchFamily="18" charset="0"/>
-                                    </a:rPr>
-                                    <m:t>∙</m:t>
-                                  </m:r>
-                                  <m:r>
-                                    <a:rPr lang="ru-RU" i="1">
-                                      <a:latin typeface="Cambria Math" panose="02040503050406030204" pitchFamily="18" charset="0"/>
-                                    </a:rPr>
-                                    <m:t>𝑒</m:t>
-                                  </m:r>
-                                </m:e>
-                                <m:sup>
-                                  <m:r>
-                                    <a:rPr lang="ru-RU" i="0">
-                                      <a:latin typeface="Cambria Math" panose="02040503050406030204" pitchFamily="18" charset="0"/>
-                                    </a:rPr>
-                                    <m:t>−</m:t>
-                                  </m:r>
-                                  <m:r>
-                                    <a:rPr lang="ru-RU" i="1">
-                                      <a:latin typeface="Cambria Math" panose="02040503050406030204" pitchFamily="18" charset="0"/>
-                                    </a:rPr>
-                                    <m:t>𝑗</m:t>
-                                  </m:r>
-                                  <m:f>
-                                    <m:fPr>
-                                      <m:ctrlPr>
-                                        <a:rPr lang="ru-RU" i="1">
-                                          <a:latin typeface="Cambria Math" panose="02040503050406030204" pitchFamily="18" charset="0"/>
-                                        </a:rPr>
-                                      </m:ctrlPr>
-                                    </m:fPr>
-                                    <m:num>
-                                      <m:r>
-                                        <a:rPr lang="ru-RU" i="0">
-                                          <a:latin typeface="Cambria Math" panose="02040503050406030204" pitchFamily="18" charset="0"/>
-                                        </a:rPr>
-                                        <m:t>2</m:t>
-                                      </m:r>
-                                      <m:r>
-                                        <a:rPr lang="ru-RU" i="1">
-                                          <a:latin typeface="Cambria Math" panose="02040503050406030204" pitchFamily="18" charset="0"/>
-                                        </a:rPr>
-                                        <m:t>𝜋</m:t>
-                                      </m:r>
-                                    </m:num>
-                                    <m:den>
-                                      <m:r>
-                                        <a:rPr lang="ru-RU" i="1">
-                                          <a:latin typeface="Cambria Math" panose="02040503050406030204" pitchFamily="18" charset="0"/>
-                                        </a:rPr>
-                                        <m:t>𝑁</m:t>
-                                      </m:r>
-                                    </m:den>
-                                  </m:f>
-                                  <m:sSub>
-                                    <m:sSubPr>
-                                      <m:ctrlPr>
-                                        <a:rPr lang="ru-RU" i="1">
-                                          <a:latin typeface="Cambria Math" panose="02040503050406030204" pitchFamily="18" charset="0"/>
-                                        </a:rPr>
-                                      </m:ctrlPr>
-                                    </m:sSubPr>
-                                    <m:e>
-                                      <m:r>
-                                        <a:rPr lang="ru-RU" i="1">
-                                          <a:latin typeface="Cambria Math" panose="02040503050406030204" pitchFamily="18" charset="0"/>
-                                        </a:rPr>
-                                        <m:t>𝑘</m:t>
-                                      </m:r>
-                                    </m:e>
-                                    <m:sub>
-                                      <m:r>
-                                        <a:rPr lang="ru-RU" i="0">
-                                          <a:latin typeface="Cambria Math" panose="02040503050406030204" pitchFamily="18" charset="0"/>
-                                        </a:rPr>
-                                        <m:t>0</m:t>
-                                      </m:r>
-                                    </m:sub>
-                                  </m:sSub>
-                                  <m:r>
-                                    <a:rPr lang="ru-RU" i="1">
-                                      <a:latin typeface="Cambria Math" panose="02040503050406030204" pitchFamily="18" charset="0"/>
-                                    </a:rPr>
-                                    <m:t>𝑚</m:t>
-                                  </m:r>
-                                </m:sup>
-                              </m:sSup>
-                            </m:e>
-                          </m:d>
-                          <m:sSup>
-                            <m:sSupPr>
-                              <m:ctrlPr>
-                                <a:rPr lang="ru-RU" i="1">
-                                  <a:latin typeface="Cambria Math" panose="02040503050406030204" pitchFamily="18" charset="0"/>
-                                </a:rPr>
-                              </m:ctrlPr>
-                            </m:sSupPr>
-                            <m:e>
-                              <m:r>
-                                <a:rPr lang="ru-RU" i="0">
-                                  <a:latin typeface="Cambria Math" panose="02040503050406030204" pitchFamily="18" charset="0"/>
-                                </a:rPr>
-                                <m:t>∙</m:t>
-                              </m:r>
-                              <m:r>
-                                <a:rPr lang="ru-RU" i="1">
-                                  <a:latin typeface="Cambria Math" panose="02040503050406030204" pitchFamily="18" charset="0"/>
-                                </a:rPr>
-                                <m:t>𝑒</m:t>
-                              </m:r>
-                            </m:e>
-                            <m:sup>
-                              <m:r>
-                                <a:rPr lang="ru-RU" i="1">
-                                  <a:latin typeface="Cambria Math" panose="02040503050406030204" pitchFamily="18" charset="0"/>
-                                </a:rPr>
-                                <m:t>𝑗</m:t>
-                              </m:r>
-                              <m:f>
-                                <m:fPr>
-                                  <m:ctrlPr>
-                                    <a:rPr lang="ru-RU" i="1">
-                                      <a:latin typeface="Cambria Math" panose="02040503050406030204" pitchFamily="18" charset="0"/>
-                                    </a:rPr>
-                                  </m:ctrlPr>
-                                </m:fPr>
-                                <m:num>
-                                  <m:r>
-                                    <a:rPr lang="ru-RU" i="0">
-                                      <a:latin typeface="Cambria Math" panose="02040503050406030204" pitchFamily="18" charset="0"/>
-                                    </a:rPr>
-                                    <m:t>2</m:t>
-                                  </m:r>
-                                  <m:r>
-                                    <a:rPr lang="ru-RU" i="1">
-                                      <a:latin typeface="Cambria Math" panose="02040503050406030204" pitchFamily="18" charset="0"/>
-                                    </a:rPr>
-                                    <m:t>𝜋</m:t>
-                                  </m:r>
-                                </m:num>
-                                <m:den>
-                                  <m:r>
-                                    <a:rPr lang="ru-RU" i="1">
-                                      <a:latin typeface="Cambria Math" panose="02040503050406030204" pitchFamily="18" charset="0"/>
-                                    </a:rPr>
-                                    <m:t>𝑁</m:t>
-                                  </m:r>
-                                </m:den>
-                              </m:f>
-                              <m:sSub>
-                                <m:sSubPr>
-                                  <m:ctrlPr>
-                                    <a:rPr lang="ru-RU" i="1">
-                                      <a:latin typeface="Cambria Math" panose="02040503050406030204" pitchFamily="18" charset="0"/>
-                                    </a:rPr>
-                                  </m:ctrlPr>
-                                </m:sSubPr>
-                                <m:e>
-                                  <m:r>
-                                    <a:rPr lang="ru-RU" i="1">
-                                      <a:latin typeface="Cambria Math" panose="02040503050406030204" pitchFamily="18" charset="0"/>
-                                    </a:rPr>
-                                    <m:t>𝑘</m:t>
-                                  </m:r>
-                                </m:e>
-                                <m:sub>
-                                  <m:r>
-                                    <a:rPr lang="ru-RU" i="0">
-                                      <a:latin typeface="Cambria Math" panose="02040503050406030204" pitchFamily="18" charset="0"/>
-                                    </a:rPr>
-                                    <m:t>0</m:t>
-                                  </m:r>
-                                </m:sub>
-                              </m:sSub>
-                              <m:r>
-                                <a:rPr lang="ru-RU" i="1">
-                                  <a:latin typeface="Cambria Math" panose="02040503050406030204" pitchFamily="18" charset="0"/>
-                                </a:rPr>
-                                <m:t>𝑚</m:t>
-                              </m:r>
-                            </m:sup>
-                          </m:sSup>
-                          <m:r>
-                            <a:rPr lang="ru-RU" i="0">
-                              <a:latin typeface="Cambria Math" panose="02040503050406030204" pitchFamily="18" charset="0"/>
-                            </a:rPr>
-                            <m:t>=</m:t>
-                          </m:r>
-                          <m:f>
-                            <m:fPr>
-                              <m:ctrlPr>
-                                <a:rPr lang="ru-RU" i="1">
-                                  <a:latin typeface="Cambria Math" panose="02040503050406030204" pitchFamily="18" charset="0"/>
-                                </a:rPr>
-                              </m:ctrlPr>
-                            </m:fPr>
-                            <m:num>
-                              <m:r>
-                                <a:rPr lang="ru-RU" i="0">
-                                  <a:latin typeface="Cambria Math" panose="02040503050406030204" pitchFamily="18" charset="0"/>
-                                </a:rPr>
-                                <m:t>1</m:t>
-                              </m:r>
-                            </m:num>
-                            <m:den>
-                              <m:r>
-                                <a:rPr lang="ru-RU" i="1">
-                                  <a:latin typeface="Cambria Math" panose="02040503050406030204" pitchFamily="18" charset="0"/>
-                                </a:rPr>
-                                <m:t>𝑁</m:t>
-                              </m:r>
-                            </m:den>
-                          </m:f>
-                          <m:nary>
-                            <m:naryPr>
-                              <m:chr m:val="∑"/>
-                              <m:limLoc m:val="undOvr"/>
-                              <m:ctrlPr>
-                                <a:rPr lang="ru-RU" i="1">
-                                  <a:latin typeface="Cambria Math" panose="02040503050406030204" pitchFamily="18" charset="0"/>
-                                </a:rPr>
-                              </m:ctrlPr>
-                            </m:naryPr>
-                            <m:sub>
-                              <m:r>
-                                <a:rPr lang="ru-RU" i="1">
-                                  <a:latin typeface="Cambria Math" panose="02040503050406030204" pitchFamily="18" charset="0"/>
-                                </a:rPr>
-                                <m:t>𝑚</m:t>
-                              </m:r>
-                              <m:r>
-                                <a:rPr lang="ru-RU" i="0">
-                                  <a:latin typeface="Cambria Math" panose="02040503050406030204" pitchFamily="18" charset="0"/>
-                                </a:rPr>
-                                <m:t>=0</m:t>
-                              </m:r>
-                            </m:sub>
-                            <m:sup>
-                              <m:r>
-                                <a:rPr lang="ru-RU" i="1">
-                                  <a:latin typeface="Cambria Math" panose="02040503050406030204" pitchFamily="18" charset="0"/>
-                                </a:rPr>
-                                <m:t>𝑁</m:t>
-                              </m:r>
-                              <m:r>
-                                <a:rPr lang="ru-RU" i="0">
-                                  <a:latin typeface="Cambria Math" panose="02040503050406030204" pitchFamily="18" charset="0"/>
-                                </a:rPr>
-                                <m:t>−1</m:t>
-                              </m:r>
-                            </m:sup>
-                            <m:e>
-                              <m:r>
-                                <a:rPr lang="ru-RU" i="1">
-                                  <a:latin typeface="Cambria Math" panose="02040503050406030204" pitchFamily="18" charset="0"/>
-                                </a:rPr>
-                                <m:t>𝑛𝑓</m:t>
-                              </m:r>
-                              <m:d>
-                                <m:dPr>
-                                  <m:begChr m:val="["/>
-                                  <m:endChr m:val="]"/>
-                                  <m:ctrlPr>
-                                    <a:rPr lang="ru-RU" i="1">
-                                      <a:latin typeface="Cambria Math" panose="02040503050406030204" pitchFamily="18" charset="0"/>
-                                    </a:rPr>
-                                  </m:ctrlPr>
-                                </m:dPr>
-                                <m:e>
-                                  <m:r>
-                                    <a:rPr lang="ru-RU" i="1">
-                                      <a:latin typeface="Cambria Math" panose="02040503050406030204" pitchFamily="18" charset="0"/>
-                                    </a:rPr>
-                                    <m:t>𝑚</m:t>
-                                  </m:r>
-                                </m:e>
-                              </m:d>
-                              <m:sSup>
-                                <m:sSupPr>
-                                  <m:ctrlPr>
-                                    <a:rPr lang="ru-RU" i="1">
-                                      <a:latin typeface="Cambria Math" panose="02040503050406030204" pitchFamily="18" charset="0"/>
-                                    </a:rPr>
-                                  </m:ctrlPr>
-                                </m:sSupPr>
-                                <m:e>
-                                  <m:r>
-                                    <a:rPr lang="ru-RU" i="0">
-                                      <a:latin typeface="Cambria Math" panose="02040503050406030204" pitchFamily="18" charset="0"/>
-                                    </a:rPr>
-                                    <m:t>∙</m:t>
-                                  </m:r>
-                                  <m:r>
-                                    <a:rPr lang="ru-RU" i="1">
-                                      <a:latin typeface="Cambria Math" panose="02040503050406030204" pitchFamily="18" charset="0"/>
-                                    </a:rPr>
-                                    <m:t>𝑥𝑓</m:t>
-                                  </m:r>
-                                </m:e>
-                                <m:sup>
-                                  <m:r>
-                                    <a:rPr lang="ru-RU" i="0">
-                                      <a:latin typeface="Cambria Math" panose="02040503050406030204" pitchFamily="18" charset="0"/>
-                                    </a:rPr>
-                                    <m:t>∗</m:t>
-                                  </m:r>
-                                </m:sup>
-                              </m:sSup>
-                              <m:d>
-                                <m:dPr>
-                                  <m:begChr m:val="["/>
-                                  <m:endChr m:val="]"/>
-                                  <m:ctrlPr>
-                                    <a:rPr lang="ru-RU" i="1">
-                                      <a:latin typeface="Cambria Math" panose="02040503050406030204" pitchFamily="18" charset="0"/>
-                                    </a:rPr>
-                                  </m:ctrlPr>
-                                </m:dPr>
-                                <m:e>
-                                  <m:r>
-                                    <a:rPr lang="ru-RU" i="1">
-                                      <a:latin typeface="Cambria Math" panose="02040503050406030204" pitchFamily="18" charset="0"/>
-                                    </a:rPr>
-                                    <m:t>𝑚</m:t>
-                                  </m:r>
-                                </m:e>
-                              </m:d>
-                            </m:e>
-                          </m:nary>
-                          <m:r>
-                            <a:rPr lang="ru-RU" i="0">
-                              <a:latin typeface="Cambria Math" panose="02040503050406030204" pitchFamily="18" charset="0"/>
-                            </a:rPr>
-                            <m:t>=</m:t>
-                          </m:r>
-                          <m:nary>
-                            <m:naryPr>
-                              <m:chr m:val="∑"/>
-                              <m:limLoc m:val="undOvr"/>
-                              <m:ctrlPr>
-                                <a:rPr lang="ru-RU" i="1">
-                                  <a:latin typeface="Cambria Math" panose="02040503050406030204" pitchFamily="18" charset="0"/>
-                                </a:rPr>
-                              </m:ctrlPr>
-                            </m:naryPr>
-                            <m:sub>
-                              <m:r>
-                                <a:rPr lang="ru-RU" i="1">
-                                  <a:latin typeface="Cambria Math" panose="02040503050406030204" pitchFamily="18" charset="0"/>
-                                </a:rPr>
-                                <m:t>𝑘</m:t>
-                              </m:r>
-                              <m:r>
-                                <a:rPr lang="ru-RU" i="0">
-                                  <a:latin typeface="Cambria Math" panose="02040503050406030204" pitchFamily="18" charset="0"/>
-                                </a:rPr>
-                                <m:t>=0</m:t>
-                              </m:r>
-                            </m:sub>
-                            <m:sup>
-                              <m:r>
-                                <a:rPr lang="ru-RU" i="1">
-                                  <a:latin typeface="Cambria Math" panose="02040503050406030204" pitchFamily="18" charset="0"/>
-                                </a:rPr>
-                                <m:t>𝑁</m:t>
-                              </m:r>
-                              <m:r>
-                                <a:rPr lang="ru-RU" i="0">
-                                  <a:latin typeface="Cambria Math" panose="02040503050406030204" pitchFamily="18" charset="0"/>
-                                </a:rPr>
-                                <m:t>−1</m:t>
-                              </m:r>
-                            </m:sup>
-                            <m:e>
-                              <m:d>
-                                <m:dPr>
-                                  <m:begChr m:val=""/>
-                                  <m:endChr m:val="]"/>
-                                  <m:ctrlPr>
-                                    <a:rPr lang="ru-RU" i="1">
-                                      <a:latin typeface="Cambria Math" panose="02040503050406030204" pitchFamily="18" charset="0"/>
-                                    </a:rPr>
-                                  </m:ctrlPr>
-                                </m:dPr>
-                                <m:e>
-                                  <m:r>
-                                    <a:rPr lang="ru-RU" i="1">
-                                      <a:latin typeface="Cambria Math" panose="02040503050406030204" pitchFamily="18" charset="0"/>
-                                    </a:rPr>
-                                    <m:t>𝑛</m:t>
-                                  </m:r>
-                                  <m:r>
-                                    <a:rPr lang="ru-RU" i="0">
-                                      <a:latin typeface="Cambria Math" panose="02040503050406030204" pitchFamily="18" charset="0"/>
-                                    </a:rPr>
-                                    <m:t>[</m:t>
-                                  </m:r>
-                                  <m:r>
-                                    <a:rPr lang="ru-RU" i="1">
-                                      <a:latin typeface="Cambria Math" panose="02040503050406030204" pitchFamily="18" charset="0"/>
-                                    </a:rPr>
-                                    <m:t>𝑘</m:t>
-                                  </m:r>
-                                  <m:r>
-                                    <a:rPr lang="ru-RU" i="0">
-                                      <a:latin typeface="Cambria Math" panose="02040503050406030204" pitchFamily="18" charset="0"/>
-                                    </a:rPr>
-                                    <m:t>]∙</m:t>
-                                  </m:r>
-                                  <m:sSup>
-                                    <m:sSupPr>
-                                      <m:ctrlPr>
-                                        <a:rPr lang="ru-RU" i="1">
-                                          <a:latin typeface="Cambria Math" panose="02040503050406030204" pitchFamily="18" charset="0"/>
-                                        </a:rPr>
-                                      </m:ctrlPr>
-                                    </m:sSupPr>
-                                    <m:e>
-                                      <m:r>
-                                        <a:rPr lang="ru-RU" i="1">
-                                          <a:latin typeface="Cambria Math" panose="02040503050406030204" pitchFamily="18" charset="0"/>
-                                        </a:rPr>
-                                        <m:t>𝑥</m:t>
-                                      </m:r>
-                                    </m:e>
-                                    <m:sup>
-                                      <m:r>
-                                        <a:rPr lang="ru-RU" i="0">
-                                          <a:latin typeface="Cambria Math" panose="02040503050406030204" pitchFamily="18" charset="0"/>
-                                        </a:rPr>
-                                        <m:t>∗</m:t>
-                                      </m:r>
-                                    </m:sup>
-                                  </m:sSup>
-                                  <m:r>
-                                    <a:rPr lang="ru-RU" i="0">
-                                      <a:latin typeface="Cambria Math" panose="02040503050406030204" pitchFamily="18" charset="0"/>
-                                    </a:rPr>
-                                    <m:t>[</m:t>
-                                  </m:r>
-                                  <m:r>
-                                    <a:rPr lang="ru-RU" i="1">
-                                      <a:latin typeface="Cambria Math" panose="02040503050406030204" pitchFamily="18" charset="0"/>
-                                    </a:rPr>
-                                    <m:t>𝑘</m:t>
-                                  </m:r>
-                                </m:e>
-                              </m:d>
-                            </m:e>
-                          </m:nary>
-                          <m:r>
-                            <a:rPr lang="ru-RU" i="0">
-                              <a:latin typeface="Cambria Math" panose="02040503050406030204" pitchFamily="18" charset="0"/>
-                            </a:rPr>
-                            <m:t> </m:t>
-                          </m:r>
-                        </m:e>
-                      </m:nary>
-                    </m:oMath>
-                  </m:oMathPara>
-                </a14:m>
-                <a:endParaRPr lang="ru-RU" dirty="0"/>
-              </a:p>
-            </p:txBody>
-          </p:sp>
-        </mc:Choice>
-        <mc:Fallback>
-          <p:sp>
-            <p:nvSpPr>
-              <p:cNvPr id="3" name="Прямоугольник 2"/>
-              <p:cNvSpPr>
-                <a:spLocks noRot="1" noChangeAspect="1" noMove="1" noResize="1" noEditPoints="1" noAdjustHandles="1" noChangeArrowheads="1" noChangeShapeType="1" noTextEdit="1"/>
-              </p:cNvSpPr>
-              <p:nvPr/>
-            </p:nvSpPr>
-            <p:spPr>
-              <a:xfrm>
-                <a:off x="1120775" y="2645296"/>
-                <a:ext cx="10541000" cy="871457"/>
-              </a:xfrm>
-              <a:prstGeom prst="rect">
-                <a:avLst/>
-              </a:prstGeom>
-              <a:blipFill>
-                <a:blip r:embed="rId10"/>
-                <a:stretch>
-                  <a:fillRect/>
-                </a:stretch>
-              </a:blipFill>
-            </p:spPr>
-            <p:txBody>
-              <a:bodyPr/>
-              <a:lstStyle/>
-              <a:p>
-                <a:r>
-                  <a:rPr lang="ru-RU">
-                    <a:noFill/>
-                  </a:rPr>
-                  <a:t> </a:t>
-                </a:r>
-              </a:p>
-            </p:txBody>
-          </p:sp>
-        </mc:Fallback>
-      </mc:AlternateContent>
-      <mc:AlternateContent xmlns:mc="http://schemas.openxmlformats.org/markup-compatibility/2006">
-        <mc:Choice xmlns:a14="http://schemas.microsoft.com/office/drawing/2010/main" Requires="a14">
-          <p:sp>
-            <p:nvSpPr>
-              <p:cNvPr id="10" name="Прямоугольник 9"/>
-              <p:cNvSpPr/>
-              <p:nvPr/>
-            </p:nvSpPr>
-            <p:spPr>
-              <a:xfrm>
-                <a:off x="338393" y="3430009"/>
-                <a:ext cx="11272838" cy="976614"/>
-              </a:xfrm>
-              <a:prstGeom prst="rect">
-                <a:avLst/>
-              </a:prstGeom>
-            </p:spPr>
-            <p:txBody>
-              <a:bodyPr wrap="square">
-                <a:spAutoFit/>
-              </a:bodyPr>
-              <a:lstStyle/>
-              <a:p>
+                <a:pPr/>
                 <a14:m>
                   <m:oMathPara xmlns:m="http://schemas.openxmlformats.org/officeDocument/2006/math">
                     <m:oMathParaPr>
@@ -6561,7 +5526,7 @@
                     </m:oMathParaPr>
                     <m:oMath xmlns:m="http://schemas.openxmlformats.org/officeDocument/2006/math">
                       <m:r>
-                        <a:rPr lang="ru-RU" i="1">
+                        <a:rPr lang="ru-RU" i="1" smtClean="0">
                           <a:latin typeface="Cambria Math" panose="02040503050406030204" pitchFamily="18" charset="0"/>
                         </a:rPr>
                         <m:t>𝐸</m:t>
@@ -6622,986 +5587,6 @@
                                       </m:r>
                                     </m:sub>
                                   </m:sSub>
-                                  <m:d>
-                                    <m:dPr>
-                                      <m:begChr m:val="["/>
-                                      <m:endChr m:val="]"/>
-                                      <m:ctrlPr>
-                                        <a:rPr lang="ru-RU" i="1">
-                                          <a:latin typeface="Cambria Math" panose="02040503050406030204" pitchFamily="18" charset="0"/>
-                                        </a:rPr>
-                                      </m:ctrlPr>
-                                    </m:dPr>
-                                    <m:e>
-                                      <m:sSub>
-                                        <m:sSubPr>
-                                          <m:ctrlPr>
-                                            <a:rPr lang="ru-RU" i="1">
-                                              <a:latin typeface="Cambria Math" panose="02040503050406030204" pitchFamily="18" charset="0"/>
-                                            </a:rPr>
-                                          </m:ctrlPr>
-                                        </m:sSubPr>
-                                        <m:e>
-                                          <m:r>
-                                            <a:rPr lang="ru-RU" i="1">
-                                              <a:latin typeface="Cambria Math" panose="02040503050406030204" pitchFamily="18" charset="0"/>
-                                            </a:rPr>
-                                            <m:t>𝑘</m:t>
-                                          </m:r>
-                                        </m:e>
-                                        <m:sub>
-                                          <m:r>
-                                            <a:rPr lang="ru-RU" i="0">
-                                              <a:latin typeface="Cambria Math" panose="02040503050406030204" pitchFamily="18" charset="0"/>
-                                            </a:rPr>
-                                            <m:t>0</m:t>
-                                          </m:r>
-                                        </m:sub>
-                                      </m:sSub>
-                                    </m:e>
-                                  </m:d>
-                                </m:e>
-                              </m:d>
-                            </m:e>
-                            <m:sup>
-                              <m:r>
-                                <a:rPr lang="ru-RU" i="0">
-                                  <a:latin typeface="Cambria Math" panose="02040503050406030204" pitchFamily="18" charset="0"/>
-                                </a:rPr>
-                                <m:t>2</m:t>
-                              </m:r>
-                            </m:sup>
-                          </m:sSup>
-                        </m:e>
-                      </m:d>
-                      <m:r>
-                        <a:rPr lang="ru-RU" i="0">
-                          <a:latin typeface="Cambria Math" panose="02040503050406030204" pitchFamily="18" charset="0"/>
-                        </a:rPr>
-                        <m:t>=</m:t>
-                      </m:r>
-                      <m:r>
-                        <a:rPr lang="ru-RU" i="1">
-                          <a:latin typeface="Cambria Math" panose="02040503050406030204" pitchFamily="18" charset="0"/>
-                        </a:rPr>
-                        <m:t>𝐸</m:t>
-                      </m:r>
-                      <m:d>
-                        <m:dPr>
-                          <m:begChr m:val="{"/>
-                          <m:endChr m:val="}"/>
-                          <m:ctrlPr>
-                            <a:rPr lang="ru-RU" i="1">
-                              <a:latin typeface="Cambria Math" panose="02040503050406030204" pitchFamily="18" charset="0"/>
-                            </a:rPr>
-                          </m:ctrlPr>
-                        </m:dPr>
-                        <m:e>
-                          <m:nary>
-                            <m:naryPr>
-                              <m:chr m:val="∑"/>
-                              <m:limLoc m:val="undOvr"/>
-                              <m:ctrlPr>
-                                <a:rPr lang="ru-RU" i="1">
-                                  <a:latin typeface="Cambria Math" panose="02040503050406030204" pitchFamily="18" charset="0"/>
-                                </a:rPr>
-                              </m:ctrlPr>
-                            </m:naryPr>
-                            <m:sub>
-                              <m:sSub>
-                                <m:sSubPr>
-                                  <m:ctrlPr>
-                                    <a:rPr lang="ru-RU" i="1">
-                                      <a:latin typeface="Cambria Math" panose="02040503050406030204" pitchFamily="18" charset="0"/>
-                                    </a:rPr>
-                                  </m:ctrlPr>
-                                </m:sSubPr>
-                                <m:e>
-                                  <m:r>
-                                    <a:rPr lang="ru-RU" i="1">
-                                      <a:latin typeface="Cambria Math" panose="02040503050406030204" pitchFamily="18" charset="0"/>
-                                    </a:rPr>
-                                    <m:t>𝑘</m:t>
-                                  </m:r>
-                                </m:e>
-                                <m:sub>
-                                  <m:r>
-                                    <a:rPr lang="ru-RU" i="0">
-                                      <a:latin typeface="Cambria Math" panose="02040503050406030204" pitchFamily="18" charset="0"/>
-                                    </a:rPr>
-                                    <m:t>1</m:t>
-                                  </m:r>
-                                </m:sub>
-                              </m:sSub>
-                              <m:r>
-                                <a:rPr lang="ru-RU" i="0">
-                                  <a:latin typeface="Cambria Math" panose="02040503050406030204" pitchFamily="18" charset="0"/>
-                                </a:rPr>
-                                <m:t>=0</m:t>
-                              </m:r>
-                            </m:sub>
-                            <m:sup>
-                              <m:r>
-                                <a:rPr lang="ru-RU" i="1">
-                                  <a:latin typeface="Cambria Math" panose="02040503050406030204" pitchFamily="18" charset="0"/>
-                                </a:rPr>
-                                <m:t>𝑁</m:t>
-                              </m:r>
-                              <m:r>
-                                <a:rPr lang="ru-RU" i="0">
-                                  <a:latin typeface="Cambria Math" panose="02040503050406030204" pitchFamily="18" charset="0"/>
-                                </a:rPr>
-                                <m:t>−1</m:t>
-                              </m:r>
-                            </m:sup>
-                            <m:e>
-                              <m:r>
-                                <a:rPr lang="ru-RU" i="1">
-                                  <a:latin typeface="Cambria Math" panose="02040503050406030204" pitchFamily="18" charset="0"/>
-                                </a:rPr>
-                                <m:t>𝑛</m:t>
-                              </m:r>
-                              <m:d>
-                                <m:dPr>
-                                  <m:begChr m:val="["/>
-                                  <m:endChr m:val="]"/>
-                                  <m:ctrlPr>
-                                    <a:rPr lang="ru-RU" i="1">
-                                      <a:latin typeface="Cambria Math" panose="02040503050406030204" pitchFamily="18" charset="0"/>
-                                    </a:rPr>
-                                  </m:ctrlPr>
-                                </m:dPr>
-                                <m:e>
-                                  <m:sSub>
-                                    <m:sSubPr>
-                                      <m:ctrlPr>
-                                        <a:rPr lang="ru-RU" i="1">
-                                          <a:latin typeface="Cambria Math" panose="02040503050406030204" pitchFamily="18" charset="0"/>
-                                        </a:rPr>
-                                      </m:ctrlPr>
-                                    </m:sSubPr>
-                                    <m:e>
-                                      <m:r>
-                                        <a:rPr lang="ru-RU" i="1">
-                                          <a:latin typeface="Cambria Math" panose="02040503050406030204" pitchFamily="18" charset="0"/>
-                                        </a:rPr>
-                                        <m:t>𝑘</m:t>
-                                      </m:r>
-                                    </m:e>
-                                    <m:sub>
-                                      <m:r>
-                                        <a:rPr lang="ru-RU" i="0">
-                                          <a:latin typeface="Cambria Math" panose="02040503050406030204" pitchFamily="18" charset="0"/>
-                                        </a:rPr>
-                                        <m:t>1</m:t>
-                                      </m:r>
-                                    </m:sub>
-                                  </m:sSub>
-                                </m:e>
-                              </m:d>
-                            </m:e>
-                          </m:nary>
-                          <m:r>
-                            <a:rPr lang="ru-RU" i="0">
-                              <a:latin typeface="Cambria Math" panose="02040503050406030204" pitchFamily="18" charset="0"/>
-                            </a:rPr>
-                            <m:t>∙</m:t>
-                          </m:r>
-                          <m:sSup>
-                            <m:sSupPr>
-                              <m:ctrlPr>
-                                <a:rPr lang="ru-RU" i="1">
-                                  <a:latin typeface="Cambria Math" panose="02040503050406030204" pitchFamily="18" charset="0"/>
-                                </a:rPr>
-                              </m:ctrlPr>
-                            </m:sSupPr>
-                            <m:e>
-                              <m:r>
-                                <a:rPr lang="ru-RU" i="1">
-                                  <a:latin typeface="Cambria Math" panose="02040503050406030204" pitchFamily="18" charset="0"/>
-                                </a:rPr>
-                                <m:t>𝑥</m:t>
-                              </m:r>
-                            </m:e>
-                            <m:sup>
-                              <m:r>
-                                <a:rPr lang="ru-RU" i="0">
-                                  <a:latin typeface="Cambria Math" panose="02040503050406030204" pitchFamily="18" charset="0"/>
-                                </a:rPr>
-                                <m:t>∗</m:t>
-                              </m:r>
-                            </m:sup>
-                          </m:sSup>
-                          <m:d>
-                            <m:dPr>
-                              <m:begChr m:val="["/>
-                              <m:endChr m:val="]"/>
-                              <m:ctrlPr>
-                                <a:rPr lang="ru-RU" i="1">
-                                  <a:latin typeface="Cambria Math" panose="02040503050406030204" pitchFamily="18" charset="0"/>
-                                </a:rPr>
-                              </m:ctrlPr>
-                            </m:dPr>
-                            <m:e>
-                              <m:sSub>
-                                <m:sSubPr>
-                                  <m:ctrlPr>
-                                    <a:rPr lang="ru-RU" i="1">
-                                      <a:latin typeface="Cambria Math" panose="02040503050406030204" pitchFamily="18" charset="0"/>
-                                    </a:rPr>
-                                  </m:ctrlPr>
-                                </m:sSubPr>
-                                <m:e>
-                                  <m:r>
-                                    <a:rPr lang="ru-RU" i="1">
-                                      <a:latin typeface="Cambria Math" panose="02040503050406030204" pitchFamily="18" charset="0"/>
-                                    </a:rPr>
-                                    <m:t>𝑘</m:t>
-                                  </m:r>
-                                </m:e>
-                                <m:sub>
-                                  <m:r>
-                                    <a:rPr lang="ru-RU" i="0">
-                                      <a:latin typeface="Cambria Math" panose="02040503050406030204" pitchFamily="18" charset="0"/>
-                                    </a:rPr>
-                                    <m:t>1</m:t>
-                                  </m:r>
-                                </m:sub>
-                              </m:sSub>
-                            </m:e>
-                          </m:d>
-                          <m:r>
-                            <a:rPr lang="ru-RU" i="0">
-                              <a:latin typeface="Cambria Math" panose="02040503050406030204" pitchFamily="18" charset="0"/>
-                            </a:rPr>
-                            <m:t>∙</m:t>
-                          </m:r>
-                          <m:nary>
-                            <m:naryPr>
-                              <m:chr m:val="∑"/>
-                              <m:limLoc m:val="undOvr"/>
-                              <m:ctrlPr>
-                                <a:rPr lang="ru-RU" i="1">
-                                  <a:latin typeface="Cambria Math" panose="02040503050406030204" pitchFamily="18" charset="0"/>
-                                </a:rPr>
-                              </m:ctrlPr>
-                            </m:naryPr>
-                            <m:sub>
-                              <m:sSub>
-                                <m:sSubPr>
-                                  <m:ctrlPr>
-                                    <a:rPr lang="ru-RU" i="1">
-                                      <a:latin typeface="Cambria Math" panose="02040503050406030204" pitchFamily="18" charset="0"/>
-                                    </a:rPr>
-                                  </m:ctrlPr>
-                                </m:sSubPr>
-                                <m:e>
-                                  <m:r>
-                                    <a:rPr lang="ru-RU" i="1">
-                                      <a:latin typeface="Cambria Math" panose="02040503050406030204" pitchFamily="18" charset="0"/>
-                                    </a:rPr>
-                                    <m:t>𝑘</m:t>
-                                  </m:r>
-                                </m:e>
-                                <m:sub>
-                                  <m:r>
-                                    <a:rPr lang="ru-RU" i="0">
-                                      <a:latin typeface="Cambria Math" panose="02040503050406030204" pitchFamily="18" charset="0"/>
-                                    </a:rPr>
-                                    <m:t>2</m:t>
-                                  </m:r>
-                                </m:sub>
-                              </m:sSub>
-                              <m:r>
-                                <a:rPr lang="ru-RU" i="0">
-                                  <a:latin typeface="Cambria Math" panose="02040503050406030204" pitchFamily="18" charset="0"/>
-                                </a:rPr>
-                                <m:t>=0</m:t>
-                              </m:r>
-                            </m:sub>
-                            <m:sup>
-                              <m:r>
-                                <a:rPr lang="ru-RU" i="1">
-                                  <a:latin typeface="Cambria Math" panose="02040503050406030204" pitchFamily="18" charset="0"/>
-                                </a:rPr>
-                                <m:t>𝑁</m:t>
-                              </m:r>
-                              <m:r>
-                                <a:rPr lang="ru-RU" i="0">
-                                  <a:latin typeface="Cambria Math" panose="02040503050406030204" pitchFamily="18" charset="0"/>
-                                </a:rPr>
-                                <m:t>−1</m:t>
-                              </m:r>
-                            </m:sup>
-                            <m:e>
-                              <m:r>
-                                <a:rPr lang="ru-RU" i="1">
-                                  <a:latin typeface="Cambria Math" panose="02040503050406030204" pitchFamily="18" charset="0"/>
-                                </a:rPr>
-                                <m:t>𝑛</m:t>
-                              </m:r>
-                              <m:d>
-                                <m:dPr>
-                                  <m:begChr m:val="["/>
-                                  <m:endChr m:val="]"/>
-                                  <m:ctrlPr>
-                                    <a:rPr lang="ru-RU" i="1">
-                                      <a:latin typeface="Cambria Math" panose="02040503050406030204" pitchFamily="18" charset="0"/>
-                                    </a:rPr>
-                                  </m:ctrlPr>
-                                </m:dPr>
-                                <m:e>
-                                  <m:sSub>
-                                    <m:sSubPr>
-                                      <m:ctrlPr>
-                                        <a:rPr lang="ru-RU" i="1">
-                                          <a:latin typeface="Cambria Math" panose="02040503050406030204" pitchFamily="18" charset="0"/>
-                                        </a:rPr>
-                                      </m:ctrlPr>
-                                    </m:sSubPr>
-                                    <m:e>
-                                      <m:r>
-                                        <a:rPr lang="ru-RU" i="1">
-                                          <a:latin typeface="Cambria Math" panose="02040503050406030204" pitchFamily="18" charset="0"/>
-                                        </a:rPr>
-                                        <m:t>𝑘</m:t>
-                                      </m:r>
-                                    </m:e>
-                                    <m:sub>
-                                      <m:r>
-                                        <a:rPr lang="ru-RU" i="0">
-                                          <a:latin typeface="Cambria Math" panose="02040503050406030204" pitchFamily="18" charset="0"/>
-                                        </a:rPr>
-                                        <m:t>2</m:t>
-                                      </m:r>
-                                    </m:sub>
-                                  </m:sSub>
-                                </m:e>
-                              </m:d>
-                            </m:e>
-                          </m:nary>
-                          <m:r>
-                            <a:rPr lang="ru-RU" i="0">
-                              <a:latin typeface="Cambria Math" panose="02040503050406030204" pitchFamily="18" charset="0"/>
-                            </a:rPr>
-                            <m:t>∙</m:t>
-                          </m:r>
-                          <m:sSup>
-                            <m:sSupPr>
-                              <m:ctrlPr>
-                                <a:rPr lang="ru-RU" i="1">
-                                  <a:latin typeface="Cambria Math" panose="02040503050406030204" pitchFamily="18" charset="0"/>
-                                </a:rPr>
-                              </m:ctrlPr>
-                            </m:sSupPr>
-                            <m:e>
-                              <m:r>
-                                <a:rPr lang="ru-RU" i="1">
-                                  <a:latin typeface="Cambria Math" panose="02040503050406030204" pitchFamily="18" charset="0"/>
-                                </a:rPr>
-                                <m:t>𝑥</m:t>
-                              </m:r>
-                            </m:e>
-                            <m:sup>
-                              <m:r>
-                                <a:rPr lang="ru-RU" i="0">
-                                  <a:latin typeface="Cambria Math" panose="02040503050406030204" pitchFamily="18" charset="0"/>
-                                </a:rPr>
-                                <m:t>∗</m:t>
-                              </m:r>
-                            </m:sup>
-                          </m:sSup>
-                          <m:d>
-                            <m:dPr>
-                              <m:begChr m:val="["/>
-                              <m:endChr m:val="]"/>
-                              <m:ctrlPr>
-                                <a:rPr lang="ru-RU" i="1">
-                                  <a:latin typeface="Cambria Math" panose="02040503050406030204" pitchFamily="18" charset="0"/>
-                                </a:rPr>
-                              </m:ctrlPr>
-                            </m:dPr>
-                            <m:e>
-                              <m:sSub>
-                                <m:sSubPr>
-                                  <m:ctrlPr>
-                                    <a:rPr lang="ru-RU" i="1">
-                                      <a:latin typeface="Cambria Math" panose="02040503050406030204" pitchFamily="18" charset="0"/>
-                                    </a:rPr>
-                                  </m:ctrlPr>
-                                </m:sSubPr>
-                                <m:e>
-                                  <m:r>
-                                    <a:rPr lang="ru-RU" i="1">
-                                      <a:latin typeface="Cambria Math" panose="02040503050406030204" pitchFamily="18" charset="0"/>
-                                    </a:rPr>
-                                    <m:t>𝑘</m:t>
-                                  </m:r>
-                                </m:e>
-                                <m:sub>
-                                  <m:r>
-                                    <a:rPr lang="ru-RU" i="0">
-                                      <a:latin typeface="Cambria Math" panose="02040503050406030204" pitchFamily="18" charset="0"/>
-                                    </a:rPr>
-                                    <m:t>2</m:t>
-                                  </m:r>
-                                </m:sub>
-                              </m:sSub>
-                            </m:e>
-                          </m:d>
-                        </m:e>
-                      </m:d>
-                      <m:r>
-                        <a:rPr lang="ru-RU" i="0">
-                          <a:latin typeface="Cambria Math" panose="02040503050406030204" pitchFamily="18" charset="0"/>
-                        </a:rPr>
-                        <m:t>=</m:t>
-                      </m:r>
-                      <m:nary>
-                        <m:naryPr>
-                          <m:chr m:val="∑"/>
-                          <m:limLoc m:val="undOvr"/>
-                          <m:ctrlPr>
-                            <a:rPr lang="ru-RU" i="1">
-                              <a:latin typeface="Cambria Math" panose="02040503050406030204" pitchFamily="18" charset="0"/>
-                            </a:rPr>
-                          </m:ctrlPr>
-                        </m:naryPr>
-                        <m:sub>
-                          <m:sSub>
-                            <m:sSubPr>
-                              <m:ctrlPr>
-                                <a:rPr lang="ru-RU" i="1">
-                                  <a:latin typeface="Cambria Math" panose="02040503050406030204" pitchFamily="18" charset="0"/>
-                                </a:rPr>
-                              </m:ctrlPr>
-                            </m:sSubPr>
-                            <m:e>
-                              <m:r>
-                                <a:rPr lang="ru-RU" i="1">
-                                  <a:latin typeface="Cambria Math" panose="02040503050406030204" pitchFamily="18" charset="0"/>
-                                </a:rPr>
-                                <m:t>𝑘</m:t>
-                              </m:r>
-                            </m:e>
-                            <m:sub>
-                              <m:r>
-                                <a:rPr lang="ru-RU" i="0">
-                                  <a:latin typeface="Cambria Math" panose="02040503050406030204" pitchFamily="18" charset="0"/>
-                                </a:rPr>
-                                <m:t>1</m:t>
-                              </m:r>
-                            </m:sub>
-                          </m:sSub>
-                          <m:r>
-                            <a:rPr lang="ru-RU" i="0">
-                              <a:latin typeface="Cambria Math" panose="02040503050406030204" pitchFamily="18" charset="0"/>
-                            </a:rPr>
-                            <m:t>=0</m:t>
-                          </m:r>
-                        </m:sub>
-                        <m:sup>
-                          <m:r>
-                            <a:rPr lang="ru-RU" i="1">
-                              <a:latin typeface="Cambria Math" panose="02040503050406030204" pitchFamily="18" charset="0"/>
-                            </a:rPr>
-                            <m:t>𝑁</m:t>
-                          </m:r>
-                          <m:r>
-                            <a:rPr lang="ru-RU" i="0">
-                              <a:latin typeface="Cambria Math" panose="02040503050406030204" pitchFamily="18" charset="0"/>
-                            </a:rPr>
-                            <m:t>−1</m:t>
-                          </m:r>
-                        </m:sup>
-                        <m:e>
-                          <m:nary>
-                            <m:naryPr>
-                              <m:chr m:val="∑"/>
-                              <m:limLoc m:val="undOvr"/>
-                              <m:ctrlPr>
-                                <a:rPr lang="ru-RU" i="1">
-                                  <a:latin typeface="Cambria Math" panose="02040503050406030204" pitchFamily="18" charset="0"/>
-                                </a:rPr>
-                              </m:ctrlPr>
-                            </m:naryPr>
-                            <m:sub>
-                              <m:sSub>
-                                <m:sSubPr>
-                                  <m:ctrlPr>
-                                    <a:rPr lang="ru-RU" i="1">
-                                      <a:latin typeface="Cambria Math" panose="02040503050406030204" pitchFamily="18" charset="0"/>
-                                    </a:rPr>
-                                  </m:ctrlPr>
-                                </m:sSubPr>
-                                <m:e>
-                                  <m:r>
-                                    <a:rPr lang="ru-RU" i="1">
-                                      <a:latin typeface="Cambria Math" panose="02040503050406030204" pitchFamily="18" charset="0"/>
-                                    </a:rPr>
-                                    <m:t>𝑘</m:t>
-                                  </m:r>
-                                </m:e>
-                                <m:sub>
-                                  <m:r>
-                                    <a:rPr lang="ru-RU" i="0">
-                                      <a:latin typeface="Cambria Math" panose="02040503050406030204" pitchFamily="18" charset="0"/>
-                                    </a:rPr>
-                                    <m:t>2</m:t>
-                                  </m:r>
-                                </m:sub>
-                              </m:sSub>
-                              <m:r>
-                                <a:rPr lang="ru-RU" i="0">
-                                  <a:latin typeface="Cambria Math" panose="02040503050406030204" pitchFamily="18" charset="0"/>
-                                </a:rPr>
-                                <m:t>=0</m:t>
-                              </m:r>
-                            </m:sub>
-                            <m:sup>
-                              <m:r>
-                                <a:rPr lang="ru-RU" i="1">
-                                  <a:latin typeface="Cambria Math" panose="02040503050406030204" pitchFamily="18" charset="0"/>
-                                </a:rPr>
-                                <m:t>𝑁</m:t>
-                              </m:r>
-                              <m:r>
-                                <a:rPr lang="ru-RU" i="0">
-                                  <a:latin typeface="Cambria Math" panose="02040503050406030204" pitchFamily="18" charset="0"/>
-                                </a:rPr>
-                                <m:t>−1</m:t>
-                              </m:r>
-                            </m:sup>
-                            <m:e>
-                              <m:d>
-                                <m:dPr>
-                                  <m:begChr m:val=""/>
-                                  <m:endChr m:val="]"/>
-                                  <m:ctrlPr>
-                                    <a:rPr lang="ru-RU" i="1">
-                                      <a:latin typeface="Cambria Math" panose="02040503050406030204" pitchFamily="18" charset="0"/>
-                                    </a:rPr>
-                                  </m:ctrlPr>
-                                </m:dPr>
-                                <m:e>
-                                  <m:r>
-                                    <a:rPr lang="ru-RU" i="1">
-                                      <a:latin typeface="Cambria Math" panose="02040503050406030204" pitchFamily="18" charset="0"/>
-                                    </a:rPr>
-                                    <m:t>𝐸</m:t>
-                                  </m:r>
-                                  <m:r>
-                                    <a:rPr lang="ru-RU" i="0">
-                                      <a:latin typeface="Cambria Math" panose="02040503050406030204" pitchFamily="18" charset="0"/>
-                                    </a:rPr>
-                                    <m:t>{</m:t>
-                                  </m:r>
-                                  <m:r>
-                                    <a:rPr lang="ru-RU" i="1">
-                                      <a:latin typeface="Cambria Math" panose="02040503050406030204" pitchFamily="18" charset="0"/>
-                                    </a:rPr>
-                                    <m:t>𝑛</m:t>
-                                  </m:r>
-                                  <m:r>
-                                    <a:rPr lang="ru-RU" i="0">
-                                      <a:latin typeface="Cambria Math" panose="02040503050406030204" pitchFamily="18" charset="0"/>
-                                    </a:rPr>
-                                    <m:t>[</m:t>
-                                  </m:r>
-                                  <m:sSub>
-                                    <m:sSubPr>
-                                      <m:ctrlPr>
-                                        <a:rPr lang="ru-RU" i="1">
-                                          <a:latin typeface="Cambria Math" panose="02040503050406030204" pitchFamily="18" charset="0"/>
-                                        </a:rPr>
-                                      </m:ctrlPr>
-                                    </m:sSubPr>
-                                    <m:e>
-                                      <m:r>
-                                        <a:rPr lang="ru-RU" i="1">
-                                          <a:latin typeface="Cambria Math" panose="02040503050406030204" pitchFamily="18" charset="0"/>
-                                        </a:rPr>
-                                        <m:t>𝑘</m:t>
-                                      </m:r>
-                                    </m:e>
-                                    <m:sub>
-                                      <m:r>
-                                        <a:rPr lang="ru-RU" i="0">
-                                          <a:latin typeface="Cambria Math" panose="02040503050406030204" pitchFamily="18" charset="0"/>
-                                        </a:rPr>
-                                        <m:t>1</m:t>
-                                      </m:r>
-                                    </m:sub>
-                                  </m:sSub>
-                                  <m:r>
-                                    <a:rPr lang="ru-RU" i="0">
-                                      <a:latin typeface="Cambria Math" panose="02040503050406030204" pitchFamily="18" charset="0"/>
-                                    </a:rPr>
-                                    <m:t>]∙</m:t>
-                                  </m:r>
-                                  <m:r>
-                                    <a:rPr lang="ru-RU" i="1">
-                                      <a:latin typeface="Cambria Math" panose="02040503050406030204" pitchFamily="18" charset="0"/>
-                                    </a:rPr>
-                                    <m:t>𝑛</m:t>
-                                  </m:r>
-                                  <m:r>
-                                    <a:rPr lang="ru-RU" i="0">
-                                      <a:latin typeface="Cambria Math" panose="02040503050406030204" pitchFamily="18" charset="0"/>
-                                    </a:rPr>
-                                    <m:t>[</m:t>
-                                  </m:r>
-                                  <m:sSub>
-                                    <m:sSubPr>
-                                      <m:ctrlPr>
-                                        <a:rPr lang="ru-RU" i="1">
-                                          <a:latin typeface="Cambria Math" panose="02040503050406030204" pitchFamily="18" charset="0"/>
-                                        </a:rPr>
-                                      </m:ctrlPr>
-                                    </m:sSubPr>
-                                    <m:e>
-                                      <m:r>
-                                        <a:rPr lang="ru-RU" i="1">
-                                          <a:latin typeface="Cambria Math" panose="02040503050406030204" pitchFamily="18" charset="0"/>
-                                        </a:rPr>
-                                        <m:t>𝑘</m:t>
-                                      </m:r>
-                                    </m:e>
-                                    <m:sub>
-                                      <m:r>
-                                        <a:rPr lang="ru-RU" i="0">
-                                          <a:latin typeface="Cambria Math" panose="02040503050406030204" pitchFamily="18" charset="0"/>
-                                        </a:rPr>
-                                        <m:t>2</m:t>
-                                      </m:r>
-                                    </m:sub>
-                                  </m:sSub>
-                                </m:e>
-                              </m:d>
-                            </m:e>
-                          </m:nary>
-                        </m:e>
-                      </m:nary>
-                      <m:r>
-                        <a:rPr lang="ru-RU" i="0">
-                          <a:latin typeface="Cambria Math" panose="02040503050406030204" pitchFamily="18" charset="0"/>
-                        </a:rPr>
-                        <m:t>}</m:t>
-                      </m:r>
-                      <m:sSup>
-                        <m:sSupPr>
-                          <m:ctrlPr>
-                            <a:rPr lang="ru-RU" i="1">
-                              <a:latin typeface="Cambria Math" panose="02040503050406030204" pitchFamily="18" charset="0"/>
-                            </a:rPr>
-                          </m:ctrlPr>
-                        </m:sSupPr>
-                        <m:e>
-                          <m:r>
-                            <a:rPr lang="ru-RU" i="0">
-                              <a:latin typeface="Cambria Math" panose="02040503050406030204" pitchFamily="18" charset="0"/>
-                            </a:rPr>
-                            <m:t>∙</m:t>
-                          </m:r>
-                          <m:r>
-                            <a:rPr lang="ru-RU" i="1">
-                              <a:latin typeface="Cambria Math" panose="02040503050406030204" pitchFamily="18" charset="0"/>
-                            </a:rPr>
-                            <m:t>𝑥</m:t>
-                          </m:r>
-                        </m:e>
-                        <m:sup>
-                          <m:r>
-                            <a:rPr lang="ru-RU" i="0">
-                              <a:latin typeface="Cambria Math" panose="02040503050406030204" pitchFamily="18" charset="0"/>
-                            </a:rPr>
-                            <m:t>∗</m:t>
-                          </m:r>
-                        </m:sup>
-                      </m:sSup>
-                      <m:d>
-                        <m:dPr>
-                          <m:begChr m:val="["/>
-                          <m:endChr m:val="]"/>
-                          <m:ctrlPr>
-                            <a:rPr lang="ru-RU" i="1">
-                              <a:latin typeface="Cambria Math" panose="02040503050406030204" pitchFamily="18" charset="0"/>
-                            </a:rPr>
-                          </m:ctrlPr>
-                        </m:dPr>
-                        <m:e>
-                          <m:sSub>
-                            <m:sSubPr>
-                              <m:ctrlPr>
-                                <a:rPr lang="ru-RU" i="1">
-                                  <a:latin typeface="Cambria Math" panose="02040503050406030204" pitchFamily="18" charset="0"/>
-                                </a:rPr>
-                              </m:ctrlPr>
-                            </m:sSubPr>
-                            <m:e>
-                              <m:r>
-                                <a:rPr lang="ru-RU" i="1">
-                                  <a:latin typeface="Cambria Math" panose="02040503050406030204" pitchFamily="18" charset="0"/>
-                                </a:rPr>
-                                <m:t>𝑘</m:t>
-                              </m:r>
-                            </m:e>
-                            <m:sub>
-                              <m:r>
-                                <a:rPr lang="ru-RU" i="0">
-                                  <a:latin typeface="Cambria Math" panose="02040503050406030204" pitchFamily="18" charset="0"/>
-                                </a:rPr>
-                                <m:t>1</m:t>
-                              </m:r>
-                            </m:sub>
-                          </m:sSub>
-                        </m:e>
-                      </m:d>
-                      <m:sSup>
-                        <m:sSupPr>
-                          <m:ctrlPr>
-                            <a:rPr lang="ru-RU" i="1">
-                              <a:latin typeface="Cambria Math" panose="02040503050406030204" pitchFamily="18" charset="0"/>
-                            </a:rPr>
-                          </m:ctrlPr>
-                        </m:sSupPr>
-                        <m:e>
-                          <m:r>
-                            <a:rPr lang="ru-RU" i="0">
-                              <a:latin typeface="Cambria Math" panose="02040503050406030204" pitchFamily="18" charset="0"/>
-                            </a:rPr>
-                            <m:t>∙</m:t>
-                          </m:r>
-                          <m:r>
-                            <a:rPr lang="ru-RU" i="1">
-                              <a:latin typeface="Cambria Math" panose="02040503050406030204" pitchFamily="18" charset="0"/>
-                            </a:rPr>
-                            <m:t>𝑥</m:t>
-                          </m:r>
-                        </m:e>
-                        <m:sup>
-                          <m:r>
-                            <a:rPr lang="ru-RU" i="0">
-                              <a:latin typeface="Cambria Math" panose="02040503050406030204" pitchFamily="18" charset="0"/>
-                            </a:rPr>
-                            <m:t>∗</m:t>
-                          </m:r>
-                        </m:sup>
-                      </m:sSup>
-                      <m:d>
-                        <m:dPr>
-                          <m:begChr m:val="["/>
-                          <m:endChr m:val="]"/>
-                          <m:ctrlPr>
-                            <a:rPr lang="ru-RU" i="1">
-                              <a:latin typeface="Cambria Math" panose="02040503050406030204" pitchFamily="18" charset="0"/>
-                            </a:rPr>
-                          </m:ctrlPr>
-                        </m:dPr>
-                        <m:e>
-                          <m:sSub>
-                            <m:sSubPr>
-                              <m:ctrlPr>
-                                <a:rPr lang="ru-RU" i="1">
-                                  <a:latin typeface="Cambria Math" panose="02040503050406030204" pitchFamily="18" charset="0"/>
-                                </a:rPr>
-                              </m:ctrlPr>
-                            </m:sSubPr>
-                            <m:e>
-                              <m:r>
-                                <a:rPr lang="ru-RU" i="1">
-                                  <a:latin typeface="Cambria Math" panose="02040503050406030204" pitchFamily="18" charset="0"/>
-                                </a:rPr>
-                                <m:t>𝑘</m:t>
-                              </m:r>
-                            </m:e>
-                            <m:sub>
-                              <m:r>
-                                <a:rPr lang="ru-RU" i="0">
-                                  <a:latin typeface="Cambria Math" panose="02040503050406030204" pitchFamily="18" charset="0"/>
-                                </a:rPr>
-                                <m:t>2</m:t>
-                              </m:r>
-                            </m:sub>
-                          </m:sSub>
-                        </m:e>
-                      </m:d>
-                    </m:oMath>
-                  </m:oMathPara>
-                </a14:m>
-                <a:endParaRPr lang="ru-RU" dirty="0"/>
-              </a:p>
-            </p:txBody>
-          </p:sp>
-        </mc:Choice>
-        <mc:Fallback>
-          <p:sp>
-            <p:nvSpPr>
-              <p:cNvPr id="10" name="Прямоугольник 9"/>
-              <p:cNvSpPr>
-                <a:spLocks noRot="1" noChangeAspect="1" noMove="1" noResize="1" noEditPoints="1" noAdjustHandles="1" noChangeArrowheads="1" noChangeShapeType="1" noTextEdit="1"/>
-              </p:cNvSpPr>
-              <p:nvPr/>
-            </p:nvSpPr>
-            <p:spPr>
-              <a:xfrm>
-                <a:off x="338393" y="3430009"/>
-                <a:ext cx="11272838" cy="976614"/>
-              </a:xfrm>
-              <a:prstGeom prst="rect">
-                <a:avLst/>
-              </a:prstGeom>
-              <a:blipFill>
-                <a:blip r:embed="rId11"/>
-                <a:stretch>
-                  <a:fillRect/>
-                </a:stretch>
-              </a:blipFill>
-            </p:spPr>
-            <p:txBody>
-              <a:bodyPr/>
-              <a:lstStyle/>
-              <a:p>
-                <a:r>
-                  <a:rPr lang="ru-RU">
-                    <a:noFill/>
-                  </a:rPr>
-                  <a:t> </a:t>
-                </a:r>
-              </a:p>
-            </p:txBody>
-          </p:sp>
-        </mc:Fallback>
-      </mc:AlternateContent>
-      <mc:AlternateContent xmlns:mc="http://schemas.openxmlformats.org/markup-compatibility/2006">
-        <mc:Choice xmlns:a14="http://schemas.microsoft.com/office/drawing/2010/main" Requires="a14">
-          <p:sp>
-            <p:nvSpPr>
-              <p:cNvPr id="13" name="Прямоугольник 12"/>
-              <p:cNvSpPr/>
-              <p:nvPr/>
-            </p:nvSpPr>
-            <p:spPr>
-              <a:xfrm>
-                <a:off x="836495" y="4476087"/>
-                <a:ext cx="3975832" cy="871457"/>
-              </a:xfrm>
-              <a:prstGeom prst="rect">
-                <a:avLst/>
-              </a:prstGeom>
-            </p:spPr>
-            <p:txBody>
-              <a:bodyPr wrap="none">
-                <a:spAutoFit/>
-              </a:bodyPr>
-              <a:lstStyle/>
-              <a:p>
-                <a14:m>
-                  <m:oMathPara xmlns:m="http://schemas.openxmlformats.org/officeDocument/2006/math">
-                    <m:oMathParaPr>
-                      <m:jc m:val="centerGroup"/>
-                    </m:oMathParaPr>
-                    <m:oMath xmlns:m="http://schemas.openxmlformats.org/officeDocument/2006/math">
-                      <m:r>
-                        <a:rPr lang="ru-RU" i="1">
-                          <a:latin typeface="Cambria Math" panose="02040503050406030204" pitchFamily="18" charset="0"/>
-                        </a:rPr>
-                        <m:t>𝐸</m:t>
-                      </m:r>
-                      <m:d>
-                        <m:dPr>
-                          <m:begChr m:val="{"/>
-                          <m:endChr m:val="}"/>
-                          <m:ctrlPr>
-                            <a:rPr lang="ru-RU" i="1">
-                              <a:latin typeface="Cambria Math" panose="02040503050406030204" pitchFamily="18" charset="0"/>
-                            </a:rPr>
-                          </m:ctrlPr>
-                        </m:dPr>
-                        <m:e>
-                          <m:sSup>
-                            <m:sSupPr>
-                              <m:ctrlPr>
-                                <a:rPr lang="ru-RU" i="1">
-                                  <a:latin typeface="Cambria Math" panose="02040503050406030204" pitchFamily="18" charset="0"/>
-                                </a:rPr>
-                              </m:ctrlPr>
-                            </m:sSupPr>
-                            <m:e>
-                              <m:d>
-                                <m:dPr>
-                                  <m:begChr m:val="|"/>
-                                  <m:endChr m:val="|"/>
-                                  <m:ctrlPr>
-                                    <a:rPr lang="ru-RU" i="1">
-                                      <a:latin typeface="Cambria Math" panose="02040503050406030204" pitchFamily="18" charset="0"/>
-                                    </a:rPr>
-                                  </m:ctrlPr>
-                                </m:dPr>
-                                <m:e>
-                                  <m:sSub>
-                                    <m:sSubPr>
-                                      <m:ctrlPr>
-                                        <a:rPr lang="ru-RU" i="1">
-                                          <a:latin typeface="Cambria Math" panose="02040503050406030204" pitchFamily="18" charset="0"/>
-                                        </a:rPr>
-                                      </m:ctrlPr>
-                                    </m:sSubPr>
-                                    <m:e>
-                                      <m:r>
-                                        <a:rPr lang="ru-RU" i="1">
-                                          <a:latin typeface="Cambria Math" panose="02040503050406030204" pitchFamily="18" charset="0"/>
-                                        </a:rPr>
-                                        <m:t>𝑦</m:t>
-                                      </m:r>
-                                    </m:e>
-                                    <m:sub>
-                                      <m:r>
-                                        <a:rPr lang="ru-RU" i="1">
-                                          <a:latin typeface="Cambria Math" panose="02040503050406030204" pitchFamily="18" charset="0"/>
-                                        </a:rPr>
-                                        <m:t>𝑛</m:t>
-                                      </m:r>
-                                    </m:sub>
-                                  </m:sSub>
-                                  <m:d>
-                                    <m:dPr>
-                                      <m:begChr m:val="["/>
-                                      <m:endChr m:val="]"/>
-                                      <m:ctrlPr>
-                                        <a:rPr lang="ru-RU" i="1">
-                                          <a:latin typeface="Cambria Math" panose="02040503050406030204" pitchFamily="18" charset="0"/>
-                                        </a:rPr>
-                                      </m:ctrlPr>
-                                    </m:dPr>
-                                    <m:e>
-                                      <m:sSub>
-                                        <m:sSubPr>
-                                          <m:ctrlPr>
-                                            <a:rPr lang="ru-RU" i="1">
-                                              <a:latin typeface="Cambria Math" panose="02040503050406030204" pitchFamily="18" charset="0"/>
-                                            </a:rPr>
-                                          </m:ctrlPr>
-                                        </m:sSubPr>
-                                        <m:e>
-                                          <m:r>
-                                            <a:rPr lang="ru-RU" i="1">
-                                              <a:latin typeface="Cambria Math" panose="02040503050406030204" pitchFamily="18" charset="0"/>
-                                            </a:rPr>
-                                            <m:t>𝑘</m:t>
-                                          </m:r>
-                                        </m:e>
-                                        <m:sub>
-                                          <m:r>
-                                            <a:rPr lang="ru-RU" i="0">
-                                              <a:latin typeface="Cambria Math" panose="02040503050406030204" pitchFamily="18" charset="0"/>
-                                            </a:rPr>
-                                            <m:t>0</m:t>
-                                          </m:r>
-                                        </m:sub>
-                                      </m:sSub>
-                                    </m:e>
-                                  </m:d>
                                 </m:e>
                               </m:d>
                             </m:e>
@@ -7883,14 +5868,14 @@
             </p:nvSpPr>
             <p:spPr>
               <a:xfrm>
-                <a:off x="836495" y="4476087"/>
-                <a:ext cx="3975832" cy="871457"/>
+                <a:off x="5748093" y="4528474"/>
+                <a:ext cx="3882476" cy="871457"/>
               </a:xfrm>
               <a:prstGeom prst="rect">
                 <a:avLst/>
               </a:prstGeom>
               <a:blipFill>
-                <a:blip r:embed="rId12"/>
+                <a:blip r:embed="rId10"/>
                 <a:stretch>
                   <a:fillRect/>
                 </a:stretch>
@@ -7921,8 +5906,8 @@
             </p:nvSpPr>
             <p:spPr>
               <a:xfrm>
-                <a:off x="8170882" y="5362147"/>
-                <a:ext cx="3817455" cy="720262"/>
+                <a:off x="8178217" y="5701731"/>
+                <a:ext cx="3477362" cy="720262"/>
               </a:xfrm>
               <a:prstGeom prst="rect">
                 <a:avLst/>
@@ -7934,6 +5919,7 @@
               </a:bodyPr>
               <a:lstStyle/>
               <a:p>
+                <a:pPr/>
                 <a14:m>
                   <m:oMathPara xmlns:m="http://schemas.openxmlformats.org/officeDocument/2006/math">
                     <m:oMathParaPr>
@@ -7941,7 +5927,7 @@
                     </m:oMathParaPr>
                     <m:oMath xmlns:m="http://schemas.openxmlformats.org/officeDocument/2006/math">
                       <m:r>
-                        <a:rPr lang="ru-RU" i="1">
+                        <a:rPr lang="ru-RU" i="1" smtClean="0">
                           <a:latin typeface="Cambria Math" panose="02040503050406030204" pitchFamily="18" charset="0"/>
                         </a:rPr>
                         <m:t>𝑆𝑁𝑅</m:t>
@@ -8120,44 +6106,6 @@
                                           </m:r>
                                         </m:sub>
                                       </m:sSub>
-                                      <m:d>
-                                        <m:dPr>
-                                          <m:begChr m:val="["/>
-                                          <m:endChr m:val="]"/>
-                                          <m:ctrlPr>
-                                            <a:rPr lang="ru-RU" i="1">
-                                              <a:latin typeface="Cambria Math" panose="02040503050406030204" pitchFamily="18" charset="0"/>
-                                            </a:rPr>
-                                          </m:ctrlPr>
-                                        </m:dPr>
-                                        <m:e>
-                                          <m:sSub>
-                                            <m:sSubPr>
-                                              <m:ctrlPr>
-                                                <a:rPr lang="ru-RU" i="1">
-                                                  <a:latin typeface="Cambria Math" panose="02040503050406030204" pitchFamily="18" charset="0"/>
-                                                </a:rPr>
-                                              </m:ctrlPr>
-                                            </m:sSubPr>
-                                            <m:e>
-                                              <m:r>
-                                                <a:rPr lang="ru-RU" i="1">
-                                                  <a:latin typeface="Cambria Math" panose="02040503050406030204" pitchFamily="18" charset="0"/>
-                                                </a:rPr>
-                                                <m:t>𝑘</m:t>
-                                              </m:r>
-                                            </m:e>
-                                            <m:sub>
-                                              <m:r>
-                                                <a:rPr lang="ru-RU" i="0">
-                                                  <a:latin typeface="Cambria Math" panose="02040503050406030204" pitchFamily="18" charset="0"/>
-                                                </a:rPr>
-                                                <m:t>0</m:t>
-                                              </m:r>
-                                            </m:sub>
-                                          </m:sSub>
-                                        </m:e>
-                                      </m:d>
                                     </m:e>
                                   </m:d>
                                 </m:e>
@@ -8387,14 +6335,14 @@
             </p:nvSpPr>
             <p:spPr>
               <a:xfrm>
-                <a:off x="8170882" y="5362147"/>
-                <a:ext cx="3817455" cy="720262"/>
+                <a:off x="8178217" y="5701731"/>
+                <a:ext cx="3477362" cy="720262"/>
               </a:xfrm>
               <a:prstGeom prst="rect">
                 <a:avLst/>
               </a:prstGeom>
               <a:blipFill>
-                <a:blip r:embed="rId13"/>
+                <a:blip r:embed="rId11"/>
                 <a:stretch>
                   <a:fillRect/>
                 </a:stretch>
@@ -8415,8 +6363,8 @@
           </p:sp>
         </mc:Fallback>
       </mc:AlternateContent>
-      <mc:AlternateContent xmlns:mc="http://schemas.openxmlformats.org/markup-compatibility/2006">
-        <mc:Choice xmlns:a14="http://schemas.microsoft.com/office/drawing/2010/main" Requires="a14">
+      <mc:AlternateContent xmlns:mc="http://schemas.openxmlformats.org/markup-compatibility/2006" xmlns:a14="http://schemas.microsoft.com/office/drawing/2010/main">
+        <mc:Choice Requires="a14">
           <p:sp>
             <p:nvSpPr>
               <p:cNvPr id="17" name="Прямоугольник 16"/>
@@ -8438,6 +6386,7 @@
               </a:bodyPr>
               <a:lstStyle/>
               <a:p>
+                <a:pPr/>
                 <a14:m>
                   <m:oMathPara xmlns:m="http://schemas.openxmlformats.org/officeDocument/2006/math">
                     <m:oMathParaPr>
@@ -8558,7 +6507,7 @@
             </p:txBody>
           </p:sp>
         </mc:Choice>
-        <mc:Fallback>
+        <mc:Fallback xmlns="">
           <p:sp>
             <p:nvSpPr>
               <p:cNvPr id="17" name="Прямоугольник 16"/>
@@ -8597,8 +6546,8 @@
           </p:sp>
         </mc:Fallback>
       </mc:AlternateContent>
-      <mc:AlternateContent xmlns:mc="http://schemas.openxmlformats.org/markup-compatibility/2006">
-        <mc:Choice xmlns:a14="http://schemas.microsoft.com/office/drawing/2010/main" Requires="a14">
+      <mc:AlternateContent xmlns:mc="http://schemas.openxmlformats.org/markup-compatibility/2006" xmlns:a14="http://schemas.microsoft.com/office/drawing/2010/main">
+        <mc:Choice Requires="a14">
           <p:sp>
             <p:nvSpPr>
               <p:cNvPr id="20" name="Прямоугольник 19"/>
@@ -8620,6 +6569,7 @@
               </a:bodyPr>
               <a:lstStyle/>
               <a:p>
+                <a:pPr/>
                 <a14:m>
                   <m:oMathPara xmlns:m="http://schemas.openxmlformats.org/officeDocument/2006/math">
                     <m:oMathParaPr>
@@ -9150,7 +7100,7 @@
             </p:txBody>
           </p:sp>
         </mc:Choice>
-        <mc:Fallback>
+        <mc:Fallback xmlns="">
           <p:sp>
             <p:nvSpPr>
               <p:cNvPr id="20" name="Прямоугольник 19"/>
@@ -9169,6 +7119,1668 @@
               </a:prstGeom>
               <a:blipFill>
                 <a:blip r:embed="rId15"/>
+                <a:stretch>
+                  <a:fillRect/>
+                </a:stretch>
+              </a:blipFill>
+            </p:spPr>
+            <p:txBody>
+              <a:bodyPr/>
+              <a:lstStyle/>
+              <a:p>
+                <a:r>
+                  <a:rPr lang="ru-RU">
+                    <a:noFill/>
+                  </a:rPr>
+                  <a:t> </a:t>
+                </a:r>
+              </a:p>
+            </p:txBody>
+          </p:sp>
+        </mc:Fallback>
+      </mc:AlternateContent>
+      <mc:AlternateContent xmlns:mc="http://schemas.openxmlformats.org/markup-compatibility/2006">
+        <mc:Choice xmlns:a14="http://schemas.microsoft.com/office/drawing/2010/main" Requires="a14">
+          <p:sp>
+            <p:nvSpPr>
+              <p:cNvPr id="5" name="Прямоугольник 4"/>
+              <p:cNvSpPr/>
+              <p:nvPr/>
+            </p:nvSpPr>
+            <p:spPr>
+              <a:xfrm>
+                <a:off x="1462315" y="2742820"/>
+                <a:ext cx="9796462" cy="871457"/>
+              </a:xfrm>
+              <a:prstGeom prst="rect">
+                <a:avLst/>
+              </a:prstGeom>
+            </p:spPr>
+            <p:txBody>
+              <a:bodyPr wrap="square">
+                <a:spAutoFit/>
+              </a:bodyPr>
+              <a:lstStyle/>
+              <a:p>
+                <a14:m>
+                  <m:oMathPara xmlns:m="http://schemas.openxmlformats.org/officeDocument/2006/math">
+                    <m:oMathParaPr>
+                      <m:jc m:val="centerGroup"/>
+                    </m:oMathParaPr>
+                    <m:oMath xmlns:m="http://schemas.openxmlformats.org/officeDocument/2006/math">
+                      <m:sSub>
+                        <m:sSubPr>
+                          <m:ctrlPr>
+                            <a:rPr lang="ru-RU" smtClean="0">
+                              <a:latin typeface="Cambria Math" panose="02040503050406030204" pitchFamily="18" charset="0"/>
+                            </a:rPr>
+                          </m:ctrlPr>
+                        </m:sSubPr>
+                        <m:e>
+                          <m:r>
+                            <a:rPr lang="ru-RU" i="1">
+                              <a:latin typeface="Cambria Math" panose="02040503050406030204" pitchFamily="18" charset="0"/>
+                            </a:rPr>
+                            <m:t>𝑦</m:t>
+                          </m:r>
+                        </m:e>
+                        <m:sub>
+                          <m:r>
+                            <a:rPr lang="ru-RU" i="1">
+                              <a:latin typeface="Cambria Math" panose="02040503050406030204" pitchFamily="18" charset="0"/>
+                            </a:rPr>
+                            <m:t>𝑛</m:t>
+                          </m:r>
+                        </m:sub>
+                      </m:sSub>
+                      <m:d>
+                        <m:dPr>
+                          <m:begChr m:val="["/>
+                          <m:endChr m:val="]"/>
+                          <m:ctrlPr>
+                            <a:rPr lang="ru-RU" i="1">
+                              <a:latin typeface="Cambria Math" panose="02040503050406030204" pitchFamily="18" charset="0"/>
+                            </a:rPr>
+                          </m:ctrlPr>
+                        </m:dPr>
+                        <m:e>
+                          <m:sSub>
+                            <m:sSubPr>
+                              <m:ctrlPr>
+                                <a:rPr lang="ru-RU" i="1">
+                                  <a:latin typeface="Cambria Math" panose="02040503050406030204" pitchFamily="18" charset="0"/>
+                                </a:rPr>
+                              </m:ctrlPr>
+                            </m:sSubPr>
+                            <m:e>
+                              <m:r>
+                                <a:rPr lang="ru-RU" i="1">
+                                  <a:latin typeface="Cambria Math" panose="02040503050406030204" pitchFamily="18" charset="0"/>
+                                </a:rPr>
+                                <m:t>𝑘</m:t>
+                              </m:r>
+                            </m:e>
+                            <m:sub>
+                              <m:r>
+                                <a:rPr lang="ru-RU">
+                                  <a:latin typeface="Cambria Math" panose="02040503050406030204" pitchFamily="18" charset="0"/>
+                                </a:rPr>
+                                <m:t>0</m:t>
+                              </m:r>
+                            </m:sub>
+                          </m:sSub>
+                        </m:e>
+                      </m:d>
+                      <m:r>
+                        <a:rPr lang="ru-RU" i="0">
+                          <a:latin typeface="Cambria Math" panose="02040503050406030204" pitchFamily="18" charset="0"/>
+                        </a:rPr>
+                        <m:t>=</m:t>
+                      </m:r>
+                      <m:f>
+                        <m:fPr>
+                          <m:ctrlPr>
+                            <a:rPr lang="ru-RU" i="1">
+                              <a:latin typeface="Cambria Math" panose="02040503050406030204" pitchFamily="18" charset="0"/>
+                            </a:rPr>
+                          </m:ctrlPr>
+                        </m:fPr>
+                        <m:num>
+                          <m:r>
+                            <a:rPr lang="ru-RU" i="0">
+                              <a:latin typeface="Cambria Math" panose="02040503050406030204" pitchFamily="18" charset="0"/>
+                            </a:rPr>
+                            <m:t>1</m:t>
+                          </m:r>
+                        </m:num>
+                        <m:den>
+                          <m:r>
+                            <a:rPr lang="ru-RU" i="1">
+                              <a:latin typeface="Cambria Math" panose="02040503050406030204" pitchFamily="18" charset="0"/>
+                            </a:rPr>
+                            <m:t>𝑁</m:t>
+                          </m:r>
+                        </m:den>
+                      </m:f>
+                      <m:nary>
+                        <m:naryPr>
+                          <m:chr m:val="∑"/>
+                          <m:limLoc m:val="undOvr"/>
+                          <m:ctrlPr>
+                            <a:rPr lang="ru-RU" i="1">
+                              <a:latin typeface="Cambria Math" panose="02040503050406030204" pitchFamily="18" charset="0"/>
+                            </a:rPr>
+                          </m:ctrlPr>
+                        </m:naryPr>
+                        <m:sub>
+                          <m:r>
+                            <a:rPr lang="ru-RU" i="1">
+                              <a:latin typeface="Cambria Math" panose="02040503050406030204" pitchFamily="18" charset="0"/>
+                            </a:rPr>
+                            <m:t>𝑚</m:t>
+                          </m:r>
+                          <m:r>
+                            <a:rPr lang="ru-RU" i="0">
+                              <a:latin typeface="Cambria Math" panose="02040503050406030204" pitchFamily="18" charset="0"/>
+                            </a:rPr>
+                            <m:t>=0</m:t>
+                          </m:r>
+                        </m:sub>
+                        <m:sup>
+                          <m:r>
+                            <a:rPr lang="ru-RU" i="1">
+                              <a:latin typeface="Cambria Math" panose="02040503050406030204" pitchFamily="18" charset="0"/>
+                            </a:rPr>
+                            <m:t>𝑁</m:t>
+                          </m:r>
+                          <m:r>
+                            <a:rPr lang="ru-RU" i="0">
+                              <a:latin typeface="Cambria Math" panose="02040503050406030204" pitchFamily="18" charset="0"/>
+                            </a:rPr>
+                            <m:t>−1</m:t>
+                          </m:r>
+                        </m:sup>
+                        <m:e>
+                          <m:d>
+                            <m:dPr>
+                              <m:ctrlPr>
+                                <a:rPr lang="ru-RU" i="1">
+                                  <a:latin typeface="Cambria Math" panose="02040503050406030204" pitchFamily="18" charset="0"/>
+                                </a:rPr>
+                              </m:ctrlPr>
+                            </m:dPr>
+                            <m:e>
+                              <m:r>
+                                <a:rPr lang="ru-RU" i="1">
+                                  <a:latin typeface="Cambria Math" panose="02040503050406030204" pitchFamily="18" charset="0"/>
+                                </a:rPr>
+                                <m:t>𝑛𝑓</m:t>
+                              </m:r>
+                              <m:d>
+                                <m:dPr>
+                                  <m:begChr m:val="["/>
+                                  <m:endChr m:val="]"/>
+                                  <m:ctrlPr>
+                                    <a:rPr lang="ru-RU" i="1">
+                                      <a:latin typeface="Cambria Math" panose="02040503050406030204" pitchFamily="18" charset="0"/>
+                                    </a:rPr>
+                                  </m:ctrlPr>
+                                </m:dPr>
+                                <m:e>
+                                  <m:r>
+                                    <a:rPr lang="ru-RU" i="1">
+                                      <a:latin typeface="Cambria Math" panose="02040503050406030204" pitchFamily="18" charset="0"/>
+                                    </a:rPr>
+                                    <m:t>𝑚</m:t>
+                                  </m:r>
+                                </m:e>
+                              </m:d>
+                              <m:sSup>
+                                <m:sSupPr>
+                                  <m:ctrlPr>
+                                    <a:rPr lang="ru-RU" i="1">
+                                      <a:latin typeface="Cambria Math" panose="02040503050406030204" pitchFamily="18" charset="0"/>
+                                    </a:rPr>
+                                  </m:ctrlPr>
+                                </m:sSupPr>
+                                <m:e>
+                                  <m:r>
+                                    <a:rPr lang="ru-RU" i="0">
+                                      <a:latin typeface="Cambria Math" panose="02040503050406030204" pitchFamily="18" charset="0"/>
+                                    </a:rPr>
+                                    <m:t>∙</m:t>
+                                  </m:r>
+                                  <m:r>
+                                    <a:rPr lang="ru-RU" i="1">
+                                      <a:latin typeface="Cambria Math" panose="02040503050406030204" pitchFamily="18" charset="0"/>
+                                    </a:rPr>
+                                    <m:t>𝑥𝑓</m:t>
+                                  </m:r>
+                                </m:e>
+                                <m:sup>
+                                  <m:r>
+                                    <a:rPr lang="ru-RU" i="0">
+                                      <a:latin typeface="Cambria Math" panose="02040503050406030204" pitchFamily="18" charset="0"/>
+                                    </a:rPr>
+                                    <m:t>∗</m:t>
+                                  </m:r>
+                                </m:sup>
+                              </m:sSup>
+                              <m:d>
+                                <m:dPr>
+                                  <m:begChr m:val="["/>
+                                  <m:endChr m:val="]"/>
+                                  <m:ctrlPr>
+                                    <a:rPr lang="ru-RU" i="1">
+                                      <a:latin typeface="Cambria Math" panose="02040503050406030204" pitchFamily="18" charset="0"/>
+                                    </a:rPr>
+                                  </m:ctrlPr>
+                                </m:dPr>
+                                <m:e>
+                                  <m:r>
+                                    <a:rPr lang="ru-RU" i="1">
+                                      <a:latin typeface="Cambria Math" panose="02040503050406030204" pitchFamily="18" charset="0"/>
+                                    </a:rPr>
+                                    <m:t>𝑚</m:t>
+                                  </m:r>
+                                </m:e>
+                              </m:d>
+                              <m:sSup>
+                                <m:sSupPr>
+                                  <m:ctrlPr>
+                                    <a:rPr lang="ru-RU" i="1">
+                                      <a:latin typeface="Cambria Math" panose="02040503050406030204" pitchFamily="18" charset="0"/>
+                                    </a:rPr>
+                                  </m:ctrlPr>
+                                </m:sSupPr>
+                                <m:e>
+                                  <m:r>
+                                    <a:rPr lang="ru-RU" i="0">
+                                      <a:latin typeface="Cambria Math" panose="02040503050406030204" pitchFamily="18" charset="0"/>
+                                    </a:rPr>
+                                    <m:t>∙</m:t>
+                                  </m:r>
+                                  <m:r>
+                                    <a:rPr lang="ru-RU" i="1">
+                                      <a:latin typeface="Cambria Math" panose="02040503050406030204" pitchFamily="18" charset="0"/>
+                                    </a:rPr>
+                                    <m:t>𝑒</m:t>
+                                  </m:r>
+                                </m:e>
+                                <m:sup>
+                                  <m:r>
+                                    <a:rPr lang="ru-RU" i="0">
+                                      <a:latin typeface="Cambria Math" panose="02040503050406030204" pitchFamily="18" charset="0"/>
+                                    </a:rPr>
+                                    <m:t>−</m:t>
+                                  </m:r>
+                                  <m:r>
+                                    <a:rPr lang="ru-RU" i="1">
+                                      <a:latin typeface="Cambria Math" panose="02040503050406030204" pitchFamily="18" charset="0"/>
+                                    </a:rPr>
+                                    <m:t>𝑗</m:t>
+                                  </m:r>
+                                  <m:f>
+                                    <m:fPr>
+                                      <m:ctrlPr>
+                                        <a:rPr lang="ru-RU" i="1">
+                                          <a:latin typeface="Cambria Math" panose="02040503050406030204" pitchFamily="18" charset="0"/>
+                                        </a:rPr>
+                                      </m:ctrlPr>
+                                    </m:fPr>
+                                    <m:num>
+                                      <m:r>
+                                        <a:rPr lang="ru-RU" i="0">
+                                          <a:latin typeface="Cambria Math" panose="02040503050406030204" pitchFamily="18" charset="0"/>
+                                        </a:rPr>
+                                        <m:t>2</m:t>
+                                      </m:r>
+                                      <m:r>
+                                        <a:rPr lang="ru-RU" i="1">
+                                          <a:latin typeface="Cambria Math" panose="02040503050406030204" pitchFamily="18" charset="0"/>
+                                        </a:rPr>
+                                        <m:t>𝜋</m:t>
+                                      </m:r>
+                                    </m:num>
+                                    <m:den>
+                                      <m:r>
+                                        <a:rPr lang="ru-RU" i="1">
+                                          <a:latin typeface="Cambria Math" panose="02040503050406030204" pitchFamily="18" charset="0"/>
+                                        </a:rPr>
+                                        <m:t>𝑁</m:t>
+                                      </m:r>
+                                    </m:den>
+                                  </m:f>
+                                  <m:sSub>
+                                    <m:sSubPr>
+                                      <m:ctrlPr>
+                                        <a:rPr lang="ru-RU" i="1">
+                                          <a:latin typeface="Cambria Math" panose="02040503050406030204" pitchFamily="18" charset="0"/>
+                                        </a:rPr>
+                                      </m:ctrlPr>
+                                    </m:sSubPr>
+                                    <m:e>
+                                      <m:r>
+                                        <a:rPr lang="ru-RU" i="1">
+                                          <a:latin typeface="Cambria Math" panose="02040503050406030204" pitchFamily="18" charset="0"/>
+                                        </a:rPr>
+                                        <m:t>𝑘</m:t>
+                                      </m:r>
+                                    </m:e>
+                                    <m:sub>
+                                      <m:r>
+                                        <a:rPr lang="ru-RU" i="0">
+                                          <a:latin typeface="Cambria Math" panose="02040503050406030204" pitchFamily="18" charset="0"/>
+                                        </a:rPr>
+                                        <m:t>0</m:t>
+                                      </m:r>
+                                    </m:sub>
+                                  </m:sSub>
+                                  <m:r>
+                                    <a:rPr lang="ru-RU" i="1">
+                                      <a:latin typeface="Cambria Math" panose="02040503050406030204" pitchFamily="18" charset="0"/>
+                                    </a:rPr>
+                                    <m:t>𝑚</m:t>
+                                  </m:r>
+                                </m:sup>
+                              </m:sSup>
+                            </m:e>
+                          </m:d>
+                          <m:sSup>
+                            <m:sSupPr>
+                              <m:ctrlPr>
+                                <a:rPr lang="ru-RU" i="1">
+                                  <a:latin typeface="Cambria Math" panose="02040503050406030204" pitchFamily="18" charset="0"/>
+                                </a:rPr>
+                              </m:ctrlPr>
+                            </m:sSupPr>
+                            <m:e>
+                              <m:r>
+                                <a:rPr lang="ru-RU" i="0">
+                                  <a:latin typeface="Cambria Math" panose="02040503050406030204" pitchFamily="18" charset="0"/>
+                                </a:rPr>
+                                <m:t>∙</m:t>
+                              </m:r>
+                              <m:r>
+                                <a:rPr lang="ru-RU" i="1">
+                                  <a:latin typeface="Cambria Math" panose="02040503050406030204" pitchFamily="18" charset="0"/>
+                                </a:rPr>
+                                <m:t>𝑒</m:t>
+                              </m:r>
+                            </m:e>
+                            <m:sup>
+                              <m:r>
+                                <a:rPr lang="ru-RU" i="1">
+                                  <a:latin typeface="Cambria Math" panose="02040503050406030204" pitchFamily="18" charset="0"/>
+                                </a:rPr>
+                                <m:t>𝑗</m:t>
+                              </m:r>
+                              <m:f>
+                                <m:fPr>
+                                  <m:ctrlPr>
+                                    <a:rPr lang="ru-RU" i="1">
+                                      <a:latin typeface="Cambria Math" panose="02040503050406030204" pitchFamily="18" charset="0"/>
+                                    </a:rPr>
+                                  </m:ctrlPr>
+                                </m:fPr>
+                                <m:num>
+                                  <m:r>
+                                    <a:rPr lang="ru-RU" i="0">
+                                      <a:latin typeface="Cambria Math" panose="02040503050406030204" pitchFamily="18" charset="0"/>
+                                    </a:rPr>
+                                    <m:t>2</m:t>
+                                  </m:r>
+                                  <m:r>
+                                    <a:rPr lang="ru-RU" i="1">
+                                      <a:latin typeface="Cambria Math" panose="02040503050406030204" pitchFamily="18" charset="0"/>
+                                    </a:rPr>
+                                    <m:t>𝜋</m:t>
+                                  </m:r>
+                                </m:num>
+                                <m:den>
+                                  <m:r>
+                                    <a:rPr lang="ru-RU" i="1">
+                                      <a:latin typeface="Cambria Math" panose="02040503050406030204" pitchFamily="18" charset="0"/>
+                                    </a:rPr>
+                                    <m:t>𝑁</m:t>
+                                  </m:r>
+                                </m:den>
+                              </m:f>
+                              <m:sSub>
+                                <m:sSubPr>
+                                  <m:ctrlPr>
+                                    <a:rPr lang="ru-RU" i="1">
+                                      <a:latin typeface="Cambria Math" panose="02040503050406030204" pitchFamily="18" charset="0"/>
+                                    </a:rPr>
+                                  </m:ctrlPr>
+                                </m:sSubPr>
+                                <m:e>
+                                  <m:r>
+                                    <a:rPr lang="ru-RU" i="1">
+                                      <a:latin typeface="Cambria Math" panose="02040503050406030204" pitchFamily="18" charset="0"/>
+                                    </a:rPr>
+                                    <m:t>𝑘</m:t>
+                                  </m:r>
+                                </m:e>
+                                <m:sub>
+                                  <m:r>
+                                    <a:rPr lang="ru-RU">
+                                      <a:latin typeface="Cambria Math" panose="02040503050406030204" pitchFamily="18" charset="0"/>
+                                    </a:rPr>
+                                    <m:t>0</m:t>
+                                  </m:r>
+                                </m:sub>
+                              </m:sSub>
+                              <m:r>
+                                <a:rPr lang="ru-RU" i="1">
+                                  <a:latin typeface="Cambria Math" panose="02040503050406030204" pitchFamily="18" charset="0"/>
+                                </a:rPr>
+                                <m:t>𝑚</m:t>
+                              </m:r>
+                            </m:sup>
+                          </m:sSup>
+                          <m:r>
+                            <a:rPr lang="ru-RU" i="0">
+                              <a:latin typeface="Cambria Math" panose="02040503050406030204" pitchFamily="18" charset="0"/>
+                            </a:rPr>
+                            <m:t>=</m:t>
+                          </m:r>
+                          <m:f>
+                            <m:fPr>
+                              <m:ctrlPr>
+                                <a:rPr lang="ru-RU" i="1">
+                                  <a:latin typeface="Cambria Math" panose="02040503050406030204" pitchFamily="18" charset="0"/>
+                                </a:rPr>
+                              </m:ctrlPr>
+                            </m:fPr>
+                            <m:num>
+                              <m:r>
+                                <a:rPr lang="ru-RU" i="0">
+                                  <a:latin typeface="Cambria Math" panose="02040503050406030204" pitchFamily="18" charset="0"/>
+                                </a:rPr>
+                                <m:t>1</m:t>
+                              </m:r>
+                            </m:num>
+                            <m:den>
+                              <m:r>
+                                <a:rPr lang="ru-RU" i="1">
+                                  <a:latin typeface="Cambria Math" panose="02040503050406030204" pitchFamily="18" charset="0"/>
+                                </a:rPr>
+                                <m:t>𝑁</m:t>
+                              </m:r>
+                            </m:den>
+                          </m:f>
+                          <m:nary>
+                            <m:naryPr>
+                              <m:chr m:val="∑"/>
+                              <m:limLoc m:val="undOvr"/>
+                              <m:ctrlPr>
+                                <a:rPr lang="ru-RU" i="1">
+                                  <a:latin typeface="Cambria Math" panose="02040503050406030204" pitchFamily="18" charset="0"/>
+                                </a:rPr>
+                              </m:ctrlPr>
+                            </m:naryPr>
+                            <m:sub>
+                              <m:r>
+                                <a:rPr lang="ru-RU" i="1">
+                                  <a:latin typeface="Cambria Math" panose="02040503050406030204" pitchFamily="18" charset="0"/>
+                                </a:rPr>
+                                <m:t>𝑚</m:t>
+                              </m:r>
+                              <m:r>
+                                <a:rPr lang="ru-RU" i="0">
+                                  <a:latin typeface="Cambria Math" panose="02040503050406030204" pitchFamily="18" charset="0"/>
+                                </a:rPr>
+                                <m:t>=0</m:t>
+                              </m:r>
+                            </m:sub>
+                            <m:sup>
+                              <m:r>
+                                <a:rPr lang="ru-RU" i="1">
+                                  <a:latin typeface="Cambria Math" panose="02040503050406030204" pitchFamily="18" charset="0"/>
+                                </a:rPr>
+                                <m:t>𝑁</m:t>
+                              </m:r>
+                              <m:r>
+                                <a:rPr lang="ru-RU" i="0">
+                                  <a:latin typeface="Cambria Math" panose="02040503050406030204" pitchFamily="18" charset="0"/>
+                                </a:rPr>
+                                <m:t>−1</m:t>
+                              </m:r>
+                            </m:sup>
+                            <m:e>
+                              <m:r>
+                                <a:rPr lang="ru-RU" i="1">
+                                  <a:latin typeface="Cambria Math" panose="02040503050406030204" pitchFamily="18" charset="0"/>
+                                </a:rPr>
+                                <m:t>𝑛𝑓</m:t>
+                              </m:r>
+                              <m:d>
+                                <m:dPr>
+                                  <m:begChr m:val="["/>
+                                  <m:endChr m:val="]"/>
+                                  <m:ctrlPr>
+                                    <a:rPr lang="ru-RU" i="1">
+                                      <a:latin typeface="Cambria Math" panose="02040503050406030204" pitchFamily="18" charset="0"/>
+                                    </a:rPr>
+                                  </m:ctrlPr>
+                                </m:dPr>
+                                <m:e>
+                                  <m:r>
+                                    <a:rPr lang="ru-RU" i="1">
+                                      <a:latin typeface="Cambria Math" panose="02040503050406030204" pitchFamily="18" charset="0"/>
+                                    </a:rPr>
+                                    <m:t>𝑚</m:t>
+                                  </m:r>
+                                </m:e>
+                              </m:d>
+                              <m:sSup>
+                                <m:sSupPr>
+                                  <m:ctrlPr>
+                                    <a:rPr lang="ru-RU" i="1">
+                                      <a:latin typeface="Cambria Math" panose="02040503050406030204" pitchFamily="18" charset="0"/>
+                                    </a:rPr>
+                                  </m:ctrlPr>
+                                </m:sSupPr>
+                                <m:e>
+                                  <m:r>
+                                    <a:rPr lang="ru-RU" i="0">
+                                      <a:latin typeface="Cambria Math" panose="02040503050406030204" pitchFamily="18" charset="0"/>
+                                    </a:rPr>
+                                    <m:t>∙</m:t>
+                                  </m:r>
+                                  <m:r>
+                                    <a:rPr lang="ru-RU" i="1">
+                                      <a:latin typeface="Cambria Math" panose="02040503050406030204" pitchFamily="18" charset="0"/>
+                                    </a:rPr>
+                                    <m:t>𝑥𝑓</m:t>
+                                  </m:r>
+                                </m:e>
+                                <m:sup>
+                                  <m:r>
+                                    <a:rPr lang="ru-RU" i="0">
+                                      <a:latin typeface="Cambria Math" panose="02040503050406030204" pitchFamily="18" charset="0"/>
+                                    </a:rPr>
+                                    <m:t>∗</m:t>
+                                  </m:r>
+                                </m:sup>
+                              </m:sSup>
+                              <m:d>
+                                <m:dPr>
+                                  <m:begChr m:val="["/>
+                                  <m:endChr m:val="]"/>
+                                  <m:ctrlPr>
+                                    <a:rPr lang="ru-RU" i="1">
+                                      <a:latin typeface="Cambria Math" panose="02040503050406030204" pitchFamily="18" charset="0"/>
+                                    </a:rPr>
+                                  </m:ctrlPr>
+                                </m:dPr>
+                                <m:e>
+                                  <m:r>
+                                    <a:rPr lang="ru-RU" i="1">
+                                      <a:latin typeface="Cambria Math" panose="02040503050406030204" pitchFamily="18" charset="0"/>
+                                    </a:rPr>
+                                    <m:t>𝑚</m:t>
+                                  </m:r>
+                                </m:e>
+                              </m:d>
+                              <m:r>
+                                <a:rPr lang="ru-RU">
+                                  <a:latin typeface="Cambria Math" panose="02040503050406030204" pitchFamily="18" charset="0"/>
+                                </a:rPr>
+                                <m:t>=</m:t>
+                              </m:r>
+                              <m:nary>
+                                <m:naryPr>
+                                  <m:chr m:val="∑"/>
+                                  <m:limLoc m:val="undOvr"/>
+                                  <m:ctrlPr>
+                                    <a:rPr lang="ru-RU" i="1">
+                                      <a:latin typeface="Cambria Math" panose="02040503050406030204" pitchFamily="18" charset="0"/>
+                                    </a:rPr>
+                                  </m:ctrlPr>
+                                </m:naryPr>
+                                <m:sub>
+                                  <m:r>
+                                    <a:rPr lang="en-US" b="0" i="1" smtClean="0">
+                                      <a:latin typeface="Cambria Math" panose="02040503050406030204" pitchFamily="18" charset="0"/>
+                                    </a:rPr>
+                                    <m:t>𝑘</m:t>
+                                  </m:r>
+                                  <m:r>
+                                    <a:rPr lang="ru-RU">
+                                      <a:latin typeface="Cambria Math" panose="02040503050406030204" pitchFamily="18" charset="0"/>
+                                    </a:rPr>
+                                    <m:t>=0</m:t>
+                                  </m:r>
+                                </m:sub>
+                                <m:sup>
+                                  <m:r>
+                                    <a:rPr lang="ru-RU" i="1">
+                                      <a:latin typeface="Cambria Math" panose="02040503050406030204" pitchFamily="18" charset="0"/>
+                                    </a:rPr>
+                                    <m:t>𝑁</m:t>
+                                  </m:r>
+                                  <m:r>
+                                    <a:rPr lang="ru-RU">
+                                      <a:latin typeface="Cambria Math" panose="02040503050406030204" pitchFamily="18" charset="0"/>
+                                    </a:rPr>
+                                    <m:t>−1</m:t>
+                                  </m:r>
+                                </m:sup>
+                                <m:e>
+                                  <m:r>
+                                    <a:rPr lang="ru-RU" i="1">
+                                      <a:latin typeface="Cambria Math" panose="02040503050406030204" pitchFamily="18" charset="0"/>
+                                    </a:rPr>
+                                    <m:t>𝑛</m:t>
+                                  </m:r>
+                                  <m:d>
+                                    <m:dPr>
+                                      <m:begChr m:val="["/>
+                                      <m:endChr m:val="]"/>
+                                      <m:ctrlPr>
+                                        <a:rPr lang="ru-RU" i="1">
+                                          <a:latin typeface="Cambria Math" panose="02040503050406030204" pitchFamily="18" charset="0"/>
+                                        </a:rPr>
+                                      </m:ctrlPr>
+                                    </m:dPr>
+                                    <m:e>
+                                      <m:r>
+                                        <a:rPr lang="en-US" b="0" i="1" smtClean="0">
+                                          <a:latin typeface="Cambria Math" panose="02040503050406030204" pitchFamily="18" charset="0"/>
+                                        </a:rPr>
+                                        <m:t>𝑘</m:t>
+                                      </m:r>
+                                    </m:e>
+                                  </m:d>
+                                  <m:sSup>
+                                    <m:sSupPr>
+                                      <m:ctrlPr>
+                                        <a:rPr lang="ru-RU" i="1">
+                                          <a:latin typeface="Cambria Math" panose="02040503050406030204" pitchFamily="18" charset="0"/>
+                                        </a:rPr>
+                                      </m:ctrlPr>
+                                    </m:sSupPr>
+                                    <m:e>
+                                      <m:r>
+                                        <a:rPr lang="ru-RU">
+                                          <a:latin typeface="Cambria Math" panose="02040503050406030204" pitchFamily="18" charset="0"/>
+                                        </a:rPr>
+                                        <m:t>∙</m:t>
+                                      </m:r>
+                                      <m:r>
+                                        <a:rPr lang="ru-RU" i="1">
+                                          <a:latin typeface="Cambria Math" panose="02040503050406030204" pitchFamily="18" charset="0"/>
+                                        </a:rPr>
+                                        <m:t>𝑥</m:t>
+                                      </m:r>
+                                    </m:e>
+                                    <m:sup>
+                                      <m:r>
+                                        <a:rPr lang="ru-RU">
+                                          <a:latin typeface="Cambria Math" panose="02040503050406030204" pitchFamily="18" charset="0"/>
+                                        </a:rPr>
+                                        <m:t>∗</m:t>
+                                      </m:r>
+                                    </m:sup>
+                                  </m:sSup>
+                                  <m:d>
+                                    <m:dPr>
+                                      <m:begChr m:val="["/>
+                                      <m:endChr m:val="]"/>
+                                      <m:ctrlPr>
+                                        <a:rPr lang="ru-RU" i="1">
+                                          <a:latin typeface="Cambria Math" panose="02040503050406030204" pitchFamily="18" charset="0"/>
+                                        </a:rPr>
+                                      </m:ctrlPr>
+                                    </m:dPr>
+                                    <m:e>
+                                      <m:r>
+                                        <a:rPr lang="en-US" b="0" i="1" smtClean="0">
+                                          <a:latin typeface="Cambria Math" panose="02040503050406030204" pitchFamily="18" charset="0"/>
+                                        </a:rPr>
+                                        <m:t>𝑘</m:t>
+                                      </m:r>
+                                    </m:e>
+                                  </m:d>
+                                </m:e>
+                              </m:nary>
+                            </m:e>
+                          </m:nary>
+                        </m:e>
+                      </m:nary>
+                    </m:oMath>
+                  </m:oMathPara>
+                </a14:m>
+                <a:endParaRPr lang="ru-RU" dirty="0"/>
+              </a:p>
+            </p:txBody>
+          </p:sp>
+        </mc:Choice>
+        <mc:Fallback>
+          <p:sp>
+            <p:nvSpPr>
+              <p:cNvPr id="5" name="Прямоугольник 4"/>
+              <p:cNvSpPr>
+                <a:spLocks noRot="1" noChangeAspect="1" noMove="1" noResize="1" noEditPoints="1" noAdjustHandles="1" noChangeArrowheads="1" noChangeShapeType="1" noTextEdit="1"/>
+              </p:cNvSpPr>
+              <p:nvPr/>
+            </p:nvSpPr>
+            <p:spPr>
+              <a:xfrm>
+                <a:off x="1462315" y="2742820"/>
+                <a:ext cx="9796462" cy="871457"/>
+              </a:xfrm>
+              <a:prstGeom prst="rect">
+                <a:avLst/>
+              </a:prstGeom>
+              <a:blipFill>
+                <a:blip r:embed="rId16"/>
+                <a:stretch>
+                  <a:fillRect/>
+                </a:stretch>
+              </a:blipFill>
+            </p:spPr>
+            <p:txBody>
+              <a:bodyPr/>
+              <a:lstStyle/>
+              <a:p>
+                <a:r>
+                  <a:rPr lang="ru-RU">
+                    <a:noFill/>
+                  </a:rPr>
+                  <a:t> </a:t>
+                </a:r>
+              </a:p>
+            </p:txBody>
+          </p:sp>
+        </mc:Fallback>
+      </mc:AlternateContent>
+      <mc:AlternateContent xmlns:mc="http://schemas.openxmlformats.org/markup-compatibility/2006">
+        <mc:Choice xmlns:a14="http://schemas.microsoft.com/office/drawing/2010/main" Requires="a14">
+          <p:sp>
+            <p:nvSpPr>
+              <p:cNvPr id="11" name="Прямоугольник 10"/>
+              <p:cNvSpPr/>
+              <p:nvPr/>
+            </p:nvSpPr>
+            <p:spPr>
+              <a:xfrm>
+                <a:off x="1232205" y="3598638"/>
+                <a:ext cx="10340670" cy="976614"/>
+              </a:xfrm>
+              <a:prstGeom prst="rect">
+                <a:avLst/>
+              </a:prstGeom>
+            </p:spPr>
+            <p:txBody>
+              <a:bodyPr wrap="square">
+                <a:spAutoFit/>
+              </a:bodyPr>
+              <a:lstStyle/>
+              <a:p>
+                <a14:m>
+                  <m:oMathPara xmlns:m="http://schemas.openxmlformats.org/officeDocument/2006/math">
+                    <m:oMathParaPr>
+                      <m:jc m:val="centerGroup"/>
+                    </m:oMathParaPr>
+                    <m:oMath xmlns:m="http://schemas.openxmlformats.org/officeDocument/2006/math">
+                      <m:r>
+                        <a:rPr lang="ru-RU" i="1">
+                          <a:latin typeface="Cambria Math" panose="02040503050406030204" pitchFamily="18" charset="0"/>
+                        </a:rPr>
+                        <m:t>𝐸</m:t>
+                      </m:r>
+                      <m:d>
+                        <m:dPr>
+                          <m:begChr m:val="{"/>
+                          <m:endChr m:val="}"/>
+                          <m:ctrlPr>
+                            <a:rPr lang="ru-RU" i="1">
+                              <a:latin typeface="Cambria Math" panose="02040503050406030204" pitchFamily="18" charset="0"/>
+                            </a:rPr>
+                          </m:ctrlPr>
+                        </m:dPr>
+                        <m:e>
+                          <m:sSup>
+                            <m:sSupPr>
+                              <m:ctrlPr>
+                                <a:rPr lang="ru-RU" i="1">
+                                  <a:latin typeface="Cambria Math" panose="02040503050406030204" pitchFamily="18" charset="0"/>
+                                </a:rPr>
+                              </m:ctrlPr>
+                            </m:sSupPr>
+                            <m:e>
+                              <m:d>
+                                <m:dPr>
+                                  <m:begChr m:val="|"/>
+                                  <m:endChr m:val="|"/>
+                                  <m:ctrlPr>
+                                    <a:rPr lang="ru-RU" i="1">
+                                      <a:latin typeface="Cambria Math" panose="02040503050406030204" pitchFamily="18" charset="0"/>
+                                    </a:rPr>
+                                  </m:ctrlPr>
+                                </m:dPr>
+                                <m:e>
+                                  <m:sSub>
+                                    <m:sSubPr>
+                                      <m:ctrlPr>
+                                        <a:rPr lang="ru-RU" i="1">
+                                          <a:latin typeface="Cambria Math" panose="02040503050406030204" pitchFamily="18" charset="0"/>
+                                        </a:rPr>
+                                      </m:ctrlPr>
+                                    </m:sSubPr>
+                                    <m:e>
+                                      <m:r>
+                                        <a:rPr lang="ru-RU" i="1">
+                                          <a:latin typeface="Cambria Math" panose="02040503050406030204" pitchFamily="18" charset="0"/>
+                                        </a:rPr>
+                                        <m:t>𝑦</m:t>
+                                      </m:r>
+                                    </m:e>
+                                    <m:sub>
+                                      <m:r>
+                                        <a:rPr lang="ru-RU" i="1">
+                                          <a:latin typeface="Cambria Math" panose="02040503050406030204" pitchFamily="18" charset="0"/>
+                                        </a:rPr>
+                                        <m:t>𝑛</m:t>
+                                      </m:r>
+                                    </m:sub>
+                                  </m:sSub>
+                                </m:e>
+                              </m:d>
+                            </m:e>
+                            <m:sup>
+                              <m:r>
+                                <a:rPr lang="ru-RU" i="0">
+                                  <a:latin typeface="Cambria Math" panose="02040503050406030204" pitchFamily="18" charset="0"/>
+                                </a:rPr>
+                                <m:t>2</m:t>
+                              </m:r>
+                            </m:sup>
+                          </m:sSup>
+                        </m:e>
+                      </m:d>
+                      <m:r>
+                        <a:rPr lang="ru-RU" i="0">
+                          <a:latin typeface="Cambria Math" panose="02040503050406030204" pitchFamily="18" charset="0"/>
+                        </a:rPr>
+                        <m:t>=</m:t>
+                      </m:r>
+                      <m:r>
+                        <a:rPr lang="ru-RU" i="1">
+                          <a:latin typeface="Cambria Math" panose="02040503050406030204" pitchFamily="18" charset="0"/>
+                        </a:rPr>
+                        <m:t>𝐸</m:t>
+                      </m:r>
+                      <m:d>
+                        <m:dPr>
+                          <m:begChr m:val="{"/>
+                          <m:endChr m:val="}"/>
+                          <m:ctrlPr>
+                            <a:rPr lang="ru-RU" i="1">
+                              <a:latin typeface="Cambria Math" panose="02040503050406030204" pitchFamily="18" charset="0"/>
+                            </a:rPr>
+                          </m:ctrlPr>
+                        </m:dPr>
+                        <m:e>
+                          <m:nary>
+                            <m:naryPr>
+                              <m:chr m:val="∑"/>
+                              <m:limLoc m:val="undOvr"/>
+                              <m:ctrlPr>
+                                <a:rPr lang="ru-RU" i="1">
+                                  <a:latin typeface="Cambria Math" panose="02040503050406030204" pitchFamily="18" charset="0"/>
+                                </a:rPr>
+                              </m:ctrlPr>
+                            </m:naryPr>
+                            <m:sub>
+                              <m:sSub>
+                                <m:sSubPr>
+                                  <m:ctrlPr>
+                                    <a:rPr lang="ru-RU" i="1">
+                                      <a:latin typeface="Cambria Math" panose="02040503050406030204" pitchFamily="18" charset="0"/>
+                                    </a:rPr>
+                                  </m:ctrlPr>
+                                </m:sSubPr>
+                                <m:e>
+                                  <m:r>
+                                    <a:rPr lang="ru-RU" i="1">
+                                      <a:latin typeface="Cambria Math" panose="02040503050406030204" pitchFamily="18" charset="0"/>
+                                    </a:rPr>
+                                    <m:t>𝑘</m:t>
+                                  </m:r>
+                                </m:e>
+                                <m:sub>
+                                  <m:r>
+                                    <a:rPr lang="ru-RU" i="0">
+                                      <a:latin typeface="Cambria Math" panose="02040503050406030204" pitchFamily="18" charset="0"/>
+                                    </a:rPr>
+                                    <m:t>1</m:t>
+                                  </m:r>
+                                </m:sub>
+                              </m:sSub>
+                              <m:r>
+                                <a:rPr lang="ru-RU" i="0">
+                                  <a:latin typeface="Cambria Math" panose="02040503050406030204" pitchFamily="18" charset="0"/>
+                                </a:rPr>
+                                <m:t>=0</m:t>
+                              </m:r>
+                            </m:sub>
+                            <m:sup>
+                              <m:r>
+                                <a:rPr lang="ru-RU" i="1">
+                                  <a:latin typeface="Cambria Math" panose="02040503050406030204" pitchFamily="18" charset="0"/>
+                                </a:rPr>
+                                <m:t>𝑁</m:t>
+                              </m:r>
+                              <m:r>
+                                <a:rPr lang="ru-RU" i="0">
+                                  <a:latin typeface="Cambria Math" panose="02040503050406030204" pitchFamily="18" charset="0"/>
+                                </a:rPr>
+                                <m:t>−1</m:t>
+                              </m:r>
+                            </m:sup>
+                            <m:e>
+                              <m:r>
+                                <a:rPr lang="ru-RU" i="1">
+                                  <a:latin typeface="Cambria Math" panose="02040503050406030204" pitchFamily="18" charset="0"/>
+                                </a:rPr>
+                                <m:t>𝑛</m:t>
+                              </m:r>
+                              <m:d>
+                                <m:dPr>
+                                  <m:begChr m:val="["/>
+                                  <m:endChr m:val="]"/>
+                                  <m:ctrlPr>
+                                    <a:rPr lang="ru-RU" i="1">
+                                      <a:latin typeface="Cambria Math" panose="02040503050406030204" pitchFamily="18" charset="0"/>
+                                    </a:rPr>
+                                  </m:ctrlPr>
+                                </m:dPr>
+                                <m:e>
+                                  <m:sSub>
+                                    <m:sSubPr>
+                                      <m:ctrlPr>
+                                        <a:rPr lang="ru-RU" i="1">
+                                          <a:latin typeface="Cambria Math" panose="02040503050406030204" pitchFamily="18" charset="0"/>
+                                        </a:rPr>
+                                      </m:ctrlPr>
+                                    </m:sSubPr>
+                                    <m:e>
+                                      <m:r>
+                                        <a:rPr lang="ru-RU" i="1">
+                                          <a:latin typeface="Cambria Math" panose="02040503050406030204" pitchFamily="18" charset="0"/>
+                                        </a:rPr>
+                                        <m:t>𝑘</m:t>
+                                      </m:r>
+                                    </m:e>
+                                    <m:sub>
+                                      <m:r>
+                                        <a:rPr lang="ru-RU" i="0">
+                                          <a:latin typeface="Cambria Math" panose="02040503050406030204" pitchFamily="18" charset="0"/>
+                                        </a:rPr>
+                                        <m:t>1</m:t>
+                                      </m:r>
+                                    </m:sub>
+                                  </m:sSub>
+                                </m:e>
+                              </m:d>
+                            </m:e>
+                          </m:nary>
+                          <m:r>
+                            <a:rPr lang="ru-RU" i="0">
+                              <a:latin typeface="Cambria Math" panose="02040503050406030204" pitchFamily="18" charset="0"/>
+                            </a:rPr>
+                            <m:t>∙</m:t>
+                          </m:r>
+                          <m:sSup>
+                            <m:sSupPr>
+                              <m:ctrlPr>
+                                <a:rPr lang="ru-RU" i="1">
+                                  <a:latin typeface="Cambria Math" panose="02040503050406030204" pitchFamily="18" charset="0"/>
+                                </a:rPr>
+                              </m:ctrlPr>
+                            </m:sSupPr>
+                            <m:e>
+                              <m:r>
+                                <a:rPr lang="ru-RU" i="1">
+                                  <a:latin typeface="Cambria Math" panose="02040503050406030204" pitchFamily="18" charset="0"/>
+                                </a:rPr>
+                                <m:t>𝑥</m:t>
+                              </m:r>
+                            </m:e>
+                            <m:sup>
+                              <m:r>
+                                <a:rPr lang="ru-RU" i="0">
+                                  <a:latin typeface="Cambria Math" panose="02040503050406030204" pitchFamily="18" charset="0"/>
+                                </a:rPr>
+                                <m:t>∗</m:t>
+                              </m:r>
+                            </m:sup>
+                          </m:sSup>
+                          <m:d>
+                            <m:dPr>
+                              <m:begChr m:val="["/>
+                              <m:endChr m:val="]"/>
+                              <m:ctrlPr>
+                                <a:rPr lang="ru-RU" i="1">
+                                  <a:latin typeface="Cambria Math" panose="02040503050406030204" pitchFamily="18" charset="0"/>
+                                </a:rPr>
+                              </m:ctrlPr>
+                            </m:dPr>
+                            <m:e>
+                              <m:sSub>
+                                <m:sSubPr>
+                                  <m:ctrlPr>
+                                    <a:rPr lang="ru-RU" i="1">
+                                      <a:latin typeface="Cambria Math" panose="02040503050406030204" pitchFamily="18" charset="0"/>
+                                    </a:rPr>
+                                  </m:ctrlPr>
+                                </m:sSubPr>
+                                <m:e>
+                                  <m:r>
+                                    <a:rPr lang="ru-RU" i="1">
+                                      <a:latin typeface="Cambria Math" panose="02040503050406030204" pitchFamily="18" charset="0"/>
+                                    </a:rPr>
+                                    <m:t>𝑘</m:t>
+                                  </m:r>
+                                </m:e>
+                                <m:sub>
+                                  <m:r>
+                                    <a:rPr lang="ru-RU" i="0">
+                                      <a:latin typeface="Cambria Math" panose="02040503050406030204" pitchFamily="18" charset="0"/>
+                                    </a:rPr>
+                                    <m:t>1</m:t>
+                                  </m:r>
+                                </m:sub>
+                              </m:sSub>
+                            </m:e>
+                          </m:d>
+                          <m:r>
+                            <a:rPr lang="ru-RU" i="0">
+                              <a:latin typeface="Cambria Math" panose="02040503050406030204" pitchFamily="18" charset="0"/>
+                            </a:rPr>
+                            <m:t>∙</m:t>
+                          </m:r>
+                          <m:nary>
+                            <m:naryPr>
+                              <m:chr m:val="∑"/>
+                              <m:limLoc m:val="undOvr"/>
+                              <m:ctrlPr>
+                                <a:rPr lang="ru-RU" i="1">
+                                  <a:latin typeface="Cambria Math" panose="02040503050406030204" pitchFamily="18" charset="0"/>
+                                </a:rPr>
+                              </m:ctrlPr>
+                            </m:naryPr>
+                            <m:sub>
+                              <m:sSub>
+                                <m:sSubPr>
+                                  <m:ctrlPr>
+                                    <a:rPr lang="ru-RU" i="1">
+                                      <a:latin typeface="Cambria Math" panose="02040503050406030204" pitchFamily="18" charset="0"/>
+                                    </a:rPr>
+                                  </m:ctrlPr>
+                                </m:sSubPr>
+                                <m:e>
+                                  <m:r>
+                                    <a:rPr lang="ru-RU" i="1">
+                                      <a:latin typeface="Cambria Math" panose="02040503050406030204" pitchFamily="18" charset="0"/>
+                                    </a:rPr>
+                                    <m:t>𝑘</m:t>
+                                  </m:r>
+                                </m:e>
+                                <m:sub>
+                                  <m:r>
+                                    <a:rPr lang="ru-RU" i="0">
+                                      <a:latin typeface="Cambria Math" panose="02040503050406030204" pitchFamily="18" charset="0"/>
+                                    </a:rPr>
+                                    <m:t>2</m:t>
+                                  </m:r>
+                                </m:sub>
+                              </m:sSub>
+                              <m:r>
+                                <a:rPr lang="ru-RU" i="0">
+                                  <a:latin typeface="Cambria Math" panose="02040503050406030204" pitchFamily="18" charset="0"/>
+                                </a:rPr>
+                                <m:t>=0</m:t>
+                              </m:r>
+                            </m:sub>
+                            <m:sup>
+                              <m:r>
+                                <a:rPr lang="ru-RU" i="1">
+                                  <a:latin typeface="Cambria Math" panose="02040503050406030204" pitchFamily="18" charset="0"/>
+                                </a:rPr>
+                                <m:t>𝑁</m:t>
+                              </m:r>
+                              <m:r>
+                                <a:rPr lang="ru-RU" i="0">
+                                  <a:latin typeface="Cambria Math" panose="02040503050406030204" pitchFamily="18" charset="0"/>
+                                </a:rPr>
+                                <m:t>−1</m:t>
+                              </m:r>
+                            </m:sup>
+                            <m:e>
+                              <m:r>
+                                <a:rPr lang="ru-RU" i="1">
+                                  <a:latin typeface="Cambria Math" panose="02040503050406030204" pitchFamily="18" charset="0"/>
+                                </a:rPr>
+                                <m:t>𝑛</m:t>
+                              </m:r>
+                              <m:d>
+                                <m:dPr>
+                                  <m:begChr m:val="["/>
+                                  <m:endChr m:val="]"/>
+                                  <m:ctrlPr>
+                                    <a:rPr lang="ru-RU" i="1">
+                                      <a:latin typeface="Cambria Math" panose="02040503050406030204" pitchFamily="18" charset="0"/>
+                                    </a:rPr>
+                                  </m:ctrlPr>
+                                </m:dPr>
+                                <m:e>
+                                  <m:sSub>
+                                    <m:sSubPr>
+                                      <m:ctrlPr>
+                                        <a:rPr lang="ru-RU" i="1">
+                                          <a:latin typeface="Cambria Math" panose="02040503050406030204" pitchFamily="18" charset="0"/>
+                                        </a:rPr>
+                                      </m:ctrlPr>
+                                    </m:sSubPr>
+                                    <m:e>
+                                      <m:r>
+                                        <a:rPr lang="ru-RU" i="1">
+                                          <a:latin typeface="Cambria Math" panose="02040503050406030204" pitchFamily="18" charset="0"/>
+                                        </a:rPr>
+                                        <m:t>𝑘</m:t>
+                                      </m:r>
+                                    </m:e>
+                                    <m:sub>
+                                      <m:r>
+                                        <a:rPr lang="ru-RU" i="0">
+                                          <a:latin typeface="Cambria Math" panose="02040503050406030204" pitchFamily="18" charset="0"/>
+                                        </a:rPr>
+                                        <m:t>2</m:t>
+                                      </m:r>
+                                    </m:sub>
+                                  </m:sSub>
+                                </m:e>
+                              </m:d>
+                            </m:e>
+                          </m:nary>
+                          <m:r>
+                            <a:rPr lang="ru-RU" i="0">
+                              <a:latin typeface="Cambria Math" panose="02040503050406030204" pitchFamily="18" charset="0"/>
+                            </a:rPr>
+                            <m:t>∙</m:t>
+                          </m:r>
+                          <m:sSup>
+                            <m:sSupPr>
+                              <m:ctrlPr>
+                                <a:rPr lang="ru-RU" i="1">
+                                  <a:latin typeface="Cambria Math" panose="02040503050406030204" pitchFamily="18" charset="0"/>
+                                </a:rPr>
+                              </m:ctrlPr>
+                            </m:sSupPr>
+                            <m:e>
+                              <m:r>
+                                <a:rPr lang="ru-RU" i="1">
+                                  <a:latin typeface="Cambria Math" panose="02040503050406030204" pitchFamily="18" charset="0"/>
+                                </a:rPr>
+                                <m:t>𝑥</m:t>
+                              </m:r>
+                            </m:e>
+                            <m:sup>
+                              <m:r>
+                                <a:rPr lang="ru-RU" i="0">
+                                  <a:latin typeface="Cambria Math" panose="02040503050406030204" pitchFamily="18" charset="0"/>
+                                </a:rPr>
+                                <m:t>∗</m:t>
+                              </m:r>
+                            </m:sup>
+                          </m:sSup>
+                          <m:d>
+                            <m:dPr>
+                              <m:begChr m:val="["/>
+                              <m:endChr m:val="]"/>
+                              <m:ctrlPr>
+                                <a:rPr lang="ru-RU" i="1">
+                                  <a:latin typeface="Cambria Math" panose="02040503050406030204" pitchFamily="18" charset="0"/>
+                                </a:rPr>
+                              </m:ctrlPr>
+                            </m:dPr>
+                            <m:e>
+                              <m:sSub>
+                                <m:sSubPr>
+                                  <m:ctrlPr>
+                                    <a:rPr lang="ru-RU" i="1">
+                                      <a:latin typeface="Cambria Math" panose="02040503050406030204" pitchFamily="18" charset="0"/>
+                                    </a:rPr>
+                                  </m:ctrlPr>
+                                </m:sSubPr>
+                                <m:e>
+                                  <m:r>
+                                    <a:rPr lang="ru-RU" i="1">
+                                      <a:latin typeface="Cambria Math" panose="02040503050406030204" pitchFamily="18" charset="0"/>
+                                    </a:rPr>
+                                    <m:t>𝑘</m:t>
+                                  </m:r>
+                                </m:e>
+                                <m:sub>
+                                  <m:r>
+                                    <a:rPr lang="ru-RU" i="0">
+                                      <a:latin typeface="Cambria Math" panose="02040503050406030204" pitchFamily="18" charset="0"/>
+                                    </a:rPr>
+                                    <m:t>2</m:t>
+                                  </m:r>
+                                </m:sub>
+                              </m:sSub>
+                            </m:e>
+                          </m:d>
+                        </m:e>
+                      </m:d>
+                      <m:r>
+                        <a:rPr lang="ru-RU">
+                          <a:latin typeface="Cambria Math" panose="02040503050406030204" pitchFamily="18" charset="0"/>
+                        </a:rPr>
+                        <m:t>=</m:t>
+                      </m:r>
+                      <m:nary>
+                        <m:naryPr>
+                          <m:chr m:val="∑"/>
+                          <m:limLoc m:val="undOvr"/>
+                          <m:ctrlPr>
+                            <a:rPr lang="ru-RU" i="1">
+                              <a:latin typeface="Cambria Math" panose="02040503050406030204" pitchFamily="18" charset="0"/>
+                            </a:rPr>
+                          </m:ctrlPr>
+                        </m:naryPr>
+                        <m:sub>
+                          <m:sSub>
+                            <m:sSubPr>
+                              <m:ctrlPr>
+                                <a:rPr lang="ru-RU" i="1">
+                                  <a:latin typeface="Cambria Math" panose="02040503050406030204" pitchFamily="18" charset="0"/>
+                                </a:rPr>
+                              </m:ctrlPr>
+                            </m:sSubPr>
+                            <m:e>
+                              <m:r>
+                                <a:rPr lang="ru-RU" i="1">
+                                  <a:latin typeface="Cambria Math" panose="02040503050406030204" pitchFamily="18" charset="0"/>
+                                </a:rPr>
+                                <m:t>𝑘</m:t>
+                              </m:r>
+                            </m:e>
+                            <m:sub>
+                              <m:r>
+                                <a:rPr lang="ru-RU">
+                                  <a:latin typeface="Cambria Math" panose="02040503050406030204" pitchFamily="18" charset="0"/>
+                                </a:rPr>
+                                <m:t>1</m:t>
+                              </m:r>
+                            </m:sub>
+                          </m:sSub>
+                          <m:r>
+                            <a:rPr lang="ru-RU">
+                              <a:latin typeface="Cambria Math" panose="02040503050406030204" pitchFamily="18" charset="0"/>
+                            </a:rPr>
+                            <m:t>=0</m:t>
+                          </m:r>
+                        </m:sub>
+                        <m:sup>
+                          <m:r>
+                            <a:rPr lang="ru-RU" i="1">
+                              <a:latin typeface="Cambria Math" panose="02040503050406030204" pitchFamily="18" charset="0"/>
+                            </a:rPr>
+                            <m:t>𝑁</m:t>
+                          </m:r>
+                          <m:r>
+                            <a:rPr lang="ru-RU">
+                              <a:latin typeface="Cambria Math" panose="02040503050406030204" pitchFamily="18" charset="0"/>
+                            </a:rPr>
+                            <m:t>−1</m:t>
+                          </m:r>
+                        </m:sup>
+                        <m:e>
+                          <m:nary>
+                            <m:naryPr>
+                              <m:chr m:val="∑"/>
+                              <m:limLoc m:val="undOvr"/>
+                              <m:ctrlPr>
+                                <a:rPr lang="ru-RU" i="1">
+                                  <a:latin typeface="Cambria Math" panose="02040503050406030204" pitchFamily="18" charset="0"/>
+                                </a:rPr>
+                              </m:ctrlPr>
+                            </m:naryPr>
+                            <m:sub>
+                              <m:sSub>
+                                <m:sSubPr>
+                                  <m:ctrlPr>
+                                    <a:rPr lang="ru-RU" i="1">
+                                      <a:latin typeface="Cambria Math" panose="02040503050406030204" pitchFamily="18" charset="0"/>
+                                    </a:rPr>
+                                  </m:ctrlPr>
+                                </m:sSubPr>
+                                <m:e>
+                                  <m:r>
+                                    <a:rPr lang="ru-RU" i="1">
+                                      <a:latin typeface="Cambria Math" panose="02040503050406030204" pitchFamily="18" charset="0"/>
+                                    </a:rPr>
+                                    <m:t>𝑘</m:t>
+                                  </m:r>
+                                </m:e>
+                                <m:sub>
+                                  <m:r>
+                                    <a:rPr lang="ru-RU">
+                                      <a:latin typeface="Cambria Math" panose="02040503050406030204" pitchFamily="18" charset="0"/>
+                                    </a:rPr>
+                                    <m:t>2</m:t>
+                                  </m:r>
+                                </m:sub>
+                              </m:sSub>
+                              <m:r>
+                                <a:rPr lang="ru-RU">
+                                  <a:latin typeface="Cambria Math" panose="02040503050406030204" pitchFamily="18" charset="0"/>
+                                </a:rPr>
+                                <m:t>=0</m:t>
+                              </m:r>
+                            </m:sub>
+                            <m:sup>
+                              <m:r>
+                                <a:rPr lang="ru-RU" i="1">
+                                  <a:latin typeface="Cambria Math" panose="02040503050406030204" pitchFamily="18" charset="0"/>
+                                </a:rPr>
+                                <m:t>𝑁</m:t>
+                              </m:r>
+                              <m:r>
+                                <a:rPr lang="ru-RU">
+                                  <a:latin typeface="Cambria Math" panose="02040503050406030204" pitchFamily="18" charset="0"/>
+                                </a:rPr>
+                                <m:t>−1</m:t>
+                              </m:r>
+                            </m:sup>
+                            <m:e>
+                              <m:d>
+                                <m:dPr>
+                                  <m:begChr m:val=""/>
+                                  <m:endChr m:val="]"/>
+                                  <m:ctrlPr>
+                                    <a:rPr lang="ru-RU" i="1">
+                                      <a:latin typeface="Cambria Math" panose="02040503050406030204" pitchFamily="18" charset="0"/>
+                                    </a:rPr>
+                                  </m:ctrlPr>
+                                </m:dPr>
+                                <m:e>
+                                  <m:r>
+                                    <a:rPr lang="ru-RU" i="1">
+                                      <a:latin typeface="Cambria Math" panose="02040503050406030204" pitchFamily="18" charset="0"/>
+                                    </a:rPr>
+                                    <m:t>𝐸</m:t>
+                                  </m:r>
+                                  <m:r>
+                                    <a:rPr lang="ru-RU">
+                                      <a:latin typeface="Cambria Math" panose="02040503050406030204" pitchFamily="18" charset="0"/>
+                                    </a:rPr>
+                                    <m:t>{</m:t>
+                                  </m:r>
+                                  <m:r>
+                                    <a:rPr lang="ru-RU" i="1">
+                                      <a:latin typeface="Cambria Math" panose="02040503050406030204" pitchFamily="18" charset="0"/>
+                                    </a:rPr>
+                                    <m:t>𝑛</m:t>
+                                  </m:r>
+                                  <m:r>
+                                    <a:rPr lang="ru-RU">
+                                      <a:latin typeface="Cambria Math" panose="02040503050406030204" pitchFamily="18" charset="0"/>
+                                    </a:rPr>
+                                    <m:t>[</m:t>
+                                  </m:r>
+                                  <m:sSub>
+                                    <m:sSubPr>
+                                      <m:ctrlPr>
+                                        <a:rPr lang="ru-RU" i="1">
+                                          <a:latin typeface="Cambria Math" panose="02040503050406030204" pitchFamily="18" charset="0"/>
+                                        </a:rPr>
+                                      </m:ctrlPr>
+                                    </m:sSubPr>
+                                    <m:e>
+                                      <m:r>
+                                        <a:rPr lang="ru-RU" i="1">
+                                          <a:latin typeface="Cambria Math" panose="02040503050406030204" pitchFamily="18" charset="0"/>
+                                        </a:rPr>
+                                        <m:t>𝑘</m:t>
+                                      </m:r>
+                                    </m:e>
+                                    <m:sub>
+                                      <m:r>
+                                        <a:rPr lang="ru-RU">
+                                          <a:latin typeface="Cambria Math" panose="02040503050406030204" pitchFamily="18" charset="0"/>
+                                        </a:rPr>
+                                        <m:t>1</m:t>
+                                      </m:r>
+                                    </m:sub>
+                                  </m:sSub>
+                                  <m:r>
+                                    <a:rPr lang="ru-RU">
+                                      <a:latin typeface="Cambria Math" panose="02040503050406030204" pitchFamily="18" charset="0"/>
+                                    </a:rPr>
+                                    <m:t>]∙</m:t>
+                                  </m:r>
+                                  <m:r>
+                                    <a:rPr lang="ru-RU" i="1">
+                                      <a:latin typeface="Cambria Math" panose="02040503050406030204" pitchFamily="18" charset="0"/>
+                                    </a:rPr>
+                                    <m:t>𝑛</m:t>
+                                  </m:r>
+                                  <m:r>
+                                    <a:rPr lang="ru-RU">
+                                      <a:latin typeface="Cambria Math" panose="02040503050406030204" pitchFamily="18" charset="0"/>
+                                    </a:rPr>
+                                    <m:t>[</m:t>
+                                  </m:r>
+                                  <m:sSub>
+                                    <m:sSubPr>
+                                      <m:ctrlPr>
+                                        <a:rPr lang="ru-RU" i="1">
+                                          <a:latin typeface="Cambria Math" panose="02040503050406030204" pitchFamily="18" charset="0"/>
+                                        </a:rPr>
+                                      </m:ctrlPr>
+                                    </m:sSubPr>
+                                    <m:e>
+                                      <m:r>
+                                        <a:rPr lang="ru-RU" i="1">
+                                          <a:latin typeface="Cambria Math" panose="02040503050406030204" pitchFamily="18" charset="0"/>
+                                        </a:rPr>
+                                        <m:t>𝑘</m:t>
+                                      </m:r>
+                                    </m:e>
+                                    <m:sub>
+                                      <m:r>
+                                        <a:rPr lang="ru-RU">
+                                          <a:latin typeface="Cambria Math" panose="02040503050406030204" pitchFamily="18" charset="0"/>
+                                        </a:rPr>
+                                        <m:t>2</m:t>
+                                      </m:r>
+                                    </m:sub>
+                                  </m:sSub>
+                                </m:e>
+                              </m:d>
+                            </m:e>
+                          </m:nary>
+                        </m:e>
+                      </m:nary>
+                      <m:r>
+                        <a:rPr lang="ru-RU">
+                          <a:latin typeface="Cambria Math" panose="02040503050406030204" pitchFamily="18" charset="0"/>
+                        </a:rPr>
+                        <m:t>}</m:t>
+                      </m:r>
+                      <m:sSup>
+                        <m:sSupPr>
+                          <m:ctrlPr>
+                            <a:rPr lang="ru-RU" i="1">
+                              <a:latin typeface="Cambria Math" panose="02040503050406030204" pitchFamily="18" charset="0"/>
+                            </a:rPr>
+                          </m:ctrlPr>
+                        </m:sSupPr>
+                        <m:e>
+                          <m:r>
+                            <a:rPr lang="ru-RU">
+                              <a:latin typeface="Cambria Math" panose="02040503050406030204" pitchFamily="18" charset="0"/>
+                            </a:rPr>
+                            <m:t>∙</m:t>
+                          </m:r>
+                          <m:r>
+                            <a:rPr lang="ru-RU" i="1">
+                              <a:latin typeface="Cambria Math" panose="02040503050406030204" pitchFamily="18" charset="0"/>
+                            </a:rPr>
+                            <m:t>𝑥</m:t>
+                          </m:r>
+                        </m:e>
+                        <m:sup>
+                          <m:r>
+                            <a:rPr lang="ru-RU">
+                              <a:latin typeface="Cambria Math" panose="02040503050406030204" pitchFamily="18" charset="0"/>
+                            </a:rPr>
+                            <m:t>∗</m:t>
+                          </m:r>
+                        </m:sup>
+                      </m:sSup>
+                      <m:d>
+                        <m:dPr>
+                          <m:begChr m:val="["/>
+                          <m:endChr m:val="]"/>
+                          <m:ctrlPr>
+                            <a:rPr lang="ru-RU" i="1">
+                              <a:latin typeface="Cambria Math" panose="02040503050406030204" pitchFamily="18" charset="0"/>
+                            </a:rPr>
+                          </m:ctrlPr>
+                        </m:dPr>
+                        <m:e>
+                          <m:sSub>
+                            <m:sSubPr>
+                              <m:ctrlPr>
+                                <a:rPr lang="ru-RU" i="1">
+                                  <a:latin typeface="Cambria Math" panose="02040503050406030204" pitchFamily="18" charset="0"/>
+                                </a:rPr>
+                              </m:ctrlPr>
+                            </m:sSubPr>
+                            <m:e>
+                              <m:r>
+                                <a:rPr lang="ru-RU" i="1">
+                                  <a:latin typeface="Cambria Math" panose="02040503050406030204" pitchFamily="18" charset="0"/>
+                                </a:rPr>
+                                <m:t>𝑘</m:t>
+                              </m:r>
+                            </m:e>
+                            <m:sub>
+                              <m:r>
+                                <a:rPr lang="ru-RU">
+                                  <a:latin typeface="Cambria Math" panose="02040503050406030204" pitchFamily="18" charset="0"/>
+                                </a:rPr>
+                                <m:t>1</m:t>
+                              </m:r>
+                            </m:sub>
+                          </m:sSub>
+                        </m:e>
+                      </m:d>
+                      <m:sSup>
+                        <m:sSupPr>
+                          <m:ctrlPr>
+                            <a:rPr lang="ru-RU" i="1">
+                              <a:latin typeface="Cambria Math" panose="02040503050406030204" pitchFamily="18" charset="0"/>
+                            </a:rPr>
+                          </m:ctrlPr>
+                        </m:sSupPr>
+                        <m:e>
+                          <m:r>
+                            <a:rPr lang="ru-RU">
+                              <a:latin typeface="Cambria Math" panose="02040503050406030204" pitchFamily="18" charset="0"/>
+                            </a:rPr>
+                            <m:t>∙</m:t>
+                          </m:r>
+                          <m:r>
+                            <a:rPr lang="ru-RU" i="1">
+                              <a:latin typeface="Cambria Math" panose="02040503050406030204" pitchFamily="18" charset="0"/>
+                            </a:rPr>
+                            <m:t>𝑥</m:t>
+                          </m:r>
+                        </m:e>
+                        <m:sup>
+                          <m:r>
+                            <a:rPr lang="ru-RU">
+                              <a:latin typeface="Cambria Math" panose="02040503050406030204" pitchFamily="18" charset="0"/>
+                            </a:rPr>
+                            <m:t>∗</m:t>
+                          </m:r>
+                        </m:sup>
+                      </m:sSup>
+                      <m:d>
+                        <m:dPr>
+                          <m:begChr m:val="["/>
+                          <m:endChr m:val="]"/>
+                          <m:ctrlPr>
+                            <a:rPr lang="ru-RU" i="1">
+                              <a:latin typeface="Cambria Math" panose="02040503050406030204" pitchFamily="18" charset="0"/>
+                            </a:rPr>
+                          </m:ctrlPr>
+                        </m:dPr>
+                        <m:e>
+                          <m:sSub>
+                            <m:sSubPr>
+                              <m:ctrlPr>
+                                <a:rPr lang="ru-RU" i="1">
+                                  <a:latin typeface="Cambria Math" panose="02040503050406030204" pitchFamily="18" charset="0"/>
+                                </a:rPr>
+                              </m:ctrlPr>
+                            </m:sSubPr>
+                            <m:e>
+                              <m:r>
+                                <a:rPr lang="ru-RU" i="1">
+                                  <a:latin typeface="Cambria Math" panose="02040503050406030204" pitchFamily="18" charset="0"/>
+                                </a:rPr>
+                                <m:t>𝑘</m:t>
+                              </m:r>
+                            </m:e>
+                            <m:sub>
+                              <m:r>
+                                <a:rPr lang="ru-RU">
+                                  <a:latin typeface="Cambria Math" panose="02040503050406030204" pitchFamily="18" charset="0"/>
+                                </a:rPr>
+                                <m:t>2</m:t>
+                              </m:r>
+                            </m:sub>
+                          </m:sSub>
+                        </m:e>
+                      </m:d>
+                    </m:oMath>
+                  </m:oMathPara>
+                </a14:m>
+                <a:endParaRPr lang="ru-RU" dirty="0"/>
+              </a:p>
+            </p:txBody>
+          </p:sp>
+        </mc:Choice>
+        <mc:Fallback>
+          <p:sp>
+            <p:nvSpPr>
+              <p:cNvPr id="11" name="Прямоугольник 10"/>
+              <p:cNvSpPr>
+                <a:spLocks noRot="1" noChangeAspect="1" noMove="1" noResize="1" noEditPoints="1" noAdjustHandles="1" noChangeArrowheads="1" noChangeShapeType="1" noTextEdit="1"/>
+              </p:cNvSpPr>
+              <p:nvPr/>
+            </p:nvSpPr>
+            <p:spPr>
+              <a:xfrm>
+                <a:off x="1232205" y="3598638"/>
+                <a:ext cx="10340670" cy="976614"/>
+              </a:xfrm>
+              <a:prstGeom prst="rect">
+                <a:avLst/>
+              </a:prstGeom>
+              <a:blipFill>
+                <a:blip r:embed="rId17"/>
                 <a:stretch>
                   <a:fillRect/>
                 </a:stretch>
@@ -9557,7 +9169,7 @@
                                           </p:stCondLst>
                                         </p:cTn>
                                         <p:tgtEl>
-                                          <p:spTgt spid="3"/>
+                                          <p:spTgt spid="5"/>
                                         </p:tgtEl>
                                         <p:attrNameLst>
                                           <p:attrName>style.visibility</p:attrName>
@@ -9602,7 +9214,7 @@
                                           </p:stCondLst>
                                         </p:cTn>
                                         <p:tgtEl>
-                                          <p:spTgt spid="10"/>
+                                          <p:spTgt spid="11"/>
                                         </p:tgtEl>
                                         <p:attrNameLst>
                                           <p:attrName>style.visibility</p:attrName>
@@ -9692,7 +9304,7 @@
                                           </p:stCondLst>
                                         </p:cTn>
                                         <p:tgtEl>
-                                          <p:spTgt spid="55"/>
+                                          <p:spTgt spid="35"/>
                                         </p:tgtEl>
                                         <p:attrNameLst>
                                           <p:attrName>style.visibility</p:attrName>
@@ -9737,7 +9349,7 @@
                                           </p:stCondLst>
                                         </p:cTn>
                                         <p:tgtEl>
-                                          <p:spTgt spid="35"/>
+                                          <p:spTgt spid="38"/>
                                         </p:tgtEl>
                                         <p:attrNameLst>
                                           <p:attrName>style.visibility</p:attrName>
@@ -9782,51 +9394,6 @@
                                           </p:stCondLst>
                                         </p:cTn>
                                         <p:tgtEl>
-                                          <p:spTgt spid="38"/>
-                                        </p:tgtEl>
-                                        <p:attrNameLst>
-                                          <p:attrName>style.visibility</p:attrName>
-                                        </p:attrNameLst>
-                                      </p:cBhvr>
-                                      <p:to>
-                                        <p:strVal val="visible"/>
-                                      </p:to>
-                                    </p:set>
-                                  </p:childTnLst>
-                                </p:cTn>
-                              </p:par>
-                            </p:childTnLst>
-                          </p:cTn>
-                        </p:par>
-                      </p:childTnLst>
-                    </p:cTn>
-                  </p:par>
-                  <p:par>
-                    <p:cTn id="55" fill="hold">
-                      <p:stCondLst>
-                        <p:cond delay="indefinite"/>
-                      </p:stCondLst>
-                      <p:childTnLst>
-                        <p:par>
-                          <p:cTn id="56" fill="hold">
-                            <p:stCondLst>
-                              <p:cond delay="0"/>
-                            </p:stCondLst>
-                            <p:childTnLst>
-                              <p:par>
-                                <p:cTn id="57" presetID="1" presetClass="entr" presetSubtype="0" fill="hold" grpId="0" nodeType="clickEffect">
-                                  <p:stCondLst>
-                                    <p:cond delay="0"/>
-                                  </p:stCondLst>
-                                  <p:childTnLst>
-                                    <p:set>
-                                      <p:cBhvr>
-                                        <p:cTn id="58" dur="1" fill="hold">
-                                          <p:stCondLst>
-                                            <p:cond delay="0"/>
-                                          </p:stCondLst>
-                                        </p:cTn>
-                                        <p:tgtEl>
                                           <p:spTgt spid="7"/>
                                         </p:tgtEl>
                                         <p:attrNameLst>
@@ -9841,14 +9408,14 @@
                                 </p:cTn>
                               </p:par>
                               <p:par>
-                                <p:cTn id="59" presetID="1" presetClass="entr" presetSubtype="0" fill="hold" grpId="0" nodeType="withEffect">
+                                <p:cTn id="55" presetID="1" presetClass="entr" presetSubtype="0" fill="hold" grpId="0" nodeType="withEffect">
                                   <p:stCondLst>
                                     <p:cond delay="0"/>
                                   </p:stCondLst>
                                   <p:childTnLst>
                                     <p:set>
                                       <p:cBhvr>
-                                        <p:cTn id="60" dur="1" fill="hold">
+                                        <p:cTn id="56" dur="1" fill="hold">
                                           <p:stCondLst>
                                             <p:cond delay="0"/>
                                           </p:stCondLst>
@@ -9899,16 +9466,15 @@
       <p:bldP spid="39" grpId="0"/>
       <p:bldP spid="41" grpId="0"/>
       <p:bldP spid="43" grpId="0"/>
-      <p:bldP spid="55" grpId="0"/>
       <p:bldP spid="7" grpId="0" animBg="1"/>
       <p:bldP spid="35" grpId="0"/>
       <p:bldP spid="38" grpId="0"/>
-      <p:bldP spid="3" grpId="0"/>
-      <p:bldP spid="10" grpId="0"/>
       <p:bldP spid="13" grpId="0"/>
       <p:bldP spid="15" grpId="0"/>
       <p:bldP spid="17" grpId="0"/>
       <p:bldP spid="20" grpId="0"/>
+      <p:bldP spid="5" grpId="0"/>
+      <p:bldP spid="11" grpId="0"/>
     </p:bldLst>
   </p:timing>
 </p:sld>
